--- a/JavaLecture/LectureFile/java 3강 조건문.pptx
+++ b/JavaLecture/LectureFile/java 3강 조건문.pptx
@@ -262,7 +262,7 @@
           <a:p>
             <a:fld id="{D79F2C30-10E1-4C46-91DC-BBDB9629E720}" type="datetimeFigureOut">
               <a:rPr lang="ko-KR" altLang="en-US" smtClean="0"/>
-              <a:t>2023-09-26 Tuesday</a:t>
+              <a:t>2023-10-03</a:t>
             </a:fld>
             <a:endParaRPr lang="ko-KR" altLang="en-US"/>
           </a:p>
@@ -890,7 +890,7 @@
           <a:p>
             <a:fld id="{F8166F1F-CE9B-4651-A6AA-CD717754106B}" type="datetimeFigureOut">
               <a:rPr lang="en-US" smtClean="0"/>
-              <a:t>9/26/2023</a:t>
+              <a:t>10/3/2023</a:t>
             </a:fld>
             <a:endParaRPr lang="en-US"/>
           </a:p>
@@ -1093,7 +1093,7 @@
           <a:p>
             <a:fld id="{A76116CE-C4A3-4A05-B2D7-7C2E9A889C0F}" type="datetimeFigureOut">
               <a:rPr lang="en-US" smtClean="0"/>
-              <a:t>9/26/2023</a:t>
+              <a:t>10/3/2023</a:t>
             </a:fld>
             <a:endParaRPr lang="en-US"/>
           </a:p>
@@ -1296,7 +1296,7 @@
           <a:p>
             <a:fld id="{A76116CE-C4A3-4A05-B2D7-7C2E9A889C0F}" type="datetimeFigureOut">
               <a:rPr lang="en-US" smtClean="0"/>
-              <a:t>9/26/2023</a:t>
+              <a:t>10/3/2023</a:t>
             </a:fld>
             <a:endParaRPr lang="en-US"/>
           </a:p>
@@ -1501,7 +1501,7 @@
           <a:p>
             <a:fld id="{A76116CE-C4A3-4A05-B2D7-7C2E9A889C0F}" type="datetimeFigureOut">
               <a:rPr lang="en-US" smtClean="0"/>
-              <a:t>9/26/2023</a:t>
+              <a:t>10/3/2023</a:t>
             </a:fld>
             <a:endParaRPr lang="en-US"/>
           </a:p>
@@ -1771,7 +1771,7 @@
           <a:p>
             <a:fld id="{A76116CE-C4A3-4A05-B2D7-7C2E9A889C0F}" type="datetimeFigureOut">
               <a:rPr lang="en-US" smtClean="0"/>
-              <a:t>9/26/2023</a:t>
+              <a:t>10/3/2023</a:t>
             </a:fld>
             <a:endParaRPr lang="en-US"/>
           </a:p>
@@ -2089,7 +2089,7 @@
           <a:p>
             <a:fld id="{A76116CE-C4A3-4A05-B2D7-7C2E9A889C0F}" type="datetimeFigureOut">
               <a:rPr lang="en-US" smtClean="0"/>
-              <a:t>9/26/2023</a:t>
+              <a:t>10/3/2023</a:t>
             </a:fld>
             <a:endParaRPr lang="en-US"/>
           </a:p>
@@ -2547,7 +2547,7 @@
           <a:p>
             <a:fld id="{A76116CE-C4A3-4A05-B2D7-7C2E9A889C0F}" type="datetimeFigureOut">
               <a:rPr lang="en-US" smtClean="0"/>
-              <a:t>9/26/2023</a:t>
+              <a:t>10/3/2023</a:t>
             </a:fld>
             <a:endParaRPr lang="en-US"/>
           </a:p>
@@ -2691,7 +2691,7 @@
           <a:p>
             <a:fld id="{A76116CE-C4A3-4A05-B2D7-7C2E9A889C0F}" type="datetimeFigureOut">
               <a:rPr lang="en-US" smtClean="0"/>
-              <a:t>9/26/2023</a:t>
+              <a:t>10/3/2023</a:t>
             </a:fld>
             <a:endParaRPr lang="en-US"/>
           </a:p>
@@ -2805,7 +2805,7 @@
           <a:p>
             <a:fld id="{A76116CE-C4A3-4A05-B2D7-7C2E9A889C0F}" type="datetimeFigureOut">
               <a:rPr lang="en-US" smtClean="0"/>
-              <a:t>9/26/2023</a:t>
+              <a:t>10/3/2023</a:t>
             </a:fld>
             <a:endParaRPr lang="en-US"/>
           </a:p>
@@ -3108,7 +3108,7 @@
           <a:p>
             <a:fld id="{A76116CE-C4A3-4A05-B2D7-7C2E9A889C0F}" type="datetimeFigureOut">
               <a:rPr lang="en-US" smtClean="0"/>
-              <a:t>9/26/2023</a:t>
+              <a:t>10/3/2023</a:t>
             </a:fld>
             <a:endParaRPr lang="en-US"/>
           </a:p>
@@ -3388,7 +3388,7 @@
           <a:p>
             <a:fld id="{A76116CE-C4A3-4A05-B2D7-7C2E9A889C0F}" type="datetimeFigureOut">
               <a:rPr lang="en-US" smtClean="0"/>
-              <a:t>9/26/2023</a:t>
+              <a:t>10/3/2023</a:t>
             </a:fld>
             <a:endParaRPr lang="en-US"/>
           </a:p>
@@ -4146,7 +4146,7 @@
           <p:cNvPr id="2" name="TextBox 1">
             <a:extLst>
               <a:ext uri="{FF2B5EF4-FFF2-40B4-BE49-F238E27FC236}">
-                <a16:creationId xmlns:a16="http://schemas.microsoft.com/office/drawing/2014/main" id="{E9A453A8-9968-67AB-7B4A-83EEB4662AA6}"/>
+                <a16:creationId xmlns="" xmlns:a16="http://schemas.microsoft.com/office/drawing/2014/main" id="{E9A453A8-9968-67AB-7B4A-83EEB4662AA6}"/>
               </a:ext>
             </a:extLst>
           </p:cNvPr>
@@ -4194,7 +4194,7 @@
           <p:cNvPr id="4" name="TextBox 3">
             <a:extLst>
               <a:ext uri="{FF2B5EF4-FFF2-40B4-BE49-F238E27FC236}">
-                <a16:creationId xmlns:a16="http://schemas.microsoft.com/office/drawing/2014/main" id="{F4B7A35A-8AAC-4622-64BC-CAD1472D4115}"/>
+                <a16:creationId xmlns="" xmlns:a16="http://schemas.microsoft.com/office/drawing/2014/main" id="{F4B7A35A-8AAC-4622-64BC-CAD1472D4115}"/>
               </a:ext>
             </a:extLst>
           </p:cNvPr>
@@ -4266,7 +4266,7 @@
           <p:cNvPr id="7" name="TextBox 6">
             <a:extLst>
               <a:ext uri="{FF2B5EF4-FFF2-40B4-BE49-F238E27FC236}">
-                <a16:creationId xmlns:a16="http://schemas.microsoft.com/office/drawing/2014/main" id="{3ACE900A-D779-4343-6623-8588B376F0A1}"/>
+                <a16:creationId xmlns="" xmlns:a16="http://schemas.microsoft.com/office/drawing/2014/main" id="{3ACE900A-D779-4343-6623-8588B376F0A1}"/>
               </a:ext>
             </a:extLst>
           </p:cNvPr>
@@ -4518,7 +4518,7 @@
           <p:cNvPr id="2" name="TextBox 1">
             <a:extLst>
               <a:ext uri="{FF2B5EF4-FFF2-40B4-BE49-F238E27FC236}">
-                <a16:creationId xmlns:a16="http://schemas.microsoft.com/office/drawing/2014/main" id="{76F36AE5-79B5-0B9F-E510-1C27AAC4B649}"/>
+                <a16:creationId xmlns="" xmlns:a16="http://schemas.microsoft.com/office/drawing/2014/main" id="{76F36AE5-79B5-0B9F-E510-1C27AAC4B649}"/>
               </a:ext>
             </a:extLst>
           </p:cNvPr>
@@ -4606,7 +4606,7 @@
           <p:cNvPr id="4" name="TextBox 3">
             <a:extLst>
               <a:ext uri="{FF2B5EF4-FFF2-40B4-BE49-F238E27FC236}">
-                <a16:creationId xmlns:a16="http://schemas.microsoft.com/office/drawing/2014/main" id="{9F7DCD18-D21C-6601-530F-F0F4F9937612}"/>
+                <a16:creationId xmlns="" xmlns:a16="http://schemas.microsoft.com/office/drawing/2014/main" id="{9F7DCD18-D21C-6601-530F-F0F4F9937612}"/>
               </a:ext>
             </a:extLst>
           </p:cNvPr>
@@ -4684,7 +4684,7 @@
           <p:cNvPr id="6" name="그림 5">
             <a:extLst>
               <a:ext uri="{FF2B5EF4-FFF2-40B4-BE49-F238E27FC236}">
-                <a16:creationId xmlns:a16="http://schemas.microsoft.com/office/drawing/2014/main" id="{1BAE0638-DBC8-5C47-FD9C-CE0D30CCF5E4}"/>
+                <a16:creationId xmlns="" xmlns:a16="http://schemas.microsoft.com/office/drawing/2014/main" id="{1BAE0638-DBC8-5C47-FD9C-CE0D30CCF5E4}"/>
               </a:ext>
             </a:extLst>
           </p:cNvPr>
@@ -4714,7 +4714,7 @@
           <p:cNvPr id="2" name="직선 화살표 연결선 1">
             <a:extLst>
               <a:ext uri="{FF2B5EF4-FFF2-40B4-BE49-F238E27FC236}">
-                <a16:creationId xmlns:a16="http://schemas.microsoft.com/office/drawing/2014/main" id="{1227E510-FF93-5EF4-8499-03A390947FF3}"/>
+                <a16:creationId xmlns="" xmlns:a16="http://schemas.microsoft.com/office/drawing/2014/main" id="{1227E510-FF93-5EF4-8499-03A390947FF3}"/>
               </a:ext>
             </a:extLst>
           </p:cNvPr>
@@ -4755,7 +4755,7 @@
           <p:cNvPr id="3" name="직사각형 2">
             <a:extLst>
               <a:ext uri="{FF2B5EF4-FFF2-40B4-BE49-F238E27FC236}">
-                <a16:creationId xmlns:a16="http://schemas.microsoft.com/office/drawing/2014/main" id="{7AF9EDFD-0475-E33D-9EED-03B162E9A9FF}"/>
+                <a16:creationId xmlns="" xmlns:a16="http://schemas.microsoft.com/office/drawing/2014/main" id="{7AF9EDFD-0475-E33D-9EED-03B162E9A9FF}"/>
               </a:ext>
             </a:extLst>
           </p:cNvPr>
@@ -4807,7 +4807,7 @@
           <p:cNvPr id="5" name="TextBox 4">
             <a:extLst>
               <a:ext uri="{FF2B5EF4-FFF2-40B4-BE49-F238E27FC236}">
-                <a16:creationId xmlns:a16="http://schemas.microsoft.com/office/drawing/2014/main" id="{5D2E566C-5A0B-186B-F3E3-5068D9280F78}"/>
+                <a16:creationId xmlns="" xmlns:a16="http://schemas.microsoft.com/office/drawing/2014/main" id="{5D2E566C-5A0B-186B-F3E3-5068D9280F78}"/>
               </a:ext>
             </a:extLst>
           </p:cNvPr>
@@ -4875,7 +4875,7 @@
           <p:cNvPr id="7" name="직선 화살표 연결선 6">
             <a:extLst>
               <a:ext uri="{FF2B5EF4-FFF2-40B4-BE49-F238E27FC236}">
-                <a16:creationId xmlns:a16="http://schemas.microsoft.com/office/drawing/2014/main" id="{97BB51AC-FF25-2CAE-132C-6D1B4ACB21B3}"/>
+                <a16:creationId xmlns="" xmlns:a16="http://schemas.microsoft.com/office/drawing/2014/main" id="{97BB51AC-FF25-2CAE-132C-6D1B4ACB21B3}"/>
               </a:ext>
             </a:extLst>
           </p:cNvPr>
@@ -4916,7 +4916,7 @@
           <p:cNvPr id="9" name="직사각형 8">
             <a:extLst>
               <a:ext uri="{FF2B5EF4-FFF2-40B4-BE49-F238E27FC236}">
-                <a16:creationId xmlns:a16="http://schemas.microsoft.com/office/drawing/2014/main" id="{D99D2628-55FC-6B19-2A29-4FEE904E79C0}"/>
+                <a16:creationId xmlns="" xmlns:a16="http://schemas.microsoft.com/office/drawing/2014/main" id="{D99D2628-55FC-6B19-2A29-4FEE904E79C0}"/>
               </a:ext>
             </a:extLst>
           </p:cNvPr>
@@ -4968,7 +4968,7 @@
           <p:cNvPr id="11" name="TextBox 10">
             <a:extLst>
               <a:ext uri="{FF2B5EF4-FFF2-40B4-BE49-F238E27FC236}">
-                <a16:creationId xmlns:a16="http://schemas.microsoft.com/office/drawing/2014/main" id="{0403FCA6-0BF1-F88F-F1AC-7704FC1B216F}"/>
+                <a16:creationId xmlns="" xmlns:a16="http://schemas.microsoft.com/office/drawing/2014/main" id="{0403FCA6-0BF1-F88F-F1AC-7704FC1B216F}"/>
               </a:ext>
             </a:extLst>
           </p:cNvPr>
@@ -5036,7 +5036,7 @@
           <p:cNvPr id="12" name="TextBox 11">
             <a:extLst>
               <a:ext uri="{FF2B5EF4-FFF2-40B4-BE49-F238E27FC236}">
-                <a16:creationId xmlns:a16="http://schemas.microsoft.com/office/drawing/2014/main" id="{BABD2DD2-A5D6-D32C-2484-E7E89325B726}"/>
+                <a16:creationId xmlns="" xmlns:a16="http://schemas.microsoft.com/office/drawing/2014/main" id="{BABD2DD2-A5D6-D32C-2484-E7E89325B726}"/>
               </a:ext>
             </a:extLst>
           </p:cNvPr>
@@ -5251,7 +5251,7 @@
           <p:cNvPr id="4" name="그림 3">
             <a:extLst>
               <a:ext uri="{FF2B5EF4-FFF2-40B4-BE49-F238E27FC236}">
-                <a16:creationId xmlns:a16="http://schemas.microsoft.com/office/drawing/2014/main" id="{2594969C-8FD9-D0FA-7CE7-EF03E44994AF}"/>
+                <a16:creationId xmlns="" xmlns:a16="http://schemas.microsoft.com/office/drawing/2014/main" id="{2594969C-8FD9-D0FA-7CE7-EF03E44994AF}"/>
               </a:ext>
             </a:extLst>
           </p:cNvPr>
@@ -5281,7 +5281,7 @@
           <p:cNvPr id="5" name="TextBox 4">
             <a:extLst>
               <a:ext uri="{FF2B5EF4-FFF2-40B4-BE49-F238E27FC236}">
-                <a16:creationId xmlns:a16="http://schemas.microsoft.com/office/drawing/2014/main" id="{8C8B477D-FE7D-6B74-A112-16467C8E88E9}"/>
+                <a16:creationId xmlns="" xmlns:a16="http://schemas.microsoft.com/office/drawing/2014/main" id="{8C8B477D-FE7D-6B74-A112-16467C8E88E9}"/>
               </a:ext>
             </a:extLst>
           </p:cNvPr>
@@ -5404,7 +5404,7 @@
           <p:cNvPr id="9" name="TextBox 8">
             <a:extLst>
               <a:ext uri="{FF2B5EF4-FFF2-40B4-BE49-F238E27FC236}">
-                <a16:creationId xmlns:a16="http://schemas.microsoft.com/office/drawing/2014/main" id="{B3F3ACE7-DA91-9F3A-7E2D-A96A5940A8E4}"/>
+                <a16:creationId xmlns="" xmlns:a16="http://schemas.microsoft.com/office/drawing/2014/main" id="{B3F3ACE7-DA91-9F3A-7E2D-A96A5940A8E4}"/>
               </a:ext>
             </a:extLst>
           </p:cNvPr>
@@ -5482,7 +5482,7 @@
           <p:cNvPr id="3" name="그림 2">
             <a:extLst>
               <a:ext uri="{FF2B5EF4-FFF2-40B4-BE49-F238E27FC236}">
-                <a16:creationId xmlns:a16="http://schemas.microsoft.com/office/drawing/2014/main" id="{A30A22E8-FC73-3D73-C2D3-9243B7269C5A}"/>
+                <a16:creationId xmlns="" xmlns:a16="http://schemas.microsoft.com/office/drawing/2014/main" id="{A30A22E8-FC73-3D73-C2D3-9243B7269C5A}"/>
               </a:ext>
             </a:extLst>
           </p:cNvPr>
@@ -5512,7 +5512,7 @@
           <p:cNvPr id="4" name="직선 화살표 연결선 3">
             <a:extLst>
               <a:ext uri="{FF2B5EF4-FFF2-40B4-BE49-F238E27FC236}">
-                <a16:creationId xmlns:a16="http://schemas.microsoft.com/office/drawing/2014/main" id="{099AC6AB-C209-B05B-62F4-388DBF3821E7}"/>
+                <a16:creationId xmlns="" xmlns:a16="http://schemas.microsoft.com/office/drawing/2014/main" id="{099AC6AB-C209-B05B-62F4-388DBF3821E7}"/>
               </a:ext>
             </a:extLst>
           </p:cNvPr>
@@ -5553,7 +5553,7 @@
           <p:cNvPr id="10" name="직사각형 9">
             <a:extLst>
               <a:ext uri="{FF2B5EF4-FFF2-40B4-BE49-F238E27FC236}">
-                <a16:creationId xmlns:a16="http://schemas.microsoft.com/office/drawing/2014/main" id="{B5606E31-5C36-3B16-B6E7-102388FDCD30}"/>
+                <a16:creationId xmlns="" xmlns:a16="http://schemas.microsoft.com/office/drawing/2014/main" id="{B5606E31-5C36-3B16-B6E7-102388FDCD30}"/>
               </a:ext>
             </a:extLst>
           </p:cNvPr>
@@ -5605,7 +5605,7 @@
           <p:cNvPr id="11" name="TextBox 10">
             <a:extLst>
               <a:ext uri="{FF2B5EF4-FFF2-40B4-BE49-F238E27FC236}">
-                <a16:creationId xmlns:a16="http://schemas.microsoft.com/office/drawing/2014/main" id="{0566D871-27B0-73DF-6F91-CF9C9E6F7F88}"/>
+                <a16:creationId xmlns="" xmlns:a16="http://schemas.microsoft.com/office/drawing/2014/main" id="{0566D871-27B0-73DF-6F91-CF9C9E6F7F88}"/>
               </a:ext>
             </a:extLst>
           </p:cNvPr>
@@ -5696,7 +5696,7 @@
           <p:cNvPr id="12" name="직선 화살표 연결선 11">
             <a:extLst>
               <a:ext uri="{FF2B5EF4-FFF2-40B4-BE49-F238E27FC236}">
-                <a16:creationId xmlns:a16="http://schemas.microsoft.com/office/drawing/2014/main" id="{1D0BC436-D244-EBCA-B8CE-156DE862568F}"/>
+                <a16:creationId xmlns="" xmlns:a16="http://schemas.microsoft.com/office/drawing/2014/main" id="{1D0BC436-D244-EBCA-B8CE-156DE862568F}"/>
               </a:ext>
             </a:extLst>
           </p:cNvPr>
@@ -5737,7 +5737,7 @@
           <p:cNvPr id="13" name="직사각형 12">
             <a:extLst>
               <a:ext uri="{FF2B5EF4-FFF2-40B4-BE49-F238E27FC236}">
-                <a16:creationId xmlns:a16="http://schemas.microsoft.com/office/drawing/2014/main" id="{0990BD25-DA34-62E3-72EA-A53DDA646DCD}"/>
+                <a16:creationId xmlns="" xmlns:a16="http://schemas.microsoft.com/office/drawing/2014/main" id="{0990BD25-DA34-62E3-72EA-A53DDA646DCD}"/>
               </a:ext>
             </a:extLst>
           </p:cNvPr>
@@ -5789,7 +5789,7 @@
           <p:cNvPr id="14" name="TextBox 13">
             <a:extLst>
               <a:ext uri="{FF2B5EF4-FFF2-40B4-BE49-F238E27FC236}">
-                <a16:creationId xmlns:a16="http://schemas.microsoft.com/office/drawing/2014/main" id="{9C4D7887-8D86-EAD2-6CC7-57316F369139}"/>
+                <a16:creationId xmlns="" xmlns:a16="http://schemas.microsoft.com/office/drawing/2014/main" id="{9C4D7887-8D86-EAD2-6CC7-57316F369139}"/>
               </a:ext>
             </a:extLst>
           </p:cNvPr>
@@ -5857,7 +5857,7 @@
           <p:cNvPr id="15" name="TextBox 14">
             <a:extLst>
               <a:ext uri="{FF2B5EF4-FFF2-40B4-BE49-F238E27FC236}">
-                <a16:creationId xmlns:a16="http://schemas.microsoft.com/office/drawing/2014/main" id="{A6ED0C7A-8A0B-8563-4547-3CAB31A73BC7}"/>
+                <a16:creationId xmlns="" xmlns:a16="http://schemas.microsoft.com/office/drawing/2014/main" id="{A6ED0C7A-8A0B-8563-4547-3CAB31A73BC7}"/>
               </a:ext>
             </a:extLst>
           </p:cNvPr>
@@ -6008,7 +6008,7 @@
           <p:cNvPr id="4" name="그림 3">
             <a:extLst>
               <a:ext uri="{FF2B5EF4-FFF2-40B4-BE49-F238E27FC236}">
-                <a16:creationId xmlns:a16="http://schemas.microsoft.com/office/drawing/2014/main" id="{883883F3-E701-4636-CFA4-3F970AD253A2}"/>
+                <a16:creationId xmlns="" xmlns:a16="http://schemas.microsoft.com/office/drawing/2014/main" id="{883883F3-E701-4636-CFA4-3F970AD253A2}"/>
               </a:ext>
             </a:extLst>
           </p:cNvPr>
@@ -6038,7 +6038,7 @@
           <p:cNvPr id="5" name="TextBox 4">
             <a:extLst>
               <a:ext uri="{FF2B5EF4-FFF2-40B4-BE49-F238E27FC236}">
-                <a16:creationId xmlns:a16="http://schemas.microsoft.com/office/drawing/2014/main" id="{C310D309-B381-8436-82D8-5845FAE09753}"/>
+                <a16:creationId xmlns="" xmlns:a16="http://schemas.microsoft.com/office/drawing/2014/main" id="{C310D309-B381-8436-82D8-5845FAE09753}"/>
               </a:ext>
             </a:extLst>
           </p:cNvPr>
@@ -6089,7 +6089,7 @@
           <p:cNvPr id="6" name="직사각형 5">
             <a:extLst>
               <a:ext uri="{FF2B5EF4-FFF2-40B4-BE49-F238E27FC236}">
-                <a16:creationId xmlns:a16="http://schemas.microsoft.com/office/drawing/2014/main" id="{DF230338-B62E-FEE8-A3D0-EFB89B082E26}"/>
+                <a16:creationId xmlns="" xmlns:a16="http://schemas.microsoft.com/office/drawing/2014/main" id="{DF230338-B62E-FEE8-A3D0-EFB89B082E26}"/>
               </a:ext>
             </a:extLst>
           </p:cNvPr>
@@ -6141,7 +6141,7 @@
           <p:cNvPr id="7" name="직선 화살표 연결선 6">
             <a:extLst>
               <a:ext uri="{FF2B5EF4-FFF2-40B4-BE49-F238E27FC236}">
-                <a16:creationId xmlns:a16="http://schemas.microsoft.com/office/drawing/2014/main" id="{D4DA4A05-ADDB-CD82-05DB-FCB6A77A5DD0}"/>
+                <a16:creationId xmlns="" xmlns:a16="http://schemas.microsoft.com/office/drawing/2014/main" id="{D4DA4A05-ADDB-CD82-05DB-FCB6A77A5DD0}"/>
               </a:ext>
             </a:extLst>
           </p:cNvPr>
@@ -6182,7 +6182,7 @@
           <p:cNvPr id="8" name="TextBox 7">
             <a:extLst>
               <a:ext uri="{FF2B5EF4-FFF2-40B4-BE49-F238E27FC236}">
-                <a16:creationId xmlns:a16="http://schemas.microsoft.com/office/drawing/2014/main" id="{0E47FEC8-1D66-E5D9-E0F3-AEE39C6F85DE}"/>
+                <a16:creationId xmlns="" xmlns:a16="http://schemas.microsoft.com/office/drawing/2014/main" id="{0E47FEC8-1D66-E5D9-E0F3-AEE39C6F85DE}"/>
               </a:ext>
             </a:extLst>
           </p:cNvPr>
@@ -6393,7 +6393,7 @@
           <p:cNvPr id="5" name="TextBox 4">
             <a:extLst>
               <a:ext uri="{FF2B5EF4-FFF2-40B4-BE49-F238E27FC236}">
-                <a16:creationId xmlns:a16="http://schemas.microsoft.com/office/drawing/2014/main" id="{E8999D63-5E6C-352A-7C9F-755BB5230669}"/>
+                <a16:creationId xmlns="" xmlns:a16="http://schemas.microsoft.com/office/drawing/2014/main" id="{E8999D63-5E6C-352A-7C9F-755BB5230669}"/>
               </a:ext>
             </a:extLst>
           </p:cNvPr>
@@ -6444,7 +6444,7 @@
           <p:cNvPr id="6" name="TextBox 5">
             <a:extLst>
               <a:ext uri="{FF2B5EF4-FFF2-40B4-BE49-F238E27FC236}">
-                <a16:creationId xmlns:a16="http://schemas.microsoft.com/office/drawing/2014/main" id="{3D942B6A-100D-7C4F-8A6D-16BF9AFCDB26}"/>
+                <a16:creationId xmlns="" xmlns:a16="http://schemas.microsoft.com/office/drawing/2014/main" id="{3D942B6A-100D-7C4F-8A6D-16BF9AFCDB26}"/>
               </a:ext>
             </a:extLst>
           </p:cNvPr>
@@ -6485,7 +6485,7 @@
           <p:cNvPr id="8" name="그림 7">
             <a:extLst>
               <a:ext uri="{FF2B5EF4-FFF2-40B4-BE49-F238E27FC236}">
-                <a16:creationId xmlns:a16="http://schemas.microsoft.com/office/drawing/2014/main" id="{9B64380C-2998-E601-FA96-882BE9CC965D}"/>
+                <a16:creationId xmlns="" xmlns:a16="http://schemas.microsoft.com/office/drawing/2014/main" id="{9B64380C-2998-E601-FA96-882BE9CC965D}"/>
               </a:ext>
             </a:extLst>
           </p:cNvPr>
@@ -6515,7 +6515,7 @@
           <p:cNvPr id="10" name="그림 9">
             <a:extLst>
               <a:ext uri="{FF2B5EF4-FFF2-40B4-BE49-F238E27FC236}">
-                <a16:creationId xmlns:a16="http://schemas.microsoft.com/office/drawing/2014/main" id="{0A483ABE-F810-B686-DFCE-E76E8EE700A3}"/>
+                <a16:creationId xmlns="" xmlns:a16="http://schemas.microsoft.com/office/drawing/2014/main" id="{0A483ABE-F810-B686-DFCE-E76E8EE700A3}"/>
               </a:ext>
             </a:extLst>
           </p:cNvPr>
@@ -6575,7 +6575,7 @@
           <p:cNvPr id="4" name="TextBox 3">
             <a:extLst>
               <a:ext uri="{FF2B5EF4-FFF2-40B4-BE49-F238E27FC236}">
-                <a16:creationId xmlns:a16="http://schemas.microsoft.com/office/drawing/2014/main" id="{42DA360B-FCE9-ADF1-10BF-66DDB117C22D}"/>
+                <a16:creationId xmlns="" xmlns:a16="http://schemas.microsoft.com/office/drawing/2014/main" id="{42DA360B-FCE9-ADF1-10BF-66DDB117C22D}"/>
               </a:ext>
             </a:extLst>
           </p:cNvPr>
@@ -6633,7 +6633,7 @@
           <p:cNvPr id="6" name="그림 5">
             <a:extLst>
               <a:ext uri="{FF2B5EF4-FFF2-40B4-BE49-F238E27FC236}">
-                <a16:creationId xmlns:a16="http://schemas.microsoft.com/office/drawing/2014/main" id="{9FDCB96E-3A6A-E20E-6B3E-74A3ACF74BDA}"/>
+                <a16:creationId xmlns="" xmlns:a16="http://schemas.microsoft.com/office/drawing/2014/main" id="{9FDCB96E-3A6A-E20E-6B3E-74A3ACF74BDA}"/>
               </a:ext>
             </a:extLst>
           </p:cNvPr>
@@ -6663,7 +6663,7 @@
           <p:cNvPr id="2" name="TextBox 1">
             <a:extLst>
               <a:ext uri="{FF2B5EF4-FFF2-40B4-BE49-F238E27FC236}">
-                <a16:creationId xmlns:a16="http://schemas.microsoft.com/office/drawing/2014/main" id="{055655AD-237D-10F7-6D99-8C8F1F46CF02}"/>
+                <a16:creationId xmlns="" xmlns:a16="http://schemas.microsoft.com/office/drawing/2014/main" id="{055655AD-237D-10F7-6D99-8C8F1F46CF02}"/>
               </a:ext>
             </a:extLst>
           </p:cNvPr>
@@ -6744,7 +6744,7 @@
           <p:cNvPr id="3" name="그림 2">
             <a:extLst>
               <a:ext uri="{FF2B5EF4-FFF2-40B4-BE49-F238E27FC236}">
-                <a16:creationId xmlns:a16="http://schemas.microsoft.com/office/drawing/2014/main" id="{630509CF-2EE9-2EB2-4EFF-E2BFA25991CA}"/>
+                <a16:creationId xmlns="" xmlns:a16="http://schemas.microsoft.com/office/drawing/2014/main" id="{630509CF-2EE9-2EB2-4EFF-E2BFA25991CA}"/>
               </a:ext>
             </a:extLst>
           </p:cNvPr>
@@ -6774,7 +6774,7 @@
           <p:cNvPr id="4" name="TextBox 3">
             <a:extLst>
               <a:ext uri="{FF2B5EF4-FFF2-40B4-BE49-F238E27FC236}">
-                <a16:creationId xmlns:a16="http://schemas.microsoft.com/office/drawing/2014/main" id="{75630B4D-DF4E-BC3D-757C-A3B2A315F4F2}"/>
+                <a16:creationId xmlns="" xmlns:a16="http://schemas.microsoft.com/office/drawing/2014/main" id="{75630B4D-DF4E-BC3D-757C-A3B2A315F4F2}"/>
               </a:ext>
             </a:extLst>
           </p:cNvPr>
@@ -6855,7 +6855,7 @@
           <p:cNvPr id="7" name="TextBox 6">
             <a:extLst>
               <a:ext uri="{FF2B5EF4-FFF2-40B4-BE49-F238E27FC236}">
-                <a16:creationId xmlns:a16="http://schemas.microsoft.com/office/drawing/2014/main" id="{793BDE34-33C5-FDA9-E751-35DF54EBB531}"/>
+                <a16:creationId xmlns="" xmlns:a16="http://schemas.microsoft.com/office/drawing/2014/main" id="{793BDE34-33C5-FDA9-E751-35DF54EBB531}"/>
               </a:ext>
             </a:extLst>
           </p:cNvPr>
@@ -7028,7 +7028,7 @@
           <p:cNvPr id="8" name="직사각형 7">
             <a:extLst>
               <a:ext uri="{FF2B5EF4-FFF2-40B4-BE49-F238E27FC236}">
-                <a16:creationId xmlns:a16="http://schemas.microsoft.com/office/drawing/2014/main" id="{4318435F-3F26-893B-C776-AEF9745E9F14}"/>
+                <a16:creationId xmlns="" xmlns:a16="http://schemas.microsoft.com/office/drawing/2014/main" id="{4318435F-3F26-893B-C776-AEF9745E9F14}"/>
               </a:ext>
             </a:extLst>
           </p:cNvPr>
@@ -7080,7 +7080,7 @@
           <p:cNvPr id="9" name="직선 화살표 연결선 8">
             <a:extLst>
               <a:ext uri="{FF2B5EF4-FFF2-40B4-BE49-F238E27FC236}">
-                <a16:creationId xmlns:a16="http://schemas.microsoft.com/office/drawing/2014/main" id="{1127EAB3-6DAD-9C7A-14B8-F0BC20C76B84}"/>
+                <a16:creationId xmlns="" xmlns:a16="http://schemas.microsoft.com/office/drawing/2014/main" id="{1127EAB3-6DAD-9C7A-14B8-F0BC20C76B84}"/>
               </a:ext>
             </a:extLst>
           </p:cNvPr>
@@ -7284,7 +7284,7 @@
           <p:cNvPr id="4" name="TextBox 3">
             <a:extLst>
               <a:ext uri="{FF2B5EF4-FFF2-40B4-BE49-F238E27FC236}">
-                <a16:creationId xmlns:a16="http://schemas.microsoft.com/office/drawing/2014/main" id="{6DFE3CFD-8AE7-B344-5821-D059E09D144B}"/>
+                <a16:creationId xmlns="" xmlns:a16="http://schemas.microsoft.com/office/drawing/2014/main" id="{6DFE3CFD-8AE7-B344-5821-D059E09D144B}"/>
               </a:ext>
             </a:extLst>
           </p:cNvPr>
@@ -7335,7 +7335,7 @@
           <p:cNvPr id="5" name="TextBox 4">
             <a:extLst>
               <a:ext uri="{FF2B5EF4-FFF2-40B4-BE49-F238E27FC236}">
-                <a16:creationId xmlns:a16="http://schemas.microsoft.com/office/drawing/2014/main" id="{B7EB6279-6EB7-CE1E-EAD0-CF0DFEBD41C3}"/>
+                <a16:creationId xmlns="" xmlns:a16="http://schemas.microsoft.com/office/drawing/2014/main" id="{B7EB6279-6EB7-CE1E-EAD0-CF0DFEBD41C3}"/>
               </a:ext>
             </a:extLst>
           </p:cNvPr>
@@ -7419,7 +7419,7 @@
           <p:cNvPr id="7" name="그림 6">
             <a:extLst>
               <a:ext uri="{FF2B5EF4-FFF2-40B4-BE49-F238E27FC236}">
-                <a16:creationId xmlns:a16="http://schemas.microsoft.com/office/drawing/2014/main" id="{73215715-FBC0-D58E-F951-C109B809511E}"/>
+                <a16:creationId xmlns="" xmlns:a16="http://schemas.microsoft.com/office/drawing/2014/main" id="{73215715-FBC0-D58E-F951-C109B809511E}"/>
               </a:ext>
             </a:extLst>
           </p:cNvPr>
@@ -7449,7 +7449,7 @@
           <p:cNvPr id="9" name="그림 8">
             <a:extLst>
               <a:ext uri="{FF2B5EF4-FFF2-40B4-BE49-F238E27FC236}">
-                <a16:creationId xmlns:a16="http://schemas.microsoft.com/office/drawing/2014/main" id="{3A609EEB-FE3B-A0C4-FB5C-307EB00F55D9}"/>
+                <a16:creationId xmlns="" xmlns:a16="http://schemas.microsoft.com/office/drawing/2014/main" id="{3A609EEB-FE3B-A0C4-FB5C-307EB00F55D9}"/>
               </a:ext>
             </a:extLst>
           </p:cNvPr>
@@ -7479,7 +7479,7 @@
           <p:cNvPr id="11" name="그림 10">
             <a:extLst>
               <a:ext uri="{FF2B5EF4-FFF2-40B4-BE49-F238E27FC236}">
-                <a16:creationId xmlns:a16="http://schemas.microsoft.com/office/drawing/2014/main" id="{1A895C80-F732-6D8C-2A18-E97A06A04FF4}"/>
+                <a16:creationId xmlns="" xmlns:a16="http://schemas.microsoft.com/office/drawing/2014/main" id="{1A895C80-F732-6D8C-2A18-E97A06A04FF4}"/>
               </a:ext>
             </a:extLst>
           </p:cNvPr>
@@ -7509,7 +7509,7 @@
           <p:cNvPr id="14" name="그림 13">
             <a:extLst>
               <a:ext uri="{FF2B5EF4-FFF2-40B4-BE49-F238E27FC236}">
-                <a16:creationId xmlns:a16="http://schemas.microsoft.com/office/drawing/2014/main" id="{1A895C80-F732-6D8C-2A18-E97A06A04FF4}"/>
+                <a16:creationId xmlns="" xmlns:a16="http://schemas.microsoft.com/office/drawing/2014/main" id="{1A895C80-F732-6D8C-2A18-E97A06A04FF4}"/>
               </a:ext>
             </a:extLst>
           </p:cNvPr>
@@ -7643,7 +7643,7 @@
           <p:cNvPr id="4" name="TextBox 3">
             <a:extLst>
               <a:ext uri="{FF2B5EF4-FFF2-40B4-BE49-F238E27FC236}">
-                <a16:creationId xmlns:a16="http://schemas.microsoft.com/office/drawing/2014/main" id="{EED50FFA-A38E-88CC-B60B-DCC4CDA71ABC}"/>
+                <a16:creationId xmlns="" xmlns:a16="http://schemas.microsoft.com/office/drawing/2014/main" id="{EED50FFA-A38E-88CC-B60B-DCC4CDA71ABC}"/>
               </a:ext>
             </a:extLst>
           </p:cNvPr>
@@ -7815,7 +7815,7 @@
           <p:cNvPr id="6" name="TextBox 5">
             <a:extLst>
               <a:ext uri="{FF2B5EF4-FFF2-40B4-BE49-F238E27FC236}">
-                <a16:creationId xmlns:a16="http://schemas.microsoft.com/office/drawing/2014/main" id="{0BFA793C-5AF2-E682-250E-E8180FD24F34}"/>
+                <a16:creationId xmlns="" xmlns:a16="http://schemas.microsoft.com/office/drawing/2014/main" id="{0BFA793C-5AF2-E682-250E-E8180FD24F34}"/>
               </a:ext>
             </a:extLst>
           </p:cNvPr>
@@ -7863,7 +7863,7 @@
           <p:cNvPr id="8" name="그림 7">
             <a:extLst>
               <a:ext uri="{FF2B5EF4-FFF2-40B4-BE49-F238E27FC236}">
-                <a16:creationId xmlns:a16="http://schemas.microsoft.com/office/drawing/2014/main" id="{0908E388-6003-ED40-1276-BF7EA9D21A61}"/>
+                <a16:creationId xmlns="" xmlns:a16="http://schemas.microsoft.com/office/drawing/2014/main" id="{0908E388-6003-ED40-1276-BF7EA9D21A61}"/>
               </a:ext>
             </a:extLst>
           </p:cNvPr>
@@ -7893,7 +7893,7 @@
           <p:cNvPr id="5" name="직사각형 4">
             <a:extLst>
               <a:ext uri="{FF2B5EF4-FFF2-40B4-BE49-F238E27FC236}">
-                <a16:creationId xmlns:a16="http://schemas.microsoft.com/office/drawing/2014/main" id="{A44A5771-B6CC-5534-0799-EA9B09045F81}"/>
+                <a16:creationId xmlns="" xmlns:a16="http://schemas.microsoft.com/office/drawing/2014/main" id="{A44A5771-B6CC-5534-0799-EA9B09045F81}"/>
               </a:ext>
             </a:extLst>
           </p:cNvPr>
@@ -8226,7 +8226,7 @@
           <p:cNvPr id="11" name="TextBox 10">
             <a:extLst>
               <a:ext uri="{FF2B5EF4-FFF2-40B4-BE49-F238E27FC236}">
-                <a16:creationId xmlns:a16="http://schemas.microsoft.com/office/drawing/2014/main" id="{9F88F580-08BE-88C2-D640-13F0026591CB}"/>
+                <a16:creationId xmlns="" xmlns:a16="http://schemas.microsoft.com/office/drawing/2014/main" id="{9F88F580-08BE-88C2-D640-13F0026591CB}"/>
               </a:ext>
             </a:extLst>
           </p:cNvPr>
@@ -8284,7 +8284,7 @@
           <p:cNvPr id="13" name="TextBox 12">
             <a:extLst>
               <a:ext uri="{FF2B5EF4-FFF2-40B4-BE49-F238E27FC236}">
-                <a16:creationId xmlns:a16="http://schemas.microsoft.com/office/drawing/2014/main" id="{72769C28-9BB6-DE9C-7B6F-264B77B8DD0E}"/>
+                <a16:creationId xmlns="" xmlns:a16="http://schemas.microsoft.com/office/drawing/2014/main" id="{72769C28-9BB6-DE9C-7B6F-264B77B8DD0E}"/>
               </a:ext>
             </a:extLst>
           </p:cNvPr>
@@ -8342,7 +8342,7 @@
           <p:cNvPr id="14" name="TextBox 13">
             <a:extLst>
               <a:ext uri="{FF2B5EF4-FFF2-40B4-BE49-F238E27FC236}">
-                <a16:creationId xmlns:a16="http://schemas.microsoft.com/office/drawing/2014/main" id="{270FBB6A-01CE-5637-78DA-58F0C974145C}"/>
+                <a16:creationId xmlns="" xmlns:a16="http://schemas.microsoft.com/office/drawing/2014/main" id="{270FBB6A-01CE-5637-78DA-58F0C974145C}"/>
               </a:ext>
             </a:extLst>
           </p:cNvPr>
@@ -8410,7 +8410,7 @@
           <p:cNvPr id="2" name="Object 17">
             <a:extLst>
               <a:ext uri="{FF2B5EF4-FFF2-40B4-BE49-F238E27FC236}">
-                <a16:creationId xmlns:a16="http://schemas.microsoft.com/office/drawing/2014/main" id="{140B283D-FE58-FA6F-6F7C-E0F1DBB62A65}"/>
+                <a16:creationId xmlns="" xmlns:a16="http://schemas.microsoft.com/office/drawing/2014/main" id="{140B283D-FE58-FA6F-6F7C-E0F1DBB62A65}"/>
               </a:ext>
             </a:extLst>
           </p:cNvPr>
@@ -8440,7 +8440,7 @@
           <p:cNvPr id="4" name="TextBox 3">
             <a:extLst>
               <a:ext uri="{FF2B5EF4-FFF2-40B4-BE49-F238E27FC236}">
-                <a16:creationId xmlns:a16="http://schemas.microsoft.com/office/drawing/2014/main" id="{2C8D0998-79BC-6FD2-59D9-8052B4A25F65}"/>
+                <a16:creationId xmlns="" xmlns:a16="http://schemas.microsoft.com/office/drawing/2014/main" id="{2C8D0998-79BC-6FD2-59D9-8052B4A25F65}"/>
               </a:ext>
             </a:extLst>
           </p:cNvPr>
@@ -8488,7 +8488,7 @@
           <p:cNvPr id="5" name="Object 18">
             <a:extLst>
               <a:ext uri="{FF2B5EF4-FFF2-40B4-BE49-F238E27FC236}">
-                <a16:creationId xmlns:a16="http://schemas.microsoft.com/office/drawing/2014/main" id="{3F58EA3E-1018-64D3-FAB2-4F6B9618FA56}"/>
+                <a16:creationId xmlns="" xmlns:a16="http://schemas.microsoft.com/office/drawing/2014/main" id="{3F58EA3E-1018-64D3-FAB2-4F6B9618FA56}"/>
               </a:ext>
             </a:extLst>
           </p:cNvPr>
@@ -8518,7 +8518,7 @@
           <p:cNvPr id="8" name="TextBox 7">
             <a:extLst>
               <a:ext uri="{FF2B5EF4-FFF2-40B4-BE49-F238E27FC236}">
-                <a16:creationId xmlns:a16="http://schemas.microsoft.com/office/drawing/2014/main" id="{681D3F16-7DCF-41AD-F5F1-0558C78C0E4D}"/>
+                <a16:creationId xmlns="" xmlns:a16="http://schemas.microsoft.com/office/drawing/2014/main" id="{681D3F16-7DCF-41AD-F5F1-0558C78C0E4D}"/>
               </a:ext>
             </a:extLst>
           </p:cNvPr>
@@ -8591,7 +8591,7 @@
           <p:cNvPr id="4" name="TextBox 3">
             <a:extLst>
               <a:ext uri="{FF2B5EF4-FFF2-40B4-BE49-F238E27FC236}">
-                <a16:creationId xmlns:a16="http://schemas.microsoft.com/office/drawing/2014/main" id="{4EDAA912-8FA0-0F11-119B-EA9F8B36A489}"/>
+                <a16:creationId xmlns="" xmlns:a16="http://schemas.microsoft.com/office/drawing/2014/main" id="{4EDAA912-8FA0-0F11-119B-EA9F8B36A489}"/>
               </a:ext>
             </a:extLst>
           </p:cNvPr>
@@ -8761,7 +8761,7 @@
           <p:cNvPr id="5" name="그림 4">
             <a:extLst>
               <a:ext uri="{FF2B5EF4-FFF2-40B4-BE49-F238E27FC236}">
-                <a16:creationId xmlns:a16="http://schemas.microsoft.com/office/drawing/2014/main" id="{64FE6E6B-92BC-1BEB-DD68-5A03B62EEDA1}"/>
+                <a16:creationId xmlns="" xmlns:a16="http://schemas.microsoft.com/office/drawing/2014/main" id="{64FE6E6B-92BC-1BEB-DD68-5A03B62EEDA1}"/>
               </a:ext>
             </a:extLst>
           </p:cNvPr>
@@ -8791,7 +8791,7 @@
           <p:cNvPr id="6" name="그림 5">
             <a:extLst>
               <a:ext uri="{FF2B5EF4-FFF2-40B4-BE49-F238E27FC236}">
-                <a16:creationId xmlns:a16="http://schemas.microsoft.com/office/drawing/2014/main" id="{3CF34DAD-48D2-F0CB-86F9-A2E7445936F0}"/>
+                <a16:creationId xmlns="" xmlns:a16="http://schemas.microsoft.com/office/drawing/2014/main" id="{3CF34DAD-48D2-F0CB-86F9-A2E7445936F0}"/>
               </a:ext>
             </a:extLst>
           </p:cNvPr>
@@ -8821,7 +8821,7 @@
           <p:cNvPr id="7" name="그림 6">
             <a:extLst>
               <a:ext uri="{FF2B5EF4-FFF2-40B4-BE49-F238E27FC236}">
-                <a16:creationId xmlns:a16="http://schemas.microsoft.com/office/drawing/2014/main" id="{00BA284B-8A8E-714B-841D-54FBC7A47159}"/>
+                <a16:creationId xmlns="" xmlns:a16="http://schemas.microsoft.com/office/drawing/2014/main" id="{00BA284B-8A8E-714B-841D-54FBC7A47159}"/>
               </a:ext>
             </a:extLst>
           </p:cNvPr>
@@ -8851,7 +8851,7 @@
           <p:cNvPr id="8" name="그림 7">
             <a:extLst>
               <a:ext uri="{FF2B5EF4-FFF2-40B4-BE49-F238E27FC236}">
-                <a16:creationId xmlns:a16="http://schemas.microsoft.com/office/drawing/2014/main" id="{00BA284B-8A8E-714B-841D-54FBC7A47159}"/>
+                <a16:creationId xmlns="" xmlns:a16="http://schemas.microsoft.com/office/drawing/2014/main" id="{00BA284B-8A8E-714B-841D-54FBC7A47159}"/>
               </a:ext>
             </a:extLst>
           </p:cNvPr>
@@ -8893,7 +8893,7 @@
           <p:cNvPr id="2" name="TextBox 1">
             <a:extLst>
               <a:ext uri="{FF2B5EF4-FFF2-40B4-BE49-F238E27FC236}">
-                <a16:creationId xmlns:a16="http://schemas.microsoft.com/office/drawing/2014/main" id="{C4880743-FAC0-B734-74EC-BA923FD6182F}"/>
+                <a16:creationId xmlns="" xmlns:a16="http://schemas.microsoft.com/office/drawing/2014/main" id="{C4880743-FAC0-B734-74EC-BA923FD6182F}"/>
               </a:ext>
             </a:extLst>
           </p:cNvPr>
@@ -8941,7 +8941,7 @@
           <p:cNvPr id="3" name="TextBox 2">
             <a:extLst>
               <a:ext uri="{FF2B5EF4-FFF2-40B4-BE49-F238E27FC236}">
-                <a16:creationId xmlns:a16="http://schemas.microsoft.com/office/drawing/2014/main" id="{0118FD6F-D567-67F4-6F77-14B37DD498F1}"/>
+                <a16:creationId xmlns="" xmlns:a16="http://schemas.microsoft.com/office/drawing/2014/main" id="{0118FD6F-D567-67F4-6F77-14B37DD498F1}"/>
               </a:ext>
             </a:extLst>
           </p:cNvPr>
@@ -9160,7 +9160,7 @@
           <p:cNvPr id="9" name="직사각형 8">
             <a:extLst>
               <a:ext uri="{FF2B5EF4-FFF2-40B4-BE49-F238E27FC236}">
-                <a16:creationId xmlns:a16="http://schemas.microsoft.com/office/drawing/2014/main" id="{8CDE87FB-9547-4C15-BECA-A83047ED36B3}"/>
+                <a16:creationId xmlns="" xmlns:a16="http://schemas.microsoft.com/office/drawing/2014/main" id="{8CDE87FB-9547-4C15-BECA-A83047ED36B3}"/>
               </a:ext>
             </a:extLst>
           </p:cNvPr>
@@ -9365,7 +9365,7 @@
           <p:cNvPr id="3" name="TextBox 2">
             <a:extLst>
               <a:ext uri="{FF2B5EF4-FFF2-40B4-BE49-F238E27FC236}">
-                <a16:creationId xmlns:a16="http://schemas.microsoft.com/office/drawing/2014/main" id="{37E7CF9D-7E92-6FF8-C88F-AC65D75D85F8}"/>
+                <a16:creationId xmlns="" xmlns:a16="http://schemas.microsoft.com/office/drawing/2014/main" id="{37E7CF9D-7E92-6FF8-C88F-AC65D75D85F8}"/>
               </a:ext>
             </a:extLst>
           </p:cNvPr>
@@ -9821,7 +9821,7 @@
           <p:cNvPr id="17" name="그림 16">
             <a:extLst>
               <a:ext uri="{FF2B5EF4-FFF2-40B4-BE49-F238E27FC236}">
-                <a16:creationId xmlns:a16="http://schemas.microsoft.com/office/drawing/2014/main" id="{4E6EBF70-C1D2-8978-A62E-DF7FE2B76E0D}"/>
+                <a16:creationId xmlns="" xmlns:a16="http://schemas.microsoft.com/office/drawing/2014/main" id="{4E6EBF70-C1D2-8978-A62E-DF7FE2B76E0D}"/>
               </a:ext>
             </a:extLst>
           </p:cNvPr>
@@ -9851,7 +9851,7 @@
           <p:cNvPr id="5" name="그림 4">
             <a:extLst>
               <a:ext uri="{FF2B5EF4-FFF2-40B4-BE49-F238E27FC236}">
-                <a16:creationId xmlns:a16="http://schemas.microsoft.com/office/drawing/2014/main" id="{AD69993C-F0A0-4BB7-A163-ACA7FB90A029}"/>
+                <a16:creationId xmlns="" xmlns:a16="http://schemas.microsoft.com/office/drawing/2014/main" id="{AD69993C-F0A0-4BB7-A163-ACA7FB90A029}"/>
               </a:ext>
             </a:extLst>
           </p:cNvPr>
@@ -9881,7 +9881,7 @@
           <p:cNvPr id="6" name="그림 5">
             <a:extLst>
               <a:ext uri="{FF2B5EF4-FFF2-40B4-BE49-F238E27FC236}">
-                <a16:creationId xmlns:a16="http://schemas.microsoft.com/office/drawing/2014/main" id="{554CD39F-E8C5-8219-0DC1-F5718F6E6943}"/>
+                <a16:creationId xmlns="" xmlns:a16="http://schemas.microsoft.com/office/drawing/2014/main" id="{554CD39F-E8C5-8219-0DC1-F5718F6E6943}"/>
               </a:ext>
             </a:extLst>
           </p:cNvPr>
@@ -10027,7 +10027,7 @@
           <p:cNvPr id="8" name="그림 7">
             <a:extLst>
               <a:ext uri="{FF2B5EF4-FFF2-40B4-BE49-F238E27FC236}">
-                <a16:creationId xmlns:a16="http://schemas.microsoft.com/office/drawing/2014/main" id="{921B55D5-8717-D53C-BCB3-2B4E55396160}"/>
+                <a16:creationId xmlns="" xmlns:a16="http://schemas.microsoft.com/office/drawing/2014/main" id="{921B55D5-8717-D53C-BCB3-2B4E55396160}"/>
               </a:ext>
             </a:extLst>
           </p:cNvPr>
@@ -10057,7 +10057,7 @@
           <p:cNvPr id="4" name="TextBox 3">
             <a:extLst>
               <a:ext uri="{FF2B5EF4-FFF2-40B4-BE49-F238E27FC236}">
-                <a16:creationId xmlns:a16="http://schemas.microsoft.com/office/drawing/2014/main" id="{5AA822A9-A2C3-2990-ABC6-FFCAA4359DE9}"/>
+                <a16:creationId xmlns="" xmlns:a16="http://schemas.microsoft.com/office/drawing/2014/main" id="{5AA822A9-A2C3-2990-ABC6-FFCAA4359DE9}"/>
               </a:ext>
             </a:extLst>
           </p:cNvPr>
@@ -10192,7 +10192,7 @@
           <p:cNvPr id="5" name="TextBox 4">
             <a:extLst>
               <a:ext uri="{FF2B5EF4-FFF2-40B4-BE49-F238E27FC236}">
-                <a16:creationId xmlns:a16="http://schemas.microsoft.com/office/drawing/2014/main" id="{CB3B203E-9732-CB61-3A78-4A8DF7C3CD43}"/>
+                <a16:creationId xmlns="" xmlns:a16="http://schemas.microsoft.com/office/drawing/2014/main" id="{CB3B203E-9732-CB61-3A78-4A8DF7C3CD43}"/>
               </a:ext>
             </a:extLst>
           </p:cNvPr>
@@ -10240,7 +10240,7 @@
           <p:cNvPr id="9" name="직선 화살표 연결선 8">
             <a:extLst>
               <a:ext uri="{FF2B5EF4-FFF2-40B4-BE49-F238E27FC236}">
-                <a16:creationId xmlns:a16="http://schemas.microsoft.com/office/drawing/2014/main" id="{B1919B9E-593B-CA49-954F-8ECB4EBEED4E}"/>
+                <a16:creationId xmlns="" xmlns:a16="http://schemas.microsoft.com/office/drawing/2014/main" id="{B1919B9E-593B-CA49-954F-8ECB4EBEED4E}"/>
               </a:ext>
             </a:extLst>
           </p:cNvPr>
@@ -10281,7 +10281,7 @@
           <p:cNvPr id="10" name="직사각형 9">
             <a:extLst>
               <a:ext uri="{FF2B5EF4-FFF2-40B4-BE49-F238E27FC236}">
-                <a16:creationId xmlns:a16="http://schemas.microsoft.com/office/drawing/2014/main" id="{EB53C9B5-34DD-5E33-2DE5-5EE0F86E1BCE}"/>
+                <a16:creationId xmlns="" xmlns:a16="http://schemas.microsoft.com/office/drawing/2014/main" id="{EB53C9B5-34DD-5E33-2DE5-5EE0F86E1BCE}"/>
               </a:ext>
             </a:extLst>
           </p:cNvPr>
@@ -10333,7 +10333,7 @@
           <p:cNvPr id="14" name="TextBox 13">
             <a:extLst>
               <a:ext uri="{FF2B5EF4-FFF2-40B4-BE49-F238E27FC236}">
-                <a16:creationId xmlns:a16="http://schemas.microsoft.com/office/drawing/2014/main" id="{103F58B6-84FD-DA66-C19B-D4EF15900880}"/>
+                <a16:creationId xmlns="" xmlns:a16="http://schemas.microsoft.com/office/drawing/2014/main" id="{103F58B6-84FD-DA66-C19B-D4EF15900880}"/>
               </a:ext>
             </a:extLst>
           </p:cNvPr>
@@ -10424,7 +10424,7 @@
           <p:cNvPr id="15" name="직선 화살표 연결선 14">
             <a:extLst>
               <a:ext uri="{FF2B5EF4-FFF2-40B4-BE49-F238E27FC236}">
-                <a16:creationId xmlns:a16="http://schemas.microsoft.com/office/drawing/2014/main" id="{2631F446-9598-D9EB-90FF-7A34D3E6722B}"/>
+                <a16:creationId xmlns="" xmlns:a16="http://schemas.microsoft.com/office/drawing/2014/main" id="{2631F446-9598-D9EB-90FF-7A34D3E6722B}"/>
               </a:ext>
             </a:extLst>
           </p:cNvPr>
@@ -10466,7 +10466,7 @@
           <p:cNvPr id="16" name="직사각형 15">
             <a:extLst>
               <a:ext uri="{FF2B5EF4-FFF2-40B4-BE49-F238E27FC236}">
-                <a16:creationId xmlns:a16="http://schemas.microsoft.com/office/drawing/2014/main" id="{70631239-A7C5-9E46-69FF-62BC6589E1D9}"/>
+                <a16:creationId xmlns="" xmlns:a16="http://schemas.microsoft.com/office/drawing/2014/main" id="{70631239-A7C5-9E46-69FF-62BC6589E1D9}"/>
               </a:ext>
             </a:extLst>
           </p:cNvPr>
@@ -10518,7 +10518,7 @@
           <p:cNvPr id="7" name="직사각형 6">
             <a:extLst>
               <a:ext uri="{FF2B5EF4-FFF2-40B4-BE49-F238E27FC236}">
-                <a16:creationId xmlns:a16="http://schemas.microsoft.com/office/drawing/2014/main" id="{B128BB1D-D9CE-1F44-715E-AD758260918B}"/>
+                <a16:creationId xmlns="" xmlns:a16="http://schemas.microsoft.com/office/drawing/2014/main" id="{B128BB1D-D9CE-1F44-715E-AD758260918B}"/>
               </a:ext>
             </a:extLst>
           </p:cNvPr>
@@ -10678,7 +10678,7 @@
           <p:cNvPr id="4" name="TextBox 3">
             <a:extLst>
               <a:ext uri="{FF2B5EF4-FFF2-40B4-BE49-F238E27FC236}">
-                <a16:creationId xmlns:a16="http://schemas.microsoft.com/office/drawing/2014/main" id="{544B4A8C-50DE-F53E-3772-6A38DC3A6433}"/>
+                <a16:creationId xmlns="" xmlns:a16="http://schemas.microsoft.com/office/drawing/2014/main" id="{544B4A8C-50DE-F53E-3772-6A38DC3A6433}"/>
               </a:ext>
             </a:extLst>
           </p:cNvPr>
@@ -10781,7 +10781,7 @@
           <p:cNvPr id="5" name="그림 4">
             <a:extLst>
               <a:ext uri="{FF2B5EF4-FFF2-40B4-BE49-F238E27FC236}">
-                <a16:creationId xmlns:a16="http://schemas.microsoft.com/office/drawing/2014/main" id="{AA24DD58-EB34-2CF3-679C-A44BAE4CBF17}"/>
+                <a16:creationId xmlns="" xmlns:a16="http://schemas.microsoft.com/office/drawing/2014/main" id="{AA24DD58-EB34-2CF3-679C-A44BAE4CBF17}"/>
               </a:ext>
             </a:extLst>
           </p:cNvPr>
@@ -10811,7 +10811,7 @@
           <p:cNvPr id="7" name="그림 6">
             <a:extLst>
               <a:ext uri="{FF2B5EF4-FFF2-40B4-BE49-F238E27FC236}">
-                <a16:creationId xmlns:a16="http://schemas.microsoft.com/office/drawing/2014/main" id="{07338165-3415-4373-D05D-C7930059FE3B}"/>
+                <a16:creationId xmlns="" xmlns:a16="http://schemas.microsoft.com/office/drawing/2014/main" id="{07338165-3415-4373-D05D-C7930059FE3B}"/>
               </a:ext>
             </a:extLst>
           </p:cNvPr>
@@ -10841,7 +10841,7 @@
           <p:cNvPr id="8" name="그림 7">
             <a:extLst>
               <a:ext uri="{FF2B5EF4-FFF2-40B4-BE49-F238E27FC236}">
-                <a16:creationId xmlns:a16="http://schemas.microsoft.com/office/drawing/2014/main" id="{07338165-3415-4373-D05D-C7930059FE3B}"/>
+                <a16:creationId xmlns="" xmlns:a16="http://schemas.microsoft.com/office/drawing/2014/main" id="{07338165-3415-4373-D05D-C7930059FE3B}"/>
               </a:ext>
             </a:extLst>
           </p:cNvPr>
@@ -10975,7 +10975,7 @@
           <p:cNvPr id="22" name="TextBox 21">
             <a:extLst>
               <a:ext uri="{FF2B5EF4-FFF2-40B4-BE49-F238E27FC236}">
-                <a16:creationId xmlns:a16="http://schemas.microsoft.com/office/drawing/2014/main" id="{4BCF0663-63AF-ED2B-6371-E9DF02EC5928}"/>
+                <a16:creationId xmlns="" xmlns:a16="http://schemas.microsoft.com/office/drawing/2014/main" id="{4BCF0663-63AF-ED2B-6371-E9DF02EC5928}"/>
               </a:ext>
             </a:extLst>
           </p:cNvPr>
@@ -11063,7 +11063,7 @@
           <p:cNvPr id="13" name="그림 12">
             <a:extLst>
               <a:ext uri="{FF2B5EF4-FFF2-40B4-BE49-F238E27FC236}">
-                <a16:creationId xmlns:a16="http://schemas.microsoft.com/office/drawing/2014/main" id="{B63AB482-869F-F4FD-F10D-CC5AB438728C}"/>
+                <a16:creationId xmlns="" xmlns:a16="http://schemas.microsoft.com/office/drawing/2014/main" id="{B63AB482-869F-F4FD-F10D-CC5AB438728C}"/>
               </a:ext>
             </a:extLst>
           </p:cNvPr>
@@ -11093,7 +11093,7 @@
           <p:cNvPr id="5" name="TextBox 4">
             <a:extLst>
               <a:ext uri="{FF2B5EF4-FFF2-40B4-BE49-F238E27FC236}">
-                <a16:creationId xmlns:a16="http://schemas.microsoft.com/office/drawing/2014/main" id="{13D3864F-8589-1FEC-ACA3-A4FF96E34022}"/>
+                <a16:creationId xmlns="" xmlns:a16="http://schemas.microsoft.com/office/drawing/2014/main" id="{13D3864F-8589-1FEC-ACA3-A4FF96E34022}"/>
               </a:ext>
             </a:extLst>
           </p:cNvPr>
@@ -11151,7 +11151,7 @@
           <p:cNvPr id="6" name="TextBox 5">
             <a:extLst>
               <a:ext uri="{FF2B5EF4-FFF2-40B4-BE49-F238E27FC236}">
-                <a16:creationId xmlns:a16="http://schemas.microsoft.com/office/drawing/2014/main" id="{AA18D877-3298-7B1E-6768-6CA7ED800934}"/>
+                <a16:creationId xmlns="" xmlns:a16="http://schemas.microsoft.com/office/drawing/2014/main" id="{AA18D877-3298-7B1E-6768-6CA7ED800934}"/>
               </a:ext>
             </a:extLst>
           </p:cNvPr>
@@ -11199,7 +11199,7 @@
           <p:cNvPr id="7" name="직선 화살표 연결선 6">
             <a:extLst>
               <a:ext uri="{FF2B5EF4-FFF2-40B4-BE49-F238E27FC236}">
-                <a16:creationId xmlns:a16="http://schemas.microsoft.com/office/drawing/2014/main" id="{BF77559A-17B9-C437-66AF-491430DBC6CE}"/>
+                <a16:creationId xmlns="" xmlns:a16="http://schemas.microsoft.com/office/drawing/2014/main" id="{BF77559A-17B9-C437-66AF-491430DBC6CE}"/>
               </a:ext>
             </a:extLst>
           </p:cNvPr>
@@ -11240,7 +11240,7 @@
           <p:cNvPr id="8" name="직사각형 7">
             <a:extLst>
               <a:ext uri="{FF2B5EF4-FFF2-40B4-BE49-F238E27FC236}">
-                <a16:creationId xmlns:a16="http://schemas.microsoft.com/office/drawing/2014/main" id="{6127D189-06BD-6C31-84B4-A85FE69EA64E}"/>
+                <a16:creationId xmlns="" xmlns:a16="http://schemas.microsoft.com/office/drawing/2014/main" id="{6127D189-06BD-6C31-84B4-A85FE69EA64E}"/>
               </a:ext>
             </a:extLst>
           </p:cNvPr>
@@ -11292,7 +11292,7 @@
           <p:cNvPr id="14" name="TextBox 13">
             <a:extLst>
               <a:ext uri="{FF2B5EF4-FFF2-40B4-BE49-F238E27FC236}">
-                <a16:creationId xmlns:a16="http://schemas.microsoft.com/office/drawing/2014/main" id="{FF7B9C19-680A-C873-2A94-73146924267D}"/>
+                <a16:creationId xmlns="" xmlns:a16="http://schemas.microsoft.com/office/drawing/2014/main" id="{FF7B9C19-680A-C873-2A94-73146924267D}"/>
               </a:ext>
             </a:extLst>
           </p:cNvPr>
@@ -11463,7 +11463,7 @@
           <p:cNvPr id="15" name="TextBox 14">
             <a:extLst>
               <a:ext uri="{FF2B5EF4-FFF2-40B4-BE49-F238E27FC236}">
-                <a16:creationId xmlns:a16="http://schemas.microsoft.com/office/drawing/2014/main" id="{BC827CB9-CDA6-90B1-CE69-063F591C6A09}"/>
+                <a16:creationId xmlns="" xmlns:a16="http://schemas.microsoft.com/office/drawing/2014/main" id="{BC827CB9-CDA6-90B1-CE69-063F591C6A09}"/>
               </a:ext>
             </a:extLst>
           </p:cNvPr>
@@ -11584,7 +11584,7 @@
           <p:cNvPr id="16" name="직선 화살표 연결선 15">
             <a:extLst>
               <a:ext uri="{FF2B5EF4-FFF2-40B4-BE49-F238E27FC236}">
-                <a16:creationId xmlns:a16="http://schemas.microsoft.com/office/drawing/2014/main" id="{B6E05543-12E4-468B-2E00-3A384AA33827}"/>
+                <a16:creationId xmlns="" xmlns:a16="http://schemas.microsoft.com/office/drawing/2014/main" id="{B6E05543-12E4-468B-2E00-3A384AA33827}"/>
               </a:ext>
             </a:extLst>
           </p:cNvPr>
@@ -11625,7 +11625,7 @@
           <p:cNvPr id="17" name="직사각형 16">
             <a:extLst>
               <a:ext uri="{FF2B5EF4-FFF2-40B4-BE49-F238E27FC236}">
-                <a16:creationId xmlns:a16="http://schemas.microsoft.com/office/drawing/2014/main" id="{37D279F6-EB4C-90B5-D226-DD49D3A82BDA}"/>
+                <a16:creationId xmlns="" xmlns:a16="http://schemas.microsoft.com/office/drawing/2014/main" id="{37D279F6-EB4C-90B5-D226-DD49D3A82BDA}"/>
               </a:ext>
             </a:extLst>
           </p:cNvPr>
@@ -11677,7 +11677,7 @@
           <p:cNvPr id="12" name="직사각형 11">
             <a:extLst>
               <a:ext uri="{FF2B5EF4-FFF2-40B4-BE49-F238E27FC236}">
-                <a16:creationId xmlns:a16="http://schemas.microsoft.com/office/drawing/2014/main" id="{A13EE968-6B12-EBC3-01D5-1199235556BF}"/>
+                <a16:creationId xmlns="" xmlns:a16="http://schemas.microsoft.com/office/drawing/2014/main" id="{A13EE968-6B12-EBC3-01D5-1199235556BF}"/>
               </a:ext>
             </a:extLst>
           </p:cNvPr>
@@ -11837,7 +11837,7 @@
           <p:cNvPr id="6" name="TextBox 5">
             <a:extLst>
               <a:ext uri="{FF2B5EF4-FFF2-40B4-BE49-F238E27FC236}">
-                <a16:creationId xmlns:a16="http://schemas.microsoft.com/office/drawing/2014/main" id="{41EBBD53-7C15-E0B4-8E39-F8719D735403}"/>
+                <a16:creationId xmlns="" xmlns:a16="http://schemas.microsoft.com/office/drawing/2014/main" id="{41EBBD53-7C15-E0B4-8E39-F8719D735403}"/>
               </a:ext>
             </a:extLst>
           </p:cNvPr>
@@ -11885,7 +11885,7 @@
           <p:cNvPr id="8" name="그림 7">
             <a:extLst>
               <a:ext uri="{FF2B5EF4-FFF2-40B4-BE49-F238E27FC236}">
-                <a16:creationId xmlns:a16="http://schemas.microsoft.com/office/drawing/2014/main" id="{96ABBC4A-7546-62EA-CB73-1B49016386B0}"/>
+                <a16:creationId xmlns="" xmlns:a16="http://schemas.microsoft.com/office/drawing/2014/main" id="{96ABBC4A-7546-62EA-CB73-1B49016386B0}"/>
               </a:ext>
             </a:extLst>
           </p:cNvPr>
@@ -11915,7 +11915,7 @@
           <p:cNvPr id="12" name="직선 화살표 연결선 11">
             <a:extLst>
               <a:ext uri="{FF2B5EF4-FFF2-40B4-BE49-F238E27FC236}">
-                <a16:creationId xmlns:a16="http://schemas.microsoft.com/office/drawing/2014/main" id="{9A6BD329-418E-D449-4240-9C309D7F8A6A}"/>
+                <a16:creationId xmlns="" xmlns:a16="http://schemas.microsoft.com/office/drawing/2014/main" id="{9A6BD329-418E-D449-4240-9C309D7F8A6A}"/>
               </a:ext>
             </a:extLst>
           </p:cNvPr>
@@ -11956,7 +11956,7 @@
           <p:cNvPr id="13" name="직사각형 12">
             <a:extLst>
               <a:ext uri="{FF2B5EF4-FFF2-40B4-BE49-F238E27FC236}">
-                <a16:creationId xmlns:a16="http://schemas.microsoft.com/office/drawing/2014/main" id="{E7313DF0-2ED1-B22D-DB8B-35DAEF2B4384}"/>
+                <a16:creationId xmlns="" xmlns:a16="http://schemas.microsoft.com/office/drawing/2014/main" id="{E7313DF0-2ED1-B22D-DB8B-35DAEF2B4384}"/>
               </a:ext>
             </a:extLst>
           </p:cNvPr>
@@ -12008,7 +12008,7 @@
           <p:cNvPr id="14" name="TextBox 13">
             <a:extLst>
               <a:ext uri="{FF2B5EF4-FFF2-40B4-BE49-F238E27FC236}">
-                <a16:creationId xmlns:a16="http://schemas.microsoft.com/office/drawing/2014/main" id="{6AA9B418-CC96-6BDB-C87E-78A287D2EDA5}"/>
+                <a16:creationId xmlns="" xmlns:a16="http://schemas.microsoft.com/office/drawing/2014/main" id="{6AA9B418-CC96-6BDB-C87E-78A287D2EDA5}"/>
               </a:ext>
             </a:extLst>
           </p:cNvPr>
@@ -12109,7 +12109,7 @@
           <p:cNvPr id="15" name="직선 화살표 연결선 14">
             <a:extLst>
               <a:ext uri="{FF2B5EF4-FFF2-40B4-BE49-F238E27FC236}">
-                <a16:creationId xmlns:a16="http://schemas.microsoft.com/office/drawing/2014/main" id="{F3CCC433-3964-434B-9EA6-3FC70EF0223E}"/>
+                <a16:creationId xmlns="" xmlns:a16="http://schemas.microsoft.com/office/drawing/2014/main" id="{F3CCC433-3964-434B-9EA6-3FC70EF0223E}"/>
               </a:ext>
             </a:extLst>
           </p:cNvPr>
@@ -12150,7 +12150,7 @@
           <p:cNvPr id="16" name="직사각형 15">
             <a:extLst>
               <a:ext uri="{FF2B5EF4-FFF2-40B4-BE49-F238E27FC236}">
-                <a16:creationId xmlns:a16="http://schemas.microsoft.com/office/drawing/2014/main" id="{5E200A40-E95F-F9E2-4ACF-C19C0E27C3FE}"/>
+                <a16:creationId xmlns="" xmlns:a16="http://schemas.microsoft.com/office/drawing/2014/main" id="{5E200A40-E95F-F9E2-4ACF-C19C0E27C3FE}"/>
               </a:ext>
             </a:extLst>
           </p:cNvPr>
@@ -12202,7 +12202,7 @@
           <p:cNvPr id="17" name="TextBox 16">
             <a:extLst>
               <a:ext uri="{FF2B5EF4-FFF2-40B4-BE49-F238E27FC236}">
-                <a16:creationId xmlns:a16="http://schemas.microsoft.com/office/drawing/2014/main" id="{E5320251-90FF-053C-E234-44C58E77992E}"/>
+                <a16:creationId xmlns="" xmlns:a16="http://schemas.microsoft.com/office/drawing/2014/main" id="{E5320251-90FF-053C-E234-44C58E77992E}"/>
               </a:ext>
             </a:extLst>
           </p:cNvPr>
@@ -12477,7 +12477,7 @@
           <p:cNvPr id="11" name="직사각형 10">
             <a:extLst>
               <a:ext uri="{FF2B5EF4-FFF2-40B4-BE49-F238E27FC236}">
-                <a16:creationId xmlns:a16="http://schemas.microsoft.com/office/drawing/2014/main" id="{D67FE374-7C7B-14A5-6BB2-6F6DF6C0A15D}"/>
+                <a16:creationId xmlns="" xmlns:a16="http://schemas.microsoft.com/office/drawing/2014/main" id="{D67FE374-7C7B-14A5-6BB2-6F6DF6C0A15D}"/>
               </a:ext>
             </a:extLst>
           </p:cNvPr>
@@ -12645,7 +12645,7 @@
           <p:cNvPr id="4" name="Object 1">
             <a:extLst>
               <a:ext uri="{FF2B5EF4-FFF2-40B4-BE49-F238E27FC236}">
-                <a16:creationId xmlns:a16="http://schemas.microsoft.com/office/drawing/2014/main" id="{B0329035-BE76-33A8-0F2E-44624FCC1DED}"/>
+                <a16:creationId xmlns="" xmlns:a16="http://schemas.microsoft.com/office/drawing/2014/main" id="{B0329035-BE76-33A8-0F2E-44624FCC1DED}"/>
               </a:ext>
             </a:extLst>
           </p:cNvPr>
@@ -12675,7 +12675,7 @@
           <p:cNvPr id="7" name="그룹 1001">
             <a:extLst>
               <a:ext uri="{FF2B5EF4-FFF2-40B4-BE49-F238E27FC236}">
-                <a16:creationId xmlns:a16="http://schemas.microsoft.com/office/drawing/2014/main" id="{CD24CE9D-AC18-B6CD-F397-7E8E03D6FE26}"/>
+                <a16:creationId xmlns="" xmlns:a16="http://schemas.microsoft.com/office/drawing/2014/main" id="{CD24CE9D-AC18-B6CD-F397-7E8E03D6FE26}"/>
               </a:ext>
             </a:extLst>
           </p:cNvPr>
@@ -12695,7 +12695,7 @@
             <p:cNvPr id="8" name="Object 5">
               <a:extLst>
                 <a:ext uri="{FF2B5EF4-FFF2-40B4-BE49-F238E27FC236}">
-                  <a16:creationId xmlns:a16="http://schemas.microsoft.com/office/drawing/2014/main" id="{0EEF25E8-3BA8-EBAA-6DC2-66D70C3F9F4D}"/>
+                  <a16:creationId xmlns="" xmlns:a16="http://schemas.microsoft.com/office/drawing/2014/main" id="{0EEF25E8-3BA8-EBAA-6DC2-66D70C3F9F4D}"/>
                 </a:ext>
               </a:extLst>
             </p:cNvPr>
@@ -12726,7 +12726,7 @@
           <p:cNvPr id="9" name="그룹 1002">
             <a:extLst>
               <a:ext uri="{FF2B5EF4-FFF2-40B4-BE49-F238E27FC236}">
-                <a16:creationId xmlns:a16="http://schemas.microsoft.com/office/drawing/2014/main" id="{0F281BC9-DE1F-D1FE-E64C-C4640398F00C}"/>
+                <a16:creationId xmlns="" xmlns:a16="http://schemas.microsoft.com/office/drawing/2014/main" id="{0F281BC9-DE1F-D1FE-E64C-C4640398F00C}"/>
               </a:ext>
             </a:extLst>
           </p:cNvPr>
@@ -12746,7 +12746,7 @@
             <p:cNvPr id="10" name="Object 8">
               <a:extLst>
                 <a:ext uri="{FF2B5EF4-FFF2-40B4-BE49-F238E27FC236}">
-                  <a16:creationId xmlns:a16="http://schemas.microsoft.com/office/drawing/2014/main" id="{F669DCEF-04BB-7046-3F7F-5B513213556E}"/>
+                  <a16:creationId xmlns="" xmlns:a16="http://schemas.microsoft.com/office/drawing/2014/main" id="{F669DCEF-04BB-7046-3F7F-5B513213556E}"/>
                 </a:ext>
               </a:extLst>
             </p:cNvPr>
@@ -12777,7 +12777,7 @@
           <p:cNvPr id="11" name="그룹 1003">
             <a:extLst>
               <a:ext uri="{FF2B5EF4-FFF2-40B4-BE49-F238E27FC236}">
-                <a16:creationId xmlns:a16="http://schemas.microsoft.com/office/drawing/2014/main" id="{1F91EEF9-13EA-BB7F-B056-D35E7DB989AC}"/>
+                <a16:creationId xmlns="" xmlns:a16="http://schemas.microsoft.com/office/drawing/2014/main" id="{1F91EEF9-13EA-BB7F-B056-D35E7DB989AC}"/>
               </a:ext>
             </a:extLst>
           </p:cNvPr>
@@ -12797,7 +12797,7 @@
             <p:cNvPr id="12" name="Object 11">
               <a:extLst>
                 <a:ext uri="{FF2B5EF4-FFF2-40B4-BE49-F238E27FC236}">
-                  <a16:creationId xmlns:a16="http://schemas.microsoft.com/office/drawing/2014/main" id="{2CFFB217-AEFB-2C9E-5F86-6EE19510FFC6}"/>
+                  <a16:creationId xmlns="" xmlns:a16="http://schemas.microsoft.com/office/drawing/2014/main" id="{2CFFB217-AEFB-2C9E-5F86-6EE19510FFC6}"/>
                 </a:ext>
               </a:extLst>
             </p:cNvPr>
@@ -12828,7 +12828,7 @@
           <p:cNvPr id="13" name="그룹 1004">
             <a:extLst>
               <a:ext uri="{FF2B5EF4-FFF2-40B4-BE49-F238E27FC236}">
-                <a16:creationId xmlns:a16="http://schemas.microsoft.com/office/drawing/2014/main" id="{123B9C7E-94E8-E7E1-81BE-D59EA0299187}"/>
+                <a16:creationId xmlns="" xmlns:a16="http://schemas.microsoft.com/office/drawing/2014/main" id="{123B9C7E-94E8-E7E1-81BE-D59EA0299187}"/>
               </a:ext>
             </a:extLst>
           </p:cNvPr>
@@ -12848,7 +12848,7 @@
             <p:cNvPr id="14" name="Object 14">
               <a:extLst>
                 <a:ext uri="{FF2B5EF4-FFF2-40B4-BE49-F238E27FC236}">
-                  <a16:creationId xmlns:a16="http://schemas.microsoft.com/office/drawing/2014/main" id="{B6291552-2D89-A79F-7ACD-EA0EF9A4C389}"/>
+                  <a16:creationId xmlns="" xmlns:a16="http://schemas.microsoft.com/office/drawing/2014/main" id="{B6291552-2D89-A79F-7ACD-EA0EF9A4C389}"/>
                 </a:ext>
               </a:extLst>
             </p:cNvPr>
@@ -12879,7 +12879,7 @@
           <p:cNvPr id="15" name="TextBox 14">
             <a:extLst>
               <a:ext uri="{FF2B5EF4-FFF2-40B4-BE49-F238E27FC236}">
-                <a16:creationId xmlns:a16="http://schemas.microsoft.com/office/drawing/2014/main" id="{7D99763A-FC24-23F5-5BA9-D7B042E0F323}"/>
+                <a16:creationId xmlns="" xmlns:a16="http://schemas.microsoft.com/office/drawing/2014/main" id="{7D99763A-FC24-23F5-5BA9-D7B042E0F323}"/>
               </a:ext>
             </a:extLst>
           </p:cNvPr>
@@ -12957,7 +12957,7 @@
           <p:cNvPr id="5" name="그림 4">
             <a:extLst>
               <a:ext uri="{FF2B5EF4-FFF2-40B4-BE49-F238E27FC236}">
-                <a16:creationId xmlns:a16="http://schemas.microsoft.com/office/drawing/2014/main" id="{F62A4F4E-7511-DD05-C3FD-F642A26BD870}"/>
+                <a16:creationId xmlns="" xmlns:a16="http://schemas.microsoft.com/office/drawing/2014/main" id="{F62A4F4E-7511-DD05-C3FD-F642A26BD870}"/>
               </a:ext>
             </a:extLst>
           </p:cNvPr>
@@ -12987,7 +12987,7 @@
           <p:cNvPr id="6" name="TextBox 5">
             <a:extLst>
               <a:ext uri="{FF2B5EF4-FFF2-40B4-BE49-F238E27FC236}">
-                <a16:creationId xmlns:a16="http://schemas.microsoft.com/office/drawing/2014/main" id="{2136ACE4-26C3-2B0D-D7AD-DCFC212898FF}"/>
+                <a16:creationId xmlns="" xmlns:a16="http://schemas.microsoft.com/office/drawing/2014/main" id="{2136ACE4-26C3-2B0D-D7AD-DCFC212898FF}"/>
               </a:ext>
             </a:extLst>
           </p:cNvPr>
@@ -13045,7 +13045,7 @@
           <p:cNvPr id="7" name="직선 화살표 연결선 6">
             <a:extLst>
               <a:ext uri="{FF2B5EF4-FFF2-40B4-BE49-F238E27FC236}">
-                <a16:creationId xmlns:a16="http://schemas.microsoft.com/office/drawing/2014/main" id="{D3F376E5-CAF4-B172-AFF6-3AEB8C666DEB}"/>
+                <a16:creationId xmlns="" xmlns:a16="http://schemas.microsoft.com/office/drawing/2014/main" id="{D3F376E5-CAF4-B172-AFF6-3AEB8C666DEB}"/>
               </a:ext>
             </a:extLst>
           </p:cNvPr>
@@ -13086,7 +13086,7 @@
           <p:cNvPr id="8" name="직사각형 7">
             <a:extLst>
               <a:ext uri="{FF2B5EF4-FFF2-40B4-BE49-F238E27FC236}">
-                <a16:creationId xmlns:a16="http://schemas.microsoft.com/office/drawing/2014/main" id="{BF331BB8-C236-FCC7-707A-42CEF8955F9C}"/>
+                <a16:creationId xmlns="" xmlns:a16="http://schemas.microsoft.com/office/drawing/2014/main" id="{BF331BB8-C236-FCC7-707A-42CEF8955F9C}"/>
               </a:ext>
             </a:extLst>
           </p:cNvPr>
@@ -13138,7 +13138,7 @@
           <p:cNvPr id="9" name="TextBox 8">
             <a:extLst>
               <a:ext uri="{FF2B5EF4-FFF2-40B4-BE49-F238E27FC236}">
-                <a16:creationId xmlns:a16="http://schemas.microsoft.com/office/drawing/2014/main" id="{47862710-6F82-92A1-ECFE-96C402CB502A}"/>
+                <a16:creationId xmlns="" xmlns:a16="http://schemas.microsoft.com/office/drawing/2014/main" id="{47862710-6F82-92A1-ECFE-96C402CB502A}"/>
               </a:ext>
             </a:extLst>
           </p:cNvPr>
@@ -13239,7 +13239,7 @@
           <p:cNvPr id="10" name="TextBox 9">
             <a:extLst>
               <a:ext uri="{FF2B5EF4-FFF2-40B4-BE49-F238E27FC236}">
-                <a16:creationId xmlns:a16="http://schemas.microsoft.com/office/drawing/2014/main" id="{2B5F5884-839B-059E-F2A2-F525D50C2DCB}"/>
+                <a16:creationId xmlns="" xmlns:a16="http://schemas.microsoft.com/office/drawing/2014/main" id="{2B5F5884-839B-059E-F2A2-F525D50C2DCB}"/>
               </a:ext>
             </a:extLst>
           </p:cNvPr>
@@ -13296,7 +13296,7 @@
           <p:cNvPr id="11" name="직선 화살표 연결선 10">
             <a:extLst>
               <a:ext uri="{FF2B5EF4-FFF2-40B4-BE49-F238E27FC236}">
-                <a16:creationId xmlns:a16="http://schemas.microsoft.com/office/drawing/2014/main" id="{73331CB1-4693-29BF-0631-674CCE4DF170}"/>
+                <a16:creationId xmlns="" xmlns:a16="http://schemas.microsoft.com/office/drawing/2014/main" id="{73331CB1-4693-29BF-0631-674CCE4DF170}"/>
               </a:ext>
             </a:extLst>
           </p:cNvPr>
@@ -13337,7 +13337,7 @@
           <p:cNvPr id="12" name="직사각형 11">
             <a:extLst>
               <a:ext uri="{FF2B5EF4-FFF2-40B4-BE49-F238E27FC236}">
-                <a16:creationId xmlns:a16="http://schemas.microsoft.com/office/drawing/2014/main" id="{4F50E76C-3A6D-5A52-8540-AD157CDEE992}"/>
+                <a16:creationId xmlns="" xmlns:a16="http://schemas.microsoft.com/office/drawing/2014/main" id="{4F50E76C-3A6D-5A52-8540-AD157CDEE992}"/>
               </a:ext>
             </a:extLst>
           </p:cNvPr>
@@ -13389,7 +13389,7 @@
           <p:cNvPr id="13" name="TextBox 12">
             <a:extLst>
               <a:ext uri="{FF2B5EF4-FFF2-40B4-BE49-F238E27FC236}">
-                <a16:creationId xmlns:a16="http://schemas.microsoft.com/office/drawing/2014/main" id="{B4011FB1-41CA-414E-9C72-99FE05B86191}"/>
+                <a16:creationId xmlns="" xmlns:a16="http://schemas.microsoft.com/office/drawing/2014/main" id="{B4011FB1-41CA-414E-9C72-99FE05B86191}"/>
               </a:ext>
             </a:extLst>
           </p:cNvPr>
@@ -13440,7 +13440,7 @@
           <p:cNvPr id="14" name="직선 화살표 연결선 13">
             <a:extLst>
               <a:ext uri="{FF2B5EF4-FFF2-40B4-BE49-F238E27FC236}">
-                <a16:creationId xmlns:a16="http://schemas.microsoft.com/office/drawing/2014/main" id="{6C0D0150-4C93-867A-131A-31B096887531}"/>
+                <a16:creationId xmlns="" xmlns:a16="http://schemas.microsoft.com/office/drawing/2014/main" id="{6C0D0150-4C93-867A-131A-31B096887531}"/>
               </a:ext>
             </a:extLst>
           </p:cNvPr>
@@ -13481,7 +13481,7 @@
           <p:cNvPr id="15" name="직사각형 14">
             <a:extLst>
               <a:ext uri="{FF2B5EF4-FFF2-40B4-BE49-F238E27FC236}">
-                <a16:creationId xmlns:a16="http://schemas.microsoft.com/office/drawing/2014/main" id="{876F6D66-0B66-CC82-6300-85C75F29AE65}"/>
+                <a16:creationId xmlns="" xmlns:a16="http://schemas.microsoft.com/office/drawing/2014/main" id="{876F6D66-0B66-CC82-6300-85C75F29AE65}"/>
               </a:ext>
             </a:extLst>
           </p:cNvPr>
@@ -13533,7 +13533,7 @@
           <p:cNvPr id="16" name="TextBox 15">
             <a:extLst>
               <a:ext uri="{FF2B5EF4-FFF2-40B4-BE49-F238E27FC236}">
-                <a16:creationId xmlns:a16="http://schemas.microsoft.com/office/drawing/2014/main" id="{F6D18E01-97B0-5481-BC7D-7B7CB6162B16}"/>
+                <a16:creationId xmlns="" xmlns:a16="http://schemas.microsoft.com/office/drawing/2014/main" id="{F6D18E01-97B0-5481-BC7D-7B7CB6162B16}"/>
               </a:ext>
             </a:extLst>
           </p:cNvPr>
@@ -13624,7 +13624,7 @@
           <p:cNvPr id="4" name="그림 3">
             <a:extLst>
               <a:ext uri="{FF2B5EF4-FFF2-40B4-BE49-F238E27FC236}">
-                <a16:creationId xmlns:a16="http://schemas.microsoft.com/office/drawing/2014/main" id="{C7BED1AF-2C74-F412-8E73-77A98A7BD54D}"/>
+                <a16:creationId xmlns="" xmlns:a16="http://schemas.microsoft.com/office/drawing/2014/main" id="{C7BED1AF-2C74-F412-8E73-77A98A7BD54D}"/>
               </a:ext>
             </a:extLst>
           </p:cNvPr>
@@ -13654,7 +13654,7 @@
           <p:cNvPr id="5" name="직선 화살표 연결선 4">
             <a:extLst>
               <a:ext uri="{FF2B5EF4-FFF2-40B4-BE49-F238E27FC236}">
-                <a16:creationId xmlns:a16="http://schemas.microsoft.com/office/drawing/2014/main" id="{ED25E55B-3596-0C0C-4335-5EB9B3412818}"/>
+                <a16:creationId xmlns="" xmlns:a16="http://schemas.microsoft.com/office/drawing/2014/main" id="{ED25E55B-3596-0C0C-4335-5EB9B3412818}"/>
               </a:ext>
             </a:extLst>
           </p:cNvPr>
@@ -13695,7 +13695,7 @@
           <p:cNvPr id="6" name="직사각형 5">
             <a:extLst>
               <a:ext uri="{FF2B5EF4-FFF2-40B4-BE49-F238E27FC236}">
-                <a16:creationId xmlns:a16="http://schemas.microsoft.com/office/drawing/2014/main" id="{49EE920A-7161-13D5-40CC-99C95EEB04E1}"/>
+                <a16:creationId xmlns="" xmlns:a16="http://schemas.microsoft.com/office/drawing/2014/main" id="{49EE920A-7161-13D5-40CC-99C95EEB04E1}"/>
               </a:ext>
             </a:extLst>
           </p:cNvPr>
@@ -13747,7 +13747,7 @@
           <p:cNvPr id="7" name="TextBox 6">
             <a:extLst>
               <a:ext uri="{FF2B5EF4-FFF2-40B4-BE49-F238E27FC236}">
-                <a16:creationId xmlns:a16="http://schemas.microsoft.com/office/drawing/2014/main" id="{0AF9CE9E-3FBF-8E9C-1015-C04F2BD75DB8}"/>
+                <a16:creationId xmlns="" xmlns:a16="http://schemas.microsoft.com/office/drawing/2014/main" id="{0AF9CE9E-3FBF-8E9C-1015-C04F2BD75DB8}"/>
               </a:ext>
             </a:extLst>
           </p:cNvPr>
@@ -13828,7 +13828,7 @@
           <p:cNvPr id="8" name="그림 7">
             <a:extLst>
               <a:ext uri="{FF2B5EF4-FFF2-40B4-BE49-F238E27FC236}">
-                <a16:creationId xmlns:a16="http://schemas.microsoft.com/office/drawing/2014/main" id="{8BA73F84-0F7A-F294-7811-06B27C4C97E5}"/>
+                <a16:creationId xmlns="" xmlns:a16="http://schemas.microsoft.com/office/drawing/2014/main" id="{8BA73F84-0F7A-F294-7811-06B27C4C97E5}"/>
               </a:ext>
             </a:extLst>
           </p:cNvPr>
@@ -13858,7 +13858,7 @@
           <p:cNvPr id="9" name="직선 화살표 연결선 8">
             <a:extLst>
               <a:ext uri="{FF2B5EF4-FFF2-40B4-BE49-F238E27FC236}">
-                <a16:creationId xmlns:a16="http://schemas.microsoft.com/office/drawing/2014/main" id="{7C56BE55-079C-3074-A57F-8E8AB1DF98BE}"/>
+                <a16:creationId xmlns="" xmlns:a16="http://schemas.microsoft.com/office/drawing/2014/main" id="{7C56BE55-079C-3074-A57F-8E8AB1DF98BE}"/>
               </a:ext>
             </a:extLst>
           </p:cNvPr>
@@ -13899,7 +13899,7 @@
           <p:cNvPr id="10" name="직사각형 9">
             <a:extLst>
               <a:ext uri="{FF2B5EF4-FFF2-40B4-BE49-F238E27FC236}">
-                <a16:creationId xmlns:a16="http://schemas.microsoft.com/office/drawing/2014/main" id="{F81C2F7F-4FF2-BCDA-351F-EE56AE9D4CEE}"/>
+                <a16:creationId xmlns="" xmlns:a16="http://schemas.microsoft.com/office/drawing/2014/main" id="{F81C2F7F-4FF2-BCDA-351F-EE56AE9D4CEE}"/>
               </a:ext>
             </a:extLst>
           </p:cNvPr>
@@ -13951,7 +13951,7 @@
           <p:cNvPr id="11" name="TextBox 10">
             <a:extLst>
               <a:ext uri="{FF2B5EF4-FFF2-40B4-BE49-F238E27FC236}">
-                <a16:creationId xmlns:a16="http://schemas.microsoft.com/office/drawing/2014/main" id="{C140E8C6-3D7A-BCEF-6ED3-F0C615E6AB37}"/>
+                <a16:creationId xmlns="" xmlns:a16="http://schemas.microsoft.com/office/drawing/2014/main" id="{C140E8C6-3D7A-BCEF-6ED3-F0C615E6AB37}"/>
               </a:ext>
             </a:extLst>
           </p:cNvPr>
@@ -14062,7 +14062,7 @@
           <p:cNvPr id="9" name="그림 8">
             <a:extLst>
               <a:ext uri="{FF2B5EF4-FFF2-40B4-BE49-F238E27FC236}">
-                <a16:creationId xmlns:a16="http://schemas.microsoft.com/office/drawing/2014/main" id="{BDB5A43A-C750-D625-F317-BFFD8DEB6911}"/>
+                <a16:creationId xmlns="" xmlns:a16="http://schemas.microsoft.com/office/drawing/2014/main" id="{BDB5A43A-C750-D625-F317-BFFD8DEB6911}"/>
               </a:ext>
             </a:extLst>
           </p:cNvPr>
@@ -14092,7 +14092,7 @@
           <p:cNvPr id="20" name="직선 화살표 연결선 19">
             <a:extLst>
               <a:ext uri="{FF2B5EF4-FFF2-40B4-BE49-F238E27FC236}">
-                <a16:creationId xmlns:a16="http://schemas.microsoft.com/office/drawing/2014/main" id="{F7C1572C-BCA3-8087-AA95-7CC53490A1B0}"/>
+                <a16:creationId xmlns="" xmlns:a16="http://schemas.microsoft.com/office/drawing/2014/main" id="{F7C1572C-BCA3-8087-AA95-7CC53490A1B0}"/>
               </a:ext>
             </a:extLst>
           </p:cNvPr>
@@ -14133,7 +14133,7 @@
           <p:cNvPr id="21" name="직사각형 20">
             <a:extLst>
               <a:ext uri="{FF2B5EF4-FFF2-40B4-BE49-F238E27FC236}">
-                <a16:creationId xmlns:a16="http://schemas.microsoft.com/office/drawing/2014/main" id="{09A98BD4-AB00-6A86-0B92-B0599743A4C4}"/>
+                <a16:creationId xmlns="" xmlns:a16="http://schemas.microsoft.com/office/drawing/2014/main" id="{09A98BD4-AB00-6A86-0B92-B0599743A4C4}"/>
               </a:ext>
             </a:extLst>
           </p:cNvPr>
@@ -14185,7 +14185,7 @@
           <p:cNvPr id="22" name="TextBox 21">
             <a:extLst>
               <a:ext uri="{FF2B5EF4-FFF2-40B4-BE49-F238E27FC236}">
-                <a16:creationId xmlns:a16="http://schemas.microsoft.com/office/drawing/2014/main" id="{C8A0704C-FEE1-6E77-EBF1-1AE8FC4BD2CC}"/>
+                <a16:creationId xmlns="" xmlns:a16="http://schemas.microsoft.com/office/drawing/2014/main" id="{C8A0704C-FEE1-6E77-EBF1-1AE8FC4BD2CC}"/>
               </a:ext>
             </a:extLst>
           </p:cNvPr>
@@ -14256,7 +14256,7 @@
           <p:cNvPr id="10" name="TextBox 9">
             <a:extLst>
               <a:ext uri="{FF2B5EF4-FFF2-40B4-BE49-F238E27FC236}">
-                <a16:creationId xmlns:a16="http://schemas.microsoft.com/office/drawing/2014/main" id="{4EDAA912-8FA0-0F11-119B-EA9F8B36A489}"/>
+                <a16:creationId xmlns="" xmlns:a16="http://schemas.microsoft.com/office/drawing/2014/main" id="{4EDAA912-8FA0-0F11-119B-EA9F8B36A489}"/>
               </a:ext>
             </a:extLst>
           </p:cNvPr>
@@ -14434,7 +14434,7 @@
           <p:cNvPr id="12" name="TextBox 11">
             <a:extLst>
               <a:ext uri="{FF2B5EF4-FFF2-40B4-BE49-F238E27FC236}">
-                <a16:creationId xmlns:a16="http://schemas.microsoft.com/office/drawing/2014/main" id="{CB8A15C9-2EDD-D4B9-010E-8DA55A06F005}"/>
+                <a16:creationId xmlns="" xmlns:a16="http://schemas.microsoft.com/office/drawing/2014/main" id="{CB8A15C9-2EDD-D4B9-010E-8DA55A06F005}"/>
               </a:ext>
             </a:extLst>
           </p:cNvPr>
@@ -14492,7 +14492,7 @@
           <p:cNvPr id="23" name="그림 22">
             <a:extLst>
               <a:ext uri="{FF2B5EF4-FFF2-40B4-BE49-F238E27FC236}">
-                <a16:creationId xmlns:a16="http://schemas.microsoft.com/office/drawing/2014/main" id="{270CF1D6-830A-F054-9CB5-15B3D1E70B53}"/>
+                <a16:creationId xmlns="" xmlns:a16="http://schemas.microsoft.com/office/drawing/2014/main" id="{270CF1D6-830A-F054-9CB5-15B3D1E70B53}"/>
               </a:ext>
             </a:extLst>
           </p:cNvPr>
@@ -14522,7 +14522,7 @@
           <p:cNvPr id="24" name="직선 화살표 연결선 23">
             <a:extLst>
               <a:ext uri="{FF2B5EF4-FFF2-40B4-BE49-F238E27FC236}">
-                <a16:creationId xmlns:a16="http://schemas.microsoft.com/office/drawing/2014/main" id="{50908392-4719-44CE-3A64-0D3BDBD818EA}"/>
+                <a16:creationId xmlns="" xmlns:a16="http://schemas.microsoft.com/office/drawing/2014/main" id="{50908392-4719-44CE-3A64-0D3BDBD818EA}"/>
               </a:ext>
             </a:extLst>
           </p:cNvPr>
@@ -14563,7 +14563,7 @@
           <p:cNvPr id="25" name="직사각형 24">
             <a:extLst>
               <a:ext uri="{FF2B5EF4-FFF2-40B4-BE49-F238E27FC236}">
-                <a16:creationId xmlns:a16="http://schemas.microsoft.com/office/drawing/2014/main" id="{13FC6511-A8B3-A7B2-1727-C2E8EEA75CB0}"/>
+                <a16:creationId xmlns="" xmlns:a16="http://schemas.microsoft.com/office/drawing/2014/main" id="{13FC6511-A8B3-A7B2-1727-C2E8EEA75CB0}"/>
               </a:ext>
             </a:extLst>
           </p:cNvPr>
@@ -14615,7 +14615,7 @@
           <p:cNvPr id="26" name="TextBox 25">
             <a:extLst>
               <a:ext uri="{FF2B5EF4-FFF2-40B4-BE49-F238E27FC236}">
-                <a16:creationId xmlns:a16="http://schemas.microsoft.com/office/drawing/2014/main" id="{186730DE-EA6B-6894-524D-19B9D097B737}"/>
+                <a16:creationId xmlns="" xmlns:a16="http://schemas.microsoft.com/office/drawing/2014/main" id="{186730DE-EA6B-6894-524D-19B9D097B737}"/>
               </a:ext>
             </a:extLst>
           </p:cNvPr>
@@ -14924,7 +14924,7 @@
           <p:cNvPr id="2" name="TextBox 1">
             <a:extLst>
               <a:ext uri="{FF2B5EF4-FFF2-40B4-BE49-F238E27FC236}">
-                <a16:creationId xmlns:a16="http://schemas.microsoft.com/office/drawing/2014/main" id="{8D19D88B-9541-32D7-90F1-0C45C993E21C}"/>
+                <a16:creationId xmlns="" xmlns:a16="http://schemas.microsoft.com/office/drawing/2014/main" id="{8D19D88B-9541-32D7-90F1-0C45C993E21C}"/>
               </a:ext>
             </a:extLst>
           </p:cNvPr>
@@ -15007,7 +15007,7 @@
           <p:cNvPr id="8" name="그림 7">
             <a:extLst>
               <a:ext uri="{FF2B5EF4-FFF2-40B4-BE49-F238E27FC236}">
-                <a16:creationId xmlns:a16="http://schemas.microsoft.com/office/drawing/2014/main" id="{FCA55559-F848-02E3-3518-09C6488EE4BD}"/>
+                <a16:creationId xmlns="" xmlns:a16="http://schemas.microsoft.com/office/drawing/2014/main" id="{FCA55559-F848-02E3-3518-09C6488EE4BD}"/>
               </a:ext>
             </a:extLst>
           </p:cNvPr>
@@ -15037,7 +15037,7 @@
           <p:cNvPr id="9" name="직선 화살표 연결선 8">
             <a:extLst>
               <a:ext uri="{FF2B5EF4-FFF2-40B4-BE49-F238E27FC236}">
-                <a16:creationId xmlns:a16="http://schemas.microsoft.com/office/drawing/2014/main" id="{0ECC5C07-3FFF-F6D9-B2F3-0DA0B96FE896}"/>
+                <a16:creationId xmlns="" xmlns:a16="http://schemas.microsoft.com/office/drawing/2014/main" id="{0ECC5C07-3FFF-F6D9-B2F3-0DA0B96FE896}"/>
               </a:ext>
             </a:extLst>
           </p:cNvPr>
@@ -15078,7 +15078,7 @@
           <p:cNvPr id="10" name="직사각형 9">
             <a:extLst>
               <a:ext uri="{FF2B5EF4-FFF2-40B4-BE49-F238E27FC236}">
-                <a16:creationId xmlns:a16="http://schemas.microsoft.com/office/drawing/2014/main" id="{318AF55B-E33C-B624-1CF9-5FD42A65D0DD}"/>
+                <a16:creationId xmlns="" xmlns:a16="http://schemas.microsoft.com/office/drawing/2014/main" id="{318AF55B-E33C-B624-1CF9-5FD42A65D0DD}"/>
               </a:ext>
             </a:extLst>
           </p:cNvPr>
@@ -15130,7 +15130,7 @@
           <p:cNvPr id="11" name="TextBox 10">
             <a:extLst>
               <a:ext uri="{FF2B5EF4-FFF2-40B4-BE49-F238E27FC236}">
-                <a16:creationId xmlns:a16="http://schemas.microsoft.com/office/drawing/2014/main" id="{8A9E3087-1870-27E9-15FA-D528AF2E1E38}"/>
+                <a16:creationId xmlns="" xmlns:a16="http://schemas.microsoft.com/office/drawing/2014/main" id="{8A9E3087-1870-27E9-15FA-D528AF2E1E38}"/>
               </a:ext>
             </a:extLst>
           </p:cNvPr>
@@ -15221,7 +15221,7 @@
           <p:cNvPr id="5" name="그림 4">
             <a:extLst>
               <a:ext uri="{FF2B5EF4-FFF2-40B4-BE49-F238E27FC236}">
-                <a16:creationId xmlns:a16="http://schemas.microsoft.com/office/drawing/2014/main" id="{3B861C60-3CC3-712D-B5D6-D520D074E306}"/>
+                <a16:creationId xmlns="" xmlns:a16="http://schemas.microsoft.com/office/drawing/2014/main" id="{3B861C60-3CC3-712D-B5D6-D520D074E306}"/>
               </a:ext>
             </a:extLst>
           </p:cNvPr>
@@ -15251,7 +15251,7 @@
           <p:cNvPr id="6" name="직선 화살표 연결선 5">
             <a:extLst>
               <a:ext uri="{FF2B5EF4-FFF2-40B4-BE49-F238E27FC236}">
-                <a16:creationId xmlns:a16="http://schemas.microsoft.com/office/drawing/2014/main" id="{FE29E306-04EE-5AE4-3BB5-414ADAFD1306}"/>
+                <a16:creationId xmlns="" xmlns:a16="http://schemas.microsoft.com/office/drawing/2014/main" id="{FE29E306-04EE-5AE4-3BB5-414ADAFD1306}"/>
               </a:ext>
             </a:extLst>
           </p:cNvPr>
@@ -15292,7 +15292,7 @@
           <p:cNvPr id="7" name="직사각형 6">
             <a:extLst>
               <a:ext uri="{FF2B5EF4-FFF2-40B4-BE49-F238E27FC236}">
-                <a16:creationId xmlns:a16="http://schemas.microsoft.com/office/drawing/2014/main" id="{866C62D3-1CC2-3F0D-5ABB-7954E089BB16}"/>
+                <a16:creationId xmlns="" xmlns:a16="http://schemas.microsoft.com/office/drawing/2014/main" id="{866C62D3-1CC2-3F0D-5ABB-7954E089BB16}"/>
               </a:ext>
             </a:extLst>
           </p:cNvPr>
@@ -15344,7 +15344,7 @@
           <p:cNvPr id="8" name="TextBox 7">
             <a:extLst>
               <a:ext uri="{FF2B5EF4-FFF2-40B4-BE49-F238E27FC236}">
-                <a16:creationId xmlns:a16="http://schemas.microsoft.com/office/drawing/2014/main" id="{2AFA2305-A334-471A-245E-57D18174C58B}"/>
+                <a16:creationId xmlns="" xmlns:a16="http://schemas.microsoft.com/office/drawing/2014/main" id="{2AFA2305-A334-471A-245E-57D18174C58B}"/>
               </a:ext>
             </a:extLst>
           </p:cNvPr>
@@ -15491,7 +15491,7 @@
           <p:cNvPr id="6" name="직선 화살표 연결선 5">
             <a:extLst>
               <a:ext uri="{FF2B5EF4-FFF2-40B4-BE49-F238E27FC236}">
-                <a16:creationId xmlns:a16="http://schemas.microsoft.com/office/drawing/2014/main" id="{93549FE3-F7E7-5442-6CD8-8AD51821A1D6}"/>
+                <a16:creationId xmlns="" xmlns:a16="http://schemas.microsoft.com/office/drawing/2014/main" id="{93549FE3-F7E7-5442-6CD8-8AD51821A1D6}"/>
               </a:ext>
             </a:extLst>
           </p:cNvPr>
@@ -15532,7 +15532,7 @@
           <p:cNvPr id="7" name="직사각형 6">
             <a:extLst>
               <a:ext uri="{FF2B5EF4-FFF2-40B4-BE49-F238E27FC236}">
-                <a16:creationId xmlns:a16="http://schemas.microsoft.com/office/drawing/2014/main" id="{94227EF0-3965-DF6B-ED6C-E7B6D0756247}"/>
+                <a16:creationId xmlns="" xmlns:a16="http://schemas.microsoft.com/office/drawing/2014/main" id="{94227EF0-3965-DF6B-ED6C-E7B6D0756247}"/>
               </a:ext>
             </a:extLst>
           </p:cNvPr>
@@ -15584,7 +15584,7 @@
           <p:cNvPr id="8" name="TextBox 7">
             <a:extLst>
               <a:ext uri="{FF2B5EF4-FFF2-40B4-BE49-F238E27FC236}">
-                <a16:creationId xmlns:a16="http://schemas.microsoft.com/office/drawing/2014/main" id="{3EABB99B-43C1-73B3-BBA9-53357E140C3A}"/>
+                <a16:creationId xmlns="" xmlns:a16="http://schemas.microsoft.com/office/drawing/2014/main" id="{3EABB99B-43C1-73B3-BBA9-53357E140C3A}"/>
               </a:ext>
             </a:extLst>
           </p:cNvPr>
@@ -15642,7 +15642,7 @@
           <p:cNvPr id="9" name="직선 화살표 연결선 8">
             <a:extLst>
               <a:ext uri="{FF2B5EF4-FFF2-40B4-BE49-F238E27FC236}">
-                <a16:creationId xmlns:a16="http://schemas.microsoft.com/office/drawing/2014/main" id="{93549FE3-F7E7-5442-6CD8-8AD51821A1D6}"/>
+                <a16:creationId xmlns="" xmlns:a16="http://schemas.microsoft.com/office/drawing/2014/main" id="{93549FE3-F7E7-5442-6CD8-8AD51821A1D6}"/>
               </a:ext>
             </a:extLst>
           </p:cNvPr>
@@ -15683,7 +15683,7 @@
           <p:cNvPr id="10" name="직사각형 9">
             <a:extLst>
               <a:ext uri="{FF2B5EF4-FFF2-40B4-BE49-F238E27FC236}">
-                <a16:creationId xmlns:a16="http://schemas.microsoft.com/office/drawing/2014/main" id="{94227EF0-3965-DF6B-ED6C-E7B6D0756247}"/>
+                <a16:creationId xmlns="" xmlns:a16="http://schemas.microsoft.com/office/drawing/2014/main" id="{94227EF0-3965-DF6B-ED6C-E7B6D0756247}"/>
               </a:ext>
             </a:extLst>
           </p:cNvPr>
@@ -15735,7 +15735,7 @@
           <p:cNvPr id="11" name="TextBox 10">
             <a:extLst>
               <a:ext uri="{FF2B5EF4-FFF2-40B4-BE49-F238E27FC236}">
-                <a16:creationId xmlns:a16="http://schemas.microsoft.com/office/drawing/2014/main" id="{3EABB99B-43C1-73B3-BBA9-53357E140C3A}"/>
+                <a16:creationId xmlns="" xmlns:a16="http://schemas.microsoft.com/office/drawing/2014/main" id="{3EABB99B-43C1-73B3-BBA9-53357E140C3A}"/>
               </a:ext>
             </a:extLst>
           </p:cNvPr>
@@ -15793,7 +15793,7 @@
           <p:cNvPr id="12" name="직선 화살표 연결선 11">
             <a:extLst>
               <a:ext uri="{FF2B5EF4-FFF2-40B4-BE49-F238E27FC236}">
-                <a16:creationId xmlns:a16="http://schemas.microsoft.com/office/drawing/2014/main" id="{93549FE3-F7E7-5442-6CD8-8AD51821A1D6}"/>
+                <a16:creationId xmlns="" xmlns:a16="http://schemas.microsoft.com/office/drawing/2014/main" id="{93549FE3-F7E7-5442-6CD8-8AD51821A1D6}"/>
               </a:ext>
             </a:extLst>
           </p:cNvPr>
@@ -15834,7 +15834,7 @@
           <p:cNvPr id="13" name="직사각형 12">
             <a:extLst>
               <a:ext uri="{FF2B5EF4-FFF2-40B4-BE49-F238E27FC236}">
-                <a16:creationId xmlns:a16="http://schemas.microsoft.com/office/drawing/2014/main" id="{94227EF0-3965-DF6B-ED6C-E7B6D0756247}"/>
+                <a16:creationId xmlns="" xmlns:a16="http://schemas.microsoft.com/office/drawing/2014/main" id="{94227EF0-3965-DF6B-ED6C-E7B6D0756247}"/>
               </a:ext>
             </a:extLst>
           </p:cNvPr>
@@ -15886,7 +15886,7 @@
           <p:cNvPr id="14" name="TextBox 13">
             <a:extLst>
               <a:ext uri="{FF2B5EF4-FFF2-40B4-BE49-F238E27FC236}">
-                <a16:creationId xmlns:a16="http://schemas.microsoft.com/office/drawing/2014/main" id="{3EABB99B-43C1-73B3-BBA9-53357E140C3A}"/>
+                <a16:creationId xmlns="" xmlns:a16="http://schemas.microsoft.com/office/drawing/2014/main" id="{3EABB99B-43C1-73B3-BBA9-53357E140C3A}"/>
               </a:ext>
             </a:extLst>
           </p:cNvPr>
@@ -15944,7 +15944,7 @@
           <p:cNvPr id="15" name="직선 화살표 연결선 14">
             <a:extLst>
               <a:ext uri="{FF2B5EF4-FFF2-40B4-BE49-F238E27FC236}">
-                <a16:creationId xmlns:a16="http://schemas.microsoft.com/office/drawing/2014/main" id="{93549FE3-F7E7-5442-6CD8-8AD51821A1D6}"/>
+                <a16:creationId xmlns="" xmlns:a16="http://schemas.microsoft.com/office/drawing/2014/main" id="{93549FE3-F7E7-5442-6CD8-8AD51821A1D6}"/>
               </a:ext>
             </a:extLst>
           </p:cNvPr>
@@ -15985,7 +15985,7 @@
           <p:cNvPr id="16" name="직사각형 15">
             <a:extLst>
               <a:ext uri="{FF2B5EF4-FFF2-40B4-BE49-F238E27FC236}">
-                <a16:creationId xmlns:a16="http://schemas.microsoft.com/office/drawing/2014/main" id="{94227EF0-3965-DF6B-ED6C-E7B6D0756247}"/>
+                <a16:creationId xmlns="" xmlns:a16="http://schemas.microsoft.com/office/drawing/2014/main" id="{94227EF0-3965-DF6B-ED6C-E7B6D0756247}"/>
               </a:ext>
             </a:extLst>
           </p:cNvPr>
@@ -16037,7 +16037,7 @@
           <p:cNvPr id="17" name="TextBox 16">
             <a:extLst>
               <a:ext uri="{FF2B5EF4-FFF2-40B4-BE49-F238E27FC236}">
-                <a16:creationId xmlns:a16="http://schemas.microsoft.com/office/drawing/2014/main" id="{3EABB99B-43C1-73B3-BBA9-53357E140C3A}"/>
+                <a16:creationId xmlns="" xmlns:a16="http://schemas.microsoft.com/office/drawing/2014/main" id="{3EABB99B-43C1-73B3-BBA9-53357E140C3A}"/>
               </a:ext>
             </a:extLst>
           </p:cNvPr>
@@ -16125,7 +16125,7 @@
           <p:cNvPr id="18" name="직선 화살표 연결선 17">
             <a:extLst>
               <a:ext uri="{FF2B5EF4-FFF2-40B4-BE49-F238E27FC236}">
-                <a16:creationId xmlns:a16="http://schemas.microsoft.com/office/drawing/2014/main" id="{93549FE3-F7E7-5442-6CD8-8AD51821A1D6}"/>
+                <a16:creationId xmlns="" xmlns:a16="http://schemas.microsoft.com/office/drawing/2014/main" id="{93549FE3-F7E7-5442-6CD8-8AD51821A1D6}"/>
               </a:ext>
             </a:extLst>
           </p:cNvPr>
@@ -16166,7 +16166,7 @@
           <p:cNvPr id="19" name="직사각형 18">
             <a:extLst>
               <a:ext uri="{FF2B5EF4-FFF2-40B4-BE49-F238E27FC236}">
-                <a16:creationId xmlns:a16="http://schemas.microsoft.com/office/drawing/2014/main" id="{94227EF0-3965-DF6B-ED6C-E7B6D0756247}"/>
+                <a16:creationId xmlns="" xmlns:a16="http://schemas.microsoft.com/office/drawing/2014/main" id="{94227EF0-3965-DF6B-ED6C-E7B6D0756247}"/>
               </a:ext>
             </a:extLst>
           </p:cNvPr>
@@ -16218,7 +16218,7 @@
           <p:cNvPr id="20" name="TextBox 19">
             <a:extLst>
               <a:ext uri="{FF2B5EF4-FFF2-40B4-BE49-F238E27FC236}">
-                <a16:creationId xmlns:a16="http://schemas.microsoft.com/office/drawing/2014/main" id="{3EABB99B-43C1-73B3-BBA9-53357E140C3A}"/>
+                <a16:creationId xmlns="" xmlns:a16="http://schemas.microsoft.com/office/drawing/2014/main" id="{3EABB99B-43C1-73B3-BBA9-53357E140C3A}"/>
               </a:ext>
             </a:extLst>
           </p:cNvPr>
@@ -16276,7 +16276,7 @@
           <p:cNvPr id="2" name="TextBox 1">
             <a:extLst>
               <a:ext uri="{FF2B5EF4-FFF2-40B4-BE49-F238E27FC236}">
-                <a16:creationId xmlns:a16="http://schemas.microsoft.com/office/drawing/2014/main" id="{33552963-9673-394C-446B-D01ACBF5C0B4}"/>
+                <a16:creationId xmlns="" xmlns:a16="http://schemas.microsoft.com/office/drawing/2014/main" id="{33552963-9673-394C-446B-D01ACBF5C0B4}"/>
               </a:ext>
             </a:extLst>
           </p:cNvPr>
@@ -16891,7 +16891,7 @@
           <p:cNvPr id="4" name="그림 3">
             <a:extLst>
               <a:ext uri="{FF2B5EF4-FFF2-40B4-BE49-F238E27FC236}">
-                <a16:creationId xmlns:a16="http://schemas.microsoft.com/office/drawing/2014/main" id="{97C83C48-30DF-B7DB-0742-60E502BCD85E}"/>
+                <a16:creationId xmlns="" xmlns:a16="http://schemas.microsoft.com/office/drawing/2014/main" id="{97C83C48-30DF-B7DB-0742-60E502BCD85E}"/>
               </a:ext>
             </a:extLst>
           </p:cNvPr>
@@ -16921,7 +16921,7 @@
           <p:cNvPr id="9" name="직선 화살표 연결선 8">
             <a:extLst>
               <a:ext uri="{FF2B5EF4-FFF2-40B4-BE49-F238E27FC236}">
-                <a16:creationId xmlns:a16="http://schemas.microsoft.com/office/drawing/2014/main" id="{192B3151-4915-2B1F-8714-223155661583}"/>
+                <a16:creationId xmlns="" xmlns:a16="http://schemas.microsoft.com/office/drawing/2014/main" id="{192B3151-4915-2B1F-8714-223155661583}"/>
               </a:ext>
             </a:extLst>
           </p:cNvPr>
@@ -16962,7 +16962,7 @@
           <p:cNvPr id="10" name="직사각형 9">
             <a:extLst>
               <a:ext uri="{FF2B5EF4-FFF2-40B4-BE49-F238E27FC236}">
-                <a16:creationId xmlns:a16="http://schemas.microsoft.com/office/drawing/2014/main" id="{AF3E039D-11F1-65FF-C1CD-AC61ECFD442F}"/>
+                <a16:creationId xmlns="" xmlns:a16="http://schemas.microsoft.com/office/drawing/2014/main" id="{AF3E039D-11F1-65FF-C1CD-AC61ECFD442F}"/>
               </a:ext>
             </a:extLst>
           </p:cNvPr>
@@ -17014,7 +17014,7 @@
           <p:cNvPr id="11" name="TextBox 10">
             <a:extLst>
               <a:ext uri="{FF2B5EF4-FFF2-40B4-BE49-F238E27FC236}">
-                <a16:creationId xmlns:a16="http://schemas.microsoft.com/office/drawing/2014/main" id="{DF3264D7-FC01-A60A-1582-524467C672CA}"/>
+                <a16:creationId xmlns="" xmlns:a16="http://schemas.microsoft.com/office/drawing/2014/main" id="{DF3264D7-FC01-A60A-1582-524467C672CA}"/>
               </a:ext>
             </a:extLst>
           </p:cNvPr>
@@ -17072,7 +17072,7 @@
           <p:cNvPr id="2" name="TextBox 1">
             <a:extLst>
               <a:ext uri="{FF2B5EF4-FFF2-40B4-BE49-F238E27FC236}">
-                <a16:creationId xmlns:a16="http://schemas.microsoft.com/office/drawing/2014/main" id="{3F2789B9-7AE8-7471-B054-07E34F9CB911}"/>
+                <a16:creationId xmlns="" xmlns:a16="http://schemas.microsoft.com/office/drawing/2014/main" id="{3F2789B9-7AE8-7471-B054-07E34F9CB911}"/>
               </a:ext>
             </a:extLst>
           </p:cNvPr>
@@ -17170,7 +17170,7 @@
           <p:cNvPr id="4" name="TextBox 3">
             <a:extLst>
               <a:ext uri="{FF2B5EF4-FFF2-40B4-BE49-F238E27FC236}">
-                <a16:creationId xmlns:a16="http://schemas.microsoft.com/office/drawing/2014/main" id="{8B775B69-867E-6D09-FBAC-9DCE56EE27DC}"/>
+                <a16:creationId xmlns="" xmlns:a16="http://schemas.microsoft.com/office/drawing/2014/main" id="{8B775B69-867E-6D09-FBAC-9DCE56EE27DC}"/>
               </a:ext>
             </a:extLst>
           </p:cNvPr>
@@ -17326,7 +17326,7 @@
           <p:cNvPr id="3" name="TextBox 2">
             <a:extLst>
               <a:ext uri="{FF2B5EF4-FFF2-40B4-BE49-F238E27FC236}">
-                <a16:creationId xmlns:a16="http://schemas.microsoft.com/office/drawing/2014/main" id="{DF3264D7-FC01-A60A-1582-524467C672CA}"/>
+                <a16:creationId xmlns="" xmlns:a16="http://schemas.microsoft.com/office/drawing/2014/main" id="{DF3264D7-FC01-A60A-1582-524467C672CA}"/>
               </a:ext>
             </a:extLst>
           </p:cNvPr>
@@ -17424,7 +17424,7 @@
           <p:cNvPr id="4" name="TextBox 3">
             <a:extLst>
               <a:ext uri="{FF2B5EF4-FFF2-40B4-BE49-F238E27FC236}">
-                <a16:creationId xmlns:a16="http://schemas.microsoft.com/office/drawing/2014/main" id="{42DA360B-FCE9-ADF1-10BF-66DDB117C22D}"/>
+                <a16:creationId xmlns="" xmlns:a16="http://schemas.microsoft.com/office/drawing/2014/main" id="{42DA360B-FCE9-ADF1-10BF-66DDB117C22D}"/>
               </a:ext>
             </a:extLst>
           </p:cNvPr>
@@ -17472,7 +17472,7 @@
           <p:cNvPr id="5" name="TextBox 4">
             <a:extLst>
               <a:ext uri="{FF2B5EF4-FFF2-40B4-BE49-F238E27FC236}">
-                <a16:creationId xmlns:a16="http://schemas.microsoft.com/office/drawing/2014/main" id="{EDC0CEAC-03B0-6CA0-B904-A9724C34AA11}"/>
+                <a16:creationId xmlns="" xmlns:a16="http://schemas.microsoft.com/office/drawing/2014/main" id="{EDC0CEAC-03B0-6CA0-B904-A9724C34AA11}"/>
               </a:ext>
             </a:extLst>
           </p:cNvPr>
@@ -17601,7 +17601,7 @@
           <p:cNvPr id="7" name="직선 화살표 연결선 6">
             <a:extLst>
               <a:ext uri="{FF2B5EF4-FFF2-40B4-BE49-F238E27FC236}">
-                <a16:creationId xmlns:a16="http://schemas.microsoft.com/office/drawing/2014/main" id="{299DF5EC-9DF4-5255-06AC-0A7CE4FF58C3}"/>
+                <a16:creationId xmlns="" xmlns:a16="http://schemas.microsoft.com/office/drawing/2014/main" id="{299DF5EC-9DF4-5255-06AC-0A7CE4FF58C3}"/>
               </a:ext>
             </a:extLst>
           </p:cNvPr>
@@ -17642,7 +17642,7 @@
           <p:cNvPr id="8" name="직사각형 7">
             <a:extLst>
               <a:ext uri="{FF2B5EF4-FFF2-40B4-BE49-F238E27FC236}">
-                <a16:creationId xmlns:a16="http://schemas.microsoft.com/office/drawing/2014/main" id="{FFF506F9-840A-0508-4CAF-3AC711D8D5CE}"/>
+                <a16:creationId xmlns="" xmlns:a16="http://schemas.microsoft.com/office/drawing/2014/main" id="{FFF506F9-840A-0508-4CAF-3AC711D8D5CE}"/>
               </a:ext>
             </a:extLst>
           </p:cNvPr>
@@ -17694,7 +17694,7 @@
           <p:cNvPr id="9" name="TextBox 8">
             <a:extLst>
               <a:ext uri="{FF2B5EF4-FFF2-40B4-BE49-F238E27FC236}">
-                <a16:creationId xmlns:a16="http://schemas.microsoft.com/office/drawing/2014/main" id="{C6D113C6-EA5C-788F-0C77-E7CE6EBB865F}"/>
+                <a16:creationId xmlns="" xmlns:a16="http://schemas.microsoft.com/office/drawing/2014/main" id="{C6D113C6-EA5C-788F-0C77-E7CE6EBB865F}"/>
               </a:ext>
             </a:extLst>
           </p:cNvPr>
@@ -17762,7 +17762,7 @@
           <p:cNvPr id="12" name="직사각형 11">
             <a:extLst>
               <a:ext uri="{FF2B5EF4-FFF2-40B4-BE49-F238E27FC236}">
-                <a16:creationId xmlns:a16="http://schemas.microsoft.com/office/drawing/2014/main" id="{FFF506F9-840A-0508-4CAF-3AC711D8D5CE}"/>
+                <a16:creationId xmlns="" xmlns:a16="http://schemas.microsoft.com/office/drawing/2014/main" id="{FFF506F9-840A-0508-4CAF-3AC711D8D5CE}"/>
               </a:ext>
             </a:extLst>
           </p:cNvPr>
@@ -17814,7 +17814,7 @@
           <p:cNvPr id="13" name="직선 화살표 연결선 12">
             <a:extLst>
               <a:ext uri="{FF2B5EF4-FFF2-40B4-BE49-F238E27FC236}">
-                <a16:creationId xmlns:a16="http://schemas.microsoft.com/office/drawing/2014/main" id="{299DF5EC-9DF4-5255-06AC-0A7CE4FF58C3}"/>
+                <a16:creationId xmlns="" xmlns:a16="http://schemas.microsoft.com/office/drawing/2014/main" id="{299DF5EC-9DF4-5255-06AC-0A7CE4FF58C3}"/>
               </a:ext>
             </a:extLst>
           </p:cNvPr>
@@ -17860,6 +17860,13 @@
   <p:clrMapOvr>
     <a:masterClrMapping/>
   </p:clrMapOvr>
+  <p:timing>
+    <p:tnLst>
+      <p:par>
+        <p:cTn id="1" dur="indefinite" restart="never" nodeType="tmRoot"/>
+      </p:par>
+    </p:tnLst>
+  </p:timing>
 </p:sld>
 </file>
 
@@ -17885,7 +17892,7 @@
           <p:cNvPr id="4" name="TextBox 3">
             <a:extLst>
               <a:ext uri="{FF2B5EF4-FFF2-40B4-BE49-F238E27FC236}">
-                <a16:creationId xmlns:a16="http://schemas.microsoft.com/office/drawing/2014/main" id="{2EC3805F-E992-B7A8-2934-2FC49E67C3C5}"/>
+                <a16:creationId xmlns="" xmlns:a16="http://schemas.microsoft.com/office/drawing/2014/main" id="{2EC3805F-E992-B7A8-2934-2FC49E67C3C5}"/>
               </a:ext>
             </a:extLst>
           </p:cNvPr>
@@ -18138,7 +18145,7 @@
           <p:cNvPr id="5" name="TextBox 4">
             <a:extLst>
               <a:ext uri="{FF2B5EF4-FFF2-40B4-BE49-F238E27FC236}">
-                <a16:creationId xmlns:a16="http://schemas.microsoft.com/office/drawing/2014/main" id="{52270381-F947-5B75-CF63-C036F9803DB2}"/>
+                <a16:creationId xmlns="" xmlns:a16="http://schemas.microsoft.com/office/drawing/2014/main" id="{52270381-F947-5B75-CF63-C036F9803DB2}"/>
               </a:ext>
             </a:extLst>
           </p:cNvPr>
@@ -18189,7 +18196,7 @@
           <p:cNvPr id="7" name="그림 6">
             <a:extLst>
               <a:ext uri="{FF2B5EF4-FFF2-40B4-BE49-F238E27FC236}">
-                <a16:creationId xmlns:a16="http://schemas.microsoft.com/office/drawing/2014/main" id="{3FCB27C8-600F-4D7C-C82C-7D6CAA75EB3E}"/>
+                <a16:creationId xmlns="" xmlns:a16="http://schemas.microsoft.com/office/drawing/2014/main" id="{3FCB27C8-600F-4D7C-C82C-7D6CAA75EB3E}"/>
               </a:ext>
             </a:extLst>
           </p:cNvPr>
@@ -18219,7 +18226,7 @@
           <p:cNvPr id="9" name="그림 8">
             <a:extLst>
               <a:ext uri="{FF2B5EF4-FFF2-40B4-BE49-F238E27FC236}">
-                <a16:creationId xmlns:a16="http://schemas.microsoft.com/office/drawing/2014/main" id="{BAA12690-D245-9B02-B7DC-BCC6CBF81EF1}"/>
+                <a16:creationId xmlns="" xmlns:a16="http://schemas.microsoft.com/office/drawing/2014/main" id="{BAA12690-D245-9B02-B7DC-BCC6CBF81EF1}"/>
               </a:ext>
             </a:extLst>
           </p:cNvPr>
@@ -18249,7 +18256,7 @@
           <p:cNvPr id="10" name="그림 9">
             <a:extLst>
               <a:ext uri="{FF2B5EF4-FFF2-40B4-BE49-F238E27FC236}">
-                <a16:creationId xmlns:a16="http://schemas.microsoft.com/office/drawing/2014/main" id="{922FFD0F-147C-91AB-44A1-DF0934003C97}"/>
+                <a16:creationId xmlns="" xmlns:a16="http://schemas.microsoft.com/office/drawing/2014/main" id="{922FFD0F-147C-91AB-44A1-DF0934003C97}"/>
               </a:ext>
             </a:extLst>
           </p:cNvPr>
@@ -18395,7 +18402,7 @@
           <p:cNvPr id="7" name="그림 6">
             <a:extLst>
               <a:ext uri="{FF2B5EF4-FFF2-40B4-BE49-F238E27FC236}">
-                <a16:creationId xmlns:a16="http://schemas.microsoft.com/office/drawing/2014/main" id="{CBFF9CD2-189A-3FD7-5442-822E5BF518EB}"/>
+                <a16:creationId xmlns="" xmlns:a16="http://schemas.microsoft.com/office/drawing/2014/main" id="{CBFF9CD2-189A-3FD7-5442-822E5BF518EB}"/>
               </a:ext>
             </a:extLst>
           </p:cNvPr>
@@ -18425,7 +18432,7 @@
           <p:cNvPr id="6" name="TextBox 5">
             <a:extLst>
               <a:ext uri="{FF2B5EF4-FFF2-40B4-BE49-F238E27FC236}">
-                <a16:creationId xmlns:a16="http://schemas.microsoft.com/office/drawing/2014/main" id="{78B84A61-7B7B-8FF4-6202-BEFC09414B6F}"/>
+                <a16:creationId xmlns="" xmlns:a16="http://schemas.microsoft.com/office/drawing/2014/main" id="{78B84A61-7B7B-8FF4-6202-BEFC09414B6F}"/>
               </a:ext>
             </a:extLst>
           </p:cNvPr>
@@ -18473,7 +18480,7 @@
           <p:cNvPr id="8" name="직선 화살표 연결선 7">
             <a:extLst>
               <a:ext uri="{FF2B5EF4-FFF2-40B4-BE49-F238E27FC236}">
-                <a16:creationId xmlns:a16="http://schemas.microsoft.com/office/drawing/2014/main" id="{58289216-E08D-C4FD-20AC-55D8DB1E7956}"/>
+                <a16:creationId xmlns="" xmlns:a16="http://schemas.microsoft.com/office/drawing/2014/main" id="{58289216-E08D-C4FD-20AC-55D8DB1E7956}"/>
               </a:ext>
             </a:extLst>
           </p:cNvPr>
@@ -18514,7 +18521,7 @@
           <p:cNvPr id="9" name="직사각형 8">
             <a:extLst>
               <a:ext uri="{FF2B5EF4-FFF2-40B4-BE49-F238E27FC236}">
-                <a16:creationId xmlns:a16="http://schemas.microsoft.com/office/drawing/2014/main" id="{60777B61-DA32-31D9-0FA4-DFAE8FA804C9}"/>
+                <a16:creationId xmlns="" xmlns:a16="http://schemas.microsoft.com/office/drawing/2014/main" id="{60777B61-DA32-31D9-0FA4-DFAE8FA804C9}"/>
               </a:ext>
             </a:extLst>
           </p:cNvPr>
@@ -18566,7 +18573,7 @@
           <p:cNvPr id="10" name="TextBox 9">
             <a:extLst>
               <a:ext uri="{FF2B5EF4-FFF2-40B4-BE49-F238E27FC236}">
-                <a16:creationId xmlns:a16="http://schemas.microsoft.com/office/drawing/2014/main" id="{026E086D-D2D0-BBFD-5037-4640C2EDF1C2}"/>
+                <a16:creationId xmlns="" xmlns:a16="http://schemas.microsoft.com/office/drawing/2014/main" id="{026E086D-D2D0-BBFD-5037-4640C2EDF1C2}"/>
               </a:ext>
             </a:extLst>
           </p:cNvPr>
@@ -18647,7 +18654,7 @@
           <p:cNvPr id="12" name="직선 화살표 연결선 11">
             <a:extLst>
               <a:ext uri="{FF2B5EF4-FFF2-40B4-BE49-F238E27FC236}">
-                <a16:creationId xmlns:a16="http://schemas.microsoft.com/office/drawing/2014/main" id="{1C24D650-8885-7694-0C5A-0F28B3D8D4F5}"/>
+                <a16:creationId xmlns="" xmlns:a16="http://schemas.microsoft.com/office/drawing/2014/main" id="{1C24D650-8885-7694-0C5A-0F28B3D8D4F5}"/>
               </a:ext>
             </a:extLst>
           </p:cNvPr>
@@ -18688,7 +18695,7 @@
           <p:cNvPr id="13" name="직사각형 12">
             <a:extLst>
               <a:ext uri="{FF2B5EF4-FFF2-40B4-BE49-F238E27FC236}">
-                <a16:creationId xmlns:a16="http://schemas.microsoft.com/office/drawing/2014/main" id="{FCF4A7E2-1055-4636-3150-41C63484E849}"/>
+                <a16:creationId xmlns="" xmlns:a16="http://schemas.microsoft.com/office/drawing/2014/main" id="{FCF4A7E2-1055-4636-3150-41C63484E849}"/>
               </a:ext>
             </a:extLst>
           </p:cNvPr>
@@ -18740,7 +18747,7 @@
           <p:cNvPr id="14" name="TextBox 13">
             <a:extLst>
               <a:ext uri="{FF2B5EF4-FFF2-40B4-BE49-F238E27FC236}">
-                <a16:creationId xmlns:a16="http://schemas.microsoft.com/office/drawing/2014/main" id="{1C9EE72B-C3CD-D8E9-58D3-6A37743EF9B0}"/>
+                <a16:creationId xmlns="" xmlns:a16="http://schemas.microsoft.com/office/drawing/2014/main" id="{1C9EE72B-C3CD-D8E9-58D3-6A37743EF9B0}"/>
               </a:ext>
             </a:extLst>
           </p:cNvPr>
@@ -18801,7 +18808,7 @@
           <p:cNvPr id="5" name="직사각형 4">
             <a:extLst>
               <a:ext uri="{FF2B5EF4-FFF2-40B4-BE49-F238E27FC236}">
-                <a16:creationId xmlns:a16="http://schemas.microsoft.com/office/drawing/2014/main" id="{06EFE685-8F65-86F8-162A-C65678E70E2C}"/>
+                <a16:creationId xmlns="" xmlns:a16="http://schemas.microsoft.com/office/drawing/2014/main" id="{06EFE685-8F65-86F8-162A-C65678E70E2C}"/>
               </a:ext>
             </a:extLst>
           </p:cNvPr>
@@ -18961,7 +18968,7 @@
           <p:cNvPr id="6" name="TextBox 5">
             <a:extLst>
               <a:ext uri="{FF2B5EF4-FFF2-40B4-BE49-F238E27FC236}">
-                <a16:creationId xmlns:a16="http://schemas.microsoft.com/office/drawing/2014/main" id="{EDC0CEAC-03B0-6CA0-B904-A9724C34AA11}"/>
+                <a16:creationId xmlns="" xmlns:a16="http://schemas.microsoft.com/office/drawing/2014/main" id="{EDC0CEAC-03B0-6CA0-B904-A9724C34AA11}"/>
               </a:ext>
             </a:extLst>
           </p:cNvPr>
@@ -19198,7 +19205,7 @@
           <p:cNvPr id="9" name="그림 8">
             <a:extLst>
               <a:ext uri="{FF2B5EF4-FFF2-40B4-BE49-F238E27FC236}">
-                <a16:creationId xmlns:a16="http://schemas.microsoft.com/office/drawing/2014/main" id="{59BBEB9C-C11F-928E-CB43-01DA3E4389ED}"/>
+                <a16:creationId xmlns="" xmlns:a16="http://schemas.microsoft.com/office/drawing/2014/main" id="{59BBEB9C-C11F-928E-CB43-01DA3E4389ED}"/>
               </a:ext>
             </a:extLst>
           </p:cNvPr>
@@ -19228,7 +19235,7 @@
           <p:cNvPr id="11" name="그림 10">
             <a:extLst>
               <a:ext uri="{FF2B5EF4-FFF2-40B4-BE49-F238E27FC236}">
-                <a16:creationId xmlns:a16="http://schemas.microsoft.com/office/drawing/2014/main" id="{9CA27AA4-77E7-308B-4C59-70BAD1A0DF98}"/>
+                <a16:creationId xmlns="" xmlns:a16="http://schemas.microsoft.com/office/drawing/2014/main" id="{9CA27AA4-77E7-308B-4C59-70BAD1A0DF98}"/>
               </a:ext>
             </a:extLst>
           </p:cNvPr>
@@ -19455,7 +19462,7 @@
           <p:cNvPr id="21" name="그룹 1021">
             <a:extLst>
               <a:ext uri="{FF2B5EF4-FFF2-40B4-BE49-F238E27FC236}">
-                <a16:creationId xmlns:a16="http://schemas.microsoft.com/office/drawing/2014/main" id="{DAE466EB-8914-A47B-444E-4C193B0D877A}"/>
+                <a16:creationId xmlns="" xmlns:a16="http://schemas.microsoft.com/office/drawing/2014/main" id="{DAE466EB-8914-A47B-444E-4C193B0D877A}"/>
               </a:ext>
             </a:extLst>
           </p:cNvPr>
@@ -19475,7 +19482,7 @@
             <p:cNvPr id="23" name="Object 71">
               <a:extLst>
                 <a:ext uri="{FF2B5EF4-FFF2-40B4-BE49-F238E27FC236}">
-                  <a16:creationId xmlns:a16="http://schemas.microsoft.com/office/drawing/2014/main" id="{44802802-8C0A-9B02-4940-D16EEB7C206A}"/>
+                  <a16:creationId xmlns="" xmlns:a16="http://schemas.microsoft.com/office/drawing/2014/main" id="{44802802-8C0A-9B02-4940-D16EEB7C206A}"/>
                 </a:ext>
               </a:extLst>
             </p:cNvPr>
@@ -19506,7 +19513,7 @@
           <p:cNvPr id="24" name="그룹 1021">
             <a:extLst>
               <a:ext uri="{FF2B5EF4-FFF2-40B4-BE49-F238E27FC236}">
-                <a16:creationId xmlns:a16="http://schemas.microsoft.com/office/drawing/2014/main" id="{DAE466EB-8914-A47B-444E-4C193B0D877A}"/>
+                <a16:creationId xmlns="" xmlns:a16="http://schemas.microsoft.com/office/drawing/2014/main" id="{DAE466EB-8914-A47B-444E-4C193B0D877A}"/>
               </a:ext>
             </a:extLst>
           </p:cNvPr>
@@ -19526,7 +19533,7 @@
             <p:cNvPr id="25" name="Object 71">
               <a:extLst>
                 <a:ext uri="{FF2B5EF4-FFF2-40B4-BE49-F238E27FC236}">
-                  <a16:creationId xmlns:a16="http://schemas.microsoft.com/office/drawing/2014/main" id="{44802802-8C0A-9B02-4940-D16EEB7C206A}"/>
+                  <a16:creationId xmlns="" xmlns:a16="http://schemas.microsoft.com/office/drawing/2014/main" id="{44802802-8C0A-9B02-4940-D16EEB7C206A}"/>
                 </a:ext>
               </a:extLst>
             </p:cNvPr>
@@ -19557,7 +19564,7 @@
           <p:cNvPr id="26" name="직선 화살표 연결선 25">
             <a:extLst>
               <a:ext uri="{FF2B5EF4-FFF2-40B4-BE49-F238E27FC236}">
-                <a16:creationId xmlns:a16="http://schemas.microsoft.com/office/drawing/2014/main" id="{0628D70E-4BD6-EF88-6059-DB86364B2320}"/>
+                <a16:creationId xmlns="" xmlns:a16="http://schemas.microsoft.com/office/drawing/2014/main" id="{0628D70E-4BD6-EF88-6059-DB86364B2320}"/>
               </a:ext>
             </a:extLst>
           </p:cNvPr>
@@ -19599,7 +19606,7 @@
           <p:cNvPr id="27" name="TextBox 26">
             <a:extLst>
               <a:ext uri="{FF2B5EF4-FFF2-40B4-BE49-F238E27FC236}">
-                <a16:creationId xmlns:a16="http://schemas.microsoft.com/office/drawing/2014/main" id="{72769C28-9BB6-DE9C-7B6F-264B77B8DD0E}"/>
+                <a16:creationId xmlns="" xmlns:a16="http://schemas.microsoft.com/office/drawing/2014/main" id="{72769C28-9BB6-DE9C-7B6F-264B77B8DD0E}"/>
               </a:ext>
             </a:extLst>
           </p:cNvPr>
@@ -19647,7 +19654,7 @@
           <p:cNvPr id="28" name="TextBox 27">
             <a:extLst>
               <a:ext uri="{FF2B5EF4-FFF2-40B4-BE49-F238E27FC236}">
-                <a16:creationId xmlns:a16="http://schemas.microsoft.com/office/drawing/2014/main" id="{270932A0-5477-2529-2641-C73A825AFD61}"/>
+                <a16:creationId xmlns="" xmlns:a16="http://schemas.microsoft.com/office/drawing/2014/main" id="{270932A0-5477-2529-2641-C73A825AFD61}"/>
               </a:ext>
             </a:extLst>
           </p:cNvPr>
@@ -19695,7 +19702,7 @@
           <p:cNvPr id="29" name="TextBox 28">
             <a:extLst>
               <a:ext uri="{FF2B5EF4-FFF2-40B4-BE49-F238E27FC236}">
-                <a16:creationId xmlns:a16="http://schemas.microsoft.com/office/drawing/2014/main" id="{270932A0-5477-2529-2641-C73A825AFD61}"/>
+                <a16:creationId xmlns="" xmlns:a16="http://schemas.microsoft.com/office/drawing/2014/main" id="{270932A0-5477-2529-2641-C73A825AFD61}"/>
               </a:ext>
             </a:extLst>
           </p:cNvPr>
@@ -19743,7 +19750,7 @@
           <p:cNvPr id="30" name="TextBox 29">
             <a:extLst>
               <a:ext uri="{FF2B5EF4-FFF2-40B4-BE49-F238E27FC236}">
-                <a16:creationId xmlns:a16="http://schemas.microsoft.com/office/drawing/2014/main" id="{72769C28-9BB6-DE9C-7B6F-264B77B8DD0E}"/>
+                <a16:creationId xmlns="" xmlns:a16="http://schemas.microsoft.com/office/drawing/2014/main" id="{72769C28-9BB6-DE9C-7B6F-264B77B8DD0E}"/>
               </a:ext>
             </a:extLst>
           </p:cNvPr>
@@ -19791,7 +19798,7 @@
           <p:cNvPr id="31" name="TextBox 30">
             <a:extLst>
               <a:ext uri="{FF2B5EF4-FFF2-40B4-BE49-F238E27FC236}">
-                <a16:creationId xmlns:a16="http://schemas.microsoft.com/office/drawing/2014/main" id="{72769C28-9BB6-DE9C-7B6F-264B77B8DD0E}"/>
+                <a16:creationId xmlns="" xmlns:a16="http://schemas.microsoft.com/office/drawing/2014/main" id="{72769C28-9BB6-DE9C-7B6F-264B77B8DD0E}"/>
               </a:ext>
             </a:extLst>
           </p:cNvPr>
@@ -19849,7 +19856,7 @@
           <p:cNvPr id="32" name="TextBox 31">
             <a:extLst>
               <a:ext uri="{FF2B5EF4-FFF2-40B4-BE49-F238E27FC236}">
-                <a16:creationId xmlns:a16="http://schemas.microsoft.com/office/drawing/2014/main" id="{5ADC00B6-990A-40DC-3CEA-505258F5E8DA}"/>
+                <a16:creationId xmlns="" xmlns:a16="http://schemas.microsoft.com/office/drawing/2014/main" id="{5ADC00B6-990A-40DC-3CEA-505258F5E8DA}"/>
               </a:ext>
             </a:extLst>
           </p:cNvPr>
@@ -19927,7 +19934,7 @@
           <p:cNvPr id="13" name="그림 12">
             <a:extLst>
               <a:ext uri="{FF2B5EF4-FFF2-40B4-BE49-F238E27FC236}">
-                <a16:creationId xmlns:a16="http://schemas.microsoft.com/office/drawing/2014/main" id="{3B2E1C03-B358-4F1B-A3FD-5FA9B79FF173}"/>
+                <a16:creationId xmlns="" xmlns:a16="http://schemas.microsoft.com/office/drawing/2014/main" id="{3B2E1C03-B358-4F1B-A3FD-5FA9B79FF173}"/>
               </a:ext>
             </a:extLst>
           </p:cNvPr>
@@ -19957,7 +19964,7 @@
           <p:cNvPr id="5" name="TextBox 4">
             <a:extLst>
               <a:ext uri="{FF2B5EF4-FFF2-40B4-BE49-F238E27FC236}">
-                <a16:creationId xmlns:a16="http://schemas.microsoft.com/office/drawing/2014/main" id="{7F784F2A-C7C0-0635-0E0E-C932F3EA32C9}"/>
+                <a16:creationId xmlns="" xmlns:a16="http://schemas.microsoft.com/office/drawing/2014/main" id="{7F784F2A-C7C0-0635-0E0E-C932F3EA32C9}"/>
               </a:ext>
             </a:extLst>
           </p:cNvPr>
@@ -20005,7 +20012,7 @@
           <p:cNvPr id="6" name="직선 화살표 연결선 5">
             <a:extLst>
               <a:ext uri="{FF2B5EF4-FFF2-40B4-BE49-F238E27FC236}">
-                <a16:creationId xmlns:a16="http://schemas.microsoft.com/office/drawing/2014/main" id="{6EA6EDC8-9B65-E1D2-227B-96AFF7F3869C}"/>
+                <a16:creationId xmlns="" xmlns:a16="http://schemas.microsoft.com/office/drawing/2014/main" id="{6EA6EDC8-9B65-E1D2-227B-96AFF7F3869C}"/>
               </a:ext>
             </a:extLst>
           </p:cNvPr>
@@ -20046,7 +20053,7 @@
           <p:cNvPr id="7" name="직사각형 6">
             <a:extLst>
               <a:ext uri="{FF2B5EF4-FFF2-40B4-BE49-F238E27FC236}">
-                <a16:creationId xmlns:a16="http://schemas.microsoft.com/office/drawing/2014/main" id="{E64A3E8C-0163-2808-1846-B41D73DFDEFC}"/>
+                <a16:creationId xmlns="" xmlns:a16="http://schemas.microsoft.com/office/drawing/2014/main" id="{E64A3E8C-0163-2808-1846-B41D73DFDEFC}"/>
               </a:ext>
             </a:extLst>
           </p:cNvPr>
@@ -20098,7 +20105,7 @@
           <p:cNvPr id="8" name="TextBox 7">
             <a:extLst>
               <a:ext uri="{FF2B5EF4-FFF2-40B4-BE49-F238E27FC236}">
-                <a16:creationId xmlns:a16="http://schemas.microsoft.com/office/drawing/2014/main" id="{6DA7727E-FF28-5165-9C73-AEE66EA5316A}"/>
+                <a16:creationId xmlns="" xmlns:a16="http://schemas.microsoft.com/office/drawing/2014/main" id="{6DA7727E-FF28-5165-9C73-AEE66EA5316A}"/>
               </a:ext>
             </a:extLst>
           </p:cNvPr>
@@ -20159,7 +20166,7 @@
           <p:cNvPr id="12" name="직사각형 11">
             <a:extLst>
               <a:ext uri="{FF2B5EF4-FFF2-40B4-BE49-F238E27FC236}">
-                <a16:creationId xmlns:a16="http://schemas.microsoft.com/office/drawing/2014/main" id="{D219910F-2E1E-2A5E-2393-59B500609908}"/>
+                <a16:creationId xmlns="" xmlns:a16="http://schemas.microsoft.com/office/drawing/2014/main" id="{D219910F-2E1E-2A5E-2393-59B500609908}"/>
               </a:ext>
             </a:extLst>
           </p:cNvPr>
@@ -20319,7 +20326,7 @@
           <p:cNvPr id="5" name="TextBox 4">
             <a:extLst>
               <a:ext uri="{FF2B5EF4-FFF2-40B4-BE49-F238E27FC236}">
-                <a16:creationId xmlns:a16="http://schemas.microsoft.com/office/drawing/2014/main" id="{D19858FD-849C-90C4-2BB9-9B56D6B56DE2}"/>
+                <a16:creationId xmlns="" xmlns:a16="http://schemas.microsoft.com/office/drawing/2014/main" id="{D19858FD-849C-90C4-2BB9-9B56D6B56DE2}"/>
               </a:ext>
             </a:extLst>
           </p:cNvPr>
@@ -20821,7 +20828,7 @@
           <p:cNvPr id="7" name="그림 6">
             <a:extLst>
               <a:ext uri="{FF2B5EF4-FFF2-40B4-BE49-F238E27FC236}">
-                <a16:creationId xmlns:a16="http://schemas.microsoft.com/office/drawing/2014/main" id="{0CB48D38-9C77-4875-ACB4-4AC23CDBA2DA}"/>
+                <a16:creationId xmlns="" xmlns:a16="http://schemas.microsoft.com/office/drawing/2014/main" id="{0CB48D38-9C77-4875-ACB4-4AC23CDBA2DA}"/>
               </a:ext>
             </a:extLst>
           </p:cNvPr>
@@ -20851,7 +20858,7 @@
           <p:cNvPr id="8" name="그림 7">
             <a:extLst>
               <a:ext uri="{FF2B5EF4-FFF2-40B4-BE49-F238E27FC236}">
-                <a16:creationId xmlns:a16="http://schemas.microsoft.com/office/drawing/2014/main" id="{B76E31F9-944D-D969-6874-53781DF1AA05}"/>
+                <a16:creationId xmlns="" xmlns:a16="http://schemas.microsoft.com/office/drawing/2014/main" id="{B76E31F9-944D-D969-6874-53781DF1AA05}"/>
               </a:ext>
             </a:extLst>
           </p:cNvPr>
@@ -20897,6 +20904,13 @@
   <p:clrMapOvr>
     <a:masterClrMapping/>
   </p:clrMapOvr>
+  <p:timing>
+    <p:tnLst>
+      <p:par>
+        <p:cTn id="1" dur="indefinite" restart="never" nodeType="tmRoot"/>
+      </p:par>
+    </p:tnLst>
+  </p:timing>
 </p:sld>
 </file>
 
@@ -20922,7 +20936,7 @@
           <p:cNvPr id="4" name="그림 3">
             <a:extLst>
               <a:ext uri="{FF2B5EF4-FFF2-40B4-BE49-F238E27FC236}">
-                <a16:creationId xmlns:a16="http://schemas.microsoft.com/office/drawing/2014/main" id="{DCBF9905-D647-FA28-0959-24B2B75459CA}"/>
+                <a16:creationId xmlns="" xmlns:a16="http://schemas.microsoft.com/office/drawing/2014/main" id="{DCBF9905-D647-FA28-0959-24B2B75459CA}"/>
               </a:ext>
             </a:extLst>
           </p:cNvPr>
@@ -20952,7 +20966,7 @@
           <p:cNvPr id="5" name="TextBox 4">
             <a:extLst>
               <a:ext uri="{FF2B5EF4-FFF2-40B4-BE49-F238E27FC236}">
-                <a16:creationId xmlns:a16="http://schemas.microsoft.com/office/drawing/2014/main" id="{F6C49983-0286-02C6-1649-A3AAC6D3CB4D}"/>
+                <a16:creationId xmlns="" xmlns:a16="http://schemas.microsoft.com/office/drawing/2014/main" id="{F6C49983-0286-02C6-1649-A3AAC6D3CB4D}"/>
               </a:ext>
             </a:extLst>
           </p:cNvPr>
@@ -21000,7 +21014,7 @@
           <p:cNvPr id="6" name="직선 화살표 연결선 5">
             <a:extLst>
               <a:ext uri="{FF2B5EF4-FFF2-40B4-BE49-F238E27FC236}">
-                <a16:creationId xmlns:a16="http://schemas.microsoft.com/office/drawing/2014/main" id="{413151ED-B84D-D636-C6D3-E7BF7500AB30}"/>
+                <a16:creationId xmlns="" xmlns:a16="http://schemas.microsoft.com/office/drawing/2014/main" id="{413151ED-B84D-D636-C6D3-E7BF7500AB30}"/>
               </a:ext>
             </a:extLst>
           </p:cNvPr>
@@ -21041,7 +21055,7 @@
           <p:cNvPr id="7" name="직사각형 6">
             <a:extLst>
               <a:ext uri="{FF2B5EF4-FFF2-40B4-BE49-F238E27FC236}">
-                <a16:creationId xmlns:a16="http://schemas.microsoft.com/office/drawing/2014/main" id="{E35FAA7D-B457-7704-FD49-B4213A904E92}"/>
+                <a16:creationId xmlns="" xmlns:a16="http://schemas.microsoft.com/office/drawing/2014/main" id="{E35FAA7D-B457-7704-FD49-B4213A904E92}"/>
               </a:ext>
             </a:extLst>
           </p:cNvPr>
@@ -21093,7 +21107,7 @@
           <p:cNvPr id="8" name="TextBox 7">
             <a:extLst>
               <a:ext uri="{FF2B5EF4-FFF2-40B4-BE49-F238E27FC236}">
-                <a16:creationId xmlns:a16="http://schemas.microsoft.com/office/drawing/2014/main" id="{7463962A-F261-EB83-B647-7A61BF9D0590}"/>
+                <a16:creationId xmlns="" xmlns:a16="http://schemas.microsoft.com/office/drawing/2014/main" id="{7463962A-F261-EB83-B647-7A61BF9D0590}"/>
               </a:ext>
             </a:extLst>
           </p:cNvPr>
@@ -21396,7 +21410,7 @@
           <p:cNvPr id="10" name="직사각형 9">
             <a:extLst>
               <a:ext uri="{FF2B5EF4-FFF2-40B4-BE49-F238E27FC236}">
-                <a16:creationId xmlns:a16="http://schemas.microsoft.com/office/drawing/2014/main" id="{352E55C7-C606-C904-67EF-C16BBB9F75B3}"/>
+                <a16:creationId xmlns="" xmlns:a16="http://schemas.microsoft.com/office/drawing/2014/main" id="{352E55C7-C606-C904-67EF-C16BBB9F75B3}"/>
               </a:ext>
             </a:extLst>
           </p:cNvPr>
@@ -21556,7 +21570,7 @@
           <p:cNvPr id="4" name="TextBox 3">
             <a:extLst>
               <a:ext uri="{FF2B5EF4-FFF2-40B4-BE49-F238E27FC236}">
-                <a16:creationId xmlns:a16="http://schemas.microsoft.com/office/drawing/2014/main" id="{EDC0CEAC-03B0-6CA0-B904-A9724C34AA11}"/>
+                <a16:creationId xmlns="" xmlns:a16="http://schemas.microsoft.com/office/drawing/2014/main" id="{EDC0CEAC-03B0-6CA0-B904-A9724C34AA11}"/>
               </a:ext>
             </a:extLst>
           </p:cNvPr>
@@ -21810,7 +21824,7 @@
           <p:cNvPr id="6" name="그림 5">
             <a:extLst>
               <a:ext uri="{FF2B5EF4-FFF2-40B4-BE49-F238E27FC236}">
-                <a16:creationId xmlns:a16="http://schemas.microsoft.com/office/drawing/2014/main" id="{CCE258CE-9842-998C-54CF-666640835E2E}"/>
+                <a16:creationId xmlns="" xmlns:a16="http://schemas.microsoft.com/office/drawing/2014/main" id="{CCE258CE-9842-998C-54CF-666640835E2E}"/>
               </a:ext>
             </a:extLst>
           </p:cNvPr>
@@ -21840,7 +21854,7 @@
           <p:cNvPr id="8" name="그림 7">
             <a:extLst>
               <a:ext uri="{FF2B5EF4-FFF2-40B4-BE49-F238E27FC236}">
-                <a16:creationId xmlns:a16="http://schemas.microsoft.com/office/drawing/2014/main" id="{E94A0D32-700F-FF4C-7C53-6C0923EEEB5E}"/>
+                <a16:creationId xmlns="" xmlns:a16="http://schemas.microsoft.com/office/drawing/2014/main" id="{E94A0D32-700F-FF4C-7C53-6C0923EEEB5E}"/>
               </a:ext>
             </a:extLst>
           </p:cNvPr>
@@ -21875,6 +21889,13 @@
   <p:clrMapOvr>
     <a:masterClrMapping/>
   </p:clrMapOvr>
+  <p:timing>
+    <p:tnLst>
+      <p:par>
+        <p:cTn id="1" dur="indefinite" restart="never" nodeType="tmRoot"/>
+      </p:par>
+    </p:tnLst>
+  </p:timing>
 </p:sld>
 </file>
 
@@ -21900,7 +21921,7 @@
           <p:cNvPr id="5" name="그림 4">
             <a:extLst>
               <a:ext uri="{FF2B5EF4-FFF2-40B4-BE49-F238E27FC236}">
-                <a16:creationId xmlns:a16="http://schemas.microsoft.com/office/drawing/2014/main" id="{4182761F-F8A0-6912-1A1E-82F8A7923653}"/>
+                <a16:creationId xmlns="" xmlns:a16="http://schemas.microsoft.com/office/drawing/2014/main" id="{4182761F-F8A0-6912-1A1E-82F8A7923653}"/>
               </a:ext>
             </a:extLst>
           </p:cNvPr>
@@ -21930,7 +21951,7 @@
           <p:cNvPr id="6" name="TextBox 5">
             <a:extLst>
               <a:ext uri="{FF2B5EF4-FFF2-40B4-BE49-F238E27FC236}">
-                <a16:creationId xmlns:a16="http://schemas.microsoft.com/office/drawing/2014/main" id="{B6DBAEAA-9F6D-1FC7-9A6A-EC50D016E328}"/>
+                <a16:creationId xmlns="" xmlns:a16="http://schemas.microsoft.com/office/drawing/2014/main" id="{B6DBAEAA-9F6D-1FC7-9A6A-EC50D016E328}"/>
               </a:ext>
             </a:extLst>
           </p:cNvPr>
@@ -21978,7 +21999,7 @@
           <p:cNvPr id="7" name="직선 화살표 연결선 6">
             <a:extLst>
               <a:ext uri="{FF2B5EF4-FFF2-40B4-BE49-F238E27FC236}">
-                <a16:creationId xmlns:a16="http://schemas.microsoft.com/office/drawing/2014/main" id="{CC50FEC7-8DD3-3B9B-2070-C53171490A08}"/>
+                <a16:creationId xmlns="" xmlns:a16="http://schemas.microsoft.com/office/drawing/2014/main" id="{CC50FEC7-8DD3-3B9B-2070-C53171490A08}"/>
               </a:ext>
             </a:extLst>
           </p:cNvPr>
@@ -22019,7 +22040,7 @@
           <p:cNvPr id="8" name="직사각형 7">
             <a:extLst>
               <a:ext uri="{FF2B5EF4-FFF2-40B4-BE49-F238E27FC236}">
-                <a16:creationId xmlns:a16="http://schemas.microsoft.com/office/drawing/2014/main" id="{43B6EE03-B609-A16B-08AB-D7CE385BE4DB}"/>
+                <a16:creationId xmlns="" xmlns:a16="http://schemas.microsoft.com/office/drawing/2014/main" id="{43B6EE03-B609-A16B-08AB-D7CE385BE4DB}"/>
               </a:ext>
             </a:extLst>
           </p:cNvPr>
@@ -22071,7 +22092,7 @@
           <p:cNvPr id="9" name="TextBox 8">
             <a:extLst>
               <a:ext uri="{FF2B5EF4-FFF2-40B4-BE49-F238E27FC236}">
-                <a16:creationId xmlns:a16="http://schemas.microsoft.com/office/drawing/2014/main" id="{05B33BE9-AD65-C607-3BD3-F5DFD548E68D}"/>
+                <a16:creationId xmlns="" xmlns:a16="http://schemas.microsoft.com/office/drawing/2014/main" id="{05B33BE9-AD65-C607-3BD3-F5DFD548E68D}"/>
               </a:ext>
             </a:extLst>
           </p:cNvPr>
@@ -22142,7 +22163,7 @@
           <p:cNvPr id="10" name="직선 화살표 연결선 9">
             <a:extLst>
               <a:ext uri="{FF2B5EF4-FFF2-40B4-BE49-F238E27FC236}">
-                <a16:creationId xmlns:a16="http://schemas.microsoft.com/office/drawing/2014/main" id="{94852433-CCE1-906B-CB76-6F15FB97E63A}"/>
+                <a16:creationId xmlns="" xmlns:a16="http://schemas.microsoft.com/office/drawing/2014/main" id="{94852433-CCE1-906B-CB76-6F15FB97E63A}"/>
               </a:ext>
             </a:extLst>
           </p:cNvPr>
@@ -22183,7 +22204,7 @@
           <p:cNvPr id="11" name="직사각형 10">
             <a:extLst>
               <a:ext uri="{FF2B5EF4-FFF2-40B4-BE49-F238E27FC236}">
-                <a16:creationId xmlns:a16="http://schemas.microsoft.com/office/drawing/2014/main" id="{A6EB80A1-C4F6-4B69-0D5D-4B90C7129D7F}"/>
+                <a16:creationId xmlns="" xmlns:a16="http://schemas.microsoft.com/office/drawing/2014/main" id="{A6EB80A1-C4F6-4B69-0D5D-4B90C7129D7F}"/>
               </a:ext>
             </a:extLst>
           </p:cNvPr>
@@ -22235,7 +22256,7 @@
           <p:cNvPr id="12" name="TextBox 11">
             <a:extLst>
               <a:ext uri="{FF2B5EF4-FFF2-40B4-BE49-F238E27FC236}">
-                <a16:creationId xmlns:a16="http://schemas.microsoft.com/office/drawing/2014/main" id="{17491B72-C177-F294-9185-D54787810206}"/>
+                <a16:creationId xmlns="" xmlns:a16="http://schemas.microsoft.com/office/drawing/2014/main" id="{17491B72-C177-F294-9185-D54787810206}"/>
               </a:ext>
             </a:extLst>
           </p:cNvPr>
@@ -22336,7 +22357,7 @@
           <p:cNvPr id="15" name="직사각형 14">
             <a:extLst>
               <a:ext uri="{FF2B5EF4-FFF2-40B4-BE49-F238E27FC236}">
-                <a16:creationId xmlns:a16="http://schemas.microsoft.com/office/drawing/2014/main" id="{4B66FEA6-318F-BA79-02C5-5D07DD4F81B1}"/>
+                <a16:creationId xmlns="" xmlns:a16="http://schemas.microsoft.com/office/drawing/2014/main" id="{4B66FEA6-318F-BA79-02C5-5D07DD4F81B1}"/>
               </a:ext>
             </a:extLst>
           </p:cNvPr>
@@ -22496,7 +22517,7 @@
           <p:cNvPr id="4" name="TextBox 3">
             <a:extLst>
               <a:ext uri="{FF2B5EF4-FFF2-40B4-BE49-F238E27FC236}">
-                <a16:creationId xmlns:a16="http://schemas.microsoft.com/office/drawing/2014/main" id="{3EA6FC68-1468-876D-65F8-927315D43FB0}"/>
+                <a16:creationId xmlns="" xmlns:a16="http://schemas.microsoft.com/office/drawing/2014/main" id="{3EA6FC68-1468-876D-65F8-927315D43FB0}"/>
               </a:ext>
             </a:extLst>
           </p:cNvPr>
@@ -22544,7 +22565,7 @@
           <p:cNvPr id="6" name="그림 5">
             <a:extLst>
               <a:ext uri="{FF2B5EF4-FFF2-40B4-BE49-F238E27FC236}">
-                <a16:creationId xmlns:a16="http://schemas.microsoft.com/office/drawing/2014/main" id="{722D48C7-7860-0870-C417-7E8C8AEA805E}"/>
+                <a16:creationId xmlns="" xmlns:a16="http://schemas.microsoft.com/office/drawing/2014/main" id="{722D48C7-7860-0870-C417-7E8C8AEA805E}"/>
               </a:ext>
             </a:extLst>
           </p:cNvPr>
@@ -22574,7 +22595,7 @@
           <p:cNvPr id="7" name="직선 화살표 연결선 6">
             <a:extLst>
               <a:ext uri="{FF2B5EF4-FFF2-40B4-BE49-F238E27FC236}">
-                <a16:creationId xmlns:a16="http://schemas.microsoft.com/office/drawing/2014/main" id="{D7F1A5D5-5E80-1166-ED34-441D9E0C7974}"/>
+                <a16:creationId xmlns="" xmlns:a16="http://schemas.microsoft.com/office/drawing/2014/main" id="{D7F1A5D5-5E80-1166-ED34-441D9E0C7974}"/>
               </a:ext>
             </a:extLst>
           </p:cNvPr>
@@ -22616,7 +22637,7 @@
           <p:cNvPr id="8" name="직사각형 7">
             <a:extLst>
               <a:ext uri="{FF2B5EF4-FFF2-40B4-BE49-F238E27FC236}">
-                <a16:creationId xmlns:a16="http://schemas.microsoft.com/office/drawing/2014/main" id="{4CDAAB16-C031-A1C5-23C2-D29262057092}"/>
+                <a16:creationId xmlns="" xmlns:a16="http://schemas.microsoft.com/office/drawing/2014/main" id="{4CDAAB16-C031-A1C5-23C2-D29262057092}"/>
               </a:ext>
             </a:extLst>
           </p:cNvPr>
@@ -22668,7 +22689,7 @@
           <p:cNvPr id="9" name="TextBox 8">
             <a:extLst>
               <a:ext uri="{FF2B5EF4-FFF2-40B4-BE49-F238E27FC236}">
-                <a16:creationId xmlns:a16="http://schemas.microsoft.com/office/drawing/2014/main" id="{B15DE591-D9A9-D7C7-BD77-90F8D65BC3CB}"/>
+                <a16:creationId xmlns="" xmlns:a16="http://schemas.microsoft.com/office/drawing/2014/main" id="{B15DE591-D9A9-D7C7-BD77-90F8D65BC3CB}"/>
               </a:ext>
             </a:extLst>
           </p:cNvPr>
@@ -22729,7 +22750,7 @@
           <p:cNvPr id="11" name="TextBox 10">
             <a:extLst>
               <a:ext uri="{FF2B5EF4-FFF2-40B4-BE49-F238E27FC236}">
-                <a16:creationId xmlns:a16="http://schemas.microsoft.com/office/drawing/2014/main" id="{384C8D5D-4C31-1B0A-BDC8-9308F4B6D554}"/>
+                <a16:creationId xmlns="" xmlns:a16="http://schemas.microsoft.com/office/drawing/2014/main" id="{384C8D5D-4C31-1B0A-BDC8-9308F4B6D554}"/>
               </a:ext>
             </a:extLst>
           </p:cNvPr>
@@ -22780,7 +22801,7 @@
           <p:cNvPr id="13" name="직사각형 12">
             <a:extLst>
               <a:ext uri="{FF2B5EF4-FFF2-40B4-BE49-F238E27FC236}">
-                <a16:creationId xmlns:a16="http://schemas.microsoft.com/office/drawing/2014/main" id="{48902FD5-CEA0-6881-EFAA-1B9896087DEB}"/>
+                <a16:creationId xmlns="" xmlns:a16="http://schemas.microsoft.com/office/drawing/2014/main" id="{48902FD5-CEA0-6881-EFAA-1B9896087DEB}"/>
               </a:ext>
             </a:extLst>
           </p:cNvPr>
@@ -22940,7 +22961,7 @@
           <p:cNvPr id="4" name="TextBox 3">
             <a:extLst>
               <a:ext uri="{FF2B5EF4-FFF2-40B4-BE49-F238E27FC236}">
-                <a16:creationId xmlns:a16="http://schemas.microsoft.com/office/drawing/2014/main" id="{B355BDDF-B1C2-A3AC-A824-3A8DAA1C6A9B}"/>
+                <a16:creationId xmlns="" xmlns:a16="http://schemas.microsoft.com/office/drawing/2014/main" id="{B355BDDF-B1C2-A3AC-A824-3A8DAA1C6A9B}"/>
               </a:ext>
             </a:extLst>
           </p:cNvPr>
@@ -23050,7 +23071,7 @@
           <p:cNvPr id="6" name="그림 5">
             <a:extLst>
               <a:ext uri="{FF2B5EF4-FFF2-40B4-BE49-F238E27FC236}">
-                <a16:creationId xmlns:a16="http://schemas.microsoft.com/office/drawing/2014/main" id="{6C7EF835-BDB2-CD03-947C-8089CA72C952}"/>
+                <a16:creationId xmlns="" xmlns:a16="http://schemas.microsoft.com/office/drawing/2014/main" id="{6C7EF835-BDB2-CD03-947C-8089CA72C952}"/>
               </a:ext>
             </a:extLst>
           </p:cNvPr>
@@ -23080,7 +23101,7 @@
           <p:cNvPr id="9" name="TextBox 8">
             <a:extLst>
               <a:ext uri="{FF2B5EF4-FFF2-40B4-BE49-F238E27FC236}">
-                <a16:creationId xmlns:a16="http://schemas.microsoft.com/office/drawing/2014/main" id="{CE8264BE-61CF-244C-F140-08B10B6E0850}"/>
+                <a16:creationId xmlns="" xmlns:a16="http://schemas.microsoft.com/office/drawing/2014/main" id="{CE8264BE-61CF-244C-F140-08B10B6E0850}"/>
               </a:ext>
             </a:extLst>
           </p:cNvPr>
@@ -23128,7 +23149,7 @@
           <p:cNvPr id="10" name="직선 화살표 연결선 9">
             <a:extLst>
               <a:ext uri="{FF2B5EF4-FFF2-40B4-BE49-F238E27FC236}">
-                <a16:creationId xmlns:a16="http://schemas.microsoft.com/office/drawing/2014/main" id="{68DED13A-0BAB-602F-9298-237AC9C2E6F8}"/>
+                <a16:creationId xmlns="" xmlns:a16="http://schemas.microsoft.com/office/drawing/2014/main" id="{68DED13A-0BAB-602F-9298-237AC9C2E6F8}"/>
               </a:ext>
             </a:extLst>
           </p:cNvPr>
@@ -23169,7 +23190,7 @@
           <p:cNvPr id="11" name="직사각형 10">
             <a:extLst>
               <a:ext uri="{FF2B5EF4-FFF2-40B4-BE49-F238E27FC236}">
-                <a16:creationId xmlns:a16="http://schemas.microsoft.com/office/drawing/2014/main" id="{7AB8FA12-2DC8-AAD4-F4CA-7B5D92845C63}"/>
+                <a16:creationId xmlns="" xmlns:a16="http://schemas.microsoft.com/office/drawing/2014/main" id="{7AB8FA12-2DC8-AAD4-F4CA-7B5D92845C63}"/>
               </a:ext>
             </a:extLst>
           </p:cNvPr>
@@ -23221,7 +23242,7 @@
           <p:cNvPr id="12" name="TextBox 11">
             <a:extLst>
               <a:ext uri="{FF2B5EF4-FFF2-40B4-BE49-F238E27FC236}">
-                <a16:creationId xmlns:a16="http://schemas.microsoft.com/office/drawing/2014/main" id="{E1A6EB30-ECFB-4789-9D83-33B40494F6B0}"/>
+                <a16:creationId xmlns="" xmlns:a16="http://schemas.microsoft.com/office/drawing/2014/main" id="{E1A6EB30-ECFB-4789-9D83-33B40494F6B0}"/>
               </a:ext>
             </a:extLst>
           </p:cNvPr>
@@ -23292,7 +23313,7 @@
           <p:cNvPr id="13" name="직사각형 12">
             <a:extLst>
               <a:ext uri="{FF2B5EF4-FFF2-40B4-BE49-F238E27FC236}">
-                <a16:creationId xmlns:a16="http://schemas.microsoft.com/office/drawing/2014/main" id="{6DB27963-042E-C543-AD82-AE33485FFEC5}"/>
+                <a16:creationId xmlns="" xmlns:a16="http://schemas.microsoft.com/office/drawing/2014/main" id="{6DB27963-042E-C543-AD82-AE33485FFEC5}"/>
               </a:ext>
             </a:extLst>
           </p:cNvPr>
@@ -23452,7 +23473,7 @@
           <p:cNvPr id="4" name="TextBox 3">
             <a:extLst>
               <a:ext uri="{FF2B5EF4-FFF2-40B4-BE49-F238E27FC236}">
-                <a16:creationId xmlns:a16="http://schemas.microsoft.com/office/drawing/2014/main" id="{9EA7D70E-5B83-0EB5-F52E-2BF43C50AC41}"/>
+                <a16:creationId xmlns="" xmlns:a16="http://schemas.microsoft.com/office/drawing/2014/main" id="{9EA7D70E-5B83-0EB5-F52E-2BF43C50AC41}"/>
               </a:ext>
             </a:extLst>
           </p:cNvPr>
@@ -23500,7 +23521,7 @@
           <p:cNvPr id="6" name="그림 5">
             <a:extLst>
               <a:ext uri="{FF2B5EF4-FFF2-40B4-BE49-F238E27FC236}">
-                <a16:creationId xmlns:a16="http://schemas.microsoft.com/office/drawing/2014/main" id="{585C56B1-A71E-7D20-3DCC-21152A9322E7}"/>
+                <a16:creationId xmlns="" xmlns:a16="http://schemas.microsoft.com/office/drawing/2014/main" id="{585C56B1-A71E-7D20-3DCC-21152A9322E7}"/>
               </a:ext>
             </a:extLst>
           </p:cNvPr>
@@ -23530,7 +23551,7 @@
           <p:cNvPr id="7" name="직선 화살표 연결선 6">
             <a:extLst>
               <a:ext uri="{FF2B5EF4-FFF2-40B4-BE49-F238E27FC236}">
-                <a16:creationId xmlns:a16="http://schemas.microsoft.com/office/drawing/2014/main" id="{1FDD0D33-0AA3-759A-0004-0B6B0B1530DC}"/>
+                <a16:creationId xmlns="" xmlns:a16="http://schemas.microsoft.com/office/drawing/2014/main" id="{1FDD0D33-0AA3-759A-0004-0B6B0B1530DC}"/>
               </a:ext>
             </a:extLst>
           </p:cNvPr>
@@ -23571,7 +23592,7 @@
           <p:cNvPr id="8" name="직사각형 7">
             <a:extLst>
               <a:ext uri="{FF2B5EF4-FFF2-40B4-BE49-F238E27FC236}">
-                <a16:creationId xmlns:a16="http://schemas.microsoft.com/office/drawing/2014/main" id="{5B665507-8212-7A52-1033-DE766BF673CB}"/>
+                <a16:creationId xmlns="" xmlns:a16="http://schemas.microsoft.com/office/drawing/2014/main" id="{5B665507-8212-7A52-1033-DE766BF673CB}"/>
               </a:ext>
             </a:extLst>
           </p:cNvPr>
@@ -23623,7 +23644,7 @@
           <p:cNvPr id="9" name="TextBox 8">
             <a:extLst>
               <a:ext uri="{FF2B5EF4-FFF2-40B4-BE49-F238E27FC236}">
-                <a16:creationId xmlns:a16="http://schemas.microsoft.com/office/drawing/2014/main" id="{451E77C6-C8F8-05FD-584D-4E5BED7FD76F}"/>
+                <a16:creationId xmlns="" xmlns:a16="http://schemas.microsoft.com/office/drawing/2014/main" id="{451E77C6-C8F8-05FD-584D-4E5BED7FD76F}"/>
               </a:ext>
             </a:extLst>
           </p:cNvPr>
@@ -23704,7 +23725,7 @@
           <p:cNvPr id="13" name="직선 화살표 연결선 12">
             <a:extLst>
               <a:ext uri="{FF2B5EF4-FFF2-40B4-BE49-F238E27FC236}">
-                <a16:creationId xmlns:a16="http://schemas.microsoft.com/office/drawing/2014/main" id="{CAEA53A6-759F-2B96-43A3-62F69FDBC3E7}"/>
+                <a16:creationId xmlns="" xmlns:a16="http://schemas.microsoft.com/office/drawing/2014/main" id="{CAEA53A6-759F-2B96-43A3-62F69FDBC3E7}"/>
               </a:ext>
             </a:extLst>
           </p:cNvPr>
@@ -23745,7 +23766,7 @@
           <p:cNvPr id="14" name="직사각형 13">
             <a:extLst>
               <a:ext uri="{FF2B5EF4-FFF2-40B4-BE49-F238E27FC236}">
-                <a16:creationId xmlns:a16="http://schemas.microsoft.com/office/drawing/2014/main" id="{B9F43B63-2E91-0190-899C-C96E126342B7}"/>
+                <a16:creationId xmlns="" xmlns:a16="http://schemas.microsoft.com/office/drawing/2014/main" id="{B9F43B63-2E91-0190-899C-C96E126342B7}"/>
               </a:ext>
             </a:extLst>
           </p:cNvPr>
@@ -23797,7 +23818,7 @@
           <p:cNvPr id="15" name="TextBox 14">
             <a:extLst>
               <a:ext uri="{FF2B5EF4-FFF2-40B4-BE49-F238E27FC236}">
-                <a16:creationId xmlns:a16="http://schemas.microsoft.com/office/drawing/2014/main" id="{D1A4A52D-5819-89F8-696E-2B8E626089C1}"/>
+                <a16:creationId xmlns="" xmlns:a16="http://schemas.microsoft.com/office/drawing/2014/main" id="{D1A4A52D-5819-89F8-696E-2B8E626089C1}"/>
               </a:ext>
             </a:extLst>
           </p:cNvPr>
@@ -23888,7 +23909,7 @@
           <p:cNvPr id="18" name="TextBox 17">
             <a:extLst>
               <a:ext uri="{FF2B5EF4-FFF2-40B4-BE49-F238E27FC236}">
-                <a16:creationId xmlns:a16="http://schemas.microsoft.com/office/drawing/2014/main" id="{8756A8C5-1C75-4C40-FE1F-FBA2EFA90EE9}"/>
+                <a16:creationId xmlns="" xmlns:a16="http://schemas.microsoft.com/office/drawing/2014/main" id="{8756A8C5-1C75-4C40-FE1F-FBA2EFA90EE9}"/>
               </a:ext>
             </a:extLst>
           </p:cNvPr>
@@ -23949,7 +23970,7 @@
           <p:cNvPr id="19" name="직사각형 18">
             <a:extLst>
               <a:ext uri="{FF2B5EF4-FFF2-40B4-BE49-F238E27FC236}">
-                <a16:creationId xmlns:a16="http://schemas.microsoft.com/office/drawing/2014/main" id="{5399253E-3E2C-C472-9B95-0B555C6AC66D}"/>
+                <a16:creationId xmlns="" xmlns:a16="http://schemas.microsoft.com/office/drawing/2014/main" id="{5399253E-3E2C-C472-9B95-0B555C6AC66D}"/>
               </a:ext>
             </a:extLst>
           </p:cNvPr>
@@ -24117,7 +24138,7 @@
           <p:cNvPr id="5" name="Object 2">
             <a:extLst>
               <a:ext uri="{FF2B5EF4-FFF2-40B4-BE49-F238E27FC236}">
-                <a16:creationId xmlns:a16="http://schemas.microsoft.com/office/drawing/2014/main" id="{EB9768FE-76B0-709F-3C4D-0ECBB41147CD}"/>
+                <a16:creationId xmlns="" xmlns:a16="http://schemas.microsoft.com/office/drawing/2014/main" id="{EB9768FE-76B0-709F-3C4D-0ECBB41147CD}"/>
               </a:ext>
             </a:extLst>
           </p:cNvPr>
@@ -24147,7 +24168,7 @@
           <p:cNvPr id="7" name="그룹 1001">
             <a:extLst>
               <a:ext uri="{FF2B5EF4-FFF2-40B4-BE49-F238E27FC236}">
-                <a16:creationId xmlns:a16="http://schemas.microsoft.com/office/drawing/2014/main" id="{0637F47C-891C-2B90-8647-32B84C264D42}"/>
+                <a16:creationId xmlns="" xmlns:a16="http://schemas.microsoft.com/office/drawing/2014/main" id="{0637F47C-891C-2B90-8647-32B84C264D42}"/>
               </a:ext>
             </a:extLst>
           </p:cNvPr>
@@ -24167,7 +24188,7 @@
             <p:cNvPr id="8" name="Object 5">
               <a:extLst>
                 <a:ext uri="{FF2B5EF4-FFF2-40B4-BE49-F238E27FC236}">
-                  <a16:creationId xmlns:a16="http://schemas.microsoft.com/office/drawing/2014/main" id="{710F969D-8259-9328-33C3-C6DB500C60D4}"/>
+                  <a16:creationId xmlns="" xmlns:a16="http://schemas.microsoft.com/office/drawing/2014/main" id="{710F969D-8259-9328-33C3-C6DB500C60D4}"/>
                 </a:ext>
               </a:extLst>
             </p:cNvPr>
@@ -24198,7 +24219,7 @@
           <p:cNvPr id="9" name="그룹 1002">
             <a:extLst>
               <a:ext uri="{FF2B5EF4-FFF2-40B4-BE49-F238E27FC236}">
-                <a16:creationId xmlns:a16="http://schemas.microsoft.com/office/drawing/2014/main" id="{A87796A8-251B-F38A-5AE9-11F8D847B25D}"/>
+                <a16:creationId xmlns="" xmlns:a16="http://schemas.microsoft.com/office/drawing/2014/main" id="{A87796A8-251B-F38A-5AE9-11F8D847B25D}"/>
               </a:ext>
             </a:extLst>
           </p:cNvPr>
@@ -24218,7 +24239,7 @@
             <p:cNvPr id="10" name="Object 8">
               <a:extLst>
                 <a:ext uri="{FF2B5EF4-FFF2-40B4-BE49-F238E27FC236}">
-                  <a16:creationId xmlns:a16="http://schemas.microsoft.com/office/drawing/2014/main" id="{9E806C19-D323-E705-F3B8-EEABB39F0993}"/>
+                  <a16:creationId xmlns="" xmlns:a16="http://schemas.microsoft.com/office/drawing/2014/main" id="{9E806C19-D323-E705-F3B8-EEABB39F0993}"/>
                 </a:ext>
               </a:extLst>
             </p:cNvPr>
@@ -24249,7 +24270,7 @@
           <p:cNvPr id="11" name="그룹 1003">
             <a:extLst>
               <a:ext uri="{FF2B5EF4-FFF2-40B4-BE49-F238E27FC236}">
-                <a16:creationId xmlns:a16="http://schemas.microsoft.com/office/drawing/2014/main" id="{701795E0-24B6-38E6-7308-FED7AD2B6900}"/>
+                <a16:creationId xmlns="" xmlns:a16="http://schemas.microsoft.com/office/drawing/2014/main" id="{701795E0-24B6-38E6-7308-FED7AD2B6900}"/>
               </a:ext>
             </a:extLst>
           </p:cNvPr>
@@ -24269,7 +24290,7 @@
             <p:cNvPr id="12" name="Object 11">
               <a:extLst>
                 <a:ext uri="{FF2B5EF4-FFF2-40B4-BE49-F238E27FC236}">
-                  <a16:creationId xmlns:a16="http://schemas.microsoft.com/office/drawing/2014/main" id="{D8C68167-7FB5-1F8E-D53C-DEA682F465F5}"/>
+                  <a16:creationId xmlns="" xmlns:a16="http://schemas.microsoft.com/office/drawing/2014/main" id="{D8C68167-7FB5-1F8E-D53C-DEA682F465F5}"/>
                 </a:ext>
               </a:extLst>
             </p:cNvPr>
@@ -24300,7 +24321,7 @@
           <p:cNvPr id="13" name="그룹 1004">
             <a:extLst>
               <a:ext uri="{FF2B5EF4-FFF2-40B4-BE49-F238E27FC236}">
-                <a16:creationId xmlns:a16="http://schemas.microsoft.com/office/drawing/2014/main" id="{03226A72-764D-99F3-A14F-47C351CB448B}"/>
+                <a16:creationId xmlns="" xmlns:a16="http://schemas.microsoft.com/office/drawing/2014/main" id="{03226A72-764D-99F3-A14F-47C351CB448B}"/>
               </a:ext>
             </a:extLst>
           </p:cNvPr>
@@ -24320,7 +24341,7 @@
             <p:cNvPr id="14" name="Object 14">
               <a:extLst>
                 <a:ext uri="{FF2B5EF4-FFF2-40B4-BE49-F238E27FC236}">
-                  <a16:creationId xmlns:a16="http://schemas.microsoft.com/office/drawing/2014/main" id="{77C5B9A8-AEBA-093B-4CD6-4F1ECF519068}"/>
+                  <a16:creationId xmlns="" xmlns:a16="http://schemas.microsoft.com/office/drawing/2014/main" id="{77C5B9A8-AEBA-093B-4CD6-4F1ECF519068}"/>
                 </a:ext>
               </a:extLst>
             </p:cNvPr>
@@ -24351,7 +24372,7 @@
           <p:cNvPr id="15" name="TextBox 14">
             <a:extLst>
               <a:ext uri="{FF2B5EF4-FFF2-40B4-BE49-F238E27FC236}">
-                <a16:creationId xmlns:a16="http://schemas.microsoft.com/office/drawing/2014/main" id="{E44AB10B-96D7-19D1-5C7A-D2761E62F16E}"/>
+                <a16:creationId xmlns="" xmlns:a16="http://schemas.microsoft.com/office/drawing/2014/main" id="{E44AB10B-96D7-19D1-5C7A-D2761E62F16E}"/>
               </a:ext>
             </a:extLst>
           </p:cNvPr>
@@ -24404,6 +24425,13 @@
   <p:clrMapOvr>
     <a:masterClrMapping/>
   </p:clrMapOvr>
+  <p:timing>
+    <p:tnLst>
+      <p:par>
+        <p:cTn id="1" dur="indefinite" restart="never" nodeType="tmRoot"/>
+      </p:par>
+    </p:tnLst>
+  </p:timing>
 </p:sld>
 </file>
 
@@ -24429,7 +24457,7 @@
           <p:cNvPr id="8" name="TextBox 7">
             <a:extLst>
               <a:ext uri="{FF2B5EF4-FFF2-40B4-BE49-F238E27FC236}">
-                <a16:creationId xmlns:a16="http://schemas.microsoft.com/office/drawing/2014/main" id="{4EDAA912-8FA0-0F11-119B-EA9F8B36A489}"/>
+                <a16:creationId xmlns="" xmlns:a16="http://schemas.microsoft.com/office/drawing/2014/main" id="{4EDAA912-8FA0-0F11-119B-EA9F8B36A489}"/>
               </a:ext>
             </a:extLst>
           </p:cNvPr>
@@ -24544,7 +24572,7 @@
           <p:cNvPr id="13" name="TextBox 12">
             <a:extLst>
               <a:ext uri="{FF2B5EF4-FFF2-40B4-BE49-F238E27FC236}">
-                <a16:creationId xmlns:a16="http://schemas.microsoft.com/office/drawing/2014/main" id="{42DA360B-FCE9-ADF1-10BF-66DDB117C22D}"/>
+                <a16:creationId xmlns="" xmlns:a16="http://schemas.microsoft.com/office/drawing/2014/main" id="{42DA360B-FCE9-ADF1-10BF-66DDB117C22D}"/>
               </a:ext>
             </a:extLst>
           </p:cNvPr>
@@ -24626,7 +24654,7 @@
           <p:cNvPr id="5" name="그림 4">
             <a:extLst>
               <a:ext uri="{FF2B5EF4-FFF2-40B4-BE49-F238E27FC236}">
-                <a16:creationId xmlns:a16="http://schemas.microsoft.com/office/drawing/2014/main" id="{21AD60B3-A001-B656-EBBF-DA0938B8FF14}"/>
+                <a16:creationId xmlns="" xmlns:a16="http://schemas.microsoft.com/office/drawing/2014/main" id="{21AD60B3-A001-B656-EBBF-DA0938B8FF14}"/>
               </a:ext>
             </a:extLst>
           </p:cNvPr>
@@ -24656,7 +24684,7 @@
           <p:cNvPr id="6" name="그림 5">
             <a:extLst>
               <a:ext uri="{FF2B5EF4-FFF2-40B4-BE49-F238E27FC236}">
-                <a16:creationId xmlns:a16="http://schemas.microsoft.com/office/drawing/2014/main" id="{113B7C7A-E24B-7F8F-B2F0-C6A4DE05117C}"/>
+                <a16:creationId xmlns="" xmlns:a16="http://schemas.microsoft.com/office/drawing/2014/main" id="{113B7C7A-E24B-7F8F-B2F0-C6A4DE05117C}"/>
               </a:ext>
             </a:extLst>
           </p:cNvPr>
@@ -24696,976 +24724,6 @@
     <p:extLst>
       <p:ext uri="{BB962C8B-B14F-4D97-AF65-F5344CB8AC3E}">
         <p14:creationId xmlns:p14="http://schemas.microsoft.com/office/powerpoint/2010/main" val="3369270907"/>
-      </p:ext>
-    </p:extLst>
-  </p:cSld>
-  <p:clrMapOvr>
-    <a:masterClrMapping/>
-  </p:clrMapOvr>
-</p:sld>
-</file>
-
-<file path=ppt/slides/slide5.xml><?xml version="1.0" encoding="utf-8"?>
-<p:sld xmlns:a="http://schemas.openxmlformats.org/drawingml/2006/main" xmlns:r="http://schemas.openxmlformats.org/officeDocument/2006/relationships" xmlns:p="http://schemas.openxmlformats.org/presentationml/2006/main">
-  <p:cSld>
-    <p:spTree>
-      <p:nvGrpSpPr>
-        <p:cNvPr id="1" name=""/>
-        <p:cNvGrpSpPr/>
-        <p:nvPr/>
-      </p:nvGrpSpPr>
-      <p:grpSpPr>
-        <a:xfrm>
-          <a:off x="0" y="0"/>
-          <a:ext cx="0" cy="0"/>
-          <a:chOff x="0" y="0"/>
-          <a:chExt cx="0" cy="0"/>
-        </a:xfrm>
-      </p:grpSpPr>
-      <p:pic>
-        <p:nvPicPr>
-          <p:cNvPr id="4" name="그림 3"/>
-          <p:cNvPicPr>
-            <a:picLocks noChangeAspect="1"/>
-          </p:cNvPicPr>
-          <p:nvPr/>
-        </p:nvPicPr>
-        <p:blipFill>
-          <a:blip r:embed="rId2"/>
-          <a:stretch>
-            <a:fillRect/>
-          </a:stretch>
-        </p:blipFill>
-        <p:spPr>
-          <a:xfrm>
-            <a:off x="3733800" y="1866900"/>
-            <a:ext cx="9836912" cy="3581400"/>
-          </a:xfrm>
-          <a:prstGeom prst="rect">
-            <a:avLst/>
-          </a:prstGeom>
-        </p:spPr>
-      </p:pic>
-      <p:sp>
-        <p:nvSpPr>
-          <p:cNvPr id="6" name="TextBox 5">
-            <a:extLst>
-              <a:ext uri="{FF2B5EF4-FFF2-40B4-BE49-F238E27FC236}">
-                <a16:creationId xmlns:a16="http://schemas.microsoft.com/office/drawing/2014/main" id="{5ADC00B6-990A-40DC-3CEA-505258F5E8DA}"/>
-              </a:ext>
-            </a:extLst>
-          </p:cNvPr>
-          <p:cNvSpPr txBox="1"/>
-          <p:nvPr/>
-        </p:nvSpPr>
-        <p:spPr>
-          <a:xfrm>
-            <a:off x="990600" y="315604"/>
-            <a:ext cx="1752600" cy="830997"/>
-          </a:xfrm>
-          <a:prstGeom prst="rect">
-            <a:avLst/>
-          </a:prstGeom>
-          <a:noFill/>
-        </p:spPr>
-        <p:txBody>
-          <a:bodyPr wrap="square" rtlCol="0">
-            <a:spAutoFit/>
-          </a:bodyPr>
-          <a:lstStyle/>
-          <a:p>
-            <a:r>
-              <a:rPr lang="en-US" altLang="ko-KR" sz="4800" dirty="0">
-                <a:solidFill>
-                  <a:srgbClr val="4C50BC"/>
-                </a:solidFill>
-                <a:latin typeface="G마켓 산스 Medium" panose="02000000000000000000" pitchFamily="50" charset="-127"/>
-                <a:ea typeface="G마켓 산스 Medium" panose="02000000000000000000" pitchFamily="50" charset="-127"/>
-              </a:rPr>
-              <a:t>if</a:t>
-            </a:r>
-            <a:r>
-              <a:rPr lang="ko-KR" altLang="en-US" sz="4800" dirty="0">
-                <a:solidFill>
-                  <a:srgbClr val="4C50BC"/>
-                </a:solidFill>
-                <a:latin typeface="G마켓 산스 Medium" panose="02000000000000000000" pitchFamily="50" charset="-127"/>
-                <a:ea typeface="G마켓 산스 Medium" panose="02000000000000000000" pitchFamily="50" charset="-127"/>
-              </a:rPr>
-              <a:t>문</a:t>
-            </a:r>
-            <a:endParaRPr lang="en-US" altLang="ko-KR" sz="4800" dirty="0">
-              <a:solidFill>
-                <a:srgbClr val="4C50BC"/>
-              </a:solidFill>
-              <a:latin typeface="G마켓 산스 Medium" panose="02000000000000000000" pitchFamily="50" charset="-127"/>
-              <a:ea typeface="G마켓 산스 Medium" panose="02000000000000000000" pitchFamily="50" charset="-127"/>
-            </a:endParaRPr>
-          </a:p>
-        </p:txBody>
-      </p:sp>
-      <p:pic>
-        <p:nvPicPr>
-          <p:cNvPr id="7" name="그림 6"/>
-          <p:cNvPicPr>
-            <a:picLocks noChangeAspect="1"/>
-          </p:cNvPicPr>
-          <p:nvPr/>
-        </p:nvPicPr>
-        <p:blipFill>
-          <a:blip r:embed="rId3"/>
-          <a:stretch>
-            <a:fillRect/>
-          </a:stretch>
-        </p:blipFill>
-        <p:spPr>
-          <a:xfrm>
-            <a:off x="3733800" y="5676900"/>
-            <a:ext cx="9836727" cy="2743200"/>
-          </a:xfrm>
-          <a:prstGeom prst="rect">
-            <a:avLst/>
-          </a:prstGeom>
-        </p:spPr>
-      </p:pic>
-      <p:sp>
-        <p:nvSpPr>
-          <p:cNvPr id="8" name="TextBox 7">
-            <a:extLst>
-              <a:ext uri="{FF2B5EF4-FFF2-40B4-BE49-F238E27FC236}">
-                <a16:creationId xmlns:a16="http://schemas.microsoft.com/office/drawing/2014/main" id="{5ADC00B6-990A-40DC-3CEA-505258F5E8DA}"/>
-              </a:ext>
-            </a:extLst>
-          </p:cNvPr>
-          <p:cNvSpPr txBox="1"/>
-          <p:nvPr/>
-        </p:nvSpPr>
-        <p:spPr>
-          <a:xfrm>
-            <a:off x="1371600" y="8724900"/>
-            <a:ext cx="13944600" cy="830997"/>
-          </a:xfrm>
-          <a:prstGeom prst="rect">
-            <a:avLst/>
-          </a:prstGeom>
-          <a:noFill/>
-        </p:spPr>
-        <p:txBody>
-          <a:bodyPr wrap="square" rtlCol="0">
-            <a:spAutoFit/>
-          </a:bodyPr>
-          <a:lstStyle/>
-          <a:p>
-            <a:r>
-              <a:rPr lang="ko-KR" altLang="en-US" sz="4800" dirty="0">
-                <a:solidFill>
-                  <a:srgbClr val="FF0000"/>
-                </a:solidFill>
-                <a:latin typeface="G마켓 산스 Medium" panose="02000000000000000000" pitchFamily="50" charset="-127"/>
-                <a:ea typeface="G마켓 산스 Medium" panose="02000000000000000000" pitchFamily="50" charset="-127"/>
-              </a:rPr>
-              <a:t>조건식의 결과가 반드시 </a:t>
-            </a:r>
-            <a:r>
-              <a:rPr lang="en-US" altLang="ko-KR" sz="4800" dirty="0">
-                <a:solidFill>
-                  <a:srgbClr val="FF0000"/>
-                </a:solidFill>
-                <a:latin typeface="G마켓 산스 Medium" panose="02000000000000000000" pitchFamily="50" charset="-127"/>
-                <a:ea typeface="G마켓 산스 Medium" panose="02000000000000000000" pitchFamily="50" charset="-127"/>
-              </a:rPr>
-              <a:t>true, false</a:t>
-            </a:r>
-            <a:r>
-              <a:rPr lang="ko-KR" altLang="en-US" sz="4800" dirty="0">
-                <a:solidFill>
-                  <a:srgbClr val="FF0000"/>
-                </a:solidFill>
-                <a:latin typeface="G마켓 산스 Medium" panose="02000000000000000000" pitchFamily="50" charset="-127"/>
-                <a:ea typeface="G마켓 산스 Medium" panose="02000000000000000000" pitchFamily="50" charset="-127"/>
-              </a:rPr>
-              <a:t>로 나와야 한다</a:t>
-            </a:r>
-            <a:r>
-              <a:rPr lang="en-US" altLang="ko-KR" sz="4800" dirty="0">
-                <a:solidFill>
-                  <a:srgbClr val="FF0000"/>
-                </a:solidFill>
-                <a:latin typeface="G마켓 산스 Medium" panose="02000000000000000000" pitchFamily="50" charset="-127"/>
-                <a:ea typeface="G마켓 산스 Medium" panose="02000000000000000000" pitchFamily="50" charset="-127"/>
-              </a:rPr>
-              <a:t>.</a:t>
-            </a:r>
-          </a:p>
-        </p:txBody>
-      </p:sp>
-      <p:sp>
-        <p:nvSpPr>
-          <p:cNvPr id="2" name="직사각형 1">
-            <a:extLst>
-              <a:ext uri="{FF2B5EF4-FFF2-40B4-BE49-F238E27FC236}">
-                <a16:creationId xmlns:a16="http://schemas.microsoft.com/office/drawing/2014/main" id="{BF61AA2F-FC5E-7F2C-C9C8-D1BDA4B4DDC9}"/>
-              </a:ext>
-            </a:extLst>
-          </p:cNvPr>
-          <p:cNvSpPr/>
-          <p:nvPr/>
-        </p:nvSpPr>
-        <p:spPr>
-          <a:xfrm>
-            <a:off x="4648200" y="3393538"/>
-            <a:ext cx="1295400" cy="457200"/>
-          </a:xfrm>
-          <a:prstGeom prst="rect">
-            <a:avLst/>
-          </a:prstGeom>
-          <a:noFill/>
-          <a:ln>
-            <a:solidFill>
-              <a:srgbClr val="FF0000"/>
-            </a:solidFill>
-          </a:ln>
-        </p:spPr>
-        <p:style>
-          <a:lnRef idx="2">
-            <a:schemeClr val="accent2">
-              <a:shade val="50000"/>
-            </a:schemeClr>
-          </a:lnRef>
-          <a:fillRef idx="1">
-            <a:schemeClr val="accent2"/>
-          </a:fillRef>
-          <a:effectRef idx="0">
-            <a:schemeClr val="accent2"/>
-          </a:effectRef>
-          <a:fontRef idx="minor">
-            <a:schemeClr val="lt1"/>
-          </a:fontRef>
-        </p:style>
-        <p:txBody>
-          <a:bodyPr rtlCol="0" anchor="ctr"/>
-          <a:lstStyle/>
-          <a:p>
-            <a:pPr algn="ctr"/>
-            <a:endParaRPr lang="ko-KR" altLang="en-US"/>
-          </a:p>
-        </p:txBody>
-      </p:sp>
-      <p:sp>
-        <p:nvSpPr>
-          <p:cNvPr id="3" name="직사각형 2">
-            <a:extLst>
-              <a:ext uri="{FF2B5EF4-FFF2-40B4-BE49-F238E27FC236}">
-                <a16:creationId xmlns:a16="http://schemas.microsoft.com/office/drawing/2014/main" id="{CAA79CE9-4A17-118A-F504-269CB1A61696}"/>
-              </a:ext>
-            </a:extLst>
-          </p:cNvPr>
-          <p:cNvSpPr/>
-          <p:nvPr/>
-        </p:nvSpPr>
-        <p:spPr>
-          <a:xfrm>
-            <a:off x="4800600" y="6057900"/>
-            <a:ext cx="4267200" cy="457200"/>
-          </a:xfrm>
-          <a:prstGeom prst="rect">
-            <a:avLst/>
-          </a:prstGeom>
-          <a:noFill/>
-          <a:ln>
-            <a:solidFill>
-              <a:srgbClr val="FF0000"/>
-            </a:solidFill>
-          </a:ln>
-        </p:spPr>
-        <p:style>
-          <a:lnRef idx="2">
-            <a:schemeClr val="accent2">
-              <a:shade val="50000"/>
-            </a:schemeClr>
-          </a:lnRef>
-          <a:fillRef idx="1">
-            <a:schemeClr val="accent2"/>
-          </a:fillRef>
-          <a:effectRef idx="0">
-            <a:schemeClr val="accent2"/>
-          </a:effectRef>
-          <a:fontRef idx="minor">
-            <a:schemeClr val="lt1"/>
-          </a:fontRef>
-        </p:style>
-        <p:txBody>
-          <a:bodyPr rtlCol="0" anchor="ctr"/>
-          <a:lstStyle/>
-          <a:p>
-            <a:pPr algn="ctr"/>
-            <a:endParaRPr lang="ko-KR" altLang="en-US"/>
-          </a:p>
-        </p:txBody>
-      </p:sp>
-      <p:sp>
-        <p:nvSpPr>
-          <p:cNvPr id="5" name="TextBox 4">
-            <a:extLst>
-              <a:ext uri="{FF2B5EF4-FFF2-40B4-BE49-F238E27FC236}">
-                <a16:creationId xmlns:a16="http://schemas.microsoft.com/office/drawing/2014/main" id="{66644A92-C6C7-5191-5F38-E5C8FD2009E9}"/>
-              </a:ext>
-            </a:extLst>
-          </p:cNvPr>
-          <p:cNvSpPr txBox="1"/>
-          <p:nvPr/>
-        </p:nvSpPr>
-        <p:spPr>
-          <a:xfrm>
-            <a:off x="2461143" y="854214"/>
-            <a:ext cx="15293457" cy="707886"/>
-          </a:xfrm>
-          <a:prstGeom prst="rect">
-            <a:avLst/>
-          </a:prstGeom>
-          <a:noFill/>
-        </p:spPr>
-        <p:txBody>
-          <a:bodyPr wrap="square" rtlCol="0">
-            <a:spAutoFit/>
-          </a:bodyPr>
-          <a:lstStyle/>
-          <a:p>
-            <a:r>
-              <a:rPr lang="ko-KR" altLang="en-US" sz="4000" dirty="0">
-                <a:solidFill>
-                  <a:schemeClr val="tx1">
-                    <a:lumMod val="50000"/>
-                    <a:lumOff val="50000"/>
-                  </a:schemeClr>
-                </a:solidFill>
-                <a:latin typeface="G마켓 산스 Medium" panose="02000000000000000000" pitchFamily="50" charset="-127"/>
-                <a:ea typeface="G마켓 산스 Medium" panose="02000000000000000000" pitchFamily="50" charset="-127"/>
-              </a:rPr>
-              <a:t>괄호 내부의 조건식이 </a:t>
-            </a:r>
-            <a:r>
-              <a:rPr lang="en-US" altLang="ko-KR" sz="4000" dirty="0">
-                <a:solidFill>
-                  <a:schemeClr val="tx1">
-                    <a:lumMod val="50000"/>
-                    <a:lumOff val="50000"/>
-                  </a:schemeClr>
-                </a:solidFill>
-                <a:latin typeface="G마켓 산스 Medium" panose="02000000000000000000" pitchFamily="50" charset="-127"/>
-                <a:ea typeface="G마켓 산스 Medium" panose="02000000000000000000" pitchFamily="50" charset="-127"/>
-              </a:rPr>
-              <a:t>true </a:t>
-            </a:r>
-            <a:r>
-              <a:rPr lang="ko-KR" altLang="en-US" sz="4000" dirty="0">
-                <a:solidFill>
-                  <a:schemeClr val="tx1">
-                    <a:lumMod val="50000"/>
-                    <a:lumOff val="50000"/>
-                  </a:schemeClr>
-                </a:solidFill>
-                <a:latin typeface="G마켓 산스 Medium" panose="02000000000000000000" pitchFamily="50" charset="-127"/>
-                <a:ea typeface="G마켓 산스 Medium" panose="02000000000000000000" pitchFamily="50" charset="-127"/>
-              </a:rPr>
-              <a:t>일 경우 내부가 실행되는 </a:t>
-            </a:r>
-            <a:r>
-              <a:rPr lang="ko-KR" altLang="en-US" sz="4000" dirty="0" err="1">
-                <a:solidFill>
-                  <a:schemeClr val="tx1">
-                    <a:lumMod val="50000"/>
-                    <a:lumOff val="50000"/>
-                  </a:schemeClr>
-                </a:solidFill>
-                <a:latin typeface="G마켓 산스 Medium" panose="02000000000000000000" pitchFamily="50" charset="-127"/>
-                <a:ea typeface="G마켓 산스 Medium" panose="02000000000000000000" pitchFamily="50" charset="-127"/>
-              </a:rPr>
-              <a:t>분기문</a:t>
-            </a:r>
-            <a:endParaRPr lang="en-US" altLang="ko-KR" sz="4000" dirty="0">
-              <a:solidFill>
-                <a:schemeClr val="tx1">
-                  <a:lumMod val="50000"/>
-                  <a:lumOff val="50000"/>
-                </a:schemeClr>
-              </a:solidFill>
-              <a:latin typeface="G마켓 산스 Medium" panose="02000000000000000000" pitchFamily="50" charset="-127"/>
-              <a:ea typeface="G마켓 산스 Medium" panose="02000000000000000000" pitchFamily="50" charset="-127"/>
-            </a:endParaRPr>
-          </a:p>
-        </p:txBody>
-      </p:sp>
-    </p:spTree>
-    <p:extLst>
-      <p:ext uri="{BB962C8B-B14F-4D97-AF65-F5344CB8AC3E}">
-        <p14:creationId xmlns:p14="http://schemas.microsoft.com/office/powerpoint/2010/main" val="3609099598"/>
-      </p:ext>
-    </p:extLst>
-  </p:cSld>
-  <p:clrMapOvr>
-    <a:masterClrMapping/>
-  </p:clrMapOvr>
-</p:sld>
-</file>
-
-<file path=ppt/slides/slide50.xml><?xml version="1.0" encoding="utf-8"?>
-<p:sld xmlns:a="http://schemas.openxmlformats.org/drawingml/2006/main" xmlns:r="http://schemas.openxmlformats.org/officeDocument/2006/relationships" xmlns:p="http://schemas.openxmlformats.org/presentationml/2006/main">
-  <p:cSld>
-    <p:spTree>
-      <p:nvGrpSpPr>
-        <p:cNvPr id="1" name=""/>
-        <p:cNvGrpSpPr/>
-        <p:nvPr/>
-      </p:nvGrpSpPr>
-      <p:grpSpPr>
-        <a:xfrm>
-          <a:off x="0" y="0"/>
-          <a:ext cx="0" cy="0"/>
-          <a:chOff x="0" y="0"/>
-          <a:chExt cx="0" cy="0"/>
-        </a:xfrm>
-      </p:grpSpPr>
-      <p:sp>
-        <p:nvSpPr>
-          <p:cNvPr id="5" name="TextBox 4">
-            <a:extLst>
-              <a:ext uri="{FF2B5EF4-FFF2-40B4-BE49-F238E27FC236}">
-                <a16:creationId xmlns:a16="http://schemas.microsoft.com/office/drawing/2014/main" id="{4EDAA912-8FA0-0F11-119B-EA9F8B36A489}"/>
-              </a:ext>
-            </a:extLst>
-          </p:cNvPr>
-          <p:cNvSpPr txBox="1"/>
-          <p:nvPr/>
-        </p:nvSpPr>
-        <p:spPr>
-          <a:xfrm>
-            <a:off x="990600" y="647700"/>
-            <a:ext cx="13260233" cy="646331"/>
-          </a:xfrm>
-          <a:prstGeom prst="rect">
-            <a:avLst/>
-          </a:prstGeom>
-          <a:noFill/>
-        </p:spPr>
-        <p:txBody>
-          <a:bodyPr wrap="none" rtlCol="0">
-            <a:spAutoFit/>
-          </a:bodyPr>
-          <a:lstStyle/>
-          <a:p>
-            <a:r>
-              <a:rPr lang="en-US" altLang="ko-KR" sz="3600" dirty="0">
-                <a:solidFill>
-                  <a:srgbClr val="4C50BC"/>
-                </a:solidFill>
-                <a:latin typeface="G마켓 산스 Medium" panose="02000000000000000000" pitchFamily="50" charset="-127"/>
-                <a:ea typeface="G마켓 산스 Medium" panose="02000000000000000000" pitchFamily="50" charset="-127"/>
-              </a:rPr>
-              <a:t>2. </a:t>
-            </a:r>
-            <a:r>
-              <a:rPr lang="ko-KR" altLang="en-US" sz="3600" dirty="0">
-                <a:solidFill>
-                  <a:srgbClr val="4C50BC"/>
-                </a:solidFill>
-                <a:latin typeface="G마켓 산스 Medium" panose="02000000000000000000" pitchFamily="50" charset="-127"/>
-                <a:ea typeface="G마켓 산스 Medium" panose="02000000000000000000" pitchFamily="50" charset="-127"/>
-              </a:rPr>
-              <a:t>숫자 </a:t>
-            </a:r>
-            <a:r>
-              <a:rPr lang="en-US" altLang="ko-KR" sz="3600" dirty="0">
-                <a:solidFill>
-                  <a:srgbClr val="4C50BC"/>
-                </a:solidFill>
-                <a:latin typeface="G마켓 산스 Medium" panose="02000000000000000000" pitchFamily="50" charset="-127"/>
-                <a:ea typeface="G마켓 산스 Medium" panose="02000000000000000000" pitchFamily="50" charset="-127"/>
-              </a:rPr>
-              <a:t>3</a:t>
-            </a:r>
-            <a:r>
-              <a:rPr lang="ko-KR" altLang="en-US" sz="3600" dirty="0">
-                <a:solidFill>
-                  <a:srgbClr val="4C50BC"/>
-                </a:solidFill>
-                <a:latin typeface="G마켓 산스 Medium" panose="02000000000000000000" pitchFamily="50" charset="-127"/>
-                <a:ea typeface="G마켓 산스 Medium" panose="02000000000000000000" pitchFamily="50" charset="-127"/>
-              </a:rPr>
-              <a:t>개를 입력 받아 중간 크기의 숫자를 출력 </a:t>
-            </a:r>
-            <a:r>
-              <a:rPr lang="ko-KR" altLang="en-US" sz="3600" dirty="0" err="1">
-                <a:solidFill>
-                  <a:srgbClr val="4C50BC"/>
-                </a:solidFill>
-                <a:latin typeface="G마켓 산스 Medium" panose="02000000000000000000" pitchFamily="50" charset="-127"/>
-                <a:ea typeface="G마켓 산스 Medium" panose="02000000000000000000" pitchFamily="50" charset="-127"/>
-              </a:rPr>
-              <a:t>하시오</a:t>
-            </a:r>
-            <a:r>
-              <a:rPr lang="en-US" altLang="ko-KR" sz="3600" dirty="0">
-                <a:solidFill>
-                  <a:srgbClr val="FF0000"/>
-                </a:solidFill>
-                <a:latin typeface="G마켓 산스 Medium" panose="02000000000000000000" pitchFamily="50" charset="-127"/>
-                <a:ea typeface="G마켓 산스 Medium" panose="02000000000000000000" pitchFamily="50" charset="-127"/>
-              </a:rPr>
-              <a:t>(Hard)</a:t>
-            </a:r>
-          </a:p>
-        </p:txBody>
-      </p:sp>
-      <p:pic>
-        <p:nvPicPr>
-          <p:cNvPr id="6" name="그림 5"/>
-          <p:cNvPicPr>
-            <a:picLocks noChangeAspect="1"/>
-          </p:cNvPicPr>
-          <p:nvPr/>
-        </p:nvPicPr>
-        <p:blipFill>
-          <a:blip r:embed="rId3"/>
-          <a:stretch>
-            <a:fillRect/>
-          </a:stretch>
-        </p:blipFill>
-        <p:spPr>
-          <a:xfrm>
-            <a:off x="1524000" y="1485900"/>
-            <a:ext cx="11400236" cy="2150988"/>
-          </a:xfrm>
-          <a:prstGeom prst="rect">
-            <a:avLst/>
-          </a:prstGeom>
-        </p:spPr>
-      </p:pic>
-      <p:pic>
-        <p:nvPicPr>
-          <p:cNvPr id="3" name="그림 2"/>
-          <p:cNvPicPr>
-            <a:picLocks noChangeAspect="1"/>
-          </p:cNvPicPr>
-          <p:nvPr/>
-        </p:nvPicPr>
-        <p:blipFill>
-          <a:blip r:embed="rId4"/>
-          <a:stretch>
-            <a:fillRect/>
-          </a:stretch>
-        </p:blipFill>
-        <p:spPr>
-          <a:xfrm>
-            <a:off x="1507588" y="4152900"/>
-            <a:ext cx="4114800" cy="3288397"/>
-          </a:xfrm>
-          <a:prstGeom prst="rect">
-            <a:avLst/>
-          </a:prstGeom>
-        </p:spPr>
-      </p:pic>
-    </p:spTree>
-    <p:extLst>
-      <p:ext uri="{BB962C8B-B14F-4D97-AF65-F5344CB8AC3E}">
-        <p14:creationId xmlns:p14="http://schemas.microsoft.com/office/powerpoint/2010/main" val="1664884387"/>
-      </p:ext>
-    </p:extLst>
-  </p:cSld>
-  <p:clrMapOvr>
-    <a:masterClrMapping/>
-  </p:clrMapOvr>
-</p:sld>
-</file>
-
-<file path=ppt/slides/slide51.xml><?xml version="1.0" encoding="utf-8"?>
-<p:sld xmlns:a="http://schemas.openxmlformats.org/drawingml/2006/main" xmlns:r="http://schemas.openxmlformats.org/officeDocument/2006/relationships" xmlns:p="http://schemas.openxmlformats.org/presentationml/2006/main">
-  <p:cSld>
-    <p:spTree>
-      <p:nvGrpSpPr>
-        <p:cNvPr id="1" name=""/>
-        <p:cNvGrpSpPr/>
-        <p:nvPr/>
-      </p:nvGrpSpPr>
-      <p:grpSpPr>
-        <a:xfrm>
-          <a:off x="0" y="0"/>
-          <a:ext cx="0" cy="0"/>
-          <a:chOff x="0" y="0"/>
-          <a:chExt cx="0" cy="0"/>
-        </a:xfrm>
-      </p:grpSpPr>
-      <p:sp>
-        <p:nvSpPr>
-          <p:cNvPr id="4" name="TextBox 3">
-            <a:extLst>
-              <a:ext uri="{FF2B5EF4-FFF2-40B4-BE49-F238E27FC236}">
-                <a16:creationId xmlns:a16="http://schemas.microsoft.com/office/drawing/2014/main" id="{83984F9D-D038-272E-E4BC-9D066CE2DFB5}"/>
-              </a:ext>
-            </a:extLst>
-          </p:cNvPr>
-          <p:cNvSpPr txBox="1"/>
-          <p:nvPr/>
-        </p:nvSpPr>
-        <p:spPr>
-          <a:xfrm>
-            <a:off x="685800" y="190500"/>
-            <a:ext cx="1665841" cy="1015663"/>
-          </a:xfrm>
-          <a:prstGeom prst="rect">
-            <a:avLst/>
-          </a:prstGeom>
-          <a:noFill/>
-        </p:spPr>
-        <p:txBody>
-          <a:bodyPr wrap="none" rtlCol="0">
-            <a:spAutoFit/>
-          </a:bodyPr>
-          <a:lstStyle/>
-          <a:p>
-            <a:r>
-              <a:rPr lang="ko-KR" altLang="en-US" sz="6000" dirty="0">
-                <a:solidFill>
-                  <a:srgbClr val="4C50BB"/>
-                </a:solidFill>
-                <a:latin typeface="G마켓 산스 TTF Bold" panose="02000000000000000000" pitchFamily="2" charset="-127"/>
-                <a:ea typeface="G마켓 산스 TTF Bold" panose="02000000000000000000" pitchFamily="2" charset="-127"/>
-              </a:rPr>
-              <a:t>해설</a:t>
-            </a:r>
-            <a:endParaRPr lang="ko-KR" altLang="en-US" sz="800" dirty="0">
-              <a:solidFill>
-                <a:srgbClr val="4C50BB"/>
-              </a:solidFill>
-              <a:latin typeface="G마켓 산스 TTF Bold" panose="02000000000000000000" pitchFamily="2" charset="-127"/>
-              <a:ea typeface="G마켓 산스 TTF Bold" panose="02000000000000000000" pitchFamily="2" charset="-127"/>
-            </a:endParaRPr>
-          </a:p>
-        </p:txBody>
-      </p:sp>
-      <p:pic>
-        <p:nvPicPr>
-          <p:cNvPr id="6" name="그림 5">
-            <a:extLst>
-              <a:ext uri="{FF2B5EF4-FFF2-40B4-BE49-F238E27FC236}">
-                <a16:creationId xmlns:a16="http://schemas.microsoft.com/office/drawing/2014/main" id="{11CD6DFD-17A9-1278-CEBF-3E25214A3F88}"/>
-              </a:ext>
-            </a:extLst>
-          </p:cNvPr>
-          <p:cNvPicPr>
-            <a:picLocks noChangeAspect="1"/>
-          </p:cNvPicPr>
-          <p:nvPr/>
-        </p:nvPicPr>
-        <p:blipFill>
-          <a:blip r:embed="rId2"/>
-          <a:stretch>
-            <a:fillRect/>
-          </a:stretch>
-        </p:blipFill>
-        <p:spPr>
-          <a:xfrm>
-            <a:off x="2514600" y="419100"/>
-            <a:ext cx="8077200" cy="9718102"/>
-          </a:xfrm>
-          <a:prstGeom prst="rect">
-            <a:avLst/>
-          </a:prstGeom>
-        </p:spPr>
-      </p:pic>
-      <p:cxnSp>
-        <p:nvCxnSpPr>
-          <p:cNvPr id="7" name="직선 화살표 연결선 6">
-            <a:extLst>
-              <a:ext uri="{FF2B5EF4-FFF2-40B4-BE49-F238E27FC236}">
-                <a16:creationId xmlns:a16="http://schemas.microsoft.com/office/drawing/2014/main" id="{01F1EF82-FD84-D3FA-517E-291E86022CD9}"/>
-              </a:ext>
-            </a:extLst>
-          </p:cNvPr>
-          <p:cNvCxnSpPr>
-            <a:cxnSpLocks/>
-          </p:cNvCxnSpPr>
-          <p:nvPr/>
-        </p:nvCxnSpPr>
-        <p:spPr>
-          <a:xfrm>
-            <a:off x="9753600" y="2095500"/>
-            <a:ext cx="1219200" cy="0"/>
-          </a:xfrm>
-          <a:prstGeom prst="straightConnector1">
-            <a:avLst/>
-          </a:prstGeom>
-          <a:ln w="38100">
-            <a:tailEnd type="triangle"/>
-          </a:ln>
-        </p:spPr>
-        <p:style>
-          <a:lnRef idx="1">
-            <a:schemeClr val="accent2"/>
-          </a:lnRef>
-          <a:fillRef idx="0">
-            <a:schemeClr val="accent2"/>
-          </a:fillRef>
-          <a:effectRef idx="0">
-            <a:schemeClr val="accent2"/>
-          </a:effectRef>
-          <a:fontRef idx="minor">
-            <a:schemeClr val="tx1"/>
-          </a:fontRef>
-        </p:style>
-      </p:cxnSp>
-      <p:sp>
-        <p:nvSpPr>
-          <p:cNvPr id="8" name="직사각형 7">
-            <a:extLst>
-              <a:ext uri="{FF2B5EF4-FFF2-40B4-BE49-F238E27FC236}">
-                <a16:creationId xmlns:a16="http://schemas.microsoft.com/office/drawing/2014/main" id="{4DB65CF6-A3F8-C9E4-E8DA-35E25365EC9C}"/>
-              </a:ext>
-            </a:extLst>
-          </p:cNvPr>
-          <p:cNvSpPr/>
-          <p:nvPr/>
-        </p:nvSpPr>
-        <p:spPr>
-          <a:xfrm>
-            <a:off x="7162800" y="1790700"/>
-            <a:ext cx="2590800" cy="457200"/>
-          </a:xfrm>
-          <a:prstGeom prst="rect">
-            <a:avLst/>
-          </a:prstGeom>
-          <a:noFill/>
-          <a:ln>
-            <a:solidFill>
-              <a:srgbClr val="FF0000"/>
-            </a:solidFill>
-          </a:ln>
-        </p:spPr>
-        <p:style>
-          <a:lnRef idx="2">
-            <a:schemeClr val="accent2">
-              <a:shade val="50000"/>
-            </a:schemeClr>
-          </a:lnRef>
-          <a:fillRef idx="1">
-            <a:schemeClr val="accent2"/>
-          </a:fillRef>
-          <a:effectRef idx="0">
-            <a:schemeClr val="accent2"/>
-          </a:effectRef>
-          <a:fontRef idx="minor">
-            <a:schemeClr val="lt1"/>
-          </a:fontRef>
-        </p:style>
-        <p:txBody>
-          <a:bodyPr rtlCol="0" anchor="ctr"/>
-          <a:lstStyle/>
-          <a:p>
-            <a:pPr algn="ctr"/>
-            <a:endParaRPr lang="ko-KR" altLang="en-US"/>
-          </a:p>
-        </p:txBody>
-      </p:sp>
-      <p:sp>
-        <p:nvSpPr>
-          <p:cNvPr id="9" name="TextBox 8">
-            <a:extLst>
-              <a:ext uri="{FF2B5EF4-FFF2-40B4-BE49-F238E27FC236}">
-                <a16:creationId xmlns:a16="http://schemas.microsoft.com/office/drawing/2014/main" id="{A4AFFC7D-6AFD-C2ED-675E-E87E46453D59}"/>
-              </a:ext>
-            </a:extLst>
-          </p:cNvPr>
-          <p:cNvSpPr txBox="1"/>
-          <p:nvPr/>
-        </p:nvSpPr>
-        <p:spPr>
-          <a:xfrm>
-            <a:off x="11049000" y="1790700"/>
-            <a:ext cx="6400800" cy="646331"/>
-          </a:xfrm>
-          <a:prstGeom prst="rect">
-            <a:avLst/>
-          </a:prstGeom>
-          <a:noFill/>
-        </p:spPr>
-        <p:txBody>
-          <a:bodyPr wrap="square" rtlCol="0">
-            <a:spAutoFit/>
-          </a:bodyPr>
-          <a:lstStyle/>
-          <a:p>
-            <a:r>
-              <a:rPr lang="en-US" altLang="ko-KR" sz="3600" dirty="0" err="1">
-                <a:solidFill>
-                  <a:srgbClr val="FF0000"/>
-                </a:solidFill>
-                <a:latin typeface="G마켓 산스 Medium" panose="02000000000000000000" pitchFamily="50" charset="-127"/>
-                <a:ea typeface="G마켓 산스 Medium" panose="02000000000000000000" pitchFamily="50" charset="-127"/>
-              </a:rPr>
-              <a:t>Cout</a:t>
-            </a:r>
-            <a:r>
-              <a:rPr lang="ko-KR" altLang="en-US" sz="3600" dirty="0">
-                <a:solidFill>
-                  <a:srgbClr val="FF0000"/>
-                </a:solidFill>
-                <a:latin typeface="G마켓 산스 Medium" panose="02000000000000000000" pitchFamily="50" charset="-127"/>
-                <a:ea typeface="G마켓 산스 Medium" panose="02000000000000000000" pitchFamily="50" charset="-127"/>
-              </a:rPr>
-              <a:t>을 다시 살펴보자</a:t>
-            </a:r>
-            <a:endParaRPr lang="en-US" altLang="ko-KR" sz="3600" dirty="0">
-              <a:solidFill>
-                <a:srgbClr val="FF0000"/>
-              </a:solidFill>
-              <a:latin typeface="G마켓 산스 Medium" panose="02000000000000000000" pitchFamily="50" charset="-127"/>
-              <a:ea typeface="G마켓 산스 Medium" panose="02000000000000000000" pitchFamily="50" charset="-127"/>
-            </a:endParaRPr>
-          </a:p>
-        </p:txBody>
-      </p:sp>
-    </p:spTree>
-    <p:extLst>
-      <p:ext uri="{BB962C8B-B14F-4D97-AF65-F5344CB8AC3E}">
-        <p14:creationId xmlns:p14="http://schemas.microsoft.com/office/powerpoint/2010/main" val="611229983"/>
-      </p:ext>
-    </p:extLst>
-  </p:cSld>
-  <p:clrMapOvr>
-    <a:masterClrMapping/>
-  </p:clrMapOvr>
-</p:sld>
-</file>
-
-<file path=ppt/slides/slide52.xml><?xml version="1.0" encoding="utf-8"?>
-<p:sld xmlns:a="http://schemas.openxmlformats.org/drawingml/2006/main" xmlns:r="http://schemas.openxmlformats.org/officeDocument/2006/relationships" xmlns:p="http://schemas.openxmlformats.org/presentationml/2006/main">
-  <p:cSld>
-    <p:spTree>
-      <p:nvGrpSpPr>
-        <p:cNvPr id="1" name=""/>
-        <p:cNvGrpSpPr/>
-        <p:nvPr/>
-      </p:nvGrpSpPr>
-      <p:grpSpPr>
-        <a:xfrm>
-          <a:off x="0" y="0"/>
-          <a:ext cx="0" cy="0"/>
-          <a:chOff x="0" y="0"/>
-          <a:chExt cx="0" cy="0"/>
-        </a:xfrm>
-      </p:grpSpPr>
-      <p:pic>
-        <p:nvPicPr>
-          <p:cNvPr id="4" name="그림 3"/>
-          <p:cNvPicPr>
-            <a:picLocks noChangeAspect="1"/>
-          </p:cNvPicPr>
-          <p:nvPr/>
-        </p:nvPicPr>
-        <p:blipFill>
-          <a:blip r:embed="rId2"/>
-          <a:stretch>
-            <a:fillRect/>
-          </a:stretch>
-        </p:blipFill>
-        <p:spPr>
-          <a:xfrm>
-            <a:off x="8247613" y="1780735"/>
-            <a:ext cx="9887987" cy="6191543"/>
-          </a:xfrm>
-          <a:prstGeom prst="rect">
-            <a:avLst/>
-          </a:prstGeom>
-        </p:spPr>
-      </p:pic>
-      <p:pic>
-        <p:nvPicPr>
-          <p:cNvPr id="5" name="그림 4"/>
-          <p:cNvPicPr>
-            <a:picLocks noChangeAspect="1"/>
-          </p:cNvPicPr>
-          <p:nvPr/>
-        </p:nvPicPr>
-        <p:blipFill>
-          <a:blip r:embed="rId3">
-            <a:extLst>
-              <a:ext uri="{BEBA8EAE-BF5A-486C-A8C5-ECC9F3942E4B}">
-                <a14:imgProps xmlns:a14="http://schemas.microsoft.com/office/drawing/2010/main">
-                  <a14:imgLayer r:embed="rId4">
-                    <a14:imgEffect>
-                      <a14:artisticBlur radius="25"/>
-                    </a14:imgEffect>
-                  </a14:imgLayer>
-                </a14:imgProps>
-              </a:ext>
-            </a:extLst>
-          </a:blip>
-          <a:stretch>
-            <a:fillRect/>
-          </a:stretch>
-        </p:blipFill>
-        <p:spPr>
-          <a:xfrm>
-            <a:off x="8323813" y="1790700"/>
-            <a:ext cx="9887987" cy="6191543"/>
-          </a:xfrm>
-          <a:prstGeom prst="rect">
-            <a:avLst/>
-          </a:prstGeom>
-        </p:spPr>
-      </p:pic>
-      <p:pic>
-        <p:nvPicPr>
-          <p:cNvPr id="6" name="그림 5"/>
-          <p:cNvPicPr>
-            <a:picLocks noChangeAspect="1"/>
-          </p:cNvPicPr>
-          <p:nvPr/>
-        </p:nvPicPr>
-        <p:blipFill>
-          <a:blip r:embed="rId5"/>
-          <a:stretch>
-            <a:fillRect/>
-          </a:stretch>
-        </p:blipFill>
-        <p:spPr>
-          <a:xfrm>
-            <a:off x="36342" y="1790700"/>
-            <a:ext cx="7650546" cy="6248400"/>
-          </a:xfrm>
-          <a:prstGeom prst="rect">
-            <a:avLst/>
-          </a:prstGeom>
-        </p:spPr>
-      </p:pic>
-      <p:pic>
-        <p:nvPicPr>
-          <p:cNvPr id="7" name="그림 6"/>
-          <p:cNvPicPr>
-            <a:picLocks noChangeAspect="1"/>
-          </p:cNvPicPr>
-          <p:nvPr/>
-        </p:nvPicPr>
-        <p:blipFill>
-          <a:blip r:embed="rId6"/>
-          <a:stretch>
-            <a:fillRect/>
-          </a:stretch>
-        </p:blipFill>
-        <p:spPr>
-          <a:xfrm>
-            <a:off x="76200" y="1790700"/>
-            <a:ext cx="7650546" cy="6248400"/>
-          </a:xfrm>
-          <a:prstGeom prst="rect">
-            <a:avLst/>
-          </a:prstGeom>
-        </p:spPr>
-      </p:pic>
-    </p:spTree>
-    <p:extLst>
-      <p:ext uri="{BB962C8B-B14F-4D97-AF65-F5344CB8AC3E}">
-        <p14:creationId xmlns:p14="http://schemas.microsoft.com/office/powerpoint/2010/main" val="2004334959"/>
       </p:ext>
     </p:extLst>
   </p:cSld>
@@ -25706,52 +24764,7 @@
                                           </p:stCondLst>
                                         </p:cTn>
                                         <p:tgtEl>
-                                          <p:spTgt spid="7"/>
-                                        </p:tgtEl>
-                                        <p:attrNameLst>
-                                          <p:attrName>style.visibility</p:attrName>
-                                        </p:attrNameLst>
-                                      </p:cBhvr>
-                                      <p:to>
-                                        <p:strVal val="hidden"/>
-                                      </p:to>
-                                    </p:set>
-                                  </p:childTnLst>
-                                </p:cTn>
-                              </p:par>
-                            </p:childTnLst>
-                          </p:cTn>
-                        </p:par>
-                      </p:childTnLst>
-                    </p:cTn>
-                  </p:par>
-                  <p:par>
-                    <p:cTn id="7" fill="hold">
-                      <p:stCondLst>
-                        <p:cond delay="indefinite"/>
-                      </p:stCondLst>
-                      <p:childTnLst>
-                        <p:par>
-                          <p:cTn id="8" fill="hold">
-                            <p:stCondLst>
-                              <p:cond delay="0"/>
-                            </p:stCondLst>
-                            <p:childTnLst>
-                              <p:par>
-                                <p:cTn id="9" presetID="1" presetClass="exit" presetSubtype="0" fill="hold" nodeType="clickEffect">
-                                  <p:stCondLst>
-                                    <p:cond delay="0"/>
-                                  </p:stCondLst>
-                                  <p:childTnLst>
-                                    <p:set>
-                                      <p:cBhvr>
-                                        <p:cTn id="10" dur="1" fill="hold">
-                                          <p:stCondLst>
-                                            <p:cond delay="0"/>
-                                          </p:stCondLst>
-                                        </p:cTn>
-                                        <p:tgtEl>
-                                          <p:spTgt spid="5"/>
+                                          <p:spTgt spid="6"/>
                                         </p:tgtEl>
                                         <p:attrNameLst>
                                           <p:attrName>style.visibility</p:attrName>
@@ -25795,513 +24808,7 @@
 </p:sld>
 </file>
 
-<file path=ppt/slides/slide53.xml><?xml version="1.0" encoding="utf-8"?>
-<p:sld xmlns:a="http://schemas.openxmlformats.org/drawingml/2006/main" xmlns:r="http://schemas.openxmlformats.org/officeDocument/2006/relationships" xmlns:p="http://schemas.openxmlformats.org/presentationml/2006/main">
-  <p:cSld>
-    <p:spTree>
-      <p:nvGrpSpPr>
-        <p:cNvPr id="1" name=""/>
-        <p:cNvGrpSpPr/>
-        <p:nvPr/>
-      </p:nvGrpSpPr>
-      <p:grpSpPr>
-        <a:xfrm>
-          <a:off x="0" y="0"/>
-          <a:ext cx="0" cy="0"/>
-          <a:chOff x="0" y="0"/>
-          <a:chExt cx="0" cy="0"/>
-        </a:xfrm>
-      </p:grpSpPr>
-      <p:sp>
-        <p:nvSpPr>
-          <p:cNvPr id="3" name="TextBox 2">
-            <a:extLst>
-              <a:ext uri="{FF2B5EF4-FFF2-40B4-BE49-F238E27FC236}">
-                <a16:creationId xmlns:a16="http://schemas.microsoft.com/office/drawing/2014/main" id="{4EDAA912-8FA0-0F11-119B-EA9F8B36A489}"/>
-              </a:ext>
-            </a:extLst>
-          </p:cNvPr>
-          <p:cNvSpPr txBox="1"/>
-          <p:nvPr/>
-        </p:nvSpPr>
-        <p:spPr>
-          <a:xfrm>
-            <a:off x="685800" y="571500"/>
-            <a:ext cx="17535570" cy="3970318"/>
-          </a:xfrm>
-          <a:prstGeom prst="rect">
-            <a:avLst/>
-          </a:prstGeom>
-          <a:noFill/>
-        </p:spPr>
-        <p:txBody>
-          <a:bodyPr wrap="none" rtlCol="0">
-            <a:spAutoFit/>
-          </a:bodyPr>
-          <a:lstStyle/>
-          <a:p>
-            <a:r>
-              <a:rPr lang="en-US" altLang="ko-KR" sz="3600" dirty="0">
-                <a:solidFill>
-                  <a:srgbClr val="4C50BC"/>
-                </a:solidFill>
-                <a:latin typeface="G마켓 산스 Medium" panose="02000000000000000000" pitchFamily="50" charset="-127"/>
-                <a:ea typeface="G마켓 산스 Medium" panose="02000000000000000000" pitchFamily="50" charset="-127"/>
-              </a:rPr>
-              <a:t>3. </a:t>
-            </a:r>
-            <a:r>
-              <a:rPr lang="ko-KR" altLang="en-US" sz="3600" dirty="0">
-                <a:solidFill>
-                  <a:srgbClr val="4C50BC"/>
-                </a:solidFill>
-                <a:latin typeface="G마켓 산스 Medium" panose="02000000000000000000" pitchFamily="50" charset="-127"/>
-                <a:ea typeface="G마켓 산스 Medium" panose="02000000000000000000" pitchFamily="50" charset="-127"/>
-              </a:rPr>
-              <a:t>변수 </a:t>
-            </a:r>
-            <a:r>
-              <a:rPr lang="en-US" altLang="ko-KR" sz="3600" dirty="0">
-                <a:solidFill>
-                  <a:srgbClr val="4C50BC"/>
-                </a:solidFill>
-                <a:latin typeface="G마켓 산스 Medium" panose="02000000000000000000" pitchFamily="50" charset="-127"/>
-                <a:ea typeface="G마켓 산스 Medium" panose="02000000000000000000" pitchFamily="50" charset="-127"/>
-              </a:rPr>
-              <a:t>year</a:t>
-            </a:r>
-            <a:r>
-              <a:rPr lang="ko-KR" altLang="en-US" sz="3600" dirty="0">
-                <a:solidFill>
-                  <a:srgbClr val="4C50BC"/>
-                </a:solidFill>
-                <a:latin typeface="G마켓 산스 Medium" panose="02000000000000000000" pitchFamily="50" charset="-127"/>
-                <a:ea typeface="G마켓 산스 Medium" panose="02000000000000000000" pitchFamily="50" charset="-127"/>
-              </a:rPr>
-              <a:t>에 년도를 </a:t>
-            </a:r>
-            <a:r>
-              <a:rPr lang="ko-KR" altLang="en-US" sz="3600" dirty="0" err="1">
-                <a:solidFill>
-                  <a:srgbClr val="4C50BC"/>
-                </a:solidFill>
-                <a:latin typeface="G마켓 산스 Medium" panose="02000000000000000000" pitchFamily="50" charset="-127"/>
-                <a:ea typeface="G마켓 산스 Medium" panose="02000000000000000000" pitchFamily="50" charset="-127"/>
-              </a:rPr>
-              <a:t>입력받아</a:t>
-            </a:r>
-            <a:r>
-              <a:rPr lang="ko-KR" altLang="en-US" sz="3600" dirty="0">
-                <a:solidFill>
-                  <a:srgbClr val="4C50BC"/>
-                </a:solidFill>
-                <a:latin typeface="G마켓 산스 Medium" panose="02000000000000000000" pitchFamily="50" charset="-127"/>
-                <a:ea typeface="G마켓 산스 Medium" panose="02000000000000000000" pitchFamily="50" charset="-127"/>
-              </a:rPr>
-              <a:t> 해당 년도가 윤년인지 아닌지 </a:t>
-            </a:r>
-            <a:r>
-              <a:rPr lang="ko-KR" altLang="en-US" sz="3600" dirty="0" err="1">
-                <a:solidFill>
-                  <a:srgbClr val="4C50BC"/>
-                </a:solidFill>
-                <a:latin typeface="G마켓 산스 Medium" panose="02000000000000000000" pitchFamily="50" charset="-127"/>
-                <a:ea typeface="G마켓 산스 Medium" panose="02000000000000000000" pitchFamily="50" charset="-127"/>
-              </a:rPr>
-              <a:t>출력하시오</a:t>
-            </a:r>
-            <a:r>
-              <a:rPr lang="en-US" altLang="ko-KR" sz="3600" dirty="0">
-                <a:solidFill>
-                  <a:srgbClr val="FF0000"/>
-                </a:solidFill>
-                <a:latin typeface="G마켓 산스 Medium" panose="02000000000000000000" pitchFamily="50" charset="-127"/>
-                <a:ea typeface="G마켓 산스 Medium" panose="02000000000000000000" pitchFamily="50" charset="-127"/>
-              </a:rPr>
-              <a:t>(Expert)</a:t>
-            </a:r>
-          </a:p>
-          <a:p>
-            <a:r>
-              <a:rPr lang="en-US" altLang="ko-KR" sz="3600" dirty="0">
-                <a:solidFill>
-                  <a:srgbClr val="4D4848"/>
-                </a:solidFill>
-                <a:latin typeface="G마켓 산스 Medium" panose="02000000000000000000" pitchFamily="50" charset="-127"/>
-                <a:ea typeface="G마켓 산스 Medium" panose="02000000000000000000" pitchFamily="50" charset="-127"/>
-              </a:rPr>
-              <a:t>*</a:t>
-            </a:r>
-            <a:r>
-              <a:rPr lang="ko-KR" altLang="en-US" sz="3600" dirty="0">
-                <a:solidFill>
-                  <a:srgbClr val="4D4848"/>
-                </a:solidFill>
-                <a:latin typeface="G마켓 산스 Medium" panose="02000000000000000000" pitchFamily="50" charset="-127"/>
-                <a:ea typeface="G마켓 산스 Medium" panose="02000000000000000000" pitchFamily="50" charset="-127"/>
-              </a:rPr>
-              <a:t>윤년 </a:t>
-            </a:r>
-            <a:r>
-              <a:rPr lang="en-US" altLang="ko-KR" sz="3600" dirty="0">
-                <a:solidFill>
-                  <a:srgbClr val="4D4848"/>
-                </a:solidFill>
-                <a:latin typeface="G마켓 산스 Medium" panose="02000000000000000000" pitchFamily="50" charset="-127"/>
-                <a:ea typeface="G마켓 산스 Medium" panose="02000000000000000000" pitchFamily="50" charset="-127"/>
-              </a:rPr>
-              <a:t>: 2</a:t>
-            </a:r>
-            <a:r>
-              <a:rPr lang="ko-KR" altLang="en-US" sz="3600" dirty="0">
-                <a:solidFill>
-                  <a:srgbClr val="4D4848"/>
-                </a:solidFill>
-                <a:latin typeface="G마켓 산스 Medium" panose="02000000000000000000" pitchFamily="50" charset="-127"/>
-                <a:ea typeface="G마켓 산스 Medium" panose="02000000000000000000" pitchFamily="50" charset="-127"/>
-              </a:rPr>
-              <a:t>월</a:t>
-            </a:r>
-            <a:r>
-              <a:rPr lang="en-US" altLang="ko-KR" sz="3600" dirty="0">
-                <a:solidFill>
-                  <a:srgbClr val="4D4848"/>
-                </a:solidFill>
-                <a:latin typeface="G마켓 산스 Medium" panose="02000000000000000000" pitchFamily="50" charset="-127"/>
-                <a:ea typeface="G마켓 산스 Medium" panose="02000000000000000000" pitchFamily="50" charset="-127"/>
-              </a:rPr>
-              <a:t>29</a:t>
-            </a:r>
-            <a:r>
-              <a:rPr lang="ko-KR" altLang="en-US" sz="3600" dirty="0">
-                <a:solidFill>
-                  <a:srgbClr val="4D4848"/>
-                </a:solidFill>
-                <a:latin typeface="G마켓 산스 Medium" panose="02000000000000000000" pitchFamily="50" charset="-127"/>
-                <a:ea typeface="G마켓 산스 Medium" panose="02000000000000000000" pitchFamily="50" charset="-127"/>
-              </a:rPr>
-              <a:t>일이 있는 해</a:t>
-            </a:r>
-            <a:endParaRPr lang="en-US" altLang="ko-KR" sz="3600" dirty="0">
-              <a:solidFill>
-                <a:srgbClr val="4D4848"/>
-              </a:solidFill>
-              <a:latin typeface="G마켓 산스 Medium" panose="02000000000000000000" pitchFamily="50" charset="-127"/>
-              <a:ea typeface="G마켓 산스 Medium" panose="02000000000000000000" pitchFamily="50" charset="-127"/>
-            </a:endParaRPr>
-          </a:p>
-          <a:p>
-            <a:r>
-              <a:rPr lang="en-US" altLang="ko-KR" sz="3600" dirty="0">
-                <a:solidFill>
-                  <a:srgbClr val="4D4848"/>
-                </a:solidFill>
-                <a:latin typeface="G마켓 산스 Medium" panose="02000000000000000000" pitchFamily="50" charset="-127"/>
-                <a:ea typeface="G마켓 산스 Medium" panose="02000000000000000000" pitchFamily="50" charset="-127"/>
-              </a:rPr>
-              <a:t>  </a:t>
-            </a:r>
-            <a:r>
-              <a:rPr lang="ko-KR" altLang="en-US" sz="3600" dirty="0">
-                <a:solidFill>
-                  <a:srgbClr val="4D4848"/>
-                </a:solidFill>
-                <a:latin typeface="G마켓 산스 Medium" panose="02000000000000000000" pitchFamily="50" charset="-127"/>
-                <a:ea typeface="G마켓 산스 Medium" panose="02000000000000000000" pitchFamily="50" charset="-127"/>
-              </a:rPr>
-              <a:t>조건 </a:t>
-            </a:r>
-            <a:r>
-              <a:rPr lang="en-US" altLang="ko-KR" sz="3600" dirty="0">
-                <a:solidFill>
-                  <a:srgbClr val="4D4848"/>
-                </a:solidFill>
-                <a:latin typeface="G마켓 산스 Medium" panose="02000000000000000000" pitchFamily="50" charset="-127"/>
-                <a:ea typeface="G마켓 산스 Medium" panose="02000000000000000000" pitchFamily="50" charset="-127"/>
-              </a:rPr>
-              <a:t>: 4</a:t>
-            </a:r>
-            <a:r>
-              <a:rPr lang="ko-KR" altLang="en-US" sz="3600" dirty="0">
-                <a:solidFill>
-                  <a:srgbClr val="4D4848"/>
-                </a:solidFill>
-                <a:latin typeface="G마켓 산스 Medium" panose="02000000000000000000" pitchFamily="50" charset="-127"/>
-                <a:ea typeface="G마켓 산스 Medium" panose="02000000000000000000" pitchFamily="50" charset="-127"/>
-              </a:rPr>
-              <a:t>로 나누어 떨어지는 해 </a:t>
-            </a:r>
-            <a:r>
-              <a:rPr lang="en-US" altLang="ko-KR" sz="3600" dirty="0">
-                <a:solidFill>
-                  <a:srgbClr val="4D4848"/>
-                </a:solidFill>
-                <a:latin typeface="G마켓 산스 Medium" panose="02000000000000000000" pitchFamily="50" charset="-127"/>
-                <a:ea typeface="G마켓 산스 Medium" panose="02000000000000000000" pitchFamily="50" charset="-127"/>
-              </a:rPr>
-              <a:t>ex) 2004, 2008</a:t>
-            </a:r>
-          </a:p>
-          <a:p>
-            <a:pPr lvl="3"/>
-            <a:r>
-              <a:rPr lang="ko-KR" altLang="en-US" sz="3600" dirty="0">
-                <a:solidFill>
-                  <a:srgbClr val="4D4848"/>
-                </a:solidFill>
-                <a:latin typeface="G마켓 산스 Medium" panose="02000000000000000000" pitchFamily="50" charset="-127"/>
-                <a:ea typeface="G마켓 산스 Medium" panose="02000000000000000000" pitchFamily="50" charset="-127"/>
-              </a:rPr>
-              <a:t>그러나 윤년이 너무 많아 오차가 발생하여 줄이기로 한다</a:t>
-            </a:r>
-            <a:r>
-              <a:rPr lang="en-US" altLang="ko-KR" sz="3600" dirty="0">
-                <a:solidFill>
-                  <a:srgbClr val="4D4848"/>
-                </a:solidFill>
-                <a:latin typeface="G마켓 산스 Medium" panose="02000000000000000000" pitchFamily="50" charset="-127"/>
-                <a:ea typeface="G마켓 산스 Medium" panose="02000000000000000000" pitchFamily="50" charset="-127"/>
-              </a:rPr>
-              <a:t>. </a:t>
-            </a:r>
-          </a:p>
-          <a:p>
-            <a:pPr lvl="3"/>
-            <a:r>
-              <a:rPr lang="ko-KR" altLang="en-US" sz="3600" dirty="0">
-                <a:solidFill>
-                  <a:srgbClr val="4D4848"/>
-                </a:solidFill>
-                <a:latin typeface="G마켓 산스 Medium" panose="02000000000000000000" pitchFamily="50" charset="-127"/>
-                <a:ea typeface="G마켓 산스 Medium" panose="02000000000000000000" pitchFamily="50" charset="-127"/>
-              </a:rPr>
-              <a:t>그래서 </a:t>
-            </a:r>
-            <a:r>
-              <a:rPr lang="en-US" altLang="ko-KR" sz="3600" dirty="0">
-                <a:solidFill>
-                  <a:srgbClr val="4D4848"/>
-                </a:solidFill>
-                <a:latin typeface="G마켓 산스 Medium" panose="02000000000000000000" pitchFamily="50" charset="-127"/>
-                <a:ea typeface="G마켓 산스 Medium" panose="02000000000000000000" pitchFamily="50" charset="-127"/>
-              </a:rPr>
-              <a:t>4</a:t>
-            </a:r>
-            <a:r>
-              <a:rPr lang="ko-KR" altLang="en-US" sz="3600" dirty="0">
-                <a:solidFill>
-                  <a:srgbClr val="4D4848"/>
-                </a:solidFill>
-                <a:latin typeface="G마켓 산스 Medium" panose="02000000000000000000" pitchFamily="50" charset="-127"/>
-                <a:ea typeface="G마켓 산스 Medium" panose="02000000000000000000" pitchFamily="50" charset="-127"/>
-              </a:rPr>
-              <a:t>로 나누어 떨어지는 해 중에서 </a:t>
-            </a:r>
-            <a:r>
-              <a:rPr lang="en-US" altLang="ko-KR" sz="3600" dirty="0">
-                <a:solidFill>
-                  <a:srgbClr val="4D4848"/>
-                </a:solidFill>
-                <a:latin typeface="G마켓 산스 Medium" panose="02000000000000000000" pitchFamily="50" charset="-127"/>
-                <a:ea typeface="G마켓 산스 Medium" panose="02000000000000000000" pitchFamily="50" charset="-127"/>
-              </a:rPr>
-              <a:t>100</a:t>
-            </a:r>
-            <a:r>
-              <a:rPr lang="ko-KR" altLang="en-US" sz="3600" dirty="0">
-                <a:solidFill>
-                  <a:srgbClr val="4D4848"/>
-                </a:solidFill>
-                <a:latin typeface="G마켓 산스 Medium" panose="02000000000000000000" pitchFamily="50" charset="-127"/>
-                <a:ea typeface="G마켓 산스 Medium" panose="02000000000000000000" pitchFamily="50" charset="-127"/>
-              </a:rPr>
-              <a:t>으로 나누어 떨어진다면 평년이다</a:t>
-            </a:r>
-            <a:r>
-              <a:rPr lang="en-US" altLang="ko-KR" sz="3600" dirty="0">
-                <a:solidFill>
-                  <a:srgbClr val="4D4848"/>
-                </a:solidFill>
-                <a:latin typeface="G마켓 산스 Medium" panose="02000000000000000000" pitchFamily="50" charset="-127"/>
-                <a:ea typeface="G마켓 산스 Medium" panose="02000000000000000000" pitchFamily="50" charset="-127"/>
-              </a:rPr>
-              <a:t>.</a:t>
-            </a:r>
-          </a:p>
-          <a:p>
-            <a:pPr lvl="3"/>
-            <a:r>
-              <a:rPr lang="ko-KR" altLang="en-US" sz="3600" dirty="0">
-                <a:solidFill>
-                  <a:srgbClr val="4D4848"/>
-                </a:solidFill>
-                <a:latin typeface="G마켓 산스 Medium" panose="02000000000000000000" pitchFamily="50" charset="-127"/>
-                <a:ea typeface="G마켓 산스 Medium" panose="02000000000000000000" pitchFamily="50" charset="-127"/>
-              </a:rPr>
-              <a:t>하지만 이렇게 하니 너무 많이 빠져서 또다시 틀어졌다</a:t>
-            </a:r>
-            <a:r>
-              <a:rPr lang="en-US" altLang="ko-KR" sz="3600" dirty="0">
-                <a:solidFill>
-                  <a:srgbClr val="4D4848"/>
-                </a:solidFill>
-                <a:latin typeface="G마켓 산스 Medium" panose="02000000000000000000" pitchFamily="50" charset="-127"/>
-                <a:ea typeface="G마켓 산스 Medium" panose="02000000000000000000" pitchFamily="50" charset="-127"/>
-              </a:rPr>
-              <a:t>. </a:t>
-            </a:r>
-          </a:p>
-          <a:p>
-            <a:pPr lvl="3"/>
-            <a:r>
-              <a:rPr lang="ko-KR" altLang="en-US" sz="3600" dirty="0">
-                <a:solidFill>
-                  <a:srgbClr val="4D4848"/>
-                </a:solidFill>
-                <a:latin typeface="G마켓 산스 Medium" panose="02000000000000000000" pitchFamily="50" charset="-127"/>
-                <a:ea typeface="G마켓 산스 Medium" panose="02000000000000000000" pitchFamily="50" charset="-127"/>
-              </a:rPr>
-              <a:t>그래서 이중에서 </a:t>
-            </a:r>
-            <a:r>
-              <a:rPr lang="en-US" altLang="ko-KR" sz="3600" dirty="0">
-                <a:solidFill>
-                  <a:srgbClr val="4D4848"/>
-                </a:solidFill>
-                <a:latin typeface="G마켓 산스 Medium" panose="02000000000000000000" pitchFamily="50" charset="-127"/>
-                <a:ea typeface="G마켓 산스 Medium" panose="02000000000000000000" pitchFamily="50" charset="-127"/>
-              </a:rPr>
-              <a:t>400</a:t>
-            </a:r>
-            <a:r>
-              <a:rPr lang="ko-KR" altLang="en-US" sz="3600" dirty="0">
-                <a:solidFill>
-                  <a:srgbClr val="4D4848"/>
-                </a:solidFill>
-                <a:latin typeface="G마켓 산스 Medium" panose="02000000000000000000" pitchFamily="50" charset="-127"/>
-                <a:ea typeface="G마켓 산스 Medium" panose="02000000000000000000" pitchFamily="50" charset="-127"/>
-              </a:rPr>
-              <a:t>으로 나누어 떨어지는 해는</a:t>
-            </a:r>
-            <a:r>
-              <a:rPr lang="en-US" altLang="ko-KR" sz="3600" dirty="0">
-                <a:solidFill>
-                  <a:srgbClr val="4D4848"/>
-                </a:solidFill>
-                <a:latin typeface="G마켓 산스 Medium" panose="02000000000000000000" pitchFamily="50" charset="-127"/>
-                <a:ea typeface="G마켓 산스 Medium" panose="02000000000000000000" pitchFamily="50" charset="-127"/>
-              </a:rPr>
-              <a:t> </a:t>
-            </a:r>
-            <a:r>
-              <a:rPr lang="ko-KR" altLang="en-US" sz="3600" dirty="0">
-                <a:solidFill>
-                  <a:srgbClr val="4D4848"/>
-                </a:solidFill>
-                <a:latin typeface="G마켓 산스 Medium" panose="02000000000000000000" pitchFamily="50" charset="-127"/>
-                <a:ea typeface="G마켓 산스 Medium" panose="02000000000000000000" pitchFamily="50" charset="-127"/>
-              </a:rPr>
-              <a:t>다시 윤년으로 정했다</a:t>
-            </a:r>
-            <a:r>
-              <a:rPr lang="en-US" altLang="ko-KR" sz="3600" dirty="0">
-                <a:solidFill>
-                  <a:srgbClr val="4D4848"/>
-                </a:solidFill>
-                <a:latin typeface="G마켓 산스 Medium" panose="02000000000000000000" pitchFamily="50" charset="-127"/>
-                <a:ea typeface="G마켓 산스 Medium" panose="02000000000000000000" pitchFamily="50" charset="-127"/>
-              </a:rPr>
-              <a:t>.</a:t>
-            </a:r>
-          </a:p>
-        </p:txBody>
-      </p:sp>
-      <p:pic>
-        <p:nvPicPr>
-          <p:cNvPr id="4" name="그림 3"/>
-          <p:cNvPicPr>
-            <a:picLocks noChangeAspect="1"/>
-          </p:cNvPicPr>
-          <p:nvPr/>
-        </p:nvPicPr>
-        <p:blipFill>
-          <a:blip r:embed="rId2"/>
-          <a:stretch>
-            <a:fillRect/>
-          </a:stretch>
-        </p:blipFill>
-        <p:spPr>
-          <a:xfrm>
-            <a:off x="914400" y="4762500"/>
-            <a:ext cx="5334887" cy="2057400"/>
-          </a:xfrm>
-          <a:prstGeom prst="rect">
-            <a:avLst/>
-          </a:prstGeom>
-        </p:spPr>
-      </p:pic>
-      <p:pic>
-        <p:nvPicPr>
-          <p:cNvPr id="2" name="그림 1"/>
-          <p:cNvPicPr>
-            <a:picLocks noChangeAspect="1"/>
-          </p:cNvPicPr>
-          <p:nvPr/>
-        </p:nvPicPr>
-        <p:blipFill>
-          <a:blip r:embed="rId3"/>
-          <a:stretch>
-            <a:fillRect/>
-          </a:stretch>
-        </p:blipFill>
-        <p:spPr>
-          <a:xfrm>
-            <a:off x="6781799" y="4778828"/>
-            <a:ext cx="3435803" cy="2041071"/>
-          </a:xfrm>
-          <a:prstGeom prst="rect">
-            <a:avLst/>
-          </a:prstGeom>
-        </p:spPr>
-      </p:pic>
-      <p:pic>
-        <p:nvPicPr>
-          <p:cNvPr id="5" name="그림 4"/>
-          <p:cNvPicPr>
-            <a:picLocks noChangeAspect="1"/>
-          </p:cNvPicPr>
-          <p:nvPr/>
-        </p:nvPicPr>
-        <p:blipFill>
-          <a:blip r:embed="rId4"/>
-          <a:stretch>
-            <a:fillRect/>
-          </a:stretch>
-        </p:blipFill>
-        <p:spPr>
-          <a:xfrm>
-            <a:off x="10750114" y="4800599"/>
-            <a:ext cx="4185086" cy="2070043"/>
-          </a:xfrm>
-          <a:prstGeom prst="rect">
-            <a:avLst/>
-          </a:prstGeom>
-        </p:spPr>
-      </p:pic>
-    </p:spTree>
-    <p:extLst>
-      <p:ext uri="{BB962C8B-B14F-4D97-AF65-F5344CB8AC3E}">
-        <p14:creationId xmlns:p14="http://schemas.microsoft.com/office/powerpoint/2010/main" val="3096372998"/>
-      </p:ext>
-    </p:extLst>
-  </p:cSld>
-  <p:clrMapOvr>
-    <a:masterClrMapping/>
-  </p:clrMapOvr>
-</p:sld>
-</file>
-
-<file path=ppt/slides/slide54.xml><?xml version="1.0" encoding="utf-8"?>
+<file path=ppt/slides/slide5.xml><?xml version="1.0" encoding="utf-8"?>
 <p:sld xmlns:a="http://schemas.openxmlformats.org/drawingml/2006/main" xmlns:r="http://schemas.openxmlformats.org/officeDocument/2006/relationships" xmlns:p="http://schemas.openxmlformats.org/presentationml/2006/main">
   <p:cSld>
     <p:spTree>
@@ -26334,44 +24841,527 @@
         </p:blipFill>
         <p:spPr>
           <a:xfrm>
-            <a:off x="4038600" y="2324100"/>
-            <a:ext cx="9242392" cy="4419600"/>
+            <a:off x="3733800" y="1866900"/>
+            <a:ext cx="9836912" cy="3581400"/>
           </a:xfrm>
           <a:prstGeom prst="rect">
             <a:avLst/>
           </a:prstGeom>
         </p:spPr>
       </p:pic>
+      <p:sp>
+        <p:nvSpPr>
+          <p:cNvPr id="6" name="TextBox 5">
+            <a:extLst>
+              <a:ext uri="{FF2B5EF4-FFF2-40B4-BE49-F238E27FC236}">
+                <a16:creationId xmlns="" xmlns:a16="http://schemas.microsoft.com/office/drawing/2014/main" id="{5ADC00B6-990A-40DC-3CEA-505258F5E8DA}"/>
+              </a:ext>
+            </a:extLst>
+          </p:cNvPr>
+          <p:cNvSpPr txBox="1"/>
+          <p:nvPr/>
+        </p:nvSpPr>
+        <p:spPr>
+          <a:xfrm>
+            <a:off x="990600" y="315604"/>
+            <a:ext cx="1752600" cy="830997"/>
+          </a:xfrm>
+          <a:prstGeom prst="rect">
+            <a:avLst/>
+          </a:prstGeom>
+          <a:noFill/>
+        </p:spPr>
+        <p:txBody>
+          <a:bodyPr wrap="square" rtlCol="0">
+            <a:spAutoFit/>
+          </a:bodyPr>
+          <a:lstStyle/>
+          <a:p>
+            <a:r>
+              <a:rPr lang="en-US" altLang="ko-KR" sz="4800" dirty="0">
+                <a:solidFill>
+                  <a:srgbClr val="4C50BC"/>
+                </a:solidFill>
+                <a:latin typeface="G마켓 산스 Medium" panose="02000000000000000000" pitchFamily="50" charset="-127"/>
+                <a:ea typeface="G마켓 산스 Medium" panose="02000000000000000000" pitchFamily="50" charset="-127"/>
+              </a:rPr>
+              <a:t>if</a:t>
+            </a:r>
+            <a:r>
+              <a:rPr lang="ko-KR" altLang="en-US" sz="4800" dirty="0">
+                <a:solidFill>
+                  <a:srgbClr val="4C50BC"/>
+                </a:solidFill>
+                <a:latin typeface="G마켓 산스 Medium" panose="02000000000000000000" pitchFamily="50" charset="-127"/>
+                <a:ea typeface="G마켓 산스 Medium" panose="02000000000000000000" pitchFamily="50" charset="-127"/>
+              </a:rPr>
+              <a:t>문</a:t>
+            </a:r>
+            <a:endParaRPr lang="en-US" altLang="ko-KR" sz="4800" dirty="0">
+              <a:solidFill>
+                <a:srgbClr val="4C50BC"/>
+              </a:solidFill>
+              <a:latin typeface="G마켓 산스 Medium" panose="02000000000000000000" pitchFamily="50" charset="-127"/>
+              <a:ea typeface="G마켓 산스 Medium" panose="02000000000000000000" pitchFamily="50" charset="-127"/>
+            </a:endParaRPr>
+          </a:p>
+        </p:txBody>
+      </p:sp>
       <p:pic>
         <p:nvPicPr>
-          <p:cNvPr id="5" name="그림 4"/>
+          <p:cNvPr id="7" name="그림 6"/>
           <p:cNvPicPr>
             <a:picLocks noChangeAspect="1"/>
           </p:cNvPicPr>
           <p:nvPr/>
         </p:nvPicPr>
         <p:blipFill>
-          <a:blip r:embed="rId3">
-            <a:extLst>
-              <a:ext uri="{BEBA8EAE-BF5A-486C-A8C5-ECC9F3942E4B}">
-                <a14:imgProps xmlns:a14="http://schemas.microsoft.com/office/drawing/2010/main">
-                  <a14:imgLayer r:embed="rId4">
-                    <a14:imgEffect>
-                      <a14:artisticBlur radius="25"/>
-                    </a14:imgEffect>
-                  </a14:imgLayer>
-                </a14:imgProps>
-              </a:ext>
-            </a:extLst>
-          </a:blip>
+          <a:blip r:embed="rId3"/>
           <a:stretch>
             <a:fillRect/>
           </a:stretch>
         </p:blipFill>
         <p:spPr>
           <a:xfrm>
-            <a:off x="4038600" y="2324100"/>
-            <a:ext cx="9242392" cy="4419600"/>
+            <a:off x="3733800" y="5676900"/>
+            <a:ext cx="9836727" cy="2743200"/>
+          </a:xfrm>
+          <a:prstGeom prst="rect">
+            <a:avLst/>
+          </a:prstGeom>
+        </p:spPr>
+      </p:pic>
+      <p:sp>
+        <p:nvSpPr>
+          <p:cNvPr id="8" name="TextBox 7">
+            <a:extLst>
+              <a:ext uri="{FF2B5EF4-FFF2-40B4-BE49-F238E27FC236}">
+                <a16:creationId xmlns="" xmlns:a16="http://schemas.microsoft.com/office/drawing/2014/main" id="{5ADC00B6-990A-40DC-3CEA-505258F5E8DA}"/>
+              </a:ext>
+            </a:extLst>
+          </p:cNvPr>
+          <p:cNvSpPr txBox="1"/>
+          <p:nvPr/>
+        </p:nvSpPr>
+        <p:spPr>
+          <a:xfrm>
+            <a:off x="1371600" y="8724900"/>
+            <a:ext cx="13944600" cy="830997"/>
+          </a:xfrm>
+          <a:prstGeom prst="rect">
+            <a:avLst/>
+          </a:prstGeom>
+          <a:noFill/>
+        </p:spPr>
+        <p:txBody>
+          <a:bodyPr wrap="square" rtlCol="0">
+            <a:spAutoFit/>
+          </a:bodyPr>
+          <a:lstStyle/>
+          <a:p>
+            <a:r>
+              <a:rPr lang="ko-KR" altLang="en-US" sz="4800" dirty="0">
+                <a:solidFill>
+                  <a:srgbClr val="FF0000"/>
+                </a:solidFill>
+                <a:latin typeface="G마켓 산스 Medium" panose="02000000000000000000" pitchFamily="50" charset="-127"/>
+                <a:ea typeface="G마켓 산스 Medium" panose="02000000000000000000" pitchFamily="50" charset="-127"/>
+              </a:rPr>
+              <a:t>조건식의 결과가 반드시 </a:t>
+            </a:r>
+            <a:r>
+              <a:rPr lang="en-US" altLang="ko-KR" sz="4800" dirty="0">
+                <a:solidFill>
+                  <a:srgbClr val="FF0000"/>
+                </a:solidFill>
+                <a:latin typeface="G마켓 산스 Medium" panose="02000000000000000000" pitchFamily="50" charset="-127"/>
+                <a:ea typeface="G마켓 산스 Medium" panose="02000000000000000000" pitchFamily="50" charset="-127"/>
+              </a:rPr>
+              <a:t>true, false</a:t>
+            </a:r>
+            <a:r>
+              <a:rPr lang="ko-KR" altLang="en-US" sz="4800" dirty="0">
+                <a:solidFill>
+                  <a:srgbClr val="FF0000"/>
+                </a:solidFill>
+                <a:latin typeface="G마켓 산스 Medium" panose="02000000000000000000" pitchFamily="50" charset="-127"/>
+                <a:ea typeface="G마켓 산스 Medium" panose="02000000000000000000" pitchFamily="50" charset="-127"/>
+              </a:rPr>
+              <a:t>로 나와야 한다</a:t>
+            </a:r>
+            <a:r>
+              <a:rPr lang="en-US" altLang="ko-KR" sz="4800" dirty="0">
+                <a:solidFill>
+                  <a:srgbClr val="FF0000"/>
+                </a:solidFill>
+                <a:latin typeface="G마켓 산스 Medium" panose="02000000000000000000" pitchFamily="50" charset="-127"/>
+                <a:ea typeface="G마켓 산스 Medium" panose="02000000000000000000" pitchFamily="50" charset="-127"/>
+              </a:rPr>
+              <a:t>.</a:t>
+            </a:r>
+          </a:p>
+        </p:txBody>
+      </p:sp>
+      <p:sp>
+        <p:nvSpPr>
+          <p:cNvPr id="2" name="직사각형 1">
+            <a:extLst>
+              <a:ext uri="{FF2B5EF4-FFF2-40B4-BE49-F238E27FC236}">
+                <a16:creationId xmlns="" xmlns:a16="http://schemas.microsoft.com/office/drawing/2014/main" id="{BF61AA2F-FC5E-7F2C-C9C8-D1BDA4B4DDC9}"/>
+              </a:ext>
+            </a:extLst>
+          </p:cNvPr>
+          <p:cNvSpPr/>
+          <p:nvPr/>
+        </p:nvSpPr>
+        <p:spPr>
+          <a:xfrm>
+            <a:off x="4648200" y="3393538"/>
+            <a:ext cx="1295400" cy="457200"/>
+          </a:xfrm>
+          <a:prstGeom prst="rect">
+            <a:avLst/>
+          </a:prstGeom>
+          <a:noFill/>
+          <a:ln>
+            <a:solidFill>
+              <a:srgbClr val="FF0000"/>
+            </a:solidFill>
+          </a:ln>
+        </p:spPr>
+        <p:style>
+          <a:lnRef idx="2">
+            <a:schemeClr val="accent2">
+              <a:shade val="50000"/>
+            </a:schemeClr>
+          </a:lnRef>
+          <a:fillRef idx="1">
+            <a:schemeClr val="accent2"/>
+          </a:fillRef>
+          <a:effectRef idx="0">
+            <a:schemeClr val="accent2"/>
+          </a:effectRef>
+          <a:fontRef idx="minor">
+            <a:schemeClr val="lt1"/>
+          </a:fontRef>
+        </p:style>
+        <p:txBody>
+          <a:bodyPr rtlCol="0" anchor="ctr"/>
+          <a:lstStyle/>
+          <a:p>
+            <a:pPr algn="ctr"/>
+            <a:endParaRPr lang="ko-KR" altLang="en-US"/>
+          </a:p>
+        </p:txBody>
+      </p:sp>
+      <p:sp>
+        <p:nvSpPr>
+          <p:cNvPr id="3" name="직사각형 2">
+            <a:extLst>
+              <a:ext uri="{FF2B5EF4-FFF2-40B4-BE49-F238E27FC236}">
+                <a16:creationId xmlns="" xmlns:a16="http://schemas.microsoft.com/office/drawing/2014/main" id="{CAA79CE9-4A17-118A-F504-269CB1A61696}"/>
+              </a:ext>
+            </a:extLst>
+          </p:cNvPr>
+          <p:cNvSpPr/>
+          <p:nvPr/>
+        </p:nvSpPr>
+        <p:spPr>
+          <a:xfrm>
+            <a:off x="4800600" y="6057900"/>
+            <a:ext cx="4267200" cy="457200"/>
+          </a:xfrm>
+          <a:prstGeom prst="rect">
+            <a:avLst/>
+          </a:prstGeom>
+          <a:noFill/>
+          <a:ln>
+            <a:solidFill>
+              <a:srgbClr val="FF0000"/>
+            </a:solidFill>
+          </a:ln>
+        </p:spPr>
+        <p:style>
+          <a:lnRef idx="2">
+            <a:schemeClr val="accent2">
+              <a:shade val="50000"/>
+            </a:schemeClr>
+          </a:lnRef>
+          <a:fillRef idx="1">
+            <a:schemeClr val="accent2"/>
+          </a:fillRef>
+          <a:effectRef idx="0">
+            <a:schemeClr val="accent2"/>
+          </a:effectRef>
+          <a:fontRef idx="minor">
+            <a:schemeClr val="lt1"/>
+          </a:fontRef>
+        </p:style>
+        <p:txBody>
+          <a:bodyPr rtlCol="0" anchor="ctr"/>
+          <a:lstStyle/>
+          <a:p>
+            <a:pPr algn="ctr"/>
+            <a:endParaRPr lang="ko-KR" altLang="en-US"/>
+          </a:p>
+        </p:txBody>
+      </p:sp>
+      <p:sp>
+        <p:nvSpPr>
+          <p:cNvPr id="5" name="TextBox 4">
+            <a:extLst>
+              <a:ext uri="{FF2B5EF4-FFF2-40B4-BE49-F238E27FC236}">
+                <a16:creationId xmlns="" xmlns:a16="http://schemas.microsoft.com/office/drawing/2014/main" id="{66644A92-C6C7-5191-5F38-E5C8FD2009E9}"/>
+              </a:ext>
+            </a:extLst>
+          </p:cNvPr>
+          <p:cNvSpPr txBox="1"/>
+          <p:nvPr/>
+        </p:nvSpPr>
+        <p:spPr>
+          <a:xfrm>
+            <a:off x="2461143" y="854214"/>
+            <a:ext cx="15293457" cy="707886"/>
+          </a:xfrm>
+          <a:prstGeom prst="rect">
+            <a:avLst/>
+          </a:prstGeom>
+          <a:noFill/>
+        </p:spPr>
+        <p:txBody>
+          <a:bodyPr wrap="square" rtlCol="0">
+            <a:spAutoFit/>
+          </a:bodyPr>
+          <a:lstStyle/>
+          <a:p>
+            <a:r>
+              <a:rPr lang="ko-KR" altLang="en-US" sz="4000" dirty="0">
+                <a:solidFill>
+                  <a:schemeClr val="tx1">
+                    <a:lumMod val="50000"/>
+                    <a:lumOff val="50000"/>
+                  </a:schemeClr>
+                </a:solidFill>
+                <a:latin typeface="G마켓 산스 Medium" panose="02000000000000000000" pitchFamily="50" charset="-127"/>
+                <a:ea typeface="G마켓 산스 Medium" panose="02000000000000000000" pitchFamily="50" charset="-127"/>
+              </a:rPr>
+              <a:t>괄호 내부의 조건식이 </a:t>
+            </a:r>
+            <a:r>
+              <a:rPr lang="en-US" altLang="ko-KR" sz="4000" dirty="0">
+                <a:solidFill>
+                  <a:schemeClr val="tx1">
+                    <a:lumMod val="50000"/>
+                    <a:lumOff val="50000"/>
+                  </a:schemeClr>
+                </a:solidFill>
+                <a:latin typeface="G마켓 산스 Medium" panose="02000000000000000000" pitchFamily="50" charset="-127"/>
+                <a:ea typeface="G마켓 산스 Medium" panose="02000000000000000000" pitchFamily="50" charset="-127"/>
+              </a:rPr>
+              <a:t>true </a:t>
+            </a:r>
+            <a:r>
+              <a:rPr lang="ko-KR" altLang="en-US" sz="4000" dirty="0">
+                <a:solidFill>
+                  <a:schemeClr val="tx1">
+                    <a:lumMod val="50000"/>
+                    <a:lumOff val="50000"/>
+                  </a:schemeClr>
+                </a:solidFill>
+                <a:latin typeface="G마켓 산스 Medium" panose="02000000000000000000" pitchFamily="50" charset="-127"/>
+                <a:ea typeface="G마켓 산스 Medium" panose="02000000000000000000" pitchFamily="50" charset="-127"/>
+              </a:rPr>
+              <a:t>일 경우 내부가 실행되는 </a:t>
+            </a:r>
+            <a:r>
+              <a:rPr lang="ko-KR" altLang="en-US" sz="4000" dirty="0" err="1">
+                <a:solidFill>
+                  <a:schemeClr val="tx1">
+                    <a:lumMod val="50000"/>
+                    <a:lumOff val="50000"/>
+                  </a:schemeClr>
+                </a:solidFill>
+                <a:latin typeface="G마켓 산스 Medium" panose="02000000000000000000" pitchFamily="50" charset="-127"/>
+                <a:ea typeface="G마켓 산스 Medium" panose="02000000000000000000" pitchFamily="50" charset="-127"/>
+              </a:rPr>
+              <a:t>분기문</a:t>
+            </a:r>
+            <a:endParaRPr lang="en-US" altLang="ko-KR" sz="4000" dirty="0">
+              <a:solidFill>
+                <a:schemeClr val="tx1">
+                  <a:lumMod val="50000"/>
+                  <a:lumOff val="50000"/>
+                </a:schemeClr>
+              </a:solidFill>
+              <a:latin typeface="G마켓 산스 Medium" panose="02000000000000000000" pitchFamily="50" charset="-127"/>
+              <a:ea typeface="G마켓 산스 Medium" panose="02000000000000000000" pitchFamily="50" charset="-127"/>
+            </a:endParaRPr>
+          </a:p>
+        </p:txBody>
+      </p:sp>
+    </p:spTree>
+    <p:extLst>
+      <p:ext uri="{BB962C8B-B14F-4D97-AF65-F5344CB8AC3E}">
+        <p14:creationId xmlns:p14="http://schemas.microsoft.com/office/powerpoint/2010/main" val="3609099598"/>
+      </p:ext>
+    </p:extLst>
+  </p:cSld>
+  <p:clrMapOvr>
+    <a:masterClrMapping/>
+  </p:clrMapOvr>
+</p:sld>
+</file>
+
+<file path=ppt/slides/slide50.xml><?xml version="1.0" encoding="utf-8"?>
+<p:sld xmlns:a="http://schemas.openxmlformats.org/drawingml/2006/main" xmlns:r="http://schemas.openxmlformats.org/officeDocument/2006/relationships" xmlns:p="http://schemas.openxmlformats.org/presentationml/2006/main">
+  <p:cSld>
+    <p:spTree>
+      <p:nvGrpSpPr>
+        <p:cNvPr id="1" name=""/>
+        <p:cNvGrpSpPr/>
+        <p:nvPr/>
+      </p:nvGrpSpPr>
+      <p:grpSpPr>
+        <a:xfrm>
+          <a:off x="0" y="0"/>
+          <a:ext cx="0" cy="0"/>
+          <a:chOff x="0" y="0"/>
+          <a:chExt cx="0" cy="0"/>
+        </a:xfrm>
+      </p:grpSpPr>
+      <p:sp>
+        <p:nvSpPr>
+          <p:cNvPr id="5" name="TextBox 4">
+            <a:extLst>
+              <a:ext uri="{FF2B5EF4-FFF2-40B4-BE49-F238E27FC236}">
+                <a16:creationId xmlns="" xmlns:a16="http://schemas.microsoft.com/office/drawing/2014/main" id="{4EDAA912-8FA0-0F11-119B-EA9F8B36A489}"/>
+              </a:ext>
+            </a:extLst>
+          </p:cNvPr>
+          <p:cNvSpPr txBox="1"/>
+          <p:nvPr/>
+        </p:nvSpPr>
+        <p:spPr>
+          <a:xfrm>
+            <a:off x="990600" y="647700"/>
+            <a:ext cx="13260233" cy="646331"/>
+          </a:xfrm>
+          <a:prstGeom prst="rect">
+            <a:avLst/>
+          </a:prstGeom>
+          <a:noFill/>
+        </p:spPr>
+        <p:txBody>
+          <a:bodyPr wrap="none" rtlCol="0">
+            <a:spAutoFit/>
+          </a:bodyPr>
+          <a:lstStyle/>
+          <a:p>
+            <a:r>
+              <a:rPr lang="en-US" altLang="ko-KR" sz="3600" dirty="0">
+                <a:solidFill>
+                  <a:srgbClr val="4C50BC"/>
+                </a:solidFill>
+                <a:latin typeface="G마켓 산스 Medium" panose="02000000000000000000" pitchFamily="50" charset="-127"/>
+                <a:ea typeface="G마켓 산스 Medium" panose="02000000000000000000" pitchFamily="50" charset="-127"/>
+              </a:rPr>
+              <a:t>2. </a:t>
+            </a:r>
+            <a:r>
+              <a:rPr lang="ko-KR" altLang="en-US" sz="3600" dirty="0">
+                <a:solidFill>
+                  <a:srgbClr val="4C50BC"/>
+                </a:solidFill>
+                <a:latin typeface="G마켓 산스 Medium" panose="02000000000000000000" pitchFamily="50" charset="-127"/>
+                <a:ea typeface="G마켓 산스 Medium" panose="02000000000000000000" pitchFamily="50" charset="-127"/>
+              </a:rPr>
+              <a:t>숫자 </a:t>
+            </a:r>
+            <a:r>
+              <a:rPr lang="en-US" altLang="ko-KR" sz="3600" dirty="0">
+                <a:solidFill>
+                  <a:srgbClr val="4C50BC"/>
+                </a:solidFill>
+                <a:latin typeface="G마켓 산스 Medium" panose="02000000000000000000" pitchFamily="50" charset="-127"/>
+                <a:ea typeface="G마켓 산스 Medium" panose="02000000000000000000" pitchFamily="50" charset="-127"/>
+              </a:rPr>
+              <a:t>3</a:t>
+            </a:r>
+            <a:r>
+              <a:rPr lang="ko-KR" altLang="en-US" sz="3600" dirty="0">
+                <a:solidFill>
+                  <a:srgbClr val="4C50BC"/>
+                </a:solidFill>
+                <a:latin typeface="G마켓 산스 Medium" panose="02000000000000000000" pitchFamily="50" charset="-127"/>
+                <a:ea typeface="G마켓 산스 Medium" panose="02000000000000000000" pitchFamily="50" charset="-127"/>
+              </a:rPr>
+              <a:t>개를 입력 받아 중간 크기의 숫자를 출력 </a:t>
+            </a:r>
+            <a:r>
+              <a:rPr lang="ko-KR" altLang="en-US" sz="3600" dirty="0" err="1">
+                <a:solidFill>
+                  <a:srgbClr val="4C50BC"/>
+                </a:solidFill>
+                <a:latin typeface="G마켓 산스 Medium" panose="02000000000000000000" pitchFamily="50" charset="-127"/>
+                <a:ea typeface="G마켓 산스 Medium" panose="02000000000000000000" pitchFamily="50" charset="-127"/>
+              </a:rPr>
+              <a:t>하시오</a:t>
+            </a:r>
+            <a:r>
+              <a:rPr lang="en-US" altLang="ko-KR" sz="3600" dirty="0">
+                <a:solidFill>
+                  <a:srgbClr val="FF0000"/>
+                </a:solidFill>
+                <a:latin typeface="G마켓 산스 Medium" panose="02000000000000000000" pitchFamily="50" charset="-127"/>
+                <a:ea typeface="G마켓 산스 Medium" panose="02000000000000000000" pitchFamily="50" charset="-127"/>
+              </a:rPr>
+              <a:t>(Hard)</a:t>
+            </a:r>
+          </a:p>
+        </p:txBody>
+      </p:sp>
+      <p:pic>
+        <p:nvPicPr>
+          <p:cNvPr id="6" name="그림 5"/>
+          <p:cNvPicPr>
+            <a:picLocks noChangeAspect="1"/>
+          </p:cNvPicPr>
+          <p:nvPr/>
+        </p:nvPicPr>
+        <p:blipFill>
+          <a:blip r:embed="rId3"/>
+          <a:stretch>
+            <a:fillRect/>
+          </a:stretch>
+        </p:blipFill>
+        <p:spPr>
+          <a:xfrm>
+            <a:off x="1524000" y="1485900"/>
+            <a:ext cx="11400236" cy="2150988"/>
+          </a:xfrm>
+          <a:prstGeom prst="rect">
+            <a:avLst/>
+          </a:prstGeom>
+        </p:spPr>
+      </p:pic>
+      <p:pic>
+        <p:nvPicPr>
+          <p:cNvPr id="3" name="그림 2"/>
+          <p:cNvPicPr>
+            <a:picLocks noChangeAspect="1"/>
+          </p:cNvPicPr>
+          <p:nvPr/>
+        </p:nvPicPr>
+        <p:blipFill>
+          <a:blip r:embed="rId4"/>
+          <a:stretch>
+            <a:fillRect/>
+          </a:stretch>
+        </p:blipFill>
+        <p:spPr>
+          <a:xfrm>
+            <a:off x="1507588" y="4152900"/>
+            <a:ext cx="4114800" cy="3288397"/>
           </a:xfrm>
           <a:prstGeom prst="rect">
             <a:avLst/>
@@ -26381,7 +25371,226 @@
     </p:spTree>
     <p:extLst>
       <p:ext uri="{BB962C8B-B14F-4D97-AF65-F5344CB8AC3E}">
-        <p14:creationId xmlns:p14="http://schemas.microsoft.com/office/powerpoint/2010/main" val="1008798583"/>
+        <p14:creationId xmlns:p14="http://schemas.microsoft.com/office/powerpoint/2010/main" val="1664884387"/>
+      </p:ext>
+    </p:extLst>
+  </p:cSld>
+  <p:clrMapOvr>
+    <a:masterClrMapping/>
+  </p:clrMapOvr>
+  <p:timing>
+    <p:tnLst>
+      <p:par>
+        <p:cTn id="1" dur="indefinite" restart="never" nodeType="tmRoot"/>
+      </p:par>
+    </p:tnLst>
+  </p:timing>
+</p:sld>
+</file>
+
+<file path=ppt/slides/slide51.xml><?xml version="1.0" encoding="utf-8"?>
+<p:sld xmlns:a="http://schemas.openxmlformats.org/drawingml/2006/main" xmlns:r="http://schemas.openxmlformats.org/officeDocument/2006/relationships" xmlns:p="http://schemas.openxmlformats.org/presentationml/2006/main">
+  <p:cSld>
+    <p:spTree>
+      <p:nvGrpSpPr>
+        <p:cNvPr id="1" name=""/>
+        <p:cNvGrpSpPr/>
+        <p:nvPr/>
+      </p:nvGrpSpPr>
+      <p:grpSpPr>
+        <a:xfrm>
+          <a:off x="0" y="0"/>
+          <a:ext cx="0" cy="0"/>
+          <a:chOff x="0" y="0"/>
+          <a:chExt cx="0" cy="0"/>
+        </a:xfrm>
+      </p:grpSpPr>
+      <p:pic>
+        <p:nvPicPr>
+          <p:cNvPr id="2" name="그림 1"/>
+          <p:cNvPicPr>
+            <a:picLocks noChangeAspect="1"/>
+          </p:cNvPicPr>
+          <p:nvPr/>
+        </p:nvPicPr>
+        <p:blipFill>
+          <a:blip r:embed="rId2"/>
+          <a:stretch>
+            <a:fillRect/>
+          </a:stretch>
+        </p:blipFill>
+        <p:spPr>
+          <a:xfrm>
+            <a:off x="2590800" y="114300"/>
+            <a:ext cx="8842929" cy="10213290"/>
+          </a:xfrm>
+          <a:prstGeom prst="rect">
+            <a:avLst/>
+          </a:prstGeom>
+        </p:spPr>
+      </p:pic>
+      <p:sp>
+        <p:nvSpPr>
+          <p:cNvPr id="4" name="TextBox 3">
+            <a:extLst>
+              <a:ext uri="{FF2B5EF4-FFF2-40B4-BE49-F238E27FC236}">
+                <a16:creationId xmlns="" xmlns:a16="http://schemas.microsoft.com/office/drawing/2014/main" id="{83984F9D-D038-272E-E4BC-9D066CE2DFB5}"/>
+              </a:ext>
+            </a:extLst>
+          </p:cNvPr>
+          <p:cNvSpPr txBox="1"/>
+          <p:nvPr/>
+        </p:nvSpPr>
+        <p:spPr>
+          <a:xfrm>
+            <a:off x="381000" y="190499"/>
+            <a:ext cx="1665841" cy="1015663"/>
+          </a:xfrm>
+          <a:prstGeom prst="rect">
+            <a:avLst/>
+          </a:prstGeom>
+          <a:noFill/>
+        </p:spPr>
+        <p:txBody>
+          <a:bodyPr wrap="none" rtlCol="0">
+            <a:spAutoFit/>
+          </a:bodyPr>
+          <a:lstStyle/>
+          <a:p>
+            <a:r>
+              <a:rPr lang="ko-KR" altLang="en-US" sz="6000" dirty="0">
+                <a:solidFill>
+                  <a:srgbClr val="4C50BB"/>
+                </a:solidFill>
+                <a:latin typeface="G마켓 산스 TTF Bold" panose="02000000000000000000" pitchFamily="2" charset="-127"/>
+                <a:ea typeface="G마켓 산스 TTF Bold" panose="02000000000000000000" pitchFamily="2" charset="-127"/>
+              </a:rPr>
+              <a:t>해설</a:t>
+            </a:r>
+            <a:endParaRPr lang="ko-KR" altLang="en-US" sz="800" dirty="0">
+              <a:solidFill>
+                <a:srgbClr val="4C50BB"/>
+              </a:solidFill>
+              <a:latin typeface="G마켓 산스 TTF Bold" panose="02000000000000000000" pitchFamily="2" charset="-127"/>
+              <a:ea typeface="G마켓 산스 TTF Bold" panose="02000000000000000000" pitchFamily="2" charset="-127"/>
+            </a:endParaRPr>
+          </a:p>
+        </p:txBody>
+      </p:sp>
+      <p:sp>
+        <p:nvSpPr>
+          <p:cNvPr id="9" name="TextBox 8">
+            <a:extLst>
+              <a:ext uri="{FF2B5EF4-FFF2-40B4-BE49-F238E27FC236}">
+                <a16:creationId xmlns="" xmlns:a16="http://schemas.microsoft.com/office/drawing/2014/main" id="{A4AFFC7D-6AFD-C2ED-675E-E87E46453D59}"/>
+              </a:ext>
+            </a:extLst>
+          </p:cNvPr>
+          <p:cNvSpPr txBox="1"/>
+          <p:nvPr/>
+        </p:nvSpPr>
+        <p:spPr>
+          <a:xfrm>
+            <a:off x="10591800" y="698331"/>
+            <a:ext cx="7086600" cy="646331"/>
+          </a:xfrm>
+          <a:prstGeom prst="rect">
+            <a:avLst/>
+          </a:prstGeom>
+          <a:noFill/>
+        </p:spPr>
+        <p:txBody>
+          <a:bodyPr wrap="square" rtlCol="0">
+            <a:spAutoFit/>
+          </a:bodyPr>
+          <a:lstStyle/>
+          <a:p>
+            <a:r>
+              <a:rPr lang="ko-KR" altLang="en-US" sz="3600" smtClean="0">
+                <a:solidFill>
+                  <a:srgbClr val="FF0000"/>
+                </a:solidFill>
+                <a:latin typeface="G마켓 산스 Medium" panose="02000000000000000000" pitchFamily="50" charset="-127"/>
+                <a:ea typeface="G마켓 산스 Medium" panose="02000000000000000000" pitchFamily="50" charset="-127"/>
+              </a:rPr>
+              <a:t>모든 경우의 수를 다 비교 해본다</a:t>
+            </a:r>
+            <a:r>
+              <a:rPr lang="en-US" altLang="ko-KR" sz="3600" smtClean="0">
+                <a:solidFill>
+                  <a:srgbClr val="FF0000"/>
+                </a:solidFill>
+                <a:latin typeface="G마켓 산스 Medium" panose="02000000000000000000" pitchFamily="50" charset="-127"/>
+                <a:ea typeface="G마켓 산스 Medium" panose="02000000000000000000" pitchFamily="50" charset="-127"/>
+              </a:rPr>
+              <a:t>.</a:t>
+            </a:r>
+            <a:endParaRPr lang="en-US" altLang="ko-KR" sz="3600" dirty="0">
+              <a:solidFill>
+                <a:srgbClr val="FF0000"/>
+              </a:solidFill>
+              <a:latin typeface="G마켓 산스 Medium" panose="02000000000000000000" pitchFamily="50" charset="-127"/>
+              <a:ea typeface="G마켓 산스 Medium" panose="02000000000000000000" pitchFamily="50" charset="-127"/>
+            </a:endParaRPr>
+          </a:p>
+        </p:txBody>
+      </p:sp>
+      <p:sp>
+        <p:nvSpPr>
+          <p:cNvPr id="10" name="직사각형 9">
+            <a:extLst>
+              <a:ext uri="{FF2B5EF4-FFF2-40B4-BE49-F238E27FC236}">
+                <a16:creationId xmlns="" xmlns:a16="http://schemas.microsoft.com/office/drawing/2014/main" id="{5399253E-3E2C-C472-9B95-0B555C6AC66D}"/>
+              </a:ext>
+            </a:extLst>
+          </p:cNvPr>
+          <p:cNvSpPr/>
+          <p:nvPr/>
+        </p:nvSpPr>
+        <p:spPr>
+          <a:xfrm>
+            <a:off x="2573215" y="0"/>
+            <a:ext cx="15105185" cy="10287000"/>
+          </a:xfrm>
+          <a:prstGeom prst="rect">
+            <a:avLst/>
+          </a:prstGeom>
+          <a:solidFill>
+            <a:schemeClr val="bg1"/>
+          </a:solidFill>
+          <a:ln>
+            <a:noFill/>
+          </a:ln>
+        </p:spPr>
+        <p:style>
+          <a:lnRef idx="2">
+            <a:schemeClr val="accent1">
+              <a:shade val="15000"/>
+            </a:schemeClr>
+          </a:lnRef>
+          <a:fillRef idx="1">
+            <a:schemeClr val="accent1"/>
+          </a:fillRef>
+          <a:effectRef idx="0">
+            <a:schemeClr val="accent1"/>
+          </a:effectRef>
+          <a:fontRef idx="minor">
+            <a:schemeClr val="lt1"/>
+          </a:fontRef>
+        </p:style>
+        <p:txBody>
+          <a:bodyPr rtlCol="0" anchor="ctr"/>
+          <a:lstStyle/>
+          <a:p>
+            <a:pPr algn="ctr"/>
+            <a:endParaRPr lang="ko-KR" altLang="en-US"/>
+          </a:p>
+        </p:txBody>
+      </p:sp>
+    </p:spTree>
+    <p:extLst>
+      <p:ext uri="{BB962C8B-B14F-4D97-AF65-F5344CB8AC3E}">
+        <p14:creationId xmlns:p14="http://schemas.microsoft.com/office/powerpoint/2010/main" val="611229983"/>
       </p:ext>
     </p:extLst>
   </p:cSld>
@@ -26409,7 +25618,7 @@
                             </p:stCondLst>
                             <p:childTnLst>
                               <p:par>
-                                <p:cTn id="5" presetID="1" presetClass="exit" presetSubtype="0" fill="hold" nodeType="clickEffect">
+                                <p:cTn id="5" presetID="1" presetClass="exit" presetSubtype="0" fill="hold" grpId="0" nodeType="clickEffect">
                                   <p:stCondLst>
                                     <p:cond delay="0"/>
                                   </p:stCondLst>
@@ -26422,7 +25631,7 @@
                                           </p:stCondLst>
                                         </p:cTn>
                                         <p:tgtEl>
-                                          <p:spTgt spid="5"/>
+                                          <p:spTgt spid="10"/>
                                         </p:tgtEl>
                                         <p:attrNameLst>
                                           <p:attrName>style.visibility</p:attrName>
@@ -26462,6 +25671,1969 @@
         </p:cTn>
       </p:par>
     </p:tnLst>
+    <p:bldLst>
+      <p:bldP spid="10" grpId="0" animBg="1"/>
+    </p:bldLst>
+  </p:timing>
+</p:sld>
+</file>
+
+<file path=ppt/slides/slide52.xml><?xml version="1.0" encoding="utf-8"?>
+<p:sld xmlns:a="http://schemas.openxmlformats.org/drawingml/2006/main" xmlns:r="http://schemas.openxmlformats.org/officeDocument/2006/relationships" xmlns:p="http://schemas.openxmlformats.org/presentationml/2006/main">
+  <p:cSld>
+    <p:spTree>
+      <p:nvGrpSpPr>
+        <p:cNvPr id="1" name=""/>
+        <p:cNvGrpSpPr/>
+        <p:nvPr/>
+      </p:nvGrpSpPr>
+      <p:grpSpPr>
+        <a:xfrm>
+          <a:off x="0" y="0"/>
+          <a:ext cx="0" cy="0"/>
+          <a:chOff x="0" y="0"/>
+          <a:chExt cx="0" cy="0"/>
+        </a:xfrm>
+      </p:grpSpPr>
+      <p:sp>
+        <p:nvSpPr>
+          <p:cNvPr id="8" name="TextBox 7">
+            <a:extLst>
+              <a:ext uri="{FF2B5EF4-FFF2-40B4-BE49-F238E27FC236}">
+                <a16:creationId xmlns="" xmlns:a16="http://schemas.microsoft.com/office/drawing/2014/main" id="{83984F9D-D038-272E-E4BC-9D066CE2DFB5}"/>
+              </a:ext>
+            </a:extLst>
+          </p:cNvPr>
+          <p:cNvSpPr txBox="1"/>
+          <p:nvPr/>
+        </p:nvSpPr>
+        <p:spPr>
+          <a:xfrm>
+            <a:off x="381000" y="190499"/>
+            <a:ext cx="1665841" cy="1015663"/>
+          </a:xfrm>
+          <a:prstGeom prst="rect">
+            <a:avLst/>
+          </a:prstGeom>
+          <a:noFill/>
+        </p:spPr>
+        <p:txBody>
+          <a:bodyPr wrap="none" rtlCol="0">
+            <a:spAutoFit/>
+          </a:bodyPr>
+          <a:lstStyle/>
+          <a:p>
+            <a:r>
+              <a:rPr lang="ko-KR" altLang="en-US" sz="6000" dirty="0">
+                <a:solidFill>
+                  <a:srgbClr val="4C50BB"/>
+                </a:solidFill>
+                <a:latin typeface="G마켓 산스 TTF Bold" panose="02000000000000000000" pitchFamily="2" charset="-127"/>
+                <a:ea typeface="G마켓 산스 TTF Bold" panose="02000000000000000000" pitchFamily="2" charset="-127"/>
+              </a:rPr>
+              <a:t>해설</a:t>
+            </a:r>
+            <a:endParaRPr lang="ko-KR" altLang="en-US" sz="800" dirty="0">
+              <a:solidFill>
+                <a:srgbClr val="4C50BB"/>
+              </a:solidFill>
+              <a:latin typeface="G마켓 산스 TTF Bold" panose="02000000000000000000" pitchFamily="2" charset="-127"/>
+              <a:ea typeface="G마켓 산스 TTF Bold" panose="02000000000000000000" pitchFamily="2" charset="-127"/>
+            </a:endParaRPr>
+          </a:p>
+        </p:txBody>
+      </p:sp>
+      <p:pic>
+        <p:nvPicPr>
+          <p:cNvPr id="2" name="그림 1"/>
+          <p:cNvPicPr>
+            <a:picLocks noChangeAspect="1"/>
+          </p:cNvPicPr>
+          <p:nvPr/>
+        </p:nvPicPr>
+        <p:blipFill>
+          <a:blip r:embed="rId2"/>
+          <a:stretch>
+            <a:fillRect/>
+          </a:stretch>
+        </p:blipFill>
+        <p:spPr>
+          <a:xfrm>
+            <a:off x="990600" y="1333500"/>
+            <a:ext cx="10972127" cy="6807370"/>
+          </a:xfrm>
+          <a:prstGeom prst="rect">
+            <a:avLst/>
+          </a:prstGeom>
+        </p:spPr>
+      </p:pic>
+      <p:sp>
+        <p:nvSpPr>
+          <p:cNvPr id="11" name="TextBox 10">
+            <a:extLst>
+              <a:ext uri="{FF2B5EF4-FFF2-40B4-BE49-F238E27FC236}">
+                <a16:creationId xmlns:a16="http://schemas.microsoft.com/office/drawing/2014/main" xmlns="" id="{C6D113C6-EA5C-788F-0C77-E7CE6EBB865F}"/>
+              </a:ext>
+            </a:extLst>
+          </p:cNvPr>
+          <p:cNvSpPr txBox="1"/>
+          <p:nvPr/>
+        </p:nvSpPr>
+        <p:spPr>
+          <a:xfrm>
+            <a:off x="9753600" y="3162300"/>
+            <a:ext cx="8001000" cy="2308324"/>
+          </a:xfrm>
+          <a:prstGeom prst="rect">
+            <a:avLst/>
+          </a:prstGeom>
+          <a:noFill/>
+        </p:spPr>
+        <p:txBody>
+          <a:bodyPr wrap="square" rtlCol="0">
+            <a:spAutoFit/>
+          </a:bodyPr>
+          <a:lstStyle/>
+          <a:p>
+            <a:r>
+              <a:rPr lang="ko-KR" altLang="en-US" sz="3600" smtClean="0">
+                <a:solidFill>
+                  <a:srgbClr val="FF0000"/>
+                </a:solidFill>
+                <a:latin typeface="G마켓 산스 Medium" panose="02000000000000000000" pitchFamily="50" charset="-127"/>
+                <a:ea typeface="G마켓 산스 Medium" panose="02000000000000000000" pitchFamily="50" charset="-127"/>
+              </a:rPr>
+              <a:t>앞서 배운 최대값</a:t>
+            </a:r>
+            <a:r>
+              <a:rPr lang="en-US" altLang="ko-KR" sz="3600" smtClean="0">
+                <a:solidFill>
+                  <a:srgbClr val="FF0000"/>
+                </a:solidFill>
+                <a:latin typeface="G마켓 산스 Medium" panose="02000000000000000000" pitchFamily="50" charset="-127"/>
+                <a:ea typeface="G마켓 산스 Medium" panose="02000000000000000000" pitchFamily="50" charset="-127"/>
+              </a:rPr>
+              <a:t>, </a:t>
+            </a:r>
+            <a:r>
+              <a:rPr lang="ko-KR" altLang="en-US" sz="3600" smtClean="0">
+                <a:solidFill>
+                  <a:srgbClr val="FF0000"/>
+                </a:solidFill>
+                <a:latin typeface="G마켓 산스 Medium" panose="02000000000000000000" pitchFamily="50" charset="-127"/>
+                <a:ea typeface="G마켓 산스 Medium" panose="02000000000000000000" pitchFamily="50" charset="-127"/>
+              </a:rPr>
+              <a:t>최소값 구하는 방법을 이용하면 된다</a:t>
+            </a:r>
+            <a:r>
+              <a:rPr lang="en-US" altLang="ko-KR" sz="3600" smtClean="0">
+                <a:solidFill>
+                  <a:srgbClr val="FF0000"/>
+                </a:solidFill>
+                <a:latin typeface="G마켓 산스 Medium" panose="02000000000000000000" pitchFamily="50" charset="-127"/>
+                <a:ea typeface="G마켓 산스 Medium" panose="02000000000000000000" pitchFamily="50" charset="-127"/>
+              </a:rPr>
+              <a:t>. 3</a:t>
+            </a:r>
+            <a:r>
+              <a:rPr lang="ko-KR" altLang="en-US" sz="3600" smtClean="0">
+                <a:solidFill>
+                  <a:srgbClr val="FF0000"/>
+                </a:solidFill>
+                <a:latin typeface="G마켓 산스 Medium" panose="02000000000000000000" pitchFamily="50" charset="-127"/>
+                <a:ea typeface="G마켓 산스 Medium" panose="02000000000000000000" pitchFamily="50" charset="-127"/>
+              </a:rPr>
+              <a:t>개의 숫자가 있을때 숫자의 합계에서 최대값과 최소값을 제외하면 중간값만 남게 된다</a:t>
+            </a:r>
+            <a:r>
+              <a:rPr lang="en-US" altLang="ko-KR" sz="3600" smtClean="0">
+                <a:solidFill>
+                  <a:srgbClr val="FF0000"/>
+                </a:solidFill>
+                <a:latin typeface="G마켓 산스 Medium" panose="02000000000000000000" pitchFamily="50" charset="-127"/>
+                <a:ea typeface="G마켓 산스 Medium" panose="02000000000000000000" pitchFamily="50" charset="-127"/>
+              </a:rPr>
+              <a:t>.</a:t>
+            </a:r>
+            <a:endParaRPr lang="en-US" altLang="ko-KR" sz="3600" dirty="0">
+              <a:solidFill>
+                <a:srgbClr val="FF0000"/>
+              </a:solidFill>
+              <a:latin typeface="G마켓 산스 Medium" panose="02000000000000000000" pitchFamily="50" charset="-127"/>
+              <a:ea typeface="G마켓 산스 Medium" panose="02000000000000000000" pitchFamily="50" charset="-127"/>
+            </a:endParaRPr>
+          </a:p>
+        </p:txBody>
+      </p:sp>
+      <p:cxnSp>
+        <p:nvCxnSpPr>
+          <p:cNvPr id="12" name="직선 화살표 연결선 11">
+            <a:extLst>
+              <a:ext uri="{FF2B5EF4-FFF2-40B4-BE49-F238E27FC236}">
+                <a16:creationId xmlns:a16="http://schemas.microsoft.com/office/drawing/2014/main" xmlns="" id="{299DF5EC-9DF4-5255-06AC-0A7CE4FF58C3}"/>
+              </a:ext>
+            </a:extLst>
+          </p:cNvPr>
+          <p:cNvCxnSpPr>
+            <a:cxnSpLocks/>
+          </p:cNvCxnSpPr>
+          <p:nvPr/>
+        </p:nvCxnSpPr>
+        <p:spPr>
+          <a:xfrm flipV="1">
+            <a:off x="7543800" y="4838700"/>
+            <a:ext cx="2209800" cy="1719104"/>
+          </a:xfrm>
+          <a:prstGeom prst="straightConnector1">
+            <a:avLst/>
+          </a:prstGeom>
+          <a:ln w="38100">
+            <a:tailEnd type="triangle"/>
+          </a:ln>
+        </p:spPr>
+        <p:style>
+          <a:lnRef idx="1">
+            <a:schemeClr val="accent2"/>
+          </a:lnRef>
+          <a:fillRef idx="0">
+            <a:schemeClr val="accent2"/>
+          </a:fillRef>
+          <a:effectRef idx="0">
+            <a:schemeClr val="accent2"/>
+          </a:effectRef>
+          <a:fontRef idx="minor">
+            <a:schemeClr val="tx1"/>
+          </a:fontRef>
+        </p:style>
+      </p:cxnSp>
+      <p:sp>
+        <p:nvSpPr>
+          <p:cNvPr id="13" name="직사각형 12">
+            <a:extLst>
+              <a:ext uri="{FF2B5EF4-FFF2-40B4-BE49-F238E27FC236}">
+                <a16:creationId xmlns:a16="http://schemas.microsoft.com/office/drawing/2014/main" xmlns="" id="{FFF506F9-840A-0508-4CAF-3AC711D8D5CE}"/>
+              </a:ext>
+            </a:extLst>
+          </p:cNvPr>
+          <p:cNvSpPr/>
+          <p:nvPr/>
+        </p:nvSpPr>
+        <p:spPr>
+          <a:xfrm>
+            <a:off x="3581400" y="6557804"/>
+            <a:ext cx="8229600" cy="457200"/>
+          </a:xfrm>
+          <a:prstGeom prst="rect">
+            <a:avLst/>
+          </a:prstGeom>
+          <a:noFill/>
+          <a:ln>
+            <a:solidFill>
+              <a:srgbClr val="FF0000"/>
+            </a:solidFill>
+          </a:ln>
+        </p:spPr>
+        <p:style>
+          <a:lnRef idx="2">
+            <a:schemeClr val="accent2">
+              <a:shade val="50000"/>
+            </a:schemeClr>
+          </a:lnRef>
+          <a:fillRef idx="1">
+            <a:schemeClr val="accent2"/>
+          </a:fillRef>
+          <a:effectRef idx="0">
+            <a:schemeClr val="accent2"/>
+          </a:effectRef>
+          <a:fontRef idx="minor">
+            <a:schemeClr val="lt1"/>
+          </a:fontRef>
+        </p:style>
+        <p:txBody>
+          <a:bodyPr rtlCol="0" anchor="ctr"/>
+          <a:lstStyle/>
+          <a:p>
+            <a:pPr algn="ctr"/>
+            <a:endParaRPr lang="ko-KR" altLang="en-US"/>
+          </a:p>
+        </p:txBody>
+      </p:sp>
+      <p:sp>
+        <p:nvSpPr>
+          <p:cNvPr id="15" name="TextBox 14">
+            <a:extLst>
+              <a:ext uri="{FF2B5EF4-FFF2-40B4-BE49-F238E27FC236}">
+                <a16:creationId xmlns:a16="http://schemas.microsoft.com/office/drawing/2014/main" xmlns="" id="{C6D113C6-EA5C-788F-0C77-E7CE6EBB865F}"/>
+              </a:ext>
+            </a:extLst>
+          </p:cNvPr>
+          <p:cNvSpPr txBox="1"/>
+          <p:nvPr/>
+        </p:nvSpPr>
+        <p:spPr>
+          <a:xfrm>
+            <a:off x="1905000" y="8234204"/>
+            <a:ext cx="14706600" cy="1754326"/>
+          </a:xfrm>
+          <a:prstGeom prst="rect">
+            <a:avLst/>
+          </a:prstGeom>
+          <a:noFill/>
+        </p:spPr>
+        <p:txBody>
+          <a:bodyPr wrap="square" rtlCol="0">
+            <a:spAutoFit/>
+          </a:bodyPr>
+          <a:lstStyle/>
+          <a:p>
+            <a:r>
+              <a:rPr lang="ko-KR" altLang="en-US" sz="3600" smtClean="0">
+                <a:solidFill>
+                  <a:srgbClr val="FF0000"/>
+                </a:solidFill>
+                <a:latin typeface="G마켓 산스 Medium" panose="02000000000000000000" pitchFamily="50" charset="-127"/>
+                <a:ea typeface="G마켓 산스 Medium" panose="02000000000000000000" pitchFamily="50" charset="-127"/>
+              </a:rPr>
+              <a:t>숫자가 </a:t>
+            </a:r>
+            <a:r>
+              <a:rPr lang="en-US" altLang="ko-KR" sz="3600" smtClean="0">
+                <a:solidFill>
+                  <a:srgbClr val="FF0000"/>
+                </a:solidFill>
+                <a:latin typeface="G마켓 산스 Medium" panose="02000000000000000000" pitchFamily="50" charset="-127"/>
+                <a:ea typeface="G마켓 산스 Medium" panose="02000000000000000000" pitchFamily="50" charset="-127"/>
+              </a:rPr>
+              <a:t>3</a:t>
+            </a:r>
+            <a:r>
+              <a:rPr lang="ko-KR" altLang="en-US" sz="3600" smtClean="0">
+                <a:solidFill>
+                  <a:srgbClr val="FF0000"/>
+                </a:solidFill>
+                <a:latin typeface="G마켓 산스 Medium" panose="02000000000000000000" pitchFamily="50" charset="-127"/>
+                <a:ea typeface="G마켓 산스 Medium" panose="02000000000000000000" pitchFamily="50" charset="-127"/>
+              </a:rPr>
+              <a:t>개 이상이 되어도 앞으로 배울 반복문을 이용해서 최대값과 최소값을 제거 하고 나머지에서 다시 최대값과 최소값을 구하여 제거 하는 방법을 반복하여 </a:t>
+            </a:r>
+            <a:r>
+              <a:rPr lang="en-US" altLang="ko-KR" sz="3600" smtClean="0">
+                <a:solidFill>
+                  <a:srgbClr val="FF0000"/>
+                </a:solidFill>
+                <a:latin typeface="G마켓 산스 Medium" panose="02000000000000000000" pitchFamily="50" charset="-127"/>
+                <a:ea typeface="G마켓 산스 Medium" panose="02000000000000000000" pitchFamily="50" charset="-127"/>
+              </a:rPr>
+              <a:t>1</a:t>
+            </a:r>
+            <a:r>
+              <a:rPr lang="ko-KR" altLang="en-US" sz="3600" smtClean="0">
+                <a:solidFill>
+                  <a:srgbClr val="FF0000"/>
+                </a:solidFill>
+                <a:latin typeface="G마켓 산스 Medium" panose="02000000000000000000" pitchFamily="50" charset="-127"/>
+                <a:ea typeface="G마켓 산스 Medium" panose="02000000000000000000" pitchFamily="50" charset="-127"/>
+              </a:rPr>
+              <a:t>개가 남을때 까지 반복하면 된다</a:t>
+            </a:r>
+            <a:r>
+              <a:rPr lang="en-US" altLang="ko-KR" sz="3600" smtClean="0">
+                <a:solidFill>
+                  <a:srgbClr val="FF0000"/>
+                </a:solidFill>
+                <a:latin typeface="G마켓 산스 Medium" panose="02000000000000000000" pitchFamily="50" charset="-127"/>
+                <a:ea typeface="G마켓 산스 Medium" panose="02000000000000000000" pitchFamily="50" charset="-127"/>
+              </a:rPr>
+              <a:t>.</a:t>
+            </a:r>
+            <a:endParaRPr lang="en-US" altLang="ko-KR" sz="3600" dirty="0">
+              <a:solidFill>
+                <a:srgbClr val="FF0000"/>
+              </a:solidFill>
+              <a:latin typeface="G마켓 산스 Medium" panose="02000000000000000000" pitchFamily="50" charset="-127"/>
+              <a:ea typeface="G마켓 산스 Medium" panose="02000000000000000000" pitchFamily="50" charset="-127"/>
+            </a:endParaRPr>
+          </a:p>
+        </p:txBody>
+      </p:sp>
+      <p:sp>
+        <p:nvSpPr>
+          <p:cNvPr id="16" name="직사각형 15">
+            <a:extLst>
+              <a:ext uri="{FF2B5EF4-FFF2-40B4-BE49-F238E27FC236}">
+                <a16:creationId xmlns="" xmlns:a16="http://schemas.microsoft.com/office/drawing/2014/main" id="{5399253E-3E2C-C472-9B95-0B555C6AC66D}"/>
+              </a:ext>
+            </a:extLst>
+          </p:cNvPr>
+          <p:cNvSpPr/>
+          <p:nvPr/>
+        </p:nvSpPr>
+        <p:spPr>
+          <a:xfrm>
+            <a:off x="457201" y="1206162"/>
+            <a:ext cx="17221200" cy="9080838"/>
+          </a:xfrm>
+          <a:prstGeom prst="rect">
+            <a:avLst/>
+          </a:prstGeom>
+          <a:solidFill>
+            <a:schemeClr val="bg1"/>
+          </a:solidFill>
+          <a:ln>
+            <a:noFill/>
+          </a:ln>
+        </p:spPr>
+        <p:style>
+          <a:lnRef idx="2">
+            <a:schemeClr val="accent1">
+              <a:shade val="15000"/>
+            </a:schemeClr>
+          </a:lnRef>
+          <a:fillRef idx="1">
+            <a:schemeClr val="accent1"/>
+          </a:fillRef>
+          <a:effectRef idx="0">
+            <a:schemeClr val="accent1"/>
+          </a:effectRef>
+          <a:fontRef idx="minor">
+            <a:schemeClr val="lt1"/>
+          </a:fontRef>
+        </p:style>
+        <p:txBody>
+          <a:bodyPr rtlCol="0" anchor="ctr"/>
+          <a:lstStyle/>
+          <a:p>
+            <a:pPr algn="ctr"/>
+            <a:endParaRPr lang="ko-KR" altLang="en-US"/>
+          </a:p>
+        </p:txBody>
+      </p:sp>
+    </p:spTree>
+    <p:extLst>
+      <p:ext uri="{BB962C8B-B14F-4D97-AF65-F5344CB8AC3E}">
+        <p14:creationId xmlns:p14="http://schemas.microsoft.com/office/powerpoint/2010/main" val="2004334959"/>
+      </p:ext>
+    </p:extLst>
+  </p:cSld>
+  <p:clrMapOvr>
+    <a:masterClrMapping/>
+  </p:clrMapOvr>
+  <p:timing>
+    <p:tnLst>
+      <p:par>
+        <p:cTn id="1" dur="indefinite" restart="never" nodeType="tmRoot">
+          <p:childTnLst>
+            <p:seq concurrent="1" nextAc="seek">
+              <p:cTn id="2" dur="indefinite" nodeType="mainSeq">
+                <p:childTnLst>
+                  <p:par>
+                    <p:cTn id="3" fill="hold">
+                      <p:stCondLst>
+                        <p:cond delay="indefinite"/>
+                      </p:stCondLst>
+                      <p:childTnLst>
+                        <p:par>
+                          <p:cTn id="4" fill="hold">
+                            <p:stCondLst>
+                              <p:cond delay="0"/>
+                            </p:stCondLst>
+                            <p:childTnLst>
+                              <p:par>
+                                <p:cTn id="5" presetID="1" presetClass="exit" presetSubtype="0" fill="hold" grpId="0" nodeType="clickEffect">
+                                  <p:stCondLst>
+                                    <p:cond delay="0"/>
+                                  </p:stCondLst>
+                                  <p:childTnLst>
+                                    <p:set>
+                                      <p:cBhvr>
+                                        <p:cTn id="6" dur="1" fill="hold">
+                                          <p:stCondLst>
+                                            <p:cond delay="0"/>
+                                          </p:stCondLst>
+                                        </p:cTn>
+                                        <p:tgtEl>
+                                          <p:spTgt spid="16"/>
+                                        </p:tgtEl>
+                                        <p:attrNameLst>
+                                          <p:attrName>style.visibility</p:attrName>
+                                        </p:attrNameLst>
+                                      </p:cBhvr>
+                                      <p:to>
+                                        <p:strVal val="hidden"/>
+                                      </p:to>
+                                    </p:set>
+                                  </p:childTnLst>
+                                </p:cTn>
+                              </p:par>
+                            </p:childTnLst>
+                          </p:cTn>
+                        </p:par>
+                      </p:childTnLst>
+                    </p:cTn>
+                  </p:par>
+                </p:childTnLst>
+              </p:cTn>
+              <p:prevCondLst>
+                <p:cond evt="onPrev" delay="0">
+                  <p:tgtEl>
+                    <p:sldTgt/>
+                  </p:tgtEl>
+                </p:cond>
+              </p:prevCondLst>
+              <p:nextCondLst>
+                <p:cond evt="onNext" delay="0">
+                  <p:tgtEl>
+                    <p:sldTgt/>
+                  </p:tgtEl>
+                </p:cond>
+              </p:nextCondLst>
+            </p:seq>
+          </p:childTnLst>
+        </p:cTn>
+      </p:par>
+    </p:tnLst>
+    <p:bldLst>
+      <p:bldP spid="16" grpId="0" animBg="1"/>
+    </p:bldLst>
+  </p:timing>
+</p:sld>
+</file>
+
+<file path=ppt/slides/slide53.xml><?xml version="1.0" encoding="utf-8"?>
+<p:sld xmlns:a="http://schemas.openxmlformats.org/drawingml/2006/main" xmlns:r="http://schemas.openxmlformats.org/officeDocument/2006/relationships" xmlns:p="http://schemas.openxmlformats.org/presentationml/2006/main">
+  <p:cSld>
+    <p:spTree>
+      <p:nvGrpSpPr>
+        <p:cNvPr id="1" name=""/>
+        <p:cNvGrpSpPr/>
+        <p:nvPr/>
+      </p:nvGrpSpPr>
+      <p:grpSpPr>
+        <a:xfrm>
+          <a:off x="0" y="0"/>
+          <a:ext cx="0" cy="0"/>
+          <a:chOff x="0" y="0"/>
+          <a:chExt cx="0" cy="0"/>
+        </a:xfrm>
+      </p:grpSpPr>
+      <p:sp>
+        <p:nvSpPr>
+          <p:cNvPr id="3" name="TextBox 2">
+            <a:extLst>
+              <a:ext uri="{FF2B5EF4-FFF2-40B4-BE49-F238E27FC236}">
+                <a16:creationId xmlns="" xmlns:a16="http://schemas.microsoft.com/office/drawing/2014/main" id="{4EDAA912-8FA0-0F11-119B-EA9F8B36A489}"/>
+              </a:ext>
+            </a:extLst>
+          </p:cNvPr>
+          <p:cNvSpPr txBox="1"/>
+          <p:nvPr/>
+        </p:nvSpPr>
+        <p:spPr>
+          <a:xfrm>
+            <a:off x="76200" y="190500"/>
+            <a:ext cx="18298599" cy="6124754"/>
+          </a:xfrm>
+          <a:prstGeom prst="rect">
+            <a:avLst/>
+          </a:prstGeom>
+          <a:noFill/>
+        </p:spPr>
+        <p:txBody>
+          <a:bodyPr wrap="none" rtlCol="0">
+            <a:spAutoFit/>
+          </a:bodyPr>
+          <a:lstStyle/>
+          <a:p>
+            <a:r>
+              <a:rPr lang="en-US" altLang="ko-KR" sz="3600" dirty="0">
+                <a:solidFill>
+                  <a:srgbClr val="4C50BC"/>
+                </a:solidFill>
+                <a:latin typeface="G마켓 산스 Medium" panose="02000000000000000000" pitchFamily="50" charset="-127"/>
+                <a:ea typeface="G마켓 산스 Medium" panose="02000000000000000000" pitchFamily="50" charset="-127"/>
+              </a:rPr>
+              <a:t>3. </a:t>
+            </a:r>
+            <a:r>
+              <a:rPr lang="ko-KR" altLang="en-US" sz="3600" dirty="0">
+                <a:solidFill>
+                  <a:srgbClr val="4C50BC"/>
+                </a:solidFill>
+                <a:latin typeface="G마켓 산스 Medium" panose="02000000000000000000" pitchFamily="50" charset="-127"/>
+                <a:ea typeface="G마켓 산스 Medium" panose="02000000000000000000" pitchFamily="50" charset="-127"/>
+              </a:rPr>
+              <a:t>변수 </a:t>
+            </a:r>
+            <a:r>
+              <a:rPr lang="en-US" altLang="ko-KR" sz="3600" dirty="0">
+                <a:solidFill>
+                  <a:srgbClr val="4C50BC"/>
+                </a:solidFill>
+                <a:latin typeface="G마켓 산스 Medium" panose="02000000000000000000" pitchFamily="50" charset="-127"/>
+                <a:ea typeface="G마켓 산스 Medium" panose="02000000000000000000" pitchFamily="50" charset="-127"/>
+              </a:rPr>
+              <a:t>year</a:t>
+            </a:r>
+            <a:r>
+              <a:rPr lang="ko-KR" altLang="en-US" sz="3600" dirty="0">
+                <a:solidFill>
+                  <a:srgbClr val="4C50BC"/>
+                </a:solidFill>
+                <a:latin typeface="G마켓 산스 Medium" panose="02000000000000000000" pitchFamily="50" charset="-127"/>
+                <a:ea typeface="G마켓 산스 Medium" panose="02000000000000000000" pitchFamily="50" charset="-127"/>
+              </a:rPr>
+              <a:t>에 년도를 </a:t>
+            </a:r>
+            <a:r>
+              <a:rPr lang="ko-KR" altLang="en-US" sz="3600" dirty="0" err="1">
+                <a:solidFill>
+                  <a:srgbClr val="4C50BC"/>
+                </a:solidFill>
+                <a:latin typeface="G마켓 산스 Medium" panose="02000000000000000000" pitchFamily="50" charset="-127"/>
+                <a:ea typeface="G마켓 산스 Medium" panose="02000000000000000000" pitchFamily="50" charset="-127"/>
+              </a:rPr>
+              <a:t>입력받아</a:t>
+            </a:r>
+            <a:r>
+              <a:rPr lang="ko-KR" altLang="en-US" sz="3600" dirty="0">
+                <a:solidFill>
+                  <a:srgbClr val="4C50BC"/>
+                </a:solidFill>
+                <a:latin typeface="G마켓 산스 Medium" panose="02000000000000000000" pitchFamily="50" charset="-127"/>
+                <a:ea typeface="G마켓 산스 Medium" panose="02000000000000000000" pitchFamily="50" charset="-127"/>
+              </a:rPr>
+              <a:t> 해당 년도가 윤년인지 아닌지 </a:t>
+            </a:r>
+            <a:r>
+              <a:rPr lang="ko-KR" altLang="en-US" sz="3600" dirty="0" err="1">
+                <a:solidFill>
+                  <a:srgbClr val="4C50BC"/>
+                </a:solidFill>
+                <a:latin typeface="G마켓 산스 Medium" panose="02000000000000000000" pitchFamily="50" charset="-127"/>
+                <a:ea typeface="G마켓 산스 Medium" panose="02000000000000000000" pitchFamily="50" charset="-127"/>
+              </a:rPr>
+              <a:t>출력하시오</a:t>
+            </a:r>
+            <a:r>
+              <a:rPr lang="en-US" altLang="ko-KR" sz="3600" dirty="0">
+                <a:solidFill>
+                  <a:srgbClr val="FF0000"/>
+                </a:solidFill>
+                <a:latin typeface="G마켓 산스 Medium" panose="02000000000000000000" pitchFamily="50" charset="-127"/>
+                <a:ea typeface="G마켓 산스 Medium" panose="02000000000000000000" pitchFamily="50" charset="-127"/>
+              </a:rPr>
+              <a:t>(Expert)</a:t>
+            </a:r>
+          </a:p>
+          <a:p>
+            <a:r>
+              <a:rPr lang="en-US" altLang="ko-KR" sz="3600" dirty="0">
+                <a:solidFill>
+                  <a:srgbClr val="4D4848"/>
+                </a:solidFill>
+                <a:latin typeface="G마켓 산스 Medium" panose="02000000000000000000" pitchFamily="50" charset="-127"/>
+                <a:ea typeface="G마켓 산스 Medium" panose="02000000000000000000" pitchFamily="50" charset="-127"/>
+              </a:rPr>
+              <a:t>*</a:t>
+            </a:r>
+            <a:r>
+              <a:rPr lang="ko-KR" altLang="en-US" sz="3600" dirty="0">
+                <a:solidFill>
+                  <a:srgbClr val="4D4848"/>
+                </a:solidFill>
+                <a:latin typeface="G마켓 산스 Medium" panose="02000000000000000000" pitchFamily="50" charset="-127"/>
+                <a:ea typeface="G마켓 산스 Medium" panose="02000000000000000000" pitchFamily="50" charset="-127"/>
+              </a:rPr>
+              <a:t>윤년 </a:t>
+            </a:r>
+            <a:r>
+              <a:rPr lang="en-US" altLang="ko-KR" sz="3600" dirty="0">
+                <a:solidFill>
+                  <a:srgbClr val="4D4848"/>
+                </a:solidFill>
+                <a:latin typeface="G마켓 산스 Medium" panose="02000000000000000000" pitchFamily="50" charset="-127"/>
+                <a:ea typeface="G마켓 산스 Medium" panose="02000000000000000000" pitchFamily="50" charset="-127"/>
+              </a:rPr>
+              <a:t>: 2</a:t>
+            </a:r>
+            <a:r>
+              <a:rPr lang="ko-KR" altLang="en-US" sz="3600" dirty="0">
+                <a:solidFill>
+                  <a:srgbClr val="4D4848"/>
+                </a:solidFill>
+                <a:latin typeface="G마켓 산스 Medium" panose="02000000000000000000" pitchFamily="50" charset="-127"/>
+                <a:ea typeface="G마켓 산스 Medium" panose="02000000000000000000" pitchFamily="50" charset="-127"/>
+              </a:rPr>
+              <a:t>월</a:t>
+            </a:r>
+            <a:r>
+              <a:rPr lang="en-US" altLang="ko-KR" sz="3600" dirty="0">
+                <a:solidFill>
+                  <a:srgbClr val="4D4848"/>
+                </a:solidFill>
+                <a:latin typeface="G마켓 산스 Medium" panose="02000000000000000000" pitchFamily="50" charset="-127"/>
+                <a:ea typeface="G마켓 산스 Medium" panose="02000000000000000000" pitchFamily="50" charset="-127"/>
+              </a:rPr>
+              <a:t>29</a:t>
+            </a:r>
+            <a:r>
+              <a:rPr lang="ko-KR" altLang="en-US" sz="3600" dirty="0">
+                <a:solidFill>
+                  <a:srgbClr val="4D4848"/>
+                </a:solidFill>
+                <a:latin typeface="G마켓 산스 Medium" panose="02000000000000000000" pitchFamily="50" charset="-127"/>
+                <a:ea typeface="G마켓 산스 Medium" panose="02000000000000000000" pitchFamily="50" charset="-127"/>
+              </a:rPr>
+              <a:t>일이 있는 해</a:t>
+            </a:r>
+            <a:endParaRPr lang="en-US" altLang="ko-KR" sz="3600" dirty="0">
+              <a:solidFill>
+                <a:srgbClr val="4D4848"/>
+              </a:solidFill>
+              <a:latin typeface="G마켓 산스 Medium" panose="02000000000000000000" pitchFamily="50" charset="-127"/>
+              <a:ea typeface="G마켓 산스 Medium" panose="02000000000000000000" pitchFamily="50" charset="-127"/>
+            </a:endParaRPr>
+          </a:p>
+          <a:p>
+            <a:r>
+              <a:rPr lang="en-US" altLang="ko-KR" sz="3600" dirty="0">
+                <a:solidFill>
+                  <a:srgbClr val="4D4848"/>
+                </a:solidFill>
+                <a:latin typeface="G마켓 산스 Medium" panose="02000000000000000000" pitchFamily="50" charset="-127"/>
+                <a:ea typeface="G마켓 산스 Medium" panose="02000000000000000000" pitchFamily="50" charset="-127"/>
+              </a:rPr>
+              <a:t>  </a:t>
+            </a:r>
+            <a:r>
+              <a:rPr lang="ko-KR" altLang="en-US" sz="3600" dirty="0">
+                <a:solidFill>
+                  <a:srgbClr val="4D4848"/>
+                </a:solidFill>
+                <a:latin typeface="G마켓 산스 Medium" panose="02000000000000000000" pitchFamily="50" charset="-127"/>
+                <a:ea typeface="G마켓 산스 Medium" panose="02000000000000000000" pitchFamily="50" charset="-127"/>
+              </a:rPr>
+              <a:t>조건 </a:t>
+            </a:r>
+            <a:r>
+              <a:rPr lang="en-US" altLang="ko-KR" sz="3600" dirty="0">
+                <a:solidFill>
+                  <a:srgbClr val="4D4848"/>
+                </a:solidFill>
+                <a:latin typeface="G마켓 산스 Medium" panose="02000000000000000000" pitchFamily="50" charset="-127"/>
+                <a:ea typeface="G마켓 산스 Medium" panose="02000000000000000000" pitchFamily="50" charset="-127"/>
+              </a:rPr>
+              <a:t>: 4</a:t>
+            </a:r>
+            <a:r>
+              <a:rPr lang="ko-KR" altLang="en-US" sz="3600" dirty="0">
+                <a:solidFill>
+                  <a:srgbClr val="4D4848"/>
+                </a:solidFill>
+                <a:latin typeface="G마켓 산스 Medium" panose="02000000000000000000" pitchFamily="50" charset="-127"/>
+                <a:ea typeface="G마켓 산스 Medium" panose="02000000000000000000" pitchFamily="50" charset="-127"/>
+              </a:rPr>
+              <a:t>로 나누어 떨어지는 해 </a:t>
+            </a:r>
+            <a:r>
+              <a:rPr lang="en-US" altLang="ko-KR" sz="3600" dirty="0">
+                <a:solidFill>
+                  <a:srgbClr val="4D4848"/>
+                </a:solidFill>
+                <a:latin typeface="G마켓 산스 Medium" panose="02000000000000000000" pitchFamily="50" charset="-127"/>
+                <a:ea typeface="G마켓 산스 Medium" panose="02000000000000000000" pitchFamily="50" charset="-127"/>
+              </a:rPr>
+              <a:t>ex) 2004, 2008</a:t>
+            </a:r>
+          </a:p>
+          <a:p>
+            <a:pPr lvl="3"/>
+            <a:r>
+              <a:rPr lang="ko-KR" altLang="en-US" sz="3600" dirty="0">
+                <a:solidFill>
+                  <a:srgbClr val="4D4848"/>
+                </a:solidFill>
+                <a:latin typeface="G마켓 산스 Medium" panose="02000000000000000000" pitchFamily="50" charset="-127"/>
+                <a:ea typeface="G마켓 산스 Medium" panose="02000000000000000000" pitchFamily="50" charset="-127"/>
+              </a:rPr>
+              <a:t>그러나 윤년이 너무 </a:t>
+            </a:r>
+            <a:r>
+              <a:rPr lang="ko-KR" altLang="en-US" sz="3600">
+                <a:solidFill>
+                  <a:srgbClr val="4D4848"/>
+                </a:solidFill>
+                <a:latin typeface="G마켓 산스 Medium" panose="02000000000000000000" pitchFamily="50" charset="-127"/>
+                <a:ea typeface="G마켓 산스 Medium" panose="02000000000000000000" pitchFamily="50" charset="-127"/>
+              </a:rPr>
+              <a:t>많아 </a:t>
+            </a:r>
+            <a:r>
+              <a:rPr lang="ko-KR" altLang="en-US" sz="3600" smtClean="0">
+                <a:solidFill>
+                  <a:srgbClr val="4D4848"/>
+                </a:solidFill>
+                <a:latin typeface="G마켓 산스 Medium" panose="02000000000000000000" pitchFamily="50" charset="-127"/>
+                <a:ea typeface="G마켓 산스 Medium" panose="02000000000000000000" pitchFamily="50" charset="-127"/>
+              </a:rPr>
+              <a:t>줄이기로 </a:t>
+            </a:r>
+            <a:r>
+              <a:rPr lang="ko-KR" altLang="en-US" sz="3600" dirty="0">
+                <a:solidFill>
+                  <a:srgbClr val="4D4848"/>
+                </a:solidFill>
+                <a:latin typeface="G마켓 산스 Medium" panose="02000000000000000000" pitchFamily="50" charset="-127"/>
+                <a:ea typeface="G마켓 산스 Medium" panose="02000000000000000000" pitchFamily="50" charset="-127"/>
+              </a:rPr>
+              <a:t>한다</a:t>
+            </a:r>
+            <a:r>
+              <a:rPr lang="en-US" altLang="ko-KR" sz="3600" dirty="0">
+                <a:solidFill>
+                  <a:srgbClr val="4D4848"/>
+                </a:solidFill>
+                <a:latin typeface="G마켓 산스 Medium" panose="02000000000000000000" pitchFamily="50" charset="-127"/>
+                <a:ea typeface="G마켓 산스 Medium" panose="02000000000000000000" pitchFamily="50" charset="-127"/>
+              </a:rPr>
+              <a:t>. </a:t>
+            </a:r>
+          </a:p>
+          <a:p>
+            <a:pPr lvl="3"/>
+            <a:r>
+              <a:rPr lang="ko-KR" altLang="en-US" sz="3600" dirty="0">
+                <a:solidFill>
+                  <a:srgbClr val="4D4848"/>
+                </a:solidFill>
+                <a:latin typeface="G마켓 산스 Medium" panose="02000000000000000000" pitchFamily="50" charset="-127"/>
+                <a:ea typeface="G마켓 산스 Medium" panose="02000000000000000000" pitchFamily="50" charset="-127"/>
+              </a:rPr>
+              <a:t>그래서 </a:t>
+            </a:r>
+            <a:r>
+              <a:rPr lang="en-US" altLang="ko-KR" sz="3600" dirty="0">
+                <a:solidFill>
+                  <a:srgbClr val="4D4848"/>
+                </a:solidFill>
+                <a:latin typeface="G마켓 산스 Medium" panose="02000000000000000000" pitchFamily="50" charset="-127"/>
+                <a:ea typeface="G마켓 산스 Medium" panose="02000000000000000000" pitchFamily="50" charset="-127"/>
+              </a:rPr>
+              <a:t>4</a:t>
+            </a:r>
+            <a:r>
+              <a:rPr lang="ko-KR" altLang="en-US" sz="3600" dirty="0">
+                <a:solidFill>
+                  <a:srgbClr val="4D4848"/>
+                </a:solidFill>
+                <a:latin typeface="G마켓 산스 Medium" panose="02000000000000000000" pitchFamily="50" charset="-127"/>
+                <a:ea typeface="G마켓 산스 Medium" panose="02000000000000000000" pitchFamily="50" charset="-127"/>
+              </a:rPr>
+              <a:t>로 나누어 떨어지는 해 중에서 </a:t>
+            </a:r>
+            <a:r>
+              <a:rPr lang="en-US" altLang="ko-KR" sz="3600" dirty="0">
+                <a:solidFill>
+                  <a:srgbClr val="4D4848"/>
+                </a:solidFill>
+                <a:latin typeface="G마켓 산스 Medium" panose="02000000000000000000" pitchFamily="50" charset="-127"/>
+                <a:ea typeface="G마켓 산스 Medium" panose="02000000000000000000" pitchFamily="50" charset="-127"/>
+              </a:rPr>
+              <a:t>100</a:t>
+            </a:r>
+            <a:r>
+              <a:rPr lang="ko-KR" altLang="en-US" sz="3600" dirty="0">
+                <a:solidFill>
+                  <a:srgbClr val="4D4848"/>
+                </a:solidFill>
+                <a:latin typeface="G마켓 산스 Medium" panose="02000000000000000000" pitchFamily="50" charset="-127"/>
+                <a:ea typeface="G마켓 산스 Medium" panose="02000000000000000000" pitchFamily="50" charset="-127"/>
+              </a:rPr>
+              <a:t>으로 나누어 떨어진다면 </a:t>
+            </a:r>
+            <a:r>
+              <a:rPr lang="ko-KR" altLang="en-US" sz="3600">
+                <a:solidFill>
+                  <a:srgbClr val="4D4848"/>
+                </a:solidFill>
+                <a:latin typeface="G마켓 산스 Medium" panose="02000000000000000000" pitchFamily="50" charset="-127"/>
+                <a:ea typeface="G마켓 산스 Medium" panose="02000000000000000000" pitchFamily="50" charset="-127"/>
+              </a:rPr>
+              <a:t>평년이다</a:t>
+            </a:r>
+            <a:r>
+              <a:rPr lang="en-US" altLang="ko-KR" sz="3600" smtClean="0">
+                <a:solidFill>
+                  <a:srgbClr val="4D4848"/>
+                </a:solidFill>
+                <a:latin typeface="G마켓 산스 Medium" panose="02000000000000000000" pitchFamily="50" charset="-127"/>
+                <a:ea typeface="G마켓 산스 Medium" panose="02000000000000000000" pitchFamily="50" charset="-127"/>
+              </a:rPr>
+              <a:t>.</a:t>
+            </a:r>
+          </a:p>
+          <a:p>
+            <a:pPr lvl="3"/>
+            <a:r>
+              <a:rPr lang="en-US" altLang="ko-KR" sz="3200" smtClean="0">
+                <a:solidFill>
+                  <a:srgbClr val="FF0000"/>
+                </a:solidFill>
+                <a:latin typeface="G마켓 산스 Medium" panose="02000000000000000000" pitchFamily="50" charset="-127"/>
+                <a:ea typeface="G마켓 산스 Medium" panose="02000000000000000000" pitchFamily="50" charset="-127"/>
+              </a:rPr>
+              <a:t>ex)2100</a:t>
+            </a:r>
+            <a:r>
+              <a:rPr lang="ko-KR" altLang="en-US" sz="3200" smtClean="0">
+                <a:solidFill>
+                  <a:srgbClr val="FF0000"/>
+                </a:solidFill>
+                <a:latin typeface="G마켓 산스 Medium" panose="02000000000000000000" pitchFamily="50" charset="-127"/>
+                <a:ea typeface="G마켓 산스 Medium" panose="02000000000000000000" pitchFamily="50" charset="-127"/>
+              </a:rPr>
+              <a:t>년은 </a:t>
+            </a:r>
+            <a:r>
+              <a:rPr lang="en-US" altLang="ko-KR" sz="3200" smtClean="0">
+                <a:solidFill>
+                  <a:srgbClr val="FF0000"/>
+                </a:solidFill>
+                <a:latin typeface="G마켓 산스 Medium" panose="02000000000000000000" pitchFamily="50" charset="-127"/>
+                <a:ea typeface="G마켓 산스 Medium" panose="02000000000000000000" pitchFamily="50" charset="-127"/>
+              </a:rPr>
+              <a:t>4</a:t>
+            </a:r>
+            <a:r>
+              <a:rPr lang="ko-KR" altLang="en-US" sz="3200" smtClean="0">
+                <a:solidFill>
+                  <a:srgbClr val="FF0000"/>
+                </a:solidFill>
+                <a:latin typeface="G마켓 산스 Medium" panose="02000000000000000000" pitchFamily="50" charset="-127"/>
+                <a:ea typeface="G마켓 산스 Medium" panose="02000000000000000000" pitchFamily="50" charset="-127"/>
+              </a:rPr>
+              <a:t>로 나누어 떨어지지만 </a:t>
+            </a:r>
+            <a:r>
+              <a:rPr lang="en-US" altLang="ko-KR" sz="3200" smtClean="0">
+                <a:solidFill>
+                  <a:srgbClr val="FF0000"/>
+                </a:solidFill>
+                <a:latin typeface="G마켓 산스 Medium" panose="02000000000000000000" pitchFamily="50" charset="-127"/>
+                <a:ea typeface="G마켓 산스 Medium" panose="02000000000000000000" pitchFamily="50" charset="-127"/>
+              </a:rPr>
+              <a:t>100</a:t>
+            </a:r>
+            <a:r>
+              <a:rPr lang="ko-KR" altLang="en-US" sz="3200" smtClean="0">
+                <a:solidFill>
+                  <a:srgbClr val="FF0000"/>
+                </a:solidFill>
+                <a:latin typeface="G마켓 산스 Medium" panose="02000000000000000000" pitchFamily="50" charset="-127"/>
+                <a:ea typeface="G마켓 산스 Medium" panose="02000000000000000000" pitchFamily="50" charset="-127"/>
+              </a:rPr>
+              <a:t>으로도 나누어 떨어지므로 평년이다</a:t>
+            </a:r>
+            <a:r>
+              <a:rPr lang="en-US" altLang="ko-KR" sz="3200" smtClean="0">
+                <a:solidFill>
+                  <a:srgbClr val="FF0000"/>
+                </a:solidFill>
+                <a:latin typeface="G마켓 산스 Medium" panose="02000000000000000000" pitchFamily="50" charset="-127"/>
+                <a:ea typeface="G마켓 산스 Medium" panose="02000000000000000000" pitchFamily="50" charset="-127"/>
+              </a:rPr>
+              <a:t>.</a:t>
+            </a:r>
+            <a:endParaRPr lang="en-US" altLang="ko-KR" sz="3200">
+              <a:solidFill>
+                <a:srgbClr val="FF0000"/>
+              </a:solidFill>
+              <a:latin typeface="G마켓 산스 Medium" panose="02000000000000000000" pitchFamily="50" charset="-127"/>
+              <a:ea typeface="G마켓 산스 Medium" panose="02000000000000000000" pitchFamily="50" charset="-127"/>
+            </a:endParaRPr>
+          </a:p>
+          <a:p>
+            <a:pPr lvl="3"/>
+            <a:endParaRPr lang="en-US" altLang="ko-KR" sz="3600" dirty="0">
+              <a:solidFill>
+                <a:srgbClr val="4D4848"/>
+              </a:solidFill>
+              <a:latin typeface="G마켓 산스 Medium" panose="02000000000000000000" pitchFamily="50" charset="-127"/>
+              <a:ea typeface="G마켓 산스 Medium" panose="02000000000000000000" pitchFamily="50" charset="-127"/>
+            </a:endParaRPr>
+          </a:p>
+          <a:p>
+            <a:pPr lvl="3"/>
+            <a:r>
+              <a:rPr lang="ko-KR" altLang="en-US" sz="3600" dirty="0">
+                <a:solidFill>
+                  <a:srgbClr val="4D4848"/>
+                </a:solidFill>
+                <a:latin typeface="G마켓 산스 Medium" panose="02000000000000000000" pitchFamily="50" charset="-127"/>
+                <a:ea typeface="G마켓 산스 Medium" panose="02000000000000000000" pitchFamily="50" charset="-127"/>
+              </a:rPr>
+              <a:t>하지만 이렇게 </a:t>
+            </a:r>
+            <a:r>
+              <a:rPr lang="ko-KR" altLang="en-US" sz="3600">
+                <a:solidFill>
+                  <a:srgbClr val="4D4848"/>
+                </a:solidFill>
+                <a:latin typeface="G마켓 산스 Medium" panose="02000000000000000000" pitchFamily="50" charset="-127"/>
+                <a:ea typeface="G마켓 산스 Medium" panose="02000000000000000000" pitchFamily="50" charset="-127"/>
+              </a:rPr>
+              <a:t>하니 </a:t>
+            </a:r>
+            <a:r>
+              <a:rPr lang="ko-KR" altLang="en-US" sz="3600" smtClean="0">
+                <a:solidFill>
+                  <a:srgbClr val="4D4848"/>
+                </a:solidFill>
+                <a:latin typeface="G마켓 산스 Medium" panose="02000000000000000000" pitchFamily="50" charset="-127"/>
+                <a:ea typeface="G마켓 산스 Medium" panose="02000000000000000000" pitchFamily="50" charset="-127"/>
+              </a:rPr>
+              <a:t>윤년의 숫자가 부족했다</a:t>
+            </a:r>
+            <a:r>
+              <a:rPr lang="en-US" altLang="ko-KR" sz="3600" smtClean="0">
+                <a:solidFill>
+                  <a:srgbClr val="4D4848"/>
+                </a:solidFill>
+                <a:latin typeface="G마켓 산스 Medium" panose="02000000000000000000" pitchFamily="50" charset="-127"/>
+                <a:ea typeface="G마켓 산스 Medium" panose="02000000000000000000" pitchFamily="50" charset="-127"/>
+              </a:rPr>
+              <a:t>.</a:t>
+            </a:r>
+          </a:p>
+          <a:p>
+            <a:pPr lvl="3"/>
+            <a:r>
+              <a:rPr lang="ko-KR" altLang="en-US" sz="3600" smtClean="0">
+                <a:solidFill>
+                  <a:srgbClr val="4D4848"/>
+                </a:solidFill>
+                <a:latin typeface="G마켓 산스 Medium" panose="02000000000000000000" pitchFamily="50" charset="-127"/>
+                <a:ea typeface="G마켓 산스 Medium" panose="02000000000000000000" pitchFamily="50" charset="-127"/>
+              </a:rPr>
+              <a:t>그래서 </a:t>
+            </a:r>
+            <a:r>
+              <a:rPr lang="ko-KR" altLang="en-US" sz="3600" dirty="0">
+                <a:solidFill>
+                  <a:srgbClr val="4D4848"/>
+                </a:solidFill>
+                <a:latin typeface="G마켓 산스 Medium" panose="02000000000000000000" pitchFamily="50" charset="-127"/>
+                <a:ea typeface="G마켓 산스 Medium" panose="02000000000000000000" pitchFamily="50" charset="-127"/>
+              </a:rPr>
+              <a:t>이중에서 </a:t>
+            </a:r>
+            <a:r>
+              <a:rPr lang="en-US" altLang="ko-KR" sz="3600" dirty="0">
+                <a:solidFill>
+                  <a:srgbClr val="4D4848"/>
+                </a:solidFill>
+                <a:latin typeface="G마켓 산스 Medium" panose="02000000000000000000" pitchFamily="50" charset="-127"/>
+                <a:ea typeface="G마켓 산스 Medium" panose="02000000000000000000" pitchFamily="50" charset="-127"/>
+              </a:rPr>
+              <a:t>400</a:t>
+            </a:r>
+            <a:r>
+              <a:rPr lang="ko-KR" altLang="en-US" sz="3600" dirty="0">
+                <a:solidFill>
+                  <a:srgbClr val="4D4848"/>
+                </a:solidFill>
+                <a:latin typeface="G마켓 산스 Medium" panose="02000000000000000000" pitchFamily="50" charset="-127"/>
+                <a:ea typeface="G마켓 산스 Medium" panose="02000000000000000000" pitchFamily="50" charset="-127"/>
+              </a:rPr>
+              <a:t>으로 나누어 떨어지는 해는</a:t>
+            </a:r>
+            <a:r>
+              <a:rPr lang="en-US" altLang="ko-KR" sz="3600" dirty="0">
+                <a:solidFill>
+                  <a:srgbClr val="4D4848"/>
+                </a:solidFill>
+                <a:latin typeface="G마켓 산스 Medium" panose="02000000000000000000" pitchFamily="50" charset="-127"/>
+                <a:ea typeface="G마켓 산스 Medium" panose="02000000000000000000" pitchFamily="50" charset="-127"/>
+              </a:rPr>
+              <a:t> </a:t>
+            </a:r>
+            <a:r>
+              <a:rPr lang="ko-KR" altLang="en-US" sz="3600" dirty="0">
+                <a:solidFill>
+                  <a:srgbClr val="4D4848"/>
+                </a:solidFill>
+                <a:latin typeface="G마켓 산스 Medium" panose="02000000000000000000" pitchFamily="50" charset="-127"/>
+                <a:ea typeface="G마켓 산스 Medium" panose="02000000000000000000" pitchFamily="50" charset="-127"/>
+              </a:rPr>
+              <a:t>다시 윤년으로 </a:t>
+            </a:r>
+            <a:r>
+              <a:rPr lang="ko-KR" altLang="en-US" sz="3600">
+                <a:solidFill>
+                  <a:srgbClr val="4D4848"/>
+                </a:solidFill>
+                <a:latin typeface="G마켓 산스 Medium" panose="02000000000000000000" pitchFamily="50" charset="-127"/>
+                <a:ea typeface="G마켓 산스 Medium" panose="02000000000000000000" pitchFamily="50" charset="-127"/>
+              </a:rPr>
+              <a:t>정했다</a:t>
+            </a:r>
+            <a:r>
+              <a:rPr lang="en-US" altLang="ko-KR" sz="3600" smtClean="0">
+                <a:solidFill>
+                  <a:srgbClr val="4D4848"/>
+                </a:solidFill>
+                <a:latin typeface="G마켓 산스 Medium" panose="02000000000000000000" pitchFamily="50" charset="-127"/>
+                <a:ea typeface="G마켓 산스 Medium" panose="02000000000000000000" pitchFamily="50" charset="-127"/>
+              </a:rPr>
+              <a:t>.</a:t>
+            </a:r>
+          </a:p>
+          <a:p>
+            <a:pPr lvl="3"/>
+            <a:r>
+              <a:rPr lang="en-US" altLang="ko-KR" sz="3600" smtClean="0">
+                <a:solidFill>
+                  <a:srgbClr val="FF0000"/>
+                </a:solidFill>
+                <a:latin typeface="G마켓 산스 Medium" panose="02000000000000000000" pitchFamily="50" charset="-127"/>
+                <a:ea typeface="G마켓 산스 Medium" panose="02000000000000000000" pitchFamily="50" charset="-127"/>
+              </a:rPr>
+              <a:t>ex)2400</a:t>
+            </a:r>
+            <a:r>
+              <a:rPr lang="ko-KR" altLang="en-US" sz="3600" smtClean="0">
+                <a:solidFill>
+                  <a:srgbClr val="FF0000"/>
+                </a:solidFill>
+                <a:latin typeface="G마켓 산스 Medium" panose="02000000000000000000" pitchFamily="50" charset="-127"/>
+                <a:ea typeface="G마켓 산스 Medium" panose="02000000000000000000" pitchFamily="50" charset="-127"/>
+              </a:rPr>
+              <a:t>년은 </a:t>
+            </a:r>
+            <a:r>
+              <a:rPr lang="en-US" altLang="ko-KR" sz="3600" smtClean="0">
+                <a:solidFill>
+                  <a:srgbClr val="FF0000"/>
+                </a:solidFill>
+                <a:latin typeface="G마켓 산스 Medium" panose="02000000000000000000" pitchFamily="50" charset="-127"/>
+                <a:ea typeface="G마켓 산스 Medium" panose="02000000000000000000" pitchFamily="50" charset="-127"/>
+              </a:rPr>
+              <a:t>100</a:t>
+            </a:r>
+            <a:r>
+              <a:rPr lang="ko-KR" altLang="en-US" sz="3600" smtClean="0">
+                <a:solidFill>
+                  <a:srgbClr val="FF0000"/>
+                </a:solidFill>
+                <a:latin typeface="G마켓 산스 Medium" panose="02000000000000000000" pitchFamily="50" charset="-127"/>
+                <a:ea typeface="G마켓 산스 Medium" panose="02000000000000000000" pitchFamily="50" charset="-127"/>
+              </a:rPr>
+              <a:t>으로 나누어 떨어지지만 </a:t>
+            </a:r>
+            <a:r>
+              <a:rPr lang="en-US" altLang="ko-KR" sz="3600" smtClean="0">
+                <a:solidFill>
+                  <a:srgbClr val="FF0000"/>
+                </a:solidFill>
+                <a:latin typeface="G마켓 산스 Medium" panose="02000000000000000000" pitchFamily="50" charset="-127"/>
+                <a:ea typeface="G마켓 산스 Medium" panose="02000000000000000000" pitchFamily="50" charset="-127"/>
+              </a:rPr>
+              <a:t>400</a:t>
+            </a:r>
+            <a:r>
+              <a:rPr lang="ko-KR" altLang="en-US" sz="3600" smtClean="0">
+                <a:solidFill>
+                  <a:srgbClr val="FF0000"/>
+                </a:solidFill>
+                <a:latin typeface="G마켓 산스 Medium" panose="02000000000000000000" pitchFamily="50" charset="-127"/>
+                <a:ea typeface="G마켓 산스 Medium" panose="02000000000000000000" pitchFamily="50" charset="-127"/>
+              </a:rPr>
+              <a:t>으로도 나누어 떨어지기에 윤년이다</a:t>
+            </a:r>
+            <a:r>
+              <a:rPr lang="en-US" altLang="ko-KR" sz="3600" smtClean="0">
+                <a:solidFill>
+                  <a:srgbClr val="FF0000"/>
+                </a:solidFill>
+                <a:latin typeface="G마켓 산스 Medium" panose="02000000000000000000" pitchFamily="50" charset="-127"/>
+                <a:ea typeface="G마켓 산스 Medium" panose="02000000000000000000" pitchFamily="50" charset="-127"/>
+              </a:rPr>
+              <a:t>.</a:t>
+            </a:r>
+            <a:endParaRPr lang="en-US" altLang="ko-KR" sz="3600">
+              <a:solidFill>
+                <a:srgbClr val="FF0000"/>
+              </a:solidFill>
+              <a:latin typeface="G마켓 산스 Medium" panose="02000000000000000000" pitchFamily="50" charset="-127"/>
+              <a:ea typeface="G마켓 산스 Medium" panose="02000000000000000000" pitchFamily="50" charset="-127"/>
+            </a:endParaRPr>
+          </a:p>
+          <a:p>
+            <a:pPr lvl="3"/>
+            <a:endParaRPr lang="en-US" altLang="ko-KR" sz="3600" dirty="0">
+              <a:solidFill>
+                <a:srgbClr val="4D4848"/>
+              </a:solidFill>
+              <a:latin typeface="G마켓 산스 Medium" panose="02000000000000000000" pitchFamily="50" charset="-127"/>
+              <a:ea typeface="G마켓 산스 Medium" panose="02000000000000000000" pitchFamily="50" charset="-127"/>
+            </a:endParaRPr>
+          </a:p>
+        </p:txBody>
+      </p:sp>
+      <p:pic>
+        <p:nvPicPr>
+          <p:cNvPr id="4" name="그림 3"/>
+          <p:cNvPicPr>
+            <a:picLocks noChangeAspect="1"/>
+          </p:cNvPicPr>
+          <p:nvPr/>
+        </p:nvPicPr>
+        <p:blipFill>
+          <a:blip r:embed="rId2"/>
+          <a:stretch>
+            <a:fillRect/>
+          </a:stretch>
+        </p:blipFill>
+        <p:spPr>
+          <a:xfrm>
+            <a:off x="914400" y="6870642"/>
+            <a:ext cx="5334887" cy="2057400"/>
+          </a:xfrm>
+          <a:prstGeom prst="rect">
+            <a:avLst/>
+          </a:prstGeom>
+        </p:spPr>
+      </p:pic>
+      <p:pic>
+        <p:nvPicPr>
+          <p:cNvPr id="2" name="그림 1"/>
+          <p:cNvPicPr>
+            <a:picLocks noChangeAspect="1"/>
+          </p:cNvPicPr>
+          <p:nvPr/>
+        </p:nvPicPr>
+        <p:blipFill>
+          <a:blip r:embed="rId3"/>
+          <a:stretch>
+            <a:fillRect/>
+          </a:stretch>
+        </p:blipFill>
+        <p:spPr>
+          <a:xfrm>
+            <a:off x="6781799" y="6886971"/>
+            <a:ext cx="3435803" cy="2041071"/>
+          </a:xfrm>
+          <a:prstGeom prst="rect">
+            <a:avLst/>
+          </a:prstGeom>
+        </p:spPr>
+      </p:pic>
+      <p:pic>
+        <p:nvPicPr>
+          <p:cNvPr id="5" name="그림 4"/>
+          <p:cNvPicPr>
+            <a:picLocks noChangeAspect="1"/>
+          </p:cNvPicPr>
+          <p:nvPr/>
+        </p:nvPicPr>
+        <p:blipFill>
+          <a:blip r:embed="rId4"/>
+          <a:stretch>
+            <a:fillRect/>
+          </a:stretch>
+        </p:blipFill>
+        <p:spPr>
+          <a:xfrm>
+            <a:off x="10750114" y="6886971"/>
+            <a:ext cx="4185086" cy="2070043"/>
+          </a:xfrm>
+          <a:prstGeom prst="rect">
+            <a:avLst/>
+          </a:prstGeom>
+        </p:spPr>
+      </p:pic>
+    </p:spTree>
+    <p:extLst>
+      <p:ext uri="{BB962C8B-B14F-4D97-AF65-F5344CB8AC3E}">
+        <p14:creationId xmlns:p14="http://schemas.microsoft.com/office/powerpoint/2010/main" val="3096372998"/>
+      </p:ext>
+    </p:extLst>
+  </p:cSld>
+  <p:clrMapOvr>
+    <a:masterClrMapping/>
+  </p:clrMapOvr>
+  <p:timing>
+    <p:tnLst>
+      <p:par>
+        <p:cTn id="1" dur="indefinite" restart="never" nodeType="tmRoot"/>
+      </p:par>
+    </p:tnLst>
+  </p:timing>
+</p:sld>
+</file>
+
+<file path=ppt/slides/slide54.xml><?xml version="1.0" encoding="utf-8"?>
+<p:sld xmlns:a="http://schemas.openxmlformats.org/drawingml/2006/main" xmlns:r="http://schemas.openxmlformats.org/officeDocument/2006/relationships" xmlns:p="http://schemas.openxmlformats.org/presentationml/2006/main">
+  <p:cSld>
+    <p:spTree>
+      <p:nvGrpSpPr>
+        <p:cNvPr id="1" name=""/>
+        <p:cNvGrpSpPr/>
+        <p:nvPr/>
+      </p:nvGrpSpPr>
+      <p:grpSpPr>
+        <a:xfrm>
+          <a:off x="0" y="0"/>
+          <a:ext cx="0" cy="0"/>
+          <a:chOff x="0" y="0"/>
+          <a:chExt cx="0" cy="0"/>
+        </a:xfrm>
+      </p:grpSpPr>
+      <p:pic>
+        <p:nvPicPr>
+          <p:cNvPr id="2" name="그림 1"/>
+          <p:cNvPicPr>
+            <a:picLocks noChangeAspect="1"/>
+          </p:cNvPicPr>
+          <p:nvPr/>
+        </p:nvPicPr>
+        <p:blipFill>
+          <a:blip r:embed="rId2"/>
+          <a:stretch>
+            <a:fillRect/>
+          </a:stretch>
+        </p:blipFill>
+        <p:spPr>
+          <a:xfrm>
+            <a:off x="1242949" y="1485900"/>
+            <a:ext cx="11998732" cy="5867400"/>
+          </a:xfrm>
+          <a:prstGeom prst="rect">
+            <a:avLst/>
+          </a:prstGeom>
+        </p:spPr>
+      </p:pic>
+      <p:sp>
+        <p:nvSpPr>
+          <p:cNvPr id="6" name="TextBox 5">
+            <a:extLst>
+              <a:ext uri="{FF2B5EF4-FFF2-40B4-BE49-F238E27FC236}">
+                <a16:creationId xmlns="" xmlns:a16="http://schemas.microsoft.com/office/drawing/2014/main" id="{83984F9D-D038-272E-E4BC-9D066CE2DFB5}"/>
+              </a:ext>
+            </a:extLst>
+          </p:cNvPr>
+          <p:cNvSpPr txBox="1"/>
+          <p:nvPr/>
+        </p:nvSpPr>
+        <p:spPr>
+          <a:xfrm>
+            <a:off x="381000" y="190499"/>
+            <a:ext cx="1665841" cy="1015663"/>
+          </a:xfrm>
+          <a:prstGeom prst="rect">
+            <a:avLst/>
+          </a:prstGeom>
+          <a:noFill/>
+        </p:spPr>
+        <p:txBody>
+          <a:bodyPr wrap="none" rtlCol="0">
+            <a:spAutoFit/>
+          </a:bodyPr>
+          <a:lstStyle/>
+          <a:p>
+            <a:r>
+              <a:rPr lang="ko-KR" altLang="en-US" sz="6000" dirty="0">
+                <a:solidFill>
+                  <a:srgbClr val="4C50BB"/>
+                </a:solidFill>
+                <a:latin typeface="G마켓 산스 TTF Bold" panose="02000000000000000000" pitchFamily="2" charset="-127"/>
+                <a:ea typeface="G마켓 산스 TTF Bold" panose="02000000000000000000" pitchFamily="2" charset="-127"/>
+              </a:rPr>
+              <a:t>해설</a:t>
+            </a:r>
+            <a:endParaRPr lang="ko-KR" altLang="en-US" sz="800" dirty="0">
+              <a:solidFill>
+                <a:srgbClr val="4C50BB"/>
+              </a:solidFill>
+              <a:latin typeface="G마켓 산스 TTF Bold" panose="02000000000000000000" pitchFamily="2" charset="-127"/>
+              <a:ea typeface="G마켓 산스 TTF Bold" panose="02000000000000000000" pitchFamily="2" charset="-127"/>
+            </a:endParaRPr>
+          </a:p>
+        </p:txBody>
+      </p:sp>
+      <p:cxnSp>
+        <p:nvCxnSpPr>
+          <p:cNvPr id="7" name="직선 화살표 연결선 6">
+            <a:extLst>
+              <a:ext uri="{FF2B5EF4-FFF2-40B4-BE49-F238E27FC236}">
+                <a16:creationId xmlns:a16="http://schemas.microsoft.com/office/drawing/2014/main" xmlns="" id="{299DF5EC-9DF4-5255-06AC-0A7CE4FF58C3}"/>
+              </a:ext>
+            </a:extLst>
+          </p:cNvPr>
+          <p:cNvCxnSpPr>
+            <a:cxnSpLocks/>
+          </p:cNvCxnSpPr>
+          <p:nvPr/>
+        </p:nvCxnSpPr>
+        <p:spPr>
+          <a:xfrm flipV="1">
+            <a:off x="8839200" y="4229100"/>
+            <a:ext cx="1600200" cy="685800"/>
+          </a:xfrm>
+          <a:prstGeom prst="straightConnector1">
+            <a:avLst/>
+          </a:prstGeom>
+          <a:ln w="38100">
+            <a:tailEnd type="triangle"/>
+          </a:ln>
+        </p:spPr>
+        <p:style>
+          <a:lnRef idx="1">
+            <a:schemeClr val="accent2"/>
+          </a:lnRef>
+          <a:fillRef idx="0">
+            <a:schemeClr val="accent2"/>
+          </a:fillRef>
+          <a:effectRef idx="0">
+            <a:schemeClr val="accent2"/>
+          </a:effectRef>
+          <a:fontRef idx="minor">
+            <a:schemeClr val="tx1"/>
+          </a:fontRef>
+        </p:style>
+      </p:cxnSp>
+      <p:sp>
+        <p:nvSpPr>
+          <p:cNvPr id="8" name="직사각형 7">
+            <a:extLst>
+              <a:ext uri="{FF2B5EF4-FFF2-40B4-BE49-F238E27FC236}">
+                <a16:creationId xmlns:a16="http://schemas.microsoft.com/office/drawing/2014/main" xmlns="" id="{FFF506F9-840A-0508-4CAF-3AC711D8D5CE}"/>
+              </a:ext>
+            </a:extLst>
+          </p:cNvPr>
+          <p:cNvSpPr/>
+          <p:nvPr/>
+        </p:nvSpPr>
+        <p:spPr>
+          <a:xfrm>
+            <a:off x="2046841" y="4914900"/>
+            <a:ext cx="7401959" cy="533400"/>
+          </a:xfrm>
+          <a:prstGeom prst="rect">
+            <a:avLst/>
+          </a:prstGeom>
+          <a:noFill/>
+          <a:ln>
+            <a:solidFill>
+              <a:srgbClr val="FF0000"/>
+            </a:solidFill>
+          </a:ln>
+        </p:spPr>
+        <p:style>
+          <a:lnRef idx="2">
+            <a:schemeClr val="accent2">
+              <a:shade val="50000"/>
+            </a:schemeClr>
+          </a:lnRef>
+          <a:fillRef idx="1">
+            <a:schemeClr val="accent2"/>
+          </a:fillRef>
+          <a:effectRef idx="0">
+            <a:schemeClr val="accent2"/>
+          </a:effectRef>
+          <a:fontRef idx="minor">
+            <a:schemeClr val="lt1"/>
+          </a:fontRef>
+        </p:style>
+        <p:txBody>
+          <a:bodyPr rtlCol="0" anchor="ctr"/>
+          <a:lstStyle/>
+          <a:p>
+            <a:pPr algn="ctr"/>
+            <a:endParaRPr lang="ko-KR" altLang="en-US"/>
+          </a:p>
+        </p:txBody>
+      </p:sp>
+      <p:sp>
+        <p:nvSpPr>
+          <p:cNvPr id="9" name="TextBox 8">
+            <a:extLst>
+              <a:ext uri="{FF2B5EF4-FFF2-40B4-BE49-F238E27FC236}">
+                <a16:creationId xmlns:a16="http://schemas.microsoft.com/office/drawing/2014/main" xmlns="" id="{C6D113C6-EA5C-788F-0C77-E7CE6EBB865F}"/>
+              </a:ext>
+            </a:extLst>
+          </p:cNvPr>
+          <p:cNvSpPr txBox="1"/>
+          <p:nvPr/>
+        </p:nvSpPr>
+        <p:spPr>
+          <a:xfrm>
+            <a:off x="8458200" y="2994495"/>
+            <a:ext cx="8077200" cy="1200329"/>
+          </a:xfrm>
+          <a:prstGeom prst="rect">
+            <a:avLst/>
+          </a:prstGeom>
+          <a:noFill/>
+        </p:spPr>
+        <p:txBody>
+          <a:bodyPr wrap="square" rtlCol="0">
+            <a:spAutoFit/>
+          </a:bodyPr>
+          <a:lstStyle/>
+          <a:p>
+            <a:r>
+              <a:rPr lang="en-US" altLang="ko-KR" sz="3600" smtClean="0">
+                <a:solidFill>
+                  <a:srgbClr val="FF0000"/>
+                </a:solidFill>
+                <a:latin typeface="G마켓 산스 Medium" panose="02000000000000000000" pitchFamily="50" charset="-127"/>
+                <a:ea typeface="G마켓 산스 Medium" panose="02000000000000000000" pitchFamily="50" charset="-127"/>
+              </a:rPr>
+              <a:t>4</a:t>
+            </a:r>
+            <a:r>
+              <a:rPr lang="ko-KR" altLang="en-US" sz="3600" smtClean="0">
+                <a:solidFill>
+                  <a:srgbClr val="FF0000"/>
+                </a:solidFill>
+                <a:latin typeface="G마켓 산스 Medium" panose="02000000000000000000" pitchFamily="50" charset="-127"/>
+                <a:ea typeface="G마켓 산스 Medium" panose="02000000000000000000" pitchFamily="50" charset="-127"/>
+              </a:rPr>
+              <a:t>로 나누어떨어지면서 </a:t>
+            </a:r>
+            <a:r>
+              <a:rPr lang="en-US" altLang="ko-KR" sz="3600" smtClean="0">
+                <a:solidFill>
+                  <a:srgbClr val="FF0000"/>
+                </a:solidFill>
+                <a:latin typeface="G마켓 산스 Medium" panose="02000000000000000000" pitchFamily="50" charset="-127"/>
+                <a:ea typeface="G마켓 산스 Medium" panose="02000000000000000000" pitchFamily="50" charset="-127"/>
+              </a:rPr>
+              <a:t>100</a:t>
+            </a:r>
+            <a:r>
+              <a:rPr lang="ko-KR" altLang="en-US" sz="3600" smtClean="0">
+                <a:solidFill>
+                  <a:srgbClr val="FF0000"/>
+                </a:solidFill>
+                <a:latin typeface="G마켓 산스 Medium" panose="02000000000000000000" pitchFamily="50" charset="-127"/>
+                <a:ea typeface="G마켓 산스 Medium" panose="02000000000000000000" pitchFamily="50" charset="-127"/>
+              </a:rPr>
+              <a:t>으로는 나누어지지 않아야 윤년이다</a:t>
+            </a:r>
+            <a:r>
+              <a:rPr lang="en-US" altLang="ko-KR" sz="3600" smtClean="0">
+                <a:solidFill>
+                  <a:srgbClr val="FF0000"/>
+                </a:solidFill>
+                <a:latin typeface="G마켓 산스 Medium" panose="02000000000000000000" pitchFamily="50" charset="-127"/>
+                <a:ea typeface="G마켓 산스 Medium" panose="02000000000000000000" pitchFamily="50" charset="-127"/>
+              </a:rPr>
+              <a:t>.</a:t>
+            </a:r>
+            <a:endParaRPr lang="en-US" altLang="ko-KR" sz="3600" dirty="0">
+              <a:solidFill>
+                <a:srgbClr val="FF0000"/>
+              </a:solidFill>
+              <a:latin typeface="G마켓 산스 Medium" panose="02000000000000000000" pitchFamily="50" charset="-127"/>
+              <a:ea typeface="G마켓 산스 Medium" panose="02000000000000000000" pitchFamily="50" charset="-127"/>
+            </a:endParaRPr>
+          </a:p>
+        </p:txBody>
+      </p:sp>
+      <p:cxnSp>
+        <p:nvCxnSpPr>
+          <p:cNvPr id="10" name="직선 화살표 연결선 9">
+            <a:extLst>
+              <a:ext uri="{FF2B5EF4-FFF2-40B4-BE49-F238E27FC236}">
+                <a16:creationId xmlns:a16="http://schemas.microsoft.com/office/drawing/2014/main" xmlns="" id="{299DF5EC-9DF4-5255-06AC-0A7CE4FF58C3}"/>
+              </a:ext>
+            </a:extLst>
+          </p:cNvPr>
+          <p:cNvCxnSpPr>
+            <a:cxnSpLocks/>
+          </p:cNvCxnSpPr>
+          <p:nvPr/>
+        </p:nvCxnSpPr>
+        <p:spPr>
+          <a:xfrm>
+            <a:off x="11353800" y="5448300"/>
+            <a:ext cx="304800" cy="2725978"/>
+          </a:xfrm>
+          <a:prstGeom prst="straightConnector1">
+            <a:avLst/>
+          </a:prstGeom>
+          <a:ln w="38100">
+            <a:tailEnd type="triangle"/>
+          </a:ln>
+        </p:spPr>
+        <p:style>
+          <a:lnRef idx="1">
+            <a:schemeClr val="accent2"/>
+          </a:lnRef>
+          <a:fillRef idx="0">
+            <a:schemeClr val="accent2"/>
+          </a:fillRef>
+          <a:effectRef idx="0">
+            <a:schemeClr val="accent2"/>
+          </a:effectRef>
+          <a:fontRef idx="minor">
+            <a:schemeClr val="tx1"/>
+          </a:fontRef>
+        </p:style>
+      </p:cxnSp>
+      <p:sp>
+        <p:nvSpPr>
+          <p:cNvPr id="11" name="직사각형 10">
+            <a:extLst>
+              <a:ext uri="{FF2B5EF4-FFF2-40B4-BE49-F238E27FC236}">
+                <a16:creationId xmlns:a16="http://schemas.microsoft.com/office/drawing/2014/main" xmlns="" id="{FFF506F9-840A-0508-4CAF-3AC711D8D5CE}"/>
+              </a:ext>
+            </a:extLst>
+          </p:cNvPr>
+          <p:cNvSpPr/>
+          <p:nvPr/>
+        </p:nvSpPr>
+        <p:spPr>
+          <a:xfrm>
+            <a:off x="10041281" y="4949176"/>
+            <a:ext cx="2798582" cy="457200"/>
+          </a:xfrm>
+          <a:prstGeom prst="rect">
+            <a:avLst/>
+          </a:prstGeom>
+          <a:noFill/>
+          <a:ln>
+            <a:solidFill>
+              <a:srgbClr val="FF0000"/>
+            </a:solidFill>
+          </a:ln>
+        </p:spPr>
+        <p:style>
+          <a:lnRef idx="2">
+            <a:schemeClr val="accent2">
+              <a:shade val="50000"/>
+            </a:schemeClr>
+          </a:lnRef>
+          <a:fillRef idx="1">
+            <a:schemeClr val="accent2"/>
+          </a:fillRef>
+          <a:effectRef idx="0">
+            <a:schemeClr val="accent2"/>
+          </a:effectRef>
+          <a:fontRef idx="minor">
+            <a:schemeClr val="lt1"/>
+          </a:fontRef>
+        </p:style>
+        <p:txBody>
+          <a:bodyPr rtlCol="0" anchor="ctr"/>
+          <a:lstStyle/>
+          <a:p>
+            <a:pPr algn="ctr"/>
+            <a:endParaRPr lang="ko-KR" altLang="en-US"/>
+          </a:p>
+        </p:txBody>
+      </p:sp>
+      <p:sp>
+        <p:nvSpPr>
+          <p:cNvPr id="12" name="TextBox 11">
+            <a:extLst>
+              <a:ext uri="{FF2B5EF4-FFF2-40B4-BE49-F238E27FC236}">
+                <a16:creationId xmlns:a16="http://schemas.microsoft.com/office/drawing/2014/main" xmlns="" id="{C6D113C6-EA5C-788F-0C77-E7CE6EBB865F}"/>
+              </a:ext>
+            </a:extLst>
+          </p:cNvPr>
+          <p:cNvSpPr txBox="1"/>
+          <p:nvPr/>
+        </p:nvSpPr>
+        <p:spPr>
+          <a:xfrm>
+            <a:off x="2514600" y="8371114"/>
+            <a:ext cx="15392400" cy="1200329"/>
+          </a:xfrm>
+          <a:prstGeom prst="rect">
+            <a:avLst/>
+          </a:prstGeom>
+          <a:noFill/>
+        </p:spPr>
+        <p:txBody>
+          <a:bodyPr wrap="square" rtlCol="0">
+            <a:spAutoFit/>
+          </a:bodyPr>
+          <a:lstStyle/>
+          <a:p>
+            <a:r>
+              <a:rPr lang="ko-KR" altLang="en-US" sz="3600" smtClean="0">
+                <a:solidFill>
+                  <a:srgbClr val="FF0000"/>
+                </a:solidFill>
+                <a:latin typeface="G마켓 산스 Medium" panose="02000000000000000000" pitchFamily="50" charset="-127"/>
+                <a:ea typeface="G마켓 산스 Medium" panose="02000000000000000000" pitchFamily="50" charset="-127"/>
+              </a:rPr>
+              <a:t>정확히는 </a:t>
+            </a:r>
+            <a:r>
+              <a:rPr lang="en-US" altLang="ko-KR" sz="3600" smtClean="0">
+                <a:solidFill>
+                  <a:srgbClr val="FF0000"/>
+                </a:solidFill>
+                <a:latin typeface="G마켓 산스 Medium" panose="02000000000000000000" pitchFamily="50" charset="-127"/>
+                <a:ea typeface="G마켓 산스 Medium" panose="02000000000000000000" pitchFamily="50" charset="-127"/>
+              </a:rPr>
+              <a:t>4</a:t>
+            </a:r>
+            <a:r>
+              <a:rPr lang="ko-KR" altLang="en-US" sz="3600" smtClean="0">
+                <a:solidFill>
+                  <a:srgbClr val="FF0000"/>
+                </a:solidFill>
+                <a:latin typeface="G마켓 산스 Medium" panose="02000000000000000000" pitchFamily="50" charset="-127"/>
+                <a:ea typeface="G마켓 산스 Medium" panose="02000000000000000000" pitchFamily="50" charset="-127"/>
+              </a:rPr>
+              <a:t>로 나누어 떨어지면서 </a:t>
+            </a:r>
+            <a:r>
+              <a:rPr lang="en-US" altLang="ko-KR" sz="3600" smtClean="0">
+                <a:solidFill>
+                  <a:srgbClr val="FF0000"/>
+                </a:solidFill>
+                <a:latin typeface="G마켓 산스 Medium" panose="02000000000000000000" pitchFamily="50" charset="-127"/>
+                <a:ea typeface="G마켓 산스 Medium" panose="02000000000000000000" pitchFamily="50" charset="-127"/>
+              </a:rPr>
+              <a:t>400</a:t>
+            </a:r>
+            <a:r>
+              <a:rPr lang="ko-KR" altLang="en-US" sz="3600" smtClean="0">
+                <a:solidFill>
+                  <a:srgbClr val="FF0000"/>
+                </a:solidFill>
+                <a:latin typeface="G마켓 산스 Medium" panose="02000000000000000000" pitchFamily="50" charset="-127"/>
+                <a:ea typeface="G마켓 산스 Medium" panose="02000000000000000000" pitchFamily="50" charset="-127"/>
+              </a:rPr>
+              <a:t>으로 나누어떨어지면 윤년이다</a:t>
+            </a:r>
+            <a:r>
+              <a:rPr lang="en-US" altLang="ko-KR" sz="3600" smtClean="0">
+                <a:solidFill>
+                  <a:srgbClr val="FF0000"/>
+                </a:solidFill>
+                <a:latin typeface="G마켓 산스 Medium" panose="02000000000000000000" pitchFamily="50" charset="-127"/>
+                <a:ea typeface="G마켓 산스 Medium" panose="02000000000000000000" pitchFamily="50" charset="-127"/>
+              </a:rPr>
+              <a:t>.</a:t>
+            </a:r>
+          </a:p>
+          <a:p>
+            <a:r>
+              <a:rPr lang="ko-KR" altLang="en-US" sz="3600" smtClean="0">
+                <a:solidFill>
+                  <a:srgbClr val="FF0000"/>
+                </a:solidFill>
+                <a:latin typeface="G마켓 산스 Medium" panose="02000000000000000000" pitchFamily="50" charset="-127"/>
+                <a:ea typeface="G마켓 산스 Medium" panose="02000000000000000000" pitchFamily="50" charset="-127"/>
+              </a:rPr>
+              <a:t>그러나 </a:t>
+            </a:r>
+            <a:r>
+              <a:rPr lang="en-US" altLang="ko-KR" sz="3600" smtClean="0">
+                <a:solidFill>
+                  <a:srgbClr val="FF0000"/>
+                </a:solidFill>
+                <a:latin typeface="G마켓 산스 Medium" panose="02000000000000000000" pitchFamily="50" charset="-127"/>
+                <a:ea typeface="G마켓 산스 Medium" panose="02000000000000000000" pitchFamily="50" charset="-127"/>
+              </a:rPr>
+              <a:t>400</a:t>
+            </a:r>
+            <a:r>
+              <a:rPr lang="ko-KR" altLang="en-US" sz="3600" smtClean="0">
+                <a:solidFill>
+                  <a:srgbClr val="FF0000"/>
+                </a:solidFill>
+                <a:latin typeface="G마켓 산스 Medium" panose="02000000000000000000" pitchFamily="50" charset="-127"/>
+                <a:ea typeface="G마켓 산스 Medium" panose="02000000000000000000" pitchFamily="50" charset="-127"/>
+              </a:rPr>
+              <a:t>으로 나누어지면 당연히 </a:t>
+            </a:r>
+            <a:r>
+              <a:rPr lang="en-US" altLang="ko-KR" sz="3600" smtClean="0">
+                <a:solidFill>
+                  <a:srgbClr val="FF0000"/>
+                </a:solidFill>
+                <a:latin typeface="G마켓 산스 Medium" panose="02000000000000000000" pitchFamily="50" charset="-127"/>
+                <a:ea typeface="G마켓 산스 Medium" panose="02000000000000000000" pitchFamily="50" charset="-127"/>
+              </a:rPr>
+              <a:t>4</a:t>
+            </a:r>
+            <a:r>
+              <a:rPr lang="ko-KR" altLang="en-US" sz="3600" smtClean="0">
+                <a:solidFill>
+                  <a:srgbClr val="FF0000"/>
+                </a:solidFill>
+                <a:latin typeface="G마켓 산스 Medium" panose="02000000000000000000" pitchFamily="50" charset="-127"/>
+                <a:ea typeface="G마켓 산스 Medium" panose="02000000000000000000" pitchFamily="50" charset="-127"/>
+              </a:rPr>
+              <a:t>로도 나누어지므로 불필요한 조건이다</a:t>
+            </a:r>
+            <a:r>
+              <a:rPr lang="en-US" altLang="ko-KR" sz="3600" smtClean="0">
+                <a:solidFill>
+                  <a:srgbClr val="FF0000"/>
+                </a:solidFill>
+                <a:latin typeface="G마켓 산스 Medium" panose="02000000000000000000" pitchFamily="50" charset="-127"/>
+                <a:ea typeface="G마켓 산스 Medium" panose="02000000000000000000" pitchFamily="50" charset="-127"/>
+              </a:rPr>
+              <a:t>.</a:t>
+            </a:r>
+            <a:endParaRPr lang="en-US" altLang="ko-KR" sz="3600" dirty="0">
+              <a:solidFill>
+                <a:srgbClr val="FF0000"/>
+              </a:solidFill>
+              <a:latin typeface="G마켓 산스 Medium" panose="02000000000000000000" pitchFamily="50" charset="-127"/>
+              <a:ea typeface="G마켓 산스 Medium" panose="02000000000000000000" pitchFamily="50" charset="-127"/>
+            </a:endParaRPr>
+          </a:p>
+        </p:txBody>
+      </p:sp>
+      <p:sp>
+        <p:nvSpPr>
+          <p:cNvPr id="15" name="직사각형 14">
+            <a:extLst>
+              <a:ext uri="{FF2B5EF4-FFF2-40B4-BE49-F238E27FC236}">
+                <a16:creationId xmlns="" xmlns:a16="http://schemas.microsoft.com/office/drawing/2014/main" id="{5399253E-3E2C-C472-9B95-0B555C6AC66D}"/>
+              </a:ext>
+            </a:extLst>
+          </p:cNvPr>
+          <p:cNvSpPr/>
+          <p:nvPr/>
+        </p:nvSpPr>
+        <p:spPr>
+          <a:xfrm>
+            <a:off x="457201" y="1206162"/>
+            <a:ext cx="17221200" cy="9080838"/>
+          </a:xfrm>
+          <a:prstGeom prst="rect">
+            <a:avLst/>
+          </a:prstGeom>
+          <a:solidFill>
+            <a:schemeClr val="bg1"/>
+          </a:solidFill>
+          <a:ln>
+            <a:noFill/>
+          </a:ln>
+        </p:spPr>
+        <p:style>
+          <a:lnRef idx="2">
+            <a:schemeClr val="accent1">
+              <a:shade val="15000"/>
+            </a:schemeClr>
+          </a:lnRef>
+          <a:fillRef idx="1">
+            <a:schemeClr val="accent1"/>
+          </a:fillRef>
+          <a:effectRef idx="0">
+            <a:schemeClr val="accent1"/>
+          </a:effectRef>
+          <a:fontRef idx="minor">
+            <a:schemeClr val="lt1"/>
+          </a:fontRef>
+        </p:style>
+        <p:txBody>
+          <a:bodyPr rtlCol="0" anchor="ctr"/>
+          <a:lstStyle/>
+          <a:p>
+            <a:pPr algn="ctr"/>
+            <a:endParaRPr lang="ko-KR" altLang="en-US"/>
+          </a:p>
+        </p:txBody>
+      </p:sp>
+    </p:spTree>
+    <p:extLst>
+      <p:ext uri="{BB962C8B-B14F-4D97-AF65-F5344CB8AC3E}">
+        <p14:creationId xmlns:p14="http://schemas.microsoft.com/office/powerpoint/2010/main" val="1008798583"/>
+      </p:ext>
+    </p:extLst>
+  </p:cSld>
+  <p:clrMapOvr>
+    <a:masterClrMapping/>
+  </p:clrMapOvr>
+  <p:timing>
+    <p:tnLst>
+      <p:par>
+        <p:cTn id="1" dur="indefinite" restart="never" nodeType="tmRoot">
+          <p:childTnLst>
+            <p:seq concurrent="1" nextAc="seek">
+              <p:cTn id="2" dur="indefinite" nodeType="mainSeq">
+                <p:childTnLst>
+                  <p:par>
+                    <p:cTn id="3" fill="hold">
+                      <p:stCondLst>
+                        <p:cond delay="indefinite"/>
+                      </p:stCondLst>
+                      <p:childTnLst>
+                        <p:par>
+                          <p:cTn id="4" fill="hold">
+                            <p:stCondLst>
+                              <p:cond delay="0"/>
+                            </p:stCondLst>
+                            <p:childTnLst>
+                              <p:par>
+                                <p:cTn id="5" presetID="1" presetClass="exit" presetSubtype="0" fill="hold" grpId="0" nodeType="clickEffect">
+                                  <p:stCondLst>
+                                    <p:cond delay="0"/>
+                                  </p:stCondLst>
+                                  <p:childTnLst>
+                                    <p:set>
+                                      <p:cBhvr>
+                                        <p:cTn id="6" dur="1" fill="hold">
+                                          <p:stCondLst>
+                                            <p:cond delay="0"/>
+                                          </p:stCondLst>
+                                        </p:cTn>
+                                        <p:tgtEl>
+                                          <p:spTgt spid="15"/>
+                                        </p:tgtEl>
+                                        <p:attrNameLst>
+                                          <p:attrName>style.visibility</p:attrName>
+                                        </p:attrNameLst>
+                                      </p:cBhvr>
+                                      <p:to>
+                                        <p:strVal val="hidden"/>
+                                      </p:to>
+                                    </p:set>
+                                  </p:childTnLst>
+                                </p:cTn>
+                              </p:par>
+                            </p:childTnLst>
+                          </p:cTn>
+                        </p:par>
+                      </p:childTnLst>
+                    </p:cTn>
+                  </p:par>
+                </p:childTnLst>
+              </p:cTn>
+              <p:prevCondLst>
+                <p:cond evt="onPrev" delay="0">
+                  <p:tgtEl>
+                    <p:sldTgt/>
+                  </p:tgtEl>
+                </p:cond>
+              </p:prevCondLst>
+              <p:nextCondLst>
+                <p:cond evt="onNext" delay="0">
+                  <p:tgtEl>
+                    <p:sldTgt/>
+                  </p:tgtEl>
+                </p:cond>
+              </p:nextCondLst>
+            </p:seq>
+          </p:childTnLst>
+        </p:cTn>
+      </p:par>
+    </p:tnLst>
+    <p:bldLst>
+      <p:bldP spid="15" grpId="0" animBg="1"/>
+    </p:bldLst>
   </p:timing>
 </p:sld>
 </file>
@@ -26754,7 +27926,7 @@
           <p:cNvPr id="2" name="TextBox 1">
             <a:extLst>
               <a:ext uri="{FF2B5EF4-FFF2-40B4-BE49-F238E27FC236}">
-                <a16:creationId xmlns:a16="http://schemas.microsoft.com/office/drawing/2014/main" id="{715D88A2-BD52-978B-A00A-540446126E3D}"/>
+                <a16:creationId xmlns="" xmlns:a16="http://schemas.microsoft.com/office/drawing/2014/main" id="{715D88A2-BD52-978B-A00A-540446126E3D}"/>
               </a:ext>
             </a:extLst>
           </p:cNvPr>
@@ -26802,6 +27974,13 @@
   <p:clrMapOvr>
     <a:masterClrMapping/>
   </p:clrMapOvr>
+  <p:timing>
+    <p:tnLst>
+      <p:par>
+        <p:cTn id="1" dur="indefinite" restart="never" nodeType="tmRoot"/>
+      </p:par>
+    </p:tnLst>
+  </p:timing>
 </p:sld>
 </file>
 
@@ -26827,7 +28006,7 @@
           <p:cNvPr id="5" name="그림 4">
             <a:extLst>
               <a:ext uri="{FF2B5EF4-FFF2-40B4-BE49-F238E27FC236}">
-                <a16:creationId xmlns:a16="http://schemas.microsoft.com/office/drawing/2014/main" id="{3D1A71B3-9CE1-271D-273B-DA9599A91CD8}"/>
+                <a16:creationId xmlns="" xmlns:a16="http://schemas.microsoft.com/office/drawing/2014/main" id="{3D1A71B3-9CE1-271D-273B-DA9599A91CD8}"/>
               </a:ext>
             </a:extLst>
           </p:cNvPr>
@@ -26857,7 +28036,7 @@
           <p:cNvPr id="6" name="직선 화살표 연결선 5">
             <a:extLst>
               <a:ext uri="{FF2B5EF4-FFF2-40B4-BE49-F238E27FC236}">
-                <a16:creationId xmlns:a16="http://schemas.microsoft.com/office/drawing/2014/main" id="{D73E2532-2EA4-9763-14E7-93B53391B007}"/>
+                <a16:creationId xmlns="" xmlns:a16="http://schemas.microsoft.com/office/drawing/2014/main" id="{D73E2532-2EA4-9763-14E7-93B53391B007}"/>
               </a:ext>
             </a:extLst>
           </p:cNvPr>
@@ -26898,7 +28077,7 @@
           <p:cNvPr id="7" name="직사각형 6">
             <a:extLst>
               <a:ext uri="{FF2B5EF4-FFF2-40B4-BE49-F238E27FC236}">
-                <a16:creationId xmlns:a16="http://schemas.microsoft.com/office/drawing/2014/main" id="{2D0867D1-5270-6EDD-A0ED-296F486F1620}"/>
+                <a16:creationId xmlns="" xmlns:a16="http://schemas.microsoft.com/office/drawing/2014/main" id="{2D0867D1-5270-6EDD-A0ED-296F486F1620}"/>
               </a:ext>
             </a:extLst>
           </p:cNvPr>
@@ -26950,7 +28129,7 @@
           <p:cNvPr id="8" name="TextBox 7">
             <a:extLst>
               <a:ext uri="{FF2B5EF4-FFF2-40B4-BE49-F238E27FC236}">
-                <a16:creationId xmlns:a16="http://schemas.microsoft.com/office/drawing/2014/main" id="{51BDE778-CD37-7ADC-9099-E02B93FE9F43}"/>
+                <a16:creationId xmlns="" xmlns:a16="http://schemas.microsoft.com/office/drawing/2014/main" id="{51BDE778-CD37-7ADC-9099-E02B93FE9F43}"/>
               </a:ext>
             </a:extLst>
           </p:cNvPr>
@@ -27095,7 +28274,7 @@
           <p:cNvPr id="5" name="직선 화살표 연결선 4">
             <a:extLst>
               <a:ext uri="{FF2B5EF4-FFF2-40B4-BE49-F238E27FC236}">
-                <a16:creationId xmlns:a16="http://schemas.microsoft.com/office/drawing/2014/main" id="{299DF5EC-9DF4-5255-06AC-0A7CE4FF58C3}"/>
+                <a16:creationId xmlns="" xmlns:a16="http://schemas.microsoft.com/office/drawing/2014/main" id="{299DF5EC-9DF4-5255-06AC-0A7CE4FF58C3}"/>
               </a:ext>
             </a:extLst>
           </p:cNvPr>
@@ -27136,7 +28315,7 @@
           <p:cNvPr id="7" name="TextBox 6">
             <a:extLst>
               <a:ext uri="{FF2B5EF4-FFF2-40B4-BE49-F238E27FC236}">
-                <a16:creationId xmlns:a16="http://schemas.microsoft.com/office/drawing/2014/main" id="{C6D113C6-EA5C-788F-0C77-E7CE6EBB865F}"/>
+                <a16:creationId xmlns="" xmlns:a16="http://schemas.microsoft.com/office/drawing/2014/main" id="{C6D113C6-EA5C-788F-0C77-E7CE6EBB865F}"/>
               </a:ext>
             </a:extLst>
           </p:cNvPr>
@@ -27237,7 +28416,7 @@
           <p:cNvPr id="11" name="TextBox 10">
             <a:extLst>
               <a:ext uri="{FF2B5EF4-FFF2-40B4-BE49-F238E27FC236}">
-                <a16:creationId xmlns:a16="http://schemas.microsoft.com/office/drawing/2014/main" id="{5ADC00B6-990A-40DC-3CEA-505258F5E8DA}"/>
+                <a16:creationId xmlns="" xmlns:a16="http://schemas.microsoft.com/office/drawing/2014/main" id="{5ADC00B6-990A-40DC-3CEA-505258F5E8DA}"/>
               </a:ext>
             </a:extLst>
           </p:cNvPr>
@@ -27397,7 +28576,7 @@
           <p:cNvPr id="8" name="직선 화살표 연결선 7">
             <a:extLst>
               <a:ext uri="{FF2B5EF4-FFF2-40B4-BE49-F238E27FC236}">
-                <a16:creationId xmlns:a16="http://schemas.microsoft.com/office/drawing/2014/main" id="{299DF5EC-9DF4-5255-06AC-0A7CE4FF58C3}"/>
+                <a16:creationId xmlns="" xmlns:a16="http://schemas.microsoft.com/office/drawing/2014/main" id="{299DF5EC-9DF4-5255-06AC-0A7CE4FF58C3}"/>
               </a:ext>
             </a:extLst>
           </p:cNvPr>
@@ -27439,7 +28618,7 @@
           <p:cNvPr id="9" name="TextBox 8">
             <a:extLst>
               <a:ext uri="{FF2B5EF4-FFF2-40B4-BE49-F238E27FC236}">
-                <a16:creationId xmlns:a16="http://schemas.microsoft.com/office/drawing/2014/main" id="{C6D113C6-EA5C-788F-0C77-E7CE6EBB865F}"/>
+                <a16:creationId xmlns="" xmlns:a16="http://schemas.microsoft.com/office/drawing/2014/main" id="{C6D113C6-EA5C-788F-0C77-E7CE6EBB865F}"/>
               </a:ext>
             </a:extLst>
           </p:cNvPr>
@@ -27490,7 +28669,7 @@
           <p:cNvPr id="11" name="TextBox 10">
             <a:extLst>
               <a:ext uri="{FF2B5EF4-FFF2-40B4-BE49-F238E27FC236}">
-                <a16:creationId xmlns:a16="http://schemas.microsoft.com/office/drawing/2014/main" id="{C6D113C6-EA5C-788F-0C77-E7CE6EBB865F}"/>
+                <a16:creationId xmlns="" xmlns:a16="http://schemas.microsoft.com/office/drawing/2014/main" id="{C6D113C6-EA5C-788F-0C77-E7CE6EBB865F}"/>
               </a:ext>
             </a:extLst>
           </p:cNvPr>
@@ -27591,7 +28770,7 @@
           <p:cNvPr id="12" name="TextBox 11">
             <a:extLst>
               <a:ext uri="{FF2B5EF4-FFF2-40B4-BE49-F238E27FC236}">
-                <a16:creationId xmlns:a16="http://schemas.microsoft.com/office/drawing/2014/main" id="{C6D113C6-EA5C-788F-0C77-E7CE6EBB865F}"/>
+                <a16:creationId xmlns="" xmlns:a16="http://schemas.microsoft.com/office/drawing/2014/main" id="{C6D113C6-EA5C-788F-0C77-E7CE6EBB865F}"/>
               </a:ext>
             </a:extLst>
           </p:cNvPr>
@@ -27702,7 +28881,7 @@
           <p:cNvPr id="14" name="TextBox 13">
             <a:extLst>
               <a:ext uri="{FF2B5EF4-FFF2-40B4-BE49-F238E27FC236}">
-                <a16:creationId xmlns:a16="http://schemas.microsoft.com/office/drawing/2014/main" id="{5ADC00B6-990A-40DC-3CEA-505258F5E8DA}"/>
+                <a16:creationId xmlns="" xmlns:a16="http://schemas.microsoft.com/office/drawing/2014/main" id="{5ADC00B6-990A-40DC-3CEA-505258F5E8DA}"/>
               </a:ext>
             </a:extLst>
           </p:cNvPr>
@@ -27784,7 +28963,7 @@
           <p:cNvPr id="16" name="TextBox 15">
             <a:extLst>
               <a:ext uri="{FF2B5EF4-FFF2-40B4-BE49-F238E27FC236}">
-                <a16:creationId xmlns:a16="http://schemas.microsoft.com/office/drawing/2014/main" id="{C6D113C6-EA5C-788F-0C77-E7CE6EBB865F}"/>
+                <a16:creationId xmlns="" xmlns:a16="http://schemas.microsoft.com/office/drawing/2014/main" id="{C6D113C6-EA5C-788F-0C77-E7CE6EBB865F}"/>
               </a:ext>
             </a:extLst>
           </p:cNvPr>
@@ -28260,7 +29439,7 @@
           <p:cNvPr id="5" name="TextBox 4">
             <a:extLst>
               <a:ext uri="{FF2B5EF4-FFF2-40B4-BE49-F238E27FC236}">
-                <a16:creationId xmlns:a16="http://schemas.microsoft.com/office/drawing/2014/main" id="{C6D113C6-EA5C-788F-0C77-E7CE6EBB865F}"/>
+                <a16:creationId xmlns="" xmlns:a16="http://schemas.microsoft.com/office/drawing/2014/main" id="{C6D113C6-EA5C-788F-0C77-E7CE6EBB865F}"/>
               </a:ext>
             </a:extLst>
           </p:cNvPr>
@@ -28348,7 +29527,7 @@
           <p:cNvPr id="6" name="직사각형 5">
             <a:extLst>
               <a:ext uri="{FF2B5EF4-FFF2-40B4-BE49-F238E27FC236}">
-                <a16:creationId xmlns:a16="http://schemas.microsoft.com/office/drawing/2014/main" id="{FFF506F9-840A-0508-4CAF-3AC711D8D5CE}"/>
+                <a16:creationId xmlns="" xmlns:a16="http://schemas.microsoft.com/office/drawing/2014/main" id="{FFF506F9-840A-0508-4CAF-3AC711D8D5CE}"/>
               </a:ext>
             </a:extLst>
           </p:cNvPr>
@@ -28400,7 +29579,7 @@
           <p:cNvPr id="7" name="직선 화살표 연결선 6">
             <a:extLst>
               <a:ext uri="{FF2B5EF4-FFF2-40B4-BE49-F238E27FC236}">
-                <a16:creationId xmlns:a16="http://schemas.microsoft.com/office/drawing/2014/main" id="{299DF5EC-9DF4-5255-06AC-0A7CE4FF58C3}"/>
+                <a16:creationId xmlns="" xmlns:a16="http://schemas.microsoft.com/office/drawing/2014/main" id="{299DF5EC-9DF4-5255-06AC-0A7CE4FF58C3}"/>
               </a:ext>
             </a:extLst>
           </p:cNvPr>

--- a/JavaLecture/LectureFile/java 3강 조건문.pptx
+++ b/JavaLecture/LectureFile/java 3강 조건문.pptx
@@ -5,7 +5,7 @@
     <p:sldMasterId id="2147483648" r:id="rId1"/>
   </p:sldMasterIdLst>
   <p:notesMasterIdLst>
-    <p:notesMasterId r:id="rId58"/>
+    <p:notesMasterId r:id="rId59"/>
   </p:notesMasterIdLst>
   <p:sldIdLst>
     <p:sldId id="257" r:id="rId2"/>
@@ -25,7 +25,7 @@
     <p:sldId id="472" r:id="rId16"/>
     <p:sldId id="473" r:id="rId17"/>
     <p:sldId id="474" r:id="rId18"/>
-    <p:sldId id="483" r:id="rId19"/>
+    <p:sldId id="516" r:id="rId19"/>
     <p:sldId id="496" r:id="rId20"/>
     <p:sldId id="485" r:id="rId21"/>
     <p:sldId id="515" r:id="rId22"/>
@@ -58,15 +58,16 @@
     <p:sldId id="513" r:id="rId49"/>
     <p:sldId id="385" r:id="rId50"/>
     <p:sldId id="482" r:id="rId51"/>
-    <p:sldId id="489" r:id="rId52"/>
-    <p:sldId id="514" r:id="rId53"/>
-    <p:sldId id="491" r:id="rId54"/>
-    <p:sldId id="488" r:id="rId55"/>
-    <p:sldId id="492" r:id="rId56"/>
-    <p:sldId id="275" r:id="rId57"/>
+    <p:sldId id="517" r:id="rId52"/>
+    <p:sldId id="489" r:id="rId53"/>
+    <p:sldId id="514" r:id="rId54"/>
+    <p:sldId id="491" r:id="rId55"/>
+    <p:sldId id="488" r:id="rId56"/>
+    <p:sldId id="492" r:id="rId57"/>
+    <p:sldId id="275" r:id="rId58"/>
   </p:sldIdLst>
   <p:sldSz cx="18288000" cy="10287000"/>
-  <p:notesSz cx="10287000" cy="18288000"/>
+  <p:notesSz cx="7104063" cy="10234613"/>
   <p:defaultTextStyle>
     <a:defPPr>
       <a:defRPr lang="en-US"/>
@@ -215,18 +216,18 @@
         </p:nvSpPr>
         <p:spPr>
           <a:xfrm>
-            <a:off x="0" y="0"/>
-            <a:ext cx="4457700" cy="917575"/>
+            <a:off x="0" y="1"/>
+            <a:ext cx="3078427" cy="513507"/>
           </a:xfrm>
           <a:prstGeom prst="rect">
             <a:avLst/>
           </a:prstGeom>
         </p:spPr>
         <p:txBody>
-          <a:bodyPr vert="horz" lIns="91440" tIns="45720" rIns="91440" bIns="45720" rtlCol="0"/>
+          <a:bodyPr vert="horz" lIns="55477" tIns="27738" rIns="55477" bIns="27738" rtlCol="0"/>
           <a:lstStyle>
             <a:lvl1pPr algn="l">
-              <a:defRPr sz="1200"/>
+              <a:defRPr sz="700"/>
             </a:lvl1pPr>
           </a:lstStyle>
           <a:p>
@@ -246,24 +247,24 @@
         </p:nvSpPr>
         <p:spPr>
           <a:xfrm>
-            <a:off x="5827713" y="0"/>
-            <a:ext cx="4457700" cy="917575"/>
+            <a:off x="4024540" y="1"/>
+            <a:ext cx="3078427" cy="513507"/>
           </a:xfrm>
           <a:prstGeom prst="rect">
             <a:avLst/>
           </a:prstGeom>
         </p:spPr>
         <p:txBody>
-          <a:bodyPr vert="horz" lIns="91440" tIns="45720" rIns="91440" bIns="45720" rtlCol="0"/>
+          <a:bodyPr vert="horz" lIns="55477" tIns="27738" rIns="55477" bIns="27738" rtlCol="0"/>
           <a:lstStyle>
             <a:lvl1pPr algn="r">
-              <a:defRPr sz="1200"/>
+              <a:defRPr sz="700"/>
             </a:lvl1pPr>
           </a:lstStyle>
           <a:p>
             <a:fld id="{D79F2C30-10E1-4C46-91DC-BBDB9629E720}" type="datetimeFigureOut">
               <a:rPr lang="ko-KR" altLang="en-US" smtClean="0"/>
-              <a:t>2023-10-07 Saturday</a:t>
+              <a:t>2024-03-09 Saturday</a:t>
             </a:fld>
             <a:endParaRPr lang="ko-KR" altLang="en-US"/>
           </a:p>
@@ -281,8 +282,8 @@
         </p:nvSpPr>
         <p:spPr>
           <a:xfrm>
-            <a:off x="-342900" y="2286000"/>
-            <a:ext cx="10972800" cy="6172200"/>
+            <a:off x="481013" y="1279525"/>
+            <a:ext cx="6142037" cy="3454400"/>
           </a:xfrm>
           <a:prstGeom prst="rect">
             <a:avLst/>
@@ -295,7 +296,7 @@
           </a:ln>
         </p:spPr>
         <p:txBody>
-          <a:bodyPr vert="horz" lIns="91440" tIns="45720" rIns="91440" bIns="45720" rtlCol="0" anchor="ctr"/>
+          <a:bodyPr vert="horz" lIns="55477" tIns="27738" rIns="55477" bIns="27738" rtlCol="0" anchor="ctr"/>
           <a:lstStyle/>
           <a:p>
             <a:endParaRPr lang="ko-KR" altLang="en-US"/>
@@ -314,15 +315,15 @@
         </p:nvSpPr>
         <p:spPr>
           <a:xfrm>
-            <a:off x="1028700" y="8801100"/>
-            <a:ext cx="8229600" cy="7200900"/>
+            <a:off x="710407" y="4925407"/>
+            <a:ext cx="5683250" cy="4029879"/>
           </a:xfrm>
           <a:prstGeom prst="rect">
             <a:avLst/>
           </a:prstGeom>
         </p:spPr>
         <p:txBody>
-          <a:bodyPr vert="horz" lIns="91440" tIns="45720" rIns="91440" bIns="45720" rtlCol="0"/>
+          <a:bodyPr vert="horz" lIns="55477" tIns="27738" rIns="55477" bIns="27738" rtlCol="0"/>
           <a:lstStyle/>
           <a:p>
             <a:pPr lvl="0"/>
@@ -373,18 +374,18 @@
         </p:nvSpPr>
         <p:spPr>
           <a:xfrm>
-            <a:off x="0" y="17372013"/>
-            <a:ext cx="4457700" cy="915987"/>
+            <a:off x="0" y="9721994"/>
+            <a:ext cx="3078427" cy="512619"/>
           </a:xfrm>
           <a:prstGeom prst="rect">
             <a:avLst/>
           </a:prstGeom>
         </p:spPr>
         <p:txBody>
-          <a:bodyPr vert="horz" lIns="91440" tIns="45720" rIns="91440" bIns="45720" rtlCol="0" anchor="b"/>
+          <a:bodyPr vert="horz" lIns="55477" tIns="27738" rIns="55477" bIns="27738" rtlCol="0" anchor="b"/>
           <a:lstStyle>
             <a:lvl1pPr algn="l">
-              <a:defRPr sz="1200"/>
+              <a:defRPr sz="700"/>
             </a:lvl1pPr>
           </a:lstStyle>
           <a:p>
@@ -404,18 +405,18 @@
         </p:nvSpPr>
         <p:spPr>
           <a:xfrm>
-            <a:off x="5827713" y="17372013"/>
-            <a:ext cx="4457700" cy="915987"/>
+            <a:off x="4024540" y="9721994"/>
+            <a:ext cx="3078427" cy="512619"/>
           </a:xfrm>
           <a:prstGeom prst="rect">
             <a:avLst/>
           </a:prstGeom>
         </p:spPr>
         <p:txBody>
-          <a:bodyPr vert="horz" lIns="91440" tIns="45720" rIns="91440" bIns="45720" rtlCol="0" anchor="b"/>
+          <a:bodyPr vert="horz" lIns="55477" tIns="27738" rIns="55477" bIns="27738" rtlCol="0" anchor="b"/>
           <a:lstStyle>
             <a:lvl1pPr algn="r">
-              <a:defRPr sz="1200"/>
+              <a:defRPr sz="700"/>
             </a:lvl1pPr>
           </a:lstStyle>
           <a:p>
@@ -679,7 +680,7 @@
           <a:p>
             <a:fld id="{50FC2DCF-6074-47D8-9A40-8DDAA9ED0A57}" type="slidenum">
               <a:rPr lang="ko-KR" altLang="en-US" smtClean="0"/>
-              <a:t>51</a:t>
+              <a:t>52</a:t>
             </a:fld>
             <a:endParaRPr lang="ko-KR" altLang="en-US"/>
           </a:p>
@@ -891,7 +892,7 @@
           <a:p>
             <a:fld id="{F8166F1F-CE9B-4651-A6AA-CD717754106B}" type="datetimeFigureOut">
               <a:rPr lang="en-US" smtClean="0"/>
-              <a:t>10/7/2023</a:t>
+              <a:t>3/9/2024</a:t>
             </a:fld>
             <a:endParaRPr lang="en-US"/>
           </a:p>
@@ -1094,7 +1095,7 @@
           <a:p>
             <a:fld id="{A76116CE-C4A3-4A05-B2D7-7C2E9A889C0F}" type="datetimeFigureOut">
               <a:rPr lang="en-US" smtClean="0"/>
-              <a:t>10/7/2023</a:t>
+              <a:t>3/9/2024</a:t>
             </a:fld>
             <a:endParaRPr lang="en-US"/>
           </a:p>
@@ -1297,7 +1298,7 @@
           <a:p>
             <a:fld id="{A76116CE-C4A3-4A05-B2D7-7C2E9A889C0F}" type="datetimeFigureOut">
               <a:rPr lang="en-US" smtClean="0"/>
-              <a:t>10/7/2023</a:t>
+              <a:t>3/9/2024</a:t>
             </a:fld>
             <a:endParaRPr lang="en-US"/>
           </a:p>
@@ -1502,7 +1503,7 @@
           <a:p>
             <a:fld id="{A76116CE-C4A3-4A05-B2D7-7C2E9A889C0F}" type="datetimeFigureOut">
               <a:rPr lang="en-US" smtClean="0"/>
-              <a:t>10/7/2023</a:t>
+              <a:t>3/9/2024</a:t>
             </a:fld>
             <a:endParaRPr lang="en-US"/>
           </a:p>
@@ -1772,7 +1773,7 @@
           <a:p>
             <a:fld id="{A76116CE-C4A3-4A05-B2D7-7C2E9A889C0F}" type="datetimeFigureOut">
               <a:rPr lang="en-US" smtClean="0"/>
-              <a:t>10/7/2023</a:t>
+              <a:t>3/9/2024</a:t>
             </a:fld>
             <a:endParaRPr lang="en-US"/>
           </a:p>
@@ -2090,7 +2091,7 @@
           <a:p>
             <a:fld id="{A76116CE-C4A3-4A05-B2D7-7C2E9A889C0F}" type="datetimeFigureOut">
               <a:rPr lang="en-US" smtClean="0"/>
-              <a:t>10/7/2023</a:t>
+              <a:t>3/9/2024</a:t>
             </a:fld>
             <a:endParaRPr lang="en-US"/>
           </a:p>
@@ -2548,7 +2549,7 @@
           <a:p>
             <a:fld id="{A76116CE-C4A3-4A05-B2D7-7C2E9A889C0F}" type="datetimeFigureOut">
               <a:rPr lang="en-US" smtClean="0"/>
-              <a:t>10/7/2023</a:t>
+              <a:t>3/9/2024</a:t>
             </a:fld>
             <a:endParaRPr lang="en-US"/>
           </a:p>
@@ -2692,7 +2693,7 @@
           <a:p>
             <a:fld id="{A76116CE-C4A3-4A05-B2D7-7C2E9A889C0F}" type="datetimeFigureOut">
               <a:rPr lang="en-US" smtClean="0"/>
-              <a:t>10/7/2023</a:t>
+              <a:t>3/9/2024</a:t>
             </a:fld>
             <a:endParaRPr lang="en-US"/>
           </a:p>
@@ -2806,7 +2807,7 @@
           <a:p>
             <a:fld id="{A76116CE-C4A3-4A05-B2D7-7C2E9A889C0F}" type="datetimeFigureOut">
               <a:rPr lang="en-US" smtClean="0"/>
-              <a:t>10/7/2023</a:t>
+              <a:t>3/9/2024</a:t>
             </a:fld>
             <a:endParaRPr lang="en-US"/>
           </a:p>
@@ -3109,7 +3110,7 @@
           <a:p>
             <a:fld id="{A76116CE-C4A3-4A05-B2D7-7C2E9A889C0F}" type="datetimeFigureOut">
               <a:rPr lang="en-US" smtClean="0"/>
-              <a:t>10/7/2023</a:t>
+              <a:t>3/9/2024</a:t>
             </a:fld>
             <a:endParaRPr lang="en-US"/>
           </a:p>
@@ -3389,7 +3390,7 @@
           <a:p>
             <a:fld id="{A76116CE-C4A3-4A05-B2D7-7C2E9A889C0F}" type="datetimeFigureOut">
               <a:rPr lang="en-US" smtClean="0"/>
-              <a:t>10/7/2023</a:t>
+              <a:t>3/9/2024</a:t>
             </a:fld>
             <a:endParaRPr lang="en-US"/>
           </a:p>
@@ -4602,84 +4603,6 @@
           <a:chExt cx="0" cy="0"/>
         </a:xfrm>
       </p:grpSpPr>
-      <p:sp>
-        <p:nvSpPr>
-          <p:cNvPr id="4" name="TextBox 3">
-            <a:extLst>
-              <a:ext uri="{FF2B5EF4-FFF2-40B4-BE49-F238E27FC236}">
-                <a16:creationId xmlns:a16="http://schemas.microsoft.com/office/drawing/2014/main" id="{9F7DCD18-D21C-6601-530F-F0F4F9937612}"/>
-              </a:ext>
-            </a:extLst>
-          </p:cNvPr>
-          <p:cNvSpPr txBox="1"/>
-          <p:nvPr/>
-        </p:nvSpPr>
-        <p:spPr>
-          <a:xfrm>
-            <a:off x="1371600" y="497131"/>
-            <a:ext cx="6096000" cy="830997"/>
-          </a:xfrm>
-          <a:prstGeom prst="rect">
-            <a:avLst/>
-          </a:prstGeom>
-          <a:noFill/>
-        </p:spPr>
-        <p:txBody>
-          <a:bodyPr wrap="square" rtlCol="0">
-            <a:spAutoFit/>
-          </a:bodyPr>
-          <a:lstStyle/>
-          <a:p>
-            <a:r>
-              <a:rPr lang="en-US" altLang="ko-KR" sz="4800" dirty="0">
-                <a:solidFill>
-                  <a:srgbClr val="4C50BC"/>
-                </a:solidFill>
-                <a:latin typeface="G마켓 산스 Medium" panose="02000000000000000000" pitchFamily="50" charset="-127"/>
-                <a:ea typeface="G마켓 산스 Medium" panose="02000000000000000000" pitchFamily="50" charset="-127"/>
-              </a:rPr>
-              <a:t>If</a:t>
-            </a:r>
-            <a:r>
-              <a:rPr lang="ko-KR" altLang="en-US" sz="4800" dirty="0">
-                <a:solidFill>
-                  <a:srgbClr val="4C50BC"/>
-                </a:solidFill>
-                <a:latin typeface="G마켓 산스 Medium" panose="02000000000000000000" pitchFamily="50" charset="-127"/>
-                <a:ea typeface="G마켓 산스 Medium" panose="02000000000000000000" pitchFamily="50" charset="-127"/>
-              </a:rPr>
-              <a:t> </a:t>
-            </a:r>
-            <a:r>
-              <a:rPr lang="en-US" altLang="ko-KR" sz="4800" dirty="0">
-                <a:solidFill>
-                  <a:srgbClr val="4C50BC"/>
-                </a:solidFill>
-                <a:latin typeface="G마켓 산스 Medium" panose="02000000000000000000" pitchFamily="50" charset="-127"/>
-                <a:ea typeface="G마켓 산스 Medium" panose="02000000000000000000" pitchFamily="50" charset="-127"/>
-              </a:rPr>
-              <a:t>else </a:t>
-            </a:r>
-            <a:r>
-              <a:rPr lang="ko-KR" altLang="en-US" sz="4800" dirty="0">
-                <a:solidFill>
-                  <a:srgbClr val="4C50BC"/>
-                </a:solidFill>
-                <a:latin typeface="G마켓 산스 Medium" panose="02000000000000000000" pitchFamily="50" charset="-127"/>
-                <a:ea typeface="G마켓 산스 Medium" panose="02000000000000000000" pitchFamily="50" charset="-127"/>
-              </a:rPr>
-              <a:t>문</a:t>
-            </a:r>
-            <a:endParaRPr lang="en-US" altLang="ko-KR" sz="4800" dirty="0">
-              <a:solidFill>
-                <a:srgbClr val="4C50BC"/>
-              </a:solidFill>
-              <a:latin typeface="G마켓 산스 Medium" panose="02000000000000000000" pitchFamily="50" charset="-127"/>
-              <a:ea typeface="G마켓 산스 Medium" panose="02000000000000000000" pitchFamily="50" charset="-127"/>
-            </a:endParaRPr>
-          </a:p>
-        </p:txBody>
-      </p:sp>
       <p:pic>
         <p:nvPicPr>
           <p:cNvPr id="6" name="그림 5">
@@ -5214,6 +5137,127 @@
               </a:rPr>
               <a:t>.</a:t>
             </a:r>
+          </a:p>
+        </p:txBody>
+      </p:sp>
+      <p:cxnSp>
+        <p:nvCxnSpPr>
+          <p:cNvPr id="8" name="직선 연결선 7">
+            <a:extLst>
+              <a:ext uri="{FF2B5EF4-FFF2-40B4-BE49-F238E27FC236}">
+                <a16:creationId xmlns:a16="http://schemas.microsoft.com/office/drawing/2014/main" id="{66DB0025-7AFA-AD72-ACEB-A28B7456092B}"/>
+              </a:ext>
+            </a:extLst>
+          </p:cNvPr>
+          <p:cNvCxnSpPr>
+            <a:cxnSpLocks/>
+          </p:cNvCxnSpPr>
+          <p:nvPr/>
+        </p:nvCxnSpPr>
+        <p:spPr>
+          <a:xfrm flipH="1" flipV="1">
+            <a:off x="-13447" y="972511"/>
+            <a:ext cx="18288000" cy="65119"/>
+          </a:xfrm>
+          <a:prstGeom prst="line">
+            <a:avLst/>
+          </a:prstGeom>
+          <a:ln w="38100">
+            <a:solidFill>
+              <a:srgbClr val="4C50BC"/>
+            </a:solidFill>
+          </a:ln>
+        </p:spPr>
+        <p:style>
+          <a:lnRef idx="1">
+            <a:schemeClr val="accent1"/>
+          </a:lnRef>
+          <a:fillRef idx="0">
+            <a:schemeClr val="accent1"/>
+          </a:fillRef>
+          <a:effectRef idx="0">
+            <a:schemeClr val="accent1"/>
+          </a:effectRef>
+          <a:fontRef idx="minor">
+            <a:schemeClr val="tx1"/>
+          </a:fontRef>
+        </p:style>
+      </p:cxnSp>
+      <p:sp>
+        <p:nvSpPr>
+          <p:cNvPr id="10" name="TextBox 9">
+            <a:extLst>
+              <a:ext uri="{FF2B5EF4-FFF2-40B4-BE49-F238E27FC236}">
+                <a16:creationId xmlns:a16="http://schemas.microsoft.com/office/drawing/2014/main" id="{FE7DD627-7A18-85A1-902A-39A6C987B421}"/>
+              </a:ext>
+            </a:extLst>
+          </p:cNvPr>
+          <p:cNvSpPr txBox="1"/>
+          <p:nvPr/>
+        </p:nvSpPr>
+        <p:spPr>
+          <a:xfrm>
+            <a:off x="304800" y="114300"/>
+            <a:ext cx="8382000" cy="923330"/>
+          </a:xfrm>
+          <a:prstGeom prst="rect">
+            <a:avLst/>
+          </a:prstGeom>
+          <a:noFill/>
+        </p:spPr>
+        <p:txBody>
+          <a:bodyPr wrap="square" rtlCol="0">
+            <a:spAutoFit/>
+          </a:bodyPr>
+          <a:lstStyle/>
+          <a:p>
+            <a:r>
+              <a:rPr lang="en-US" altLang="ko-KR" sz="5400" spc="-300" dirty="0">
+                <a:solidFill>
+                  <a:srgbClr val="4C50BC"/>
+                </a:solidFill>
+                <a:latin typeface="G마켓 산스 TTF Bold" panose="02000000000000000000" pitchFamily="2" charset="-127"/>
+                <a:ea typeface="G마켓 산스 TTF Bold" panose="02000000000000000000" pitchFamily="2" charset="-127"/>
+              </a:rPr>
+              <a:t>if</a:t>
+            </a:r>
+            <a:r>
+              <a:rPr lang="ko-KR" altLang="en-US" sz="5400" spc="-300" dirty="0">
+                <a:solidFill>
+                  <a:srgbClr val="4C50BC"/>
+                </a:solidFill>
+                <a:latin typeface="G마켓 산스 TTF Bold" panose="02000000000000000000" pitchFamily="2" charset="-127"/>
+                <a:ea typeface="G마켓 산스 TTF Bold" panose="02000000000000000000" pitchFamily="2" charset="-127"/>
+              </a:rPr>
+              <a:t> </a:t>
+            </a:r>
+            <a:r>
+              <a:rPr lang="en-US" altLang="ko-KR" sz="5400" spc="-300" dirty="0">
+                <a:solidFill>
+                  <a:srgbClr val="4C50BC"/>
+                </a:solidFill>
+                <a:latin typeface="G마켓 산스 TTF Bold" panose="02000000000000000000" pitchFamily="2" charset="-127"/>
+                <a:ea typeface="G마켓 산스 TTF Bold" panose="02000000000000000000" pitchFamily="2" charset="-127"/>
+              </a:rPr>
+              <a:t>else </a:t>
+            </a:r>
+            <a:r>
+              <a:rPr lang="ko-KR" altLang="en-US" sz="5400" spc="-300" dirty="0">
+                <a:solidFill>
+                  <a:srgbClr val="4C50BC"/>
+                </a:solidFill>
+                <a:latin typeface="G마켓 산스 TTF Bold" panose="02000000000000000000" pitchFamily="2" charset="-127"/>
+                <a:ea typeface="G마켓 산스 TTF Bold" panose="02000000000000000000" pitchFamily="2" charset="-127"/>
+              </a:rPr>
+              <a:t>문</a:t>
+            </a:r>
+            <a:endParaRPr lang="en-US" altLang="ko-KR" sz="5400" spc="-300" dirty="0">
+              <a:solidFill>
+                <a:srgbClr val="4C50BC"/>
+              </a:solidFill>
+              <a:latin typeface="G마켓 산스 TTF Bold" panose="02000000000000000000" pitchFamily="2" charset="-127"/>
+              <a:ea typeface="G마켓 산스 TTF Bold" panose="02000000000000000000" pitchFamily="2" charset="-127"/>
+            </a:endParaRPr>
           </a:p>
         </p:txBody>
       </p:sp>
@@ -5400,84 +5444,6 @@
           <a:chExt cx="0" cy="0"/>
         </a:xfrm>
       </p:grpSpPr>
-      <p:sp>
-        <p:nvSpPr>
-          <p:cNvPr id="9" name="TextBox 8">
-            <a:extLst>
-              <a:ext uri="{FF2B5EF4-FFF2-40B4-BE49-F238E27FC236}">
-                <a16:creationId xmlns:a16="http://schemas.microsoft.com/office/drawing/2014/main" id="{B3F3ACE7-DA91-9F3A-7E2D-A96A5940A8E4}"/>
-              </a:ext>
-            </a:extLst>
-          </p:cNvPr>
-          <p:cNvSpPr txBox="1"/>
-          <p:nvPr/>
-        </p:nvSpPr>
-        <p:spPr>
-          <a:xfrm>
-            <a:off x="381000" y="266700"/>
-            <a:ext cx="6096000" cy="830997"/>
-          </a:xfrm>
-          <a:prstGeom prst="rect">
-            <a:avLst/>
-          </a:prstGeom>
-          <a:noFill/>
-        </p:spPr>
-        <p:txBody>
-          <a:bodyPr wrap="square" rtlCol="0">
-            <a:spAutoFit/>
-          </a:bodyPr>
-          <a:lstStyle/>
-          <a:p>
-            <a:r>
-              <a:rPr lang="en-US" altLang="ko-KR" sz="4800" dirty="0">
-                <a:solidFill>
-                  <a:srgbClr val="4C50BC"/>
-                </a:solidFill>
-                <a:latin typeface="G마켓 산스 Medium" panose="02000000000000000000" pitchFamily="50" charset="-127"/>
-                <a:ea typeface="G마켓 산스 Medium" panose="02000000000000000000" pitchFamily="50" charset="-127"/>
-              </a:rPr>
-              <a:t>If</a:t>
-            </a:r>
-            <a:r>
-              <a:rPr lang="ko-KR" altLang="en-US" sz="4800" dirty="0">
-                <a:solidFill>
-                  <a:srgbClr val="4C50BC"/>
-                </a:solidFill>
-                <a:latin typeface="G마켓 산스 Medium" panose="02000000000000000000" pitchFamily="50" charset="-127"/>
-                <a:ea typeface="G마켓 산스 Medium" panose="02000000000000000000" pitchFamily="50" charset="-127"/>
-              </a:rPr>
-              <a:t> </a:t>
-            </a:r>
-            <a:r>
-              <a:rPr lang="en-US" altLang="ko-KR" sz="4800" dirty="0">
-                <a:solidFill>
-                  <a:srgbClr val="4C50BC"/>
-                </a:solidFill>
-                <a:latin typeface="G마켓 산스 Medium" panose="02000000000000000000" pitchFamily="50" charset="-127"/>
-                <a:ea typeface="G마켓 산스 Medium" panose="02000000000000000000" pitchFamily="50" charset="-127"/>
-              </a:rPr>
-              <a:t>else if</a:t>
-            </a:r>
-            <a:r>
-              <a:rPr lang="ko-KR" altLang="en-US" sz="4800" dirty="0">
-                <a:solidFill>
-                  <a:srgbClr val="4C50BC"/>
-                </a:solidFill>
-                <a:latin typeface="G마켓 산스 Medium" panose="02000000000000000000" pitchFamily="50" charset="-127"/>
-                <a:ea typeface="G마켓 산스 Medium" panose="02000000000000000000" pitchFamily="50" charset="-127"/>
-              </a:rPr>
-              <a:t>문</a:t>
-            </a:r>
-            <a:endParaRPr lang="en-US" altLang="ko-KR" sz="4800" dirty="0">
-              <a:solidFill>
-                <a:srgbClr val="4C50BC"/>
-              </a:solidFill>
-              <a:latin typeface="G마켓 산스 Medium" panose="02000000000000000000" pitchFamily="50" charset="-127"/>
-              <a:ea typeface="G마켓 산스 Medium" panose="02000000000000000000" pitchFamily="50" charset="-127"/>
-            </a:endParaRPr>
-          </a:p>
-        </p:txBody>
-      </p:sp>
       <p:pic>
         <p:nvPicPr>
           <p:cNvPr id="3" name="그림 2">
@@ -5971,6 +5937,127 @@
               </a:rPr>
               <a:t>.</a:t>
             </a:r>
+          </a:p>
+        </p:txBody>
+      </p:sp>
+      <p:cxnSp>
+        <p:nvCxnSpPr>
+          <p:cNvPr id="2" name="직선 연결선 1">
+            <a:extLst>
+              <a:ext uri="{FF2B5EF4-FFF2-40B4-BE49-F238E27FC236}">
+                <a16:creationId xmlns:a16="http://schemas.microsoft.com/office/drawing/2014/main" id="{0AEA6BA8-B3F8-2960-6A00-61B90D2C5988}"/>
+              </a:ext>
+            </a:extLst>
+          </p:cNvPr>
+          <p:cNvCxnSpPr>
+            <a:cxnSpLocks/>
+          </p:cNvCxnSpPr>
+          <p:nvPr/>
+        </p:nvCxnSpPr>
+        <p:spPr>
+          <a:xfrm flipH="1" flipV="1">
+            <a:off x="-13447" y="972511"/>
+            <a:ext cx="18288000" cy="65119"/>
+          </a:xfrm>
+          <a:prstGeom prst="line">
+            <a:avLst/>
+          </a:prstGeom>
+          <a:ln w="38100">
+            <a:solidFill>
+              <a:srgbClr val="4C50BC"/>
+            </a:solidFill>
+          </a:ln>
+        </p:spPr>
+        <p:style>
+          <a:lnRef idx="1">
+            <a:schemeClr val="accent1"/>
+          </a:lnRef>
+          <a:fillRef idx="0">
+            <a:schemeClr val="accent1"/>
+          </a:fillRef>
+          <a:effectRef idx="0">
+            <a:schemeClr val="accent1"/>
+          </a:effectRef>
+          <a:fontRef idx="minor">
+            <a:schemeClr val="tx1"/>
+          </a:fontRef>
+        </p:style>
+      </p:cxnSp>
+      <p:sp>
+        <p:nvSpPr>
+          <p:cNvPr id="5" name="TextBox 4">
+            <a:extLst>
+              <a:ext uri="{FF2B5EF4-FFF2-40B4-BE49-F238E27FC236}">
+                <a16:creationId xmlns:a16="http://schemas.microsoft.com/office/drawing/2014/main" id="{06AE74F3-99A0-252A-B525-24BF41BA50E6}"/>
+              </a:ext>
+            </a:extLst>
+          </p:cNvPr>
+          <p:cNvSpPr txBox="1"/>
+          <p:nvPr/>
+        </p:nvSpPr>
+        <p:spPr>
+          <a:xfrm>
+            <a:off x="304800" y="114300"/>
+            <a:ext cx="8382000" cy="923330"/>
+          </a:xfrm>
+          <a:prstGeom prst="rect">
+            <a:avLst/>
+          </a:prstGeom>
+          <a:noFill/>
+        </p:spPr>
+        <p:txBody>
+          <a:bodyPr wrap="square" rtlCol="0">
+            <a:spAutoFit/>
+          </a:bodyPr>
+          <a:lstStyle/>
+          <a:p>
+            <a:r>
+              <a:rPr lang="en-US" altLang="ko-KR" sz="5400" spc="-300" dirty="0">
+                <a:solidFill>
+                  <a:srgbClr val="4C50BC"/>
+                </a:solidFill>
+                <a:latin typeface="G마켓 산스 TTF Bold" panose="02000000000000000000" pitchFamily="2" charset="-127"/>
+                <a:ea typeface="G마켓 산스 TTF Bold" panose="02000000000000000000" pitchFamily="2" charset="-127"/>
+              </a:rPr>
+              <a:t>if</a:t>
+            </a:r>
+            <a:r>
+              <a:rPr lang="ko-KR" altLang="en-US" sz="5400" spc="-300" dirty="0">
+                <a:solidFill>
+                  <a:srgbClr val="4C50BC"/>
+                </a:solidFill>
+                <a:latin typeface="G마켓 산스 TTF Bold" panose="02000000000000000000" pitchFamily="2" charset="-127"/>
+                <a:ea typeface="G마켓 산스 TTF Bold" panose="02000000000000000000" pitchFamily="2" charset="-127"/>
+              </a:rPr>
+              <a:t> </a:t>
+            </a:r>
+            <a:r>
+              <a:rPr lang="en-US" altLang="ko-KR" sz="5400" spc="-300" dirty="0">
+                <a:solidFill>
+                  <a:srgbClr val="4C50BC"/>
+                </a:solidFill>
+                <a:latin typeface="G마켓 산스 TTF Bold" panose="02000000000000000000" pitchFamily="2" charset="-127"/>
+                <a:ea typeface="G마켓 산스 TTF Bold" panose="02000000000000000000" pitchFamily="2" charset="-127"/>
+              </a:rPr>
+              <a:t>else if</a:t>
+            </a:r>
+            <a:r>
+              <a:rPr lang="ko-KR" altLang="en-US" sz="5400" spc="-300" dirty="0">
+                <a:solidFill>
+                  <a:srgbClr val="4C50BC"/>
+                </a:solidFill>
+                <a:latin typeface="G마켓 산스 TTF Bold" panose="02000000000000000000" pitchFamily="2" charset="-127"/>
+                <a:ea typeface="G마켓 산스 TTF Bold" panose="02000000000000000000" pitchFamily="2" charset="-127"/>
+              </a:rPr>
+              <a:t>문</a:t>
+            </a:r>
+            <a:endParaRPr lang="en-US" altLang="ko-KR" sz="5400" spc="-300" dirty="0">
+              <a:solidFill>
+                <a:srgbClr val="4C50BC"/>
+              </a:solidFill>
+              <a:latin typeface="G마켓 산스 TTF Bold" panose="02000000000000000000" pitchFamily="2" charset="-127"/>
+              <a:ea typeface="G마켓 산스 TTF Bold" panose="02000000000000000000" pitchFamily="2" charset="-127"/>
+            </a:endParaRPr>
           </a:p>
         </p:txBody>
       </p:sp>
@@ -6178,12 +6265,55 @@
           </a:fontRef>
         </p:style>
       </p:cxnSp>
+      <p:cxnSp>
+        <p:nvCxnSpPr>
+          <p:cNvPr id="3" name="직선 연결선 2">
+            <a:extLst>
+              <a:ext uri="{FF2B5EF4-FFF2-40B4-BE49-F238E27FC236}">
+                <a16:creationId xmlns:a16="http://schemas.microsoft.com/office/drawing/2014/main" id="{BF4AE29F-2F69-EEB1-56B8-ED6B17EFA9AE}"/>
+              </a:ext>
+            </a:extLst>
+          </p:cNvPr>
+          <p:cNvCxnSpPr>
+            <a:cxnSpLocks/>
+          </p:cNvCxnSpPr>
+          <p:nvPr/>
+        </p:nvCxnSpPr>
+        <p:spPr>
+          <a:xfrm flipH="1" flipV="1">
+            <a:off x="-13447" y="972511"/>
+            <a:ext cx="18288000" cy="65119"/>
+          </a:xfrm>
+          <a:prstGeom prst="line">
+            <a:avLst/>
+          </a:prstGeom>
+          <a:ln w="38100">
+            <a:solidFill>
+              <a:srgbClr val="4C50BC"/>
+            </a:solidFill>
+          </a:ln>
+        </p:spPr>
+        <p:style>
+          <a:lnRef idx="1">
+            <a:schemeClr val="accent1"/>
+          </a:lnRef>
+          <a:fillRef idx="0">
+            <a:schemeClr val="accent1"/>
+          </a:fillRef>
+          <a:effectRef idx="0">
+            <a:schemeClr val="accent1"/>
+          </a:effectRef>
+          <a:fontRef idx="minor">
+            <a:schemeClr val="tx1"/>
+          </a:fontRef>
+        </p:style>
+      </p:cxnSp>
       <p:sp>
         <p:nvSpPr>
-          <p:cNvPr id="8" name="TextBox 7">
-            <a:extLst>
-              <a:ext uri="{FF2B5EF4-FFF2-40B4-BE49-F238E27FC236}">
-                <a16:creationId xmlns:a16="http://schemas.microsoft.com/office/drawing/2014/main" id="{0E47FEC8-1D66-E5D9-E0F3-AEE39C6F85DE}"/>
+          <p:cNvPr id="9" name="TextBox 8">
+            <a:extLst>
+              <a:ext uri="{FF2B5EF4-FFF2-40B4-BE49-F238E27FC236}">
+                <a16:creationId xmlns:a16="http://schemas.microsoft.com/office/drawing/2014/main" id="{0576154D-DA6C-3CB0-85A2-2EE115EAA1A7}"/>
               </a:ext>
             </a:extLst>
           </p:cNvPr>
@@ -6192,8 +6322,8 @@
         </p:nvSpPr>
         <p:spPr>
           <a:xfrm>
-            <a:off x="616857" y="495300"/>
-            <a:ext cx="1981200" cy="830997"/>
+            <a:off x="304800" y="114300"/>
+            <a:ext cx="8382000" cy="923330"/>
           </a:xfrm>
           <a:prstGeom prst="rect">
             <a:avLst/>
@@ -6207,31 +6337,31 @@
           <a:lstStyle/>
           <a:p>
             <a:r>
-              <a:rPr lang="ko-KR" altLang="en-US" sz="4800" dirty="0">
+              <a:rPr lang="ko-KR" altLang="en-US" sz="5400" spc="-300" dirty="0">
                 <a:solidFill>
                   <a:srgbClr val="4C50BC"/>
                 </a:solidFill>
-                <a:latin typeface="G마켓 산스 Medium" panose="02000000000000000000" pitchFamily="50" charset="-127"/>
-                <a:ea typeface="G마켓 산스 Medium" panose="02000000000000000000" pitchFamily="50" charset="-127"/>
+                <a:latin typeface="G마켓 산스 TTF Bold" panose="02000000000000000000" pitchFamily="2" charset="-127"/>
+                <a:ea typeface="G마켓 산스 TTF Bold" panose="02000000000000000000" pitchFamily="2" charset="-127"/>
               </a:rPr>
               <a:t>퀴즈</a:t>
             </a:r>
-            <a:endParaRPr lang="en-US" altLang="ko-KR" sz="4800" dirty="0">
+            <a:endParaRPr lang="en-US" altLang="ko-KR" sz="5400" spc="-300" dirty="0">
               <a:solidFill>
                 <a:srgbClr val="4C50BC"/>
               </a:solidFill>
-              <a:latin typeface="G마켓 산스 Medium" panose="02000000000000000000" pitchFamily="50" charset="-127"/>
-              <a:ea typeface="G마켓 산스 Medium" panose="02000000000000000000" pitchFamily="50" charset="-127"/>
+              <a:latin typeface="G마켓 산스 TTF Bold" panose="02000000000000000000" pitchFamily="2" charset="-127"/>
+              <a:ea typeface="G마켓 산스 TTF Bold" panose="02000000000000000000" pitchFamily="2" charset="-127"/>
             </a:endParaRPr>
           </a:p>
         </p:txBody>
       </p:sp>
       <p:sp>
         <p:nvSpPr>
-          <p:cNvPr id="2" name="TextBox 1">
-            <a:extLst>
-              <a:ext uri="{FF2B5EF4-FFF2-40B4-BE49-F238E27FC236}">
-                <a16:creationId xmlns:a16="http://schemas.microsoft.com/office/drawing/2014/main" id="{2574CD06-A078-5D72-D69D-1A19AD4AC70C}"/>
+          <p:cNvPr id="10" name="TextBox 9">
+            <a:extLst>
+              <a:ext uri="{FF2B5EF4-FFF2-40B4-BE49-F238E27FC236}">
+                <a16:creationId xmlns:a16="http://schemas.microsoft.com/office/drawing/2014/main" id="{0B48AE8B-D5C1-733B-4EA0-3B57C80EADBD}"/>
               </a:ext>
             </a:extLst>
           </p:cNvPr>
@@ -6240,8 +6370,8 @@
         </p:nvSpPr>
         <p:spPr>
           <a:xfrm>
-            <a:off x="2305636" y="533009"/>
-            <a:ext cx="7246257" cy="830997"/>
+            <a:off x="762000" y="1201111"/>
+            <a:ext cx="14167562" cy="646331"/>
           </a:xfrm>
           <a:prstGeom prst="rect">
             <a:avLst/>
@@ -6254,8 +6384,12 @@
           </a:bodyPr>
           <a:lstStyle/>
           <a:p>
-            <a:r>
-              <a:rPr lang="ko-KR" altLang="en-US" sz="4800" dirty="0">
+            <a:pPr marL="571500" indent="-571500">
+              <a:buFont typeface="Arial" panose="020B0604020202020204" pitchFamily="34" charset="0"/>
+              <a:buChar char="•"/>
+            </a:pPr>
+            <a:r>
+              <a:rPr lang="ko-KR" altLang="en-US" sz="3600" dirty="0">
                 <a:solidFill>
                   <a:schemeClr val="tx1">
                     <a:lumMod val="50000"/>
@@ -6268,7 +6402,7 @@
               <a:t>불필요한 조건식은</a:t>
             </a:r>
             <a:r>
-              <a:rPr lang="en-US" altLang="ko-KR" sz="4800" dirty="0">
+              <a:rPr lang="en-US" altLang="ko-KR" sz="3600" dirty="0">
                 <a:solidFill>
                   <a:schemeClr val="tx1">
                     <a:lumMod val="50000"/>
@@ -6547,12 +6681,55 @@
           </a:prstGeom>
         </p:spPr>
       </p:pic>
+      <p:cxnSp>
+        <p:nvCxnSpPr>
+          <p:cNvPr id="9" name="직선 연결선 8">
+            <a:extLst>
+              <a:ext uri="{FF2B5EF4-FFF2-40B4-BE49-F238E27FC236}">
+                <a16:creationId xmlns:a16="http://schemas.microsoft.com/office/drawing/2014/main" id="{0CB1B11A-5D39-3E40-B57A-2DB64A92A07A}"/>
+              </a:ext>
+            </a:extLst>
+          </p:cNvPr>
+          <p:cNvCxnSpPr>
+            <a:cxnSpLocks/>
+          </p:cNvCxnSpPr>
+          <p:nvPr/>
+        </p:nvCxnSpPr>
+        <p:spPr>
+          <a:xfrm flipH="1" flipV="1">
+            <a:off x="-13447" y="972511"/>
+            <a:ext cx="18288000" cy="65119"/>
+          </a:xfrm>
+          <a:prstGeom prst="line">
+            <a:avLst/>
+          </a:prstGeom>
+          <a:ln w="38100">
+            <a:solidFill>
+              <a:srgbClr val="4C50BC"/>
+            </a:solidFill>
+          </a:ln>
+        </p:spPr>
+        <p:style>
+          <a:lnRef idx="1">
+            <a:schemeClr val="accent1"/>
+          </a:lnRef>
+          <a:fillRef idx="0">
+            <a:schemeClr val="accent1"/>
+          </a:fillRef>
+          <a:effectRef idx="0">
+            <a:schemeClr val="accent1"/>
+          </a:effectRef>
+          <a:fontRef idx="minor">
+            <a:schemeClr val="tx1"/>
+          </a:fontRef>
+        </p:style>
+      </p:cxnSp>
       <p:sp>
         <p:nvSpPr>
-          <p:cNvPr id="2" name="TextBox 1">
-            <a:extLst>
-              <a:ext uri="{FF2B5EF4-FFF2-40B4-BE49-F238E27FC236}">
-                <a16:creationId xmlns:a16="http://schemas.microsoft.com/office/drawing/2014/main" id="{E70369D4-A5EC-6A6D-0940-99461B50FB26}"/>
+          <p:cNvPr id="11" name="TextBox 10">
+            <a:extLst>
+              <a:ext uri="{FF2B5EF4-FFF2-40B4-BE49-F238E27FC236}">
+                <a16:creationId xmlns:a16="http://schemas.microsoft.com/office/drawing/2014/main" id="{44274B14-840A-63FA-629F-F3E40B3E6A27}"/>
               </a:ext>
             </a:extLst>
           </p:cNvPr>
@@ -6561,8 +6738,8 @@
         </p:nvSpPr>
         <p:spPr>
           <a:xfrm>
-            <a:off x="616857" y="495300"/>
-            <a:ext cx="1981200" cy="830997"/>
+            <a:off x="304800" y="114300"/>
+            <a:ext cx="8382000" cy="923330"/>
           </a:xfrm>
           <a:prstGeom prst="rect">
             <a:avLst/>
@@ -6576,31 +6753,31 @@
           <a:lstStyle/>
           <a:p>
             <a:r>
-              <a:rPr lang="ko-KR" altLang="en-US" sz="4800" dirty="0">
+              <a:rPr lang="ko-KR" altLang="en-US" sz="5400" spc="-300" dirty="0">
                 <a:solidFill>
                   <a:srgbClr val="4C50BC"/>
                 </a:solidFill>
-                <a:latin typeface="G마켓 산스 Medium" panose="02000000000000000000" pitchFamily="50" charset="-127"/>
-                <a:ea typeface="G마켓 산스 Medium" panose="02000000000000000000" pitchFamily="50" charset="-127"/>
+                <a:latin typeface="G마켓 산스 TTF Bold" panose="02000000000000000000" pitchFamily="2" charset="-127"/>
+                <a:ea typeface="G마켓 산스 TTF Bold" panose="02000000000000000000" pitchFamily="2" charset="-127"/>
               </a:rPr>
               <a:t>퀴즈</a:t>
             </a:r>
-            <a:endParaRPr lang="en-US" altLang="ko-KR" sz="4800" dirty="0">
+            <a:endParaRPr lang="en-US" altLang="ko-KR" sz="5400" spc="-300" dirty="0">
               <a:solidFill>
                 <a:srgbClr val="4C50BC"/>
               </a:solidFill>
-              <a:latin typeface="G마켓 산스 Medium" panose="02000000000000000000" pitchFamily="50" charset="-127"/>
-              <a:ea typeface="G마켓 산스 Medium" panose="02000000000000000000" pitchFamily="50" charset="-127"/>
+              <a:latin typeface="G마켓 산스 TTF Bold" panose="02000000000000000000" pitchFamily="2" charset="-127"/>
+              <a:ea typeface="G마켓 산스 TTF Bold" panose="02000000000000000000" pitchFamily="2" charset="-127"/>
             </a:endParaRPr>
           </a:p>
         </p:txBody>
       </p:sp>
       <p:sp>
         <p:nvSpPr>
-          <p:cNvPr id="3" name="TextBox 2">
-            <a:extLst>
-              <a:ext uri="{FF2B5EF4-FFF2-40B4-BE49-F238E27FC236}">
-                <a16:creationId xmlns:a16="http://schemas.microsoft.com/office/drawing/2014/main" id="{D3DC0192-771F-FAC3-3108-9315E3B538A9}"/>
+          <p:cNvPr id="12" name="TextBox 11">
+            <a:extLst>
+              <a:ext uri="{FF2B5EF4-FFF2-40B4-BE49-F238E27FC236}">
+                <a16:creationId xmlns:a16="http://schemas.microsoft.com/office/drawing/2014/main" id="{86BB3A73-AF6E-47B0-DF36-D3F34C9461EF}"/>
               </a:ext>
             </a:extLst>
           </p:cNvPr>
@@ -6609,8 +6786,8 @@
         </p:nvSpPr>
         <p:spPr>
           <a:xfrm>
-            <a:off x="2305636" y="533009"/>
-            <a:ext cx="7246257" cy="830997"/>
+            <a:off x="762000" y="1201111"/>
+            <a:ext cx="14167562" cy="646331"/>
           </a:xfrm>
           <a:prstGeom prst="rect">
             <a:avLst/>
@@ -6623,8 +6800,12 @@
           </a:bodyPr>
           <a:lstStyle/>
           <a:p>
-            <a:r>
-              <a:rPr lang="ko-KR" altLang="en-US" sz="4800" dirty="0" err="1">
+            <a:pPr marL="571500" indent="-571500">
+              <a:buFont typeface="Arial" panose="020B0604020202020204" pitchFamily="34" charset="0"/>
+              <a:buChar char="•"/>
+            </a:pPr>
+            <a:r>
+              <a:rPr lang="ko-KR" altLang="en-US" sz="3600" dirty="0" err="1">
                 <a:solidFill>
                   <a:schemeClr val="tx1">
                     <a:lumMod val="50000"/>
@@ -6637,7 +6818,7 @@
               <a:t>같은것인가</a:t>
             </a:r>
             <a:r>
-              <a:rPr lang="en-US" altLang="ko-KR" sz="4800" dirty="0">
+              <a:rPr lang="en-US" altLang="ko-KR" sz="3600" dirty="0">
                 <a:solidFill>
                   <a:schemeClr val="tx1">
                     <a:lumMod val="50000"/>
@@ -6682,64 +6863,6 @@
           <a:chExt cx="0" cy="0"/>
         </a:xfrm>
       </p:grpSpPr>
-      <p:sp>
-        <p:nvSpPr>
-          <p:cNvPr id="4" name="TextBox 3">
-            <a:extLst>
-              <a:ext uri="{FF2B5EF4-FFF2-40B4-BE49-F238E27FC236}">
-                <a16:creationId xmlns:a16="http://schemas.microsoft.com/office/drawing/2014/main" id="{42DA360B-FCE9-ADF1-10BF-66DDB117C22D}"/>
-              </a:ext>
-            </a:extLst>
-          </p:cNvPr>
-          <p:cNvSpPr txBox="1"/>
-          <p:nvPr/>
-        </p:nvSpPr>
-        <p:spPr>
-          <a:xfrm>
-            <a:off x="914400" y="495300"/>
-            <a:ext cx="6096000" cy="830997"/>
-          </a:xfrm>
-          <a:prstGeom prst="rect">
-            <a:avLst/>
-          </a:prstGeom>
-          <a:noFill/>
-        </p:spPr>
-        <p:txBody>
-          <a:bodyPr wrap="square" rtlCol="0">
-            <a:spAutoFit/>
-          </a:bodyPr>
-          <a:lstStyle/>
-          <a:p>
-            <a:r>
-              <a:rPr lang="en-US" altLang="ko-KR" sz="4800" dirty="0">
-                <a:solidFill>
-                  <a:srgbClr val="4C50BC"/>
-                </a:solidFill>
-                <a:latin typeface="G마켓 산스 Medium" panose="02000000000000000000" pitchFamily="50" charset="-127"/>
-                <a:ea typeface="G마켓 산스 Medium" panose="02000000000000000000" pitchFamily="50" charset="-127"/>
-              </a:rPr>
-              <a:t>If</a:t>
-            </a:r>
-            <a:r>
-              <a:rPr lang="ko-KR" altLang="en-US" sz="4800" dirty="0">
-                <a:solidFill>
-                  <a:srgbClr val="4C50BC"/>
-                </a:solidFill>
-                <a:latin typeface="G마켓 산스 Medium" panose="02000000000000000000" pitchFamily="50" charset="-127"/>
-                <a:ea typeface="G마켓 산스 Medium" panose="02000000000000000000" pitchFamily="50" charset="-127"/>
-              </a:rPr>
-              <a:t>문 중첩</a:t>
-            </a:r>
-            <a:endParaRPr lang="en-US" altLang="ko-KR" sz="4800" dirty="0">
-              <a:solidFill>
-                <a:srgbClr val="4C50BC"/>
-              </a:solidFill>
-              <a:latin typeface="G마켓 산스 Medium" panose="02000000000000000000" pitchFamily="50" charset="-127"/>
-              <a:ea typeface="G마켓 산스 Medium" panose="02000000000000000000" pitchFamily="50" charset="-127"/>
-            </a:endParaRPr>
-          </a:p>
-        </p:txBody>
-      </p:sp>
       <p:pic>
         <p:nvPicPr>
           <p:cNvPr id="6" name="그림 5">
@@ -6818,6 +6941,107 @@
               </a:rPr>
               <a:t>.</a:t>
             </a:r>
+          </a:p>
+        </p:txBody>
+      </p:sp>
+      <p:cxnSp>
+        <p:nvCxnSpPr>
+          <p:cNvPr id="3" name="직선 연결선 2">
+            <a:extLst>
+              <a:ext uri="{FF2B5EF4-FFF2-40B4-BE49-F238E27FC236}">
+                <a16:creationId xmlns:a16="http://schemas.microsoft.com/office/drawing/2014/main" id="{77C9D97B-BC2B-EFBE-843E-46D24C4CFD67}"/>
+              </a:ext>
+            </a:extLst>
+          </p:cNvPr>
+          <p:cNvCxnSpPr>
+            <a:cxnSpLocks/>
+          </p:cNvCxnSpPr>
+          <p:nvPr/>
+        </p:nvCxnSpPr>
+        <p:spPr>
+          <a:xfrm flipH="1" flipV="1">
+            <a:off x="-13447" y="972511"/>
+            <a:ext cx="18288000" cy="65119"/>
+          </a:xfrm>
+          <a:prstGeom prst="line">
+            <a:avLst/>
+          </a:prstGeom>
+          <a:ln w="38100">
+            <a:solidFill>
+              <a:srgbClr val="4C50BC"/>
+            </a:solidFill>
+          </a:ln>
+        </p:spPr>
+        <p:style>
+          <a:lnRef idx="1">
+            <a:schemeClr val="accent1"/>
+          </a:lnRef>
+          <a:fillRef idx="0">
+            <a:schemeClr val="accent1"/>
+          </a:fillRef>
+          <a:effectRef idx="0">
+            <a:schemeClr val="accent1"/>
+          </a:effectRef>
+          <a:fontRef idx="minor">
+            <a:schemeClr val="tx1"/>
+          </a:fontRef>
+        </p:style>
+      </p:cxnSp>
+      <p:sp>
+        <p:nvSpPr>
+          <p:cNvPr id="5" name="TextBox 4">
+            <a:extLst>
+              <a:ext uri="{FF2B5EF4-FFF2-40B4-BE49-F238E27FC236}">
+                <a16:creationId xmlns:a16="http://schemas.microsoft.com/office/drawing/2014/main" id="{F95886C7-F291-E5FF-44CC-CA35AD441DD4}"/>
+              </a:ext>
+            </a:extLst>
+          </p:cNvPr>
+          <p:cNvSpPr txBox="1"/>
+          <p:nvPr/>
+        </p:nvSpPr>
+        <p:spPr>
+          <a:xfrm>
+            <a:off x="304800" y="114300"/>
+            <a:ext cx="8382000" cy="923330"/>
+          </a:xfrm>
+          <a:prstGeom prst="rect">
+            <a:avLst/>
+          </a:prstGeom>
+          <a:noFill/>
+        </p:spPr>
+        <p:txBody>
+          <a:bodyPr wrap="square" rtlCol="0">
+            <a:spAutoFit/>
+          </a:bodyPr>
+          <a:lstStyle/>
+          <a:p>
+            <a:r>
+              <a:rPr lang="en-US" altLang="ko-KR" sz="5400" spc="-300" dirty="0">
+                <a:solidFill>
+                  <a:srgbClr val="4C50BC"/>
+                </a:solidFill>
+                <a:latin typeface="G마켓 산스 TTF Bold" panose="02000000000000000000" pitchFamily="2" charset="-127"/>
+                <a:ea typeface="G마켓 산스 TTF Bold" panose="02000000000000000000" pitchFamily="2" charset="-127"/>
+              </a:rPr>
+              <a:t>if</a:t>
+            </a:r>
+            <a:r>
+              <a:rPr lang="ko-KR" altLang="en-US" sz="5400" spc="-300" dirty="0">
+                <a:solidFill>
+                  <a:srgbClr val="4C50BC"/>
+                </a:solidFill>
+                <a:latin typeface="G마켓 산스 TTF Bold" panose="02000000000000000000" pitchFamily="2" charset="-127"/>
+                <a:ea typeface="G마켓 산스 TTF Bold" panose="02000000000000000000" pitchFamily="2" charset="-127"/>
+              </a:rPr>
+              <a:t>문 중첩</a:t>
+            </a:r>
+            <a:endParaRPr lang="en-US" altLang="ko-KR" sz="5400" spc="-300" dirty="0">
+              <a:solidFill>
+                <a:srgbClr val="4C50BC"/>
+              </a:solidFill>
+              <a:latin typeface="G마켓 산스 TTF Bold" panose="02000000000000000000" pitchFamily="2" charset="-127"/>
+              <a:ea typeface="G마켓 산스 TTF Bold" panose="02000000000000000000" pitchFamily="2" charset="-127"/>
+            </a:endParaRPr>
           </a:p>
         </p:txBody>
       </p:sp>
@@ -6883,87 +7107,6 @@
       </p:pic>
       <p:sp>
         <p:nvSpPr>
-          <p:cNvPr id="4" name="TextBox 3">
-            <a:extLst>
-              <a:ext uri="{FF2B5EF4-FFF2-40B4-BE49-F238E27FC236}">
-                <a16:creationId xmlns:a16="http://schemas.microsoft.com/office/drawing/2014/main" id="{75630B4D-DF4E-BC3D-757C-A3B2A315F4F2}"/>
-              </a:ext>
-            </a:extLst>
-          </p:cNvPr>
-          <p:cNvSpPr txBox="1"/>
-          <p:nvPr/>
-        </p:nvSpPr>
-        <p:spPr>
-          <a:xfrm>
-            <a:off x="2286000" y="579157"/>
-            <a:ext cx="6096000" cy="830997"/>
-          </a:xfrm>
-          <a:prstGeom prst="rect">
-            <a:avLst/>
-          </a:prstGeom>
-          <a:noFill/>
-        </p:spPr>
-        <p:txBody>
-          <a:bodyPr wrap="square" rtlCol="0">
-            <a:spAutoFit/>
-          </a:bodyPr>
-          <a:lstStyle/>
-          <a:p>
-            <a:r>
-              <a:rPr lang="ko-KR" altLang="en-US" sz="4800" dirty="0">
-                <a:solidFill>
-                  <a:srgbClr val="4D4848"/>
-                </a:solidFill>
-                <a:latin typeface="G마켓 산스 Medium" panose="02000000000000000000" pitchFamily="50" charset="-127"/>
-                <a:ea typeface="G마켓 산스 Medium" panose="02000000000000000000" pitchFamily="50" charset="-127"/>
-              </a:rPr>
-              <a:t>어디의 </a:t>
-            </a:r>
-            <a:r>
-              <a:rPr lang="en-US" altLang="ko-KR" sz="4800" dirty="0">
-                <a:solidFill>
-                  <a:srgbClr val="4D4848"/>
-                </a:solidFill>
-                <a:latin typeface="G마켓 산스 Medium" panose="02000000000000000000" pitchFamily="50" charset="-127"/>
-                <a:ea typeface="G마켓 산스 Medium" panose="02000000000000000000" pitchFamily="50" charset="-127"/>
-              </a:rPr>
-              <a:t>else</a:t>
-            </a:r>
-            <a:r>
-              <a:rPr lang="ko-KR" altLang="en-US" sz="4800" dirty="0">
-                <a:solidFill>
-                  <a:srgbClr val="4D4848"/>
-                </a:solidFill>
-                <a:latin typeface="G마켓 산스 Medium" panose="02000000000000000000" pitchFamily="50" charset="-127"/>
-                <a:ea typeface="G마켓 산스 Medium" panose="02000000000000000000" pitchFamily="50" charset="-127"/>
-              </a:rPr>
-              <a:t>문 </a:t>
-            </a:r>
-            <a:r>
-              <a:rPr lang="ko-KR" altLang="en-US" sz="4800" dirty="0" err="1">
-                <a:solidFill>
-                  <a:srgbClr val="4D4848"/>
-                </a:solidFill>
-                <a:latin typeface="G마켓 산스 Medium" panose="02000000000000000000" pitchFamily="50" charset="-127"/>
-                <a:ea typeface="G마켓 산스 Medium" panose="02000000000000000000" pitchFamily="50" charset="-127"/>
-              </a:rPr>
-              <a:t>인걸까</a:t>
-            </a:r>
-            <a:r>
-              <a:rPr lang="en-US" altLang="ko-KR" sz="4800" dirty="0">
-                <a:solidFill>
-                  <a:srgbClr val="4D4848"/>
-                </a:solidFill>
-                <a:latin typeface="G마켓 산스 Medium" panose="02000000000000000000" pitchFamily="50" charset="-127"/>
-                <a:ea typeface="G마켓 산스 Medium" panose="02000000000000000000" pitchFamily="50" charset="-127"/>
-              </a:rPr>
-              <a:t>?</a:t>
-            </a:r>
-          </a:p>
-        </p:txBody>
-      </p:sp>
-      <p:sp>
-        <p:nvSpPr>
           <p:cNvPr id="7" name="TextBox 6">
             <a:extLst>
               <a:ext uri="{FF2B5EF4-FFF2-40B4-BE49-F238E27FC236}">
@@ -7228,12 +7371,55 @@
           </a:fontRef>
         </p:style>
       </p:cxnSp>
+      <p:cxnSp>
+        <p:nvCxnSpPr>
+          <p:cNvPr id="5" name="직선 연결선 4">
+            <a:extLst>
+              <a:ext uri="{FF2B5EF4-FFF2-40B4-BE49-F238E27FC236}">
+                <a16:creationId xmlns:a16="http://schemas.microsoft.com/office/drawing/2014/main" id="{83751F4E-46A8-F478-7918-0D1415E3804A}"/>
+              </a:ext>
+            </a:extLst>
+          </p:cNvPr>
+          <p:cNvCxnSpPr>
+            <a:cxnSpLocks/>
+          </p:cNvCxnSpPr>
+          <p:nvPr/>
+        </p:nvCxnSpPr>
+        <p:spPr>
+          <a:xfrm flipH="1" flipV="1">
+            <a:off x="-13447" y="972511"/>
+            <a:ext cx="18288000" cy="65119"/>
+          </a:xfrm>
+          <a:prstGeom prst="line">
+            <a:avLst/>
+          </a:prstGeom>
+          <a:ln w="38100">
+            <a:solidFill>
+              <a:srgbClr val="4C50BC"/>
+            </a:solidFill>
+          </a:ln>
+        </p:spPr>
+        <p:style>
+          <a:lnRef idx="1">
+            <a:schemeClr val="accent1"/>
+          </a:lnRef>
+          <a:fillRef idx="0">
+            <a:schemeClr val="accent1"/>
+          </a:fillRef>
+          <a:effectRef idx="0">
+            <a:schemeClr val="accent1"/>
+          </a:effectRef>
+          <a:fontRef idx="minor">
+            <a:schemeClr val="tx1"/>
+          </a:fontRef>
+        </p:style>
+      </p:cxnSp>
       <p:sp>
         <p:nvSpPr>
-          <p:cNvPr id="2" name="TextBox 1">
-            <a:extLst>
-              <a:ext uri="{FF2B5EF4-FFF2-40B4-BE49-F238E27FC236}">
-                <a16:creationId xmlns:a16="http://schemas.microsoft.com/office/drawing/2014/main" id="{7AF4B719-9CBE-86F5-8FBC-1567F851943F}"/>
+          <p:cNvPr id="6" name="TextBox 5">
+            <a:extLst>
+              <a:ext uri="{FF2B5EF4-FFF2-40B4-BE49-F238E27FC236}">
+                <a16:creationId xmlns:a16="http://schemas.microsoft.com/office/drawing/2014/main" id="{095C0616-03FA-FFF0-71DF-DA4A2FEBFEE7}"/>
               </a:ext>
             </a:extLst>
           </p:cNvPr>
@@ -7242,8 +7428,8 @@
         </p:nvSpPr>
         <p:spPr>
           <a:xfrm>
-            <a:off x="616857" y="495300"/>
-            <a:ext cx="1981200" cy="830997"/>
+            <a:off x="304800" y="114300"/>
+            <a:ext cx="8382000" cy="923330"/>
           </a:xfrm>
           <a:prstGeom prst="rect">
             <a:avLst/>
@@ -7257,22 +7443,122 @@
           <a:lstStyle/>
           <a:p>
             <a:r>
-              <a:rPr lang="ko-KR" altLang="en-US" sz="4800" dirty="0">
+              <a:rPr lang="ko-KR" altLang="en-US" sz="5400" spc="-300" dirty="0">
                 <a:solidFill>
                   <a:srgbClr val="4C50BC"/>
                 </a:solidFill>
-                <a:latin typeface="G마켓 산스 Medium" panose="02000000000000000000" pitchFamily="50" charset="-127"/>
-                <a:ea typeface="G마켓 산스 Medium" panose="02000000000000000000" pitchFamily="50" charset="-127"/>
+                <a:latin typeface="G마켓 산스 TTF Bold" panose="02000000000000000000" pitchFamily="2" charset="-127"/>
+                <a:ea typeface="G마켓 산스 TTF Bold" panose="02000000000000000000" pitchFamily="2" charset="-127"/>
               </a:rPr>
               <a:t>퀴즈</a:t>
             </a:r>
-            <a:endParaRPr lang="en-US" altLang="ko-KR" sz="4800" dirty="0">
+            <a:endParaRPr lang="en-US" altLang="ko-KR" sz="5400" spc="-300" dirty="0">
               <a:solidFill>
                 <a:srgbClr val="4C50BC"/>
               </a:solidFill>
-              <a:latin typeface="G마켓 산스 Medium" panose="02000000000000000000" pitchFamily="50" charset="-127"/>
-              <a:ea typeface="G마켓 산스 Medium" panose="02000000000000000000" pitchFamily="50" charset="-127"/>
+              <a:latin typeface="G마켓 산스 TTF Bold" panose="02000000000000000000" pitchFamily="2" charset="-127"/>
+              <a:ea typeface="G마켓 산스 TTF Bold" panose="02000000000000000000" pitchFamily="2" charset="-127"/>
             </a:endParaRPr>
+          </a:p>
+        </p:txBody>
+      </p:sp>
+      <p:sp>
+        <p:nvSpPr>
+          <p:cNvPr id="10" name="TextBox 9">
+            <a:extLst>
+              <a:ext uri="{FF2B5EF4-FFF2-40B4-BE49-F238E27FC236}">
+                <a16:creationId xmlns:a16="http://schemas.microsoft.com/office/drawing/2014/main" id="{DF5A7488-ADA2-4E3A-24BC-CAD301AF2826}"/>
+              </a:ext>
+            </a:extLst>
+          </p:cNvPr>
+          <p:cNvSpPr txBox="1"/>
+          <p:nvPr/>
+        </p:nvSpPr>
+        <p:spPr>
+          <a:xfrm>
+            <a:off x="762000" y="1201111"/>
+            <a:ext cx="14167562" cy="646331"/>
+          </a:xfrm>
+          <a:prstGeom prst="rect">
+            <a:avLst/>
+          </a:prstGeom>
+          <a:noFill/>
+        </p:spPr>
+        <p:txBody>
+          <a:bodyPr wrap="square" rtlCol="0">
+            <a:spAutoFit/>
+          </a:bodyPr>
+          <a:lstStyle/>
+          <a:p>
+            <a:pPr marL="571500" indent="-571500">
+              <a:buFont typeface="Arial" panose="020B0604020202020204" pitchFamily="34" charset="0"/>
+              <a:buChar char="•"/>
+            </a:pPr>
+            <a:r>
+              <a:rPr lang="ko-KR" altLang="en-US" sz="3600" dirty="0">
+                <a:solidFill>
+                  <a:schemeClr val="tx1">
+                    <a:lumMod val="50000"/>
+                    <a:lumOff val="50000"/>
+                  </a:schemeClr>
+                </a:solidFill>
+                <a:latin typeface="G마켓 산스 Medium" panose="02000000000000000000" pitchFamily="50" charset="-127"/>
+                <a:ea typeface="G마켓 산스 Medium" panose="02000000000000000000" pitchFamily="50" charset="-127"/>
+              </a:rPr>
+              <a:t>어디의 </a:t>
+            </a:r>
+            <a:r>
+              <a:rPr lang="en-US" altLang="ko-KR" sz="3600" dirty="0">
+                <a:solidFill>
+                  <a:schemeClr val="tx1">
+                    <a:lumMod val="50000"/>
+                    <a:lumOff val="50000"/>
+                  </a:schemeClr>
+                </a:solidFill>
+                <a:latin typeface="G마켓 산스 Medium" panose="02000000000000000000" pitchFamily="50" charset="-127"/>
+                <a:ea typeface="G마켓 산스 Medium" panose="02000000000000000000" pitchFamily="50" charset="-127"/>
+              </a:rPr>
+              <a:t>else</a:t>
+            </a:r>
+            <a:r>
+              <a:rPr lang="ko-KR" altLang="en-US" sz="3600" dirty="0">
+                <a:solidFill>
+                  <a:schemeClr val="tx1">
+                    <a:lumMod val="50000"/>
+                    <a:lumOff val="50000"/>
+                  </a:schemeClr>
+                </a:solidFill>
+                <a:latin typeface="G마켓 산스 Medium" panose="02000000000000000000" pitchFamily="50" charset="-127"/>
+                <a:ea typeface="G마켓 산스 Medium" panose="02000000000000000000" pitchFamily="50" charset="-127"/>
+              </a:rPr>
+              <a:t>문 </a:t>
+            </a:r>
+            <a:r>
+              <a:rPr lang="ko-KR" altLang="en-US" sz="3600" dirty="0" err="1">
+                <a:solidFill>
+                  <a:schemeClr val="tx1">
+                    <a:lumMod val="50000"/>
+                    <a:lumOff val="50000"/>
+                  </a:schemeClr>
+                </a:solidFill>
+                <a:latin typeface="G마켓 산스 Medium" panose="02000000000000000000" pitchFamily="50" charset="-127"/>
+                <a:ea typeface="G마켓 산스 Medium" panose="02000000000000000000" pitchFamily="50" charset="-127"/>
+              </a:rPr>
+              <a:t>인걸까</a:t>
+            </a:r>
+            <a:r>
+              <a:rPr lang="en-US" altLang="ko-KR" sz="3600" dirty="0">
+                <a:solidFill>
+                  <a:schemeClr val="tx1">
+                    <a:lumMod val="50000"/>
+                    <a:lumOff val="50000"/>
+                  </a:schemeClr>
+                </a:solidFill>
+                <a:latin typeface="G마켓 산스 Medium" panose="02000000000000000000" pitchFamily="50" charset="-127"/>
+                <a:ea typeface="G마켓 산스 Medium" panose="02000000000000000000" pitchFamily="50" charset="-127"/>
+              </a:rPr>
+              <a:t>?</a:t>
+            </a:r>
           </a:p>
         </p:txBody>
       </p:sp>
@@ -7444,7 +7730,7 @@
           <p:cNvPr id="4" name="TextBox 3">
             <a:extLst>
               <a:ext uri="{FF2B5EF4-FFF2-40B4-BE49-F238E27FC236}">
-                <a16:creationId xmlns:a16="http://schemas.microsoft.com/office/drawing/2014/main" id="{6DFE3CFD-8AE7-B344-5821-D059E09D144B}"/>
+                <a16:creationId xmlns:a16="http://schemas.microsoft.com/office/drawing/2014/main" id="{33E68E04-890B-B287-E047-0CFC11F77DDA}"/>
               </a:ext>
             </a:extLst>
           </p:cNvPr>
@@ -7453,8 +7739,8 @@
         </p:nvSpPr>
         <p:spPr>
           <a:xfrm>
-            <a:off x="609600" y="114300"/>
-            <a:ext cx="6096000" cy="923330"/>
+            <a:off x="304800" y="114300"/>
+            <a:ext cx="10972800" cy="923330"/>
           </a:xfrm>
           <a:prstGeom prst="rect">
             <a:avLst/>
@@ -7468,34 +7754,97 @@
           <a:lstStyle/>
           <a:p>
             <a:r>
-              <a:rPr lang="ko-KR" altLang="en-US" sz="5400" dirty="0">
+              <a:rPr lang="en-US" altLang="ko-KR" sz="5400" spc="-300" dirty="0">
                 <a:solidFill>
                   <a:srgbClr val="4C50BC"/>
                 </a:solidFill>
                 <a:latin typeface="G마켓 산스 Bold" panose="02000000000000000000" pitchFamily="50" charset="-127"/>
                 <a:ea typeface="G마켓 산스 Bold" panose="02000000000000000000" pitchFamily="50" charset="-127"/>
               </a:rPr>
-              <a:t>실습문제</a:t>
-            </a:r>
-            <a:r>
-              <a:rPr lang="en-US" altLang="ko-KR" sz="5400" dirty="0">
+              <a:t>1-1 </a:t>
+            </a:r>
+            <a:r>
+              <a:rPr lang="ko-KR" altLang="en-US" sz="5400" spc="-300" dirty="0">
                 <a:solidFill>
                   <a:srgbClr val="4C50BC"/>
                 </a:solidFill>
                 <a:latin typeface="G마켓 산스 Bold" panose="02000000000000000000" pitchFamily="50" charset="-127"/>
                 <a:ea typeface="G마켓 산스 Bold" panose="02000000000000000000" pitchFamily="50" charset="-127"/>
               </a:rPr>
-              <a:t>1</a:t>
+              <a:t>실습문제</a:t>
+            </a:r>
+            <a:r>
+              <a:rPr lang="en-US" altLang="ko-KR" sz="5400" spc="-300" dirty="0">
+                <a:solidFill>
+                  <a:srgbClr val="4C50BC"/>
+                </a:solidFill>
+                <a:latin typeface="G마켓 산스 Bold" panose="02000000000000000000" pitchFamily="50" charset="-127"/>
+                <a:ea typeface="G마켓 산스 Bold" panose="02000000000000000000" pitchFamily="50" charset="-127"/>
+              </a:rPr>
+              <a:t> </a:t>
+            </a:r>
+            <a:r>
+              <a:rPr lang="en-US" altLang="ko-KR" sz="5400" spc="-300" dirty="0">
+                <a:solidFill>
+                  <a:srgbClr val="FF0000"/>
+                </a:solidFill>
+                <a:latin typeface="G마켓 산스 Bold" panose="02000000000000000000" pitchFamily="50" charset="-127"/>
+                <a:ea typeface="G마켓 산스 Bold" panose="02000000000000000000" pitchFamily="50" charset="-127"/>
+              </a:rPr>
+              <a:t>(normal)</a:t>
             </a:r>
           </a:p>
         </p:txBody>
       </p:sp>
+      <p:cxnSp>
+        <p:nvCxnSpPr>
+          <p:cNvPr id="5" name="직선 연결선 4">
+            <a:extLst>
+              <a:ext uri="{FF2B5EF4-FFF2-40B4-BE49-F238E27FC236}">
+                <a16:creationId xmlns:a16="http://schemas.microsoft.com/office/drawing/2014/main" id="{B61CE585-454C-C4A8-2837-19A77F2941CE}"/>
+              </a:ext>
+            </a:extLst>
+          </p:cNvPr>
+          <p:cNvCxnSpPr>
+            <a:cxnSpLocks/>
+          </p:cNvCxnSpPr>
+          <p:nvPr/>
+        </p:nvCxnSpPr>
+        <p:spPr>
+          <a:xfrm flipH="1" flipV="1">
+            <a:off x="-13447" y="972511"/>
+            <a:ext cx="18288000" cy="65119"/>
+          </a:xfrm>
+          <a:prstGeom prst="line">
+            <a:avLst/>
+          </a:prstGeom>
+          <a:ln w="38100">
+            <a:solidFill>
+              <a:srgbClr val="4C50BC"/>
+            </a:solidFill>
+          </a:ln>
+        </p:spPr>
+        <p:style>
+          <a:lnRef idx="1">
+            <a:schemeClr val="accent1"/>
+          </a:lnRef>
+          <a:fillRef idx="0">
+            <a:schemeClr val="accent1"/>
+          </a:fillRef>
+          <a:effectRef idx="0">
+            <a:schemeClr val="accent1"/>
+          </a:effectRef>
+          <a:fontRef idx="minor">
+            <a:schemeClr val="tx1"/>
+          </a:fontRef>
+        </p:style>
+      </p:cxnSp>
       <p:sp>
         <p:nvSpPr>
-          <p:cNvPr id="5" name="TextBox 4">
-            <a:extLst>
-              <a:ext uri="{FF2B5EF4-FFF2-40B4-BE49-F238E27FC236}">
-                <a16:creationId xmlns:a16="http://schemas.microsoft.com/office/drawing/2014/main" id="{B7EB6279-6EB7-CE1E-EAD0-CF0DFEBD41C3}"/>
+          <p:cNvPr id="6" name="TextBox 5">
+            <a:extLst>
+              <a:ext uri="{FF2B5EF4-FFF2-40B4-BE49-F238E27FC236}">
+                <a16:creationId xmlns:a16="http://schemas.microsoft.com/office/drawing/2014/main" id="{7922632E-6641-3DCC-A5F3-90DE847ABE01}"/>
               </a:ext>
             </a:extLst>
           </p:cNvPr>
@@ -7504,8 +7853,8 @@
         </p:nvSpPr>
         <p:spPr>
           <a:xfrm>
-            <a:off x="990600" y="1028700"/>
-            <a:ext cx="16154400" cy="646331"/>
+            <a:off x="609600" y="1181100"/>
+            <a:ext cx="16521113" cy="584775"/>
           </a:xfrm>
           <a:prstGeom prst="rect">
             <a:avLst/>
@@ -7518,11 +7867,8 @@
           </a:bodyPr>
           <a:lstStyle/>
           <a:p>
-            <a:pPr marL="514350" indent="-514350">
-              <a:buAutoNum type="arabicPeriod"/>
-            </a:pPr>
-            <a:r>
-              <a:rPr lang="ko-KR" altLang="en-US" sz="3600" dirty="0">
+            <a:r>
+              <a:rPr lang="ko-KR" altLang="en-US" sz="3200" dirty="0">
                 <a:solidFill>
                   <a:srgbClr val="4C50BC"/>
                 </a:solidFill>
@@ -7532,7 +7878,7 @@
               <a:t>정수 한 개를 입력 받아 </a:t>
             </a:r>
             <a:r>
-              <a:rPr lang="en-US" altLang="ko-KR" sz="3600" dirty="0">
+              <a:rPr lang="en-US" altLang="ko-KR" sz="3200" dirty="0">
                 <a:solidFill>
                   <a:srgbClr val="4C50BC"/>
                 </a:solidFill>
@@ -7542,17 +7888,17 @@
               <a:t>50</a:t>
             </a:r>
             <a:r>
-              <a:rPr lang="ko-KR" altLang="en-US" sz="3600" dirty="0">
+              <a:rPr lang="ko-KR" altLang="en-US" sz="3200" dirty="0">
                 <a:solidFill>
                   <a:srgbClr val="4C50BC"/>
                 </a:solidFill>
                 <a:latin typeface="G마켓 산스 Medium" panose="02000000000000000000" pitchFamily="50" charset="-127"/>
                 <a:ea typeface="G마켓 산스 Medium" panose="02000000000000000000" pitchFamily="50" charset="-127"/>
               </a:rPr>
-              <a:t>이상인지 </a:t>
-            </a:r>
-            <a:r>
-              <a:rPr lang="ko-KR" altLang="en-US" sz="3600" dirty="0" err="1">
+              <a:t>이상 인지를 </a:t>
+            </a:r>
+            <a:r>
+              <a:rPr lang="ko-KR" altLang="en-US" sz="3200" dirty="0" err="1">
                 <a:solidFill>
                   <a:srgbClr val="4C50BC"/>
                 </a:solidFill>
@@ -7561,16 +7907,13 @@
               </a:rPr>
               <a:t>출력하시오</a:t>
             </a:r>
-            <a:r>
-              <a:rPr lang="en-US" altLang="ko-KR" sz="3600" dirty="0">
-                <a:solidFill>
-                  <a:srgbClr val="FF0000"/>
-                </a:solidFill>
-                <a:latin typeface="G마켓 산스 Medium" panose="02000000000000000000" pitchFamily="50" charset="-127"/>
-                <a:ea typeface="G마켓 산스 Medium" panose="02000000000000000000" pitchFamily="50" charset="-127"/>
-              </a:rPr>
-              <a:t>(Normal)</a:t>
-            </a:r>
+            <a:endParaRPr lang="en-US" altLang="ko-KR" sz="3200" dirty="0">
+              <a:solidFill>
+                <a:srgbClr val="4C50BC"/>
+              </a:solidFill>
+              <a:latin typeface="G마켓 산스 Medium" panose="02000000000000000000" pitchFamily="50" charset="-127"/>
+              <a:ea typeface="G마켓 산스 Medium" panose="02000000000000000000" pitchFamily="50" charset="-127"/>
+            </a:endParaRPr>
           </a:p>
         </p:txBody>
       </p:sp>
@@ -7696,88 +8039,13 @@
     </p:spTree>
     <p:extLst>
       <p:ext uri="{BB962C8B-B14F-4D97-AF65-F5344CB8AC3E}">
-        <p14:creationId xmlns:p14="http://schemas.microsoft.com/office/powerpoint/2010/main" val="3252525681"/>
+        <p14:creationId xmlns:p14="http://schemas.microsoft.com/office/powerpoint/2010/main" val="3941801018"/>
       </p:ext>
     </p:extLst>
   </p:cSld>
   <p:clrMapOvr>
     <a:masterClrMapping/>
   </p:clrMapOvr>
-  <p:timing>
-    <p:tnLst>
-      <p:par>
-        <p:cTn id="1" dur="indefinite" restart="never" nodeType="tmRoot">
-          <p:childTnLst>
-            <p:seq concurrent="1" nextAc="seek">
-              <p:cTn id="2" dur="indefinite" nodeType="mainSeq">
-                <p:childTnLst>
-                  <p:par>
-                    <p:cTn id="3" fill="hold">
-                      <p:stCondLst>
-                        <p:cond delay="indefinite"/>
-                      </p:stCondLst>
-                      <p:childTnLst>
-                        <p:par>
-                          <p:cTn id="4" fill="hold">
-                            <p:stCondLst>
-                              <p:cond delay="0"/>
-                            </p:stCondLst>
-                            <p:childTnLst>
-                              <p:par>
-                                <p:cTn id="5" presetID="1" presetClass="exit" presetSubtype="0" fill="hold" nodeType="clickEffect">
-                                  <p:stCondLst>
-                                    <p:cond delay="0"/>
-                                  </p:stCondLst>
-                                  <p:childTnLst>
-                                    <p:set>
-                                      <p:cBhvr>
-                                        <p:cTn id="6" dur="1" fill="hold">
-                                          <p:stCondLst>
-                                            <p:cond delay="0"/>
-                                          </p:stCondLst>
-                                        </p:cTn>
-                                        <p:tgtEl>
-                                          <p:spTgt spid="14"/>
-                                        </p:tgtEl>
-                                        <p:attrNameLst>
-                                          <p:attrName>style.visibility</p:attrName>
-                                        </p:attrNameLst>
-                                      </p:cBhvr>
-                                      <p:to>
-                                        <p:strVal val="hidden"/>
-                                      </p:to>
-                                    </p:set>
-                                  </p:childTnLst>
-                                </p:cTn>
-                              </p:par>
-                            </p:childTnLst>
-                          </p:cTn>
-                        </p:par>
-                      </p:childTnLst>
-                    </p:cTn>
-                  </p:par>
-                </p:childTnLst>
-              </p:cTn>
-              <p:prevCondLst>
-                <p:cond evt="onPrev" delay="0">
-                  <p:tgtEl>
-                    <p:sldTgt/>
-                  </p:tgtEl>
-                </p:cond>
-              </p:prevCondLst>
-              <p:nextCondLst>
-                <p:cond evt="onNext" delay="0">
-                  <p:tgtEl>
-                    <p:sldTgt/>
-                  </p:tgtEl>
-                </p:cond>
-              </p:nextCondLst>
-            </p:seq>
-          </p:childTnLst>
-        </p:cTn>
-      </p:par>
-    </p:tnLst>
-  </p:timing>
 </p:sld>
 </file>
 
@@ -7970,54 +8238,6 @@
           </a:p>
         </p:txBody>
       </p:sp>
-      <p:sp>
-        <p:nvSpPr>
-          <p:cNvPr id="6" name="TextBox 5">
-            <a:extLst>
-              <a:ext uri="{FF2B5EF4-FFF2-40B4-BE49-F238E27FC236}">
-                <a16:creationId xmlns:a16="http://schemas.microsoft.com/office/drawing/2014/main" id="{0BFA793C-5AF2-E682-250E-E8180FD24F34}"/>
-              </a:ext>
-            </a:extLst>
-          </p:cNvPr>
-          <p:cNvSpPr txBox="1"/>
-          <p:nvPr/>
-        </p:nvSpPr>
-        <p:spPr>
-          <a:xfrm>
-            <a:off x="817257" y="342900"/>
-            <a:ext cx="1665841" cy="1015663"/>
-          </a:xfrm>
-          <a:prstGeom prst="rect">
-            <a:avLst/>
-          </a:prstGeom>
-          <a:noFill/>
-        </p:spPr>
-        <p:txBody>
-          <a:bodyPr wrap="none" rtlCol="0">
-            <a:spAutoFit/>
-          </a:bodyPr>
-          <a:lstStyle/>
-          <a:p>
-            <a:r>
-              <a:rPr lang="ko-KR" altLang="en-US" sz="6000" dirty="0">
-                <a:solidFill>
-                  <a:srgbClr val="4C50BB"/>
-                </a:solidFill>
-                <a:latin typeface="G마켓 산스 TTF Bold" panose="02000000000000000000" pitchFamily="2" charset="-127"/>
-                <a:ea typeface="G마켓 산스 TTF Bold" panose="02000000000000000000" pitchFamily="2" charset="-127"/>
-              </a:rPr>
-              <a:t>해설</a:t>
-            </a:r>
-            <a:endParaRPr lang="ko-KR" altLang="en-US" sz="800" dirty="0">
-              <a:solidFill>
-                <a:srgbClr val="4C50BB"/>
-              </a:solidFill>
-              <a:latin typeface="G마켓 산스 TTF Bold" panose="02000000000000000000" pitchFamily="2" charset="-127"/>
-              <a:ea typeface="G마켓 산스 TTF Bold" panose="02000000000000000000" pitchFamily="2" charset="-127"/>
-            </a:endParaRPr>
-          </a:p>
-        </p:txBody>
-      </p:sp>
       <p:pic>
         <p:nvPicPr>
           <p:cNvPr id="8" name="그림 7">
@@ -8100,6 +8320,120 @@
           </a:p>
         </p:txBody>
       </p:sp>
+      <p:sp>
+        <p:nvSpPr>
+          <p:cNvPr id="2" name="TextBox 1">
+            <a:extLst>
+              <a:ext uri="{FF2B5EF4-FFF2-40B4-BE49-F238E27FC236}">
+                <a16:creationId xmlns:a16="http://schemas.microsoft.com/office/drawing/2014/main" id="{BE6974B2-3F68-4E5C-D286-29D130EBB98D}"/>
+              </a:ext>
+            </a:extLst>
+          </p:cNvPr>
+          <p:cNvSpPr txBox="1"/>
+          <p:nvPr/>
+        </p:nvSpPr>
+        <p:spPr>
+          <a:xfrm>
+            <a:off x="304800" y="114300"/>
+            <a:ext cx="10972800" cy="923330"/>
+          </a:xfrm>
+          <a:prstGeom prst="rect">
+            <a:avLst/>
+          </a:prstGeom>
+          <a:noFill/>
+        </p:spPr>
+        <p:txBody>
+          <a:bodyPr wrap="square" rtlCol="0">
+            <a:spAutoFit/>
+          </a:bodyPr>
+          <a:lstStyle/>
+          <a:p>
+            <a:r>
+              <a:rPr lang="en-US" altLang="ko-KR" sz="5400" spc="-300" dirty="0">
+                <a:solidFill>
+                  <a:srgbClr val="4C50BC"/>
+                </a:solidFill>
+                <a:latin typeface="G마켓 산스 Bold" panose="02000000000000000000" pitchFamily="50" charset="-127"/>
+                <a:ea typeface="G마켓 산스 Bold" panose="02000000000000000000" pitchFamily="50" charset="-127"/>
+              </a:rPr>
+              <a:t>1-1 </a:t>
+            </a:r>
+            <a:r>
+              <a:rPr lang="ko-KR" altLang="en-US" sz="5400" spc="-300" dirty="0">
+                <a:solidFill>
+                  <a:srgbClr val="4C50BC"/>
+                </a:solidFill>
+                <a:latin typeface="G마켓 산스 Bold" panose="02000000000000000000" pitchFamily="50" charset="-127"/>
+                <a:ea typeface="G마켓 산스 Bold" panose="02000000000000000000" pitchFamily="50" charset="-127"/>
+              </a:rPr>
+              <a:t>문제풀이</a:t>
+            </a:r>
+            <a:r>
+              <a:rPr lang="en-US" altLang="ko-KR" sz="5400" spc="-300" dirty="0">
+                <a:solidFill>
+                  <a:srgbClr val="4C50BC"/>
+                </a:solidFill>
+                <a:latin typeface="G마켓 산스 Bold" panose="02000000000000000000" pitchFamily="50" charset="-127"/>
+                <a:ea typeface="G마켓 산스 Bold" panose="02000000000000000000" pitchFamily="50" charset="-127"/>
+              </a:rPr>
+              <a:t> </a:t>
+            </a:r>
+            <a:r>
+              <a:rPr lang="en-US" altLang="ko-KR" sz="5400" spc="-300" dirty="0">
+                <a:solidFill>
+                  <a:srgbClr val="FF0000"/>
+                </a:solidFill>
+                <a:latin typeface="G마켓 산스 Bold" panose="02000000000000000000" pitchFamily="50" charset="-127"/>
+                <a:ea typeface="G마켓 산스 Bold" panose="02000000000000000000" pitchFamily="50" charset="-127"/>
+              </a:rPr>
+              <a:t>(normal)</a:t>
+            </a:r>
+          </a:p>
+        </p:txBody>
+      </p:sp>
+      <p:cxnSp>
+        <p:nvCxnSpPr>
+          <p:cNvPr id="3" name="직선 연결선 2">
+            <a:extLst>
+              <a:ext uri="{FF2B5EF4-FFF2-40B4-BE49-F238E27FC236}">
+                <a16:creationId xmlns:a16="http://schemas.microsoft.com/office/drawing/2014/main" id="{EE23D69B-FB8A-7968-9F19-D49DE5096305}"/>
+              </a:ext>
+            </a:extLst>
+          </p:cNvPr>
+          <p:cNvCxnSpPr>
+            <a:cxnSpLocks/>
+          </p:cNvCxnSpPr>
+          <p:nvPr/>
+        </p:nvCxnSpPr>
+        <p:spPr>
+          <a:xfrm flipH="1" flipV="1">
+            <a:off x="-13447" y="972511"/>
+            <a:ext cx="18288000" cy="65119"/>
+          </a:xfrm>
+          <a:prstGeom prst="line">
+            <a:avLst/>
+          </a:prstGeom>
+          <a:ln w="38100">
+            <a:solidFill>
+              <a:srgbClr val="4C50BC"/>
+            </a:solidFill>
+          </a:ln>
+        </p:spPr>
+        <p:style>
+          <a:lnRef idx="1">
+            <a:schemeClr val="accent1"/>
+          </a:lnRef>
+          <a:fillRef idx="0">
+            <a:schemeClr val="accent1"/>
+          </a:fillRef>
+          <a:effectRef idx="0">
+            <a:schemeClr val="accent1"/>
+          </a:effectRef>
+          <a:fontRef idx="minor">
+            <a:schemeClr val="tx1"/>
+          </a:fontRef>
+        </p:style>
+      </p:cxnSp>
     </p:spTree>
     <p:extLst>
       <p:ext uri="{BB962C8B-B14F-4D97-AF65-F5344CB8AC3E}">
@@ -8760,8 +9094,8 @@
         </p:nvSpPr>
         <p:spPr>
           <a:xfrm>
-            <a:off x="1019908" y="266700"/>
-            <a:ext cx="13313260" cy="1200329"/>
+            <a:off x="609600" y="1142577"/>
+            <a:ext cx="16535400" cy="1200329"/>
           </a:xfrm>
           <a:prstGeom prst="rect">
             <a:avLst/>
@@ -8769,12 +9103,22 @@
           <a:noFill/>
         </p:spPr>
         <p:txBody>
-          <a:bodyPr wrap="none" rtlCol="0">
+          <a:bodyPr wrap="square" rtlCol="0">
             <a:spAutoFit/>
           </a:bodyPr>
           <a:lstStyle/>
           <a:p>
             <a:r>
+              <a:rPr lang="ko-KR" altLang="en-US" sz="3600" dirty="0">
+                <a:solidFill>
+                  <a:srgbClr val="4C50BC"/>
+                </a:solidFill>
+                <a:latin typeface="G마켓 산스 Medium" panose="02000000000000000000" pitchFamily="50" charset="-127"/>
+                <a:ea typeface="G마켓 산스 Medium" panose="02000000000000000000" pitchFamily="50" charset="-127"/>
+              </a:rPr>
+              <a:t>키보드로 숫자를 입력 받아 </a:t>
+            </a:r>
+            <a:r>
               <a:rPr lang="en-US" altLang="ko-KR" sz="3600" dirty="0">
                 <a:solidFill>
                   <a:srgbClr val="4C50BC"/>
@@ -8782,7 +9126,17 @@
                 <a:latin typeface="G마켓 산스 Medium" panose="02000000000000000000" pitchFamily="50" charset="-127"/>
                 <a:ea typeface="G마켓 산스 Medium" panose="02000000000000000000" pitchFamily="50" charset="-127"/>
               </a:rPr>
-              <a:t>2. </a:t>
+              <a:t>3</a:t>
+            </a:r>
+            <a:r>
+              <a:rPr lang="ko-KR" altLang="en-US" sz="3600" dirty="0" err="1">
+                <a:solidFill>
+                  <a:srgbClr val="4C50BC"/>
+                </a:solidFill>
+                <a:latin typeface="G마켓 산스 Medium" panose="02000000000000000000" pitchFamily="50" charset="-127"/>
+                <a:ea typeface="G마켓 산스 Medium" panose="02000000000000000000" pitchFamily="50" charset="-127"/>
+              </a:rPr>
+              <a:t>의배수이면</a:t>
             </a:r>
             <a:r>
               <a:rPr lang="ko-KR" altLang="en-US" sz="3600" dirty="0">
@@ -8792,7 +9146,7 @@
                 <a:latin typeface="G마켓 산스 Medium" panose="02000000000000000000" pitchFamily="50" charset="-127"/>
                 <a:ea typeface="G마켓 산스 Medium" panose="02000000000000000000" pitchFamily="50" charset="-127"/>
               </a:rPr>
-              <a:t>키보드로 숫자를 입력 받아 </a:t>
+              <a:t> </a:t>
             </a:r>
             <a:r>
               <a:rPr lang="en-US" altLang="ko-KR" sz="3600" dirty="0">
@@ -8802,7 +9156,7 @@
                 <a:latin typeface="G마켓 산스 Medium" panose="02000000000000000000" pitchFamily="50" charset="-127"/>
                 <a:ea typeface="G마켓 산스 Medium" panose="02000000000000000000" pitchFamily="50" charset="-127"/>
               </a:rPr>
-              <a:t>3</a:t>
+              <a:t>“3</a:t>
             </a:r>
             <a:r>
               <a:rPr lang="ko-KR" altLang="en-US" sz="3600" dirty="0" err="1">
@@ -8812,7 +9166,17 @@
                 <a:latin typeface="G마켓 산스 Medium" panose="02000000000000000000" pitchFamily="50" charset="-127"/>
                 <a:ea typeface="G마켓 산스 Medium" panose="02000000000000000000" pitchFamily="50" charset="-127"/>
               </a:rPr>
-              <a:t>의배수이면</a:t>
+              <a:t>의배수입니다</a:t>
+            </a:r>
+            <a:r>
+              <a:rPr lang="en-US" altLang="ko-KR" sz="3600" dirty="0">
+                <a:solidFill>
+                  <a:srgbClr val="4C50BC"/>
+                </a:solidFill>
+                <a:latin typeface="G마켓 산스 Medium" panose="02000000000000000000" pitchFamily="50" charset="-127"/>
+                <a:ea typeface="G마켓 산스 Medium" panose="02000000000000000000" pitchFamily="50" charset="-127"/>
+              </a:rPr>
+              <a:t>“ </a:t>
             </a:r>
             <a:r>
               <a:rPr lang="ko-KR" altLang="en-US" sz="3600" dirty="0">
@@ -8822,97 +9186,25 @@
                 <a:latin typeface="G마켓 산스 Medium" panose="02000000000000000000" pitchFamily="50" charset="-127"/>
                 <a:ea typeface="G마켓 산스 Medium" panose="02000000000000000000" pitchFamily="50" charset="-127"/>
               </a:rPr>
-              <a:t> </a:t>
-            </a:r>
-            <a:r>
-              <a:rPr lang="en-US" altLang="ko-KR" sz="3600" dirty="0">
+              <a:t>를 출력 하는 프로그램을 </a:t>
+            </a:r>
+            <a:r>
+              <a:rPr lang="ko-KR" altLang="en-US" sz="3600" dirty="0" err="1">
                 <a:solidFill>
                   <a:srgbClr val="4C50BC"/>
                 </a:solidFill>
                 <a:latin typeface="G마켓 산스 Medium" panose="02000000000000000000" pitchFamily="50" charset="-127"/>
                 <a:ea typeface="G마켓 산스 Medium" panose="02000000000000000000" pitchFamily="50" charset="-127"/>
               </a:rPr>
-              <a:t>“3</a:t>
-            </a:r>
-            <a:r>
-              <a:rPr lang="ko-KR" altLang="en-US" sz="3600" dirty="0" err="1">
-                <a:solidFill>
-                  <a:srgbClr val="4C50BC"/>
-                </a:solidFill>
-                <a:latin typeface="G마켓 산스 Medium" panose="02000000000000000000" pitchFamily="50" charset="-127"/>
-                <a:ea typeface="G마켓 산스 Medium" panose="02000000000000000000" pitchFamily="50" charset="-127"/>
-              </a:rPr>
-              <a:t>의배수입니다</a:t>
-            </a:r>
-            <a:r>
-              <a:rPr lang="en-US" altLang="ko-KR" sz="3600" dirty="0">
-                <a:solidFill>
-                  <a:srgbClr val="4C50BC"/>
-                </a:solidFill>
-                <a:latin typeface="G마켓 산스 Medium" panose="02000000000000000000" pitchFamily="50" charset="-127"/>
-                <a:ea typeface="G마켓 산스 Medium" panose="02000000000000000000" pitchFamily="50" charset="-127"/>
-              </a:rPr>
-              <a:t>“ </a:t>
-            </a:r>
-            <a:r>
-              <a:rPr lang="ko-KR" altLang="en-US" sz="3600" dirty="0">
-                <a:solidFill>
-                  <a:srgbClr val="4C50BC"/>
-                </a:solidFill>
-                <a:latin typeface="G마켓 산스 Medium" panose="02000000000000000000" pitchFamily="50" charset="-127"/>
-                <a:ea typeface="G마켓 산스 Medium" panose="02000000000000000000" pitchFamily="50" charset="-127"/>
-              </a:rPr>
-              <a:t>를 </a:t>
+              <a:t>만드시오</a:t>
             </a:r>
             <a:endParaRPr lang="en-US" altLang="ko-KR" sz="3600" dirty="0">
               <a:solidFill>
-                <a:srgbClr val="4C50BC"/>
+                <a:srgbClr val="FF0000"/>
               </a:solidFill>
               <a:latin typeface="G마켓 산스 Medium" panose="02000000000000000000" pitchFamily="50" charset="-127"/>
               <a:ea typeface="G마켓 산스 Medium" panose="02000000000000000000" pitchFamily="50" charset="-127"/>
             </a:endParaRPr>
-          </a:p>
-          <a:p>
-            <a:r>
-              <a:rPr lang="en-US" altLang="ko-KR" sz="3600" dirty="0">
-                <a:solidFill>
-                  <a:srgbClr val="4C50BC"/>
-                </a:solidFill>
-                <a:latin typeface="G마켓 산스 Medium" panose="02000000000000000000" pitchFamily="50" charset="-127"/>
-                <a:ea typeface="G마켓 산스 Medium" panose="02000000000000000000" pitchFamily="50" charset="-127"/>
-              </a:rPr>
-              <a:t>    </a:t>
-            </a:r>
-            <a:r>
-              <a:rPr lang="ko-KR" altLang="en-US" sz="3600" dirty="0">
-                <a:solidFill>
-                  <a:srgbClr val="4C50BC"/>
-                </a:solidFill>
-                <a:latin typeface="G마켓 산스 Medium" panose="02000000000000000000" pitchFamily="50" charset="-127"/>
-                <a:ea typeface="G마켓 산스 Medium" panose="02000000000000000000" pitchFamily="50" charset="-127"/>
-              </a:rPr>
-              <a:t>출력 하는 프로그램을 </a:t>
-            </a:r>
-            <a:r>
-              <a:rPr lang="ko-KR" altLang="en-US" sz="3600" dirty="0" err="1">
-                <a:solidFill>
-                  <a:srgbClr val="4C50BC"/>
-                </a:solidFill>
-                <a:latin typeface="G마켓 산스 Medium" panose="02000000000000000000" pitchFamily="50" charset="-127"/>
-                <a:ea typeface="G마켓 산스 Medium" panose="02000000000000000000" pitchFamily="50" charset="-127"/>
-              </a:rPr>
-              <a:t>만드시오</a:t>
-            </a:r>
-            <a:r>
-              <a:rPr lang="en-US" altLang="ko-KR" sz="3600" dirty="0">
-                <a:solidFill>
-                  <a:srgbClr val="FF0000"/>
-                </a:solidFill>
-                <a:latin typeface="G마켓 산스 Medium" panose="02000000000000000000" pitchFamily="50" charset="-127"/>
-                <a:ea typeface="G마켓 산스 Medium" panose="02000000000000000000" pitchFamily="50" charset="-127"/>
-              </a:rPr>
-              <a:t>(Normal)</a:t>
-            </a:r>
           </a:p>
         </p:txBody>
       </p:sp>
@@ -8938,7 +9230,7 @@
         </p:blipFill>
         <p:spPr>
           <a:xfrm>
-            <a:off x="762000" y="6346965"/>
+            <a:off x="762000" y="7127687"/>
             <a:ext cx="5939102" cy="3025056"/>
           </a:xfrm>
           <a:prstGeom prst="rect">
@@ -8968,8 +9260,8 @@
         </p:blipFill>
         <p:spPr>
           <a:xfrm>
-            <a:off x="7676538" y="6346965"/>
-            <a:ext cx="5810862" cy="3308965"/>
+            <a:off x="7793463" y="7134576"/>
+            <a:ext cx="5312937" cy="3025424"/>
           </a:xfrm>
           <a:prstGeom prst="rect">
             <a:avLst/>
@@ -8998,7 +9290,7 @@
         </p:blipFill>
         <p:spPr>
           <a:xfrm>
-            <a:off x="1295400" y="1467029"/>
+            <a:off x="1295400" y="2667358"/>
             <a:ext cx="9403494" cy="4362271"/>
           </a:xfrm>
           <a:prstGeom prst="rect">
@@ -9039,7 +9331,7 @@
         </p:blipFill>
         <p:spPr>
           <a:xfrm>
-            <a:off x="1295400" y="3940035"/>
+            <a:off x="1295400" y="5140364"/>
             <a:ext cx="9403494" cy="1908136"/>
           </a:xfrm>
           <a:prstGeom prst="rect">
@@ -9047,6 +9339,120 @@
           </a:prstGeom>
         </p:spPr>
       </p:pic>
+      <p:sp>
+        <p:nvSpPr>
+          <p:cNvPr id="2" name="TextBox 1">
+            <a:extLst>
+              <a:ext uri="{FF2B5EF4-FFF2-40B4-BE49-F238E27FC236}">
+                <a16:creationId xmlns:a16="http://schemas.microsoft.com/office/drawing/2014/main" id="{926F4ECE-D9BB-7879-0BA3-424BDF283AE7}"/>
+              </a:ext>
+            </a:extLst>
+          </p:cNvPr>
+          <p:cNvSpPr txBox="1"/>
+          <p:nvPr/>
+        </p:nvSpPr>
+        <p:spPr>
+          <a:xfrm>
+            <a:off x="304800" y="114300"/>
+            <a:ext cx="10972800" cy="923330"/>
+          </a:xfrm>
+          <a:prstGeom prst="rect">
+            <a:avLst/>
+          </a:prstGeom>
+          <a:noFill/>
+        </p:spPr>
+        <p:txBody>
+          <a:bodyPr wrap="square" rtlCol="0">
+            <a:spAutoFit/>
+          </a:bodyPr>
+          <a:lstStyle/>
+          <a:p>
+            <a:r>
+              <a:rPr lang="en-US" altLang="ko-KR" sz="5400" spc="-300" dirty="0">
+                <a:solidFill>
+                  <a:srgbClr val="4C50BC"/>
+                </a:solidFill>
+                <a:latin typeface="G마켓 산스 Bold" panose="02000000000000000000" pitchFamily="50" charset="-127"/>
+                <a:ea typeface="G마켓 산스 Bold" panose="02000000000000000000" pitchFamily="50" charset="-127"/>
+              </a:rPr>
+              <a:t>1-2 </a:t>
+            </a:r>
+            <a:r>
+              <a:rPr lang="ko-KR" altLang="en-US" sz="5400" spc="-300" dirty="0">
+                <a:solidFill>
+                  <a:srgbClr val="4C50BC"/>
+                </a:solidFill>
+                <a:latin typeface="G마켓 산스 Bold" panose="02000000000000000000" pitchFamily="50" charset="-127"/>
+                <a:ea typeface="G마켓 산스 Bold" panose="02000000000000000000" pitchFamily="50" charset="-127"/>
+              </a:rPr>
+              <a:t>실습문제</a:t>
+            </a:r>
+            <a:r>
+              <a:rPr lang="en-US" altLang="ko-KR" sz="5400" spc="-300" dirty="0">
+                <a:solidFill>
+                  <a:srgbClr val="4C50BC"/>
+                </a:solidFill>
+                <a:latin typeface="G마켓 산스 Bold" panose="02000000000000000000" pitchFamily="50" charset="-127"/>
+                <a:ea typeface="G마켓 산스 Bold" panose="02000000000000000000" pitchFamily="50" charset="-127"/>
+              </a:rPr>
+              <a:t> </a:t>
+            </a:r>
+            <a:r>
+              <a:rPr lang="en-US" altLang="ko-KR" sz="5400" spc="-300" dirty="0">
+                <a:solidFill>
+                  <a:srgbClr val="FF0000"/>
+                </a:solidFill>
+                <a:latin typeface="G마켓 산스 Bold" panose="02000000000000000000" pitchFamily="50" charset="-127"/>
+                <a:ea typeface="G마켓 산스 Bold" panose="02000000000000000000" pitchFamily="50" charset="-127"/>
+              </a:rPr>
+              <a:t>(normal)</a:t>
+            </a:r>
+          </a:p>
+        </p:txBody>
+      </p:sp>
+      <p:cxnSp>
+        <p:nvCxnSpPr>
+          <p:cNvPr id="3" name="직선 연결선 2">
+            <a:extLst>
+              <a:ext uri="{FF2B5EF4-FFF2-40B4-BE49-F238E27FC236}">
+                <a16:creationId xmlns:a16="http://schemas.microsoft.com/office/drawing/2014/main" id="{0F4CC35C-AB99-53ED-82EE-48242CDFD22D}"/>
+              </a:ext>
+            </a:extLst>
+          </p:cNvPr>
+          <p:cNvCxnSpPr>
+            <a:cxnSpLocks/>
+          </p:cNvCxnSpPr>
+          <p:nvPr/>
+        </p:nvCxnSpPr>
+        <p:spPr>
+          <a:xfrm flipH="1" flipV="1">
+            <a:off x="-13447" y="972511"/>
+            <a:ext cx="18288000" cy="65119"/>
+          </a:xfrm>
+          <a:prstGeom prst="line">
+            <a:avLst/>
+          </a:prstGeom>
+          <a:ln w="38100">
+            <a:solidFill>
+              <a:srgbClr val="4C50BC"/>
+            </a:solidFill>
+          </a:ln>
+        </p:spPr>
+        <p:style>
+          <a:lnRef idx="1">
+            <a:schemeClr val="accent1"/>
+          </a:lnRef>
+          <a:fillRef idx="0">
+            <a:schemeClr val="accent1"/>
+          </a:fillRef>
+          <a:effectRef idx="0">
+            <a:schemeClr val="accent1"/>
+          </a:effectRef>
+          <a:fontRef idx="minor">
+            <a:schemeClr val="tx1"/>
+          </a:fontRef>
+        </p:style>
+      </p:cxnSp>
     </p:spTree>
     <p:extLst>
       <p:ext uri="{BB962C8B-B14F-4D97-AF65-F5344CB8AC3E}">
@@ -9079,54 +9485,6 @@
       </p:grpSpPr>
       <p:sp>
         <p:nvSpPr>
-          <p:cNvPr id="4" name="TextBox 3">
-            <a:extLst>
-              <a:ext uri="{FF2B5EF4-FFF2-40B4-BE49-F238E27FC236}">
-                <a16:creationId xmlns:a16="http://schemas.microsoft.com/office/drawing/2014/main" id="{C27F9274-914C-0E20-456E-8DFD8CF73E46}"/>
-              </a:ext>
-            </a:extLst>
-          </p:cNvPr>
-          <p:cNvSpPr txBox="1"/>
-          <p:nvPr/>
-        </p:nvSpPr>
-        <p:spPr>
-          <a:xfrm>
-            <a:off x="929785" y="418368"/>
-            <a:ext cx="1665841" cy="1015663"/>
-          </a:xfrm>
-          <a:prstGeom prst="rect">
-            <a:avLst/>
-          </a:prstGeom>
-          <a:noFill/>
-        </p:spPr>
-        <p:txBody>
-          <a:bodyPr wrap="none" rtlCol="0">
-            <a:spAutoFit/>
-          </a:bodyPr>
-          <a:lstStyle/>
-          <a:p>
-            <a:r>
-              <a:rPr lang="ko-KR" altLang="en-US" sz="6000" dirty="0">
-                <a:solidFill>
-                  <a:srgbClr val="4C50BB"/>
-                </a:solidFill>
-                <a:latin typeface="G마켓 산스 TTF Bold" panose="02000000000000000000" pitchFamily="2" charset="-127"/>
-                <a:ea typeface="G마켓 산스 TTF Bold" panose="02000000000000000000" pitchFamily="2" charset="-127"/>
-              </a:rPr>
-              <a:t>해설</a:t>
-            </a:r>
-            <a:endParaRPr lang="ko-KR" altLang="en-US" sz="800" dirty="0">
-              <a:solidFill>
-                <a:srgbClr val="4C50BB"/>
-              </a:solidFill>
-              <a:latin typeface="G마켓 산스 TTF Bold" panose="02000000000000000000" pitchFamily="2" charset="-127"/>
-              <a:ea typeface="G마켓 산스 TTF Bold" panose="02000000000000000000" pitchFamily="2" charset="-127"/>
-            </a:endParaRPr>
-          </a:p>
-        </p:txBody>
-      </p:sp>
-      <p:sp>
-        <p:nvSpPr>
           <p:cNvPr id="5" name="TextBox 4">
             <a:extLst>
               <a:ext uri="{FF2B5EF4-FFF2-40B4-BE49-F238E27FC236}">
@@ -9437,6 +9795,120 @@
           </a:p>
         </p:txBody>
       </p:sp>
+      <p:sp>
+        <p:nvSpPr>
+          <p:cNvPr id="2" name="TextBox 1">
+            <a:extLst>
+              <a:ext uri="{FF2B5EF4-FFF2-40B4-BE49-F238E27FC236}">
+                <a16:creationId xmlns:a16="http://schemas.microsoft.com/office/drawing/2014/main" id="{0036F5A0-7217-46CE-43D7-C284E3CC860F}"/>
+              </a:ext>
+            </a:extLst>
+          </p:cNvPr>
+          <p:cNvSpPr txBox="1"/>
+          <p:nvPr/>
+        </p:nvSpPr>
+        <p:spPr>
+          <a:xfrm>
+            <a:off x="304800" y="114300"/>
+            <a:ext cx="10972800" cy="923330"/>
+          </a:xfrm>
+          <a:prstGeom prst="rect">
+            <a:avLst/>
+          </a:prstGeom>
+          <a:noFill/>
+        </p:spPr>
+        <p:txBody>
+          <a:bodyPr wrap="square" rtlCol="0">
+            <a:spAutoFit/>
+          </a:bodyPr>
+          <a:lstStyle/>
+          <a:p>
+            <a:r>
+              <a:rPr lang="en-US" altLang="ko-KR" sz="5400" spc="-300" dirty="0">
+                <a:solidFill>
+                  <a:srgbClr val="4C50BC"/>
+                </a:solidFill>
+                <a:latin typeface="G마켓 산스 Bold" panose="02000000000000000000" pitchFamily="50" charset="-127"/>
+                <a:ea typeface="G마켓 산스 Bold" panose="02000000000000000000" pitchFamily="50" charset="-127"/>
+              </a:rPr>
+              <a:t>1-2 </a:t>
+            </a:r>
+            <a:r>
+              <a:rPr lang="ko-KR" altLang="en-US" sz="5400" spc="-300" dirty="0">
+                <a:solidFill>
+                  <a:srgbClr val="4C50BC"/>
+                </a:solidFill>
+                <a:latin typeface="G마켓 산스 Bold" panose="02000000000000000000" pitchFamily="50" charset="-127"/>
+                <a:ea typeface="G마켓 산스 Bold" panose="02000000000000000000" pitchFamily="50" charset="-127"/>
+              </a:rPr>
+              <a:t>문제풀이</a:t>
+            </a:r>
+            <a:r>
+              <a:rPr lang="en-US" altLang="ko-KR" sz="5400" spc="-300" dirty="0">
+                <a:solidFill>
+                  <a:srgbClr val="4C50BC"/>
+                </a:solidFill>
+                <a:latin typeface="G마켓 산스 Bold" panose="02000000000000000000" pitchFamily="50" charset="-127"/>
+                <a:ea typeface="G마켓 산스 Bold" panose="02000000000000000000" pitchFamily="50" charset="-127"/>
+              </a:rPr>
+              <a:t> </a:t>
+            </a:r>
+            <a:r>
+              <a:rPr lang="en-US" altLang="ko-KR" sz="5400" spc="-300" dirty="0">
+                <a:solidFill>
+                  <a:srgbClr val="FF0000"/>
+                </a:solidFill>
+                <a:latin typeface="G마켓 산스 Bold" panose="02000000000000000000" pitchFamily="50" charset="-127"/>
+                <a:ea typeface="G마켓 산스 Bold" panose="02000000000000000000" pitchFamily="50" charset="-127"/>
+              </a:rPr>
+              <a:t>(normal)</a:t>
+            </a:r>
+          </a:p>
+        </p:txBody>
+      </p:sp>
+      <p:cxnSp>
+        <p:nvCxnSpPr>
+          <p:cNvPr id="3" name="직선 연결선 2">
+            <a:extLst>
+              <a:ext uri="{FF2B5EF4-FFF2-40B4-BE49-F238E27FC236}">
+                <a16:creationId xmlns:a16="http://schemas.microsoft.com/office/drawing/2014/main" id="{11FCCF64-8924-3830-B852-ACB2723D8CC2}"/>
+              </a:ext>
+            </a:extLst>
+          </p:cNvPr>
+          <p:cNvCxnSpPr>
+            <a:cxnSpLocks/>
+          </p:cNvCxnSpPr>
+          <p:nvPr/>
+        </p:nvCxnSpPr>
+        <p:spPr>
+          <a:xfrm flipH="1" flipV="1">
+            <a:off x="-13447" y="972511"/>
+            <a:ext cx="18288000" cy="65119"/>
+          </a:xfrm>
+          <a:prstGeom prst="line">
+            <a:avLst/>
+          </a:prstGeom>
+          <a:ln w="38100">
+            <a:solidFill>
+              <a:srgbClr val="4C50BC"/>
+            </a:solidFill>
+          </a:ln>
+        </p:spPr>
+        <p:style>
+          <a:lnRef idx="1">
+            <a:schemeClr val="accent1"/>
+          </a:lnRef>
+          <a:fillRef idx="0">
+            <a:schemeClr val="accent1"/>
+          </a:fillRef>
+          <a:effectRef idx="0">
+            <a:schemeClr val="accent1"/>
+          </a:effectRef>
+          <a:fontRef idx="minor">
+            <a:schemeClr val="tx1"/>
+          </a:fontRef>
+        </p:style>
+      </p:cxnSp>
     </p:spTree>
     <p:extLst>
       <p:ext uri="{BB962C8B-B14F-4D97-AF65-F5344CB8AC3E}">
@@ -9559,7 +10031,7 @@
         </p:nvSpPr>
         <p:spPr>
           <a:xfrm>
-            <a:off x="838200" y="266700"/>
+            <a:off x="838200" y="1037495"/>
             <a:ext cx="17449800" cy="3477875"/>
           </a:xfrm>
           <a:prstGeom prst="rect">
@@ -9574,45 +10046,32 @@
           <a:lstStyle/>
           <a:p>
             <a:r>
-              <a:rPr lang="en-US" altLang="ko-KR" sz="4000" dirty="0">
+              <a:rPr lang="ko-KR" altLang="en-US" sz="4000" dirty="0">
                 <a:solidFill>
                   <a:srgbClr val="4C50BC"/>
                 </a:solidFill>
                 <a:latin typeface="G마켓 산스 Medium" panose="02000000000000000000" pitchFamily="50" charset="-127"/>
                 <a:ea typeface="G마켓 산스 Medium" panose="02000000000000000000" pitchFamily="50" charset="-127"/>
               </a:rPr>
-              <a:t>3. </a:t>
-            </a:r>
-            <a:r>
-              <a:rPr lang="ko-KR" altLang="en-US" sz="4000" dirty="0">
+              <a:t>키보드로 성적을 입력 받아  아래의 기준대로 출력 </a:t>
+            </a:r>
+            <a:r>
+              <a:rPr lang="ko-KR" altLang="en-US" sz="4000" dirty="0" err="1">
                 <a:solidFill>
                   <a:srgbClr val="4C50BC"/>
                 </a:solidFill>
                 <a:latin typeface="G마켓 산스 Medium" panose="02000000000000000000" pitchFamily="50" charset="-127"/>
                 <a:ea typeface="G마켓 산스 Medium" panose="02000000000000000000" pitchFamily="50" charset="-127"/>
               </a:rPr>
-              <a:t>키보드로 성적을 입력 받아  아래의 기준대로 출력 </a:t>
-            </a:r>
-            <a:r>
-              <a:rPr lang="ko-KR" altLang="en-US" sz="4000" dirty="0" err="1">
-                <a:solidFill>
-                  <a:srgbClr val="4C50BC"/>
-                </a:solidFill>
-                <a:latin typeface="G마켓 산스 Medium" panose="02000000000000000000" pitchFamily="50" charset="-127"/>
-                <a:ea typeface="G마켓 산스 Medium" panose="02000000000000000000" pitchFamily="50" charset="-127"/>
-              </a:rPr>
               <a:t>하시오</a:t>
             </a:r>
-            <a:r>
-              <a:rPr lang="en-US" altLang="ko-KR" sz="4000" dirty="0">
-                <a:solidFill>
-                  <a:srgbClr val="FF0000"/>
-                </a:solidFill>
-                <a:latin typeface="G마켓 산스 Medium" panose="02000000000000000000" pitchFamily="50" charset="-127"/>
-                <a:ea typeface="G마켓 산스 Medium" panose="02000000000000000000" pitchFamily="50" charset="-127"/>
-              </a:rPr>
-              <a:t>(Normal)</a:t>
-            </a:r>
+            <a:endParaRPr lang="en-US" altLang="ko-KR" sz="4000" dirty="0">
+              <a:solidFill>
+                <a:srgbClr val="FF0000"/>
+              </a:solidFill>
+              <a:latin typeface="G마켓 산스 Medium" panose="02000000000000000000" pitchFamily="50" charset="-127"/>
+              <a:ea typeface="G마켓 산스 Medium" panose="02000000000000000000" pitchFamily="50" charset="-127"/>
+            </a:endParaRPr>
           </a:p>
           <a:p>
             <a:r>
@@ -10023,7 +10482,7 @@
         </p:blipFill>
         <p:spPr>
           <a:xfrm>
-            <a:off x="5175354" y="7048500"/>
+            <a:off x="5175354" y="7819295"/>
             <a:ext cx="5123870" cy="2353405"/>
           </a:xfrm>
           <a:prstGeom prst="rect">
@@ -10053,7 +10512,7 @@
         </p:blipFill>
         <p:spPr>
           <a:xfrm>
-            <a:off x="5181600" y="1028700"/>
+            <a:off x="5181600" y="1799495"/>
             <a:ext cx="7782129" cy="5715001"/>
           </a:xfrm>
           <a:prstGeom prst="rect">
@@ -10094,7 +10553,7 @@
         </p:blipFill>
         <p:spPr>
           <a:xfrm>
-            <a:off x="5181600" y="2705100"/>
+            <a:off x="5181600" y="3475895"/>
             <a:ext cx="7782129" cy="3942443"/>
           </a:xfrm>
           <a:prstGeom prst="rect">
@@ -10102,6 +10561,120 @@
           </a:prstGeom>
         </p:spPr>
       </p:pic>
+      <p:sp>
+        <p:nvSpPr>
+          <p:cNvPr id="2" name="TextBox 1">
+            <a:extLst>
+              <a:ext uri="{FF2B5EF4-FFF2-40B4-BE49-F238E27FC236}">
+                <a16:creationId xmlns:a16="http://schemas.microsoft.com/office/drawing/2014/main" id="{F8AE4504-C66D-FDCE-3080-11365EF6E6D6}"/>
+              </a:ext>
+            </a:extLst>
+          </p:cNvPr>
+          <p:cNvSpPr txBox="1"/>
+          <p:nvPr/>
+        </p:nvSpPr>
+        <p:spPr>
+          <a:xfrm>
+            <a:off x="304800" y="114300"/>
+            <a:ext cx="10972800" cy="923330"/>
+          </a:xfrm>
+          <a:prstGeom prst="rect">
+            <a:avLst/>
+          </a:prstGeom>
+          <a:noFill/>
+        </p:spPr>
+        <p:txBody>
+          <a:bodyPr wrap="square" rtlCol="0">
+            <a:spAutoFit/>
+          </a:bodyPr>
+          <a:lstStyle/>
+          <a:p>
+            <a:r>
+              <a:rPr lang="en-US" altLang="ko-KR" sz="5400" spc="-300" dirty="0">
+                <a:solidFill>
+                  <a:srgbClr val="4C50BC"/>
+                </a:solidFill>
+                <a:latin typeface="G마켓 산스 Bold" panose="02000000000000000000" pitchFamily="50" charset="-127"/>
+                <a:ea typeface="G마켓 산스 Bold" panose="02000000000000000000" pitchFamily="50" charset="-127"/>
+              </a:rPr>
+              <a:t>1-3 </a:t>
+            </a:r>
+            <a:r>
+              <a:rPr lang="ko-KR" altLang="en-US" sz="5400" spc="-300" dirty="0">
+                <a:solidFill>
+                  <a:srgbClr val="4C50BC"/>
+                </a:solidFill>
+                <a:latin typeface="G마켓 산스 Bold" panose="02000000000000000000" pitchFamily="50" charset="-127"/>
+                <a:ea typeface="G마켓 산스 Bold" panose="02000000000000000000" pitchFamily="50" charset="-127"/>
+              </a:rPr>
+              <a:t>실습문제</a:t>
+            </a:r>
+            <a:r>
+              <a:rPr lang="en-US" altLang="ko-KR" sz="5400" spc="-300" dirty="0">
+                <a:solidFill>
+                  <a:srgbClr val="4C50BC"/>
+                </a:solidFill>
+                <a:latin typeface="G마켓 산스 Bold" panose="02000000000000000000" pitchFamily="50" charset="-127"/>
+                <a:ea typeface="G마켓 산스 Bold" panose="02000000000000000000" pitchFamily="50" charset="-127"/>
+              </a:rPr>
+              <a:t> </a:t>
+            </a:r>
+            <a:r>
+              <a:rPr lang="en-US" altLang="ko-KR" sz="5400" spc="-300" dirty="0">
+                <a:solidFill>
+                  <a:srgbClr val="FF0000"/>
+                </a:solidFill>
+                <a:latin typeface="G마켓 산스 Bold" panose="02000000000000000000" pitchFamily="50" charset="-127"/>
+                <a:ea typeface="G마켓 산스 Bold" panose="02000000000000000000" pitchFamily="50" charset="-127"/>
+              </a:rPr>
+              <a:t>(normal)</a:t>
+            </a:r>
+          </a:p>
+        </p:txBody>
+      </p:sp>
+      <p:cxnSp>
+        <p:nvCxnSpPr>
+          <p:cNvPr id="4" name="직선 연결선 3">
+            <a:extLst>
+              <a:ext uri="{FF2B5EF4-FFF2-40B4-BE49-F238E27FC236}">
+                <a16:creationId xmlns:a16="http://schemas.microsoft.com/office/drawing/2014/main" id="{CEA2CEE2-ED5F-7AE0-5CF1-33C2CC4CEAE5}"/>
+              </a:ext>
+            </a:extLst>
+          </p:cNvPr>
+          <p:cNvCxnSpPr>
+            <a:cxnSpLocks/>
+          </p:cNvCxnSpPr>
+          <p:nvPr/>
+        </p:nvCxnSpPr>
+        <p:spPr>
+          <a:xfrm flipH="1" flipV="1">
+            <a:off x="-13447" y="972511"/>
+            <a:ext cx="18288000" cy="65119"/>
+          </a:xfrm>
+          <a:prstGeom prst="line">
+            <a:avLst/>
+          </a:prstGeom>
+          <a:ln w="38100">
+            <a:solidFill>
+              <a:srgbClr val="4C50BC"/>
+            </a:solidFill>
+          </a:ln>
+        </p:spPr>
+        <p:style>
+          <a:lnRef idx="1">
+            <a:schemeClr val="accent1"/>
+          </a:lnRef>
+          <a:fillRef idx="0">
+            <a:schemeClr val="accent1"/>
+          </a:fillRef>
+          <a:effectRef idx="0">
+            <a:schemeClr val="accent1"/>
+          </a:effectRef>
+          <a:fontRef idx="minor">
+            <a:schemeClr val="tx1"/>
+          </a:fontRef>
+        </p:style>
+      </p:cxnSp>
     </p:spTree>
     <p:extLst>
       <p:ext uri="{BB962C8B-B14F-4D97-AF65-F5344CB8AC3E}">
@@ -10372,54 +10945,6 @@
           </a:p>
         </p:txBody>
       </p:sp>
-      <p:sp>
-        <p:nvSpPr>
-          <p:cNvPr id="5" name="TextBox 4">
-            <a:extLst>
-              <a:ext uri="{FF2B5EF4-FFF2-40B4-BE49-F238E27FC236}">
-                <a16:creationId xmlns:a16="http://schemas.microsoft.com/office/drawing/2014/main" id="{CB3B203E-9732-CB61-3A78-4A8DF7C3CD43}"/>
-              </a:ext>
-            </a:extLst>
-          </p:cNvPr>
-          <p:cNvSpPr txBox="1"/>
-          <p:nvPr/>
-        </p:nvSpPr>
-        <p:spPr>
-          <a:xfrm>
-            <a:off x="817257" y="342900"/>
-            <a:ext cx="1665841" cy="1015663"/>
-          </a:xfrm>
-          <a:prstGeom prst="rect">
-            <a:avLst/>
-          </a:prstGeom>
-          <a:noFill/>
-        </p:spPr>
-        <p:txBody>
-          <a:bodyPr wrap="none" rtlCol="0">
-            <a:spAutoFit/>
-          </a:bodyPr>
-          <a:lstStyle/>
-          <a:p>
-            <a:r>
-              <a:rPr lang="ko-KR" altLang="en-US" sz="6000" dirty="0">
-                <a:solidFill>
-                  <a:srgbClr val="4C50BB"/>
-                </a:solidFill>
-                <a:latin typeface="G마켓 산스 TTF Bold" panose="02000000000000000000" pitchFamily="2" charset="-127"/>
-                <a:ea typeface="G마켓 산스 TTF Bold" panose="02000000000000000000" pitchFamily="2" charset="-127"/>
-              </a:rPr>
-              <a:t>해설</a:t>
-            </a:r>
-            <a:endParaRPr lang="ko-KR" altLang="en-US" sz="800" dirty="0">
-              <a:solidFill>
-                <a:srgbClr val="4C50BB"/>
-              </a:solidFill>
-              <a:latin typeface="G마켓 산스 TTF Bold" panose="02000000000000000000" pitchFamily="2" charset="-127"/>
-              <a:ea typeface="G마켓 산스 TTF Bold" panose="02000000000000000000" pitchFamily="2" charset="-127"/>
-            </a:endParaRPr>
-          </a:p>
-        </p:txBody>
-      </p:sp>
       <p:cxnSp>
         <p:nvCxnSpPr>
           <p:cNvPr id="9" name="직선 화살표 연결선 8">
@@ -10750,6 +11275,120 @@
           </a:p>
         </p:txBody>
       </p:sp>
+      <p:sp>
+        <p:nvSpPr>
+          <p:cNvPr id="2" name="TextBox 1">
+            <a:extLst>
+              <a:ext uri="{FF2B5EF4-FFF2-40B4-BE49-F238E27FC236}">
+                <a16:creationId xmlns:a16="http://schemas.microsoft.com/office/drawing/2014/main" id="{C83007D1-EBD3-C509-D1D1-DF8A9764B9B5}"/>
+              </a:ext>
+            </a:extLst>
+          </p:cNvPr>
+          <p:cNvSpPr txBox="1"/>
+          <p:nvPr/>
+        </p:nvSpPr>
+        <p:spPr>
+          <a:xfrm>
+            <a:off x="304800" y="114300"/>
+            <a:ext cx="10972800" cy="923330"/>
+          </a:xfrm>
+          <a:prstGeom prst="rect">
+            <a:avLst/>
+          </a:prstGeom>
+          <a:noFill/>
+        </p:spPr>
+        <p:txBody>
+          <a:bodyPr wrap="square" rtlCol="0">
+            <a:spAutoFit/>
+          </a:bodyPr>
+          <a:lstStyle/>
+          <a:p>
+            <a:r>
+              <a:rPr lang="en-US" altLang="ko-KR" sz="5400" spc="-300" dirty="0">
+                <a:solidFill>
+                  <a:srgbClr val="4C50BC"/>
+                </a:solidFill>
+                <a:latin typeface="G마켓 산스 Bold" panose="02000000000000000000" pitchFamily="50" charset="-127"/>
+                <a:ea typeface="G마켓 산스 Bold" panose="02000000000000000000" pitchFamily="50" charset="-127"/>
+              </a:rPr>
+              <a:t>1-3 </a:t>
+            </a:r>
+            <a:r>
+              <a:rPr lang="ko-KR" altLang="en-US" sz="5400" spc="-300" dirty="0">
+                <a:solidFill>
+                  <a:srgbClr val="4C50BC"/>
+                </a:solidFill>
+                <a:latin typeface="G마켓 산스 Bold" panose="02000000000000000000" pitchFamily="50" charset="-127"/>
+                <a:ea typeface="G마켓 산스 Bold" panose="02000000000000000000" pitchFamily="50" charset="-127"/>
+              </a:rPr>
+              <a:t>문제풀이</a:t>
+            </a:r>
+            <a:r>
+              <a:rPr lang="en-US" altLang="ko-KR" sz="5400" spc="-300" dirty="0">
+                <a:solidFill>
+                  <a:srgbClr val="4C50BC"/>
+                </a:solidFill>
+                <a:latin typeface="G마켓 산스 Bold" panose="02000000000000000000" pitchFamily="50" charset="-127"/>
+                <a:ea typeface="G마켓 산스 Bold" panose="02000000000000000000" pitchFamily="50" charset="-127"/>
+              </a:rPr>
+              <a:t> </a:t>
+            </a:r>
+            <a:r>
+              <a:rPr lang="en-US" altLang="ko-KR" sz="5400" spc="-300" dirty="0">
+                <a:solidFill>
+                  <a:srgbClr val="FF0000"/>
+                </a:solidFill>
+                <a:latin typeface="G마켓 산스 Bold" panose="02000000000000000000" pitchFamily="50" charset="-127"/>
+                <a:ea typeface="G마켓 산스 Bold" panose="02000000000000000000" pitchFamily="50" charset="-127"/>
+              </a:rPr>
+              <a:t>(normal)</a:t>
+            </a:r>
+          </a:p>
+        </p:txBody>
+      </p:sp>
+      <p:cxnSp>
+        <p:nvCxnSpPr>
+          <p:cNvPr id="3" name="직선 연결선 2">
+            <a:extLst>
+              <a:ext uri="{FF2B5EF4-FFF2-40B4-BE49-F238E27FC236}">
+                <a16:creationId xmlns:a16="http://schemas.microsoft.com/office/drawing/2014/main" id="{A105EE09-80AC-E51A-FAA7-5AF1947B4C54}"/>
+              </a:ext>
+            </a:extLst>
+          </p:cNvPr>
+          <p:cNvCxnSpPr>
+            <a:cxnSpLocks/>
+          </p:cNvCxnSpPr>
+          <p:nvPr/>
+        </p:nvCxnSpPr>
+        <p:spPr>
+          <a:xfrm flipH="1" flipV="1">
+            <a:off x="-13447" y="972511"/>
+            <a:ext cx="18288000" cy="65119"/>
+          </a:xfrm>
+          <a:prstGeom prst="line">
+            <a:avLst/>
+          </a:prstGeom>
+          <a:ln w="38100">
+            <a:solidFill>
+              <a:srgbClr val="4C50BC"/>
+            </a:solidFill>
+          </a:ln>
+        </p:spPr>
+        <p:style>
+          <a:lnRef idx="1">
+            <a:schemeClr val="accent1"/>
+          </a:lnRef>
+          <a:fillRef idx="0">
+            <a:schemeClr val="accent1"/>
+          </a:fillRef>
+          <a:effectRef idx="0">
+            <a:schemeClr val="accent1"/>
+          </a:effectRef>
+          <a:fontRef idx="minor">
+            <a:schemeClr val="tx1"/>
+          </a:fontRef>
+        </p:style>
+      </p:cxnSp>
     </p:spTree>
     <p:extLst>
       <p:ext uri="{BB962C8B-B14F-4D97-AF65-F5344CB8AC3E}">
@@ -10872,7 +11511,7 @@
         </p:nvSpPr>
         <p:spPr>
           <a:xfrm>
-            <a:off x="838200" y="419100"/>
+            <a:off x="609600" y="1333500"/>
             <a:ext cx="14097000" cy="1138773"/>
           </a:xfrm>
           <a:prstGeom prst="rect">
@@ -10894,7 +11533,7 @@
                 <a:latin typeface="G마켓 산스 Medium" panose="02000000000000000000" pitchFamily="50" charset="-127"/>
                 <a:ea typeface="G마켓 산스 Medium" panose="02000000000000000000" pitchFamily="50" charset="-127"/>
               </a:rPr>
-              <a:t>4. 3</a:t>
+              <a:t> 3</a:t>
             </a:r>
             <a:r>
               <a:rPr lang="ko-KR" altLang="en-US" sz="3600" dirty="0">
@@ -10916,16 +11555,13 @@
               </a:rPr>
               <a:t>하시오</a:t>
             </a:r>
-            <a:r>
-              <a:rPr lang="en-US" altLang="ko-KR" sz="3600" dirty="0">
-                <a:solidFill>
-                  <a:srgbClr val="FF0000"/>
-                </a:solidFill>
-                <a:latin typeface="G마켓 산스 Medium" panose="02000000000000000000" pitchFamily="50" charset="-127"/>
-                <a:ea typeface="G마켓 산스 Medium" panose="02000000000000000000" pitchFamily="50" charset="-127"/>
-              </a:rPr>
-              <a:t>(Hard)</a:t>
-            </a:r>
+            <a:endParaRPr lang="en-US" altLang="ko-KR" sz="3600" dirty="0">
+              <a:solidFill>
+                <a:srgbClr val="FF0000"/>
+              </a:solidFill>
+              <a:latin typeface="G마켓 산스 Medium" panose="02000000000000000000" pitchFamily="50" charset="-127"/>
+              <a:ea typeface="G마켓 산스 Medium" panose="02000000000000000000" pitchFamily="50" charset="-127"/>
+            </a:endParaRPr>
           </a:p>
           <a:p>
             <a:r>
@@ -10983,7 +11619,7 @@
         </p:blipFill>
         <p:spPr>
           <a:xfrm>
-            <a:off x="11582400" y="5568885"/>
+            <a:off x="11582400" y="6443815"/>
             <a:ext cx="3733800" cy="2357284"/>
           </a:xfrm>
           <a:prstGeom prst="rect">
@@ -11013,7 +11649,7 @@
         </p:blipFill>
         <p:spPr>
           <a:xfrm>
-            <a:off x="914400" y="1790700"/>
+            <a:off x="914400" y="2665630"/>
             <a:ext cx="9989520" cy="6135469"/>
           </a:xfrm>
           <a:prstGeom prst="rect">
@@ -11042,7 +11678,7 @@
         </p:blipFill>
         <p:spPr>
           <a:xfrm>
-            <a:off x="914399" y="4656407"/>
+            <a:off x="914399" y="5531337"/>
             <a:ext cx="10002093" cy="3269763"/>
           </a:xfrm>
           <a:prstGeom prst="rect">
@@ -11050,6 +11686,120 @@
           </a:prstGeom>
         </p:spPr>
       </p:pic>
+      <p:sp>
+        <p:nvSpPr>
+          <p:cNvPr id="2" name="TextBox 1">
+            <a:extLst>
+              <a:ext uri="{FF2B5EF4-FFF2-40B4-BE49-F238E27FC236}">
+                <a16:creationId xmlns:a16="http://schemas.microsoft.com/office/drawing/2014/main" id="{35E28A7E-6BCF-B0AA-77A2-41D203BDDEDB}"/>
+              </a:ext>
+            </a:extLst>
+          </p:cNvPr>
+          <p:cNvSpPr txBox="1"/>
+          <p:nvPr/>
+        </p:nvSpPr>
+        <p:spPr>
+          <a:xfrm>
+            <a:off x="304800" y="114300"/>
+            <a:ext cx="10972800" cy="923330"/>
+          </a:xfrm>
+          <a:prstGeom prst="rect">
+            <a:avLst/>
+          </a:prstGeom>
+          <a:noFill/>
+        </p:spPr>
+        <p:txBody>
+          <a:bodyPr wrap="square" rtlCol="0">
+            <a:spAutoFit/>
+          </a:bodyPr>
+          <a:lstStyle/>
+          <a:p>
+            <a:r>
+              <a:rPr lang="en-US" altLang="ko-KR" sz="5400" spc="-300" dirty="0">
+                <a:solidFill>
+                  <a:srgbClr val="4C50BC"/>
+                </a:solidFill>
+                <a:latin typeface="G마켓 산스 Bold" panose="02000000000000000000" pitchFamily="50" charset="-127"/>
+                <a:ea typeface="G마켓 산스 Bold" panose="02000000000000000000" pitchFamily="50" charset="-127"/>
+              </a:rPr>
+              <a:t>1-4 </a:t>
+            </a:r>
+            <a:r>
+              <a:rPr lang="ko-KR" altLang="en-US" sz="5400" spc="-300" dirty="0">
+                <a:solidFill>
+                  <a:srgbClr val="4C50BC"/>
+                </a:solidFill>
+                <a:latin typeface="G마켓 산스 Bold" panose="02000000000000000000" pitchFamily="50" charset="-127"/>
+                <a:ea typeface="G마켓 산스 Bold" panose="02000000000000000000" pitchFamily="50" charset="-127"/>
+              </a:rPr>
+              <a:t>실습문제</a:t>
+            </a:r>
+            <a:r>
+              <a:rPr lang="en-US" altLang="ko-KR" sz="5400" spc="-300" dirty="0">
+                <a:solidFill>
+                  <a:srgbClr val="4C50BC"/>
+                </a:solidFill>
+                <a:latin typeface="G마켓 산스 Bold" panose="02000000000000000000" pitchFamily="50" charset="-127"/>
+                <a:ea typeface="G마켓 산스 Bold" panose="02000000000000000000" pitchFamily="50" charset="-127"/>
+              </a:rPr>
+              <a:t> </a:t>
+            </a:r>
+            <a:r>
+              <a:rPr lang="en-US" altLang="ko-KR" sz="5400" spc="-300" dirty="0">
+                <a:solidFill>
+                  <a:srgbClr val="FF0000"/>
+                </a:solidFill>
+                <a:latin typeface="G마켓 산스 Bold" panose="02000000000000000000" pitchFamily="50" charset="-127"/>
+                <a:ea typeface="G마켓 산스 Bold" panose="02000000000000000000" pitchFamily="50" charset="-127"/>
+              </a:rPr>
+              <a:t>(Hard)</a:t>
+            </a:r>
+          </a:p>
+        </p:txBody>
+      </p:sp>
+      <p:cxnSp>
+        <p:nvCxnSpPr>
+          <p:cNvPr id="3" name="직선 연결선 2">
+            <a:extLst>
+              <a:ext uri="{FF2B5EF4-FFF2-40B4-BE49-F238E27FC236}">
+                <a16:creationId xmlns:a16="http://schemas.microsoft.com/office/drawing/2014/main" id="{CD5FB640-9462-E531-79BF-C269A2772FFB}"/>
+              </a:ext>
+            </a:extLst>
+          </p:cNvPr>
+          <p:cNvCxnSpPr>
+            <a:cxnSpLocks/>
+          </p:cNvCxnSpPr>
+          <p:nvPr/>
+        </p:nvCxnSpPr>
+        <p:spPr>
+          <a:xfrm flipH="1" flipV="1">
+            <a:off x="-13447" y="972511"/>
+            <a:ext cx="18288000" cy="65119"/>
+          </a:xfrm>
+          <a:prstGeom prst="line">
+            <a:avLst/>
+          </a:prstGeom>
+          <a:ln w="38100">
+            <a:solidFill>
+              <a:srgbClr val="4C50BC"/>
+            </a:solidFill>
+          </a:ln>
+        </p:spPr>
+        <p:style>
+          <a:lnRef idx="1">
+            <a:schemeClr val="accent1"/>
+          </a:lnRef>
+          <a:fillRef idx="0">
+            <a:schemeClr val="accent1"/>
+          </a:fillRef>
+          <a:effectRef idx="0">
+            <a:schemeClr val="accent1"/>
+          </a:effectRef>
+          <a:fontRef idx="minor">
+            <a:schemeClr val="tx1"/>
+          </a:fontRef>
+        </p:style>
+      </p:cxnSp>
     </p:spTree>
     <p:extLst>
       <p:ext uri="{BB962C8B-B14F-4D97-AF65-F5344CB8AC3E}">
@@ -11060,81 +11810,6 @@
   <p:clrMapOvr>
     <a:masterClrMapping/>
   </p:clrMapOvr>
-  <p:timing>
-    <p:tnLst>
-      <p:par>
-        <p:cTn id="1" dur="indefinite" restart="never" nodeType="tmRoot">
-          <p:childTnLst>
-            <p:seq concurrent="1" nextAc="seek">
-              <p:cTn id="2" dur="indefinite" nodeType="mainSeq">
-                <p:childTnLst>
-                  <p:par>
-                    <p:cTn id="3" fill="hold">
-                      <p:stCondLst>
-                        <p:cond delay="indefinite"/>
-                      </p:stCondLst>
-                      <p:childTnLst>
-                        <p:par>
-                          <p:cTn id="4" fill="hold">
-                            <p:stCondLst>
-                              <p:cond delay="0"/>
-                            </p:stCondLst>
-                            <p:childTnLst>
-                              <p:par>
-                                <p:cTn id="5" presetID="1" presetClass="exit" presetSubtype="0" fill="hold" nodeType="clickEffect">
-                                  <p:stCondLst>
-                                    <p:cond delay="0"/>
-                                  </p:stCondLst>
-                                  <p:childTnLst>
-                                    <p:set>
-                                      <p:cBhvr>
-                                        <p:cTn id="6" dur="1" fill="hold">
-                                          <p:stCondLst>
-                                            <p:cond delay="0"/>
-                                          </p:stCondLst>
-                                        </p:cTn>
-                                        <p:tgtEl>
-                                          <p:spTgt spid="8"/>
-                                        </p:tgtEl>
-                                        <p:attrNameLst>
-                                          <p:attrName>style.visibility</p:attrName>
-                                        </p:attrNameLst>
-                                      </p:cBhvr>
-                                      <p:to>
-                                        <p:strVal val="hidden"/>
-                                      </p:to>
-                                    </p:set>
-                                  </p:childTnLst>
-                                </p:cTn>
-                              </p:par>
-                            </p:childTnLst>
-                          </p:cTn>
-                        </p:par>
-                      </p:childTnLst>
-                    </p:cTn>
-                  </p:par>
-                </p:childTnLst>
-              </p:cTn>
-              <p:prevCondLst>
-                <p:cond evt="onPrev" delay="0">
-                  <p:tgtEl>
-                    <p:sldTgt/>
-                  </p:tgtEl>
-                </p:cond>
-              </p:prevCondLst>
-              <p:nextCondLst>
-                <p:cond evt="onNext" delay="0">
-                  <p:tgtEl>
-                    <p:sldTgt/>
-                  </p:tgtEl>
-                </p:cond>
-              </p:nextCondLst>
-            </p:seq>
-          </p:childTnLst>
-        </p:cTn>
-      </p:par>
-    </p:tnLst>
-  </p:timing>
 </p:sld>
 </file>
 
@@ -11331,54 +12006,6 @@
           </a:p>
         </p:txBody>
       </p:sp>
-      <p:sp>
-        <p:nvSpPr>
-          <p:cNvPr id="6" name="TextBox 5">
-            <a:extLst>
-              <a:ext uri="{FF2B5EF4-FFF2-40B4-BE49-F238E27FC236}">
-                <a16:creationId xmlns:a16="http://schemas.microsoft.com/office/drawing/2014/main" id="{AA18D877-3298-7B1E-6768-6CA7ED800934}"/>
-              </a:ext>
-            </a:extLst>
-          </p:cNvPr>
-          <p:cNvSpPr txBox="1"/>
-          <p:nvPr/>
-        </p:nvSpPr>
-        <p:spPr>
-          <a:xfrm>
-            <a:off x="817257" y="-38100"/>
-            <a:ext cx="1665841" cy="1015663"/>
-          </a:xfrm>
-          <a:prstGeom prst="rect">
-            <a:avLst/>
-          </a:prstGeom>
-          <a:noFill/>
-        </p:spPr>
-        <p:txBody>
-          <a:bodyPr wrap="none" rtlCol="0">
-            <a:spAutoFit/>
-          </a:bodyPr>
-          <a:lstStyle/>
-          <a:p>
-            <a:r>
-              <a:rPr lang="ko-KR" altLang="en-US" sz="6000" dirty="0">
-                <a:solidFill>
-                  <a:srgbClr val="4C50BB"/>
-                </a:solidFill>
-                <a:latin typeface="G마켓 산스 TTF Bold" panose="02000000000000000000" pitchFamily="2" charset="-127"/>
-                <a:ea typeface="G마켓 산스 TTF Bold" panose="02000000000000000000" pitchFamily="2" charset="-127"/>
-              </a:rPr>
-              <a:t>해설</a:t>
-            </a:r>
-            <a:endParaRPr lang="ko-KR" altLang="en-US" sz="800" dirty="0">
-              <a:solidFill>
-                <a:srgbClr val="4C50BB"/>
-              </a:solidFill>
-              <a:latin typeface="G마켓 산스 TTF Bold" panose="02000000000000000000" pitchFamily="2" charset="-127"/>
-              <a:ea typeface="G마켓 산스 TTF Bold" panose="02000000000000000000" pitchFamily="2" charset="-127"/>
-            </a:endParaRPr>
-          </a:p>
-        </p:txBody>
-      </p:sp>
       <p:cxnSp>
         <p:nvCxnSpPr>
           <p:cNvPr id="7" name="직선 화살표 연결선 6">
@@ -11909,6 +12536,120 @@
           </a:p>
         </p:txBody>
       </p:sp>
+      <p:sp>
+        <p:nvSpPr>
+          <p:cNvPr id="2" name="TextBox 1">
+            <a:extLst>
+              <a:ext uri="{FF2B5EF4-FFF2-40B4-BE49-F238E27FC236}">
+                <a16:creationId xmlns:a16="http://schemas.microsoft.com/office/drawing/2014/main" id="{7C639E95-6F3F-F54C-5536-B83D7A85E056}"/>
+              </a:ext>
+            </a:extLst>
+          </p:cNvPr>
+          <p:cNvSpPr txBox="1"/>
+          <p:nvPr/>
+        </p:nvSpPr>
+        <p:spPr>
+          <a:xfrm>
+            <a:off x="304800" y="114300"/>
+            <a:ext cx="10972800" cy="923330"/>
+          </a:xfrm>
+          <a:prstGeom prst="rect">
+            <a:avLst/>
+          </a:prstGeom>
+          <a:noFill/>
+        </p:spPr>
+        <p:txBody>
+          <a:bodyPr wrap="square" rtlCol="0">
+            <a:spAutoFit/>
+          </a:bodyPr>
+          <a:lstStyle/>
+          <a:p>
+            <a:r>
+              <a:rPr lang="en-US" altLang="ko-KR" sz="5400" spc="-300" dirty="0">
+                <a:solidFill>
+                  <a:srgbClr val="4C50BC"/>
+                </a:solidFill>
+                <a:latin typeface="G마켓 산스 Bold" panose="02000000000000000000" pitchFamily="50" charset="-127"/>
+                <a:ea typeface="G마켓 산스 Bold" panose="02000000000000000000" pitchFamily="50" charset="-127"/>
+              </a:rPr>
+              <a:t>1-4 </a:t>
+            </a:r>
+            <a:r>
+              <a:rPr lang="ko-KR" altLang="en-US" sz="5400" spc="-300" dirty="0">
+                <a:solidFill>
+                  <a:srgbClr val="4C50BC"/>
+                </a:solidFill>
+                <a:latin typeface="G마켓 산스 Bold" panose="02000000000000000000" pitchFamily="50" charset="-127"/>
+                <a:ea typeface="G마켓 산스 Bold" panose="02000000000000000000" pitchFamily="50" charset="-127"/>
+              </a:rPr>
+              <a:t>문제풀이</a:t>
+            </a:r>
+            <a:r>
+              <a:rPr lang="en-US" altLang="ko-KR" sz="5400" spc="-300" dirty="0">
+                <a:solidFill>
+                  <a:srgbClr val="4C50BC"/>
+                </a:solidFill>
+                <a:latin typeface="G마켓 산스 Bold" panose="02000000000000000000" pitchFamily="50" charset="-127"/>
+                <a:ea typeface="G마켓 산스 Bold" panose="02000000000000000000" pitchFamily="50" charset="-127"/>
+              </a:rPr>
+              <a:t> </a:t>
+            </a:r>
+            <a:r>
+              <a:rPr lang="en-US" altLang="ko-KR" sz="5400" spc="-300" dirty="0">
+                <a:solidFill>
+                  <a:srgbClr val="FF0000"/>
+                </a:solidFill>
+                <a:latin typeface="G마켓 산스 Bold" panose="02000000000000000000" pitchFamily="50" charset="-127"/>
+                <a:ea typeface="G마켓 산스 Bold" panose="02000000000000000000" pitchFamily="50" charset="-127"/>
+              </a:rPr>
+              <a:t>(Hard)</a:t>
+            </a:r>
+          </a:p>
+        </p:txBody>
+      </p:sp>
+      <p:cxnSp>
+        <p:nvCxnSpPr>
+          <p:cNvPr id="3" name="직선 연결선 2">
+            <a:extLst>
+              <a:ext uri="{FF2B5EF4-FFF2-40B4-BE49-F238E27FC236}">
+                <a16:creationId xmlns:a16="http://schemas.microsoft.com/office/drawing/2014/main" id="{F92955BA-3A02-BF71-D5DC-BD4A4B98D333}"/>
+              </a:ext>
+            </a:extLst>
+          </p:cNvPr>
+          <p:cNvCxnSpPr>
+            <a:cxnSpLocks/>
+          </p:cNvCxnSpPr>
+          <p:nvPr/>
+        </p:nvCxnSpPr>
+        <p:spPr>
+          <a:xfrm flipH="1" flipV="1">
+            <a:off x="-13447" y="972511"/>
+            <a:ext cx="18288000" cy="65119"/>
+          </a:xfrm>
+          <a:prstGeom prst="line">
+            <a:avLst/>
+          </a:prstGeom>
+          <a:ln w="38100">
+            <a:solidFill>
+              <a:srgbClr val="4C50BC"/>
+            </a:solidFill>
+          </a:ln>
+        </p:spPr>
+        <p:style>
+          <a:lnRef idx="1">
+            <a:schemeClr val="accent1"/>
+          </a:lnRef>
+          <a:fillRef idx="0">
+            <a:schemeClr val="accent1"/>
+          </a:fillRef>
+          <a:effectRef idx="0">
+            <a:schemeClr val="accent1"/>
+          </a:effectRef>
+          <a:fontRef idx="minor">
+            <a:schemeClr val="tx1"/>
+          </a:fontRef>
+        </p:style>
+      </p:cxnSp>
     </p:spTree>
     <p:extLst>
       <p:ext uri="{BB962C8B-B14F-4D97-AF65-F5344CB8AC3E}">
@@ -12017,54 +12758,6 @@
           <a:chExt cx="0" cy="0"/>
         </a:xfrm>
       </p:grpSpPr>
-      <p:sp>
-        <p:nvSpPr>
-          <p:cNvPr id="6" name="TextBox 5">
-            <a:extLst>
-              <a:ext uri="{FF2B5EF4-FFF2-40B4-BE49-F238E27FC236}">
-                <a16:creationId xmlns:a16="http://schemas.microsoft.com/office/drawing/2014/main" id="{41EBBD53-7C15-E0B4-8E39-F8719D735403}"/>
-              </a:ext>
-            </a:extLst>
-          </p:cNvPr>
-          <p:cNvSpPr txBox="1"/>
-          <p:nvPr/>
-        </p:nvSpPr>
-        <p:spPr>
-          <a:xfrm>
-            <a:off x="817257" y="114300"/>
-            <a:ext cx="1665841" cy="1015663"/>
-          </a:xfrm>
-          <a:prstGeom prst="rect">
-            <a:avLst/>
-          </a:prstGeom>
-          <a:noFill/>
-        </p:spPr>
-        <p:txBody>
-          <a:bodyPr wrap="none" rtlCol="0">
-            <a:spAutoFit/>
-          </a:bodyPr>
-          <a:lstStyle/>
-          <a:p>
-            <a:r>
-              <a:rPr lang="ko-KR" altLang="en-US" sz="6000" dirty="0">
-                <a:solidFill>
-                  <a:srgbClr val="4C50BB"/>
-                </a:solidFill>
-                <a:latin typeface="G마켓 산스 TTF Bold" panose="02000000000000000000" pitchFamily="2" charset="-127"/>
-                <a:ea typeface="G마켓 산스 TTF Bold" panose="02000000000000000000" pitchFamily="2" charset="-127"/>
-              </a:rPr>
-              <a:t>해설</a:t>
-            </a:r>
-            <a:endParaRPr lang="ko-KR" altLang="en-US" sz="800" dirty="0">
-              <a:solidFill>
-                <a:srgbClr val="4C50BB"/>
-              </a:solidFill>
-              <a:latin typeface="G마켓 산스 TTF Bold" panose="02000000000000000000" pitchFamily="2" charset="-127"/>
-              <a:ea typeface="G마켓 산스 TTF Bold" panose="02000000000000000000" pitchFamily="2" charset="-127"/>
-            </a:endParaRPr>
-          </a:p>
-        </p:txBody>
-      </p:sp>
       <p:pic>
         <p:nvPicPr>
           <p:cNvPr id="8" name="그림 7">
@@ -12087,7 +12780,7 @@
         </p:blipFill>
         <p:spPr>
           <a:xfrm>
-            <a:off x="2971800" y="266700"/>
+            <a:off x="2971800" y="1221514"/>
             <a:ext cx="9220200" cy="6336793"/>
           </a:xfrm>
           <a:prstGeom prst="rect">
@@ -12111,7 +12804,7 @@
         </p:nvCxnSpPr>
         <p:spPr>
           <a:xfrm flipV="1">
-            <a:off x="7083301" y="3178750"/>
+            <a:off x="7083301" y="4133564"/>
             <a:ext cx="1679699" cy="533408"/>
           </a:xfrm>
           <a:prstGeom prst="straightConnector1">
@@ -12150,7 +12843,7 @@
         </p:nvSpPr>
         <p:spPr>
           <a:xfrm>
-            <a:off x="2971800" y="3562867"/>
+            <a:off x="2971800" y="4517681"/>
             <a:ext cx="4045198" cy="457200"/>
           </a:xfrm>
           <a:prstGeom prst="rect">
@@ -12202,7 +12895,7 @@
         </p:nvSpPr>
         <p:spPr>
           <a:xfrm>
-            <a:off x="8763000" y="2578586"/>
+            <a:off x="8763000" y="3264386"/>
             <a:ext cx="9909299" cy="1200329"/>
           </a:xfrm>
           <a:prstGeom prst="rect">
@@ -12305,7 +12998,7 @@
         </p:nvCxnSpPr>
         <p:spPr>
           <a:xfrm>
-            <a:off x="7083301" y="4537481"/>
+            <a:off x="7083301" y="5492295"/>
             <a:ext cx="2060699" cy="2546805"/>
           </a:xfrm>
           <a:prstGeom prst="straightConnector1">
@@ -12344,7 +13037,7 @@
         </p:nvSpPr>
         <p:spPr>
           <a:xfrm>
-            <a:off x="2971800" y="4388190"/>
+            <a:off x="2971800" y="5343004"/>
             <a:ext cx="4045198" cy="457200"/>
           </a:xfrm>
           <a:prstGeom prst="rect">
@@ -12396,8 +13089,8 @@
         </p:nvSpPr>
         <p:spPr>
           <a:xfrm>
-            <a:off x="609600" y="7151043"/>
-            <a:ext cx="17449800" cy="2862322"/>
+            <a:off x="609600" y="8034397"/>
+            <a:ext cx="17449800" cy="2062103"/>
           </a:xfrm>
           <a:prstGeom prst="rect">
             <a:avLst/>
@@ -12411,7 +13104,7 @@
           <a:lstStyle/>
           <a:p>
             <a:r>
-              <a:rPr lang="en-US" altLang="ko-KR" sz="3600" dirty="0">
+              <a:rPr lang="en-US" altLang="ko-KR" sz="3200" dirty="0">
                 <a:solidFill>
                   <a:srgbClr val="FF0000"/>
                 </a:solidFill>
@@ -12421,7 +13114,7 @@
               <a:t>max</a:t>
             </a:r>
             <a:r>
-              <a:rPr lang="ko-KR" altLang="en-US" sz="3600" dirty="0">
+              <a:rPr lang="ko-KR" altLang="en-US" sz="3200" dirty="0">
                 <a:solidFill>
                   <a:srgbClr val="FF0000"/>
                 </a:solidFill>
@@ -12431,7 +13124,7 @@
               <a:t>보다 </a:t>
             </a:r>
             <a:r>
-              <a:rPr lang="ko-KR" altLang="en-US" sz="3600" dirty="0" err="1">
+              <a:rPr lang="ko-KR" altLang="en-US" sz="3200" dirty="0" err="1">
                 <a:solidFill>
                   <a:srgbClr val="FF0000"/>
                 </a:solidFill>
@@ -12441,7 +13134,7 @@
               <a:t>높은값을</a:t>
             </a:r>
             <a:r>
-              <a:rPr lang="ko-KR" altLang="en-US" sz="3600" dirty="0">
+              <a:rPr lang="ko-KR" altLang="en-US" sz="3200" dirty="0">
                 <a:solidFill>
                   <a:srgbClr val="FF0000"/>
                 </a:solidFill>
@@ -12451,7 +13144,7 @@
               <a:t> </a:t>
             </a:r>
             <a:r>
-              <a:rPr lang="ko-KR" altLang="en-US" sz="3600" dirty="0" err="1">
+              <a:rPr lang="ko-KR" altLang="en-US" sz="3200" dirty="0" err="1">
                 <a:solidFill>
                   <a:srgbClr val="FF0000"/>
                 </a:solidFill>
@@ -12461,7 +13154,7 @@
               <a:t>가진게</a:t>
             </a:r>
             <a:r>
-              <a:rPr lang="ko-KR" altLang="en-US" sz="3600" dirty="0">
+              <a:rPr lang="ko-KR" altLang="en-US" sz="3200" dirty="0">
                 <a:solidFill>
                   <a:srgbClr val="FF0000"/>
                 </a:solidFill>
@@ -12471,7 +13164,7 @@
               <a:t> 있다면 </a:t>
             </a:r>
             <a:r>
-              <a:rPr lang="en-US" altLang="ko-KR" sz="3600" dirty="0">
+              <a:rPr lang="en-US" altLang="ko-KR" sz="3200" dirty="0">
                 <a:solidFill>
                   <a:srgbClr val="FF0000"/>
                 </a:solidFill>
@@ -12481,7 +13174,7 @@
               <a:t>max</a:t>
             </a:r>
             <a:r>
-              <a:rPr lang="ko-KR" altLang="en-US" sz="3600" dirty="0">
+              <a:rPr lang="ko-KR" altLang="en-US" sz="3200" dirty="0">
                 <a:solidFill>
                   <a:srgbClr val="FF0000"/>
                 </a:solidFill>
@@ -12491,7 +13184,7 @@
               <a:t>에 값을 대입한다</a:t>
             </a:r>
             <a:r>
-              <a:rPr lang="en-US" altLang="ko-KR" sz="3600" dirty="0">
+              <a:rPr lang="en-US" altLang="ko-KR" sz="3200" dirty="0">
                 <a:solidFill>
                   <a:srgbClr val="FF0000"/>
                 </a:solidFill>
@@ -12503,7 +13196,7 @@
           </a:p>
           <a:p>
             <a:r>
-              <a:rPr lang="ko-KR" altLang="en-US" sz="3600" dirty="0">
+              <a:rPr lang="ko-KR" altLang="en-US" sz="3200" dirty="0">
                 <a:solidFill>
                   <a:srgbClr val="FF0000"/>
                 </a:solidFill>
@@ -12513,7 +13206,7 @@
               <a:t>이런 식으로 모든 수들을 비교 해보면 </a:t>
             </a:r>
             <a:r>
-              <a:rPr lang="en-US" altLang="ko-KR" sz="3600" dirty="0">
+              <a:rPr lang="en-US" altLang="ko-KR" sz="3200" dirty="0">
                 <a:solidFill>
                   <a:srgbClr val="FF0000"/>
                 </a:solidFill>
@@ -12523,7 +13216,7 @@
               <a:t>max</a:t>
             </a:r>
             <a:r>
-              <a:rPr lang="ko-KR" altLang="en-US" sz="3600" dirty="0">
+              <a:rPr lang="ko-KR" altLang="en-US" sz="3200" dirty="0">
                 <a:solidFill>
                   <a:srgbClr val="FF0000"/>
                 </a:solidFill>
@@ -12533,7 +13226,7 @@
               <a:t>변수는 그 중에서 가장 </a:t>
             </a:r>
             <a:r>
-              <a:rPr lang="ko-KR" altLang="en-US" sz="3600" dirty="0" err="1">
+              <a:rPr lang="ko-KR" altLang="en-US" sz="3200" dirty="0" err="1">
                 <a:solidFill>
                   <a:srgbClr val="FF0000"/>
                 </a:solidFill>
@@ -12543,7 +13236,7 @@
               <a:t>높은값을</a:t>
             </a:r>
             <a:r>
-              <a:rPr lang="ko-KR" altLang="en-US" sz="3600" dirty="0">
+              <a:rPr lang="ko-KR" altLang="en-US" sz="3200" dirty="0">
                 <a:solidFill>
                   <a:srgbClr val="FF0000"/>
                 </a:solidFill>
@@ -12553,7 +13246,7 @@
               <a:t> 가지게 된다</a:t>
             </a:r>
             <a:r>
-              <a:rPr lang="en-US" altLang="ko-KR" sz="3600" dirty="0">
+              <a:rPr lang="en-US" altLang="ko-KR" sz="3200" dirty="0">
                 <a:solidFill>
                   <a:srgbClr val="FF0000"/>
                 </a:solidFill>
@@ -12565,7 +13258,7 @@
           </a:p>
           <a:p>
             <a:r>
-              <a:rPr lang="ko-KR" altLang="en-US" sz="3600" dirty="0">
+              <a:rPr lang="ko-KR" altLang="en-US" sz="3200" dirty="0">
                 <a:solidFill>
                   <a:srgbClr val="FF0000"/>
                 </a:solidFill>
@@ -12575,7 +13268,7 @@
               <a:t>이 방법은 숫자가 늘어나도 </a:t>
             </a:r>
             <a:r>
-              <a:rPr lang="en-US" altLang="ko-KR" sz="3600" dirty="0">
+              <a:rPr lang="en-US" altLang="ko-KR" sz="3200" dirty="0">
                 <a:solidFill>
                   <a:srgbClr val="FF0000"/>
                 </a:solidFill>
@@ -12585,7 +13278,7 @@
               <a:t>if</a:t>
             </a:r>
             <a:r>
-              <a:rPr lang="ko-KR" altLang="en-US" sz="3600" dirty="0">
+              <a:rPr lang="ko-KR" altLang="en-US" sz="3200" dirty="0">
                 <a:solidFill>
                   <a:srgbClr val="FF0000"/>
                 </a:solidFill>
@@ -12595,7 +13288,7 @@
               <a:t>문이 </a:t>
             </a:r>
             <a:r>
-              <a:rPr lang="ko-KR" altLang="en-US" sz="3600" dirty="0" err="1">
+              <a:rPr lang="ko-KR" altLang="en-US" sz="3200" dirty="0" err="1">
                 <a:solidFill>
                   <a:srgbClr val="FF0000"/>
                 </a:solidFill>
@@ -12605,7 +13298,7 @@
               <a:t>한줄</a:t>
             </a:r>
             <a:r>
-              <a:rPr lang="ko-KR" altLang="en-US" sz="3600" dirty="0">
+              <a:rPr lang="ko-KR" altLang="en-US" sz="3200" dirty="0">
                 <a:solidFill>
                   <a:srgbClr val="FF0000"/>
                 </a:solidFill>
@@ -12615,7 +13308,7 @@
               <a:t> 늘어나게 되며 코드가 복잡하지 않다</a:t>
             </a:r>
             <a:r>
-              <a:rPr lang="en-US" altLang="ko-KR" sz="3600" dirty="0">
+              <a:rPr lang="en-US" altLang="ko-KR" sz="3200" dirty="0">
                 <a:solidFill>
                   <a:srgbClr val="FF0000"/>
                 </a:solidFill>
@@ -12625,7 +13318,7 @@
               <a:t>. </a:t>
             </a:r>
             <a:r>
-              <a:rPr lang="ko-KR" altLang="en-US" sz="3600" dirty="0" err="1">
+              <a:rPr lang="ko-KR" altLang="en-US" sz="3200" dirty="0" err="1">
                 <a:solidFill>
                   <a:srgbClr val="FF0000"/>
                 </a:solidFill>
@@ -12635,7 +13328,7 @@
               <a:t>거기다가</a:t>
             </a:r>
             <a:r>
-              <a:rPr lang="ko-KR" altLang="en-US" sz="3600" dirty="0">
+              <a:rPr lang="ko-KR" altLang="en-US" sz="3200" dirty="0">
                 <a:solidFill>
                   <a:srgbClr val="FF0000"/>
                 </a:solidFill>
@@ -12645,7 +13338,7 @@
               <a:t> 다음장에서 배울 반복문을 이용한다면 더더욱 간단한 알고리즘이 된다</a:t>
             </a:r>
             <a:r>
-              <a:rPr lang="en-US" altLang="ko-KR" sz="3600" dirty="0">
+              <a:rPr lang="en-US" altLang="ko-KR" sz="3200" dirty="0">
                 <a:solidFill>
                   <a:srgbClr val="FF0000"/>
                 </a:solidFill>
@@ -12671,8 +13364,8 @@
         </p:nvSpPr>
         <p:spPr>
           <a:xfrm>
-            <a:off x="219529" y="996912"/>
-            <a:ext cx="17251214" cy="9023388"/>
+            <a:off x="43872" y="983710"/>
+            <a:ext cx="17449800" cy="9112790"/>
           </a:xfrm>
           <a:prstGeom prst="rect">
             <a:avLst/>
@@ -12709,6 +13402,120 @@
           </a:p>
         </p:txBody>
       </p:sp>
+      <p:sp>
+        <p:nvSpPr>
+          <p:cNvPr id="4" name="TextBox 3">
+            <a:extLst>
+              <a:ext uri="{FF2B5EF4-FFF2-40B4-BE49-F238E27FC236}">
+                <a16:creationId xmlns:a16="http://schemas.microsoft.com/office/drawing/2014/main" id="{B8DB8921-B68A-5D62-0EF5-7F937C16455A}"/>
+              </a:ext>
+            </a:extLst>
+          </p:cNvPr>
+          <p:cNvSpPr txBox="1"/>
+          <p:nvPr/>
+        </p:nvSpPr>
+        <p:spPr>
+          <a:xfrm>
+            <a:off x="304800" y="114300"/>
+            <a:ext cx="10972800" cy="923330"/>
+          </a:xfrm>
+          <a:prstGeom prst="rect">
+            <a:avLst/>
+          </a:prstGeom>
+          <a:noFill/>
+        </p:spPr>
+        <p:txBody>
+          <a:bodyPr wrap="square" rtlCol="0">
+            <a:spAutoFit/>
+          </a:bodyPr>
+          <a:lstStyle/>
+          <a:p>
+            <a:r>
+              <a:rPr lang="en-US" altLang="ko-KR" sz="5400" spc="-300" dirty="0">
+                <a:solidFill>
+                  <a:srgbClr val="4C50BC"/>
+                </a:solidFill>
+                <a:latin typeface="G마켓 산스 Bold" panose="02000000000000000000" pitchFamily="50" charset="-127"/>
+                <a:ea typeface="G마켓 산스 Bold" panose="02000000000000000000" pitchFamily="50" charset="-127"/>
+              </a:rPr>
+              <a:t>1-4 </a:t>
+            </a:r>
+            <a:r>
+              <a:rPr lang="ko-KR" altLang="en-US" sz="5400" spc="-300" dirty="0">
+                <a:solidFill>
+                  <a:srgbClr val="4C50BC"/>
+                </a:solidFill>
+                <a:latin typeface="G마켓 산스 Bold" panose="02000000000000000000" pitchFamily="50" charset="-127"/>
+                <a:ea typeface="G마켓 산스 Bold" panose="02000000000000000000" pitchFamily="50" charset="-127"/>
+              </a:rPr>
+              <a:t>문제풀이</a:t>
+            </a:r>
+            <a:r>
+              <a:rPr lang="en-US" altLang="ko-KR" sz="5400" spc="-300" dirty="0">
+                <a:solidFill>
+                  <a:srgbClr val="4C50BC"/>
+                </a:solidFill>
+                <a:latin typeface="G마켓 산스 Bold" panose="02000000000000000000" pitchFamily="50" charset="-127"/>
+                <a:ea typeface="G마켓 산스 Bold" panose="02000000000000000000" pitchFamily="50" charset="-127"/>
+              </a:rPr>
+              <a:t> </a:t>
+            </a:r>
+            <a:r>
+              <a:rPr lang="en-US" altLang="ko-KR" sz="5400" spc="-300" dirty="0">
+                <a:solidFill>
+                  <a:srgbClr val="FF0000"/>
+                </a:solidFill>
+                <a:latin typeface="G마켓 산스 Bold" panose="02000000000000000000" pitchFamily="50" charset="-127"/>
+                <a:ea typeface="G마켓 산스 Bold" panose="02000000000000000000" pitchFamily="50" charset="-127"/>
+              </a:rPr>
+              <a:t>(Hard)</a:t>
+            </a:r>
+          </a:p>
+        </p:txBody>
+      </p:sp>
+      <p:cxnSp>
+        <p:nvCxnSpPr>
+          <p:cNvPr id="5" name="직선 연결선 4">
+            <a:extLst>
+              <a:ext uri="{FF2B5EF4-FFF2-40B4-BE49-F238E27FC236}">
+                <a16:creationId xmlns:a16="http://schemas.microsoft.com/office/drawing/2014/main" id="{46DB1458-DCC6-D0EE-2109-E8D90ED629E9}"/>
+              </a:ext>
+            </a:extLst>
+          </p:cNvPr>
+          <p:cNvCxnSpPr>
+            <a:cxnSpLocks/>
+          </p:cNvCxnSpPr>
+          <p:nvPr/>
+        </p:nvCxnSpPr>
+        <p:spPr>
+          <a:xfrm flipH="1" flipV="1">
+            <a:off x="-13447" y="972511"/>
+            <a:ext cx="18288000" cy="65119"/>
+          </a:xfrm>
+          <a:prstGeom prst="line">
+            <a:avLst/>
+          </a:prstGeom>
+          <a:ln w="38100">
+            <a:solidFill>
+              <a:srgbClr val="4C50BC"/>
+            </a:solidFill>
+          </a:ln>
+        </p:spPr>
+        <p:style>
+          <a:lnRef idx="1">
+            <a:schemeClr val="accent1"/>
+          </a:lnRef>
+          <a:fillRef idx="0">
+            <a:schemeClr val="accent1"/>
+          </a:fillRef>
+          <a:effectRef idx="0">
+            <a:schemeClr val="accent1"/>
+          </a:effectRef>
+          <a:fontRef idx="minor">
+            <a:schemeClr val="tx1"/>
+          </a:fontRef>
+        </p:style>
+      </p:cxnSp>
     </p:spTree>
     <p:extLst>
       <p:ext uri="{BB962C8B-B14F-4D97-AF65-F5344CB8AC3E}">
@@ -13167,64 +13974,6 @@
           </a:prstGeom>
         </p:spPr>
       </p:pic>
-      <p:sp>
-        <p:nvSpPr>
-          <p:cNvPr id="6" name="TextBox 5">
-            <a:extLst>
-              <a:ext uri="{FF2B5EF4-FFF2-40B4-BE49-F238E27FC236}">
-                <a16:creationId xmlns:a16="http://schemas.microsoft.com/office/drawing/2014/main" id="{2136ACE4-26C3-2B0D-D7AD-DCFC212898FF}"/>
-              </a:ext>
-            </a:extLst>
-          </p:cNvPr>
-          <p:cNvSpPr txBox="1"/>
-          <p:nvPr/>
-        </p:nvSpPr>
-        <p:spPr>
-          <a:xfrm>
-            <a:off x="801729" y="565477"/>
-            <a:ext cx="6941234" cy="830997"/>
-          </a:xfrm>
-          <a:prstGeom prst="rect">
-            <a:avLst/>
-          </a:prstGeom>
-          <a:noFill/>
-        </p:spPr>
-        <p:txBody>
-          <a:bodyPr wrap="square" rtlCol="0">
-            <a:spAutoFit/>
-          </a:bodyPr>
-          <a:lstStyle/>
-          <a:p>
-            <a:r>
-              <a:rPr lang="en-US" altLang="ko-KR" sz="4800" dirty="0">
-                <a:solidFill>
-                  <a:srgbClr val="4C50BC"/>
-                </a:solidFill>
-                <a:latin typeface="G마켓 산스 Medium" panose="02000000000000000000" pitchFamily="50" charset="-127"/>
-                <a:ea typeface="G마켓 산스 Medium" panose="02000000000000000000" pitchFamily="50" charset="-127"/>
-              </a:rPr>
-              <a:t>Switch</a:t>
-            </a:r>
-            <a:r>
-              <a:rPr lang="ko-KR" altLang="en-US" sz="4800" dirty="0">
-                <a:solidFill>
-                  <a:srgbClr val="4C50BC"/>
-                </a:solidFill>
-                <a:latin typeface="G마켓 산스 Medium" panose="02000000000000000000" pitchFamily="50" charset="-127"/>
-                <a:ea typeface="G마켓 산스 Medium" panose="02000000000000000000" pitchFamily="50" charset="-127"/>
-              </a:rPr>
-              <a:t>문</a:t>
-            </a:r>
-            <a:endParaRPr lang="en-US" altLang="ko-KR" sz="4800" dirty="0">
-              <a:solidFill>
-                <a:srgbClr val="4C50BC"/>
-              </a:solidFill>
-              <a:latin typeface="G마켓 산스 Medium" panose="02000000000000000000" pitchFamily="50" charset="-127"/>
-              <a:ea typeface="G마켓 산스 Medium" panose="02000000000000000000" pitchFamily="50" charset="-127"/>
-            </a:endParaRPr>
-          </a:p>
-        </p:txBody>
-      </p:sp>
       <p:cxnSp>
         <p:nvCxnSpPr>
           <p:cNvPr id="7" name="직선 화살표 연결선 6">
@@ -13774,6 +14523,107 @@
           </a:p>
         </p:txBody>
       </p:sp>
+      <p:sp>
+        <p:nvSpPr>
+          <p:cNvPr id="2" name="TextBox 1">
+            <a:extLst>
+              <a:ext uri="{FF2B5EF4-FFF2-40B4-BE49-F238E27FC236}">
+                <a16:creationId xmlns:a16="http://schemas.microsoft.com/office/drawing/2014/main" id="{E5BD31CD-F672-DC81-42B3-27A7584700E1}"/>
+              </a:ext>
+            </a:extLst>
+          </p:cNvPr>
+          <p:cNvSpPr txBox="1"/>
+          <p:nvPr/>
+        </p:nvSpPr>
+        <p:spPr>
+          <a:xfrm>
+            <a:off x="304799" y="114300"/>
+            <a:ext cx="17969754" cy="923330"/>
+          </a:xfrm>
+          <a:prstGeom prst="rect">
+            <a:avLst/>
+          </a:prstGeom>
+          <a:noFill/>
+        </p:spPr>
+        <p:txBody>
+          <a:bodyPr wrap="square" rtlCol="0">
+            <a:spAutoFit/>
+          </a:bodyPr>
+          <a:lstStyle/>
+          <a:p>
+            <a:r>
+              <a:rPr lang="en-US" altLang="ko-KR" sz="5400" spc="-300" dirty="0">
+                <a:solidFill>
+                  <a:srgbClr val="4C50BC"/>
+                </a:solidFill>
+                <a:latin typeface="G마켓 산스 TTF Bold" panose="02000000000000000000" pitchFamily="2" charset="-127"/>
+                <a:ea typeface="G마켓 산스 TTF Bold" panose="02000000000000000000" pitchFamily="2" charset="-127"/>
+              </a:rPr>
+              <a:t>Switch</a:t>
+            </a:r>
+            <a:r>
+              <a:rPr lang="ko-KR" altLang="en-US" sz="5400" spc="-300" dirty="0">
+                <a:solidFill>
+                  <a:srgbClr val="4C50BC"/>
+                </a:solidFill>
+                <a:latin typeface="G마켓 산스 TTF Bold" panose="02000000000000000000" pitchFamily="2" charset="-127"/>
+                <a:ea typeface="G마켓 산스 TTF Bold" panose="02000000000000000000" pitchFamily="2" charset="-127"/>
+              </a:rPr>
+              <a:t>문</a:t>
+            </a:r>
+            <a:endParaRPr lang="en-US" altLang="ko-KR" sz="5400" spc="-300" dirty="0">
+              <a:solidFill>
+                <a:srgbClr val="4C50BC"/>
+              </a:solidFill>
+              <a:latin typeface="G마켓 산스 TTF Bold" panose="02000000000000000000" pitchFamily="2" charset="-127"/>
+              <a:ea typeface="G마켓 산스 TTF Bold" panose="02000000000000000000" pitchFamily="2" charset="-127"/>
+            </a:endParaRPr>
+          </a:p>
+        </p:txBody>
+      </p:sp>
+      <p:cxnSp>
+        <p:nvCxnSpPr>
+          <p:cNvPr id="3" name="직선 연결선 2">
+            <a:extLst>
+              <a:ext uri="{FF2B5EF4-FFF2-40B4-BE49-F238E27FC236}">
+                <a16:creationId xmlns:a16="http://schemas.microsoft.com/office/drawing/2014/main" id="{7052991A-43D7-16C3-E1C5-1987FBCE1F9F}"/>
+              </a:ext>
+            </a:extLst>
+          </p:cNvPr>
+          <p:cNvCxnSpPr>
+            <a:cxnSpLocks/>
+          </p:cNvCxnSpPr>
+          <p:nvPr/>
+        </p:nvCxnSpPr>
+        <p:spPr>
+          <a:xfrm flipH="1" flipV="1">
+            <a:off x="-13447" y="972511"/>
+            <a:ext cx="18288000" cy="65119"/>
+          </a:xfrm>
+          <a:prstGeom prst="line">
+            <a:avLst/>
+          </a:prstGeom>
+          <a:ln w="38100">
+            <a:solidFill>
+              <a:srgbClr val="4C50BC"/>
+            </a:solidFill>
+          </a:ln>
+        </p:spPr>
+        <p:style>
+          <a:lnRef idx="1">
+            <a:schemeClr val="accent1"/>
+          </a:lnRef>
+          <a:fillRef idx="0">
+            <a:schemeClr val="accent1"/>
+          </a:fillRef>
+          <a:effectRef idx="0">
+            <a:schemeClr val="accent1"/>
+          </a:effectRef>
+          <a:fontRef idx="minor">
+            <a:schemeClr val="tx1"/>
+          </a:fontRef>
+        </p:style>
+      </p:cxnSp>
     </p:spTree>
     <p:extLst>
       <p:ext uri="{BB962C8B-B14F-4D97-AF65-F5344CB8AC3E}">
@@ -14865,64 +15715,6 @@
           </a:p>
         </p:txBody>
       </p:sp>
-      <p:sp>
-        <p:nvSpPr>
-          <p:cNvPr id="12" name="TextBox 11">
-            <a:extLst>
-              <a:ext uri="{FF2B5EF4-FFF2-40B4-BE49-F238E27FC236}">
-                <a16:creationId xmlns:a16="http://schemas.microsoft.com/office/drawing/2014/main" id="{CB8A15C9-2EDD-D4B9-010E-8DA55A06F005}"/>
-              </a:ext>
-            </a:extLst>
-          </p:cNvPr>
-          <p:cNvSpPr txBox="1"/>
-          <p:nvPr/>
-        </p:nvSpPr>
-        <p:spPr>
-          <a:xfrm>
-            <a:off x="534419" y="300686"/>
-            <a:ext cx="6941234" cy="830997"/>
-          </a:xfrm>
-          <a:prstGeom prst="rect">
-            <a:avLst/>
-          </a:prstGeom>
-          <a:noFill/>
-        </p:spPr>
-        <p:txBody>
-          <a:bodyPr wrap="square" rtlCol="0">
-            <a:spAutoFit/>
-          </a:bodyPr>
-          <a:lstStyle/>
-          <a:p>
-            <a:r>
-              <a:rPr lang="en-US" altLang="ko-KR" sz="4800" dirty="0">
-                <a:solidFill>
-                  <a:srgbClr val="4C50BC"/>
-                </a:solidFill>
-                <a:latin typeface="G마켓 산스 Medium" panose="02000000000000000000" pitchFamily="50" charset="-127"/>
-                <a:ea typeface="G마켓 산스 Medium" panose="02000000000000000000" pitchFamily="50" charset="-127"/>
-              </a:rPr>
-              <a:t>Switch</a:t>
-            </a:r>
-            <a:r>
-              <a:rPr lang="ko-KR" altLang="en-US" sz="4800" dirty="0">
-                <a:solidFill>
-                  <a:srgbClr val="4C50BC"/>
-                </a:solidFill>
-                <a:latin typeface="G마켓 산스 Medium" panose="02000000000000000000" pitchFamily="50" charset="-127"/>
-                <a:ea typeface="G마켓 산스 Medium" panose="02000000000000000000" pitchFamily="50" charset="-127"/>
-              </a:rPr>
-              <a:t>문의 제약조건</a:t>
-            </a:r>
-            <a:endParaRPr lang="en-US" altLang="ko-KR" sz="4800" dirty="0">
-              <a:solidFill>
-                <a:srgbClr val="4C50BC"/>
-              </a:solidFill>
-              <a:latin typeface="G마켓 산스 Medium" panose="02000000000000000000" pitchFamily="50" charset="-127"/>
-              <a:ea typeface="G마켓 산스 Medium" panose="02000000000000000000" pitchFamily="50" charset="-127"/>
-            </a:endParaRPr>
-          </a:p>
-        </p:txBody>
-      </p:sp>
       <p:pic>
         <p:nvPicPr>
           <p:cNvPr id="23" name="그림 22">
@@ -15137,6 +15929,107 @@
           </a:p>
         </p:txBody>
       </p:sp>
+      <p:sp>
+        <p:nvSpPr>
+          <p:cNvPr id="2" name="TextBox 1">
+            <a:extLst>
+              <a:ext uri="{FF2B5EF4-FFF2-40B4-BE49-F238E27FC236}">
+                <a16:creationId xmlns:a16="http://schemas.microsoft.com/office/drawing/2014/main" id="{7E3F9075-91ED-B58E-078E-C9696E5DCD05}"/>
+              </a:ext>
+            </a:extLst>
+          </p:cNvPr>
+          <p:cNvSpPr txBox="1"/>
+          <p:nvPr/>
+        </p:nvSpPr>
+        <p:spPr>
+          <a:xfrm>
+            <a:off x="304799" y="114300"/>
+            <a:ext cx="17969754" cy="923330"/>
+          </a:xfrm>
+          <a:prstGeom prst="rect">
+            <a:avLst/>
+          </a:prstGeom>
+          <a:noFill/>
+        </p:spPr>
+        <p:txBody>
+          <a:bodyPr wrap="square" rtlCol="0">
+            <a:spAutoFit/>
+          </a:bodyPr>
+          <a:lstStyle/>
+          <a:p>
+            <a:r>
+              <a:rPr lang="en-US" altLang="ko-KR" sz="5400" spc="-300" dirty="0">
+                <a:solidFill>
+                  <a:srgbClr val="4C50BC"/>
+                </a:solidFill>
+                <a:latin typeface="G마켓 산스 TTF Bold" panose="02000000000000000000" pitchFamily="2" charset="-127"/>
+                <a:ea typeface="G마켓 산스 TTF Bold" panose="02000000000000000000" pitchFamily="2" charset="-127"/>
+              </a:rPr>
+              <a:t>Switch</a:t>
+            </a:r>
+            <a:r>
+              <a:rPr lang="ko-KR" altLang="en-US" sz="5400" spc="-300" dirty="0">
+                <a:solidFill>
+                  <a:srgbClr val="4C50BC"/>
+                </a:solidFill>
+                <a:latin typeface="G마켓 산스 TTF Bold" panose="02000000000000000000" pitchFamily="2" charset="-127"/>
+                <a:ea typeface="G마켓 산스 TTF Bold" panose="02000000000000000000" pitchFamily="2" charset="-127"/>
+              </a:rPr>
+              <a:t>문의 제약조건</a:t>
+            </a:r>
+            <a:endParaRPr lang="en-US" altLang="ko-KR" sz="5400" spc="-300" dirty="0">
+              <a:solidFill>
+                <a:srgbClr val="4C50BC"/>
+              </a:solidFill>
+              <a:latin typeface="G마켓 산스 TTF Bold" panose="02000000000000000000" pitchFamily="2" charset="-127"/>
+              <a:ea typeface="G마켓 산스 TTF Bold" panose="02000000000000000000" pitchFamily="2" charset="-127"/>
+            </a:endParaRPr>
+          </a:p>
+        </p:txBody>
+      </p:sp>
+      <p:cxnSp>
+        <p:nvCxnSpPr>
+          <p:cNvPr id="3" name="직선 연결선 2">
+            <a:extLst>
+              <a:ext uri="{FF2B5EF4-FFF2-40B4-BE49-F238E27FC236}">
+                <a16:creationId xmlns:a16="http://schemas.microsoft.com/office/drawing/2014/main" id="{251BBABE-9AED-8896-FE9C-805E0D6BFCE9}"/>
+              </a:ext>
+            </a:extLst>
+          </p:cNvPr>
+          <p:cNvCxnSpPr>
+            <a:cxnSpLocks/>
+          </p:cNvCxnSpPr>
+          <p:nvPr/>
+        </p:nvCxnSpPr>
+        <p:spPr>
+          <a:xfrm flipH="1" flipV="1">
+            <a:off x="-13447" y="972511"/>
+            <a:ext cx="18288000" cy="65119"/>
+          </a:xfrm>
+          <a:prstGeom prst="line">
+            <a:avLst/>
+          </a:prstGeom>
+          <a:ln w="38100">
+            <a:solidFill>
+              <a:srgbClr val="4C50BC"/>
+            </a:solidFill>
+          </a:ln>
+        </p:spPr>
+        <p:style>
+          <a:lnRef idx="1">
+            <a:schemeClr val="accent1"/>
+          </a:lnRef>
+          <a:fillRef idx="0">
+            <a:schemeClr val="accent1"/>
+          </a:fillRef>
+          <a:effectRef idx="0">
+            <a:schemeClr val="accent1"/>
+          </a:effectRef>
+          <a:fontRef idx="minor">
+            <a:schemeClr val="tx1"/>
+          </a:fontRef>
+        </p:style>
+      </p:cxnSp>
     </p:spTree>
     <p:extLst>
       <p:ext uri="{BB962C8B-B14F-4D97-AF65-F5344CB8AC3E}">
@@ -16423,10 +17316,10 @@
       </p:sp>
       <p:sp>
         <p:nvSpPr>
-          <p:cNvPr id="2" name="TextBox 1">
-            <a:extLst>
-              <a:ext uri="{FF2B5EF4-FFF2-40B4-BE49-F238E27FC236}">
-                <a16:creationId xmlns:a16="http://schemas.microsoft.com/office/drawing/2014/main" id="{33552963-9673-394C-446B-D01ACBF5C0B4}"/>
+          <p:cNvPr id="3" name="TextBox 2">
+            <a:extLst>
+              <a:ext uri="{FF2B5EF4-FFF2-40B4-BE49-F238E27FC236}">
+                <a16:creationId xmlns:a16="http://schemas.microsoft.com/office/drawing/2014/main" id="{533DC446-23ED-3B0D-6D03-93E5FD59D385}"/>
               </a:ext>
             </a:extLst>
           </p:cNvPr>
@@ -16435,8 +17328,8 @@
         </p:nvSpPr>
         <p:spPr>
           <a:xfrm>
-            <a:off x="534419" y="266700"/>
-            <a:ext cx="2589781" cy="830997"/>
+            <a:off x="304799" y="114300"/>
+            <a:ext cx="17969754" cy="923330"/>
           </a:xfrm>
           <a:prstGeom prst="rect">
             <a:avLst/>
@@ -16450,25 +17343,68 @@
           <a:lstStyle/>
           <a:p>
             <a:r>
-              <a:rPr lang="ko-KR" altLang="en-US" sz="4800" dirty="0">
+              <a:rPr lang="ko-KR" altLang="en-US" sz="5400" spc="-300" dirty="0">
                 <a:solidFill>
                   <a:srgbClr val="4C50BC"/>
                 </a:solidFill>
-                <a:latin typeface="G마켓 산스 Medium" panose="02000000000000000000" pitchFamily="50" charset="-127"/>
-                <a:ea typeface="G마켓 산스 Medium" panose="02000000000000000000" pitchFamily="50" charset="-127"/>
+                <a:latin typeface="G마켓 산스 TTF Bold" panose="02000000000000000000" pitchFamily="2" charset="-127"/>
+                <a:ea typeface="G마켓 산스 TTF Bold" panose="02000000000000000000" pitchFamily="2" charset="-127"/>
               </a:rPr>
               <a:t>퀴즈</a:t>
             </a:r>
-            <a:endParaRPr lang="en-US" altLang="ko-KR" sz="4800" dirty="0">
+            <a:endParaRPr lang="en-US" altLang="ko-KR" sz="5400" spc="-300" dirty="0">
               <a:solidFill>
                 <a:srgbClr val="4C50BC"/>
               </a:solidFill>
-              <a:latin typeface="G마켓 산스 Medium" panose="02000000000000000000" pitchFamily="50" charset="-127"/>
-              <a:ea typeface="G마켓 산스 Medium" panose="02000000000000000000" pitchFamily="50" charset="-127"/>
+              <a:latin typeface="G마켓 산스 TTF Bold" panose="02000000000000000000" pitchFamily="2" charset="-127"/>
+              <a:ea typeface="G마켓 산스 TTF Bold" panose="02000000000000000000" pitchFamily="2" charset="-127"/>
             </a:endParaRPr>
           </a:p>
         </p:txBody>
       </p:sp>
+      <p:cxnSp>
+        <p:nvCxnSpPr>
+          <p:cNvPr id="4" name="직선 연결선 3">
+            <a:extLst>
+              <a:ext uri="{FF2B5EF4-FFF2-40B4-BE49-F238E27FC236}">
+                <a16:creationId xmlns:a16="http://schemas.microsoft.com/office/drawing/2014/main" id="{600B9329-1611-C573-B60A-A9F6846BAF6D}"/>
+              </a:ext>
+            </a:extLst>
+          </p:cNvPr>
+          <p:cNvCxnSpPr>
+            <a:cxnSpLocks/>
+          </p:cNvCxnSpPr>
+          <p:nvPr/>
+        </p:nvCxnSpPr>
+        <p:spPr>
+          <a:xfrm flipH="1" flipV="1">
+            <a:off x="-13447" y="972511"/>
+            <a:ext cx="18288000" cy="65119"/>
+          </a:xfrm>
+          <a:prstGeom prst="line">
+            <a:avLst/>
+          </a:prstGeom>
+          <a:ln w="38100">
+            <a:solidFill>
+              <a:srgbClr val="4C50BC"/>
+            </a:solidFill>
+          </a:ln>
+        </p:spPr>
+        <p:style>
+          <a:lnRef idx="1">
+            <a:schemeClr val="accent1"/>
+          </a:lnRef>
+          <a:fillRef idx="0">
+            <a:schemeClr val="accent1"/>
+          </a:fillRef>
+          <a:effectRef idx="0">
+            <a:schemeClr val="accent1"/>
+          </a:effectRef>
+          <a:fontRef idx="minor">
+            <a:schemeClr val="tx1"/>
+          </a:fontRef>
+        </p:style>
+      </p:cxnSp>
     </p:spTree>
     <p:extLst>
       <p:ext uri="{BB962C8B-B14F-4D97-AF65-F5344CB8AC3E}">
@@ -17571,54 +18507,6 @@
       </p:grpSpPr>
       <p:sp>
         <p:nvSpPr>
-          <p:cNvPr id="4" name="TextBox 3">
-            <a:extLst>
-              <a:ext uri="{FF2B5EF4-FFF2-40B4-BE49-F238E27FC236}">
-                <a16:creationId xmlns:a16="http://schemas.microsoft.com/office/drawing/2014/main" id="{42DA360B-FCE9-ADF1-10BF-66DDB117C22D}"/>
-              </a:ext>
-            </a:extLst>
-          </p:cNvPr>
-          <p:cNvSpPr txBox="1"/>
-          <p:nvPr/>
-        </p:nvSpPr>
-        <p:spPr>
-          <a:xfrm>
-            <a:off x="1371600" y="497131"/>
-            <a:ext cx="6096000" cy="830997"/>
-          </a:xfrm>
-          <a:prstGeom prst="rect">
-            <a:avLst/>
-          </a:prstGeom>
-          <a:noFill/>
-        </p:spPr>
-        <p:txBody>
-          <a:bodyPr wrap="square" rtlCol="0">
-            <a:spAutoFit/>
-          </a:bodyPr>
-          <a:lstStyle/>
-          <a:p>
-            <a:r>
-              <a:rPr lang="ko-KR" altLang="en-US" sz="4800">
-                <a:solidFill>
-                  <a:srgbClr val="4C50BC"/>
-                </a:solidFill>
-                <a:latin typeface="G마켓 산스 Medium" panose="02000000000000000000" pitchFamily="50" charset="-127"/>
-                <a:ea typeface="G마켓 산스 Medium" panose="02000000000000000000" pitchFamily="50" charset="-127"/>
-              </a:rPr>
-              <a:t>랜덤숫자 만들기</a:t>
-            </a:r>
-            <a:endParaRPr lang="en-US" altLang="ko-KR" sz="4800" dirty="0">
-              <a:solidFill>
-                <a:srgbClr val="4C50BC"/>
-              </a:solidFill>
-              <a:latin typeface="G마켓 산스 Medium" panose="02000000000000000000" pitchFamily="50" charset="-127"/>
-              <a:ea typeface="G마켓 산스 Medium" panose="02000000000000000000" pitchFamily="50" charset="-127"/>
-            </a:endParaRPr>
-          </a:p>
-        </p:txBody>
-      </p:sp>
-      <p:sp>
-        <p:nvSpPr>
           <p:cNvPr id="5" name="TextBox 4">
             <a:extLst>
               <a:ext uri="{FF2B5EF4-FFF2-40B4-BE49-F238E27FC236}">
@@ -17987,6 +18875,97 @@
           </a:fillRef>
           <a:effectRef idx="0">
             <a:schemeClr val="accent2"/>
+          </a:effectRef>
+          <a:fontRef idx="minor">
+            <a:schemeClr val="tx1"/>
+          </a:fontRef>
+        </p:style>
+      </p:cxnSp>
+      <p:sp>
+        <p:nvSpPr>
+          <p:cNvPr id="2" name="TextBox 1">
+            <a:extLst>
+              <a:ext uri="{FF2B5EF4-FFF2-40B4-BE49-F238E27FC236}">
+                <a16:creationId xmlns:a16="http://schemas.microsoft.com/office/drawing/2014/main" id="{0BC37171-10C8-9D70-5551-3C049E74A11C}"/>
+              </a:ext>
+            </a:extLst>
+          </p:cNvPr>
+          <p:cNvSpPr txBox="1"/>
+          <p:nvPr/>
+        </p:nvSpPr>
+        <p:spPr>
+          <a:xfrm>
+            <a:off x="304799" y="114300"/>
+            <a:ext cx="17969754" cy="923330"/>
+          </a:xfrm>
+          <a:prstGeom prst="rect">
+            <a:avLst/>
+          </a:prstGeom>
+          <a:noFill/>
+        </p:spPr>
+        <p:txBody>
+          <a:bodyPr wrap="square" rtlCol="0">
+            <a:spAutoFit/>
+          </a:bodyPr>
+          <a:lstStyle/>
+          <a:p>
+            <a:r>
+              <a:rPr lang="ko-KR" altLang="en-US" sz="5400" spc="-300" dirty="0">
+                <a:solidFill>
+                  <a:srgbClr val="4C50BC"/>
+                </a:solidFill>
+                <a:latin typeface="G마켓 산스 TTF Bold" panose="02000000000000000000" pitchFamily="2" charset="-127"/>
+                <a:ea typeface="G마켓 산스 TTF Bold" panose="02000000000000000000" pitchFamily="2" charset="-127"/>
+              </a:rPr>
+              <a:t>랜덤숫자 만들기</a:t>
+            </a:r>
+            <a:endParaRPr lang="en-US" altLang="ko-KR" sz="5400" spc="-300" dirty="0">
+              <a:solidFill>
+                <a:srgbClr val="4C50BC"/>
+              </a:solidFill>
+              <a:latin typeface="G마켓 산스 TTF Bold" panose="02000000000000000000" pitchFamily="2" charset="-127"/>
+              <a:ea typeface="G마켓 산스 TTF Bold" panose="02000000000000000000" pitchFamily="2" charset="-127"/>
+            </a:endParaRPr>
+          </a:p>
+        </p:txBody>
+      </p:sp>
+      <p:cxnSp>
+        <p:nvCxnSpPr>
+          <p:cNvPr id="3" name="직선 연결선 2">
+            <a:extLst>
+              <a:ext uri="{FF2B5EF4-FFF2-40B4-BE49-F238E27FC236}">
+                <a16:creationId xmlns:a16="http://schemas.microsoft.com/office/drawing/2014/main" id="{4DC0DFE9-355D-A4C7-DCBF-A388F99D0186}"/>
+              </a:ext>
+            </a:extLst>
+          </p:cNvPr>
+          <p:cNvCxnSpPr>
+            <a:cxnSpLocks/>
+          </p:cNvCxnSpPr>
+          <p:nvPr/>
+        </p:nvCxnSpPr>
+        <p:spPr>
+          <a:xfrm flipH="1" flipV="1">
+            <a:off x="-13447" y="972511"/>
+            <a:ext cx="18288000" cy="65119"/>
+          </a:xfrm>
+          <a:prstGeom prst="line">
+            <a:avLst/>
+          </a:prstGeom>
+          <a:ln w="38100">
+            <a:solidFill>
+              <a:srgbClr val="4C50BC"/>
+            </a:solidFill>
+          </a:ln>
+        </p:spPr>
+        <p:style>
+          <a:lnRef idx="1">
+            <a:schemeClr val="accent1"/>
+          </a:lnRef>
+          <a:fillRef idx="0">
+            <a:schemeClr val="accent1"/>
+          </a:fillRef>
+          <a:effectRef idx="0">
+            <a:schemeClr val="accent1"/>
           </a:effectRef>
           <a:fontRef idx="minor">
             <a:schemeClr val="tx1"/>
@@ -18037,7 +19016,7 @@
         </p:nvSpPr>
         <p:spPr>
           <a:xfrm>
-            <a:off x="1447800" y="1028700"/>
+            <a:off x="495300" y="1133543"/>
             <a:ext cx="17297400" cy="1200329"/>
           </a:xfrm>
           <a:prstGeom prst="rect">
@@ -18051,9 +19030,6 @@
           </a:bodyPr>
           <a:lstStyle/>
           <a:p>
-            <a:pPr marL="742950" indent="-742950">
-              <a:buAutoNum type="arabicPeriod"/>
-            </a:pPr>
             <a:r>
               <a:rPr lang="en-US" altLang="ko-KR" sz="3600" dirty="0">
                 <a:solidFill>
@@ -18263,67 +19239,13 @@
               </a:rPr>
               <a:t>)</a:t>
             </a:r>
-            <a:r>
-              <a:rPr lang="en-US" altLang="ko-KR" sz="3600" dirty="0">
-                <a:solidFill>
-                  <a:srgbClr val="FF0000"/>
-                </a:solidFill>
-                <a:latin typeface="G마켓 산스 Medium" panose="02000000000000000000" pitchFamily="50" charset="-127"/>
-                <a:ea typeface="G마켓 산스 Medium" panose="02000000000000000000" pitchFamily="50" charset="-127"/>
-              </a:rPr>
-              <a:t>(Normal)</a:t>
-            </a:r>
-          </a:p>
-        </p:txBody>
-      </p:sp>
-      <p:sp>
-        <p:nvSpPr>
-          <p:cNvPr id="5" name="TextBox 4">
-            <a:extLst>
-              <a:ext uri="{FF2B5EF4-FFF2-40B4-BE49-F238E27FC236}">
-                <a16:creationId xmlns:a16="http://schemas.microsoft.com/office/drawing/2014/main" id="{52270381-F947-5B75-CF63-C036F9803DB2}"/>
-              </a:ext>
-            </a:extLst>
-          </p:cNvPr>
-          <p:cNvSpPr txBox="1"/>
-          <p:nvPr/>
-        </p:nvSpPr>
-        <p:spPr>
-          <a:xfrm>
-            <a:off x="1371600" y="197703"/>
-            <a:ext cx="6096000" cy="830997"/>
-          </a:xfrm>
-          <a:prstGeom prst="rect">
-            <a:avLst/>
-          </a:prstGeom>
-          <a:noFill/>
-        </p:spPr>
-        <p:txBody>
-          <a:bodyPr wrap="square" rtlCol="0">
-            <a:spAutoFit/>
-          </a:bodyPr>
-          <a:lstStyle/>
-          <a:p>
-            <a:r>
-              <a:rPr lang="ko-KR" altLang="en-US" sz="4800" dirty="0">
-                <a:solidFill>
-                  <a:srgbClr val="4C50BC"/>
-                </a:solidFill>
-                <a:latin typeface="G마켓 산스 Medium" panose="02000000000000000000" pitchFamily="50" charset="-127"/>
-                <a:ea typeface="G마켓 산스 Medium" panose="02000000000000000000" pitchFamily="50" charset="-127"/>
-              </a:rPr>
-              <a:t>실습문제</a:t>
-            </a:r>
-            <a:r>
-              <a:rPr lang="en-US" altLang="ko-KR" sz="4800" dirty="0">
-                <a:solidFill>
-                  <a:srgbClr val="4C50BC"/>
-                </a:solidFill>
-                <a:latin typeface="G마켓 산스 Medium" panose="02000000000000000000" pitchFamily="50" charset="-127"/>
-                <a:ea typeface="G마켓 산스 Medium" panose="02000000000000000000" pitchFamily="50" charset="-127"/>
-              </a:rPr>
-              <a:t>2</a:t>
-            </a:r>
+            <a:endParaRPr lang="en-US" altLang="ko-KR" sz="3600" dirty="0">
+              <a:solidFill>
+                <a:srgbClr val="FF0000"/>
+              </a:solidFill>
+              <a:latin typeface="G마켓 산스 Medium" panose="02000000000000000000" pitchFamily="50" charset="-127"/>
+              <a:ea typeface="G마켓 산스 Medium" panose="02000000000000000000" pitchFamily="50" charset="-127"/>
+            </a:endParaRPr>
           </a:p>
         </p:txBody>
       </p:sp>
@@ -18349,7 +19271,7 @@
         </p:blipFill>
         <p:spPr>
           <a:xfrm>
-            <a:off x="2286000" y="2552699"/>
+            <a:off x="2286000" y="2516371"/>
             <a:ext cx="8305800" cy="7046729"/>
           </a:xfrm>
           <a:prstGeom prst="rect">
@@ -18379,7 +19301,7 @@
         </p:blipFill>
         <p:spPr>
           <a:xfrm>
-            <a:off x="11201400" y="3060026"/>
+            <a:off x="11201400" y="3023698"/>
             <a:ext cx="4038600" cy="3919818"/>
           </a:xfrm>
           <a:prstGeom prst="rect">
@@ -18420,7 +19342,7 @@
         </p:blipFill>
         <p:spPr>
           <a:xfrm>
-            <a:off x="2286000" y="4610101"/>
+            <a:off x="2286000" y="4573773"/>
             <a:ext cx="8305800" cy="4343400"/>
           </a:xfrm>
           <a:prstGeom prst="rect">
@@ -18428,6 +19350,120 @@
           </a:prstGeom>
         </p:spPr>
       </p:pic>
+      <p:sp>
+        <p:nvSpPr>
+          <p:cNvPr id="2" name="TextBox 1">
+            <a:extLst>
+              <a:ext uri="{FF2B5EF4-FFF2-40B4-BE49-F238E27FC236}">
+                <a16:creationId xmlns:a16="http://schemas.microsoft.com/office/drawing/2014/main" id="{B86173E2-DF53-19FC-18D6-DA283CE33F0C}"/>
+              </a:ext>
+            </a:extLst>
+          </p:cNvPr>
+          <p:cNvSpPr txBox="1"/>
+          <p:nvPr/>
+        </p:nvSpPr>
+        <p:spPr>
+          <a:xfrm>
+            <a:off x="304800" y="114300"/>
+            <a:ext cx="10972800" cy="923330"/>
+          </a:xfrm>
+          <a:prstGeom prst="rect">
+            <a:avLst/>
+          </a:prstGeom>
+          <a:noFill/>
+        </p:spPr>
+        <p:txBody>
+          <a:bodyPr wrap="square" rtlCol="0">
+            <a:spAutoFit/>
+          </a:bodyPr>
+          <a:lstStyle/>
+          <a:p>
+            <a:r>
+              <a:rPr lang="en-US" altLang="ko-KR" sz="5400" spc="-300" dirty="0">
+                <a:solidFill>
+                  <a:srgbClr val="4C50BC"/>
+                </a:solidFill>
+                <a:latin typeface="G마켓 산스 Bold" panose="02000000000000000000" pitchFamily="50" charset="-127"/>
+                <a:ea typeface="G마켓 산스 Bold" panose="02000000000000000000" pitchFamily="50" charset="-127"/>
+              </a:rPr>
+              <a:t>2-1 </a:t>
+            </a:r>
+            <a:r>
+              <a:rPr lang="ko-KR" altLang="en-US" sz="5400" spc="-300" dirty="0">
+                <a:solidFill>
+                  <a:srgbClr val="4C50BC"/>
+                </a:solidFill>
+                <a:latin typeface="G마켓 산스 Bold" panose="02000000000000000000" pitchFamily="50" charset="-127"/>
+                <a:ea typeface="G마켓 산스 Bold" panose="02000000000000000000" pitchFamily="50" charset="-127"/>
+              </a:rPr>
+              <a:t>실습문제</a:t>
+            </a:r>
+            <a:r>
+              <a:rPr lang="en-US" altLang="ko-KR" sz="5400" spc="-300" dirty="0">
+                <a:solidFill>
+                  <a:srgbClr val="4C50BC"/>
+                </a:solidFill>
+                <a:latin typeface="G마켓 산스 Bold" panose="02000000000000000000" pitchFamily="50" charset="-127"/>
+                <a:ea typeface="G마켓 산스 Bold" panose="02000000000000000000" pitchFamily="50" charset="-127"/>
+              </a:rPr>
+              <a:t> </a:t>
+            </a:r>
+            <a:r>
+              <a:rPr lang="en-US" altLang="ko-KR" sz="5400" spc="-300" dirty="0">
+                <a:solidFill>
+                  <a:srgbClr val="FF0000"/>
+                </a:solidFill>
+                <a:latin typeface="G마켓 산스 Bold" panose="02000000000000000000" pitchFamily="50" charset="-127"/>
+                <a:ea typeface="G마켓 산스 Bold" panose="02000000000000000000" pitchFamily="50" charset="-127"/>
+              </a:rPr>
+              <a:t>(normal)</a:t>
+            </a:r>
+          </a:p>
+        </p:txBody>
+      </p:sp>
+      <p:cxnSp>
+        <p:nvCxnSpPr>
+          <p:cNvPr id="3" name="직선 연결선 2">
+            <a:extLst>
+              <a:ext uri="{FF2B5EF4-FFF2-40B4-BE49-F238E27FC236}">
+                <a16:creationId xmlns:a16="http://schemas.microsoft.com/office/drawing/2014/main" id="{CF5CBD10-2F98-ED2A-5CBF-10461868AFF6}"/>
+              </a:ext>
+            </a:extLst>
+          </p:cNvPr>
+          <p:cNvCxnSpPr>
+            <a:cxnSpLocks/>
+          </p:cNvCxnSpPr>
+          <p:nvPr/>
+        </p:nvCxnSpPr>
+        <p:spPr>
+          <a:xfrm flipH="1" flipV="1">
+            <a:off x="-13447" y="972511"/>
+            <a:ext cx="18288000" cy="65119"/>
+          </a:xfrm>
+          <a:prstGeom prst="line">
+            <a:avLst/>
+          </a:prstGeom>
+          <a:ln w="38100">
+            <a:solidFill>
+              <a:srgbClr val="4C50BC"/>
+            </a:solidFill>
+          </a:ln>
+        </p:spPr>
+        <p:style>
+          <a:lnRef idx="1">
+            <a:schemeClr val="accent1"/>
+          </a:lnRef>
+          <a:fillRef idx="0">
+            <a:schemeClr val="accent1"/>
+          </a:fillRef>
+          <a:effectRef idx="0">
+            <a:schemeClr val="accent1"/>
+          </a:effectRef>
+          <a:fontRef idx="minor">
+            <a:schemeClr val="tx1"/>
+          </a:fontRef>
+        </p:style>
+      </p:cxnSp>
     </p:spTree>
     <p:extLst>
       <p:ext uri="{BB962C8B-B14F-4D97-AF65-F5344CB8AC3E}">
@@ -18438,81 +19474,6 @@
   <p:clrMapOvr>
     <a:masterClrMapping/>
   </p:clrMapOvr>
-  <p:timing>
-    <p:tnLst>
-      <p:par>
-        <p:cTn id="1" dur="indefinite" restart="never" nodeType="tmRoot">
-          <p:childTnLst>
-            <p:seq concurrent="1" nextAc="seek">
-              <p:cTn id="2" dur="indefinite" nodeType="mainSeq">
-                <p:childTnLst>
-                  <p:par>
-                    <p:cTn id="3" fill="hold">
-                      <p:stCondLst>
-                        <p:cond delay="indefinite"/>
-                      </p:stCondLst>
-                      <p:childTnLst>
-                        <p:par>
-                          <p:cTn id="4" fill="hold">
-                            <p:stCondLst>
-                              <p:cond delay="0"/>
-                            </p:stCondLst>
-                            <p:childTnLst>
-                              <p:par>
-                                <p:cTn id="5" presetID="1" presetClass="exit" presetSubtype="0" fill="hold" nodeType="clickEffect">
-                                  <p:stCondLst>
-                                    <p:cond delay="0"/>
-                                  </p:stCondLst>
-                                  <p:childTnLst>
-                                    <p:set>
-                                      <p:cBhvr>
-                                        <p:cTn id="6" dur="1" fill="hold">
-                                          <p:stCondLst>
-                                            <p:cond delay="0"/>
-                                          </p:stCondLst>
-                                        </p:cTn>
-                                        <p:tgtEl>
-                                          <p:spTgt spid="10"/>
-                                        </p:tgtEl>
-                                        <p:attrNameLst>
-                                          <p:attrName>style.visibility</p:attrName>
-                                        </p:attrNameLst>
-                                      </p:cBhvr>
-                                      <p:to>
-                                        <p:strVal val="hidden"/>
-                                      </p:to>
-                                    </p:set>
-                                  </p:childTnLst>
-                                </p:cTn>
-                              </p:par>
-                            </p:childTnLst>
-                          </p:cTn>
-                        </p:par>
-                      </p:childTnLst>
-                    </p:cTn>
-                  </p:par>
-                </p:childTnLst>
-              </p:cTn>
-              <p:prevCondLst>
-                <p:cond evt="onPrev" delay="0">
-                  <p:tgtEl>
-                    <p:sldTgt/>
-                  </p:tgtEl>
-                </p:cond>
-              </p:prevCondLst>
-              <p:nextCondLst>
-                <p:cond evt="onNext" delay="0">
-                  <p:tgtEl>
-                    <p:sldTgt/>
-                  </p:tgtEl>
-                </p:cond>
-              </p:nextCondLst>
-            </p:seq>
-          </p:childTnLst>
-        </p:cTn>
-      </p:par>
-    </p:tnLst>
-  </p:timing>
 </p:sld>
 </file>
 
@@ -18563,54 +19524,6 @@
           </a:prstGeom>
         </p:spPr>
       </p:pic>
-      <p:sp>
-        <p:nvSpPr>
-          <p:cNvPr id="6" name="TextBox 5">
-            <a:extLst>
-              <a:ext uri="{FF2B5EF4-FFF2-40B4-BE49-F238E27FC236}">
-                <a16:creationId xmlns:a16="http://schemas.microsoft.com/office/drawing/2014/main" id="{78B84A61-7B7B-8FF4-6202-BEFC09414B6F}"/>
-              </a:ext>
-            </a:extLst>
-          </p:cNvPr>
-          <p:cNvSpPr txBox="1"/>
-          <p:nvPr/>
-        </p:nvSpPr>
-        <p:spPr>
-          <a:xfrm>
-            <a:off x="995879" y="243200"/>
-            <a:ext cx="1665841" cy="1015663"/>
-          </a:xfrm>
-          <a:prstGeom prst="rect">
-            <a:avLst/>
-          </a:prstGeom>
-          <a:noFill/>
-        </p:spPr>
-        <p:txBody>
-          <a:bodyPr wrap="none" rtlCol="0">
-            <a:spAutoFit/>
-          </a:bodyPr>
-          <a:lstStyle/>
-          <a:p>
-            <a:r>
-              <a:rPr lang="ko-KR" altLang="en-US" sz="6000" dirty="0">
-                <a:solidFill>
-                  <a:srgbClr val="4C50BB"/>
-                </a:solidFill>
-                <a:latin typeface="G마켓 산스 TTF Bold" panose="02000000000000000000" pitchFamily="2" charset="-127"/>
-                <a:ea typeface="G마켓 산스 TTF Bold" panose="02000000000000000000" pitchFamily="2" charset="-127"/>
-              </a:rPr>
-              <a:t>해설</a:t>
-            </a:r>
-            <a:endParaRPr lang="ko-KR" altLang="en-US" sz="800" dirty="0">
-              <a:solidFill>
-                <a:srgbClr val="4C50BB"/>
-              </a:solidFill>
-              <a:latin typeface="G마켓 산스 TTF Bold" panose="02000000000000000000" pitchFamily="2" charset="-127"/>
-              <a:ea typeface="G마켓 산스 TTF Bold" panose="02000000000000000000" pitchFamily="2" charset="-127"/>
-            </a:endParaRPr>
-          </a:p>
-        </p:txBody>
-      </p:sp>
       <p:cxnSp>
         <p:nvCxnSpPr>
           <p:cNvPr id="8" name="직선 화살표 연결선 7">
@@ -18991,6 +19904,120 @@
           </a:p>
         </p:txBody>
       </p:sp>
+      <p:sp>
+        <p:nvSpPr>
+          <p:cNvPr id="2" name="TextBox 1">
+            <a:extLst>
+              <a:ext uri="{FF2B5EF4-FFF2-40B4-BE49-F238E27FC236}">
+                <a16:creationId xmlns:a16="http://schemas.microsoft.com/office/drawing/2014/main" id="{CA7FBBAB-F43B-95EF-3A72-F14AC94D5BF6}"/>
+              </a:ext>
+            </a:extLst>
+          </p:cNvPr>
+          <p:cNvSpPr txBox="1"/>
+          <p:nvPr/>
+        </p:nvSpPr>
+        <p:spPr>
+          <a:xfrm>
+            <a:off x="304800" y="114300"/>
+            <a:ext cx="10972800" cy="923330"/>
+          </a:xfrm>
+          <a:prstGeom prst="rect">
+            <a:avLst/>
+          </a:prstGeom>
+          <a:noFill/>
+        </p:spPr>
+        <p:txBody>
+          <a:bodyPr wrap="square" rtlCol="0">
+            <a:spAutoFit/>
+          </a:bodyPr>
+          <a:lstStyle/>
+          <a:p>
+            <a:r>
+              <a:rPr lang="en-US" altLang="ko-KR" sz="5400" spc="-300" dirty="0">
+                <a:solidFill>
+                  <a:srgbClr val="4C50BC"/>
+                </a:solidFill>
+                <a:latin typeface="G마켓 산스 Bold" panose="02000000000000000000" pitchFamily="50" charset="-127"/>
+                <a:ea typeface="G마켓 산스 Bold" panose="02000000000000000000" pitchFamily="50" charset="-127"/>
+              </a:rPr>
+              <a:t>2-1 </a:t>
+            </a:r>
+            <a:r>
+              <a:rPr lang="ko-KR" altLang="en-US" sz="5400" spc="-300" dirty="0">
+                <a:solidFill>
+                  <a:srgbClr val="4C50BC"/>
+                </a:solidFill>
+                <a:latin typeface="G마켓 산스 Bold" panose="02000000000000000000" pitchFamily="50" charset="-127"/>
+                <a:ea typeface="G마켓 산스 Bold" panose="02000000000000000000" pitchFamily="50" charset="-127"/>
+              </a:rPr>
+              <a:t>문제풀이</a:t>
+            </a:r>
+            <a:r>
+              <a:rPr lang="en-US" altLang="ko-KR" sz="5400" spc="-300" dirty="0">
+                <a:solidFill>
+                  <a:srgbClr val="4C50BC"/>
+                </a:solidFill>
+                <a:latin typeface="G마켓 산스 Bold" panose="02000000000000000000" pitchFamily="50" charset="-127"/>
+                <a:ea typeface="G마켓 산스 Bold" panose="02000000000000000000" pitchFamily="50" charset="-127"/>
+              </a:rPr>
+              <a:t> </a:t>
+            </a:r>
+            <a:r>
+              <a:rPr lang="en-US" altLang="ko-KR" sz="5400" spc="-300" dirty="0">
+                <a:solidFill>
+                  <a:srgbClr val="FF0000"/>
+                </a:solidFill>
+                <a:latin typeface="G마켓 산스 Bold" panose="02000000000000000000" pitchFamily="50" charset="-127"/>
+                <a:ea typeface="G마켓 산스 Bold" panose="02000000000000000000" pitchFamily="50" charset="-127"/>
+              </a:rPr>
+              <a:t>(normal)</a:t>
+            </a:r>
+          </a:p>
+        </p:txBody>
+      </p:sp>
+      <p:cxnSp>
+        <p:nvCxnSpPr>
+          <p:cNvPr id="3" name="직선 연결선 2">
+            <a:extLst>
+              <a:ext uri="{FF2B5EF4-FFF2-40B4-BE49-F238E27FC236}">
+                <a16:creationId xmlns:a16="http://schemas.microsoft.com/office/drawing/2014/main" id="{2C1FD33D-BFD5-52BE-6EEA-C06C68650792}"/>
+              </a:ext>
+            </a:extLst>
+          </p:cNvPr>
+          <p:cNvCxnSpPr>
+            <a:cxnSpLocks/>
+          </p:cNvCxnSpPr>
+          <p:nvPr/>
+        </p:nvCxnSpPr>
+        <p:spPr>
+          <a:xfrm flipH="1" flipV="1">
+            <a:off x="-13447" y="972511"/>
+            <a:ext cx="18288000" cy="65119"/>
+          </a:xfrm>
+          <a:prstGeom prst="line">
+            <a:avLst/>
+          </a:prstGeom>
+          <a:ln w="38100">
+            <a:solidFill>
+              <a:srgbClr val="4C50BC"/>
+            </a:solidFill>
+          </a:ln>
+        </p:spPr>
+        <p:style>
+          <a:lnRef idx="1">
+            <a:schemeClr val="accent1"/>
+          </a:lnRef>
+          <a:fillRef idx="0">
+            <a:schemeClr val="accent1"/>
+          </a:fillRef>
+          <a:effectRef idx="0">
+            <a:schemeClr val="accent1"/>
+          </a:effectRef>
+          <a:fontRef idx="minor">
+            <a:schemeClr val="tx1"/>
+          </a:fontRef>
+        </p:style>
+      </p:cxnSp>
     </p:spTree>
     <p:extLst>
       <p:ext uri="{BB962C8B-B14F-4D97-AF65-F5344CB8AC3E}">
@@ -19696,7 +20723,7 @@
         </p:nvSpPr>
         <p:spPr>
           <a:xfrm>
-            <a:off x="914400" y="378165"/>
+            <a:off x="762000" y="1232077"/>
             <a:ext cx="17297400" cy="1200329"/>
           </a:xfrm>
           <a:prstGeom prst="rect">
@@ -19711,6 +20738,16 @@
           <a:lstStyle/>
           <a:p>
             <a:r>
+              <a:rPr lang="ko-KR" altLang="en-US" sz="3600" dirty="0">
+                <a:solidFill>
+                  <a:srgbClr val="4C50BC"/>
+                </a:solidFill>
+                <a:latin typeface="G마켓 산스 Medium" panose="02000000000000000000" pitchFamily="50" charset="-127"/>
+                <a:ea typeface="G마켓 산스 Medium" panose="02000000000000000000" pitchFamily="50" charset="-127"/>
+              </a:rPr>
+              <a:t>월을 입력 받아 어떤 계절인지 출력해보자</a:t>
+            </a:r>
+            <a:r>
               <a:rPr lang="en-US" altLang="ko-KR" sz="3600" dirty="0">
                 <a:solidFill>
                   <a:srgbClr val="4C50BC"/>
@@ -19718,7 +20755,7 @@
                 <a:latin typeface="G마켓 산스 Medium" panose="02000000000000000000" pitchFamily="50" charset="-127"/>
                 <a:ea typeface="G마켓 산스 Medium" panose="02000000000000000000" pitchFamily="50" charset="-127"/>
               </a:rPr>
-              <a:t>2. </a:t>
+              <a:t>(switch</a:t>
             </a:r>
             <a:r>
               <a:rPr lang="ko-KR" altLang="en-US" sz="3600" dirty="0">
@@ -19728,7 +20765,17 @@
                 <a:latin typeface="G마켓 산스 Medium" panose="02000000000000000000" pitchFamily="50" charset="-127"/>
                 <a:ea typeface="G마켓 산스 Medium" panose="02000000000000000000" pitchFamily="50" charset="-127"/>
               </a:rPr>
-              <a:t>월을 입력 받아 어떤 계절인지 출력해보자</a:t>
+              <a:t>문을 </a:t>
+            </a:r>
+            <a:r>
+              <a:rPr lang="ko-KR" altLang="en-US" sz="3600" dirty="0" err="1">
+                <a:solidFill>
+                  <a:srgbClr val="4C50BC"/>
+                </a:solidFill>
+                <a:latin typeface="G마켓 산스 Medium" panose="02000000000000000000" pitchFamily="50" charset="-127"/>
+                <a:ea typeface="G마켓 산스 Medium" panose="02000000000000000000" pitchFamily="50" charset="-127"/>
+              </a:rPr>
+              <a:t>사용할것</a:t>
             </a:r>
             <a:r>
               <a:rPr lang="en-US" altLang="ko-KR" sz="3600" dirty="0">
@@ -19738,48 +20785,15 @@
                 <a:latin typeface="G마켓 산스 Medium" panose="02000000000000000000" pitchFamily="50" charset="-127"/>
                 <a:ea typeface="G마켓 산스 Medium" panose="02000000000000000000" pitchFamily="50" charset="-127"/>
               </a:rPr>
-              <a:t>(switch</a:t>
-            </a:r>
-            <a:r>
-              <a:rPr lang="ko-KR" altLang="en-US" sz="3600" dirty="0">
-                <a:solidFill>
-                  <a:srgbClr val="4C50BC"/>
-                </a:solidFill>
-                <a:latin typeface="G마켓 산스 Medium" panose="02000000000000000000" pitchFamily="50" charset="-127"/>
-                <a:ea typeface="G마켓 산스 Medium" panose="02000000000000000000" pitchFamily="50" charset="-127"/>
-              </a:rPr>
-              <a:t>문을 </a:t>
-            </a:r>
-            <a:r>
-              <a:rPr lang="ko-KR" altLang="en-US" sz="3600" dirty="0" err="1">
-                <a:solidFill>
-                  <a:srgbClr val="4C50BC"/>
-                </a:solidFill>
-                <a:latin typeface="G마켓 산스 Medium" panose="02000000000000000000" pitchFamily="50" charset="-127"/>
-                <a:ea typeface="G마켓 산스 Medium" panose="02000000000000000000" pitchFamily="50" charset="-127"/>
-              </a:rPr>
-              <a:t>사용할것</a:t>
-            </a:r>
-            <a:r>
-              <a:rPr lang="en-US" altLang="ko-KR" sz="3600" dirty="0">
-                <a:solidFill>
-                  <a:srgbClr val="4C50BC"/>
-                </a:solidFill>
-                <a:latin typeface="G마켓 산스 Medium" panose="02000000000000000000" pitchFamily="50" charset="-127"/>
-                <a:ea typeface="G마켓 산스 Medium" panose="02000000000000000000" pitchFamily="50" charset="-127"/>
-              </a:rPr>
               <a:t>)</a:t>
             </a:r>
-            <a:r>
-              <a:rPr lang="en-US" altLang="ko-KR" sz="3600" dirty="0">
-                <a:solidFill>
-                  <a:srgbClr val="FF0000"/>
-                </a:solidFill>
-                <a:latin typeface="G마켓 산스 Medium" panose="02000000000000000000" pitchFamily="50" charset="-127"/>
-                <a:ea typeface="G마켓 산스 Medium" panose="02000000000000000000" pitchFamily="50" charset="-127"/>
-              </a:rPr>
-              <a:t>(Normal)</a:t>
-            </a:r>
+            <a:endParaRPr lang="en-US" altLang="ko-KR" sz="3600" dirty="0">
+              <a:solidFill>
+                <a:srgbClr val="FF0000"/>
+              </a:solidFill>
+              <a:latin typeface="G마켓 산스 Medium" panose="02000000000000000000" pitchFamily="50" charset="-127"/>
+              <a:ea typeface="G마켓 산스 Medium" panose="02000000000000000000" pitchFamily="50" charset="-127"/>
+            </a:endParaRPr>
           </a:p>
           <a:p>
             <a:r>
@@ -19891,7 +20905,7 @@
         </p:blipFill>
         <p:spPr>
           <a:xfrm>
-            <a:off x="9906000" y="2367485"/>
+            <a:off x="9906000" y="2977085"/>
             <a:ext cx="3177541" cy="1385082"/>
           </a:xfrm>
           <a:prstGeom prst="rect">
@@ -19921,7 +20935,7 @@
         </p:blipFill>
         <p:spPr>
           <a:xfrm>
-            <a:off x="990600" y="2247900"/>
+            <a:off x="990600" y="2857500"/>
             <a:ext cx="7543800" cy="7060770"/>
           </a:xfrm>
           <a:prstGeom prst="rect">
@@ -19962,7 +20976,7 @@
         </p:blipFill>
         <p:spPr>
           <a:xfrm>
-            <a:off x="914400" y="4000500"/>
+            <a:off x="914400" y="4610100"/>
             <a:ext cx="7543800" cy="5352017"/>
           </a:xfrm>
           <a:prstGeom prst="rect">
@@ -19970,6 +20984,120 @@
           </a:prstGeom>
         </p:spPr>
       </p:pic>
+      <p:sp>
+        <p:nvSpPr>
+          <p:cNvPr id="2" name="TextBox 1">
+            <a:extLst>
+              <a:ext uri="{FF2B5EF4-FFF2-40B4-BE49-F238E27FC236}">
+                <a16:creationId xmlns:a16="http://schemas.microsoft.com/office/drawing/2014/main" id="{8218A3B7-373B-2B11-1A9B-FB871633D603}"/>
+              </a:ext>
+            </a:extLst>
+          </p:cNvPr>
+          <p:cNvSpPr txBox="1"/>
+          <p:nvPr/>
+        </p:nvSpPr>
+        <p:spPr>
+          <a:xfrm>
+            <a:off x="304800" y="114300"/>
+            <a:ext cx="10972800" cy="923330"/>
+          </a:xfrm>
+          <a:prstGeom prst="rect">
+            <a:avLst/>
+          </a:prstGeom>
+          <a:noFill/>
+        </p:spPr>
+        <p:txBody>
+          <a:bodyPr wrap="square" rtlCol="0">
+            <a:spAutoFit/>
+          </a:bodyPr>
+          <a:lstStyle/>
+          <a:p>
+            <a:r>
+              <a:rPr lang="en-US" altLang="ko-KR" sz="5400" spc="-300" dirty="0">
+                <a:solidFill>
+                  <a:srgbClr val="4C50BC"/>
+                </a:solidFill>
+                <a:latin typeface="G마켓 산스 Bold" panose="02000000000000000000" pitchFamily="50" charset="-127"/>
+                <a:ea typeface="G마켓 산스 Bold" panose="02000000000000000000" pitchFamily="50" charset="-127"/>
+              </a:rPr>
+              <a:t>2-2 </a:t>
+            </a:r>
+            <a:r>
+              <a:rPr lang="ko-KR" altLang="en-US" sz="5400" spc="-300" dirty="0">
+                <a:solidFill>
+                  <a:srgbClr val="4C50BC"/>
+                </a:solidFill>
+                <a:latin typeface="G마켓 산스 Bold" panose="02000000000000000000" pitchFamily="50" charset="-127"/>
+                <a:ea typeface="G마켓 산스 Bold" panose="02000000000000000000" pitchFamily="50" charset="-127"/>
+              </a:rPr>
+              <a:t>실습문제</a:t>
+            </a:r>
+            <a:r>
+              <a:rPr lang="en-US" altLang="ko-KR" sz="5400" spc="-300" dirty="0">
+                <a:solidFill>
+                  <a:srgbClr val="4C50BC"/>
+                </a:solidFill>
+                <a:latin typeface="G마켓 산스 Bold" panose="02000000000000000000" pitchFamily="50" charset="-127"/>
+                <a:ea typeface="G마켓 산스 Bold" panose="02000000000000000000" pitchFamily="50" charset="-127"/>
+              </a:rPr>
+              <a:t> </a:t>
+            </a:r>
+            <a:r>
+              <a:rPr lang="en-US" altLang="ko-KR" sz="5400" spc="-300" dirty="0">
+                <a:solidFill>
+                  <a:srgbClr val="FF0000"/>
+                </a:solidFill>
+                <a:latin typeface="G마켓 산스 Bold" panose="02000000000000000000" pitchFamily="50" charset="-127"/>
+                <a:ea typeface="G마켓 산스 Bold" panose="02000000000000000000" pitchFamily="50" charset="-127"/>
+              </a:rPr>
+              <a:t>(normal)</a:t>
+            </a:r>
+          </a:p>
+        </p:txBody>
+      </p:sp>
+      <p:cxnSp>
+        <p:nvCxnSpPr>
+          <p:cNvPr id="3" name="직선 연결선 2">
+            <a:extLst>
+              <a:ext uri="{FF2B5EF4-FFF2-40B4-BE49-F238E27FC236}">
+                <a16:creationId xmlns:a16="http://schemas.microsoft.com/office/drawing/2014/main" id="{8F09621B-0D61-5EB2-BE40-02DA1F671334}"/>
+              </a:ext>
+            </a:extLst>
+          </p:cNvPr>
+          <p:cNvCxnSpPr>
+            <a:cxnSpLocks/>
+          </p:cNvCxnSpPr>
+          <p:nvPr/>
+        </p:nvCxnSpPr>
+        <p:spPr>
+          <a:xfrm flipH="1" flipV="1">
+            <a:off x="-13447" y="972511"/>
+            <a:ext cx="18288000" cy="65119"/>
+          </a:xfrm>
+          <a:prstGeom prst="line">
+            <a:avLst/>
+          </a:prstGeom>
+          <a:ln w="38100">
+            <a:solidFill>
+              <a:srgbClr val="4C50BC"/>
+            </a:solidFill>
+          </a:ln>
+        </p:spPr>
+        <p:style>
+          <a:lnRef idx="1">
+            <a:schemeClr val="accent1"/>
+          </a:lnRef>
+          <a:fillRef idx="0">
+            <a:schemeClr val="accent1"/>
+          </a:fillRef>
+          <a:effectRef idx="0">
+            <a:schemeClr val="accent1"/>
+          </a:effectRef>
+          <a:fontRef idx="minor">
+            <a:schemeClr val="tx1"/>
+          </a:fontRef>
+        </p:style>
+      </p:cxnSp>
     </p:spTree>
     <p:extLst>
       <p:ext uri="{BB962C8B-B14F-4D97-AF65-F5344CB8AC3E}">
@@ -19980,81 +21108,6 @@
   <p:clrMapOvr>
     <a:masterClrMapping/>
   </p:clrMapOvr>
-  <p:timing>
-    <p:tnLst>
-      <p:par>
-        <p:cTn id="1" dur="indefinite" restart="never" nodeType="tmRoot">
-          <p:childTnLst>
-            <p:seq concurrent="1" nextAc="seek">
-              <p:cTn id="2" dur="indefinite" nodeType="mainSeq">
-                <p:childTnLst>
-                  <p:par>
-                    <p:cTn id="3" fill="hold">
-                      <p:stCondLst>
-                        <p:cond delay="indefinite"/>
-                      </p:stCondLst>
-                      <p:childTnLst>
-                        <p:par>
-                          <p:cTn id="4" fill="hold">
-                            <p:stCondLst>
-                              <p:cond delay="0"/>
-                            </p:stCondLst>
-                            <p:childTnLst>
-                              <p:par>
-                                <p:cTn id="5" presetID="1" presetClass="exit" presetSubtype="0" fill="hold" nodeType="clickEffect">
-                                  <p:stCondLst>
-                                    <p:cond delay="0"/>
-                                  </p:stCondLst>
-                                  <p:childTnLst>
-                                    <p:set>
-                                      <p:cBhvr>
-                                        <p:cTn id="6" dur="1" fill="hold">
-                                          <p:stCondLst>
-                                            <p:cond delay="0"/>
-                                          </p:stCondLst>
-                                        </p:cTn>
-                                        <p:tgtEl>
-                                          <p:spTgt spid="11"/>
-                                        </p:tgtEl>
-                                        <p:attrNameLst>
-                                          <p:attrName>style.visibility</p:attrName>
-                                        </p:attrNameLst>
-                                      </p:cBhvr>
-                                      <p:to>
-                                        <p:strVal val="hidden"/>
-                                      </p:to>
-                                    </p:set>
-                                  </p:childTnLst>
-                                </p:cTn>
-                              </p:par>
-                            </p:childTnLst>
-                          </p:cTn>
-                        </p:par>
-                      </p:childTnLst>
-                    </p:cTn>
-                  </p:par>
-                </p:childTnLst>
-              </p:cTn>
-              <p:prevCondLst>
-                <p:cond evt="onPrev" delay="0">
-                  <p:tgtEl>
-                    <p:sldTgt/>
-                  </p:tgtEl>
-                </p:cond>
-              </p:prevCondLst>
-              <p:nextCondLst>
-                <p:cond evt="onNext" delay="0">
-                  <p:tgtEl>
-                    <p:sldTgt/>
-                  </p:tgtEl>
-                </p:cond>
-              </p:nextCondLst>
-            </p:seq>
-          </p:childTnLst>
-        </p:cTn>
-      </p:par>
-    </p:tnLst>
-  </p:timing>
 </p:sld>
 </file>
 
@@ -20105,54 +21158,6 @@
           </a:prstGeom>
         </p:spPr>
       </p:pic>
-      <p:sp>
-        <p:nvSpPr>
-          <p:cNvPr id="5" name="TextBox 4">
-            <a:extLst>
-              <a:ext uri="{FF2B5EF4-FFF2-40B4-BE49-F238E27FC236}">
-                <a16:creationId xmlns:a16="http://schemas.microsoft.com/office/drawing/2014/main" id="{7F784F2A-C7C0-0635-0E0E-C932F3EA32C9}"/>
-              </a:ext>
-            </a:extLst>
-          </p:cNvPr>
-          <p:cNvSpPr txBox="1"/>
-          <p:nvPr/>
-        </p:nvSpPr>
-        <p:spPr>
-          <a:xfrm>
-            <a:off x="995879" y="243200"/>
-            <a:ext cx="1665841" cy="1015663"/>
-          </a:xfrm>
-          <a:prstGeom prst="rect">
-            <a:avLst/>
-          </a:prstGeom>
-          <a:noFill/>
-        </p:spPr>
-        <p:txBody>
-          <a:bodyPr wrap="none" rtlCol="0">
-            <a:spAutoFit/>
-          </a:bodyPr>
-          <a:lstStyle/>
-          <a:p>
-            <a:r>
-              <a:rPr lang="ko-KR" altLang="en-US" sz="6000" dirty="0">
-                <a:solidFill>
-                  <a:srgbClr val="4C50BB"/>
-                </a:solidFill>
-                <a:latin typeface="G마켓 산스 TTF Bold" panose="02000000000000000000" pitchFamily="2" charset="-127"/>
-                <a:ea typeface="G마켓 산스 TTF Bold" panose="02000000000000000000" pitchFamily="2" charset="-127"/>
-              </a:rPr>
-              <a:t>해설</a:t>
-            </a:r>
-            <a:endParaRPr lang="ko-KR" altLang="en-US" sz="800" dirty="0">
-              <a:solidFill>
-                <a:srgbClr val="4C50BB"/>
-              </a:solidFill>
-              <a:latin typeface="G마켓 산스 TTF Bold" panose="02000000000000000000" pitchFamily="2" charset="-127"/>
-              <a:ea typeface="G마켓 산스 TTF Bold" panose="02000000000000000000" pitchFamily="2" charset="-127"/>
-            </a:endParaRPr>
-          </a:p>
-        </p:txBody>
-      </p:sp>
       <p:cxnSp>
         <p:nvCxnSpPr>
           <p:cNvPr id="6" name="직선 화살표 연결선 5">
@@ -20359,6 +21364,120 @@
           </a:p>
         </p:txBody>
       </p:sp>
+      <p:sp>
+        <p:nvSpPr>
+          <p:cNvPr id="2" name="TextBox 1">
+            <a:extLst>
+              <a:ext uri="{FF2B5EF4-FFF2-40B4-BE49-F238E27FC236}">
+                <a16:creationId xmlns:a16="http://schemas.microsoft.com/office/drawing/2014/main" id="{6B982924-AED8-A3CE-CB19-53A03CFBAED7}"/>
+              </a:ext>
+            </a:extLst>
+          </p:cNvPr>
+          <p:cNvSpPr txBox="1"/>
+          <p:nvPr/>
+        </p:nvSpPr>
+        <p:spPr>
+          <a:xfrm>
+            <a:off x="304800" y="114300"/>
+            <a:ext cx="10972800" cy="923330"/>
+          </a:xfrm>
+          <a:prstGeom prst="rect">
+            <a:avLst/>
+          </a:prstGeom>
+          <a:noFill/>
+        </p:spPr>
+        <p:txBody>
+          <a:bodyPr wrap="square" rtlCol="0">
+            <a:spAutoFit/>
+          </a:bodyPr>
+          <a:lstStyle/>
+          <a:p>
+            <a:r>
+              <a:rPr lang="en-US" altLang="ko-KR" sz="5400" spc="-300" dirty="0">
+                <a:solidFill>
+                  <a:srgbClr val="4C50BC"/>
+                </a:solidFill>
+                <a:latin typeface="G마켓 산스 Bold" panose="02000000000000000000" pitchFamily="50" charset="-127"/>
+                <a:ea typeface="G마켓 산스 Bold" panose="02000000000000000000" pitchFamily="50" charset="-127"/>
+              </a:rPr>
+              <a:t>2-2 </a:t>
+            </a:r>
+            <a:r>
+              <a:rPr lang="ko-KR" altLang="en-US" sz="5400" spc="-300" dirty="0">
+                <a:solidFill>
+                  <a:srgbClr val="4C50BC"/>
+                </a:solidFill>
+                <a:latin typeface="G마켓 산스 Bold" panose="02000000000000000000" pitchFamily="50" charset="-127"/>
+                <a:ea typeface="G마켓 산스 Bold" panose="02000000000000000000" pitchFamily="50" charset="-127"/>
+              </a:rPr>
+              <a:t>문제풀이</a:t>
+            </a:r>
+            <a:r>
+              <a:rPr lang="en-US" altLang="ko-KR" sz="5400" spc="-300" dirty="0">
+                <a:solidFill>
+                  <a:srgbClr val="4C50BC"/>
+                </a:solidFill>
+                <a:latin typeface="G마켓 산스 Bold" panose="02000000000000000000" pitchFamily="50" charset="-127"/>
+                <a:ea typeface="G마켓 산스 Bold" panose="02000000000000000000" pitchFamily="50" charset="-127"/>
+              </a:rPr>
+              <a:t> </a:t>
+            </a:r>
+            <a:r>
+              <a:rPr lang="en-US" altLang="ko-KR" sz="5400" spc="-300" dirty="0">
+                <a:solidFill>
+                  <a:srgbClr val="FF0000"/>
+                </a:solidFill>
+                <a:latin typeface="G마켓 산스 Bold" panose="02000000000000000000" pitchFamily="50" charset="-127"/>
+                <a:ea typeface="G마켓 산스 Bold" panose="02000000000000000000" pitchFamily="50" charset="-127"/>
+              </a:rPr>
+              <a:t>(normal)</a:t>
+            </a:r>
+          </a:p>
+        </p:txBody>
+      </p:sp>
+      <p:cxnSp>
+        <p:nvCxnSpPr>
+          <p:cNvPr id="3" name="직선 연결선 2">
+            <a:extLst>
+              <a:ext uri="{FF2B5EF4-FFF2-40B4-BE49-F238E27FC236}">
+                <a16:creationId xmlns:a16="http://schemas.microsoft.com/office/drawing/2014/main" id="{80F5F2AC-70F8-395F-3265-3A8D17EA158B}"/>
+              </a:ext>
+            </a:extLst>
+          </p:cNvPr>
+          <p:cNvCxnSpPr>
+            <a:cxnSpLocks/>
+          </p:cNvCxnSpPr>
+          <p:nvPr/>
+        </p:nvCxnSpPr>
+        <p:spPr>
+          <a:xfrm flipH="1" flipV="1">
+            <a:off x="-13447" y="972511"/>
+            <a:ext cx="18288000" cy="65119"/>
+          </a:xfrm>
+          <a:prstGeom prst="line">
+            <a:avLst/>
+          </a:prstGeom>
+          <a:ln w="38100">
+            <a:solidFill>
+              <a:srgbClr val="4C50BC"/>
+            </a:solidFill>
+          </a:ln>
+        </p:spPr>
+        <p:style>
+          <a:lnRef idx="1">
+            <a:schemeClr val="accent1"/>
+          </a:lnRef>
+          <a:fillRef idx="0">
+            <a:schemeClr val="accent1"/>
+          </a:fillRef>
+          <a:effectRef idx="0">
+            <a:schemeClr val="accent1"/>
+          </a:effectRef>
+          <a:fontRef idx="minor">
+            <a:schemeClr val="tx1"/>
+          </a:fontRef>
+        </p:style>
+      </p:cxnSp>
     </p:spTree>
     <p:extLst>
       <p:ext uri="{BB962C8B-B14F-4D97-AF65-F5344CB8AC3E}">
@@ -20481,7 +21600,7 @@
         </p:nvSpPr>
         <p:spPr>
           <a:xfrm>
-            <a:off x="838200" y="266700"/>
+            <a:off x="838200" y="990600"/>
             <a:ext cx="17449800" cy="4031873"/>
           </a:xfrm>
           <a:prstGeom prst="rect">
@@ -20496,45 +21615,32 @@
           <a:lstStyle/>
           <a:p>
             <a:r>
-              <a:rPr lang="en-US" altLang="ko-KR" sz="4000" dirty="0">
+              <a:rPr lang="ko-KR" altLang="en-US" sz="4000" dirty="0">
                 <a:solidFill>
                   <a:srgbClr val="4C50BC"/>
                 </a:solidFill>
                 <a:latin typeface="G마켓 산스 Medium" panose="02000000000000000000" pitchFamily="50" charset="-127"/>
                 <a:ea typeface="G마켓 산스 Medium" panose="02000000000000000000" pitchFamily="50" charset="-127"/>
               </a:rPr>
-              <a:t>3. </a:t>
-            </a:r>
-            <a:r>
-              <a:rPr lang="ko-KR" altLang="en-US" sz="4000" dirty="0">
+              <a:t>키보드로 성적을 입력 받아  아래의 기준대로 출력 </a:t>
+            </a:r>
+            <a:r>
+              <a:rPr lang="ko-KR" altLang="en-US" sz="4000" dirty="0" err="1">
                 <a:solidFill>
                   <a:srgbClr val="4C50BC"/>
                 </a:solidFill>
                 <a:latin typeface="G마켓 산스 Medium" panose="02000000000000000000" pitchFamily="50" charset="-127"/>
                 <a:ea typeface="G마켓 산스 Medium" panose="02000000000000000000" pitchFamily="50" charset="-127"/>
               </a:rPr>
-              <a:t>키보드로 성적을 입력 받아  아래의 기준대로 출력 </a:t>
-            </a:r>
-            <a:r>
-              <a:rPr lang="ko-KR" altLang="en-US" sz="4000" dirty="0" err="1">
-                <a:solidFill>
-                  <a:srgbClr val="4C50BC"/>
-                </a:solidFill>
-                <a:latin typeface="G마켓 산스 Medium" panose="02000000000000000000" pitchFamily="50" charset="-127"/>
-                <a:ea typeface="G마켓 산스 Medium" panose="02000000000000000000" pitchFamily="50" charset="-127"/>
-              </a:rPr>
               <a:t>하시오</a:t>
             </a:r>
-            <a:r>
-              <a:rPr lang="en-US" altLang="ko-KR" sz="4000" dirty="0">
-                <a:solidFill>
-                  <a:srgbClr val="FF0000"/>
-                </a:solidFill>
-                <a:latin typeface="G마켓 산스 Medium" panose="02000000000000000000" pitchFamily="50" charset="-127"/>
-                <a:ea typeface="G마켓 산스 Medium" panose="02000000000000000000" pitchFamily="50" charset="-127"/>
-              </a:rPr>
-              <a:t>(Normal)</a:t>
-            </a:r>
+            <a:endParaRPr lang="en-US" altLang="ko-KR" sz="4000" dirty="0">
+              <a:solidFill>
+                <a:srgbClr val="FF0000"/>
+              </a:solidFill>
+              <a:latin typeface="G마켓 산스 Medium" panose="02000000000000000000" pitchFamily="50" charset="-127"/>
+              <a:ea typeface="G마켓 산스 Medium" panose="02000000000000000000" pitchFamily="50" charset="-127"/>
+            </a:endParaRPr>
           </a:p>
           <a:p>
             <a:r>
@@ -20991,7 +22097,7 @@
         </p:blipFill>
         <p:spPr>
           <a:xfrm>
-            <a:off x="8763000" y="2052431"/>
+            <a:off x="8763000" y="1943100"/>
             <a:ext cx="7543800" cy="8005969"/>
           </a:xfrm>
           <a:prstGeom prst="rect">
@@ -21032,7 +22138,7 @@
         </p:blipFill>
         <p:spPr>
           <a:xfrm>
-            <a:off x="8724900" y="3576431"/>
+            <a:off x="8724900" y="3467100"/>
             <a:ext cx="7543800" cy="6481969"/>
           </a:xfrm>
           <a:prstGeom prst="rect">
@@ -21054,7 +22160,7 @@
         </p:nvSpPr>
         <p:spPr>
           <a:xfrm>
-            <a:off x="-228600" y="4686300"/>
+            <a:off x="-228600" y="5410200"/>
             <a:ext cx="9372600" cy="1569660"/>
           </a:xfrm>
           <a:prstGeom prst="rect">
@@ -21175,6 +22281,120 @@
           </a:p>
         </p:txBody>
       </p:sp>
+      <p:sp>
+        <p:nvSpPr>
+          <p:cNvPr id="2" name="TextBox 1">
+            <a:extLst>
+              <a:ext uri="{FF2B5EF4-FFF2-40B4-BE49-F238E27FC236}">
+                <a16:creationId xmlns:a16="http://schemas.microsoft.com/office/drawing/2014/main" id="{51727FBD-FBE4-8DA5-061E-3ED27BE2A6D4}"/>
+              </a:ext>
+            </a:extLst>
+          </p:cNvPr>
+          <p:cNvSpPr txBox="1"/>
+          <p:nvPr/>
+        </p:nvSpPr>
+        <p:spPr>
+          <a:xfrm>
+            <a:off x="304800" y="114300"/>
+            <a:ext cx="10972800" cy="923330"/>
+          </a:xfrm>
+          <a:prstGeom prst="rect">
+            <a:avLst/>
+          </a:prstGeom>
+          <a:noFill/>
+        </p:spPr>
+        <p:txBody>
+          <a:bodyPr wrap="square" rtlCol="0">
+            <a:spAutoFit/>
+          </a:bodyPr>
+          <a:lstStyle/>
+          <a:p>
+            <a:r>
+              <a:rPr lang="en-US" altLang="ko-KR" sz="5400" spc="-300" dirty="0">
+                <a:solidFill>
+                  <a:srgbClr val="4C50BC"/>
+                </a:solidFill>
+                <a:latin typeface="G마켓 산스 Bold" panose="02000000000000000000" pitchFamily="50" charset="-127"/>
+                <a:ea typeface="G마켓 산스 Bold" panose="02000000000000000000" pitchFamily="50" charset="-127"/>
+              </a:rPr>
+              <a:t>2-3 </a:t>
+            </a:r>
+            <a:r>
+              <a:rPr lang="ko-KR" altLang="en-US" sz="5400" spc="-300" dirty="0">
+                <a:solidFill>
+                  <a:srgbClr val="4C50BC"/>
+                </a:solidFill>
+                <a:latin typeface="G마켓 산스 Bold" panose="02000000000000000000" pitchFamily="50" charset="-127"/>
+                <a:ea typeface="G마켓 산스 Bold" panose="02000000000000000000" pitchFamily="50" charset="-127"/>
+              </a:rPr>
+              <a:t>실습문제</a:t>
+            </a:r>
+            <a:r>
+              <a:rPr lang="en-US" altLang="ko-KR" sz="5400" spc="-300" dirty="0">
+                <a:solidFill>
+                  <a:srgbClr val="4C50BC"/>
+                </a:solidFill>
+                <a:latin typeface="G마켓 산스 Bold" panose="02000000000000000000" pitchFamily="50" charset="-127"/>
+                <a:ea typeface="G마켓 산스 Bold" panose="02000000000000000000" pitchFamily="50" charset="-127"/>
+              </a:rPr>
+              <a:t> </a:t>
+            </a:r>
+            <a:r>
+              <a:rPr lang="en-US" altLang="ko-KR" sz="5400" spc="-300" dirty="0">
+                <a:solidFill>
+                  <a:srgbClr val="FF0000"/>
+                </a:solidFill>
+                <a:latin typeface="G마켓 산스 Bold" panose="02000000000000000000" pitchFamily="50" charset="-127"/>
+                <a:ea typeface="G마켓 산스 Bold" panose="02000000000000000000" pitchFamily="50" charset="-127"/>
+              </a:rPr>
+              <a:t>(normal)</a:t>
+            </a:r>
+          </a:p>
+        </p:txBody>
+      </p:sp>
+      <p:cxnSp>
+        <p:nvCxnSpPr>
+          <p:cNvPr id="4" name="직선 연결선 3">
+            <a:extLst>
+              <a:ext uri="{FF2B5EF4-FFF2-40B4-BE49-F238E27FC236}">
+                <a16:creationId xmlns:a16="http://schemas.microsoft.com/office/drawing/2014/main" id="{F02AAB96-EDEA-6827-964B-61852A0CCD45}"/>
+              </a:ext>
+            </a:extLst>
+          </p:cNvPr>
+          <p:cNvCxnSpPr>
+            <a:cxnSpLocks/>
+          </p:cNvCxnSpPr>
+          <p:nvPr/>
+        </p:nvCxnSpPr>
+        <p:spPr>
+          <a:xfrm flipH="1" flipV="1">
+            <a:off x="-13447" y="972511"/>
+            <a:ext cx="18288000" cy="65119"/>
+          </a:xfrm>
+          <a:prstGeom prst="line">
+            <a:avLst/>
+          </a:prstGeom>
+          <a:ln w="38100">
+            <a:solidFill>
+              <a:srgbClr val="4C50BC"/>
+            </a:solidFill>
+          </a:ln>
+        </p:spPr>
+        <p:style>
+          <a:lnRef idx="1">
+            <a:schemeClr val="accent1"/>
+          </a:lnRef>
+          <a:fillRef idx="0">
+            <a:schemeClr val="accent1"/>
+          </a:fillRef>
+          <a:effectRef idx="0">
+            <a:schemeClr val="accent1"/>
+          </a:effectRef>
+          <a:fontRef idx="minor">
+            <a:schemeClr val="tx1"/>
+          </a:fontRef>
+        </p:style>
+      </p:cxnSp>
     </p:spTree>
     <p:extLst>
       <p:ext uri="{BB962C8B-B14F-4D97-AF65-F5344CB8AC3E}">
@@ -21235,54 +22455,6 @@
           </a:prstGeom>
         </p:spPr>
       </p:pic>
-      <p:sp>
-        <p:nvSpPr>
-          <p:cNvPr id="5" name="TextBox 4">
-            <a:extLst>
-              <a:ext uri="{FF2B5EF4-FFF2-40B4-BE49-F238E27FC236}">
-                <a16:creationId xmlns:a16="http://schemas.microsoft.com/office/drawing/2014/main" id="{F6C49983-0286-02C6-1649-A3AAC6D3CB4D}"/>
-              </a:ext>
-            </a:extLst>
-          </p:cNvPr>
-          <p:cNvSpPr txBox="1"/>
-          <p:nvPr/>
-        </p:nvSpPr>
-        <p:spPr>
-          <a:xfrm>
-            <a:off x="1905000" y="114806"/>
-            <a:ext cx="1665841" cy="1015663"/>
-          </a:xfrm>
-          <a:prstGeom prst="rect">
-            <a:avLst/>
-          </a:prstGeom>
-          <a:noFill/>
-        </p:spPr>
-        <p:txBody>
-          <a:bodyPr wrap="none" rtlCol="0">
-            <a:spAutoFit/>
-          </a:bodyPr>
-          <a:lstStyle/>
-          <a:p>
-            <a:r>
-              <a:rPr lang="ko-KR" altLang="en-US" sz="6000" dirty="0">
-                <a:solidFill>
-                  <a:srgbClr val="4C50BB"/>
-                </a:solidFill>
-                <a:latin typeface="G마켓 산스 TTF Bold" panose="02000000000000000000" pitchFamily="2" charset="-127"/>
-                <a:ea typeface="G마켓 산스 TTF Bold" panose="02000000000000000000" pitchFamily="2" charset="-127"/>
-              </a:rPr>
-              <a:t>해설</a:t>
-            </a:r>
-            <a:endParaRPr lang="ko-KR" altLang="en-US" sz="800" dirty="0">
-              <a:solidFill>
-                <a:srgbClr val="4C50BB"/>
-              </a:solidFill>
-              <a:latin typeface="G마켓 산스 TTF Bold" panose="02000000000000000000" pitchFamily="2" charset="-127"/>
-              <a:ea typeface="G마켓 산스 TTF Bold" panose="02000000000000000000" pitchFamily="2" charset="-127"/>
-            </a:endParaRPr>
-          </a:p>
-        </p:txBody>
-      </p:sp>
       <p:cxnSp>
         <p:nvCxnSpPr>
           <p:cNvPr id="6" name="직선 화살표 연결선 5">
@@ -21731,6 +22903,120 @@
           </a:p>
         </p:txBody>
       </p:sp>
+      <p:sp>
+        <p:nvSpPr>
+          <p:cNvPr id="2" name="TextBox 1">
+            <a:extLst>
+              <a:ext uri="{FF2B5EF4-FFF2-40B4-BE49-F238E27FC236}">
+                <a16:creationId xmlns:a16="http://schemas.microsoft.com/office/drawing/2014/main" id="{9FAB7C5B-0C62-7AAB-10D4-704357123891}"/>
+              </a:ext>
+            </a:extLst>
+          </p:cNvPr>
+          <p:cNvSpPr txBox="1"/>
+          <p:nvPr/>
+        </p:nvSpPr>
+        <p:spPr>
+          <a:xfrm>
+            <a:off x="304800" y="114300"/>
+            <a:ext cx="10972800" cy="923330"/>
+          </a:xfrm>
+          <a:prstGeom prst="rect">
+            <a:avLst/>
+          </a:prstGeom>
+          <a:noFill/>
+        </p:spPr>
+        <p:txBody>
+          <a:bodyPr wrap="square" rtlCol="0">
+            <a:spAutoFit/>
+          </a:bodyPr>
+          <a:lstStyle/>
+          <a:p>
+            <a:r>
+              <a:rPr lang="en-US" altLang="ko-KR" sz="5400" spc="-300" dirty="0">
+                <a:solidFill>
+                  <a:srgbClr val="4C50BC"/>
+                </a:solidFill>
+                <a:latin typeface="G마켓 산스 Bold" panose="02000000000000000000" pitchFamily="50" charset="-127"/>
+                <a:ea typeface="G마켓 산스 Bold" panose="02000000000000000000" pitchFamily="50" charset="-127"/>
+              </a:rPr>
+              <a:t>2-3 </a:t>
+            </a:r>
+            <a:r>
+              <a:rPr lang="ko-KR" altLang="en-US" sz="5400" spc="-300" dirty="0">
+                <a:solidFill>
+                  <a:srgbClr val="4C50BC"/>
+                </a:solidFill>
+                <a:latin typeface="G마켓 산스 Bold" panose="02000000000000000000" pitchFamily="50" charset="-127"/>
+                <a:ea typeface="G마켓 산스 Bold" panose="02000000000000000000" pitchFamily="50" charset="-127"/>
+              </a:rPr>
+              <a:t>문제풀이</a:t>
+            </a:r>
+            <a:r>
+              <a:rPr lang="en-US" altLang="ko-KR" sz="5400" spc="-300" dirty="0">
+                <a:solidFill>
+                  <a:srgbClr val="4C50BC"/>
+                </a:solidFill>
+                <a:latin typeface="G마켓 산스 Bold" panose="02000000000000000000" pitchFamily="50" charset="-127"/>
+                <a:ea typeface="G마켓 산스 Bold" panose="02000000000000000000" pitchFamily="50" charset="-127"/>
+              </a:rPr>
+              <a:t> </a:t>
+            </a:r>
+            <a:r>
+              <a:rPr lang="en-US" altLang="ko-KR" sz="5400" spc="-300" dirty="0">
+                <a:solidFill>
+                  <a:srgbClr val="FF0000"/>
+                </a:solidFill>
+                <a:latin typeface="G마켓 산스 Bold" panose="02000000000000000000" pitchFamily="50" charset="-127"/>
+                <a:ea typeface="G마켓 산스 Bold" panose="02000000000000000000" pitchFamily="50" charset="-127"/>
+              </a:rPr>
+              <a:t>(normal)</a:t>
+            </a:r>
+          </a:p>
+        </p:txBody>
+      </p:sp>
+      <p:cxnSp>
+        <p:nvCxnSpPr>
+          <p:cNvPr id="3" name="직선 연결선 2">
+            <a:extLst>
+              <a:ext uri="{FF2B5EF4-FFF2-40B4-BE49-F238E27FC236}">
+                <a16:creationId xmlns:a16="http://schemas.microsoft.com/office/drawing/2014/main" id="{E666F6C5-AF6C-F91D-A331-1CB15972289C}"/>
+              </a:ext>
+            </a:extLst>
+          </p:cNvPr>
+          <p:cNvCxnSpPr>
+            <a:cxnSpLocks/>
+          </p:cNvCxnSpPr>
+          <p:nvPr/>
+        </p:nvCxnSpPr>
+        <p:spPr>
+          <a:xfrm flipH="1" flipV="1">
+            <a:off x="-13447" y="972511"/>
+            <a:ext cx="18288000" cy="65119"/>
+          </a:xfrm>
+          <a:prstGeom prst="line">
+            <a:avLst/>
+          </a:prstGeom>
+          <a:ln w="38100">
+            <a:solidFill>
+              <a:srgbClr val="4C50BC"/>
+            </a:solidFill>
+          </a:ln>
+        </p:spPr>
+        <p:style>
+          <a:lnRef idx="1">
+            <a:schemeClr val="accent1"/>
+          </a:lnRef>
+          <a:fillRef idx="0">
+            <a:schemeClr val="accent1"/>
+          </a:fillRef>
+          <a:effectRef idx="0">
+            <a:schemeClr val="accent1"/>
+          </a:effectRef>
+          <a:fontRef idx="minor">
+            <a:schemeClr val="tx1"/>
+          </a:fontRef>
+        </p:style>
+      </p:cxnSp>
     </p:spTree>
     <p:extLst>
       <p:ext uri="{BB962C8B-B14F-4D97-AF65-F5344CB8AC3E}">
@@ -21853,7 +23139,7 @@
         </p:nvSpPr>
         <p:spPr>
           <a:xfrm>
-            <a:off x="228600" y="190500"/>
+            <a:off x="253253" y="1159477"/>
             <a:ext cx="17754600" cy="2308324"/>
           </a:xfrm>
           <a:prstGeom prst="rect">
@@ -21868,6 +23154,16 @@
           <a:lstStyle/>
           <a:p>
             <a:r>
+              <a:rPr lang="ko-KR" altLang="en-US" sz="3600" dirty="0">
+                <a:solidFill>
+                  <a:srgbClr val="4C50BC"/>
+                </a:solidFill>
+                <a:latin typeface="G마켓 산스 Medium" panose="02000000000000000000" pitchFamily="50" charset="-127"/>
+                <a:ea typeface="G마켓 산스 Medium" panose="02000000000000000000" pitchFamily="50" charset="-127"/>
+              </a:rPr>
+              <a:t>랜덤 숫자를 생성하여 가위바위보 게임을 만들자</a:t>
+            </a:r>
+            <a:r>
               <a:rPr lang="en-US" altLang="ko-KR" sz="3600" dirty="0">
                 <a:solidFill>
                   <a:srgbClr val="4C50BC"/>
@@ -21875,7 +23171,7 @@
                 <a:latin typeface="G마켓 산스 Medium" panose="02000000000000000000" pitchFamily="50" charset="-127"/>
                 <a:ea typeface="G마켓 산스 Medium" panose="02000000000000000000" pitchFamily="50" charset="-127"/>
               </a:rPr>
-              <a:t>4. </a:t>
+              <a:t>. (switch</a:t>
             </a:r>
             <a:r>
               <a:rPr lang="ko-KR" altLang="en-US" sz="3600" dirty="0">
@@ -21885,7 +23181,7 @@
                 <a:latin typeface="G마켓 산스 Medium" panose="02000000000000000000" pitchFamily="50" charset="-127"/>
                 <a:ea typeface="G마켓 산스 Medium" panose="02000000000000000000" pitchFamily="50" charset="-127"/>
               </a:rPr>
-              <a:t>랜덤 숫자를 생성하여 가위바위보 게임을 만들자</a:t>
+              <a:t>문을 사용 할 것</a:t>
             </a:r>
             <a:r>
               <a:rPr lang="en-US" altLang="ko-KR" sz="3600" dirty="0">
@@ -21895,45 +23191,8 @@
                 <a:latin typeface="G마켓 산스 Medium" panose="02000000000000000000" pitchFamily="50" charset="-127"/>
                 <a:ea typeface="G마켓 산스 Medium" panose="02000000000000000000" pitchFamily="50" charset="-127"/>
               </a:rPr>
-              <a:t>. (switch</a:t>
-            </a:r>
-            <a:r>
-              <a:rPr lang="ko-KR" altLang="en-US" sz="3600" dirty="0">
-                <a:solidFill>
-                  <a:srgbClr val="4C50BC"/>
-                </a:solidFill>
-                <a:latin typeface="G마켓 산스 Medium" panose="02000000000000000000" pitchFamily="50" charset="-127"/>
-                <a:ea typeface="G마켓 산스 Medium" panose="02000000000000000000" pitchFamily="50" charset="-127"/>
-              </a:rPr>
-              <a:t>문을 사용 할 것</a:t>
-            </a:r>
-            <a:r>
-              <a:rPr lang="en-US" altLang="ko-KR" sz="3600" dirty="0">
-                <a:solidFill>
-                  <a:srgbClr val="4C50BC"/>
-                </a:solidFill>
-                <a:latin typeface="G마켓 산스 Medium" panose="02000000000000000000" pitchFamily="50" charset="-127"/>
-                <a:ea typeface="G마켓 산스 Medium" panose="02000000000000000000" pitchFamily="50" charset="-127"/>
-              </a:rPr>
               <a:t>)</a:t>
             </a:r>
-            <a:r>
-              <a:rPr lang="en-US" altLang="ko-KR" sz="3600" dirty="0">
-                <a:solidFill>
-                  <a:srgbClr val="FF0000"/>
-                </a:solidFill>
-                <a:latin typeface="G마켓 산스 Medium" panose="02000000000000000000" pitchFamily="50" charset="-127"/>
-                <a:ea typeface="G마켓 산스 Medium" panose="02000000000000000000" pitchFamily="50" charset="-127"/>
-              </a:rPr>
-              <a:t> (Hard)</a:t>
-            </a:r>
-            <a:endParaRPr lang="en-US" altLang="ko-KR" sz="3600" dirty="0">
-              <a:solidFill>
-                <a:srgbClr val="4C50BC"/>
-              </a:solidFill>
-              <a:latin typeface="G마켓 산스 Medium" panose="02000000000000000000" pitchFamily="50" charset="-127"/>
-              <a:ea typeface="G마켓 산스 Medium" panose="02000000000000000000" pitchFamily="50" charset="-127"/>
-            </a:endParaRPr>
           </a:p>
           <a:p>
             <a:r>
@@ -22115,7 +23374,7 @@
         </p:blipFill>
         <p:spPr>
           <a:xfrm>
-            <a:off x="1600200" y="2432133"/>
+            <a:off x="1600200" y="3314700"/>
             <a:ext cx="10002741" cy="2308324"/>
           </a:xfrm>
           <a:prstGeom prst="rect">
@@ -22145,7 +23404,7 @@
         </p:blipFill>
         <p:spPr>
           <a:xfrm>
-            <a:off x="1676400" y="5253740"/>
+            <a:off x="1676400" y="5645066"/>
             <a:ext cx="8427176" cy="4004559"/>
           </a:xfrm>
           <a:prstGeom prst="rect">
@@ -22153,6 +23412,120 @@
           </a:prstGeom>
         </p:spPr>
       </p:pic>
+      <p:sp>
+        <p:nvSpPr>
+          <p:cNvPr id="5" name="TextBox 4">
+            <a:extLst>
+              <a:ext uri="{FF2B5EF4-FFF2-40B4-BE49-F238E27FC236}">
+                <a16:creationId xmlns:a16="http://schemas.microsoft.com/office/drawing/2014/main" id="{F6E0C9D7-F6DA-4220-92FB-25CE79236C2C}"/>
+              </a:ext>
+            </a:extLst>
+          </p:cNvPr>
+          <p:cNvSpPr txBox="1"/>
+          <p:nvPr/>
+        </p:nvSpPr>
+        <p:spPr>
+          <a:xfrm>
+            <a:off x="304800" y="114300"/>
+            <a:ext cx="10972800" cy="923330"/>
+          </a:xfrm>
+          <a:prstGeom prst="rect">
+            <a:avLst/>
+          </a:prstGeom>
+          <a:noFill/>
+        </p:spPr>
+        <p:txBody>
+          <a:bodyPr wrap="square" rtlCol="0">
+            <a:spAutoFit/>
+          </a:bodyPr>
+          <a:lstStyle/>
+          <a:p>
+            <a:r>
+              <a:rPr lang="en-US" altLang="ko-KR" sz="5400" spc="-300" dirty="0">
+                <a:solidFill>
+                  <a:srgbClr val="4C50BC"/>
+                </a:solidFill>
+                <a:latin typeface="G마켓 산스 Bold" panose="02000000000000000000" pitchFamily="50" charset="-127"/>
+                <a:ea typeface="G마켓 산스 Bold" panose="02000000000000000000" pitchFamily="50" charset="-127"/>
+              </a:rPr>
+              <a:t>2-4 </a:t>
+            </a:r>
+            <a:r>
+              <a:rPr lang="ko-KR" altLang="en-US" sz="5400" spc="-300" dirty="0">
+                <a:solidFill>
+                  <a:srgbClr val="4C50BC"/>
+                </a:solidFill>
+                <a:latin typeface="G마켓 산스 Bold" panose="02000000000000000000" pitchFamily="50" charset="-127"/>
+                <a:ea typeface="G마켓 산스 Bold" panose="02000000000000000000" pitchFamily="50" charset="-127"/>
+              </a:rPr>
+              <a:t>실습문제</a:t>
+            </a:r>
+            <a:r>
+              <a:rPr lang="en-US" altLang="ko-KR" sz="5400" spc="-300" dirty="0">
+                <a:solidFill>
+                  <a:srgbClr val="4C50BC"/>
+                </a:solidFill>
+                <a:latin typeface="G마켓 산스 Bold" panose="02000000000000000000" pitchFamily="50" charset="-127"/>
+                <a:ea typeface="G마켓 산스 Bold" panose="02000000000000000000" pitchFamily="50" charset="-127"/>
+              </a:rPr>
+              <a:t> </a:t>
+            </a:r>
+            <a:r>
+              <a:rPr lang="en-US" altLang="ko-KR" sz="5400" spc="-300" dirty="0">
+                <a:solidFill>
+                  <a:srgbClr val="FF0000"/>
+                </a:solidFill>
+                <a:latin typeface="G마켓 산스 Bold" panose="02000000000000000000" pitchFamily="50" charset="-127"/>
+                <a:ea typeface="G마켓 산스 Bold" panose="02000000000000000000" pitchFamily="50" charset="-127"/>
+              </a:rPr>
+              <a:t>(Hard)</a:t>
+            </a:r>
+          </a:p>
+        </p:txBody>
+      </p:sp>
+      <p:cxnSp>
+        <p:nvCxnSpPr>
+          <p:cNvPr id="7" name="직선 연결선 6">
+            <a:extLst>
+              <a:ext uri="{FF2B5EF4-FFF2-40B4-BE49-F238E27FC236}">
+                <a16:creationId xmlns:a16="http://schemas.microsoft.com/office/drawing/2014/main" id="{6A94096E-FA85-702F-D2BC-3845B3D0285C}"/>
+              </a:ext>
+            </a:extLst>
+          </p:cNvPr>
+          <p:cNvCxnSpPr>
+            <a:cxnSpLocks/>
+          </p:cNvCxnSpPr>
+          <p:nvPr/>
+        </p:nvCxnSpPr>
+        <p:spPr>
+          <a:xfrm flipH="1" flipV="1">
+            <a:off x="-13447" y="972511"/>
+            <a:ext cx="18288000" cy="65119"/>
+          </a:xfrm>
+          <a:prstGeom prst="line">
+            <a:avLst/>
+          </a:prstGeom>
+          <a:ln w="38100">
+            <a:solidFill>
+              <a:srgbClr val="4C50BC"/>
+            </a:solidFill>
+          </a:ln>
+        </p:spPr>
+        <p:style>
+          <a:lnRef idx="1">
+            <a:schemeClr val="accent1"/>
+          </a:lnRef>
+          <a:fillRef idx="0">
+            <a:schemeClr val="accent1"/>
+          </a:fillRef>
+          <a:effectRef idx="0">
+            <a:schemeClr val="accent1"/>
+          </a:effectRef>
+          <a:fontRef idx="minor">
+            <a:schemeClr val="tx1"/>
+          </a:fontRef>
+        </p:style>
+      </p:cxnSp>
     </p:spTree>
     <p:extLst>
       <p:ext uri="{BB962C8B-B14F-4D97-AF65-F5344CB8AC3E}">
@@ -22213,54 +23586,6 @@
           </a:prstGeom>
         </p:spPr>
       </p:pic>
-      <p:sp>
-        <p:nvSpPr>
-          <p:cNvPr id="6" name="TextBox 5">
-            <a:extLst>
-              <a:ext uri="{FF2B5EF4-FFF2-40B4-BE49-F238E27FC236}">
-                <a16:creationId xmlns:a16="http://schemas.microsoft.com/office/drawing/2014/main" id="{B6DBAEAA-9F6D-1FC7-9A6A-EC50D016E328}"/>
-              </a:ext>
-            </a:extLst>
-          </p:cNvPr>
-          <p:cNvSpPr txBox="1"/>
-          <p:nvPr/>
-        </p:nvSpPr>
-        <p:spPr>
-          <a:xfrm>
-            <a:off x="685800" y="190500"/>
-            <a:ext cx="1665841" cy="1015663"/>
-          </a:xfrm>
-          <a:prstGeom prst="rect">
-            <a:avLst/>
-          </a:prstGeom>
-          <a:noFill/>
-        </p:spPr>
-        <p:txBody>
-          <a:bodyPr wrap="none" rtlCol="0">
-            <a:spAutoFit/>
-          </a:bodyPr>
-          <a:lstStyle/>
-          <a:p>
-            <a:r>
-              <a:rPr lang="ko-KR" altLang="en-US" sz="6000" dirty="0">
-                <a:solidFill>
-                  <a:srgbClr val="4C50BB"/>
-                </a:solidFill>
-                <a:latin typeface="G마켓 산스 TTF Bold" panose="02000000000000000000" pitchFamily="2" charset="-127"/>
-                <a:ea typeface="G마켓 산스 TTF Bold" panose="02000000000000000000" pitchFamily="2" charset="-127"/>
-              </a:rPr>
-              <a:t>해설</a:t>
-            </a:r>
-            <a:endParaRPr lang="ko-KR" altLang="en-US" sz="800" dirty="0">
-              <a:solidFill>
-                <a:srgbClr val="4C50BB"/>
-              </a:solidFill>
-              <a:latin typeface="G마켓 산스 TTF Bold" panose="02000000000000000000" pitchFamily="2" charset="-127"/>
-              <a:ea typeface="G마켓 산스 TTF Bold" panose="02000000000000000000" pitchFamily="2" charset="-127"/>
-            </a:endParaRPr>
-          </a:p>
-        </p:txBody>
-      </p:sp>
       <p:cxnSp>
         <p:nvCxnSpPr>
           <p:cNvPr id="7" name="직선 화살표 연결선 6">
@@ -22671,6 +23996,120 @@
           </a:p>
         </p:txBody>
       </p:sp>
+      <p:sp>
+        <p:nvSpPr>
+          <p:cNvPr id="2" name="TextBox 1">
+            <a:extLst>
+              <a:ext uri="{FF2B5EF4-FFF2-40B4-BE49-F238E27FC236}">
+                <a16:creationId xmlns:a16="http://schemas.microsoft.com/office/drawing/2014/main" id="{FAB1FD16-D1B3-D03F-55E9-145D6099B59A}"/>
+              </a:ext>
+            </a:extLst>
+          </p:cNvPr>
+          <p:cNvSpPr txBox="1"/>
+          <p:nvPr/>
+        </p:nvSpPr>
+        <p:spPr>
+          <a:xfrm>
+            <a:off x="304800" y="114300"/>
+            <a:ext cx="10972800" cy="923330"/>
+          </a:xfrm>
+          <a:prstGeom prst="rect">
+            <a:avLst/>
+          </a:prstGeom>
+          <a:noFill/>
+        </p:spPr>
+        <p:txBody>
+          <a:bodyPr wrap="square" rtlCol="0">
+            <a:spAutoFit/>
+          </a:bodyPr>
+          <a:lstStyle/>
+          <a:p>
+            <a:r>
+              <a:rPr lang="en-US" altLang="ko-KR" sz="5400" spc="-300" dirty="0">
+                <a:solidFill>
+                  <a:srgbClr val="4C50BC"/>
+                </a:solidFill>
+                <a:latin typeface="G마켓 산스 Bold" panose="02000000000000000000" pitchFamily="50" charset="-127"/>
+                <a:ea typeface="G마켓 산스 Bold" panose="02000000000000000000" pitchFamily="50" charset="-127"/>
+              </a:rPr>
+              <a:t>2-4 </a:t>
+            </a:r>
+            <a:r>
+              <a:rPr lang="ko-KR" altLang="en-US" sz="5400" spc="-300" dirty="0">
+                <a:solidFill>
+                  <a:srgbClr val="4C50BC"/>
+                </a:solidFill>
+                <a:latin typeface="G마켓 산스 Bold" panose="02000000000000000000" pitchFamily="50" charset="-127"/>
+                <a:ea typeface="G마켓 산스 Bold" panose="02000000000000000000" pitchFamily="50" charset="-127"/>
+              </a:rPr>
+              <a:t>문제풀이</a:t>
+            </a:r>
+            <a:r>
+              <a:rPr lang="en-US" altLang="ko-KR" sz="5400" spc="-300" dirty="0">
+                <a:solidFill>
+                  <a:srgbClr val="4C50BC"/>
+                </a:solidFill>
+                <a:latin typeface="G마켓 산스 Bold" panose="02000000000000000000" pitchFamily="50" charset="-127"/>
+                <a:ea typeface="G마켓 산스 Bold" panose="02000000000000000000" pitchFamily="50" charset="-127"/>
+              </a:rPr>
+              <a:t> </a:t>
+            </a:r>
+            <a:r>
+              <a:rPr lang="en-US" altLang="ko-KR" sz="5400" spc="-300" dirty="0">
+                <a:solidFill>
+                  <a:srgbClr val="FF0000"/>
+                </a:solidFill>
+                <a:latin typeface="G마켓 산스 Bold" panose="02000000000000000000" pitchFamily="50" charset="-127"/>
+                <a:ea typeface="G마켓 산스 Bold" panose="02000000000000000000" pitchFamily="50" charset="-127"/>
+              </a:rPr>
+              <a:t>(Hard)</a:t>
+            </a:r>
+          </a:p>
+        </p:txBody>
+      </p:sp>
+      <p:cxnSp>
+        <p:nvCxnSpPr>
+          <p:cNvPr id="3" name="직선 연결선 2">
+            <a:extLst>
+              <a:ext uri="{FF2B5EF4-FFF2-40B4-BE49-F238E27FC236}">
+                <a16:creationId xmlns:a16="http://schemas.microsoft.com/office/drawing/2014/main" id="{ACF35B63-5ABA-C5D8-FC71-2D144E999321}"/>
+              </a:ext>
+            </a:extLst>
+          </p:cNvPr>
+          <p:cNvCxnSpPr>
+            <a:cxnSpLocks/>
+          </p:cNvCxnSpPr>
+          <p:nvPr/>
+        </p:nvCxnSpPr>
+        <p:spPr>
+          <a:xfrm flipH="1" flipV="1">
+            <a:off x="-13447" y="972511"/>
+            <a:ext cx="18288000" cy="65119"/>
+          </a:xfrm>
+          <a:prstGeom prst="line">
+            <a:avLst/>
+          </a:prstGeom>
+          <a:ln w="38100">
+            <a:solidFill>
+              <a:srgbClr val="4C50BC"/>
+            </a:solidFill>
+          </a:ln>
+        </p:spPr>
+        <p:style>
+          <a:lnRef idx="1">
+            <a:schemeClr val="accent1"/>
+          </a:lnRef>
+          <a:fillRef idx="0">
+            <a:schemeClr val="accent1"/>
+          </a:fillRef>
+          <a:effectRef idx="0">
+            <a:schemeClr val="accent1"/>
+          </a:effectRef>
+          <a:fontRef idx="minor">
+            <a:schemeClr val="tx1"/>
+          </a:fontRef>
+        </p:style>
+      </p:cxnSp>
     </p:spTree>
     <p:extLst>
       <p:ext uri="{BB962C8B-B14F-4D97-AF65-F5344CB8AC3E}">
@@ -22779,54 +24218,6 @@
           <a:chExt cx="0" cy="0"/>
         </a:xfrm>
       </p:grpSpPr>
-      <p:sp>
-        <p:nvSpPr>
-          <p:cNvPr id="4" name="TextBox 3">
-            <a:extLst>
-              <a:ext uri="{FF2B5EF4-FFF2-40B4-BE49-F238E27FC236}">
-                <a16:creationId xmlns:a16="http://schemas.microsoft.com/office/drawing/2014/main" id="{3EA6FC68-1468-876D-65F8-927315D43FB0}"/>
-              </a:ext>
-            </a:extLst>
-          </p:cNvPr>
-          <p:cNvSpPr txBox="1"/>
-          <p:nvPr/>
-        </p:nvSpPr>
-        <p:spPr>
-          <a:xfrm>
-            <a:off x="685800" y="190500"/>
-            <a:ext cx="1665841" cy="1015663"/>
-          </a:xfrm>
-          <a:prstGeom prst="rect">
-            <a:avLst/>
-          </a:prstGeom>
-          <a:noFill/>
-        </p:spPr>
-        <p:txBody>
-          <a:bodyPr wrap="none" rtlCol="0">
-            <a:spAutoFit/>
-          </a:bodyPr>
-          <a:lstStyle/>
-          <a:p>
-            <a:r>
-              <a:rPr lang="ko-KR" altLang="en-US" sz="6000" dirty="0">
-                <a:solidFill>
-                  <a:srgbClr val="4C50BB"/>
-                </a:solidFill>
-                <a:latin typeface="G마켓 산스 TTF Bold" panose="02000000000000000000" pitchFamily="2" charset="-127"/>
-                <a:ea typeface="G마켓 산스 TTF Bold" panose="02000000000000000000" pitchFamily="2" charset="-127"/>
-              </a:rPr>
-              <a:t>해설</a:t>
-            </a:r>
-            <a:endParaRPr lang="ko-KR" altLang="en-US" sz="800" dirty="0">
-              <a:solidFill>
-                <a:srgbClr val="4C50BB"/>
-              </a:solidFill>
-              <a:latin typeface="G마켓 산스 TTF Bold" panose="02000000000000000000" pitchFamily="2" charset="-127"/>
-              <a:ea typeface="G마켓 산스 TTF Bold" panose="02000000000000000000" pitchFamily="2" charset="-127"/>
-            </a:endParaRPr>
-          </a:p>
-        </p:txBody>
-      </p:sp>
       <p:pic>
         <p:nvPicPr>
           <p:cNvPr id="6" name="그림 5">
@@ -22849,7 +24240,7 @@
         </p:blipFill>
         <p:spPr>
           <a:xfrm>
-            <a:off x="3124200" y="425440"/>
+            <a:off x="3124200" y="1067043"/>
             <a:ext cx="9606480" cy="8648457"/>
           </a:xfrm>
           <a:prstGeom prst="rect">
@@ -22874,7 +24265,7 @@
         </p:nvCxnSpPr>
         <p:spPr>
           <a:xfrm>
-            <a:off x="6710880" y="2229177"/>
+            <a:off x="6710880" y="2870780"/>
             <a:ext cx="3652320" cy="1505486"/>
           </a:xfrm>
           <a:prstGeom prst="straightConnector1">
@@ -22913,7 +24304,7 @@
         </p:nvSpPr>
         <p:spPr>
           <a:xfrm>
-            <a:off x="5263080" y="1924377"/>
+            <a:off x="5263080" y="2565980"/>
             <a:ext cx="1447800" cy="457200"/>
           </a:xfrm>
           <a:prstGeom prst="rect">
@@ -22965,7 +24356,7 @@
         </p:nvSpPr>
         <p:spPr>
           <a:xfrm>
-            <a:off x="10363200" y="2857500"/>
+            <a:off x="10363200" y="3499103"/>
             <a:ext cx="7924800" cy="1754326"/>
           </a:xfrm>
           <a:prstGeom prst="rect">
@@ -23026,7 +24417,7 @@
         </p:nvSpPr>
         <p:spPr>
           <a:xfrm>
-            <a:off x="1828800" y="9265503"/>
+            <a:off x="3810000" y="9341703"/>
             <a:ext cx="15163800" cy="830997"/>
           </a:xfrm>
           <a:prstGeom prst="rect">
@@ -23077,8 +24468,8 @@
         </p:nvSpPr>
         <p:spPr>
           <a:xfrm>
-            <a:off x="762000" y="1132716"/>
-            <a:ext cx="17373599" cy="8963784"/>
+            <a:off x="304800" y="1037629"/>
+            <a:ext cx="17678400" cy="8917551"/>
           </a:xfrm>
           <a:prstGeom prst="rect">
             <a:avLst/>
@@ -23115,6 +24506,120 @@
           </a:p>
         </p:txBody>
       </p:sp>
+      <p:sp>
+        <p:nvSpPr>
+          <p:cNvPr id="2" name="TextBox 1">
+            <a:extLst>
+              <a:ext uri="{FF2B5EF4-FFF2-40B4-BE49-F238E27FC236}">
+                <a16:creationId xmlns:a16="http://schemas.microsoft.com/office/drawing/2014/main" id="{B64270C9-1889-F782-B3AA-57C27F8CABBB}"/>
+              </a:ext>
+            </a:extLst>
+          </p:cNvPr>
+          <p:cNvSpPr txBox="1"/>
+          <p:nvPr/>
+        </p:nvSpPr>
+        <p:spPr>
+          <a:xfrm>
+            <a:off x="304800" y="114300"/>
+            <a:ext cx="10972800" cy="923330"/>
+          </a:xfrm>
+          <a:prstGeom prst="rect">
+            <a:avLst/>
+          </a:prstGeom>
+          <a:noFill/>
+        </p:spPr>
+        <p:txBody>
+          <a:bodyPr wrap="square" rtlCol="0">
+            <a:spAutoFit/>
+          </a:bodyPr>
+          <a:lstStyle/>
+          <a:p>
+            <a:r>
+              <a:rPr lang="en-US" altLang="ko-KR" sz="5400" spc="-300" dirty="0">
+                <a:solidFill>
+                  <a:srgbClr val="4C50BC"/>
+                </a:solidFill>
+                <a:latin typeface="G마켓 산스 Bold" panose="02000000000000000000" pitchFamily="50" charset="-127"/>
+                <a:ea typeface="G마켓 산스 Bold" panose="02000000000000000000" pitchFamily="50" charset="-127"/>
+              </a:rPr>
+              <a:t>2-4 </a:t>
+            </a:r>
+            <a:r>
+              <a:rPr lang="ko-KR" altLang="en-US" sz="5400" spc="-300" dirty="0">
+                <a:solidFill>
+                  <a:srgbClr val="4C50BC"/>
+                </a:solidFill>
+                <a:latin typeface="G마켓 산스 Bold" panose="02000000000000000000" pitchFamily="50" charset="-127"/>
+                <a:ea typeface="G마켓 산스 Bold" panose="02000000000000000000" pitchFamily="50" charset="-127"/>
+              </a:rPr>
+              <a:t>문제풀이</a:t>
+            </a:r>
+            <a:r>
+              <a:rPr lang="en-US" altLang="ko-KR" sz="5400" spc="-300" dirty="0">
+                <a:solidFill>
+                  <a:srgbClr val="4C50BC"/>
+                </a:solidFill>
+                <a:latin typeface="G마켓 산스 Bold" panose="02000000000000000000" pitchFamily="50" charset="-127"/>
+                <a:ea typeface="G마켓 산스 Bold" panose="02000000000000000000" pitchFamily="50" charset="-127"/>
+              </a:rPr>
+              <a:t> </a:t>
+            </a:r>
+            <a:r>
+              <a:rPr lang="en-US" altLang="ko-KR" sz="5400" spc="-300" dirty="0">
+                <a:solidFill>
+                  <a:srgbClr val="FF0000"/>
+                </a:solidFill>
+                <a:latin typeface="G마켓 산스 Bold" panose="02000000000000000000" pitchFamily="50" charset="-127"/>
+                <a:ea typeface="G마켓 산스 Bold" panose="02000000000000000000" pitchFamily="50" charset="-127"/>
+              </a:rPr>
+              <a:t>(Hard)</a:t>
+            </a:r>
+          </a:p>
+        </p:txBody>
+      </p:sp>
+      <p:cxnSp>
+        <p:nvCxnSpPr>
+          <p:cNvPr id="3" name="직선 연결선 2">
+            <a:extLst>
+              <a:ext uri="{FF2B5EF4-FFF2-40B4-BE49-F238E27FC236}">
+                <a16:creationId xmlns:a16="http://schemas.microsoft.com/office/drawing/2014/main" id="{50656F11-6DCD-2005-F5FE-E892A19D786A}"/>
+              </a:ext>
+            </a:extLst>
+          </p:cNvPr>
+          <p:cNvCxnSpPr>
+            <a:cxnSpLocks/>
+          </p:cNvCxnSpPr>
+          <p:nvPr/>
+        </p:nvCxnSpPr>
+        <p:spPr>
+          <a:xfrm flipH="1" flipV="1">
+            <a:off x="-13447" y="972511"/>
+            <a:ext cx="18288000" cy="65119"/>
+          </a:xfrm>
+          <a:prstGeom prst="line">
+            <a:avLst/>
+          </a:prstGeom>
+          <a:ln w="38100">
+            <a:solidFill>
+              <a:srgbClr val="4C50BC"/>
+            </a:solidFill>
+          </a:ln>
+        </p:spPr>
+        <p:style>
+          <a:lnRef idx="1">
+            <a:schemeClr val="accent1"/>
+          </a:lnRef>
+          <a:fillRef idx="0">
+            <a:schemeClr val="accent1"/>
+          </a:fillRef>
+          <a:effectRef idx="0">
+            <a:schemeClr val="accent1"/>
+          </a:effectRef>
+          <a:fontRef idx="minor">
+            <a:schemeClr val="tx1"/>
+          </a:fontRef>
+        </p:style>
+      </p:cxnSp>
     </p:spTree>
     <p:extLst>
       <p:ext uri="{BB962C8B-B14F-4D97-AF65-F5344CB8AC3E}">
@@ -23237,8 +24742,8 @@
         </p:nvSpPr>
         <p:spPr>
           <a:xfrm>
-            <a:off x="381000" y="342900"/>
-            <a:ext cx="17754600" cy="1200329"/>
+            <a:off x="283029" y="1249510"/>
+            <a:ext cx="17754600" cy="646331"/>
           </a:xfrm>
           <a:prstGeom prst="rect">
             <a:avLst/>
@@ -23259,7 +24764,7 @@
                 <a:latin typeface="G마켓 산스 Medium" panose="02000000000000000000" pitchFamily="50" charset="-127"/>
                 <a:ea typeface="G마켓 산스 Medium" panose="02000000000000000000" pitchFamily="50" charset="-127"/>
               </a:rPr>
-              <a:t>5. 4</a:t>
+              <a:t>4</a:t>
             </a:r>
             <a:r>
               <a:rPr lang="ko-KR" altLang="en-US" sz="3600" dirty="0">
@@ -23309,28 +24814,6 @@
               <a:ea typeface="G마켓 산스 Medium" panose="02000000000000000000" pitchFamily="50" charset="-127"/>
             </a:endParaRPr>
           </a:p>
-          <a:p>
-            <a:r>
-              <a:rPr lang="ko-KR" altLang="en-US" sz="3600" dirty="0">
-                <a:solidFill>
-                  <a:srgbClr val="4C50BC"/>
-                </a:solidFill>
-                <a:latin typeface="G마켓 산스 Medium" panose="02000000000000000000" pitchFamily="50" charset="-127"/>
-                <a:ea typeface="G마켓 산스 Medium" panose="02000000000000000000" pitchFamily="50" charset="-127"/>
-              </a:rPr>
-              <a:t>   </a:t>
-            </a:r>
-            <a:r>
-              <a:rPr lang="en-US" altLang="ko-KR" sz="3600" dirty="0">
-                <a:solidFill>
-                  <a:srgbClr val="FF0000"/>
-                </a:solidFill>
-                <a:latin typeface="G마켓 산스 Medium" panose="02000000000000000000" pitchFamily="50" charset="-127"/>
-                <a:ea typeface="G마켓 산스 Medium" panose="02000000000000000000" pitchFamily="50" charset="-127"/>
-              </a:rPr>
-              <a:t>(Expert)   </a:t>
-            </a:r>
-          </a:p>
         </p:txBody>
       </p:sp>
       <p:pic>
@@ -23355,7 +24838,7 @@
         </p:blipFill>
         <p:spPr>
           <a:xfrm>
-            <a:off x="3429000" y="1931769"/>
+            <a:off x="3429000" y="1990975"/>
             <a:ext cx="9460073" cy="8240931"/>
           </a:xfrm>
           <a:prstGeom prst="rect">
@@ -23363,54 +24846,6 @@
           </a:prstGeom>
         </p:spPr>
       </p:pic>
-      <p:sp>
-        <p:nvSpPr>
-          <p:cNvPr id="9" name="TextBox 8">
-            <a:extLst>
-              <a:ext uri="{FF2B5EF4-FFF2-40B4-BE49-F238E27FC236}">
-                <a16:creationId xmlns:a16="http://schemas.microsoft.com/office/drawing/2014/main" id="{CE8264BE-61CF-244C-F140-08B10B6E0850}"/>
-              </a:ext>
-            </a:extLst>
-          </p:cNvPr>
-          <p:cNvSpPr txBox="1"/>
-          <p:nvPr/>
-        </p:nvSpPr>
-        <p:spPr>
-          <a:xfrm>
-            <a:off x="1447800" y="1807695"/>
-            <a:ext cx="1665841" cy="1015663"/>
-          </a:xfrm>
-          <a:prstGeom prst="rect">
-            <a:avLst/>
-          </a:prstGeom>
-          <a:noFill/>
-        </p:spPr>
-        <p:txBody>
-          <a:bodyPr wrap="none" rtlCol="0">
-            <a:spAutoFit/>
-          </a:bodyPr>
-          <a:lstStyle/>
-          <a:p>
-            <a:r>
-              <a:rPr lang="ko-KR" altLang="en-US" sz="6000" dirty="0">
-                <a:solidFill>
-                  <a:srgbClr val="4C50BB"/>
-                </a:solidFill>
-                <a:latin typeface="G마켓 산스 TTF Bold" panose="02000000000000000000" pitchFamily="2" charset="-127"/>
-                <a:ea typeface="G마켓 산스 TTF Bold" panose="02000000000000000000" pitchFamily="2" charset="-127"/>
-              </a:rPr>
-              <a:t>해설</a:t>
-            </a:r>
-            <a:endParaRPr lang="ko-KR" altLang="en-US" sz="800" dirty="0">
-              <a:solidFill>
-                <a:srgbClr val="4C50BB"/>
-              </a:solidFill>
-              <a:latin typeface="G마켓 산스 TTF Bold" panose="02000000000000000000" pitchFamily="2" charset="-127"/>
-              <a:ea typeface="G마켓 산스 TTF Bold" panose="02000000000000000000" pitchFamily="2" charset="-127"/>
-            </a:endParaRPr>
-          </a:p>
-        </p:txBody>
-      </p:sp>
       <p:cxnSp>
         <p:nvCxnSpPr>
           <p:cNvPr id="10" name="직선 화살표 연결선 9">
@@ -23427,7 +24862,7 @@
         </p:nvCxnSpPr>
         <p:spPr>
           <a:xfrm>
-            <a:off x="7010400" y="6896100"/>
+            <a:off x="7010400" y="6955306"/>
             <a:ext cx="1219200" cy="0"/>
           </a:xfrm>
           <a:prstGeom prst="straightConnector1">
@@ -23466,7 +24901,7 @@
         </p:nvSpPr>
         <p:spPr>
           <a:xfrm>
-            <a:off x="4419600" y="6591300"/>
+            <a:off x="4419600" y="6650506"/>
             <a:ext cx="2590800" cy="457200"/>
           </a:xfrm>
           <a:prstGeom prst="rect">
@@ -23518,7 +24953,7 @@
         </p:nvSpPr>
         <p:spPr>
           <a:xfrm>
-            <a:off x="8534400" y="6448335"/>
+            <a:off x="8534400" y="6507541"/>
             <a:ext cx="9067800" cy="1200329"/>
           </a:xfrm>
           <a:prstGeom prst="rect">
@@ -23589,7 +25024,7 @@
         </p:nvSpPr>
         <p:spPr>
           <a:xfrm>
-            <a:off x="762000" y="1807694"/>
+            <a:off x="645887" y="1990975"/>
             <a:ext cx="17373599" cy="8288805"/>
           </a:xfrm>
           <a:prstGeom prst="rect">
@@ -23627,6 +25062,120 @@
           </a:p>
         </p:txBody>
       </p:sp>
+      <p:sp>
+        <p:nvSpPr>
+          <p:cNvPr id="2" name="TextBox 1">
+            <a:extLst>
+              <a:ext uri="{FF2B5EF4-FFF2-40B4-BE49-F238E27FC236}">
+                <a16:creationId xmlns:a16="http://schemas.microsoft.com/office/drawing/2014/main" id="{5F4F9B02-8DFF-BEC3-C7C9-89B534A10472}"/>
+              </a:ext>
+            </a:extLst>
+          </p:cNvPr>
+          <p:cNvSpPr txBox="1"/>
+          <p:nvPr/>
+        </p:nvSpPr>
+        <p:spPr>
+          <a:xfrm>
+            <a:off x="304800" y="114300"/>
+            <a:ext cx="10972800" cy="923330"/>
+          </a:xfrm>
+          <a:prstGeom prst="rect">
+            <a:avLst/>
+          </a:prstGeom>
+          <a:noFill/>
+        </p:spPr>
+        <p:txBody>
+          <a:bodyPr wrap="square" rtlCol="0">
+            <a:spAutoFit/>
+          </a:bodyPr>
+          <a:lstStyle/>
+          <a:p>
+            <a:r>
+              <a:rPr lang="en-US" altLang="ko-KR" sz="5400" spc="-300" dirty="0">
+                <a:solidFill>
+                  <a:srgbClr val="4C50BC"/>
+                </a:solidFill>
+                <a:latin typeface="G마켓 산스 Bold" panose="02000000000000000000" pitchFamily="50" charset="-127"/>
+                <a:ea typeface="G마켓 산스 Bold" panose="02000000000000000000" pitchFamily="50" charset="-127"/>
+              </a:rPr>
+              <a:t>2-5 </a:t>
+            </a:r>
+            <a:r>
+              <a:rPr lang="ko-KR" altLang="en-US" sz="5400" spc="-300" dirty="0">
+                <a:solidFill>
+                  <a:srgbClr val="4C50BC"/>
+                </a:solidFill>
+                <a:latin typeface="G마켓 산스 Bold" panose="02000000000000000000" pitchFamily="50" charset="-127"/>
+                <a:ea typeface="G마켓 산스 Bold" panose="02000000000000000000" pitchFamily="50" charset="-127"/>
+              </a:rPr>
+              <a:t>실습문제</a:t>
+            </a:r>
+            <a:r>
+              <a:rPr lang="en-US" altLang="ko-KR" sz="5400" spc="-300" dirty="0">
+                <a:solidFill>
+                  <a:srgbClr val="4C50BC"/>
+                </a:solidFill>
+                <a:latin typeface="G마켓 산스 Bold" panose="02000000000000000000" pitchFamily="50" charset="-127"/>
+                <a:ea typeface="G마켓 산스 Bold" panose="02000000000000000000" pitchFamily="50" charset="-127"/>
+              </a:rPr>
+              <a:t> </a:t>
+            </a:r>
+            <a:r>
+              <a:rPr lang="en-US" altLang="ko-KR" sz="5400" spc="-300" dirty="0">
+                <a:solidFill>
+                  <a:srgbClr val="FF0000"/>
+                </a:solidFill>
+                <a:latin typeface="G마켓 산스 Bold" panose="02000000000000000000" pitchFamily="50" charset="-127"/>
+                <a:ea typeface="G마켓 산스 Bold" panose="02000000000000000000" pitchFamily="50" charset="-127"/>
+              </a:rPr>
+              <a:t>(Expert)</a:t>
+            </a:r>
+          </a:p>
+        </p:txBody>
+      </p:sp>
+      <p:cxnSp>
+        <p:nvCxnSpPr>
+          <p:cNvPr id="3" name="직선 연결선 2">
+            <a:extLst>
+              <a:ext uri="{FF2B5EF4-FFF2-40B4-BE49-F238E27FC236}">
+                <a16:creationId xmlns:a16="http://schemas.microsoft.com/office/drawing/2014/main" id="{9E9EAB71-32CF-AF18-2110-D5A17126ABB8}"/>
+              </a:ext>
+            </a:extLst>
+          </p:cNvPr>
+          <p:cNvCxnSpPr>
+            <a:cxnSpLocks/>
+          </p:cNvCxnSpPr>
+          <p:nvPr/>
+        </p:nvCxnSpPr>
+        <p:spPr>
+          <a:xfrm flipH="1" flipV="1">
+            <a:off x="-13447" y="972511"/>
+            <a:ext cx="18288000" cy="65119"/>
+          </a:xfrm>
+          <a:prstGeom prst="line">
+            <a:avLst/>
+          </a:prstGeom>
+          <a:ln w="38100">
+            <a:solidFill>
+              <a:srgbClr val="4C50BC"/>
+            </a:solidFill>
+          </a:ln>
+        </p:spPr>
+        <p:style>
+          <a:lnRef idx="1">
+            <a:schemeClr val="accent1"/>
+          </a:lnRef>
+          <a:fillRef idx="0">
+            <a:schemeClr val="accent1"/>
+          </a:fillRef>
+          <a:effectRef idx="0">
+            <a:schemeClr val="accent1"/>
+          </a:effectRef>
+          <a:fontRef idx="minor">
+            <a:schemeClr val="tx1"/>
+          </a:fontRef>
+        </p:style>
+      </p:cxnSp>
     </p:spTree>
     <p:extLst>
       <p:ext uri="{BB962C8B-B14F-4D97-AF65-F5344CB8AC3E}">
@@ -23735,54 +25284,6 @@
           <a:chExt cx="0" cy="0"/>
         </a:xfrm>
       </p:grpSpPr>
-      <p:sp>
-        <p:nvSpPr>
-          <p:cNvPr id="4" name="TextBox 3">
-            <a:extLst>
-              <a:ext uri="{FF2B5EF4-FFF2-40B4-BE49-F238E27FC236}">
-                <a16:creationId xmlns:a16="http://schemas.microsoft.com/office/drawing/2014/main" id="{9EA7D70E-5B83-0EB5-F52E-2BF43C50AC41}"/>
-              </a:ext>
-            </a:extLst>
-          </p:cNvPr>
-          <p:cNvSpPr txBox="1"/>
-          <p:nvPr/>
-        </p:nvSpPr>
-        <p:spPr>
-          <a:xfrm>
-            <a:off x="685800" y="419100"/>
-            <a:ext cx="1665841" cy="1015663"/>
-          </a:xfrm>
-          <a:prstGeom prst="rect">
-            <a:avLst/>
-          </a:prstGeom>
-          <a:noFill/>
-        </p:spPr>
-        <p:txBody>
-          <a:bodyPr wrap="none" rtlCol="0">
-            <a:spAutoFit/>
-          </a:bodyPr>
-          <a:lstStyle/>
-          <a:p>
-            <a:r>
-              <a:rPr lang="ko-KR" altLang="en-US" sz="6000" dirty="0">
-                <a:solidFill>
-                  <a:srgbClr val="4C50BB"/>
-                </a:solidFill>
-                <a:latin typeface="G마켓 산스 TTF Bold" panose="02000000000000000000" pitchFamily="2" charset="-127"/>
-                <a:ea typeface="G마켓 산스 TTF Bold" panose="02000000000000000000" pitchFamily="2" charset="-127"/>
-              </a:rPr>
-              <a:t>해설</a:t>
-            </a:r>
-            <a:endParaRPr lang="ko-KR" altLang="en-US" sz="800" dirty="0">
-              <a:solidFill>
-                <a:srgbClr val="4C50BB"/>
-              </a:solidFill>
-              <a:latin typeface="G마켓 산스 TTF Bold" panose="02000000000000000000" pitchFamily="2" charset="-127"/>
-              <a:ea typeface="G마켓 산스 TTF Bold" panose="02000000000000000000" pitchFamily="2" charset="-127"/>
-            </a:endParaRPr>
-          </a:p>
-        </p:txBody>
-      </p:sp>
       <p:pic>
         <p:nvPicPr>
           <p:cNvPr id="6" name="그림 5">
@@ -23805,7 +25306,7 @@
         </p:blipFill>
         <p:spPr>
           <a:xfrm>
-            <a:off x="1219200" y="1638300"/>
+            <a:off x="1219200" y="2705100"/>
             <a:ext cx="12316407" cy="5715000"/>
           </a:xfrm>
           <a:prstGeom prst="rect">
@@ -23829,7 +25330,7 @@
         </p:nvCxnSpPr>
         <p:spPr>
           <a:xfrm flipV="1">
-            <a:off x="4572000" y="924670"/>
+            <a:off x="4572000" y="1991470"/>
             <a:ext cx="2286000" cy="866029"/>
           </a:xfrm>
           <a:prstGeom prst="straightConnector1">
@@ -23868,7 +25369,7 @@
         </p:nvSpPr>
         <p:spPr>
           <a:xfrm>
-            <a:off x="1371600" y="1790699"/>
+            <a:off x="1371600" y="2857499"/>
             <a:ext cx="4800600" cy="5333999"/>
           </a:xfrm>
           <a:prstGeom prst="rect">
@@ -23920,7 +25421,7 @@
         </p:nvSpPr>
         <p:spPr>
           <a:xfrm>
-            <a:off x="7162800" y="336202"/>
+            <a:off x="7162800" y="1403002"/>
             <a:ext cx="10086393" cy="1200329"/>
           </a:xfrm>
           <a:prstGeom prst="rect">
@@ -24003,7 +25504,7 @@
         </p:nvCxnSpPr>
         <p:spPr>
           <a:xfrm>
-            <a:off x="9906000" y="2460395"/>
+            <a:off x="9906000" y="3527195"/>
             <a:ext cx="1371600" cy="4994674"/>
           </a:xfrm>
           <a:prstGeom prst="straightConnector1">
@@ -24042,7 +25543,7 @@
         </p:nvSpPr>
         <p:spPr>
           <a:xfrm>
-            <a:off x="8229600" y="1896905"/>
+            <a:off x="8229600" y="2963705"/>
             <a:ext cx="3276600" cy="563490"/>
           </a:xfrm>
           <a:prstGeom prst="rect">
@@ -24094,7 +25595,7 @@
         </p:nvSpPr>
         <p:spPr>
           <a:xfrm>
-            <a:off x="2351641" y="7556837"/>
+            <a:off x="2351641" y="8623637"/>
             <a:ext cx="15326759" cy="646331"/>
           </a:xfrm>
           <a:prstGeom prst="rect">
@@ -24185,7 +25686,7 @@
         </p:nvSpPr>
         <p:spPr>
           <a:xfrm>
-            <a:off x="2351641" y="8535769"/>
+            <a:off x="2351641" y="9602569"/>
             <a:ext cx="15011400" cy="646331"/>
           </a:xfrm>
           <a:prstGeom prst="rect">
@@ -24246,8 +25747,8 @@
         </p:nvSpPr>
         <p:spPr>
           <a:xfrm>
-            <a:off x="609600" y="355523"/>
-            <a:ext cx="17373599" cy="9512377"/>
+            <a:off x="287176" y="1257300"/>
+            <a:ext cx="16781624" cy="8991600"/>
           </a:xfrm>
           <a:prstGeom prst="rect">
             <a:avLst/>
@@ -24284,6 +25785,120 @@
           </a:p>
         </p:txBody>
       </p:sp>
+      <p:sp>
+        <p:nvSpPr>
+          <p:cNvPr id="2" name="TextBox 1">
+            <a:extLst>
+              <a:ext uri="{FF2B5EF4-FFF2-40B4-BE49-F238E27FC236}">
+                <a16:creationId xmlns:a16="http://schemas.microsoft.com/office/drawing/2014/main" id="{CAEAF9B4-A74E-FC93-AA78-41BAD89992F1}"/>
+              </a:ext>
+            </a:extLst>
+          </p:cNvPr>
+          <p:cNvSpPr txBox="1"/>
+          <p:nvPr/>
+        </p:nvSpPr>
+        <p:spPr>
+          <a:xfrm>
+            <a:off x="304800" y="114300"/>
+            <a:ext cx="10972800" cy="923330"/>
+          </a:xfrm>
+          <a:prstGeom prst="rect">
+            <a:avLst/>
+          </a:prstGeom>
+          <a:noFill/>
+        </p:spPr>
+        <p:txBody>
+          <a:bodyPr wrap="square" rtlCol="0">
+            <a:spAutoFit/>
+          </a:bodyPr>
+          <a:lstStyle/>
+          <a:p>
+            <a:r>
+              <a:rPr lang="en-US" altLang="ko-KR" sz="5400" spc="-300" dirty="0">
+                <a:solidFill>
+                  <a:srgbClr val="4C50BC"/>
+                </a:solidFill>
+                <a:latin typeface="G마켓 산스 Bold" panose="02000000000000000000" pitchFamily="50" charset="-127"/>
+                <a:ea typeface="G마켓 산스 Bold" panose="02000000000000000000" pitchFamily="50" charset="-127"/>
+              </a:rPr>
+              <a:t>2-5 </a:t>
+            </a:r>
+            <a:r>
+              <a:rPr lang="ko-KR" altLang="en-US" sz="5400" spc="-300" dirty="0">
+                <a:solidFill>
+                  <a:srgbClr val="4C50BC"/>
+                </a:solidFill>
+                <a:latin typeface="G마켓 산스 Bold" panose="02000000000000000000" pitchFamily="50" charset="-127"/>
+                <a:ea typeface="G마켓 산스 Bold" panose="02000000000000000000" pitchFamily="50" charset="-127"/>
+              </a:rPr>
+              <a:t>문제풀이</a:t>
+            </a:r>
+            <a:r>
+              <a:rPr lang="en-US" altLang="ko-KR" sz="5400" spc="-300" dirty="0">
+                <a:solidFill>
+                  <a:srgbClr val="4C50BC"/>
+                </a:solidFill>
+                <a:latin typeface="G마켓 산스 Bold" panose="02000000000000000000" pitchFamily="50" charset="-127"/>
+                <a:ea typeface="G마켓 산스 Bold" panose="02000000000000000000" pitchFamily="50" charset="-127"/>
+              </a:rPr>
+              <a:t> </a:t>
+            </a:r>
+            <a:r>
+              <a:rPr lang="en-US" altLang="ko-KR" sz="5400" spc="-300" dirty="0">
+                <a:solidFill>
+                  <a:srgbClr val="FF0000"/>
+                </a:solidFill>
+                <a:latin typeface="G마켓 산스 Bold" panose="02000000000000000000" pitchFamily="50" charset="-127"/>
+                <a:ea typeface="G마켓 산스 Bold" panose="02000000000000000000" pitchFamily="50" charset="-127"/>
+              </a:rPr>
+              <a:t>(Expert)</a:t>
+            </a:r>
+          </a:p>
+        </p:txBody>
+      </p:sp>
+      <p:cxnSp>
+        <p:nvCxnSpPr>
+          <p:cNvPr id="3" name="직선 연결선 2">
+            <a:extLst>
+              <a:ext uri="{FF2B5EF4-FFF2-40B4-BE49-F238E27FC236}">
+                <a16:creationId xmlns:a16="http://schemas.microsoft.com/office/drawing/2014/main" id="{F02B8857-AEA9-C11D-A4D1-80C05EB2283F}"/>
+              </a:ext>
+            </a:extLst>
+          </p:cNvPr>
+          <p:cNvCxnSpPr>
+            <a:cxnSpLocks/>
+          </p:cNvCxnSpPr>
+          <p:nvPr/>
+        </p:nvCxnSpPr>
+        <p:spPr>
+          <a:xfrm flipH="1" flipV="1">
+            <a:off x="-13447" y="972511"/>
+            <a:ext cx="18288000" cy="65119"/>
+          </a:xfrm>
+          <a:prstGeom prst="line">
+            <a:avLst/>
+          </a:prstGeom>
+          <a:ln w="38100">
+            <a:solidFill>
+              <a:srgbClr val="4C50BC"/>
+            </a:solidFill>
+          </a:ln>
+        </p:spPr>
+        <p:style>
+          <a:lnRef idx="1">
+            <a:schemeClr val="accent1"/>
+          </a:lnRef>
+          <a:fillRef idx="0">
+            <a:schemeClr val="accent1"/>
+          </a:fillRef>
+          <a:effectRef idx="0">
+            <a:schemeClr val="accent1"/>
+          </a:effectRef>
+          <a:fontRef idx="minor">
+            <a:schemeClr val="tx1"/>
+          </a:fontRef>
+        </p:style>
+      </p:cxnSp>
     </p:spTree>
     <p:extLst>
       <p:ext uri="{BB962C8B-B14F-4D97-AF65-F5344CB8AC3E}">
@@ -24736,64 +26351,6 @@
           </a:prstGeom>
         </p:spPr>
       </p:pic>
-      <p:sp>
-        <p:nvSpPr>
-          <p:cNvPr id="6" name="TextBox 5">
-            <a:extLst>
-              <a:ext uri="{FF2B5EF4-FFF2-40B4-BE49-F238E27FC236}">
-                <a16:creationId xmlns:a16="http://schemas.microsoft.com/office/drawing/2014/main" id="{5ADC00B6-990A-40DC-3CEA-505258F5E8DA}"/>
-              </a:ext>
-            </a:extLst>
-          </p:cNvPr>
-          <p:cNvSpPr txBox="1"/>
-          <p:nvPr/>
-        </p:nvSpPr>
-        <p:spPr>
-          <a:xfrm>
-            <a:off x="990600" y="315604"/>
-            <a:ext cx="1752600" cy="830997"/>
-          </a:xfrm>
-          <a:prstGeom prst="rect">
-            <a:avLst/>
-          </a:prstGeom>
-          <a:noFill/>
-        </p:spPr>
-        <p:txBody>
-          <a:bodyPr wrap="square" rtlCol="0">
-            <a:spAutoFit/>
-          </a:bodyPr>
-          <a:lstStyle/>
-          <a:p>
-            <a:r>
-              <a:rPr lang="en-US" altLang="ko-KR" sz="4800" dirty="0">
-                <a:solidFill>
-                  <a:srgbClr val="4C50BC"/>
-                </a:solidFill>
-                <a:latin typeface="G마켓 산스 Medium" panose="02000000000000000000" pitchFamily="50" charset="-127"/>
-                <a:ea typeface="G마켓 산스 Medium" panose="02000000000000000000" pitchFamily="50" charset="-127"/>
-              </a:rPr>
-              <a:t>if</a:t>
-            </a:r>
-            <a:r>
-              <a:rPr lang="ko-KR" altLang="en-US" sz="4800" dirty="0">
-                <a:solidFill>
-                  <a:srgbClr val="4C50BC"/>
-                </a:solidFill>
-                <a:latin typeface="G마켓 산스 Medium" panose="02000000000000000000" pitchFamily="50" charset="-127"/>
-                <a:ea typeface="G마켓 산스 Medium" panose="02000000000000000000" pitchFamily="50" charset="-127"/>
-              </a:rPr>
-              <a:t>문</a:t>
-            </a:r>
-            <a:endParaRPr lang="en-US" altLang="ko-KR" sz="4800" dirty="0">
-              <a:solidFill>
-                <a:srgbClr val="4C50BC"/>
-              </a:solidFill>
-              <a:latin typeface="G마켓 산스 Medium" panose="02000000000000000000" pitchFamily="50" charset="-127"/>
-              <a:ea typeface="G마켓 산스 Medium" panose="02000000000000000000" pitchFamily="50" charset="-127"/>
-            </a:endParaRPr>
-          </a:p>
-        </p:txBody>
-      </p:sp>
       <p:pic>
         <p:nvPicPr>
           <p:cNvPr id="7" name="그림 6"/>
@@ -24993,12 +26550,55 @@
           </a:p>
         </p:txBody>
       </p:sp>
+      <p:cxnSp>
+        <p:nvCxnSpPr>
+          <p:cNvPr id="9" name="직선 연결선 8">
+            <a:extLst>
+              <a:ext uri="{FF2B5EF4-FFF2-40B4-BE49-F238E27FC236}">
+                <a16:creationId xmlns:a16="http://schemas.microsoft.com/office/drawing/2014/main" id="{DB15D9B3-BF18-AB41-F6CB-C3DFEE7F89DC}"/>
+              </a:ext>
+            </a:extLst>
+          </p:cNvPr>
+          <p:cNvCxnSpPr>
+            <a:cxnSpLocks/>
+          </p:cNvCxnSpPr>
+          <p:nvPr/>
+        </p:nvCxnSpPr>
+        <p:spPr>
+          <a:xfrm flipH="1" flipV="1">
+            <a:off x="-13447" y="972511"/>
+            <a:ext cx="18288000" cy="65119"/>
+          </a:xfrm>
+          <a:prstGeom prst="line">
+            <a:avLst/>
+          </a:prstGeom>
+          <a:ln w="38100">
+            <a:solidFill>
+              <a:srgbClr val="4C50BC"/>
+            </a:solidFill>
+          </a:ln>
+        </p:spPr>
+        <p:style>
+          <a:lnRef idx="1">
+            <a:schemeClr val="accent1"/>
+          </a:lnRef>
+          <a:fillRef idx="0">
+            <a:schemeClr val="accent1"/>
+          </a:fillRef>
+          <a:effectRef idx="0">
+            <a:schemeClr val="accent1"/>
+          </a:effectRef>
+          <a:fontRef idx="minor">
+            <a:schemeClr val="tx1"/>
+          </a:fontRef>
+        </p:style>
+      </p:cxnSp>
       <p:sp>
         <p:nvSpPr>
-          <p:cNvPr id="5" name="TextBox 4">
-            <a:extLst>
-              <a:ext uri="{FF2B5EF4-FFF2-40B4-BE49-F238E27FC236}">
-                <a16:creationId xmlns:a16="http://schemas.microsoft.com/office/drawing/2014/main" id="{66644A92-C6C7-5191-5F38-E5C8FD2009E9}"/>
+          <p:cNvPr id="10" name="TextBox 9">
+            <a:extLst>
+              <a:ext uri="{FF2B5EF4-FFF2-40B4-BE49-F238E27FC236}">
+                <a16:creationId xmlns:a16="http://schemas.microsoft.com/office/drawing/2014/main" id="{9694210F-1FB0-59BC-AA8E-88BB55B82820}"/>
               </a:ext>
             </a:extLst>
           </p:cNvPr>
@@ -25007,8 +26607,8 @@
         </p:nvSpPr>
         <p:spPr>
           <a:xfrm>
-            <a:off x="2461143" y="854214"/>
-            <a:ext cx="15293457" cy="707886"/>
+            <a:off x="304800" y="114300"/>
+            <a:ext cx="4343400" cy="923330"/>
           </a:xfrm>
           <a:prstGeom prst="rect">
             <a:avLst/>
@@ -25022,7 +26622,69 @@
           <a:lstStyle/>
           <a:p>
             <a:r>
-              <a:rPr lang="ko-KR" altLang="en-US" sz="4000" dirty="0">
+              <a:rPr lang="en-US" altLang="ko-KR" sz="5400" spc="-300" dirty="0">
+                <a:solidFill>
+                  <a:srgbClr val="4C50BC"/>
+                </a:solidFill>
+                <a:latin typeface="G마켓 산스 TTF Bold" panose="02000000000000000000" pitchFamily="2" charset="-127"/>
+                <a:ea typeface="G마켓 산스 TTF Bold" panose="02000000000000000000" pitchFamily="2" charset="-127"/>
+              </a:rPr>
+              <a:t>if</a:t>
+            </a:r>
+            <a:r>
+              <a:rPr lang="ko-KR" altLang="en-US" sz="5400" spc="-300" dirty="0">
+                <a:solidFill>
+                  <a:srgbClr val="4C50BC"/>
+                </a:solidFill>
+                <a:latin typeface="G마켓 산스 TTF Bold" panose="02000000000000000000" pitchFamily="2" charset="-127"/>
+                <a:ea typeface="G마켓 산스 TTF Bold" panose="02000000000000000000" pitchFamily="2" charset="-127"/>
+              </a:rPr>
+              <a:t>문</a:t>
+            </a:r>
+            <a:endParaRPr lang="en-US" altLang="ko-KR" sz="5400" spc="-300" dirty="0">
+              <a:solidFill>
+                <a:srgbClr val="4C50BC"/>
+              </a:solidFill>
+              <a:latin typeface="G마켓 산스 TTF Bold" panose="02000000000000000000" pitchFamily="2" charset="-127"/>
+              <a:ea typeface="G마켓 산스 TTF Bold" panose="02000000000000000000" pitchFamily="2" charset="-127"/>
+            </a:endParaRPr>
+          </a:p>
+        </p:txBody>
+      </p:sp>
+      <p:sp>
+        <p:nvSpPr>
+          <p:cNvPr id="11" name="TextBox 10">
+            <a:extLst>
+              <a:ext uri="{FF2B5EF4-FFF2-40B4-BE49-F238E27FC236}">
+                <a16:creationId xmlns:a16="http://schemas.microsoft.com/office/drawing/2014/main" id="{DFD74364-BA20-2D4D-243B-E0EEB99111CC}"/>
+              </a:ext>
+            </a:extLst>
+          </p:cNvPr>
+          <p:cNvSpPr txBox="1"/>
+          <p:nvPr/>
+        </p:nvSpPr>
+        <p:spPr>
+          <a:xfrm>
+            <a:off x="762000" y="1201111"/>
+            <a:ext cx="14167562" cy="646331"/>
+          </a:xfrm>
+          <a:prstGeom prst="rect">
+            <a:avLst/>
+          </a:prstGeom>
+          <a:noFill/>
+        </p:spPr>
+        <p:txBody>
+          <a:bodyPr wrap="square" rtlCol="0">
+            <a:spAutoFit/>
+          </a:bodyPr>
+          <a:lstStyle/>
+          <a:p>
+            <a:pPr marL="571500" indent="-571500">
+              <a:buFont typeface="Arial" panose="020B0604020202020204" pitchFamily="34" charset="0"/>
+              <a:buChar char="•"/>
+            </a:pPr>
+            <a:r>
+              <a:rPr lang="ko-KR" altLang="en-US" sz="3600" dirty="0">
                 <a:solidFill>
                   <a:schemeClr val="tx1">
                     <a:lumMod val="50000"/>
@@ -25032,10 +26694,10 @@
                 <a:latin typeface="G마켓 산스 Medium" panose="02000000000000000000" pitchFamily="50" charset="-127"/>
                 <a:ea typeface="G마켓 산스 Medium" panose="02000000000000000000" pitchFamily="50" charset="-127"/>
               </a:rPr>
-              <a:t>괄호 내부의 조건식이 </a:t>
-            </a:r>
-            <a:r>
-              <a:rPr lang="en-US" altLang="ko-KR" sz="4000" dirty="0">
+              <a:t>소괄호 내부의 조건식이 </a:t>
+            </a:r>
+            <a:r>
+              <a:rPr lang="en-US" altLang="ko-KR" sz="3600" dirty="0">
                 <a:solidFill>
                   <a:schemeClr val="tx1">
                     <a:lumMod val="50000"/>
@@ -25045,10 +26707,10 @@
                 <a:latin typeface="G마켓 산스 Medium" panose="02000000000000000000" pitchFamily="50" charset="-127"/>
                 <a:ea typeface="G마켓 산스 Medium" panose="02000000000000000000" pitchFamily="50" charset="-127"/>
               </a:rPr>
-              <a:t>true </a:t>
-            </a:r>
-            <a:r>
-              <a:rPr lang="ko-KR" altLang="en-US" sz="4000" dirty="0">
+              <a:t>true</a:t>
+            </a:r>
+            <a:r>
+              <a:rPr lang="ko-KR" altLang="en-US" sz="3600" dirty="0">
                 <a:solidFill>
                   <a:schemeClr val="tx1">
                     <a:lumMod val="50000"/>
@@ -25061,7 +26723,7 @@
               <a:t>일 경우 내부가 실행되는 </a:t>
             </a:r>
             <a:r>
-              <a:rPr lang="ko-KR" altLang="en-US" sz="4000" dirty="0" err="1">
+              <a:rPr lang="ko-KR" altLang="en-US" sz="3600" dirty="0" err="1">
                 <a:solidFill>
                   <a:schemeClr val="tx1">
                     <a:lumMod val="50000"/>
@@ -25073,7 +26735,7 @@
               </a:rPr>
               <a:t>분기문</a:t>
             </a:r>
-            <a:endParaRPr lang="en-US" altLang="ko-KR" sz="4000" dirty="0">
+            <a:endParaRPr lang="en-US" altLang="ko-KR" sz="3600" dirty="0">
               <a:solidFill>
                 <a:schemeClr val="tx1">
                   <a:lumMod val="50000"/>
@@ -25130,8 +26792,8 @@
         </p:nvSpPr>
         <p:spPr>
           <a:xfrm>
-            <a:off x="1676400" y="1181100"/>
-            <a:ext cx="13822117" cy="646331"/>
+            <a:off x="852276" y="1192895"/>
+            <a:ext cx="11469807" cy="646331"/>
           </a:xfrm>
           <a:prstGeom prst="rect">
             <a:avLst/>
@@ -25145,6 +26807,16 @@
           <a:lstStyle/>
           <a:p>
             <a:r>
+              <a:rPr lang="ko-KR" altLang="en-US" sz="3600" dirty="0">
+                <a:solidFill>
+                  <a:srgbClr val="4C50BC"/>
+                </a:solidFill>
+                <a:latin typeface="G마켓 산스 Medium" panose="02000000000000000000" pitchFamily="50" charset="-127"/>
+                <a:ea typeface="G마켓 산스 Medium" panose="02000000000000000000" pitchFamily="50" charset="-127"/>
+              </a:rPr>
+              <a:t>정수를 입력 받아 양수</a:t>
+            </a:r>
+            <a:r>
               <a:rPr lang="en-US" altLang="ko-KR" sz="3600" dirty="0">
                 <a:solidFill>
                   <a:srgbClr val="4C50BC"/>
@@ -25152,7 +26824,7 @@
                 <a:latin typeface="G마켓 산스 Medium" panose="02000000000000000000" pitchFamily="50" charset="-127"/>
                 <a:ea typeface="G마켓 산스 Medium" panose="02000000000000000000" pitchFamily="50" charset="-127"/>
               </a:rPr>
-              <a:t>1. </a:t>
+              <a:t>, 0 ,</a:t>
             </a:r>
             <a:r>
               <a:rPr lang="ko-KR" altLang="en-US" sz="3600" dirty="0">
@@ -25162,48 +26834,25 @@
                 <a:latin typeface="G마켓 산스 Medium" panose="02000000000000000000" pitchFamily="50" charset="-127"/>
                 <a:ea typeface="G마켓 산스 Medium" panose="02000000000000000000" pitchFamily="50" charset="-127"/>
               </a:rPr>
-              <a:t>정수를 입력 받아 양수</a:t>
-            </a:r>
-            <a:r>
-              <a:rPr lang="en-US" altLang="ko-KR" sz="3600" dirty="0">
+              <a:t>음수를 구분하여 </a:t>
+            </a:r>
+            <a:r>
+              <a:rPr lang="ko-KR" altLang="en-US" sz="3600" dirty="0" err="1">
                 <a:solidFill>
                   <a:srgbClr val="4C50BC"/>
                 </a:solidFill>
                 <a:latin typeface="G마켓 산스 Medium" panose="02000000000000000000" pitchFamily="50" charset="-127"/>
                 <a:ea typeface="G마켓 산스 Medium" panose="02000000000000000000" pitchFamily="50" charset="-127"/>
               </a:rPr>
-              <a:t>, 0 ,</a:t>
-            </a:r>
-            <a:r>
-              <a:rPr lang="ko-KR" altLang="en-US" sz="3600" dirty="0">
-                <a:solidFill>
-                  <a:srgbClr val="4C50BC"/>
-                </a:solidFill>
-                <a:latin typeface="G마켓 산스 Medium" panose="02000000000000000000" pitchFamily="50" charset="-127"/>
-                <a:ea typeface="G마켓 산스 Medium" panose="02000000000000000000" pitchFamily="50" charset="-127"/>
-              </a:rPr>
-              <a:t>음수를 구분하여 </a:t>
-            </a:r>
-            <a:r>
-              <a:rPr lang="ko-KR" altLang="en-US" sz="3600" dirty="0" err="1">
-                <a:solidFill>
-                  <a:srgbClr val="4C50BC"/>
-                </a:solidFill>
-                <a:latin typeface="G마켓 산스 Medium" panose="02000000000000000000" pitchFamily="50" charset="-127"/>
-                <a:ea typeface="G마켓 산스 Medium" panose="02000000000000000000" pitchFamily="50" charset="-127"/>
-              </a:rPr>
               <a:t>출력하시오</a:t>
             </a:r>
-            <a:r>
-              <a:rPr lang="en-US" altLang="ko-KR" sz="3600" dirty="0">
-                <a:solidFill>
-                  <a:srgbClr val="FF0000"/>
-                </a:solidFill>
-                <a:latin typeface="G마켓 산스 Medium" panose="02000000000000000000" pitchFamily="50" charset="-127"/>
-                <a:ea typeface="G마켓 산스 Medium" panose="02000000000000000000" pitchFamily="50" charset="-127"/>
-              </a:rPr>
-              <a:t>(Normal)</a:t>
-            </a:r>
+            <a:endParaRPr lang="en-US" altLang="ko-KR" sz="3600" dirty="0">
+              <a:solidFill>
+                <a:srgbClr val="FF0000"/>
+              </a:solidFill>
+              <a:latin typeface="G마켓 산스 Medium" panose="02000000000000000000" pitchFamily="50" charset="-127"/>
+              <a:ea typeface="G마켓 산스 Medium" panose="02000000000000000000" pitchFamily="50" charset="-127"/>
+            </a:endParaRPr>
           </a:p>
         </p:txBody>
       </p:sp>
@@ -25231,64 +26880,6 @@
           </a:prstGeom>
         </p:spPr>
       </p:pic>
-      <p:sp>
-        <p:nvSpPr>
-          <p:cNvPr id="13" name="TextBox 12">
-            <a:extLst>
-              <a:ext uri="{FF2B5EF4-FFF2-40B4-BE49-F238E27FC236}">
-                <a16:creationId xmlns:a16="http://schemas.microsoft.com/office/drawing/2014/main" id="{42DA360B-FCE9-ADF1-10BF-66DDB117C22D}"/>
-              </a:ext>
-            </a:extLst>
-          </p:cNvPr>
-          <p:cNvSpPr txBox="1"/>
-          <p:nvPr/>
-        </p:nvSpPr>
-        <p:spPr>
-          <a:xfrm>
-            <a:off x="990600" y="266700"/>
-            <a:ext cx="3276600" cy="830997"/>
-          </a:xfrm>
-          <a:prstGeom prst="rect">
-            <a:avLst/>
-          </a:prstGeom>
-          <a:noFill/>
-        </p:spPr>
-        <p:txBody>
-          <a:bodyPr wrap="square" rtlCol="0">
-            <a:spAutoFit/>
-          </a:bodyPr>
-          <a:lstStyle/>
-          <a:p>
-            <a:r>
-              <a:rPr lang="ko-KR" altLang="en-US" sz="4800">
-                <a:solidFill>
-                  <a:srgbClr val="4C50BC"/>
-                </a:solidFill>
-                <a:latin typeface="G마켓 산스 Medium" panose="02000000000000000000" pitchFamily="50" charset="-127"/>
-                <a:ea typeface="G마켓 산스 Medium" panose="02000000000000000000" pitchFamily="50" charset="-127"/>
-              </a:rPr>
-              <a:t>실습문제</a:t>
-            </a:r>
-            <a:r>
-              <a:rPr lang="en-US" altLang="ko-KR" sz="4800">
-                <a:solidFill>
-                  <a:srgbClr val="4C50BC"/>
-                </a:solidFill>
-                <a:latin typeface="G마켓 산스 Medium" panose="02000000000000000000" pitchFamily="50" charset="-127"/>
-                <a:ea typeface="G마켓 산스 Medium" panose="02000000000000000000" pitchFamily="50" charset="-127"/>
-              </a:rPr>
-              <a:t>3</a:t>
-            </a:r>
-            <a:endParaRPr lang="en-US" altLang="ko-KR" sz="4800" dirty="0">
-              <a:solidFill>
-                <a:srgbClr val="4C50BC"/>
-              </a:solidFill>
-              <a:latin typeface="G마켓 산스 Medium" panose="02000000000000000000" pitchFamily="50" charset="-127"/>
-              <a:ea typeface="G마켓 산스 Medium" panose="02000000000000000000" pitchFamily="50" charset="-127"/>
-            </a:endParaRPr>
-          </a:p>
-        </p:txBody>
-      </p:sp>
       <p:pic>
         <p:nvPicPr>
           <p:cNvPr id="2" name="그림 1"/>
@@ -25384,6 +26975,120 @@
           </a:prstGeom>
         </p:spPr>
       </p:pic>
+      <p:sp>
+        <p:nvSpPr>
+          <p:cNvPr id="3" name="TextBox 2">
+            <a:extLst>
+              <a:ext uri="{FF2B5EF4-FFF2-40B4-BE49-F238E27FC236}">
+                <a16:creationId xmlns:a16="http://schemas.microsoft.com/office/drawing/2014/main" id="{466A7E39-A339-A041-B02D-2FCB1BB11498}"/>
+              </a:ext>
+            </a:extLst>
+          </p:cNvPr>
+          <p:cNvSpPr txBox="1"/>
+          <p:nvPr/>
+        </p:nvSpPr>
+        <p:spPr>
+          <a:xfrm>
+            <a:off x="304800" y="114300"/>
+            <a:ext cx="10972800" cy="923330"/>
+          </a:xfrm>
+          <a:prstGeom prst="rect">
+            <a:avLst/>
+          </a:prstGeom>
+          <a:noFill/>
+        </p:spPr>
+        <p:txBody>
+          <a:bodyPr wrap="square" rtlCol="0">
+            <a:spAutoFit/>
+          </a:bodyPr>
+          <a:lstStyle/>
+          <a:p>
+            <a:r>
+              <a:rPr lang="en-US" altLang="ko-KR" sz="5400" spc="-300" dirty="0">
+                <a:solidFill>
+                  <a:srgbClr val="4C50BC"/>
+                </a:solidFill>
+                <a:latin typeface="G마켓 산스 Bold" panose="02000000000000000000" pitchFamily="50" charset="-127"/>
+                <a:ea typeface="G마켓 산스 Bold" panose="02000000000000000000" pitchFamily="50" charset="-127"/>
+              </a:rPr>
+              <a:t>3-1 </a:t>
+            </a:r>
+            <a:r>
+              <a:rPr lang="ko-KR" altLang="en-US" sz="5400" spc="-300" dirty="0">
+                <a:solidFill>
+                  <a:srgbClr val="4C50BC"/>
+                </a:solidFill>
+                <a:latin typeface="G마켓 산스 Bold" panose="02000000000000000000" pitchFamily="50" charset="-127"/>
+                <a:ea typeface="G마켓 산스 Bold" panose="02000000000000000000" pitchFamily="50" charset="-127"/>
+              </a:rPr>
+              <a:t>실습문제</a:t>
+            </a:r>
+            <a:r>
+              <a:rPr lang="en-US" altLang="ko-KR" sz="5400" spc="-300" dirty="0">
+                <a:solidFill>
+                  <a:srgbClr val="4C50BC"/>
+                </a:solidFill>
+                <a:latin typeface="G마켓 산스 Bold" panose="02000000000000000000" pitchFamily="50" charset="-127"/>
+                <a:ea typeface="G마켓 산스 Bold" panose="02000000000000000000" pitchFamily="50" charset="-127"/>
+              </a:rPr>
+              <a:t> </a:t>
+            </a:r>
+            <a:r>
+              <a:rPr lang="en-US" altLang="ko-KR" sz="5400" spc="-300" dirty="0">
+                <a:solidFill>
+                  <a:srgbClr val="FF0000"/>
+                </a:solidFill>
+                <a:latin typeface="G마켓 산스 Bold" panose="02000000000000000000" pitchFamily="50" charset="-127"/>
+                <a:ea typeface="G마켓 산스 Bold" panose="02000000000000000000" pitchFamily="50" charset="-127"/>
+              </a:rPr>
+              <a:t>(Normal)</a:t>
+            </a:r>
+          </a:p>
+        </p:txBody>
+      </p:sp>
+      <p:cxnSp>
+        <p:nvCxnSpPr>
+          <p:cNvPr id="4" name="직선 연결선 3">
+            <a:extLst>
+              <a:ext uri="{FF2B5EF4-FFF2-40B4-BE49-F238E27FC236}">
+                <a16:creationId xmlns:a16="http://schemas.microsoft.com/office/drawing/2014/main" id="{8763A5E4-0F3D-75A3-4353-60F79985EF39}"/>
+              </a:ext>
+            </a:extLst>
+          </p:cNvPr>
+          <p:cNvCxnSpPr>
+            <a:cxnSpLocks/>
+          </p:cNvCxnSpPr>
+          <p:nvPr/>
+        </p:nvCxnSpPr>
+        <p:spPr>
+          <a:xfrm flipH="1" flipV="1">
+            <a:off x="-13447" y="972511"/>
+            <a:ext cx="18288000" cy="65119"/>
+          </a:xfrm>
+          <a:prstGeom prst="line">
+            <a:avLst/>
+          </a:prstGeom>
+          <a:ln w="38100">
+            <a:solidFill>
+              <a:srgbClr val="4C50BC"/>
+            </a:solidFill>
+          </a:ln>
+        </p:spPr>
+        <p:style>
+          <a:lnRef idx="1">
+            <a:schemeClr val="accent1"/>
+          </a:lnRef>
+          <a:fillRef idx="0">
+            <a:schemeClr val="accent1"/>
+          </a:fillRef>
+          <a:effectRef idx="0">
+            <a:schemeClr val="accent1"/>
+          </a:effectRef>
+          <a:fontRef idx="minor">
+            <a:schemeClr val="tx1"/>
+          </a:fontRef>
+        </p:style>
+      </p:cxnSp>
     </p:spTree>
     <p:extLst>
       <p:ext uri="{BB962C8B-B14F-4D97-AF65-F5344CB8AC3E}">
@@ -25416,10 +27121,10 @@
       </p:grpSpPr>
       <p:sp>
         <p:nvSpPr>
-          <p:cNvPr id="5" name="TextBox 4">
-            <a:extLst>
-              <a:ext uri="{FF2B5EF4-FFF2-40B4-BE49-F238E27FC236}">
-                <a16:creationId xmlns:a16="http://schemas.microsoft.com/office/drawing/2014/main" id="{4EDAA912-8FA0-0F11-119B-EA9F8B36A489}"/>
+          <p:cNvPr id="4" name="TextBox 3">
+            <a:extLst>
+              <a:ext uri="{FF2B5EF4-FFF2-40B4-BE49-F238E27FC236}">
+                <a16:creationId xmlns:a16="http://schemas.microsoft.com/office/drawing/2014/main" id="{FCE84572-6498-8589-B5B3-476D533C6A3F}"/>
               </a:ext>
             </a:extLst>
           </p:cNvPr>
@@ -25428,8 +27133,8 @@
         </p:nvSpPr>
         <p:spPr>
           <a:xfrm>
-            <a:off x="990600" y="647700"/>
-            <a:ext cx="13260233" cy="646331"/>
+            <a:off x="304800" y="114300"/>
+            <a:ext cx="10972800" cy="923330"/>
           </a:xfrm>
           <a:prstGeom prst="rect">
             <a:avLst/>
@@ -25437,132 +27142,359 @@
           <a:noFill/>
         </p:spPr>
         <p:txBody>
-          <a:bodyPr wrap="none" rtlCol="0">
+          <a:bodyPr wrap="square" rtlCol="0">
             <a:spAutoFit/>
           </a:bodyPr>
           <a:lstStyle/>
           <a:p>
             <a:r>
-              <a:rPr lang="en-US" altLang="ko-KR" sz="3600" dirty="0">
+              <a:rPr lang="en-US" altLang="ko-KR" sz="5400" spc="-300" dirty="0">
                 <a:solidFill>
                   <a:srgbClr val="4C50BC"/>
                 </a:solidFill>
-                <a:latin typeface="G마켓 산스 Medium" panose="02000000000000000000" pitchFamily="50" charset="-127"/>
-                <a:ea typeface="G마켓 산스 Medium" panose="02000000000000000000" pitchFamily="50" charset="-127"/>
-              </a:rPr>
-              <a:t>2. </a:t>
-            </a:r>
-            <a:r>
-              <a:rPr lang="ko-KR" altLang="en-US" sz="3600" dirty="0">
+                <a:latin typeface="G마켓 산스 Bold" panose="02000000000000000000" pitchFamily="50" charset="-127"/>
+                <a:ea typeface="G마켓 산스 Bold" panose="02000000000000000000" pitchFamily="50" charset="-127"/>
+              </a:rPr>
+              <a:t>3-1 </a:t>
+            </a:r>
+            <a:r>
+              <a:rPr lang="ko-KR" altLang="en-US" sz="5400" spc="-300" dirty="0">
                 <a:solidFill>
                   <a:srgbClr val="4C50BC"/>
                 </a:solidFill>
-                <a:latin typeface="G마켓 산스 Medium" panose="02000000000000000000" pitchFamily="50" charset="-127"/>
-                <a:ea typeface="G마켓 산스 Medium" panose="02000000000000000000" pitchFamily="50" charset="-127"/>
-              </a:rPr>
-              <a:t>숫자 </a:t>
-            </a:r>
-            <a:r>
-              <a:rPr lang="en-US" altLang="ko-KR" sz="3600" dirty="0">
+                <a:latin typeface="G마켓 산스 Bold" panose="02000000000000000000" pitchFamily="50" charset="-127"/>
+                <a:ea typeface="G마켓 산스 Bold" panose="02000000000000000000" pitchFamily="50" charset="-127"/>
+              </a:rPr>
+              <a:t>문제풀이</a:t>
+            </a:r>
+            <a:r>
+              <a:rPr lang="en-US" altLang="ko-KR" sz="5400" spc="-300" dirty="0">
                 <a:solidFill>
                   <a:srgbClr val="4C50BC"/>
                 </a:solidFill>
-                <a:latin typeface="G마켓 산스 Medium" panose="02000000000000000000" pitchFamily="50" charset="-127"/>
-                <a:ea typeface="G마켓 산스 Medium" panose="02000000000000000000" pitchFamily="50" charset="-127"/>
-              </a:rPr>
-              <a:t>3</a:t>
-            </a:r>
-            <a:r>
-              <a:rPr lang="ko-KR" altLang="en-US" sz="3600" dirty="0">
-                <a:solidFill>
-                  <a:srgbClr val="4C50BC"/>
-                </a:solidFill>
-                <a:latin typeface="G마켓 산스 Medium" panose="02000000000000000000" pitchFamily="50" charset="-127"/>
-                <a:ea typeface="G마켓 산스 Medium" panose="02000000000000000000" pitchFamily="50" charset="-127"/>
-              </a:rPr>
-              <a:t>개를 입력 받아 중간 크기의 숫자를 출력 </a:t>
-            </a:r>
-            <a:r>
-              <a:rPr lang="ko-KR" altLang="en-US" sz="3600" dirty="0" err="1">
-                <a:solidFill>
-                  <a:srgbClr val="4C50BC"/>
-                </a:solidFill>
-                <a:latin typeface="G마켓 산스 Medium" panose="02000000000000000000" pitchFamily="50" charset="-127"/>
-                <a:ea typeface="G마켓 산스 Medium" panose="02000000000000000000" pitchFamily="50" charset="-127"/>
-              </a:rPr>
-              <a:t>하시오</a:t>
-            </a:r>
-            <a:r>
-              <a:rPr lang="en-US" altLang="ko-KR" sz="3600" dirty="0">
-                <a:solidFill>
-                  <a:srgbClr val="FF0000"/>
-                </a:solidFill>
-                <a:latin typeface="G마켓 산스 Medium" panose="02000000000000000000" pitchFamily="50" charset="-127"/>
-                <a:ea typeface="G마켓 산스 Medium" panose="02000000000000000000" pitchFamily="50" charset="-127"/>
-              </a:rPr>
-              <a:t>(Hard)</a:t>
+                <a:latin typeface="G마켓 산스 Bold" panose="02000000000000000000" pitchFamily="50" charset="-127"/>
+                <a:ea typeface="G마켓 산스 Bold" panose="02000000000000000000" pitchFamily="50" charset="-127"/>
+              </a:rPr>
+              <a:t> </a:t>
+            </a:r>
+            <a:r>
+              <a:rPr lang="en-US" altLang="ko-KR" sz="5400" spc="-300" dirty="0">
+                <a:solidFill>
+                  <a:srgbClr val="FF0000"/>
+                </a:solidFill>
+                <a:latin typeface="G마켓 산스 Bold" panose="02000000000000000000" pitchFamily="50" charset="-127"/>
+                <a:ea typeface="G마켓 산스 Bold" panose="02000000000000000000" pitchFamily="50" charset="-127"/>
+              </a:rPr>
+              <a:t>(Normal)</a:t>
             </a:r>
           </a:p>
         </p:txBody>
       </p:sp>
+      <p:cxnSp>
+        <p:nvCxnSpPr>
+          <p:cNvPr id="5" name="직선 연결선 4">
+            <a:extLst>
+              <a:ext uri="{FF2B5EF4-FFF2-40B4-BE49-F238E27FC236}">
+                <a16:creationId xmlns:a16="http://schemas.microsoft.com/office/drawing/2014/main" id="{78680333-AA15-88AE-A776-AFEFAD87CFB6}"/>
+              </a:ext>
+            </a:extLst>
+          </p:cNvPr>
+          <p:cNvCxnSpPr>
+            <a:cxnSpLocks/>
+          </p:cNvCxnSpPr>
+          <p:nvPr/>
+        </p:nvCxnSpPr>
+        <p:spPr>
+          <a:xfrm flipH="1" flipV="1">
+            <a:off x="-13447" y="972511"/>
+            <a:ext cx="18288000" cy="65119"/>
+          </a:xfrm>
+          <a:prstGeom prst="line">
+            <a:avLst/>
+          </a:prstGeom>
+          <a:ln w="38100">
+            <a:solidFill>
+              <a:srgbClr val="4C50BC"/>
+            </a:solidFill>
+          </a:ln>
+        </p:spPr>
+        <p:style>
+          <a:lnRef idx="1">
+            <a:schemeClr val="accent1"/>
+          </a:lnRef>
+          <a:fillRef idx="0">
+            <a:schemeClr val="accent1"/>
+          </a:fillRef>
+          <a:effectRef idx="0">
+            <a:schemeClr val="accent1"/>
+          </a:effectRef>
+          <a:fontRef idx="minor">
+            <a:schemeClr val="tx1"/>
+          </a:fontRef>
+        </p:style>
+      </p:cxnSp>
       <p:pic>
         <p:nvPicPr>
-          <p:cNvPr id="6" name="그림 5"/>
+          <p:cNvPr id="6" name="그림 5">
+            <a:extLst>
+              <a:ext uri="{FF2B5EF4-FFF2-40B4-BE49-F238E27FC236}">
+                <a16:creationId xmlns:a16="http://schemas.microsoft.com/office/drawing/2014/main" id="{885E476B-C241-3FA7-5562-41C39DA9E90F}"/>
+              </a:ext>
+            </a:extLst>
+          </p:cNvPr>
           <p:cNvPicPr>
             <a:picLocks noChangeAspect="1"/>
           </p:cNvPicPr>
           <p:nvPr/>
         </p:nvPicPr>
         <p:blipFill>
-          <a:blip r:embed="rId3"/>
+          <a:blip r:embed="rId2"/>
           <a:stretch>
             <a:fillRect/>
           </a:stretch>
         </p:blipFill>
         <p:spPr>
           <a:xfrm>
-            <a:off x="1524000" y="1485900"/>
-            <a:ext cx="11400236" cy="2150988"/>
+            <a:off x="2000909" y="1927234"/>
+            <a:ext cx="9429091" cy="6139019"/>
           </a:xfrm>
           <a:prstGeom prst="rect">
             <a:avLst/>
           </a:prstGeom>
         </p:spPr>
       </p:pic>
-      <p:pic>
-        <p:nvPicPr>
-          <p:cNvPr id="3" name="그림 2"/>
-          <p:cNvPicPr>
-            <a:picLocks noChangeAspect="1"/>
-          </p:cNvPicPr>
-          <p:nvPr/>
-        </p:nvPicPr>
-        <p:blipFill>
-          <a:blip r:embed="rId4"/>
-          <a:stretch>
-            <a:fillRect/>
-          </a:stretch>
-        </p:blipFill>
-        <p:spPr>
-          <a:xfrm>
-            <a:off x="1507588" y="4152900"/>
-            <a:ext cx="4114800" cy="3288397"/>
-          </a:xfrm>
-          <a:prstGeom prst="rect">
-            <a:avLst/>
-          </a:prstGeom>
-        </p:spPr>
-      </p:pic>
+      <p:sp>
+        <p:nvSpPr>
+          <p:cNvPr id="8" name="TextBox 7">
+            <a:extLst>
+              <a:ext uri="{FF2B5EF4-FFF2-40B4-BE49-F238E27FC236}">
+                <a16:creationId xmlns:a16="http://schemas.microsoft.com/office/drawing/2014/main" id="{29DB0BBC-0027-1043-8120-73D56E541277}"/>
+              </a:ext>
+            </a:extLst>
+          </p:cNvPr>
+          <p:cNvSpPr txBox="1"/>
+          <p:nvPr/>
+        </p:nvSpPr>
+        <p:spPr>
+          <a:xfrm>
+            <a:off x="1219200" y="8595714"/>
+            <a:ext cx="14173200" cy="707886"/>
+          </a:xfrm>
+          <a:prstGeom prst="rect">
+            <a:avLst/>
+          </a:prstGeom>
+          <a:noFill/>
+        </p:spPr>
+        <p:txBody>
+          <a:bodyPr wrap="square">
+            <a:spAutoFit/>
+          </a:bodyPr>
+          <a:lstStyle/>
+          <a:p>
+            <a:pPr lvl="1"/>
+            <a:r>
+              <a:rPr lang="ko-KR" altLang="en-US" sz="4000" dirty="0">
+                <a:solidFill>
+                  <a:srgbClr val="FF0000"/>
+                </a:solidFill>
+                <a:latin typeface="G마켓 산스 TTF Bold" panose="02000000000000000000" pitchFamily="2" charset="-127"/>
+                <a:ea typeface="G마켓 산스 TTF Bold" panose="02000000000000000000" pitchFamily="2" charset="-127"/>
+              </a:rPr>
+              <a:t>대소 비교를 해야 하므로 </a:t>
+            </a:r>
+            <a:r>
+              <a:rPr lang="en-US" altLang="ko-KR" sz="4000" dirty="0">
+                <a:solidFill>
+                  <a:srgbClr val="FF0000"/>
+                </a:solidFill>
+                <a:latin typeface="G마켓 산스 TTF Bold" panose="02000000000000000000" pitchFamily="2" charset="-127"/>
+                <a:ea typeface="G마켓 산스 TTF Bold" panose="02000000000000000000" pitchFamily="2" charset="-127"/>
+              </a:rPr>
+              <a:t>switch</a:t>
+            </a:r>
+            <a:r>
+              <a:rPr lang="ko-KR" altLang="en-US" sz="4000" dirty="0">
+                <a:solidFill>
+                  <a:srgbClr val="FF0000"/>
+                </a:solidFill>
+                <a:latin typeface="G마켓 산스 TTF Bold" panose="02000000000000000000" pitchFamily="2" charset="-127"/>
+                <a:ea typeface="G마켓 산스 TTF Bold" panose="02000000000000000000" pitchFamily="2" charset="-127"/>
+              </a:rPr>
+              <a:t>문 보다 </a:t>
+            </a:r>
+            <a:r>
+              <a:rPr lang="en-US" altLang="ko-KR" sz="4000" dirty="0">
+                <a:solidFill>
+                  <a:srgbClr val="FF0000"/>
+                </a:solidFill>
+                <a:latin typeface="G마켓 산스 TTF Bold" panose="02000000000000000000" pitchFamily="2" charset="-127"/>
+                <a:ea typeface="G마켓 산스 TTF Bold" panose="02000000000000000000" pitchFamily="2" charset="-127"/>
+              </a:rPr>
+              <a:t>if</a:t>
+            </a:r>
+            <a:r>
+              <a:rPr lang="ko-KR" altLang="en-US" sz="4000" dirty="0">
+                <a:solidFill>
+                  <a:srgbClr val="FF0000"/>
+                </a:solidFill>
+                <a:latin typeface="G마켓 산스 TTF Bold" panose="02000000000000000000" pitchFamily="2" charset="-127"/>
+                <a:ea typeface="G마켓 산스 TTF Bold" panose="02000000000000000000" pitchFamily="2" charset="-127"/>
+              </a:rPr>
+              <a:t>문을 써야 한다</a:t>
+            </a:r>
+            <a:r>
+              <a:rPr lang="en-US" altLang="ko-KR" sz="4000" dirty="0">
+                <a:solidFill>
+                  <a:srgbClr val="FF0000"/>
+                </a:solidFill>
+                <a:latin typeface="G마켓 산스 TTF Bold" panose="02000000000000000000" pitchFamily="2" charset="-127"/>
+                <a:ea typeface="G마켓 산스 TTF Bold" panose="02000000000000000000" pitchFamily="2" charset="-127"/>
+              </a:rPr>
+              <a:t>.</a:t>
+            </a:r>
+          </a:p>
+        </p:txBody>
+      </p:sp>
+      <p:sp>
+        <p:nvSpPr>
+          <p:cNvPr id="7" name="직사각형 6">
+            <a:extLst>
+              <a:ext uri="{FF2B5EF4-FFF2-40B4-BE49-F238E27FC236}">
+                <a16:creationId xmlns:a16="http://schemas.microsoft.com/office/drawing/2014/main" id="{E940046F-5A59-B093-99AA-A62E07A58A4B}"/>
+              </a:ext>
+            </a:extLst>
+          </p:cNvPr>
+          <p:cNvSpPr/>
+          <p:nvPr/>
+        </p:nvSpPr>
+        <p:spPr>
+          <a:xfrm>
+            <a:off x="330200" y="1181100"/>
+            <a:ext cx="16357600" cy="8534400"/>
+          </a:xfrm>
+          <a:prstGeom prst="rect">
+            <a:avLst/>
+          </a:prstGeom>
+          <a:solidFill>
+            <a:schemeClr val="bg1"/>
+          </a:solidFill>
+          <a:ln>
+            <a:noFill/>
+          </a:ln>
+        </p:spPr>
+        <p:style>
+          <a:lnRef idx="2">
+            <a:schemeClr val="accent1">
+              <a:shade val="15000"/>
+            </a:schemeClr>
+          </a:lnRef>
+          <a:fillRef idx="1">
+            <a:schemeClr val="accent1"/>
+          </a:fillRef>
+          <a:effectRef idx="0">
+            <a:schemeClr val="accent1"/>
+          </a:effectRef>
+          <a:fontRef idx="minor">
+            <a:schemeClr val="lt1"/>
+          </a:fontRef>
+        </p:style>
+        <p:txBody>
+          <a:bodyPr rtlCol="0" anchor="ctr"/>
+          <a:lstStyle/>
+          <a:p>
+            <a:pPr algn="ctr"/>
+            <a:endParaRPr lang="ko-KR" altLang="en-US"/>
+          </a:p>
+        </p:txBody>
+      </p:sp>
     </p:spTree>
     <p:extLst>
       <p:ext uri="{BB962C8B-B14F-4D97-AF65-F5344CB8AC3E}">
-        <p14:creationId xmlns:p14="http://schemas.microsoft.com/office/powerpoint/2010/main" val="1664884387"/>
+        <p14:creationId xmlns:p14="http://schemas.microsoft.com/office/powerpoint/2010/main" val="837133886"/>
       </p:ext>
     </p:extLst>
   </p:cSld>
   <p:clrMapOvr>
     <a:masterClrMapping/>
   </p:clrMapOvr>
+  <p:timing>
+    <p:tnLst>
+      <p:par>
+        <p:cTn id="1" dur="indefinite" restart="never" nodeType="tmRoot">
+          <p:childTnLst>
+            <p:seq concurrent="1" nextAc="seek">
+              <p:cTn id="2" dur="indefinite" nodeType="mainSeq">
+                <p:childTnLst>
+                  <p:par>
+                    <p:cTn id="3" fill="hold">
+                      <p:stCondLst>
+                        <p:cond delay="indefinite"/>
+                      </p:stCondLst>
+                      <p:childTnLst>
+                        <p:par>
+                          <p:cTn id="4" fill="hold">
+                            <p:stCondLst>
+                              <p:cond delay="0"/>
+                            </p:stCondLst>
+                            <p:childTnLst>
+                              <p:par>
+                                <p:cTn id="5" presetID="1" presetClass="exit" presetSubtype="0" fill="hold" grpId="0" nodeType="clickEffect">
+                                  <p:stCondLst>
+                                    <p:cond delay="0"/>
+                                  </p:stCondLst>
+                                  <p:childTnLst>
+                                    <p:set>
+                                      <p:cBhvr>
+                                        <p:cTn id="6" dur="1" fill="hold">
+                                          <p:stCondLst>
+                                            <p:cond delay="0"/>
+                                          </p:stCondLst>
+                                        </p:cTn>
+                                        <p:tgtEl>
+                                          <p:spTgt spid="7"/>
+                                        </p:tgtEl>
+                                        <p:attrNameLst>
+                                          <p:attrName>style.visibility</p:attrName>
+                                        </p:attrNameLst>
+                                      </p:cBhvr>
+                                      <p:to>
+                                        <p:strVal val="hidden"/>
+                                      </p:to>
+                                    </p:set>
+                                  </p:childTnLst>
+                                </p:cTn>
+                              </p:par>
+                            </p:childTnLst>
+                          </p:cTn>
+                        </p:par>
+                      </p:childTnLst>
+                    </p:cTn>
+                  </p:par>
+                </p:childTnLst>
+              </p:cTn>
+              <p:prevCondLst>
+                <p:cond evt="onPrev" delay="0">
+                  <p:tgtEl>
+                    <p:sldTgt/>
+                  </p:tgtEl>
+                </p:cond>
+              </p:prevCondLst>
+              <p:nextCondLst>
+                <p:cond evt="onNext" delay="0">
+                  <p:tgtEl>
+                    <p:sldTgt/>
+                  </p:tgtEl>
+                </p:cond>
+              </p:nextCondLst>
+            </p:seq>
+          </p:childTnLst>
+        </p:cTn>
+      </p:par>
+    </p:tnLst>
+    <p:bldLst>
+      <p:bldP spid="7" grpId="0" animBg="1"/>
+    </p:bldLst>
+  </p:timing>
 </p:sld>
 </file>
 
@@ -25583,6 +27515,276 @@
           <a:chExt cx="0" cy="0"/>
         </a:xfrm>
       </p:grpSpPr>
+      <p:sp>
+        <p:nvSpPr>
+          <p:cNvPr id="5" name="TextBox 4">
+            <a:extLst>
+              <a:ext uri="{FF2B5EF4-FFF2-40B4-BE49-F238E27FC236}">
+                <a16:creationId xmlns:a16="http://schemas.microsoft.com/office/drawing/2014/main" id="{4EDAA912-8FA0-0F11-119B-EA9F8B36A489}"/>
+              </a:ext>
+            </a:extLst>
+          </p:cNvPr>
+          <p:cNvSpPr txBox="1"/>
+          <p:nvPr/>
+        </p:nvSpPr>
+        <p:spPr>
+          <a:xfrm>
+            <a:off x="762000" y="1230476"/>
+            <a:ext cx="11570796" cy="646331"/>
+          </a:xfrm>
+          <a:prstGeom prst="rect">
+            <a:avLst/>
+          </a:prstGeom>
+          <a:noFill/>
+        </p:spPr>
+        <p:txBody>
+          <a:bodyPr wrap="none" rtlCol="0">
+            <a:spAutoFit/>
+          </a:bodyPr>
+          <a:lstStyle/>
+          <a:p>
+            <a:r>
+              <a:rPr lang="ko-KR" altLang="en-US" sz="3600" dirty="0">
+                <a:solidFill>
+                  <a:srgbClr val="4C50BC"/>
+                </a:solidFill>
+                <a:latin typeface="G마켓 산스 Medium" panose="02000000000000000000" pitchFamily="50" charset="-127"/>
+                <a:ea typeface="G마켓 산스 Medium" panose="02000000000000000000" pitchFamily="50" charset="-127"/>
+              </a:rPr>
+              <a:t>숫자 </a:t>
+            </a:r>
+            <a:r>
+              <a:rPr lang="en-US" altLang="ko-KR" sz="3600" dirty="0">
+                <a:solidFill>
+                  <a:srgbClr val="4C50BC"/>
+                </a:solidFill>
+                <a:latin typeface="G마켓 산스 Medium" panose="02000000000000000000" pitchFamily="50" charset="-127"/>
+                <a:ea typeface="G마켓 산스 Medium" panose="02000000000000000000" pitchFamily="50" charset="-127"/>
+              </a:rPr>
+              <a:t>3</a:t>
+            </a:r>
+            <a:r>
+              <a:rPr lang="ko-KR" altLang="en-US" sz="3600" dirty="0">
+                <a:solidFill>
+                  <a:srgbClr val="4C50BC"/>
+                </a:solidFill>
+                <a:latin typeface="G마켓 산스 Medium" panose="02000000000000000000" pitchFamily="50" charset="-127"/>
+                <a:ea typeface="G마켓 산스 Medium" panose="02000000000000000000" pitchFamily="50" charset="-127"/>
+              </a:rPr>
+              <a:t>개를 입력 받아 중간 크기의 숫자를 출력 </a:t>
+            </a:r>
+            <a:r>
+              <a:rPr lang="ko-KR" altLang="en-US" sz="3600" dirty="0" err="1">
+                <a:solidFill>
+                  <a:srgbClr val="4C50BC"/>
+                </a:solidFill>
+                <a:latin typeface="G마켓 산스 Medium" panose="02000000000000000000" pitchFamily="50" charset="-127"/>
+                <a:ea typeface="G마켓 산스 Medium" panose="02000000000000000000" pitchFamily="50" charset="-127"/>
+              </a:rPr>
+              <a:t>하시오</a:t>
+            </a:r>
+            <a:endParaRPr lang="en-US" altLang="ko-KR" sz="3600" dirty="0">
+              <a:solidFill>
+                <a:srgbClr val="FF0000"/>
+              </a:solidFill>
+              <a:latin typeface="G마켓 산스 Medium" panose="02000000000000000000" pitchFamily="50" charset="-127"/>
+              <a:ea typeface="G마켓 산스 Medium" panose="02000000000000000000" pitchFamily="50" charset="-127"/>
+            </a:endParaRPr>
+          </a:p>
+        </p:txBody>
+      </p:sp>
+      <p:pic>
+        <p:nvPicPr>
+          <p:cNvPr id="6" name="그림 5"/>
+          <p:cNvPicPr>
+            <a:picLocks noChangeAspect="1"/>
+          </p:cNvPicPr>
+          <p:nvPr/>
+        </p:nvPicPr>
+        <p:blipFill>
+          <a:blip r:embed="rId3"/>
+          <a:stretch>
+            <a:fillRect/>
+          </a:stretch>
+        </p:blipFill>
+        <p:spPr>
+          <a:xfrm>
+            <a:off x="1524000" y="2388503"/>
+            <a:ext cx="11400236" cy="2150988"/>
+          </a:xfrm>
+          <a:prstGeom prst="rect">
+            <a:avLst/>
+          </a:prstGeom>
+        </p:spPr>
+      </p:pic>
+      <p:pic>
+        <p:nvPicPr>
+          <p:cNvPr id="3" name="그림 2"/>
+          <p:cNvPicPr>
+            <a:picLocks noChangeAspect="1"/>
+          </p:cNvPicPr>
+          <p:nvPr/>
+        </p:nvPicPr>
+        <p:blipFill>
+          <a:blip r:embed="rId4"/>
+          <a:stretch>
+            <a:fillRect/>
+          </a:stretch>
+        </p:blipFill>
+        <p:spPr>
+          <a:xfrm>
+            <a:off x="1507588" y="5055503"/>
+            <a:ext cx="4114800" cy="3288397"/>
+          </a:xfrm>
+          <a:prstGeom prst="rect">
+            <a:avLst/>
+          </a:prstGeom>
+        </p:spPr>
+      </p:pic>
+      <p:sp>
+        <p:nvSpPr>
+          <p:cNvPr id="2" name="TextBox 1">
+            <a:extLst>
+              <a:ext uri="{FF2B5EF4-FFF2-40B4-BE49-F238E27FC236}">
+                <a16:creationId xmlns:a16="http://schemas.microsoft.com/office/drawing/2014/main" id="{3A5F3EF3-2427-9CFF-99EA-AA66A0F2CB64}"/>
+              </a:ext>
+            </a:extLst>
+          </p:cNvPr>
+          <p:cNvSpPr txBox="1"/>
+          <p:nvPr/>
+        </p:nvSpPr>
+        <p:spPr>
+          <a:xfrm>
+            <a:off x="304800" y="114300"/>
+            <a:ext cx="10972800" cy="923330"/>
+          </a:xfrm>
+          <a:prstGeom prst="rect">
+            <a:avLst/>
+          </a:prstGeom>
+          <a:noFill/>
+        </p:spPr>
+        <p:txBody>
+          <a:bodyPr wrap="square" rtlCol="0">
+            <a:spAutoFit/>
+          </a:bodyPr>
+          <a:lstStyle/>
+          <a:p>
+            <a:r>
+              <a:rPr lang="en-US" altLang="ko-KR" sz="5400" spc="-300" dirty="0">
+                <a:solidFill>
+                  <a:srgbClr val="4C50BC"/>
+                </a:solidFill>
+                <a:latin typeface="G마켓 산스 Bold" panose="02000000000000000000" pitchFamily="50" charset="-127"/>
+                <a:ea typeface="G마켓 산스 Bold" panose="02000000000000000000" pitchFamily="50" charset="-127"/>
+              </a:rPr>
+              <a:t>3-2 </a:t>
+            </a:r>
+            <a:r>
+              <a:rPr lang="ko-KR" altLang="en-US" sz="5400" spc="-300" dirty="0">
+                <a:solidFill>
+                  <a:srgbClr val="4C50BC"/>
+                </a:solidFill>
+                <a:latin typeface="G마켓 산스 Bold" panose="02000000000000000000" pitchFamily="50" charset="-127"/>
+                <a:ea typeface="G마켓 산스 Bold" panose="02000000000000000000" pitchFamily="50" charset="-127"/>
+              </a:rPr>
+              <a:t>실습문제</a:t>
+            </a:r>
+            <a:r>
+              <a:rPr lang="en-US" altLang="ko-KR" sz="5400" spc="-300" dirty="0">
+                <a:solidFill>
+                  <a:srgbClr val="4C50BC"/>
+                </a:solidFill>
+                <a:latin typeface="G마켓 산스 Bold" panose="02000000000000000000" pitchFamily="50" charset="-127"/>
+                <a:ea typeface="G마켓 산스 Bold" panose="02000000000000000000" pitchFamily="50" charset="-127"/>
+              </a:rPr>
+              <a:t> </a:t>
+            </a:r>
+            <a:r>
+              <a:rPr lang="en-US" altLang="ko-KR" sz="5400" spc="-300" dirty="0">
+                <a:solidFill>
+                  <a:srgbClr val="FF0000"/>
+                </a:solidFill>
+                <a:latin typeface="G마켓 산스 Bold" panose="02000000000000000000" pitchFamily="50" charset="-127"/>
+                <a:ea typeface="G마켓 산스 Bold" panose="02000000000000000000" pitchFamily="50" charset="-127"/>
+              </a:rPr>
+              <a:t>(Hard)</a:t>
+            </a:r>
+          </a:p>
+        </p:txBody>
+      </p:sp>
+      <p:cxnSp>
+        <p:nvCxnSpPr>
+          <p:cNvPr id="4" name="직선 연결선 3">
+            <a:extLst>
+              <a:ext uri="{FF2B5EF4-FFF2-40B4-BE49-F238E27FC236}">
+                <a16:creationId xmlns:a16="http://schemas.microsoft.com/office/drawing/2014/main" id="{EA144C87-6C8B-19CC-1204-A388C7EC7C63}"/>
+              </a:ext>
+            </a:extLst>
+          </p:cNvPr>
+          <p:cNvCxnSpPr>
+            <a:cxnSpLocks/>
+          </p:cNvCxnSpPr>
+          <p:nvPr/>
+        </p:nvCxnSpPr>
+        <p:spPr>
+          <a:xfrm flipH="1" flipV="1">
+            <a:off x="-13447" y="972511"/>
+            <a:ext cx="18288000" cy="65119"/>
+          </a:xfrm>
+          <a:prstGeom prst="line">
+            <a:avLst/>
+          </a:prstGeom>
+          <a:ln w="38100">
+            <a:solidFill>
+              <a:srgbClr val="4C50BC"/>
+            </a:solidFill>
+          </a:ln>
+        </p:spPr>
+        <p:style>
+          <a:lnRef idx="1">
+            <a:schemeClr val="accent1"/>
+          </a:lnRef>
+          <a:fillRef idx="0">
+            <a:schemeClr val="accent1"/>
+          </a:fillRef>
+          <a:effectRef idx="0">
+            <a:schemeClr val="accent1"/>
+          </a:effectRef>
+          <a:fontRef idx="minor">
+            <a:schemeClr val="tx1"/>
+          </a:fontRef>
+        </p:style>
+      </p:cxnSp>
+    </p:spTree>
+    <p:extLst>
+      <p:ext uri="{BB962C8B-B14F-4D97-AF65-F5344CB8AC3E}">
+        <p14:creationId xmlns:p14="http://schemas.microsoft.com/office/powerpoint/2010/main" val="1664884387"/>
+      </p:ext>
+    </p:extLst>
+  </p:cSld>
+  <p:clrMapOvr>
+    <a:masterClrMapping/>
+  </p:clrMapOvr>
+</p:sld>
+</file>
+
+<file path=ppt/slides/slide53.xml><?xml version="1.0" encoding="utf-8"?>
+<p:sld xmlns:a="http://schemas.openxmlformats.org/drawingml/2006/main" xmlns:r="http://schemas.openxmlformats.org/officeDocument/2006/relationships" xmlns:p="http://schemas.openxmlformats.org/presentationml/2006/main">
+  <p:cSld>
+    <p:spTree>
+      <p:nvGrpSpPr>
+        <p:cNvPr id="1" name=""/>
+        <p:cNvGrpSpPr/>
+        <p:nvPr/>
+      </p:nvGrpSpPr>
+      <p:grpSpPr>
+        <a:xfrm>
+          <a:off x="0" y="0"/>
+          <a:ext cx="0" cy="0"/>
+          <a:chOff x="0" y="0"/>
+          <a:chExt cx="0" cy="0"/>
+        </a:xfrm>
+      </p:grpSpPr>
       <p:pic>
         <p:nvPicPr>
           <p:cNvPr id="3" name="그림 2">
@@ -25613,54 +27815,6 @@
           </a:prstGeom>
         </p:spPr>
       </p:pic>
-      <p:sp>
-        <p:nvSpPr>
-          <p:cNvPr id="4" name="TextBox 3">
-            <a:extLst>
-              <a:ext uri="{FF2B5EF4-FFF2-40B4-BE49-F238E27FC236}">
-                <a16:creationId xmlns:a16="http://schemas.microsoft.com/office/drawing/2014/main" id="{83984F9D-D038-272E-E4BC-9D066CE2DFB5}"/>
-              </a:ext>
-            </a:extLst>
-          </p:cNvPr>
-          <p:cNvSpPr txBox="1"/>
-          <p:nvPr/>
-        </p:nvSpPr>
-        <p:spPr>
-          <a:xfrm>
-            <a:off x="685800" y="190500"/>
-            <a:ext cx="1665841" cy="1015663"/>
-          </a:xfrm>
-          <a:prstGeom prst="rect">
-            <a:avLst/>
-          </a:prstGeom>
-          <a:noFill/>
-        </p:spPr>
-        <p:txBody>
-          <a:bodyPr wrap="none" rtlCol="0">
-            <a:spAutoFit/>
-          </a:bodyPr>
-          <a:lstStyle/>
-          <a:p>
-            <a:r>
-              <a:rPr lang="ko-KR" altLang="en-US" sz="6000" dirty="0">
-                <a:solidFill>
-                  <a:srgbClr val="4C50BB"/>
-                </a:solidFill>
-                <a:latin typeface="G마켓 산스 TTF Bold" panose="02000000000000000000" pitchFamily="2" charset="-127"/>
-                <a:ea typeface="G마켓 산스 TTF Bold" panose="02000000000000000000" pitchFamily="2" charset="-127"/>
-              </a:rPr>
-              <a:t>해설</a:t>
-            </a:r>
-            <a:endParaRPr lang="ko-KR" altLang="en-US" sz="800" dirty="0">
-              <a:solidFill>
-                <a:srgbClr val="4C50BB"/>
-              </a:solidFill>
-              <a:latin typeface="G마켓 산스 TTF Bold" panose="02000000000000000000" pitchFamily="2" charset="-127"/>
-              <a:ea typeface="G마켓 산스 TTF Bold" panose="02000000000000000000" pitchFamily="2" charset="-127"/>
-            </a:endParaRPr>
-          </a:p>
-        </p:txBody>
-      </p:sp>
       <p:sp>
         <p:nvSpPr>
           <p:cNvPr id="9" name="TextBox 8">
@@ -25857,6 +28011,120 @@
           </a:p>
         </p:txBody>
       </p:sp>
+      <p:sp>
+        <p:nvSpPr>
+          <p:cNvPr id="2" name="TextBox 1">
+            <a:extLst>
+              <a:ext uri="{FF2B5EF4-FFF2-40B4-BE49-F238E27FC236}">
+                <a16:creationId xmlns:a16="http://schemas.microsoft.com/office/drawing/2014/main" id="{C0DDDB47-029A-5DA7-3BBC-79F890CF0038}"/>
+              </a:ext>
+            </a:extLst>
+          </p:cNvPr>
+          <p:cNvSpPr txBox="1"/>
+          <p:nvPr/>
+        </p:nvSpPr>
+        <p:spPr>
+          <a:xfrm>
+            <a:off x="304800" y="114300"/>
+            <a:ext cx="10972800" cy="923330"/>
+          </a:xfrm>
+          <a:prstGeom prst="rect">
+            <a:avLst/>
+          </a:prstGeom>
+          <a:noFill/>
+        </p:spPr>
+        <p:txBody>
+          <a:bodyPr wrap="square" rtlCol="0">
+            <a:spAutoFit/>
+          </a:bodyPr>
+          <a:lstStyle/>
+          <a:p>
+            <a:r>
+              <a:rPr lang="en-US" altLang="ko-KR" sz="5400" spc="-300" dirty="0">
+                <a:solidFill>
+                  <a:srgbClr val="4C50BC"/>
+                </a:solidFill>
+                <a:latin typeface="G마켓 산스 Bold" panose="02000000000000000000" pitchFamily="50" charset="-127"/>
+                <a:ea typeface="G마켓 산스 Bold" panose="02000000000000000000" pitchFamily="50" charset="-127"/>
+              </a:rPr>
+              <a:t>3-2 </a:t>
+            </a:r>
+            <a:r>
+              <a:rPr lang="ko-KR" altLang="en-US" sz="5400" spc="-300" dirty="0">
+                <a:solidFill>
+                  <a:srgbClr val="4C50BC"/>
+                </a:solidFill>
+                <a:latin typeface="G마켓 산스 Bold" panose="02000000000000000000" pitchFamily="50" charset="-127"/>
+                <a:ea typeface="G마켓 산스 Bold" panose="02000000000000000000" pitchFamily="50" charset="-127"/>
+              </a:rPr>
+              <a:t>문제풀이</a:t>
+            </a:r>
+            <a:r>
+              <a:rPr lang="en-US" altLang="ko-KR" sz="5400" spc="-300" dirty="0">
+                <a:solidFill>
+                  <a:srgbClr val="4C50BC"/>
+                </a:solidFill>
+                <a:latin typeface="G마켓 산스 Bold" panose="02000000000000000000" pitchFamily="50" charset="-127"/>
+                <a:ea typeface="G마켓 산스 Bold" panose="02000000000000000000" pitchFamily="50" charset="-127"/>
+              </a:rPr>
+              <a:t> </a:t>
+            </a:r>
+            <a:r>
+              <a:rPr lang="en-US" altLang="ko-KR" sz="5400" spc="-300" dirty="0">
+                <a:solidFill>
+                  <a:srgbClr val="FF0000"/>
+                </a:solidFill>
+                <a:latin typeface="G마켓 산스 Bold" panose="02000000000000000000" pitchFamily="50" charset="-127"/>
+                <a:ea typeface="G마켓 산스 Bold" panose="02000000000000000000" pitchFamily="50" charset="-127"/>
+              </a:rPr>
+              <a:t>(Hard)</a:t>
+            </a:r>
+          </a:p>
+        </p:txBody>
+      </p:sp>
+      <p:cxnSp>
+        <p:nvCxnSpPr>
+          <p:cNvPr id="6" name="직선 연결선 5">
+            <a:extLst>
+              <a:ext uri="{FF2B5EF4-FFF2-40B4-BE49-F238E27FC236}">
+                <a16:creationId xmlns:a16="http://schemas.microsoft.com/office/drawing/2014/main" id="{31297D37-CF84-89D7-644D-26BEA895CC2C}"/>
+              </a:ext>
+            </a:extLst>
+          </p:cNvPr>
+          <p:cNvCxnSpPr>
+            <a:cxnSpLocks/>
+          </p:cNvCxnSpPr>
+          <p:nvPr/>
+        </p:nvCxnSpPr>
+        <p:spPr>
+          <a:xfrm flipH="1" flipV="1">
+            <a:off x="-13447" y="972511"/>
+            <a:ext cx="18288000" cy="65119"/>
+          </a:xfrm>
+          <a:prstGeom prst="line">
+            <a:avLst/>
+          </a:prstGeom>
+          <a:ln w="38100">
+            <a:solidFill>
+              <a:srgbClr val="4C50BC"/>
+            </a:solidFill>
+          </a:ln>
+        </p:spPr>
+        <p:style>
+          <a:lnRef idx="1">
+            <a:schemeClr val="accent1"/>
+          </a:lnRef>
+          <a:fillRef idx="0">
+            <a:schemeClr val="accent1"/>
+          </a:fillRef>
+          <a:effectRef idx="0">
+            <a:schemeClr val="accent1"/>
+          </a:effectRef>
+          <a:fontRef idx="minor">
+            <a:schemeClr val="tx1"/>
+          </a:fontRef>
+        </p:style>
+      </p:cxnSp>
     </p:spTree>
     <p:extLst>
       <p:ext uri="{BB962C8B-B14F-4D97-AF65-F5344CB8AC3E}">
@@ -25948,7 +28216,7 @@
 </p:sld>
 </file>
 
-<file path=ppt/slides/slide53.xml><?xml version="1.0" encoding="utf-8"?>
+<file path=ppt/slides/slide54.xml><?xml version="1.0" encoding="utf-8"?>
 <p:sld xmlns:a="http://schemas.openxmlformats.org/drawingml/2006/main" xmlns:r="http://schemas.openxmlformats.org/officeDocument/2006/relationships" xmlns:p="http://schemas.openxmlformats.org/presentationml/2006/main">
   <p:cSld>
     <p:spTree>
@@ -25987,7 +28255,7 @@
         </p:blipFill>
         <p:spPr>
           <a:xfrm>
-            <a:off x="1295400" y="876300"/>
+            <a:off x="1295400" y="1257300"/>
             <a:ext cx="9296400" cy="8554666"/>
           </a:xfrm>
           <a:prstGeom prst="rect">
@@ -26012,7 +28280,7 @@
         </p:nvCxnSpPr>
         <p:spPr>
           <a:xfrm flipV="1">
-            <a:off x="7467600" y="4794260"/>
+            <a:off x="7467600" y="5175260"/>
             <a:ext cx="3545114" cy="3244840"/>
           </a:xfrm>
           <a:prstGeom prst="straightConnector1">
@@ -26051,7 +28319,7 @@
         </p:nvSpPr>
         <p:spPr>
           <a:xfrm>
-            <a:off x="1295400" y="8039100"/>
+            <a:off x="1295400" y="8420100"/>
             <a:ext cx="9144000" cy="533400"/>
           </a:xfrm>
           <a:prstGeom prst="rect">
@@ -26103,7 +28371,7 @@
         </p:nvSpPr>
         <p:spPr>
           <a:xfrm>
-            <a:off x="11012714" y="3086100"/>
+            <a:off x="11012714" y="3467100"/>
             <a:ext cx="7467600" cy="3416320"/>
           </a:xfrm>
           <a:prstGeom prst="rect">
@@ -26294,7 +28562,7 @@
         </p:nvSpPr>
         <p:spPr>
           <a:xfrm>
-            <a:off x="990600" y="355523"/>
+            <a:off x="990600" y="736523"/>
             <a:ext cx="16992599" cy="9512377"/>
           </a:xfrm>
           <a:prstGeom prst="rect">
@@ -26332,6 +28600,120 @@
           </a:p>
         </p:txBody>
       </p:sp>
+      <p:sp>
+        <p:nvSpPr>
+          <p:cNvPr id="2" name="TextBox 1">
+            <a:extLst>
+              <a:ext uri="{FF2B5EF4-FFF2-40B4-BE49-F238E27FC236}">
+                <a16:creationId xmlns:a16="http://schemas.microsoft.com/office/drawing/2014/main" id="{1174767F-B94A-1E4F-0BB4-0F38A911DBCD}"/>
+              </a:ext>
+            </a:extLst>
+          </p:cNvPr>
+          <p:cNvSpPr txBox="1"/>
+          <p:nvPr/>
+        </p:nvSpPr>
+        <p:spPr>
+          <a:xfrm>
+            <a:off x="304800" y="114300"/>
+            <a:ext cx="10972800" cy="923330"/>
+          </a:xfrm>
+          <a:prstGeom prst="rect">
+            <a:avLst/>
+          </a:prstGeom>
+          <a:noFill/>
+        </p:spPr>
+        <p:txBody>
+          <a:bodyPr wrap="square" rtlCol="0">
+            <a:spAutoFit/>
+          </a:bodyPr>
+          <a:lstStyle/>
+          <a:p>
+            <a:r>
+              <a:rPr lang="en-US" altLang="ko-KR" sz="5400" spc="-300" dirty="0">
+                <a:solidFill>
+                  <a:srgbClr val="4C50BC"/>
+                </a:solidFill>
+                <a:latin typeface="G마켓 산스 Bold" panose="02000000000000000000" pitchFamily="50" charset="-127"/>
+                <a:ea typeface="G마켓 산스 Bold" panose="02000000000000000000" pitchFamily="50" charset="-127"/>
+              </a:rPr>
+              <a:t>3-2 </a:t>
+            </a:r>
+            <a:r>
+              <a:rPr lang="ko-KR" altLang="en-US" sz="5400" spc="-300" dirty="0">
+                <a:solidFill>
+                  <a:srgbClr val="4C50BC"/>
+                </a:solidFill>
+                <a:latin typeface="G마켓 산스 Bold" panose="02000000000000000000" pitchFamily="50" charset="-127"/>
+                <a:ea typeface="G마켓 산스 Bold" panose="02000000000000000000" pitchFamily="50" charset="-127"/>
+              </a:rPr>
+              <a:t>문제풀이</a:t>
+            </a:r>
+            <a:r>
+              <a:rPr lang="en-US" altLang="ko-KR" sz="5400" spc="-300" dirty="0">
+                <a:solidFill>
+                  <a:srgbClr val="4C50BC"/>
+                </a:solidFill>
+                <a:latin typeface="G마켓 산스 Bold" panose="02000000000000000000" pitchFamily="50" charset="-127"/>
+                <a:ea typeface="G마켓 산스 Bold" panose="02000000000000000000" pitchFamily="50" charset="-127"/>
+              </a:rPr>
+              <a:t> </a:t>
+            </a:r>
+            <a:r>
+              <a:rPr lang="en-US" altLang="ko-KR" sz="5400" spc="-300" dirty="0">
+                <a:solidFill>
+                  <a:srgbClr val="FF0000"/>
+                </a:solidFill>
+                <a:latin typeface="G마켓 산스 Bold" panose="02000000000000000000" pitchFamily="50" charset="-127"/>
+                <a:ea typeface="G마켓 산스 Bold" panose="02000000000000000000" pitchFamily="50" charset="-127"/>
+              </a:rPr>
+              <a:t>(Hard)</a:t>
+            </a:r>
+          </a:p>
+        </p:txBody>
+      </p:sp>
+      <p:cxnSp>
+        <p:nvCxnSpPr>
+          <p:cNvPr id="3" name="직선 연결선 2">
+            <a:extLst>
+              <a:ext uri="{FF2B5EF4-FFF2-40B4-BE49-F238E27FC236}">
+                <a16:creationId xmlns:a16="http://schemas.microsoft.com/office/drawing/2014/main" id="{2A9BC6EB-5C95-E345-9795-49585761FAD9}"/>
+              </a:ext>
+            </a:extLst>
+          </p:cNvPr>
+          <p:cNvCxnSpPr>
+            <a:cxnSpLocks/>
+          </p:cNvCxnSpPr>
+          <p:nvPr/>
+        </p:nvCxnSpPr>
+        <p:spPr>
+          <a:xfrm flipH="1" flipV="1">
+            <a:off x="-13447" y="972511"/>
+            <a:ext cx="18288000" cy="65119"/>
+          </a:xfrm>
+          <a:prstGeom prst="line">
+            <a:avLst/>
+          </a:prstGeom>
+          <a:ln w="38100">
+            <a:solidFill>
+              <a:srgbClr val="4C50BC"/>
+            </a:solidFill>
+          </a:ln>
+        </p:spPr>
+        <p:style>
+          <a:lnRef idx="1">
+            <a:schemeClr val="accent1"/>
+          </a:lnRef>
+          <a:fillRef idx="0">
+            <a:schemeClr val="accent1"/>
+          </a:fillRef>
+          <a:effectRef idx="0">
+            <a:schemeClr val="accent1"/>
+          </a:effectRef>
+          <a:fontRef idx="minor">
+            <a:schemeClr val="tx1"/>
+          </a:fontRef>
+        </p:style>
+      </p:cxnSp>
     </p:spTree>
     <p:extLst>
       <p:ext uri="{BB962C8B-B14F-4D97-AF65-F5344CB8AC3E}">
@@ -26423,7 +28805,7 @@
 </p:sld>
 </file>
 
-<file path=ppt/slides/slide54.xml><?xml version="1.0" encoding="utf-8"?>
+<file path=ppt/slides/slide55.xml><?xml version="1.0" encoding="utf-8"?>
 <p:sld xmlns:a="http://schemas.openxmlformats.org/drawingml/2006/main" xmlns:r="http://schemas.openxmlformats.org/officeDocument/2006/relationships" xmlns:p="http://schemas.openxmlformats.org/presentationml/2006/main">
   <p:cSld>
     <p:spTree>
@@ -26454,7 +28836,7 @@
         </p:nvSpPr>
         <p:spPr>
           <a:xfrm>
-            <a:off x="685800" y="571500"/>
+            <a:off x="685800" y="1409700"/>
             <a:ext cx="17535570" cy="3970318"/>
           </a:xfrm>
           <a:prstGeom prst="rect">
@@ -26860,7 +29242,7 @@
         </p:blipFill>
         <p:spPr>
           <a:xfrm>
-            <a:off x="914400" y="4762500"/>
+            <a:off x="914400" y="5600700"/>
             <a:ext cx="5334887" cy="2057400"/>
           </a:xfrm>
           <a:prstGeom prst="rect">
@@ -26884,7 +29266,7 @@
         </p:blipFill>
         <p:spPr>
           <a:xfrm>
-            <a:off x="6781799" y="4778828"/>
+            <a:off x="6781799" y="5617028"/>
             <a:ext cx="3435803" cy="2041071"/>
           </a:xfrm>
           <a:prstGeom prst="rect">
@@ -26908,7 +29290,7 @@
         </p:blipFill>
         <p:spPr>
           <a:xfrm>
-            <a:off x="10750114" y="4800599"/>
+            <a:off x="10750114" y="5638799"/>
             <a:ext cx="4185086" cy="2070043"/>
           </a:xfrm>
           <a:prstGeom prst="rect">
@@ -26916,6 +29298,120 @@
           </a:prstGeom>
         </p:spPr>
       </p:pic>
+      <p:sp>
+        <p:nvSpPr>
+          <p:cNvPr id="6" name="TextBox 5">
+            <a:extLst>
+              <a:ext uri="{FF2B5EF4-FFF2-40B4-BE49-F238E27FC236}">
+                <a16:creationId xmlns:a16="http://schemas.microsoft.com/office/drawing/2014/main" id="{CF27986E-E269-46AC-046A-C9661099AB2D}"/>
+              </a:ext>
+            </a:extLst>
+          </p:cNvPr>
+          <p:cNvSpPr txBox="1"/>
+          <p:nvPr/>
+        </p:nvSpPr>
+        <p:spPr>
+          <a:xfrm>
+            <a:off x="304800" y="114300"/>
+            <a:ext cx="10972800" cy="923330"/>
+          </a:xfrm>
+          <a:prstGeom prst="rect">
+            <a:avLst/>
+          </a:prstGeom>
+          <a:noFill/>
+        </p:spPr>
+        <p:txBody>
+          <a:bodyPr wrap="square" rtlCol="0">
+            <a:spAutoFit/>
+          </a:bodyPr>
+          <a:lstStyle/>
+          <a:p>
+            <a:r>
+              <a:rPr lang="en-US" altLang="ko-KR" sz="5400" spc="-300" dirty="0">
+                <a:solidFill>
+                  <a:srgbClr val="4C50BC"/>
+                </a:solidFill>
+                <a:latin typeface="G마켓 산스 Bold" panose="02000000000000000000" pitchFamily="50" charset="-127"/>
+                <a:ea typeface="G마켓 산스 Bold" panose="02000000000000000000" pitchFamily="50" charset="-127"/>
+              </a:rPr>
+              <a:t>3-3 </a:t>
+            </a:r>
+            <a:r>
+              <a:rPr lang="ko-KR" altLang="en-US" sz="5400" spc="-300" dirty="0">
+                <a:solidFill>
+                  <a:srgbClr val="4C50BC"/>
+                </a:solidFill>
+                <a:latin typeface="G마켓 산스 Bold" panose="02000000000000000000" pitchFamily="50" charset="-127"/>
+                <a:ea typeface="G마켓 산스 Bold" panose="02000000000000000000" pitchFamily="50" charset="-127"/>
+              </a:rPr>
+              <a:t>실습문제</a:t>
+            </a:r>
+            <a:r>
+              <a:rPr lang="en-US" altLang="ko-KR" sz="5400" spc="-300" dirty="0">
+                <a:solidFill>
+                  <a:srgbClr val="4C50BC"/>
+                </a:solidFill>
+                <a:latin typeface="G마켓 산스 Bold" panose="02000000000000000000" pitchFamily="50" charset="-127"/>
+                <a:ea typeface="G마켓 산스 Bold" panose="02000000000000000000" pitchFamily="50" charset="-127"/>
+              </a:rPr>
+              <a:t> </a:t>
+            </a:r>
+            <a:r>
+              <a:rPr lang="en-US" altLang="ko-KR" sz="5400" spc="-300" dirty="0">
+                <a:solidFill>
+                  <a:srgbClr val="FF0000"/>
+                </a:solidFill>
+                <a:latin typeface="G마켓 산스 Bold" panose="02000000000000000000" pitchFamily="50" charset="-127"/>
+                <a:ea typeface="G마켓 산스 Bold" panose="02000000000000000000" pitchFamily="50" charset="-127"/>
+              </a:rPr>
+              <a:t>(Expert)</a:t>
+            </a:r>
+          </a:p>
+        </p:txBody>
+      </p:sp>
+      <p:cxnSp>
+        <p:nvCxnSpPr>
+          <p:cNvPr id="7" name="직선 연결선 6">
+            <a:extLst>
+              <a:ext uri="{FF2B5EF4-FFF2-40B4-BE49-F238E27FC236}">
+                <a16:creationId xmlns:a16="http://schemas.microsoft.com/office/drawing/2014/main" id="{37AB211C-9E33-C8C8-768F-5A91E3771419}"/>
+              </a:ext>
+            </a:extLst>
+          </p:cNvPr>
+          <p:cNvCxnSpPr>
+            <a:cxnSpLocks/>
+          </p:cNvCxnSpPr>
+          <p:nvPr/>
+        </p:nvCxnSpPr>
+        <p:spPr>
+          <a:xfrm flipH="1" flipV="1">
+            <a:off x="-13447" y="972511"/>
+            <a:ext cx="18288000" cy="65119"/>
+          </a:xfrm>
+          <a:prstGeom prst="line">
+            <a:avLst/>
+          </a:prstGeom>
+          <a:ln w="38100">
+            <a:solidFill>
+              <a:srgbClr val="4C50BC"/>
+            </a:solidFill>
+          </a:ln>
+        </p:spPr>
+        <p:style>
+          <a:lnRef idx="1">
+            <a:schemeClr val="accent1"/>
+          </a:lnRef>
+          <a:fillRef idx="0">
+            <a:schemeClr val="accent1"/>
+          </a:fillRef>
+          <a:effectRef idx="0">
+            <a:schemeClr val="accent1"/>
+          </a:effectRef>
+          <a:fontRef idx="minor">
+            <a:schemeClr val="tx1"/>
+          </a:fontRef>
+        </p:style>
+      </p:cxnSp>
     </p:spTree>
     <p:extLst>
       <p:ext uri="{BB962C8B-B14F-4D97-AF65-F5344CB8AC3E}">
@@ -26929,7 +29425,7 @@
 </p:sld>
 </file>
 
-<file path=ppt/slides/slide55.xml><?xml version="1.0" encoding="utf-8"?>
+<file path=ppt/slides/slide56.xml><?xml version="1.0" encoding="utf-8"?>
 <p:sld xmlns:a="http://schemas.openxmlformats.org/drawingml/2006/main" xmlns:r="http://schemas.openxmlformats.org/officeDocument/2006/relationships" xmlns:p="http://schemas.openxmlformats.org/presentationml/2006/main">
   <p:cSld>
     <p:spTree>
@@ -26962,7 +29458,7 @@
         </p:blipFill>
         <p:spPr>
           <a:xfrm>
-            <a:off x="2286000" y="1714500"/>
+            <a:off x="1828800" y="2552700"/>
             <a:ext cx="13226182" cy="6324600"/>
           </a:xfrm>
           <a:prstGeom prst="rect">
@@ -26970,42 +29466,172 @@
           </a:prstGeom>
         </p:spPr>
       </p:pic>
-      <p:pic>
-        <p:nvPicPr>
-          <p:cNvPr id="5" name="그림 4"/>
-          <p:cNvPicPr>
-            <a:picLocks noChangeAspect="1"/>
-          </p:cNvPicPr>
-          <p:nvPr/>
-        </p:nvPicPr>
-        <p:blipFill>
-          <a:blip r:embed="rId3">
-            <a:extLst>
-              <a:ext uri="{BEBA8EAE-BF5A-486C-A8C5-ECC9F3942E4B}">
-                <a14:imgProps xmlns:a14="http://schemas.microsoft.com/office/drawing/2010/main">
-                  <a14:imgLayer r:embed="rId4">
-                    <a14:imgEffect>
-                      <a14:artisticBlur radius="25"/>
-                    </a14:imgEffect>
-                  </a14:imgLayer>
-                </a14:imgProps>
-              </a:ext>
-            </a:extLst>
-          </a:blip>
-          <a:stretch>
-            <a:fillRect/>
-          </a:stretch>
-        </p:blipFill>
-        <p:spPr>
-          <a:xfrm>
-            <a:off x="2286000" y="1714500"/>
-            <a:ext cx="13226182" cy="6324600"/>
-          </a:xfrm>
-          <a:prstGeom prst="rect">
-            <a:avLst/>
-          </a:prstGeom>
-        </p:spPr>
-      </p:pic>
+      <p:sp>
+        <p:nvSpPr>
+          <p:cNvPr id="2" name="TextBox 1">
+            <a:extLst>
+              <a:ext uri="{FF2B5EF4-FFF2-40B4-BE49-F238E27FC236}">
+                <a16:creationId xmlns:a16="http://schemas.microsoft.com/office/drawing/2014/main" id="{45626DF6-4D60-D01F-B729-AC74ED594DFD}"/>
+              </a:ext>
+            </a:extLst>
+          </p:cNvPr>
+          <p:cNvSpPr txBox="1"/>
+          <p:nvPr/>
+        </p:nvSpPr>
+        <p:spPr>
+          <a:xfrm>
+            <a:off x="304800" y="114300"/>
+            <a:ext cx="10972800" cy="923330"/>
+          </a:xfrm>
+          <a:prstGeom prst="rect">
+            <a:avLst/>
+          </a:prstGeom>
+          <a:noFill/>
+        </p:spPr>
+        <p:txBody>
+          <a:bodyPr wrap="square" rtlCol="0">
+            <a:spAutoFit/>
+          </a:bodyPr>
+          <a:lstStyle/>
+          <a:p>
+            <a:r>
+              <a:rPr lang="en-US" altLang="ko-KR" sz="5400" spc="-300" dirty="0">
+                <a:solidFill>
+                  <a:srgbClr val="4C50BC"/>
+                </a:solidFill>
+                <a:latin typeface="G마켓 산스 Bold" panose="02000000000000000000" pitchFamily="50" charset="-127"/>
+                <a:ea typeface="G마켓 산스 Bold" panose="02000000000000000000" pitchFamily="50" charset="-127"/>
+              </a:rPr>
+              <a:t>3-3 </a:t>
+            </a:r>
+            <a:r>
+              <a:rPr lang="ko-KR" altLang="en-US" sz="5400" spc="-300" dirty="0">
+                <a:solidFill>
+                  <a:srgbClr val="4C50BC"/>
+                </a:solidFill>
+                <a:latin typeface="G마켓 산스 Bold" panose="02000000000000000000" pitchFamily="50" charset="-127"/>
+                <a:ea typeface="G마켓 산스 Bold" panose="02000000000000000000" pitchFamily="50" charset="-127"/>
+              </a:rPr>
+              <a:t>문제풀이</a:t>
+            </a:r>
+            <a:r>
+              <a:rPr lang="en-US" altLang="ko-KR" sz="5400" spc="-300" dirty="0">
+                <a:solidFill>
+                  <a:srgbClr val="4C50BC"/>
+                </a:solidFill>
+                <a:latin typeface="G마켓 산스 Bold" panose="02000000000000000000" pitchFamily="50" charset="-127"/>
+                <a:ea typeface="G마켓 산스 Bold" panose="02000000000000000000" pitchFamily="50" charset="-127"/>
+              </a:rPr>
+              <a:t> </a:t>
+            </a:r>
+            <a:r>
+              <a:rPr lang="en-US" altLang="ko-KR" sz="5400" spc="-300" dirty="0">
+                <a:solidFill>
+                  <a:srgbClr val="FF0000"/>
+                </a:solidFill>
+                <a:latin typeface="G마켓 산스 Bold" panose="02000000000000000000" pitchFamily="50" charset="-127"/>
+                <a:ea typeface="G마켓 산스 Bold" panose="02000000000000000000" pitchFamily="50" charset="-127"/>
+              </a:rPr>
+              <a:t>(Expert)</a:t>
+            </a:r>
+          </a:p>
+        </p:txBody>
+      </p:sp>
+      <p:cxnSp>
+        <p:nvCxnSpPr>
+          <p:cNvPr id="3" name="직선 연결선 2">
+            <a:extLst>
+              <a:ext uri="{FF2B5EF4-FFF2-40B4-BE49-F238E27FC236}">
+                <a16:creationId xmlns:a16="http://schemas.microsoft.com/office/drawing/2014/main" id="{710A272C-468B-564A-339C-07D62CD7A7C8}"/>
+              </a:ext>
+            </a:extLst>
+          </p:cNvPr>
+          <p:cNvCxnSpPr>
+            <a:cxnSpLocks/>
+          </p:cNvCxnSpPr>
+          <p:nvPr/>
+        </p:nvCxnSpPr>
+        <p:spPr>
+          <a:xfrm flipH="1" flipV="1">
+            <a:off x="-13447" y="972511"/>
+            <a:ext cx="18288000" cy="65119"/>
+          </a:xfrm>
+          <a:prstGeom prst="line">
+            <a:avLst/>
+          </a:prstGeom>
+          <a:ln w="38100">
+            <a:solidFill>
+              <a:srgbClr val="4C50BC"/>
+            </a:solidFill>
+          </a:ln>
+        </p:spPr>
+        <p:style>
+          <a:lnRef idx="1">
+            <a:schemeClr val="accent1"/>
+          </a:lnRef>
+          <a:fillRef idx="0">
+            <a:schemeClr val="accent1"/>
+          </a:fillRef>
+          <a:effectRef idx="0">
+            <a:schemeClr val="accent1"/>
+          </a:effectRef>
+          <a:fontRef idx="minor">
+            <a:schemeClr val="tx1"/>
+          </a:fontRef>
+        </p:style>
+      </p:cxnSp>
+      <p:sp>
+        <p:nvSpPr>
+          <p:cNvPr id="6" name="직사각형 5">
+            <a:extLst>
+              <a:ext uri="{FF2B5EF4-FFF2-40B4-BE49-F238E27FC236}">
+                <a16:creationId xmlns:a16="http://schemas.microsoft.com/office/drawing/2014/main" id="{992B56CF-2CBB-10B5-4B37-3E5BD1939D1B}"/>
+              </a:ext>
+            </a:extLst>
+          </p:cNvPr>
+          <p:cNvSpPr/>
+          <p:nvPr/>
+        </p:nvSpPr>
+        <p:spPr>
+          <a:xfrm>
+            <a:off x="914400" y="1538470"/>
+            <a:ext cx="16992599" cy="8353059"/>
+          </a:xfrm>
+          <a:prstGeom prst="rect">
+            <a:avLst/>
+          </a:prstGeom>
+          <a:solidFill>
+            <a:schemeClr val="bg1"/>
+          </a:solidFill>
+          <a:ln>
+            <a:noFill/>
+          </a:ln>
+        </p:spPr>
+        <p:style>
+          <a:lnRef idx="2">
+            <a:schemeClr val="accent1">
+              <a:shade val="15000"/>
+            </a:schemeClr>
+          </a:lnRef>
+          <a:fillRef idx="1">
+            <a:schemeClr val="accent1"/>
+          </a:fillRef>
+          <a:effectRef idx="0">
+            <a:schemeClr val="accent1"/>
+          </a:effectRef>
+          <a:fontRef idx="minor">
+            <a:schemeClr val="lt1"/>
+          </a:fontRef>
+        </p:style>
+        <p:txBody>
+          <a:bodyPr rtlCol="0" anchor="ctr"/>
+          <a:lstStyle/>
+          <a:p>
+            <a:pPr algn="ctr"/>
+            <a:endParaRPr lang="ko-KR" altLang="en-US"/>
+          </a:p>
+        </p:txBody>
+      </p:sp>
     </p:spTree>
     <p:extLst>
       <p:ext uri="{BB962C8B-B14F-4D97-AF65-F5344CB8AC3E}">
@@ -27037,7 +29663,7 @@
                             </p:stCondLst>
                             <p:childTnLst>
                               <p:par>
-                                <p:cTn id="5" presetID="1" presetClass="exit" presetSubtype="0" fill="hold" nodeType="clickEffect">
+                                <p:cTn id="5" presetID="1" presetClass="exit" presetSubtype="0" fill="hold" grpId="0" nodeType="clickEffect">
                                   <p:stCondLst>
                                     <p:cond delay="0"/>
                                   </p:stCondLst>
@@ -27050,7 +29676,7 @@
                                           </p:stCondLst>
                                         </p:cTn>
                                         <p:tgtEl>
-                                          <p:spTgt spid="5"/>
+                                          <p:spTgt spid="6"/>
                                         </p:tgtEl>
                                         <p:attrNameLst>
                                           <p:attrName>style.visibility</p:attrName>
@@ -27090,11 +29716,14 @@
         </p:cTn>
       </p:par>
     </p:tnLst>
+    <p:bldLst>
+      <p:bldP spid="6" grpId="0" animBg="1"/>
+    </p:bldLst>
   </p:timing>
 </p:sld>
 </file>
 
-<file path=ppt/slides/slide56.xml><?xml version="1.0" encoding="utf-8"?>
+<file path=ppt/slides/slide57.xml><?xml version="1.0" encoding="utf-8"?>
 <p:sld xmlns:a="http://schemas.openxmlformats.org/drawingml/2006/main" xmlns:r="http://schemas.openxmlformats.org/officeDocument/2006/relationships" xmlns:p="http://schemas.openxmlformats.org/presentationml/2006/main">
   <p:cSld name="Slide 20">
     <p:bg>
@@ -27860,12 +30489,55 @@
           </a:p>
         </p:txBody>
       </p:sp>
+      <p:cxnSp>
+        <p:nvCxnSpPr>
+          <p:cNvPr id="2" name="직선 연결선 1">
+            <a:extLst>
+              <a:ext uri="{FF2B5EF4-FFF2-40B4-BE49-F238E27FC236}">
+                <a16:creationId xmlns:a16="http://schemas.microsoft.com/office/drawing/2014/main" id="{0796EB99-FF22-7C19-86AA-57007467D8A4}"/>
+              </a:ext>
+            </a:extLst>
+          </p:cNvPr>
+          <p:cNvCxnSpPr>
+            <a:cxnSpLocks/>
+          </p:cNvCxnSpPr>
+          <p:nvPr/>
+        </p:nvCxnSpPr>
+        <p:spPr>
+          <a:xfrm flipH="1" flipV="1">
+            <a:off x="-13447" y="972511"/>
+            <a:ext cx="18288000" cy="65119"/>
+          </a:xfrm>
+          <a:prstGeom prst="line">
+            <a:avLst/>
+          </a:prstGeom>
+          <a:ln w="38100">
+            <a:solidFill>
+              <a:srgbClr val="4C50BC"/>
+            </a:solidFill>
+          </a:ln>
+        </p:spPr>
+        <p:style>
+          <a:lnRef idx="1">
+            <a:schemeClr val="accent1"/>
+          </a:lnRef>
+          <a:fillRef idx="0">
+            <a:schemeClr val="accent1"/>
+          </a:fillRef>
+          <a:effectRef idx="0">
+            <a:schemeClr val="accent1"/>
+          </a:effectRef>
+          <a:fontRef idx="minor">
+            <a:schemeClr val="tx1"/>
+          </a:fontRef>
+        </p:style>
+      </p:cxnSp>
       <p:sp>
         <p:nvSpPr>
-          <p:cNvPr id="11" name="TextBox 10">
-            <a:extLst>
-              <a:ext uri="{FF2B5EF4-FFF2-40B4-BE49-F238E27FC236}">
-                <a16:creationId xmlns:a16="http://schemas.microsoft.com/office/drawing/2014/main" id="{5ADC00B6-990A-40DC-3CEA-505258F5E8DA}"/>
+          <p:cNvPr id="3" name="TextBox 2">
+            <a:extLst>
+              <a:ext uri="{FF2B5EF4-FFF2-40B4-BE49-F238E27FC236}">
+                <a16:creationId xmlns:a16="http://schemas.microsoft.com/office/drawing/2014/main" id="{9FD01A94-E90D-BCFB-801E-E9984DC0B5E9}"/>
               </a:ext>
             </a:extLst>
           </p:cNvPr>
@@ -27874,8 +30546,8 @@
         </p:nvSpPr>
         <p:spPr>
           <a:xfrm>
-            <a:off x="533400" y="451800"/>
-            <a:ext cx="8382000" cy="830997"/>
+            <a:off x="304800" y="114300"/>
+            <a:ext cx="8382000" cy="923330"/>
           </a:xfrm>
           <a:prstGeom prst="rect">
             <a:avLst/>
@@ -27889,31 +30561,31 @@
           <a:lstStyle/>
           <a:p>
             <a:r>
-              <a:rPr lang="en-US" altLang="ko-KR" sz="4800" dirty="0">
+              <a:rPr lang="en-US" altLang="ko-KR" sz="5400" spc="-300" dirty="0">
                 <a:solidFill>
                   <a:srgbClr val="4C50BC"/>
                 </a:solidFill>
-                <a:latin typeface="G마켓 산스 Medium" panose="02000000000000000000" pitchFamily="50" charset="-127"/>
-                <a:ea typeface="G마켓 산스 Medium" panose="02000000000000000000" pitchFamily="50" charset="-127"/>
-              </a:rPr>
-              <a:t>If</a:t>
-            </a:r>
-            <a:r>
-              <a:rPr lang="ko-KR" altLang="en-US" sz="4800" dirty="0">
+                <a:latin typeface="G마켓 산스 TTF Bold" panose="02000000000000000000" pitchFamily="2" charset="-127"/>
+                <a:ea typeface="G마켓 산스 TTF Bold" panose="02000000000000000000" pitchFamily="2" charset="-127"/>
+              </a:rPr>
+              <a:t>if</a:t>
+            </a:r>
+            <a:r>
+              <a:rPr lang="ko-KR" altLang="en-US" sz="5400" spc="-300" dirty="0">
                 <a:solidFill>
                   <a:srgbClr val="4C50BC"/>
                 </a:solidFill>
-                <a:latin typeface="G마켓 산스 Medium" panose="02000000000000000000" pitchFamily="50" charset="-127"/>
-                <a:ea typeface="G마켓 산스 Medium" panose="02000000000000000000" pitchFamily="50" charset="-127"/>
+                <a:latin typeface="G마켓 산스 TTF Bold" panose="02000000000000000000" pitchFamily="2" charset="-127"/>
+                <a:ea typeface="G마켓 산스 TTF Bold" panose="02000000000000000000" pitchFamily="2" charset="-127"/>
               </a:rPr>
               <a:t>문 작성 권장사항</a:t>
             </a:r>
-            <a:endParaRPr lang="en-US" altLang="ko-KR" sz="4800" dirty="0">
+            <a:endParaRPr lang="en-US" altLang="ko-KR" sz="5400" spc="-300" dirty="0">
               <a:solidFill>
                 <a:srgbClr val="4C50BC"/>
               </a:solidFill>
-              <a:latin typeface="G마켓 산스 Medium" panose="02000000000000000000" pitchFamily="50" charset="-127"/>
-              <a:ea typeface="G마켓 산스 Medium" panose="02000000000000000000" pitchFamily="50" charset="-127"/>
+              <a:latin typeface="G마켓 산스 TTF Bold" panose="02000000000000000000" pitchFamily="2" charset="-127"/>
+              <a:ea typeface="G마켓 산스 TTF Bold" panose="02000000000000000000" pitchFamily="2" charset="-127"/>
             </a:endParaRPr>
           </a:p>
         </p:txBody>
@@ -28098,7 +30770,7 @@
                 <a:latin typeface="G마켓 산스 Medium" panose="02000000000000000000" pitchFamily="50" charset="-127"/>
                 <a:ea typeface="G마켓 산스 Medium" panose="02000000000000000000" pitchFamily="50" charset="-127"/>
               </a:rPr>
-              <a:t>괄호의 시작위치는 취향차이이다</a:t>
+              <a:t>중괄호의 시작위치는 취향차이이다</a:t>
             </a:r>
             <a:r>
               <a:rPr lang="en-US" altLang="ko-KR" sz="3600" dirty="0">
@@ -28159,7 +30831,7 @@
                 <a:latin typeface="G마켓 산스 Medium" panose="02000000000000000000" pitchFamily="50" charset="-127"/>
                 <a:ea typeface="G마켓 산스 Medium" panose="02000000000000000000" pitchFamily="50" charset="-127"/>
               </a:rPr>
-              <a:t>문의 내용이 </a:t>
+              <a:t>문의 내용이 한 줄일 경우 괄호를 생략 </a:t>
             </a:r>
             <a:r>
               <a:rPr lang="ko-KR" altLang="en-US" sz="3600" dirty="0" err="1">
@@ -28169,27 +30841,7 @@
                 <a:latin typeface="G마켓 산스 Medium" panose="02000000000000000000" pitchFamily="50" charset="-127"/>
                 <a:ea typeface="G마켓 산스 Medium" panose="02000000000000000000" pitchFamily="50" charset="-127"/>
               </a:rPr>
-              <a:t>한줄일경우</a:t>
-            </a:r>
-            <a:r>
-              <a:rPr lang="ko-KR" altLang="en-US" sz="3600" dirty="0">
-                <a:solidFill>
-                  <a:srgbClr val="FF0000"/>
-                </a:solidFill>
-                <a:latin typeface="G마켓 산스 Medium" panose="02000000000000000000" pitchFamily="50" charset="-127"/>
-                <a:ea typeface="G마켓 산스 Medium" panose="02000000000000000000" pitchFamily="50" charset="-127"/>
-              </a:rPr>
-              <a:t> 괄호를 </a:t>
-            </a:r>
-            <a:r>
-              <a:rPr lang="ko-KR" altLang="en-US" sz="3600" dirty="0" err="1">
-                <a:solidFill>
-                  <a:srgbClr val="FF0000"/>
-                </a:solidFill>
-                <a:latin typeface="G마켓 산스 Medium" panose="02000000000000000000" pitchFamily="50" charset="-127"/>
-                <a:ea typeface="G마켓 산스 Medium" panose="02000000000000000000" pitchFamily="50" charset="-127"/>
-              </a:rPr>
-              <a:t>생략할수</a:t>
+              <a:t>할수</a:t>
             </a:r>
             <a:r>
               <a:rPr lang="ko-KR" altLang="en-US" sz="3600" dirty="0">
@@ -28325,64 +30977,6 @@
           </a:p>
         </p:txBody>
       </p:sp>
-      <p:sp>
-        <p:nvSpPr>
-          <p:cNvPr id="14" name="TextBox 13">
-            <a:extLst>
-              <a:ext uri="{FF2B5EF4-FFF2-40B4-BE49-F238E27FC236}">
-                <a16:creationId xmlns:a16="http://schemas.microsoft.com/office/drawing/2014/main" id="{5ADC00B6-990A-40DC-3CEA-505258F5E8DA}"/>
-              </a:ext>
-            </a:extLst>
-          </p:cNvPr>
-          <p:cNvSpPr txBox="1"/>
-          <p:nvPr/>
-        </p:nvSpPr>
-        <p:spPr>
-          <a:xfrm>
-            <a:off x="381000" y="342900"/>
-            <a:ext cx="6096000" cy="830997"/>
-          </a:xfrm>
-          <a:prstGeom prst="rect">
-            <a:avLst/>
-          </a:prstGeom>
-          <a:noFill/>
-        </p:spPr>
-        <p:txBody>
-          <a:bodyPr wrap="square" rtlCol="0">
-            <a:spAutoFit/>
-          </a:bodyPr>
-          <a:lstStyle/>
-          <a:p>
-            <a:r>
-              <a:rPr lang="en-US" altLang="ko-KR" sz="4800" dirty="0">
-                <a:solidFill>
-                  <a:srgbClr val="4C50BC"/>
-                </a:solidFill>
-                <a:latin typeface="G마켓 산스 Medium" panose="02000000000000000000" pitchFamily="50" charset="-127"/>
-                <a:ea typeface="G마켓 산스 Medium" panose="02000000000000000000" pitchFamily="50" charset="-127"/>
-              </a:rPr>
-              <a:t>If</a:t>
-            </a:r>
-            <a:r>
-              <a:rPr lang="ko-KR" altLang="en-US" sz="4800" dirty="0">
-                <a:solidFill>
-                  <a:srgbClr val="4C50BC"/>
-                </a:solidFill>
-                <a:latin typeface="G마켓 산스 Medium" panose="02000000000000000000" pitchFamily="50" charset="-127"/>
-                <a:ea typeface="G마켓 산스 Medium" panose="02000000000000000000" pitchFamily="50" charset="-127"/>
-              </a:rPr>
-              <a:t>문 작성 권장사항</a:t>
-            </a:r>
-            <a:endParaRPr lang="en-US" altLang="ko-KR" sz="4800" dirty="0">
-              <a:solidFill>
-                <a:srgbClr val="4C50BC"/>
-              </a:solidFill>
-              <a:latin typeface="G마켓 산스 Medium" panose="02000000000000000000" pitchFamily="50" charset="-127"/>
-              <a:ea typeface="G마켓 산스 Medium" panose="02000000000000000000" pitchFamily="50" charset="-127"/>
-            </a:endParaRPr>
-          </a:p>
-        </p:txBody>
-      </p:sp>
       <p:pic>
         <p:nvPicPr>
           <p:cNvPr id="15" name="그림 14"/>
@@ -28475,6 +31069,107 @@
               </a:rPr>
               <a:t>.</a:t>
             </a:r>
+          </a:p>
+        </p:txBody>
+      </p:sp>
+      <p:cxnSp>
+        <p:nvCxnSpPr>
+          <p:cNvPr id="2" name="직선 연결선 1">
+            <a:extLst>
+              <a:ext uri="{FF2B5EF4-FFF2-40B4-BE49-F238E27FC236}">
+                <a16:creationId xmlns:a16="http://schemas.microsoft.com/office/drawing/2014/main" id="{1806D9B9-92DA-D426-8E9D-89607C6B8585}"/>
+              </a:ext>
+            </a:extLst>
+          </p:cNvPr>
+          <p:cNvCxnSpPr>
+            <a:cxnSpLocks/>
+          </p:cNvCxnSpPr>
+          <p:nvPr/>
+        </p:nvCxnSpPr>
+        <p:spPr>
+          <a:xfrm flipH="1" flipV="1">
+            <a:off x="-13447" y="972511"/>
+            <a:ext cx="18288000" cy="65119"/>
+          </a:xfrm>
+          <a:prstGeom prst="line">
+            <a:avLst/>
+          </a:prstGeom>
+          <a:ln w="38100">
+            <a:solidFill>
+              <a:srgbClr val="4C50BC"/>
+            </a:solidFill>
+          </a:ln>
+        </p:spPr>
+        <p:style>
+          <a:lnRef idx="1">
+            <a:schemeClr val="accent1"/>
+          </a:lnRef>
+          <a:fillRef idx="0">
+            <a:schemeClr val="accent1"/>
+          </a:fillRef>
+          <a:effectRef idx="0">
+            <a:schemeClr val="accent1"/>
+          </a:effectRef>
+          <a:fontRef idx="minor">
+            <a:schemeClr val="tx1"/>
+          </a:fontRef>
+        </p:style>
+      </p:cxnSp>
+      <p:sp>
+        <p:nvSpPr>
+          <p:cNvPr id="3" name="TextBox 2">
+            <a:extLst>
+              <a:ext uri="{FF2B5EF4-FFF2-40B4-BE49-F238E27FC236}">
+                <a16:creationId xmlns:a16="http://schemas.microsoft.com/office/drawing/2014/main" id="{19B44C69-42C8-CE39-5261-E18616EFF7AC}"/>
+              </a:ext>
+            </a:extLst>
+          </p:cNvPr>
+          <p:cNvSpPr txBox="1"/>
+          <p:nvPr/>
+        </p:nvSpPr>
+        <p:spPr>
+          <a:xfrm>
+            <a:off x="304800" y="114300"/>
+            <a:ext cx="8382000" cy="923330"/>
+          </a:xfrm>
+          <a:prstGeom prst="rect">
+            <a:avLst/>
+          </a:prstGeom>
+          <a:noFill/>
+        </p:spPr>
+        <p:txBody>
+          <a:bodyPr wrap="square" rtlCol="0">
+            <a:spAutoFit/>
+          </a:bodyPr>
+          <a:lstStyle/>
+          <a:p>
+            <a:r>
+              <a:rPr lang="en-US" altLang="ko-KR" sz="5400" spc="-300" dirty="0">
+                <a:solidFill>
+                  <a:srgbClr val="4C50BC"/>
+                </a:solidFill>
+                <a:latin typeface="G마켓 산스 TTF Bold" panose="02000000000000000000" pitchFamily="2" charset="-127"/>
+                <a:ea typeface="G마켓 산스 TTF Bold" panose="02000000000000000000" pitchFamily="2" charset="-127"/>
+              </a:rPr>
+              <a:t>if</a:t>
+            </a:r>
+            <a:r>
+              <a:rPr lang="ko-KR" altLang="en-US" sz="5400" spc="-300" dirty="0">
+                <a:solidFill>
+                  <a:srgbClr val="4C50BC"/>
+                </a:solidFill>
+                <a:latin typeface="G마켓 산스 TTF Bold" panose="02000000000000000000" pitchFamily="2" charset="-127"/>
+                <a:ea typeface="G마켓 산스 TTF Bold" panose="02000000000000000000" pitchFamily="2" charset="-127"/>
+              </a:rPr>
+              <a:t>문 작성 권장사항</a:t>
+            </a:r>
+            <a:endParaRPr lang="en-US" altLang="ko-KR" sz="5400" spc="-300" dirty="0">
+              <a:solidFill>
+                <a:srgbClr val="4C50BC"/>
+              </a:solidFill>
+              <a:latin typeface="G마켓 산스 TTF Bold" panose="02000000000000000000" pitchFamily="2" charset="-127"/>
+              <a:ea typeface="G마켓 산스 TTF Bold" panose="02000000000000000000" pitchFamily="2" charset="-127"/>
+            </a:endParaRPr>
           </a:p>
         </p:txBody>
       </p:sp>

--- a/JavaLecture/LectureFile/java 3강 조건문.pptx
+++ b/JavaLecture/LectureFile/java 3강 조건문.pptx
@@ -264,7 +264,7 @@
           <a:p>
             <a:fld id="{D79F2C30-10E1-4C46-91DC-BBDB9629E720}" type="datetimeFigureOut">
               <a:rPr lang="ko-KR" altLang="en-US" smtClean="0"/>
-              <a:t>2024-03-09 Saturday</a:t>
+              <a:t>2024-03-10</a:t>
             </a:fld>
             <a:endParaRPr lang="ko-KR" altLang="en-US"/>
           </a:p>
@@ -892,7 +892,7 @@
           <a:p>
             <a:fld id="{F8166F1F-CE9B-4651-A6AA-CD717754106B}" type="datetimeFigureOut">
               <a:rPr lang="en-US" smtClean="0"/>
-              <a:t>3/9/2024</a:t>
+              <a:t>3/10/2024</a:t>
             </a:fld>
             <a:endParaRPr lang="en-US"/>
           </a:p>
@@ -1095,7 +1095,7 @@
           <a:p>
             <a:fld id="{A76116CE-C4A3-4A05-B2D7-7C2E9A889C0F}" type="datetimeFigureOut">
               <a:rPr lang="en-US" smtClean="0"/>
-              <a:t>3/9/2024</a:t>
+              <a:t>3/10/2024</a:t>
             </a:fld>
             <a:endParaRPr lang="en-US"/>
           </a:p>
@@ -1298,7 +1298,7 @@
           <a:p>
             <a:fld id="{A76116CE-C4A3-4A05-B2D7-7C2E9A889C0F}" type="datetimeFigureOut">
               <a:rPr lang="en-US" smtClean="0"/>
-              <a:t>3/9/2024</a:t>
+              <a:t>3/10/2024</a:t>
             </a:fld>
             <a:endParaRPr lang="en-US"/>
           </a:p>
@@ -1503,7 +1503,7 @@
           <a:p>
             <a:fld id="{A76116CE-C4A3-4A05-B2D7-7C2E9A889C0F}" type="datetimeFigureOut">
               <a:rPr lang="en-US" smtClean="0"/>
-              <a:t>3/9/2024</a:t>
+              <a:t>3/10/2024</a:t>
             </a:fld>
             <a:endParaRPr lang="en-US"/>
           </a:p>
@@ -1773,7 +1773,7 @@
           <a:p>
             <a:fld id="{A76116CE-C4A3-4A05-B2D7-7C2E9A889C0F}" type="datetimeFigureOut">
               <a:rPr lang="en-US" smtClean="0"/>
-              <a:t>3/9/2024</a:t>
+              <a:t>3/10/2024</a:t>
             </a:fld>
             <a:endParaRPr lang="en-US"/>
           </a:p>
@@ -2091,7 +2091,7 @@
           <a:p>
             <a:fld id="{A76116CE-C4A3-4A05-B2D7-7C2E9A889C0F}" type="datetimeFigureOut">
               <a:rPr lang="en-US" smtClean="0"/>
-              <a:t>3/9/2024</a:t>
+              <a:t>3/10/2024</a:t>
             </a:fld>
             <a:endParaRPr lang="en-US"/>
           </a:p>
@@ -2549,7 +2549,7 @@
           <a:p>
             <a:fld id="{A76116CE-C4A3-4A05-B2D7-7C2E9A889C0F}" type="datetimeFigureOut">
               <a:rPr lang="en-US" smtClean="0"/>
-              <a:t>3/9/2024</a:t>
+              <a:t>3/10/2024</a:t>
             </a:fld>
             <a:endParaRPr lang="en-US"/>
           </a:p>
@@ -2693,7 +2693,7 @@
           <a:p>
             <a:fld id="{A76116CE-C4A3-4A05-B2D7-7C2E9A889C0F}" type="datetimeFigureOut">
               <a:rPr lang="en-US" smtClean="0"/>
-              <a:t>3/9/2024</a:t>
+              <a:t>3/10/2024</a:t>
             </a:fld>
             <a:endParaRPr lang="en-US"/>
           </a:p>
@@ -2807,7 +2807,7 @@
           <a:p>
             <a:fld id="{A76116CE-C4A3-4A05-B2D7-7C2E9A889C0F}" type="datetimeFigureOut">
               <a:rPr lang="en-US" smtClean="0"/>
-              <a:t>3/9/2024</a:t>
+              <a:t>3/10/2024</a:t>
             </a:fld>
             <a:endParaRPr lang="en-US"/>
           </a:p>
@@ -3110,7 +3110,7 @@
           <a:p>
             <a:fld id="{A76116CE-C4A3-4A05-B2D7-7C2E9A889C0F}" type="datetimeFigureOut">
               <a:rPr lang="en-US" smtClean="0"/>
-              <a:t>3/9/2024</a:t>
+              <a:t>3/10/2024</a:t>
             </a:fld>
             <a:endParaRPr lang="en-US"/>
           </a:p>
@@ -3390,7 +3390,7 @@
           <a:p>
             <a:fld id="{A76116CE-C4A3-4A05-B2D7-7C2E9A889C0F}" type="datetimeFigureOut">
               <a:rPr lang="en-US" smtClean="0"/>
-              <a:t>3/9/2024</a:t>
+              <a:t>3/10/2024</a:t>
             </a:fld>
             <a:endParaRPr lang="en-US"/>
           </a:p>
@@ -4148,7 +4148,7 @@
           <p:cNvPr id="2" name="TextBox 1">
             <a:extLst>
               <a:ext uri="{FF2B5EF4-FFF2-40B4-BE49-F238E27FC236}">
-                <a16:creationId xmlns:a16="http://schemas.microsoft.com/office/drawing/2014/main" id="{E9A453A8-9968-67AB-7B4A-83EEB4662AA6}"/>
+                <a16:creationId xmlns:a16="http://schemas.microsoft.com/office/drawing/2014/main" xmlns="" id="{E9A453A8-9968-67AB-7B4A-83EEB4662AA6}"/>
               </a:ext>
             </a:extLst>
           </p:cNvPr>
@@ -4196,7 +4196,7 @@
           <p:cNvPr id="4" name="TextBox 3">
             <a:extLst>
               <a:ext uri="{FF2B5EF4-FFF2-40B4-BE49-F238E27FC236}">
-                <a16:creationId xmlns:a16="http://schemas.microsoft.com/office/drawing/2014/main" id="{F4B7A35A-8AAC-4622-64BC-CAD1472D4115}"/>
+                <a16:creationId xmlns:a16="http://schemas.microsoft.com/office/drawing/2014/main" xmlns="" id="{F4B7A35A-8AAC-4622-64BC-CAD1472D4115}"/>
               </a:ext>
             </a:extLst>
           </p:cNvPr>
@@ -4268,7 +4268,7 @@
           <p:cNvPr id="7" name="TextBox 6">
             <a:extLst>
               <a:ext uri="{FF2B5EF4-FFF2-40B4-BE49-F238E27FC236}">
-                <a16:creationId xmlns:a16="http://schemas.microsoft.com/office/drawing/2014/main" id="{3ACE900A-D779-4343-6623-8588B376F0A1}"/>
+                <a16:creationId xmlns:a16="http://schemas.microsoft.com/office/drawing/2014/main" xmlns="" id="{3ACE900A-D779-4343-6623-8588B376F0A1}"/>
               </a:ext>
             </a:extLst>
           </p:cNvPr>
@@ -4520,7 +4520,7 @@
           <p:cNvPr id="2" name="TextBox 1">
             <a:extLst>
               <a:ext uri="{FF2B5EF4-FFF2-40B4-BE49-F238E27FC236}">
-                <a16:creationId xmlns:a16="http://schemas.microsoft.com/office/drawing/2014/main" id="{76F36AE5-79B5-0B9F-E510-1C27AAC4B649}"/>
+                <a16:creationId xmlns:a16="http://schemas.microsoft.com/office/drawing/2014/main" xmlns="" id="{76F36AE5-79B5-0B9F-E510-1C27AAC4B649}"/>
               </a:ext>
             </a:extLst>
           </p:cNvPr>
@@ -4608,7 +4608,7 @@
           <p:cNvPr id="6" name="그림 5">
             <a:extLst>
               <a:ext uri="{FF2B5EF4-FFF2-40B4-BE49-F238E27FC236}">
-                <a16:creationId xmlns:a16="http://schemas.microsoft.com/office/drawing/2014/main" id="{1BAE0638-DBC8-5C47-FD9C-CE0D30CCF5E4}"/>
+                <a16:creationId xmlns:a16="http://schemas.microsoft.com/office/drawing/2014/main" xmlns="" id="{1BAE0638-DBC8-5C47-FD9C-CE0D30CCF5E4}"/>
               </a:ext>
             </a:extLst>
           </p:cNvPr>
@@ -4638,7 +4638,7 @@
           <p:cNvPr id="2" name="직선 화살표 연결선 1">
             <a:extLst>
               <a:ext uri="{FF2B5EF4-FFF2-40B4-BE49-F238E27FC236}">
-                <a16:creationId xmlns:a16="http://schemas.microsoft.com/office/drawing/2014/main" id="{1227E510-FF93-5EF4-8499-03A390947FF3}"/>
+                <a16:creationId xmlns:a16="http://schemas.microsoft.com/office/drawing/2014/main" xmlns="" id="{1227E510-FF93-5EF4-8499-03A390947FF3}"/>
               </a:ext>
             </a:extLst>
           </p:cNvPr>
@@ -4679,7 +4679,7 @@
           <p:cNvPr id="3" name="직사각형 2">
             <a:extLst>
               <a:ext uri="{FF2B5EF4-FFF2-40B4-BE49-F238E27FC236}">
-                <a16:creationId xmlns:a16="http://schemas.microsoft.com/office/drawing/2014/main" id="{7AF9EDFD-0475-E33D-9EED-03B162E9A9FF}"/>
+                <a16:creationId xmlns:a16="http://schemas.microsoft.com/office/drawing/2014/main" xmlns="" id="{7AF9EDFD-0475-E33D-9EED-03B162E9A9FF}"/>
               </a:ext>
             </a:extLst>
           </p:cNvPr>
@@ -4731,7 +4731,7 @@
           <p:cNvPr id="5" name="TextBox 4">
             <a:extLst>
               <a:ext uri="{FF2B5EF4-FFF2-40B4-BE49-F238E27FC236}">
-                <a16:creationId xmlns:a16="http://schemas.microsoft.com/office/drawing/2014/main" id="{5D2E566C-5A0B-186B-F3E3-5068D9280F78}"/>
+                <a16:creationId xmlns:a16="http://schemas.microsoft.com/office/drawing/2014/main" xmlns="" id="{5D2E566C-5A0B-186B-F3E3-5068D9280F78}"/>
               </a:ext>
             </a:extLst>
           </p:cNvPr>
@@ -4799,7 +4799,7 @@
           <p:cNvPr id="7" name="직선 화살표 연결선 6">
             <a:extLst>
               <a:ext uri="{FF2B5EF4-FFF2-40B4-BE49-F238E27FC236}">
-                <a16:creationId xmlns:a16="http://schemas.microsoft.com/office/drawing/2014/main" id="{97BB51AC-FF25-2CAE-132C-6D1B4ACB21B3}"/>
+                <a16:creationId xmlns:a16="http://schemas.microsoft.com/office/drawing/2014/main" xmlns="" id="{97BB51AC-FF25-2CAE-132C-6D1B4ACB21B3}"/>
               </a:ext>
             </a:extLst>
           </p:cNvPr>
@@ -4840,7 +4840,7 @@
           <p:cNvPr id="9" name="직사각형 8">
             <a:extLst>
               <a:ext uri="{FF2B5EF4-FFF2-40B4-BE49-F238E27FC236}">
-                <a16:creationId xmlns:a16="http://schemas.microsoft.com/office/drawing/2014/main" id="{D99D2628-55FC-6B19-2A29-4FEE904E79C0}"/>
+                <a16:creationId xmlns:a16="http://schemas.microsoft.com/office/drawing/2014/main" xmlns="" id="{D99D2628-55FC-6B19-2A29-4FEE904E79C0}"/>
               </a:ext>
             </a:extLst>
           </p:cNvPr>
@@ -4892,7 +4892,7 @@
           <p:cNvPr id="11" name="TextBox 10">
             <a:extLst>
               <a:ext uri="{FF2B5EF4-FFF2-40B4-BE49-F238E27FC236}">
-                <a16:creationId xmlns:a16="http://schemas.microsoft.com/office/drawing/2014/main" id="{0403FCA6-0BF1-F88F-F1AC-7704FC1B216F}"/>
+                <a16:creationId xmlns:a16="http://schemas.microsoft.com/office/drawing/2014/main" xmlns="" id="{0403FCA6-0BF1-F88F-F1AC-7704FC1B216F}"/>
               </a:ext>
             </a:extLst>
           </p:cNvPr>
@@ -4960,7 +4960,7 @@
           <p:cNvPr id="12" name="TextBox 11">
             <a:extLst>
               <a:ext uri="{FF2B5EF4-FFF2-40B4-BE49-F238E27FC236}">
-                <a16:creationId xmlns:a16="http://schemas.microsoft.com/office/drawing/2014/main" id="{BABD2DD2-A5D6-D32C-2484-E7E89325B726}"/>
+                <a16:creationId xmlns:a16="http://schemas.microsoft.com/office/drawing/2014/main" xmlns="" id="{BABD2DD2-A5D6-D32C-2484-E7E89325B726}"/>
               </a:ext>
             </a:extLst>
           </p:cNvPr>
@@ -5145,7 +5145,7 @@
           <p:cNvPr id="8" name="직선 연결선 7">
             <a:extLst>
               <a:ext uri="{FF2B5EF4-FFF2-40B4-BE49-F238E27FC236}">
-                <a16:creationId xmlns:a16="http://schemas.microsoft.com/office/drawing/2014/main" id="{66DB0025-7AFA-AD72-ACEB-A28B7456092B}"/>
+                <a16:creationId xmlns:a16="http://schemas.microsoft.com/office/drawing/2014/main" xmlns="" id="{66DB0025-7AFA-AD72-ACEB-A28B7456092B}"/>
               </a:ext>
             </a:extLst>
           </p:cNvPr>
@@ -5188,7 +5188,7 @@
           <p:cNvPr id="10" name="TextBox 9">
             <a:extLst>
               <a:ext uri="{FF2B5EF4-FFF2-40B4-BE49-F238E27FC236}">
-                <a16:creationId xmlns:a16="http://schemas.microsoft.com/office/drawing/2014/main" id="{FE7DD627-7A18-85A1-902A-39A6C987B421}"/>
+                <a16:creationId xmlns:a16="http://schemas.microsoft.com/office/drawing/2014/main" xmlns="" id="{FE7DD627-7A18-85A1-902A-39A6C987B421}"/>
               </a:ext>
             </a:extLst>
           </p:cNvPr>
@@ -5296,7 +5296,7 @@
           <p:cNvPr id="4" name="그림 3">
             <a:extLst>
               <a:ext uri="{FF2B5EF4-FFF2-40B4-BE49-F238E27FC236}">
-                <a16:creationId xmlns:a16="http://schemas.microsoft.com/office/drawing/2014/main" id="{2594969C-8FD9-D0FA-7CE7-EF03E44994AF}"/>
+                <a16:creationId xmlns:a16="http://schemas.microsoft.com/office/drawing/2014/main" xmlns="" id="{2594969C-8FD9-D0FA-7CE7-EF03E44994AF}"/>
               </a:ext>
             </a:extLst>
           </p:cNvPr>
@@ -5326,7 +5326,7 @@
           <p:cNvPr id="5" name="TextBox 4">
             <a:extLst>
               <a:ext uri="{FF2B5EF4-FFF2-40B4-BE49-F238E27FC236}">
-                <a16:creationId xmlns:a16="http://schemas.microsoft.com/office/drawing/2014/main" id="{8C8B477D-FE7D-6B74-A112-16467C8E88E9}"/>
+                <a16:creationId xmlns:a16="http://schemas.microsoft.com/office/drawing/2014/main" xmlns="" id="{8C8B477D-FE7D-6B74-A112-16467C8E88E9}"/>
               </a:ext>
             </a:extLst>
           </p:cNvPr>
@@ -5449,7 +5449,7 @@
           <p:cNvPr id="3" name="그림 2">
             <a:extLst>
               <a:ext uri="{FF2B5EF4-FFF2-40B4-BE49-F238E27FC236}">
-                <a16:creationId xmlns:a16="http://schemas.microsoft.com/office/drawing/2014/main" id="{A30A22E8-FC73-3D73-C2D3-9243B7269C5A}"/>
+                <a16:creationId xmlns:a16="http://schemas.microsoft.com/office/drawing/2014/main" xmlns="" id="{A30A22E8-FC73-3D73-C2D3-9243B7269C5A}"/>
               </a:ext>
             </a:extLst>
           </p:cNvPr>
@@ -5479,7 +5479,7 @@
           <p:cNvPr id="4" name="직선 화살표 연결선 3">
             <a:extLst>
               <a:ext uri="{FF2B5EF4-FFF2-40B4-BE49-F238E27FC236}">
-                <a16:creationId xmlns:a16="http://schemas.microsoft.com/office/drawing/2014/main" id="{099AC6AB-C209-B05B-62F4-388DBF3821E7}"/>
+                <a16:creationId xmlns:a16="http://schemas.microsoft.com/office/drawing/2014/main" xmlns="" id="{099AC6AB-C209-B05B-62F4-388DBF3821E7}"/>
               </a:ext>
             </a:extLst>
           </p:cNvPr>
@@ -5520,7 +5520,7 @@
           <p:cNvPr id="10" name="직사각형 9">
             <a:extLst>
               <a:ext uri="{FF2B5EF4-FFF2-40B4-BE49-F238E27FC236}">
-                <a16:creationId xmlns:a16="http://schemas.microsoft.com/office/drawing/2014/main" id="{B5606E31-5C36-3B16-B6E7-102388FDCD30}"/>
+                <a16:creationId xmlns:a16="http://schemas.microsoft.com/office/drawing/2014/main" xmlns="" id="{B5606E31-5C36-3B16-B6E7-102388FDCD30}"/>
               </a:ext>
             </a:extLst>
           </p:cNvPr>
@@ -5572,7 +5572,7 @@
           <p:cNvPr id="11" name="TextBox 10">
             <a:extLst>
               <a:ext uri="{FF2B5EF4-FFF2-40B4-BE49-F238E27FC236}">
-                <a16:creationId xmlns:a16="http://schemas.microsoft.com/office/drawing/2014/main" id="{0566D871-27B0-73DF-6F91-CF9C9E6F7F88}"/>
+                <a16:creationId xmlns:a16="http://schemas.microsoft.com/office/drawing/2014/main" xmlns="" id="{0566D871-27B0-73DF-6F91-CF9C9E6F7F88}"/>
               </a:ext>
             </a:extLst>
           </p:cNvPr>
@@ -5663,7 +5663,7 @@
           <p:cNvPr id="12" name="직선 화살표 연결선 11">
             <a:extLst>
               <a:ext uri="{FF2B5EF4-FFF2-40B4-BE49-F238E27FC236}">
-                <a16:creationId xmlns:a16="http://schemas.microsoft.com/office/drawing/2014/main" id="{1D0BC436-D244-EBCA-B8CE-156DE862568F}"/>
+                <a16:creationId xmlns:a16="http://schemas.microsoft.com/office/drawing/2014/main" xmlns="" id="{1D0BC436-D244-EBCA-B8CE-156DE862568F}"/>
               </a:ext>
             </a:extLst>
           </p:cNvPr>
@@ -5704,7 +5704,7 @@
           <p:cNvPr id="13" name="직사각형 12">
             <a:extLst>
               <a:ext uri="{FF2B5EF4-FFF2-40B4-BE49-F238E27FC236}">
-                <a16:creationId xmlns:a16="http://schemas.microsoft.com/office/drawing/2014/main" id="{0990BD25-DA34-62E3-72EA-A53DDA646DCD}"/>
+                <a16:creationId xmlns:a16="http://schemas.microsoft.com/office/drawing/2014/main" xmlns="" id="{0990BD25-DA34-62E3-72EA-A53DDA646DCD}"/>
               </a:ext>
             </a:extLst>
           </p:cNvPr>
@@ -5756,7 +5756,7 @@
           <p:cNvPr id="14" name="TextBox 13">
             <a:extLst>
               <a:ext uri="{FF2B5EF4-FFF2-40B4-BE49-F238E27FC236}">
-                <a16:creationId xmlns:a16="http://schemas.microsoft.com/office/drawing/2014/main" id="{9C4D7887-8D86-EAD2-6CC7-57316F369139}"/>
+                <a16:creationId xmlns:a16="http://schemas.microsoft.com/office/drawing/2014/main" xmlns="" id="{9C4D7887-8D86-EAD2-6CC7-57316F369139}"/>
               </a:ext>
             </a:extLst>
           </p:cNvPr>
@@ -5824,7 +5824,7 @@
           <p:cNvPr id="15" name="TextBox 14">
             <a:extLst>
               <a:ext uri="{FF2B5EF4-FFF2-40B4-BE49-F238E27FC236}">
-                <a16:creationId xmlns:a16="http://schemas.microsoft.com/office/drawing/2014/main" id="{A6ED0C7A-8A0B-8563-4547-3CAB31A73BC7}"/>
+                <a16:creationId xmlns:a16="http://schemas.microsoft.com/office/drawing/2014/main" xmlns="" id="{A6ED0C7A-8A0B-8563-4547-3CAB31A73BC7}"/>
               </a:ext>
             </a:extLst>
           </p:cNvPr>
@@ -5945,7 +5945,7 @@
           <p:cNvPr id="2" name="직선 연결선 1">
             <a:extLst>
               <a:ext uri="{FF2B5EF4-FFF2-40B4-BE49-F238E27FC236}">
-                <a16:creationId xmlns:a16="http://schemas.microsoft.com/office/drawing/2014/main" id="{0AEA6BA8-B3F8-2960-6A00-61B90D2C5988}"/>
+                <a16:creationId xmlns:a16="http://schemas.microsoft.com/office/drawing/2014/main" xmlns="" id="{0AEA6BA8-B3F8-2960-6A00-61B90D2C5988}"/>
               </a:ext>
             </a:extLst>
           </p:cNvPr>
@@ -5988,7 +5988,7 @@
           <p:cNvPr id="5" name="TextBox 4">
             <a:extLst>
               <a:ext uri="{FF2B5EF4-FFF2-40B4-BE49-F238E27FC236}">
-                <a16:creationId xmlns:a16="http://schemas.microsoft.com/office/drawing/2014/main" id="{06AE74F3-99A0-252A-B525-24BF41BA50E6}"/>
+                <a16:creationId xmlns:a16="http://schemas.microsoft.com/office/drawing/2014/main" xmlns="" id="{06AE74F3-99A0-252A-B525-24BF41BA50E6}"/>
               </a:ext>
             </a:extLst>
           </p:cNvPr>
@@ -6096,7 +6096,7 @@
           <p:cNvPr id="4" name="그림 3">
             <a:extLst>
               <a:ext uri="{FF2B5EF4-FFF2-40B4-BE49-F238E27FC236}">
-                <a16:creationId xmlns:a16="http://schemas.microsoft.com/office/drawing/2014/main" id="{883883F3-E701-4636-CFA4-3F970AD253A2}"/>
+                <a16:creationId xmlns:a16="http://schemas.microsoft.com/office/drawing/2014/main" xmlns="" id="{883883F3-E701-4636-CFA4-3F970AD253A2}"/>
               </a:ext>
             </a:extLst>
           </p:cNvPr>
@@ -6126,7 +6126,7 @@
           <p:cNvPr id="5" name="TextBox 4">
             <a:extLst>
               <a:ext uri="{FF2B5EF4-FFF2-40B4-BE49-F238E27FC236}">
-                <a16:creationId xmlns:a16="http://schemas.microsoft.com/office/drawing/2014/main" id="{C310D309-B381-8436-82D8-5845FAE09753}"/>
+                <a16:creationId xmlns:a16="http://schemas.microsoft.com/office/drawing/2014/main" xmlns="" id="{C310D309-B381-8436-82D8-5845FAE09753}"/>
               </a:ext>
             </a:extLst>
           </p:cNvPr>
@@ -6177,7 +6177,7 @@
           <p:cNvPr id="6" name="직사각형 5">
             <a:extLst>
               <a:ext uri="{FF2B5EF4-FFF2-40B4-BE49-F238E27FC236}">
-                <a16:creationId xmlns:a16="http://schemas.microsoft.com/office/drawing/2014/main" id="{DF230338-B62E-FEE8-A3D0-EFB89B082E26}"/>
+                <a16:creationId xmlns:a16="http://schemas.microsoft.com/office/drawing/2014/main" xmlns="" id="{DF230338-B62E-FEE8-A3D0-EFB89B082E26}"/>
               </a:ext>
             </a:extLst>
           </p:cNvPr>
@@ -6229,7 +6229,7 @@
           <p:cNvPr id="7" name="직선 화살표 연결선 6">
             <a:extLst>
               <a:ext uri="{FF2B5EF4-FFF2-40B4-BE49-F238E27FC236}">
-                <a16:creationId xmlns:a16="http://schemas.microsoft.com/office/drawing/2014/main" id="{D4DA4A05-ADDB-CD82-05DB-FCB6A77A5DD0}"/>
+                <a16:creationId xmlns:a16="http://schemas.microsoft.com/office/drawing/2014/main" xmlns="" id="{D4DA4A05-ADDB-CD82-05DB-FCB6A77A5DD0}"/>
               </a:ext>
             </a:extLst>
           </p:cNvPr>
@@ -6270,7 +6270,7 @@
           <p:cNvPr id="3" name="직선 연결선 2">
             <a:extLst>
               <a:ext uri="{FF2B5EF4-FFF2-40B4-BE49-F238E27FC236}">
-                <a16:creationId xmlns:a16="http://schemas.microsoft.com/office/drawing/2014/main" id="{BF4AE29F-2F69-EEB1-56B8-ED6B17EFA9AE}"/>
+                <a16:creationId xmlns:a16="http://schemas.microsoft.com/office/drawing/2014/main" xmlns="" id="{BF4AE29F-2F69-EEB1-56B8-ED6B17EFA9AE}"/>
               </a:ext>
             </a:extLst>
           </p:cNvPr>
@@ -6313,7 +6313,7 @@
           <p:cNvPr id="9" name="TextBox 8">
             <a:extLst>
               <a:ext uri="{FF2B5EF4-FFF2-40B4-BE49-F238E27FC236}">
-                <a16:creationId xmlns:a16="http://schemas.microsoft.com/office/drawing/2014/main" id="{0576154D-DA6C-3CB0-85A2-2EE115EAA1A7}"/>
+                <a16:creationId xmlns:a16="http://schemas.microsoft.com/office/drawing/2014/main" xmlns="" id="{0576154D-DA6C-3CB0-85A2-2EE115EAA1A7}"/>
               </a:ext>
             </a:extLst>
           </p:cNvPr>
@@ -6361,7 +6361,7 @@
           <p:cNvPr id="10" name="TextBox 9">
             <a:extLst>
               <a:ext uri="{FF2B5EF4-FFF2-40B4-BE49-F238E27FC236}">
-                <a16:creationId xmlns:a16="http://schemas.microsoft.com/office/drawing/2014/main" id="{0B48AE8B-D5C1-733B-4EA0-3B57C80EADBD}"/>
+                <a16:creationId xmlns:a16="http://schemas.microsoft.com/office/drawing/2014/main" xmlns="" id="{0B48AE8B-D5C1-733B-4EA0-3B57C80EADBD}"/>
               </a:ext>
             </a:extLst>
           </p:cNvPr>
@@ -6585,7 +6585,7 @@
           <p:cNvPr id="6" name="TextBox 5">
             <a:extLst>
               <a:ext uri="{FF2B5EF4-FFF2-40B4-BE49-F238E27FC236}">
-                <a16:creationId xmlns:a16="http://schemas.microsoft.com/office/drawing/2014/main" id="{3D942B6A-100D-7C4F-8A6D-16BF9AFCDB26}"/>
+                <a16:creationId xmlns:a16="http://schemas.microsoft.com/office/drawing/2014/main" xmlns="" id="{3D942B6A-100D-7C4F-8A6D-16BF9AFCDB26}"/>
               </a:ext>
             </a:extLst>
           </p:cNvPr>
@@ -6626,7 +6626,7 @@
           <p:cNvPr id="8" name="그림 7">
             <a:extLst>
               <a:ext uri="{FF2B5EF4-FFF2-40B4-BE49-F238E27FC236}">
-                <a16:creationId xmlns:a16="http://schemas.microsoft.com/office/drawing/2014/main" id="{9B64380C-2998-E601-FA96-882BE9CC965D}"/>
+                <a16:creationId xmlns:a16="http://schemas.microsoft.com/office/drawing/2014/main" xmlns="" id="{9B64380C-2998-E601-FA96-882BE9CC965D}"/>
               </a:ext>
             </a:extLst>
           </p:cNvPr>
@@ -6656,7 +6656,7 @@
           <p:cNvPr id="10" name="그림 9">
             <a:extLst>
               <a:ext uri="{FF2B5EF4-FFF2-40B4-BE49-F238E27FC236}">
-                <a16:creationId xmlns:a16="http://schemas.microsoft.com/office/drawing/2014/main" id="{0A483ABE-F810-B686-DFCE-E76E8EE700A3}"/>
+                <a16:creationId xmlns:a16="http://schemas.microsoft.com/office/drawing/2014/main" xmlns="" id="{0A483ABE-F810-B686-DFCE-E76E8EE700A3}"/>
               </a:ext>
             </a:extLst>
           </p:cNvPr>
@@ -6686,7 +6686,7 @@
           <p:cNvPr id="9" name="직선 연결선 8">
             <a:extLst>
               <a:ext uri="{FF2B5EF4-FFF2-40B4-BE49-F238E27FC236}">
-                <a16:creationId xmlns:a16="http://schemas.microsoft.com/office/drawing/2014/main" id="{0CB1B11A-5D39-3E40-B57A-2DB64A92A07A}"/>
+                <a16:creationId xmlns:a16="http://schemas.microsoft.com/office/drawing/2014/main" xmlns="" id="{0CB1B11A-5D39-3E40-B57A-2DB64A92A07A}"/>
               </a:ext>
             </a:extLst>
           </p:cNvPr>
@@ -6729,7 +6729,7 @@
           <p:cNvPr id="11" name="TextBox 10">
             <a:extLst>
               <a:ext uri="{FF2B5EF4-FFF2-40B4-BE49-F238E27FC236}">
-                <a16:creationId xmlns:a16="http://schemas.microsoft.com/office/drawing/2014/main" id="{44274B14-840A-63FA-629F-F3E40B3E6A27}"/>
+                <a16:creationId xmlns:a16="http://schemas.microsoft.com/office/drawing/2014/main" xmlns="" id="{44274B14-840A-63FA-629F-F3E40B3E6A27}"/>
               </a:ext>
             </a:extLst>
           </p:cNvPr>
@@ -6777,7 +6777,7 @@
           <p:cNvPr id="12" name="TextBox 11">
             <a:extLst>
               <a:ext uri="{FF2B5EF4-FFF2-40B4-BE49-F238E27FC236}">
-                <a16:creationId xmlns:a16="http://schemas.microsoft.com/office/drawing/2014/main" id="{86BB3A73-AF6E-47B0-DF36-D3F34C9461EF}"/>
+                <a16:creationId xmlns:a16="http://schemas.microsoft.com/office/drawing/2014/main" xmlns="" id="{86BB3A73-AF6E-47B0-DF36-D3F34C9461EF}"/>
               </a:ext>
             </a:extLst>
           </p:cNvPr>
@@ -6868,7 +6868,7 @@
           <p:cNvPr id="6" name="그림 5">
             <a:extLst>
               <a:ext uri="{FF2B5EF4-FFF2-40B4-BE49-F238E27FC236}">
-                <a16:creationId xmlns:a16="http://schemas.microsoft.com/office/drawing/2014/main" id="{9FDCB96E-3A6A-E20E-6B3E-74A3ACF74BDA}"/>
+                <a16:creationId xmlns:a16="http://schemas.microsoft.com/office/drawing/2014/main" xmlns="" id="{9FDCB96E-3A6A-E20E-6B3E-74A3ACF74BDA}"/>
               </a:ext>
             </a:extLst>
           </p:cNvPr>
@@ -6898,7 +6898,7 @@
           <p:cNvPr id="2" name="TextBox 1">
             <a:extLst>
               <a:ext uri="{FF2B5EF4-FFF2-40B4-BE49-F238E27FC236}">
-                <a16:creationId xmlns:a16="http://schemas.microsoft.com/office/drawing/2014/main" id="{055655AD-237D-10F7-6D99-8C8F1F46CF02}"/>
+                <a16:creationId xmlns:a16="http://schemas.microsoft.com/office/drawing/2014/main" xmlns="" id="{055655AD-237D-10F7-6D99-8C8F1F46CF02}"/>
               </a:ext>
             </a:extLst>
           </p:cNvPr>
@@ -6949,7 +6949,7 @@
           <p:cNvPr id="3" name="직선 연결선 2">
             <a:extLst>
               <a:ext uri="{FF2B5EF4-FFF2-40B4-BE49-F238E27FC236}">
-                <a16:creationId xmlns:a16="http://schemas.microsoft.com/office/drawing/2014/main" id="{77C9D97B-BC2B-EFBE-843E-46D24C4CFD67}"/>
+                <a16:creationId xmlns:a16="http://schemas.microsoft.com/office/drawing/2014/main" xmlns="" id="{77C9D97B-BC2B-EFBE-843E-46D24C4CFD67}"/>
               </a:ext>
             </a:extLst>
           </p:cNvPr>
@@ -6992,7 +6992,7 @@
           <p:cNvPr id="5" name="TextBox 4">
             <a:extLst>
               <a:ext uri="{FF2B5EF4-FFF2-40B4-BE49-F238E27FC236}">
-                <a16:creationId xmlns:a16="http://schemas.microsoft.com/office/drawing/2014/main" id="{F95886C7-F291-E5FF-44CC-CA35AD441DD4}"/>
+                <a16:creationId xmlns:a16="http://schemas.microsoft.com/office/drawing/2014/main" xmlns="" id="{F95886C7-F291-E5FF-44CC-CA35AD441DD4}"/>
               </a:ext>
             </a:extLst>
           </p:cNvPr>
@@ -7080,7 +7080,7 @@
           <p:cNvPr id="3" name="그림 2">
             <a:extLst>
               <a:ext uri="{FF2B5EF4-FFF2-40B4-BE49-F238E27FC236}">
-                <a16:creationId xmlns:a16="http://schemas.microsoft.com/office/drawing/2014/main" id="{630509CF-2EE9-2EB2-4EFF-E2BFA25991CA}"/>
+                <a16:creationId xmlns:a16="http://schemas.microsoft.com/office/drawing/2014/main" xmlns="" id="{630509CF-2EE9-2EB2-4EFF-E2BFA25991CA}"/>
               </a:ext>
             </a:extLst>
           </p:cNvPr>
@@ -7110,7 +7110,7 @@
           <p:cNvPr id="7" name="TextBox 6">
             <a:extLst>
               <a:ext uri="{FF2B5EF4-FFF2-40B4-BE49-F238E27FC236}">
-                <a16:creationId xmlns:a16="http://schemas.microsoft.com/office/drawing/2014/main" id="{793BDE34-33C5-FDA9-E751-35DF54EBB531}"/>
+                <a16:creationId xmlns:a16="http://schemas.microsoft.com/office/drawing/2014/main" xmlns="" id="{793BDE34-33C5-FDA9-E751-35DF54EBB531}"/>
               </a:ext>
             </a:extLst>
           </p:cNvPr>
@@ -7283,7 +7283,7 @@
           <p:cNvPr id="8" name="직사각형 7">
             <a:extLst>
               <a:ext uri="{FF2B5EF4-FFF2-40B4-BE49-F238E27FC236}">
-                <a16:creationId xmlns:a16="http://schemas.microsoft.com/office/drawing/2014/main" id="{4318435F-3F26-893B-C776-AEF9745E9F14}"/>
+                <a16:creationId xmlns:a16="http://schemas.microsoft.com/office/drawing/2014/main" xmlns="" id="{4318435F-3F26-893B-C776-AEF9745E9F14}"/>
               </a:ext>
             </a:extLst>
           </p:cNvPr>
@@ -7335,7 +7335,7 @@
           <p:cNvPr id="9" name="직선 화살표 연결선 8">
             <a:extLst>
               <a:ext uri="{FF2B5EF4-FFF2-40B4-BE49-F238E27FC236}">
-                <a16:creationId xmlns:a16="http://schemas.microsoft.com/office/drawing/2014/main" id="{1127EAB3-6DAD-9C7A-14B8-F0BC20C76B84}"/>
+                <a16:creationId xmlns:a16="http://schemas.microsoft.com/office/drawing/2014/main" xmlns="" id="{1127EAB3-6DAD-9C7A-14B8-F0BC20C76B84}"/>
               </a:ext>
             </a:extLst>
           </p:cNvPr>
@@ -7376,7 +7376,7 @@
           <p:cNvPr id="5" name="직선 연결선 4">
             <a:extLst>
               <a:ext uri="{FF2B5EF4-FFF2-40B4-BE49-F238E27FC236}">
-                <a16:creationId xmlns:a16="http://schemas.microsoft.com/office/drawing/2014/main" id="{83751F4E-46A8-F478-7918-0D1415E3804A}"/>
+                <a16:creationId xmlns:a16="http://schemas.microsoft.com/office/drawing/2014/main" xmlns="" id="{83751F4E-46A8-F478-7918-0D1415E3804A}"/>
               </a:ext>
             </a:extLst>
           </p:cNvPr>
@@ -7419,7 +7419,7 @@
           <p:cNvPr id="6" name="TextBox 5">
             <a:extLst>
               <a:ext uri="{FF2B5EF4-FFF2-40B4-BE49-F238E27FC236}">
-                <a16:creationId xmlns:a16="http://schemas.microsoft.com/office/drawing/2014/main" id="{095C0616-03FA-FFF0-71DF-DA4A2FEBFEE7}"/>
+                <a16:creationId xmlns:a16="http://schemas.microsoft.com/office/drawing/2014/main" xmlns="" id="{095C0616-03FA-FFF0-71DF-DA4A2FEBFEE7}"/>
               </a:ext>
             </a:extLst>
           </p:cNvPr>
@@ -7467,7 +7467,7 @@
           <p:cNvPr id="10" name="TextBox 9">
             <a:extLst>
               <a:ext uri="{FF2B5EF4-FFF2-40B4-BE49-F238E27FC236}">
-                <a16:creationId xmlns:a16="http://schemas.microsoft.com/office/drawing/2014/main" id="{DF5A7488-ADA2-4E3A-24BC-CAD301AF2826}"/>
+                <a16:creationId xmlns:a16="http://schemas.microsoft.com/office/drawing/2014/main" xmlns="" id="{DF5A7488-ADA2-4E3A-24BC-CAD301AF2826}"/>
               </a:ext>
             </a:extLst>
           </p:cNvPr>
@@ -7730,7 +7730,7 @@
           <p:cNvPr id="4" name="TextBox 3">
             <a:extLst>
               <a:ext uri="{FF2B5EF4-FFF2-40B4-BE49-F238E27FC236}">
-                <a16:creationId xmlns:a16="http://schemas.microsoft.com/office/drawing/2014/main" id="{33E68E04-890B-B287-E047-0CFC11F77DDA}"/>
+                <a16:creationId xmlns:a16="http://schemas.microsoft.com/office/drawing/2014/main" xmlns="" id="{33E68E04-890B-B287-E047-0CFC11F77DDA}"/>
               </a:ext>
             </a:extLst>
           </p:cNvPr>
@@ -7801,7 +7801,7 @@
           <p:cNvPr id="5" name="직선 연결선 4">
             <a:extLst>
               <a:ext uri="{FF2B5EF4-FFF2-40B4-BE49-F238E27FC236}">
-                <a16:creationId xmlns:a16="http://schemas.microsoft.com/office/drawing/2014/main" id="{B61CE585-454C-C4A8-2837-19A77F2941CE}"/>
+                <a16:creationId xmlns:a16="http://schemas.microsoft.com/office/drawing/2014/main" xmlns="" id="{B61CE585-454C-C4A8-2837-19A77F2941CE}"/>
               </a:ext>
             </a:extLst>
           </p:cNvPr>
@@ -7844,7 +7844,7 @@
           <p:cNvPr id="6" name="TextBox 5">
             <a:extLst>
               <a:ext uri="{FF2B5EF4-FFF2-40B4-BE49-F238E27FC236}">
-                <a16:creationId xmlns:a16="http://schemas.microsoft.com/office/drawing/2014/main" id="{7922632E-6641-3DCC-A5F3-90DE847ABE01}"/>
+                <a16:creationId xmlns:a16="http://schemas.microsoft.com/office/drawing/2014/main" xmlns="" id="{7922632E-6641-3DCC-A5F3-90DE847ABE01}"/>
               </a:ext>
             </a:extLst>
           </p:cNvPr>
@@ -7922,7 +7922,7 @@
           <p:cNvPr id="7" name="그림 6">
             <a:extLst>
               <a:ext uri="{FF2B5EF4-FFF2-40B4-BE49-F238E27FC236}">
-                <a16:creationId xmlns:a16="http://schemas.microsoft.com/office/drawing/2014/main" id="{73215715-FBC0-D58E-F951-C109B809511E}"/>
+                <a16:creationId xmlns:a16="http://schemas.microsoft.com/office/drawing/2014/main" xmlns="" id="{73215715-FBC0-D58E-F951-C109B809511E}"/>
               </a:ext>
             </a:extLst>
           </p:cNvPr>
@@ -7952,7 +7952,7 @@
           <p:cNvPr id="9" name="그림 8">
             <a:extLst>
               <a:ext uri="{FF2B5EF4-FFF2-40B4-BE49-F238E27FC236}">
-                <a16:creationId xmlns:a16="http://schemas.microsoft.com/office/drawing/2014/main" id="{3A609EEB-FE3B-A0C4-FB5C-307EB00F55D9}"/>
+                <a16:creationId xmlns:a16="http://schemas.microsoft.com/office/drawing/2014/main" xmlns="" id="{3A609EEB-FE3B-A0C4-FB5C-307EB00F55D9}"/>
               </a:ext>
             </a:extLst>
           </p:cNvPr>
@@ -7982,7 +7982,7 @@
           <p:cNvPr id="11" name="그림 10">
             <a:extLst>
               <a:ext uri="{FF2B5EF4-FFF2-40B4-BE49-F238E27FC236}">
-                <a16:creationId xmlns:a16="http://schemas.microsoft.com/office/drawing/2014/main" id="{1A895C80-F732-6D8C-2A18-E97A06A04FF4}"/>
+                <a16:creationId xmlns:a16="http://schemas.microsoft.com/office/drawing/2014/main" xmlns="" id="{1A895C80-F732-6D8C-2A18-E97A06A04FF4}"/>
               </a:ext>
             </a:extLst>
           </p:cNvPr>
@@ -8012,7 +8012,7 @@
           <p:cNvPr id="14" name="그림 13">
             <a:extLst>
               <a:ext uri="{FF2B5EF4-FFF2-40B4-BE49-F238E27FC236}">
-                <a16:creationId xmlns:a16="http://schemas.microsoft.com/office/drawing/2014/main" id="{1A895C80-F732-6D8C-2A18-E97A06A04FF4}"/>
+                <a16:creationId xmlns:a16="http://schemas.microsoft.com/office/drawing/2014/main" xmlns="" id="{1A895C80-F732-6D8C-2A18-E97A06A04FF4}"/>
               </a:ext>
             </a:extLst>
           </p:cNvPr>
@@ -8071,7 +8071,7 @@
           <p:cNvPr id="4" name="TextBox 3">
             <a:extLst>
               <a:ext uri="{FF2B5EF4-FFF2-40B4-BE49-F238E27FC236}">
-                <a16:creationId xmlns:a16="http://schemas.microsoft.com/office/drawing/2014/main" id="{EED50FFA-A38E-88CC-B60B-DCC4CDA71ABC}"/>
+                <a16:creationId xmlns:a16="http://schemas.microsoft.com/office/drawing/2014/main" xmlns="" id="{EED50FFA-A38E-88CC-B60B-DCC4CDA71ABC}"/>
               </a:ext>
             </a:extLst>
           </p:cNvPr>
@@ -8243,7 +8243,7 @@
           <p:cNvPr id="8" name="그림 7">
             <a:extLst>
               <a:ext uri="{FF2B5EF4-FFF2-40B4-BE49-F238E27FC236}">
-                <a16:creationId xmlns:a16="http://schemas.microsoft.com/office/drawing/2014/main" id="{0908E388-6003-ED40-1276-BF7EA9D21A61}"/>
+                <a16:creationId xmlns:a16="http://schemas.microsoft.com/office/drawing/2014/main" xmlns="" id="{0908E388-6003-ED40-1276-BF7EA9D21A61}"/>
               </a:ext>
             </a:extLst>
           </p:cNvPr>
@@ -8273,7 +8273,7 @@
           <p:cNvPr id="5" name="직사각형 4">
             <a:extLst>
               <a:ext uri="{FF2B5EF4-FFF2-40B4-BE49-F238E27FC236}">
-                <a16:creationId xmlns:a16="http://schemas.microsoft.com/office/drawing/2014/main" id="{A44A5771-B6CC-5534-0799-EA9B09045F81}"/>
+                <a16:creationId xmlns:a16="http://schemas.microsoft.com/office/drawing/2014/main" xmlns="" id="{A44A5771-B6CC-5534-0799-EA9B09045F81}"/>
               </a:ext>
             </a:extLst>
           </p:cNvPr>
@@ -8325,7 +8325,7 @@
           <p:cNvPr id="2" name="TextBox 1">
             <a:extLst>
               <a:ext uri="{FF2B5EF4-FFF2-40B4-BE49-F238E27FC236}">
-                <a16:creationId xmlns:a16="http://schemas.microsoft.com/office/drawing/2014/main" id="{BE6974B2-3F68-4E5C-D286-29D130EBB98D}"/>
+                <a16:creationId xmlns:a16="http://schemas.microsoft.com/office/drawing/2014/main" xmlns="" id="{BE6974B2-3F68-4E5C-D286-29D130EBB98D}"/>
               </a:ext>
             </a:extLst>
           </p:cNvPr>
@@ -8396,7 +8396,7 @@
           <p:cNvPr id="3" name="직선 연결선 2">
             <a:extLst>
               <a:ext uri="{FF2B5EF4-FFF2-40B4-BE49-F238E27FC236}">
-                <a16:creationId xmlns:a16="http://schemas.microsoft.com/office/drawing/2014/main" id="{EE23D69B-FB8A-7968-9F19-D49DE5096305}"/>
+                <a16:creationId xmlns:a16="http://schemas.microsoft.com/office/drawing/2014/main" xmlns="" id="{EE23D69B-FB8A-7968-9F19-D49DE5096305}"/>
               </a:ext>
             </a:extLst>
           </p:cNvPr>
@@ -8720,7 +8720,7 @@
           <p:cNvPr id="11" name="TextBox 10">
             <a:extLst>
               <a:ext uri="{FF2B5EF4-FFF2-40B4-BE49-F238E27FC236}">
-                <a16:creationId xmlns:a16="http://schemas.microsoft.com/office/drawing/2014/main" id="{9F88F580-08BE-88C2-D640-13F0026591CB}"/>
+                <a16:creationId xmlns:a16="http://schemas.microsoft.com/office/drawing/2014/main" xmlns="" id="{9F88F580-08BE-88C2-D640-13F0026591CB}"/>
               </a:ext>
             </a:extLst>
           </p:cNvPr>
@@ -8778,7 +8778,7 @@
           <p:cNvPr id="13" name="TextBox 12">
             <a:extLst>
               <a:ext uri="{FF2B5EF4-FFF2-40B4-BE49-F238E27FC236}">
-                <a16:creationId xmlns:a16="http://schemas.microsoft.com/office/drawing/2014/main" id="{72769C28-9BB6-DE9C-7B6F-264B77B8DD0E}"/>
+                <a16:creationId xmlns:a16="http://schemas.microsoft.com/office/drawing/2014/main" xmlns="" id="{72769C28-9BB6-DE9C-7B6F-264B77B8DD0E}"/>
               </a:ext>
             </a:extLst>
           </p:cNvPr>
@@ -8836,7 +8836,7 @@
           <p:cNvPr id="14" name="TextBox 13">
             <a:extLst>
               <a:ext uri="{FF2B5EF4-FFF2-40B4-BE49-F238E27FC236}">
-                <a16:creationId xmlns:a16="http://schemas.microsoft.com/office/drawing/2014/main" id="{270FBB6A-01CE-5637-78DA-58F0C974145C}"/>
+                <a16:creationId xmlns:a16="http://schemas.microsoft.com/office/drawing/2014/main" xmlns="" id="{270FBB6A-01CE-5637-78DA-58F0C974145C}"/>
               </a:ext>
             </a:extLst>
           </p:cNvPr>
@@ -8904,7 +8904,7 @@
           <p:cNvPr id="2" name="Object 17">
             <a:extLst>
               <a:ext uri="{FF2B5EF4-FFF2-40B4-BE49-F238E27FC236}">
-                <a16:creationId xmlns:a16="http://schemas.microsoft.com/office/drawing/2014/main" id="{140B283D-FE58-FA6F-6F7C-E0F1DBB62A65}"/>
+                <a16:creationId xmlns:a16="http://schemas.microsoft.com/office/drawing/2014/main" xmlns="" id="{140B283D-FE58-FA6F-6F7C-E0F1DBB62A65}"/>
               </a:ext>
             </a:extLst>
           </p:cNvPr>
@@ -8934,7 +8934,7 @@
           <p:cNvPr id="4" name="TextBox 3">
             <a:extLst>
               <a:ext uri="{FF2B5EF4-FFF2-40B4-BE49-F238E27FC236}">
-                <a16:creationId xmlns:a16="http://schemas.microsoft.com/office/drawing/2014/main" id="{2C8D0998-79BC-6FD2-59D9-8052B4A25F65}"/>
+                <a16:creationId xmlns:a16="http://schemas.microsoft.com/office/drawing/2014/main" xmlns="" id="{2C8D0998-79BC-6FD2-59D9-8052B4A25F65}"/>
               </a:ext>
             </a:extLst>
           </p:cNvPr>
@@ -8982,7 +8982,7 @@
           <p:cNvPr id="5" name="Object 18">
             <a:extLst>
               <a:ext uri="{FF2B5EF4-FFF2-40B4-BE49-F238E27FC236}">
-                <a16:creationId xmlns:a16="http://schemas.microsoft.com/office/drawing/2014/main" id="{3F58EA3E-1018-64D3-FAB2-4F6B9618FA56}"/>
+                <a16:creationId xmlns:a16="http://schemas.microsoft.com/office/drawing/2014/main" xmlns="" id="{3F58EA3E-1018-64D3-FAB2-4F6B9618FA56}"/>
               </a:ext>
             </a:extLst>
           </p:cNvPr>
@@ -9012,7 +9012,7 @@
           <p:cNvPr id="8" name="TextBox 7">
             <a:extLst>
               <a:ext uri="{FF2B5EF4-FFF2-40B4-BE49-F238E27FC236}">
-                <a16:creationId xmlns:a16="http://schemas.microsoft.com/office/drawing/2014/main" id="{681D3F16-7DCF-41AD-F5F1-0558C78C0E4D}"/>
+                <a16:creationId xmlns:a16="http://schemas.microsoft.com/office/drawing/2014/main" xmlns="" id="{681D3F16-7DCF-41AD-F5F1-0558C78C0E4D}"/>
               </a:ext>
             </a:extLst>
           </p:cNvPr>
@@ -9085,7 +9085,7 @@
           <p:cNvPr id="4" name="TextBox 3">
             <a:extLst>
               <a:ext uri="{FF2B5EF4-FFF2-40B4-BE49-F238E27FC236}">
-                <a16:creationId xmlns:a16="http://schemas.microsoft.com/office/drawing/2014/main" id="{4EDAA912-8FA0-0F11-119B-EA9F8B36A489}"/>
+                <a16:creationId xmlns:a16="http://schemas.microsoft.com/office/drawing/2014/main" xmlns="" id="{4EDAA912-8FA0-0F11-119B-EA9F8B36A489}"/>
               </a:ext>
             </a:extLst>
           </p:cNvPr>
@@ -9213,7 +9213,7 @@
           <p:cNvPr id="11" name="그림 10">
             <a:extLst>
               <a:ext uri="{FF2B5EF4-FFF2-40B4-BE49-F238E27FC236}">
-                <a16:creationId xmlns:a16="http://schemas.microsoft.com/office/drawing/2014/main" id="{F0CA7BE5-6174-6FF4-9933-7DC9DA296E9A}"/>
+                <a16:creationId xmlns:a16="http://schemas.microsoft.com/office/drawing/2014/main" xmlns="" id="{F0CA7BE5-6174-6FF4-9933-7DC9DA296E9A}"/>
               </a:ext>
             </a:extLst>
           </p:cNvPr>
@@ -9243,7 +9243,7 @@
           <p:cNvPr id="13" name="그림 12">
             <a:extLst>
               <a:ext uri="{FF2B5EF4-FFF2-40B4-BE49-F238E27FC236}">
-                <a16:creationId xmlns:a16="http://schemas.microsoft.com/office/drawing/2014/main" id="{32F4CD69-6643-66D2-A3EE-2A3979A63D07}"/>
+                <a16:creationId xmlns:a16="http://schemas.microsoft.com/office/drawing/2014/main" xmlns="" id="{32F4CD69-6643-66D2-A3EE-2A3979A63D07}"/>
               </a:ext>
             </a:extLst>
           </p:cNvPr>
@@ -9273,7 +9273,7 @@
           <p:cNvPr id="15" name="그림 14">
             <a:extLst>
               <a:ext uri="{FF2B5EF4-FFF2-40B4-BE49-F238E27FC236}">
-                <a16:creationId xmlns:a16="http://schemas.microsoft.com/office/drawing/2014/main" id="{D7EB0CF9-26B5-01AB-A799-78B77BDE9883}"/>
+                <a16:creationId xmlns:a16="http://schemas.microsoft.com/office/drawing/2014/main" xmlns="" id="{D7EB0CF9-26B5-01AB-A799-78B77BDE9883}"/>
               </a:ext>
             </a:extLst>
           </p:cNvPr>
@@ -9303,7 +9303,7 @@
           <p:cNvPr id="16" name="그림 15">
             <a:extLst>
               <a:ext uri="{FF2B5EF4-FFF2-40B4-BE49-F238E27FC236}">
-                <a16:creationId xmlns:a16="http://schemas.microsoft.com/office/drawing/2014/main" id="{53818E31-CB03-99CC-9229-CB9542273C7C}"/>
+                <a16:creationId xmlns:a16="http://schemas.microsoft.com/office/drawing/2014/main" xmlns="" id="{53818E31-CB03-99CC-9229-CB9542273C7C}"/>
               </a:ext>
             </a:extLst>
           </p:cNvPr>
@@ -9344,7 +9344,7 @@
           <p:cNvPr id="2" name="TextBox 1">
             <a:extLst>
               <a:ext uri="{FF2B5EF4-FFF2-40B4-BE49-F238E27FC236}">
-                <a16:creationId xmlns:a16="http://schemas.microsoft.com/office/drawing/2014/main" id="{926F4ECE-D9BB-7879-0BA3-424BDF283AE7}"/>
+                <a16:creationId xmlns:a16="http://schemas.microsoft.com/office/drawing/2014/main" xmlns="" id="{926F4ECE-D9BB-7879-0BA3-424BDF283AE7}"/>
               </a:ext>
             </a:extLst>
           </p:cNvPr>
@@ -9415,7 +9415,7 @@
           <p:cNvPr id="3" name="직선 연결선 2">
             <a:extLst>
               <a:ext uri="{FF2B5EF4-FFF2-40B4-BE49-F238E27FC236}">
-                <a16:creationId xmlns:a16="http://schemas.microsoft.com/office/drawing/2014/main" id="{0F4CC35C-AB99-53ED-82EE-48242CDFD22D}"/>
+                <a16:creationId xmlns:a16="http://schemas.microsoft.com/office/drawing/2014/main" xmlns="" id="{0F4CC35C-AB99-53ED-82EE-48242CDFD22D}"/>
               </a:ext>
             </a:extLst>
           </p:cNvPr>
@@ -9488,7 +9488,7 @@
           <p:cNvPr id="5" name="TextBox 4">
             <a:extLst>
               <a:ext uri="{FF2B5EF4-FFF2-40B4-BE49-F238E27FC236}">
-                <a16:creationId xmlns:a16="http://schemas.microsoft.com/office/drawing/2014/main" id="{DBF824C0-849E-3A77-8BBC-D548CAD5ECD3}"/>
+                <a16:creationId xmlns:a16="http://schemas.microsoft.com/office/drawing/2014/main" xmlns="" id="{DBF824C0-849E-3A77-8BBC-D548CAD5ECD3}"/>
               </a:ext>
             </a:extLst>
           </p:cNvPr>
@@ -9718,7 +9718,7 @@
           <p:cNvPr id="7" name="그림 6">
             <a:extLst>
               <a:ext uri="{FF2B5EF4-FFF2-40B4-BE49-F238E27FC236}">
-                <a16:creationId xmlns:a16="http://schemas.microsoft.com/office/drawing/2014/main" id="{9BFD8418-A47B-9309-4B5E-CA002EC54703}"/>
+                <a16:creationId xmlns:a16="http://schemas.microsoft.com/office/drawing/2014/main" xmlns="" id="{9BFD8418-A47B-9309-4B5E-CA002EC54703}"/>
               </a:ext>
             </a:extLst>
           </p:cNvPr>
@@ -9748,7 +9748,7 @@
           <p:cNvPr id="6" name="직사각형 5">
             <a:extLst>
               <a:ext uri="{FF2B5EF4-FFF2-40B4-BE49-F238E27FC236}">
-                <a16:creationId xmlns:a16="http://schemas.microsoft.com/office/drawing/2014/main" id="{928CD9B7-5D02-6741-D296-037B485E1AFB}"/>
+                <a16:creationId xmlns:a16="http://schemas.microsoft.com/office/drawing/2014/main" xmlns="" id="{928CD9B7-5D02-6741-D296-037B485E1AFB}"/>
               </a:ext>
             </a:extLst>
           </p:cNvPr>
@@ -9800,7 +9800,7 @@
           <p:cNvPr id="2" name="TextBox 1">
             <a:extLst>
               <a:ext uri="{FF2B5EF4-FFF2-40B4-BE49-F238E27FC236}">
-                <a16:creationId xmlns:a16="http://schemas.microsoft.com/office/drawing/2014/main" id="{0036F5A0-7217-46CE-43D7-C284E3CC860F}"/>
+                <a16:creationId xmlns:a16="http://schemas.microsoft.com/office/drawing/2014/main" xmlns="" id="{0036F5A0-7217-46CE-43D7-C284E3CC860F}"/>
               </a:ext>
             </a:extLst>
           </p:cNvPr>
@@ -9871,7 +9871,7 @@
           <p:cNvPr id="3" name="직선 연결선 2">
             <a:extLst>
               <a:ext uri="{FF2B5EF4-FFF2-40B4-BE49-F238E27FC236}">
-                <a16:creationId xmlns:a16="http://schemas.microsoft.com/office/drawing/2014/main" id="{11FCCF64-8924-3830-B852-ACB2723D8CC2}"/>
+                <a16:creationId xmlns:a16="http://schemas.microsoft.com/office/drawing/2014/main" xmlns="" id="{11FCCF64-8924-3830-B852-ACB2723D8CC2}"/>
               </a:ext>
             </a:extLst>
           </p:cNvPr>
@@ -10022,7 +10022,7 @@
           <p:cNvPr id="3" name="TextBox 2">
             <a:extLst>
               <a:ext uri="{FF2B5EF4-FFF2-40B4-BE49-F238E27FC236}">
-                <a16:creationId xmlns:a16="http://schemas.microsoft.com/office/drawing/2014/main" id="{37E7CF9D-7E92-6FF8-C88F-AC65D75D85F8}"/>
+                <a16:creationId xmlns:a16="http://schemas.microsoft.com/office/drawing/2014/main" xmlns="" id="{37E7CF9D-7E92-6FF8-C88F-AC65D75D85F8}"/>
               </a:ext>
             </a:extLst>
           </p:cNvPr>
@@ -10465,7 +10465,7 @@
           <p:cNvPr id="17" name="그림 16">
             <a:extLst>
               <a:ext uri="{FF2B5EF4-FFF2-40B4-BE49-F238E27FC236}">
-                <a16:creationId xmlns:a16="http://schemas.microsoft.com/office/drawing/2014/main" id="{4E6EBF70-C1D2-8978-A62E-DF7FE2B76E0D}"/>
+                <a16:creationId xmlns:a16="http://schemas.microsoft.com/office/drawing/2014/main" xmlns="" id="{4E6EBF70-C1D2-8978-A62E-DF7FE2B76E0D}"/>
               </a:ext>
             </a:extLst>
           </p:cNvPr>
@@ -10495,7 +10495,7 @@
           <p:cNvPr id="5" name="그림 4">
             <a:extLst>
               <a:ext uri="{FF2B5EF4-FFF2-40B4-BE49-F238E27FC236}">
-                <a16:creationId xmlns:a16="http://schemas.microsoft.com/office/drawing/2014/main" id="{AD69993C-F0A0-4BB7-A163-ACA7FB90A029}"/>
+                <a16:creationId xmlns:a16="http://schemas.microsoft.com/office/drawing/2014/main" xmlns="" id="{AD69993C-F0A0-4BB7-A163-ACA7FB90A029}"/>
               </a:ext>
             </a:extLst>
           </p:cNvPr>
@@ -10525,7 +10525,7 @@
           <p:cNvPr id="6" name="그림 5">
             <a:extLst>
               <a:ext uri="{FF2B5EF4-FFF2-40B4-BE49-F238E27FC236}">
-                <a16:creationId xmlns:a16="http://schemas.microsoft.com/office/drawing/2014/main" id="{554CD39F-E8C5-8219-0DC1-F5718F6E6943}"/>
+                <a16:creationId xmlns:a16="http://schemas.microsoft.com/office/drawing/2014/main" xmlns="" id="{554CD39F-E8C5-8219-0DC1-F5718F6E6943}"/>
               </a:ext>
             </a:extLst>
           </p:cNvPr>
@@ -10566,7 +10566,7 @@
           <p:cNvPr id="2" name="TextBox 1">
             <a:extLst>
               <a:ext uri="{FF2B5EF4-FFF2-40B4-BE49-F238E27FC236}">
-                <a16:creationId xmlns:a16="http://schemas.microsoft.com/office/drawing/2014/main" id="{F8AE4504-C66D-FDCE-3080-11365EF6E6D6}"/>
+                <a16:creationId xmlns:a16="http://schemas.microsoft.com/office/drawing/2014/main" xmlns="" id="{F8AE4504-C66D-FDCE-3080-11365EF6E6D6}"/>
               </a:ext>
             </a:extLst>
           </p:cNvPr>
@@ -10637,7 +10637,7 @@
           <p:cNvPr id="4" name="직선 연결선 3">
             <a:extLst>
               <a:ext uri="{FF2B5EF4-FFF2-40B4-BE49-F238E27FC236}">
-                <a16:creationId xmlns:a16="http://schemas.microsoft.com/office/drawing/2014/main" id="{CEA2CEE2-ED5F-7AE0-5CF1-33C2CC4CEAE5}"/>
+                <a16:creationId xmlns:a16="http://schemas.microsoft.com/office/drawing/2014/main" xmlns="" id="{CEA2CEE2-ED5F-7AE0-5CF1-33C2CC4CEAE5}"/>
               </a:ext>
             </a:extLst>
           </p:cNvPr>
@@ -10785,7 +10785,7 @@
           <p:cNvPr id="8" name="그림 7">
             <a:extLst>
               <a:ext uri="{FF2B5EF4-FFF2-40B4-BE49-F238E27FC236}">
-                <a16:creationId xmlns:a16="http://schemas.microsoft.com/office/drawing/2014/main" id="{921B55D5-8717-D53C-BCB3-2B4E55396160}"/>
+                <a16:creationId xmlns:a16="http://schemas.microsoft.com/office/drawing/2014/main" xmlns="" id="{921B55D5-8717-D53C-BCB3-2B4E55396160}"/>
               </a:ext>
             </a:extLst>
           </p:cNvPr>
@@ -10815,7 +10815,7 @@
           <p:cNvPr id="4" name="TextBox 3">
             <a:extLst>
               <a:ext uri="{FF2B5EF4-FFF2-40B4-BE49-F238E27FC236}">
-                <a16:creationId xmlns:a16="http://schemas.microsoft.com/office/drawing/2014/main" id="{5AA822A9-A2C3-2990-ABC6-FFCAA4359DE9}"/>
+                <a16:creationId xmlns:a16="http://schemas.microsoft.com/office/drawing/2014/main" xmlns="" id="{5AA822A9-A2C3-2990-ABC6-FFCAA4359DE9}"/>
               </a:ext>
             </a:extLst>
           </p:cNvPr>
@@ -10950,7 +10950,7 @@
           <p:cNvPr id="9" name="직선 화살표 연결선 8">
             <a:extLst>
               <a:ext uri="{FF2B5EF4-FFF2-40B4-BE49-F238E27FC236}">
-                <a16:creationId xmlns:a16="http://schemas.microsoft.com/office/drawing/2014/main" id="{B1919B9E-593B-CA49-954F-8ECB4EBEED4E}"/>
+                <a16:creationId xmlns:a16="http://schemas.microsoft.com/office/drawing/2014/main" xmlns="" id="{B1919B9E-593B-CA49-954F-8ECB4EBEED4E}"/>
               </a:ext>
             </a:extLst>
           </p:cNvPr>
@@ -10991,7 +10991,7 @@
           <p:cNvPr id="10" name="직사각형 9">
             <a:extLst>
               <a:ext uri="{FF2B5EF4-FFF2-40B4-BE49-F238E27FC236}">
-                <a16:creationId xmlns:a16="http://schemas.microsoft.com/office/drawing/2014/main" id="{EB53C9B5-34DD-5E33-2DE5-5EE0F86E1BCE}"/>
+                <a16:creationId xmlns:a16="http://schemas.microsoft.com/office/drawing/2014/main" xmlns="" id="{EB53C9B5-34DD-5E33-2DE5-5EE0F86E1BCE}"/>
               </a:ext>
             </a:extLst>
           </p:cNvPr>
@@ -11043,7 +11043,7 @@
           <p:cNvPr id="14" name="TextBox 13">
             <a:extLst>
               <a:ext uri="{FF2B5EF4-FFF2-40B4-BE49-F238E27FC236}">
-                <a16:creationId xmlns:a16="http://schemas.microsoft.com/office/drawing/2014/main" id="{103F58B6-84FD-DA66-C19B-D4EF15900880}"/>
+                <a16:creationId xmlns:a16="http://schemas.microsoft.com/office/drawing/2014/main" xmlns="" id="{103F58B6-84FD-DA66-C19B-D4EF15900880}"/>
               </a:ext>
             </a:extLst>
           </p:cNvPr>
@@ -11134,7 +11134,7 @@
           <p:cNvPr id="15" name="직선 화살표 연결선 14">
             <a:extLst>
               <a:ext uri="{FF2B5EF4-FFF2-40B4-BE49-F238E27FC236}">
-                <a16:creationId xmlns:a16="http://schemas.microsoft.com/office/drawing/2014/main" id="{2631F446-9598-D9EB-90FF-7A34D3E6722B}"/>
+                <a16:creationId xmlns:a16="http://schemas.microsoft.com/office/drawing/2014/main" xmlns="" id="{2631F446-9598-D9EB-90FF-7A34D3E6722B}"/>
               </a:ext>
             </a:extLst>
           </p:cNvPr>
@@ -11176,7 +11176,7 @@
           <p:cNvPr id="16" name="직사각형 15">
             <a:extLst>
               <a:ext uri="{FF2B5EF4-FFF2-40B4-BE49-F238E27FC236}">
-                <a16:creationId xmlns:a16="http://schemas.microsoft.com/office/drawing/2014/main" id="{70631239-A7C5-9E46-69FF-62BC6589E1D9}"/>
+                <a16:creationId xmlns:a16="http://schemas.microsoft.com/office/drawing/2014/main" xmlns="" id="{70631239-A7C5-9E46-69FF-62BC6589E1D9}"/>
               </a:ext>
             </a:extLst>
           </p:cNvPr>
@@ -11228,7 +11228,7 @@
           <p:cNvPr id="7" name="직사각형 6">
             <a:extLst>
               <a:ext uri="{FF2B5EF4-FFF2-40B4-BE49-F238E27FC236}">
-                <a16:creationId xmlns:a16="http://schemas.microsoft.com/office/drawing/2014/main" id="{B128BB1D-D9CE-1F44-715E-AD758260918B}"/>
+                <a16:creationId xmlns:a16="http://schemas.microsoft.com/office/drawing/2014/main" xmlns="" id="{B128BB1D-D9CE-1F44-715E-AD758260918B}"/>
               </a:ext>
             </a:extLst>
           </p:cNvPr>
@@ -11280,7 +11280,7 @@
           <p:cNvPr id="2" name="TextBox 1">
             <a:extLst>
               <a:ext uri="{FF2B5EF4-FFF2-40B4-BE49-F238E27FC236}">
-                <a16:creationId xmlns:a16="http://schemas.microsoft.com/office/drawing/2014/main" id="{C83007D1-EBD3-C509-D1D1-DF8A9764B9B5}"/>
+                <a16:creationId xmlns:a16="http://schemas.microsoft.com/office/drawing/2014/main" xmlns="" id="{C83007D1-EBD3-C509-D1D1-DF8A9764B9B5}"/>
               </a:ext>
             </a:extLst>
           </p:cNvPr>
@@ -11351,7 +11351,7 @@
           <p:cNvPr id="3" name="직선 연결선 2">
             <a:extLst>
               <a:ext uri="{FF2B5EF4-FFF2-40B4-BE49-F238E27FC236}">
-                <a16:creationId xmlns:a16="http://schemas.microsoft.com/office/drawing/2014/main" id="{A105EE09-80AC-E51A-FAA7-5AF1947B4C54}"/>
+                <a16:creationId xmlns:a16="http://schemas.microsoft.com/office/drawing/2014/main" xmlns="" id="{A105EE09-80AC-E51A-FAA7-5AF1947B4C54}"/>
               </a:ext>
             </a:extLst>
           </p:cNvPr>
@@ -11502,7 +11502,7 @@
           <p:cNvPr id="4" name="TextBox 3">
             <a:extLst>
               <a:ext uri="{FF2B5EF4-FFF2-40B4-BE49-F238E27FC236}">
-                <a16:creationId xmlns:a16="http://schemas.microsoft.com/office/drawing/2014/main" id="{544B4A8C-50DE-F53E-3772-6A38DC3A6433}"/>
+                <a16:creationId xmlns:a16="http://schemas.microsoft.com/office/drawing/2014/main" xmlns="" id="{544B4A8C-50DE-F53E-3772-6A38DC3A6433}"/>
               </a:ext>
             </a:extLst>
           </p:cNvPr>
@@ -11602,7 +11602,7 @@
           <p:cNvPr id="5" name="그림 4">
             <a:extLst>
               <a:ext uri="{FF2B5EF4-FFF2-40B4-BE49-F238E27FC236}">
-                <a16:creationId xmlns:a16="http://schemas.microsoft.com/office/drawing/2014/main" id="{AA24DD58-EB34-2CF3-679C-A44BAE4CBF17}"/>
+                <a16:creationId xmlns:a16="http://schemas.microsoft.com/office/drawing/2014/main" xmlns="" id="{AA24DD58-EB34-2CF3-679C-A44BAE4CBF17}"/>
               </a:ext>
             </a:extLst>
           </p:cNvPr>
@@ -11632,7 +11632,7 @@
           <p:cNvPr id="7" name="그림 6">
             <a:extLst>
               <a:ext uri="{FF2B5EF4-FFF2-40B4-BE49-F238E27FC236}">
-                <a16:creationId xmlns:a16="http://schemas.microsoft.com/office/drawing/2014/main" id="{07338165-3415-4373-D05D-C7930059FE3B}"/>
+                <a16:creationId xmlns:a16="http://schemas.microsoft.com/office/drawing/2014/main" xmlns="" id="{07338165-3415-4373-D05D-C7930059FE3B}"/>
               </a:ext>
             </a:extLst>
           </p:cNvPr>
@@ -11662,7 +11662,7 @@
           <p:cNvPr id="8" name="그림 7">
             <a:extLst>
               <a:ext uri="{FF2B5EF4-FFF2-40B4-BE49-F238E27FC236}">
-                <a16:creationId xmlns:a16="http://schemas.microsoft.com/office/drawing/2014/main" id="{07338165-3415-4373-D05D-C7930059FE3B}"/>
+                <a16:creationId xmlns:a16="http://schemas.microsoft.com/office/drawing/2014/main" xmlns="" id="{07338165-3415-4373-D05D-C7930059FE3B}"/>
               </a:ext>
             </a:extLst>
           </p:cNvPr>
@@ -11691,7 +11691,7 @@
           <p:cNvPr id="2" name="TextBox 1">
             <a:extLst>
               <a:ext uri="{FF2B5EF4-FFF2-40B4-BE49-F238E27FC236}">
-                <a16:creationId xmlns:a16="http://schemas.microsoft.com/office/drawing/2014/main" id="{35E28A7E-6BCF-B0AA-77A2-41D203BDDEDB}"/>
+                <a16:creationId xmlns:a16="http://schemas.microsoft.com/office/drawing/2014/main" xmlns="" id="{35E28A7E-6BCF-B0AA-77A2-41D203BDDEDB}"/>
               </a:ext>
             </a:extLst>
           </p:cNvPr>
@@ -11762,7 +11762,7 @@
           <p:cNvPr id="3" name="직선 연결선 2">
             <a:extLst>
               <a:ext uri="{FF2B5EF4-FFF2-40B4-BE49-F238E27FC236}">
-                <a16:creationId xmlns:a16="http://schemas.microsoft.com/office/drawing/2014/main" id="{CD5FB640-9462-E531-79BF-C269A2772FFB}"/>
+                <a16:creationId xmlns:a16="http://schemas.microsoft.com/office/drawing/2014/main" xmlns="" id="{CD5FB640-9462-E531-79BF-C269A2772FFB}"/>
               </a:ext>
             </a:extLst>
           </p:cNvPr>
@@ -11835,7 +11835,7 @@
           <p:cNvPr id="22" name="TextBox 21">
             <a:extLst>
               <a:ext uri="{FF2B5EF4-FFF2-40B4-BE49-F238E27FC236}">
-                <a16:creationId xmlns:a16="http://schemas.microsoft.com/office/drawing/2014/main" id="{4BCF0663-63AF-ED2B-6371-E9DF02EC5928}"/>
+                <a16:creationId xmlns:a16="http://schemas.microsoft.com/office/drawing/2014/main" xmlns="" id="{4BCF0663-63AF-ED2B-6371-E9DF02EC5928}"/>
               </a:ext>
             </a:extLst>
           </p:cNvPr>
@@ -11923,7 +11923,7 @@
           <p:cNvPr id="13" name="그림 12">
             <a:extLst>
               <a:ext uri="{FF2B5EF4-FFF2-40B4-BE49-F238E27FC236}">
-                <a16:creationId xmlns:a16="http://schemas.microsoft.com/office/drawing/2014/main" id="{B63AB482-869F-F4FD-F10D-CC5AB438728C}"/>
+                <a16:creationId xmlns:a16="http://schemas.microsoft.com/office/drawing/2014/main" xmlns="" id="{B63AB482-869F-F4FD-F10D-CC5AB438728C}"/>
               </a:ext>
             </a:extLst>
           </p:cNvPr>
@@ -11953,7 +11953,7 @@
           <p:cNvPr id="5" name="TextBox 4">
             <a:extLst>
               <a:ext uri="{FF2B5EF4-FFF2-40B4-BE49-F238E27FC236}">
-                <a16:creationId xmlns:a16="http://schemas.microsoft.com/office/drawing/2014/main" id="{13D3864F-8589-1FEC-ACA3-A4FF96E34022}"/>
+                <a16:creationId xmlns:a16="http://schemas.microsoft.com/office/drawing/2014/main" xmlns="" id="{13D3864F-8589-1FEC-ACA3-A4FF96E34022}"/>
               </a:ext>
             </a:extLst>
           </p:cNvPr>
@@ -12011,7 +12011,7 @@
           <p:cNvPr id="7" name="직선 화살표 연결선 6">
             <a:extLst>
               <a:ext uri="{FF2B5EF4-FFF2-40B4-BE49-F238E27FC236}">
-                <a16:creationId xmlns:a16="http://schemas.microsoft.com/office/drawing/2014/main" id="{BF77559A-17B9-C437-66AF-491430DBC6CE}"/>
+                <a16:creationId xmlns:a16="http://schemas.microsoft.com/office/drawing/2014/main" xmlns="" id="{BF77559A-17B9-C437-66AF-491430DBC6CE}"/>
               </a:ext>
             </a:extLst>
           </p:cNvPr>
@@ -12052,7 +12052,7 @@
           <p:cNvPr id="8" name="직사각형 7">
             <a:extLst>
               <a:ext uri="{FF2B5EF4-FFF2-40B4-BE49-F238E27FC236}">
-                <a16:creationId xmlns:a16="http://schemas.microsoft.com/office/drawing/2014/main" id="{6127D189-06BD-6C31-84B4-A85FE69EA64E}"/>
+                <a16:creationId xmlns:a16="http://schemas.microsoft.com/office/drawing/2014/main" xmlns="" id="{6127D189-06BD-6C31-84B4-A85FE69EA64E}"/>
               </a:ext>
             </a:extLst>
           </p:cNvPr>
@@ -12104,7 +12104,7 @@
           <p:cNvPr id="14" name="TextBox 13">
             <a:extLst>
               <a:ext uri="{FF2B5EF4-FFF2-40B4-BE49-F238E27FC236}">
-                <a16:creationId xmlns:a16="http://schemas.microsoft.com/office/drawing/2014/main" id="{FF7B9C19-680A-C873-2A94-73146924267D}"/>
+                <a16:creationId xmlns:a16="http://schemas.microsoft.com/office/drawing/2014/main" xmlns="" id="{FF7B9C19-680A-C873-2A94-73146924267D}"/>
               </a:ext>
             </a:extLst>
           </p:cNvPr>
@@ -12275,7 +12275,7 @@
           <p:cNvPr id="15" name="TextBox 14">
             <a:extLst>
               <a:ext uri="{FF2B5EF4-FFF2-40B4-BE49-F238E27FC236}">
-                <a16:creationId xmlns:a16="http://schemas.microsoft.com/office/drawing/2014/main" id="{BC827CB9-CDA6-90B1-CE69-063F591C6A09}"/>
+                <a16:creationId xmlns:a16="http://schemas.microsoft.com/office/drawing/2014/main" xmlns="" id="{BC827CB9-CDA6-90B1-CE69-063F591C6A09}"/>
               </a:ext>
             </a:extLst>
           </p:cNvPr>
@@ -12396,7 +12396,7 @@
           <p:cNvPr id="16" name="직선 화살표 연결선 15">
             <a:extLst>
               <a:ext uri="{FF2B5EF4-FFF2-40B4-BE49-F238E27FC236}">
-                <a16:creationId xmlns:a16="http://schemas.microsoft.com/office/drawing/2014/main" id="{B6E05543-12E4-468B-2E00-3A384AA33827}"/>
+                <a16:creationId xmlns:a16="http://schemas.microsoft.com/office/drawing/2014/main" xmlns="" id="{B6E05543-12E4-468B-2E00-3A384AA33827}"/>
               </a:ext>
             </a:extLst>
           </p:cNvPr>
@@ -12437,7 +12437,7 @@
           <p:cNvPr id="17" name="직사각형 16">
             <a:extLst>
               <a:ext uri="{FF2B5EF4-FFF2-40B4-BE49-F238E27FC236}">
-                <a16:creationId xmlns:a16="http://schemas.microsoft.com/office/drawing/2014/main" id="{37D279F6-EB4C-90B5-D226-DD49D3A82BDA}"/>
+                <a16:creationId xmlns:a16="http://schemas.microsoft.com/office/drawing/2014/main" xmlns="" id="{37D279F6-EB4C-90B5-D226-DD49D3A82BDA}"/>
               </a:ext>
             </a:extLst>
           </p:cNvPr>
@@ -12489,7 +12489,7 @@
           <p:cNvPr id="12" name="직사각형 11">
             <a:extLst>
               <a:ext uri="{FF2B5EF4-FFF2-40B4-BE49-F238E27FC236}">
-                <a16:creationId xmlns:a16="http://schemas.microsoft.com/office/drawing/2014/main" id="{A13EE968-6B12-EBC3-01D5-1199235556BF}"/>
+                <a16:creationId xmlns:a16="http://schemas.microsoft.com/office/drawing/2014/main" xmlns="" id="{A13EE968-6B12-EBC3-01D5-1199235556BF}"/>
               </a:ext>
             </a:extLst>
           </p:cNvPr>
@@ -12541,7 +12541,7 @@
           <p:cNvPr id="2" name="TextBox 1">
             <a:extLst>
               <a:ext uri="{FF2B5EF4-FFF2-40B4-BE49-F238E27FC236}">
-                <a16:creationId xmlns:a16="http://schemas.microsoft.com/office/drawing/2014/main" id="{7C639E95-6F3F-F54C-5536-B83D7A85E056}"/>
+                <a16:creationId xmlns:a16="http://schemas.microsoft.com/office/drawing/2014/main" xmlns="" id="{7C639E95-6F3F-F54C-5536-B83D7A85E056}"/>
               </a:ext>
             </a:extLst>
           </p:cNvPr>
@@ -12612,7 +12612,7 @@
           <p:cNvPr id="3" name="직선 연결선 2">
             <a:extLst>
               <a:ext uri="{FF2B5EF4-FFF2-40B4-BE49-F238E27FC236}">
-                <a16:creationId xmlns:a16="http://schemas.microsoft.com/office/drawing/2014/main" id="{F92955BA-3A02-BF71-D5DC-BD4A4B98D333}"/>
+                <a16:creationId xmlns:a16="http://schemas.microsoft.com/office/drawing/2014/main" xmlns="" id="{F92955BA-3A02-BF71-D5DC-BD4A4B98D333}"/>
               </a:ext>
             </a:extLst>
           </p:cNvPr>
@@ -12763,7 +12763,7 @@
           <p:cNvPr id="8" name="그림 7">
             <a:extLst>
               <a:ext uri="{FF2B5EF4-FFF2-40B4-BE49-F238E27FC236}">
-                <a16:creationId xmlns:a16="http://schemas.microsoft.com/office/drawing/2014/main" id="{96ABBC4A-7546-62EA-CB73-1B49016386B0}"/>
+                <a16:creationId xmlns:a16="http://schemas.microsoft.com/office/drawing/2014/main" xmlns="" id="{96ABBC4A-7546-62EA-CB73-1B49016386B0}"/>
               </a:ext>
             </a:extLst>
           </p:cNvPr>
@@ -12793,7 +12793,7 @@
           <p:cNvPr id="12" name="직선 화살표 연결선 11">
             <a:extLst>
               <a:ext uri="{FF2B5EF4-FFF2-40B4-BE49-F238E27FC236}">
-                <a16:creationId xmlns:a16="http://schemas.microsoft.com/office/drawing/2014/main" id="{9A6BD329-418E-D449-4240-9C309D7F8A6A}"/>
+                <a16:creationId xmlns:a16="http://schemas.microsoft.com/office/drawing/2014/main" xmlns="" id="{9A6BD329-418E-D449-4240-9C309D7F8A6A}"/>
               </a:ext>
             </a:extLst>
           </p:cNvPr>
@@ -12834,7 +12834,7 @@
           <p:cNvPr id="13" name="직사각형 12">
             <a:extLst>
               <a:ext uri="{FF2B5EF4-FFF2-40B4-BE49-F238E27FC236}">
-                <a16:creationId xmlns:a16="http://schemas.microsoft.com/office/drawing/2014/main" id="{E7313DF0-2ED1-B22D-DB8B-35DAEF2B4384}"/>
+                <a16:creationId xmlns:a16="http://schemas.microsoft.com/office/drawing/2014/main" xmlns="" id="{E7313DF0-2ED1-B22D-DB8B-35DAEF2B4384}"/>
               </a:ext>
             </a:extLst>
           </p:cNvPr>
@@ -12886,7 +12886,7 @@
           <p:cNvPr id="14" name="TextBox 13">
             <a:extLst>
               <a:ext uri="{FF2B5EF4-FFF2-40B4-BE49-F238E27FC236}">
-                <a16:creationId xmlns:a16="http://schemas.microsoft.com/office/drawing/2014/main" id="{6AA9B418-CC96-6BDB-C87E-78A287D2EDA5}"/>
+                <a16:creationId xmlns:a16="http://schemas.microsoft.com/office/drawing/2014/main" xmlns="" id="{6AA9B418-CC96-6BDB-C87E-78A287D2EDA5}"/>
               </a:ext>
             </a:extLst>
           </p:cNvPr>
@@ -12987,7 +12987,7 @@
           <p:cNvPr id="15" name="직선 화살표 연결선 14">
             <a:extLst>
               <a:ext uri="{FF2B5EF4-FFF2-40B4-BE49-F238E27FC236}">
-                <a16:creationId xmlns:a16="http://schemas.microsoft.com/office/drawing/2014/main" id="{F3CCC433-3964-434B-9EA6-3FC70EF0223E}"/>
+                <a16:creationId xmlns:a16="http://schemas.microsoft.com/office/drawing/2014/main" xmlns="" id="{F3CCC433-3964-434B-9EA6-3FC70EF0223E}"/>
               </a:ext>
             </a:extLst>
           </p:cNvPr>
@@ -13028,7 +13028,7 @@
           <p:cNvPr id="16" name="직사각형 15">
             <a:extLst>
               <a:ext uri="{FF2B5EF4-FFF2-40B4-BE49-F238E27FC236}">
-                <a16:creationId xmlns:a16="http://schemas.microsoft.com/office/drawing/2014/main" id="{5E200A40-E95F-F9E2-4ACF-C19C0E27C3FE}"/>
+                <a16:creationId xmlns:a16="http://schemas.microsoft.com/office/drawing/2014/main" xmlns="" id="{5E200A40-E95F-F9E2-4ACF-C19C0E27C3FE}"/>
               </a:ext>
             </a:extLst>
           </p:cNvPr>
@@ -13080,7 +13080,7 @@
           <p:cNvPr id="17" name="TextBox 16">
             <a:extLst>
               <a:ext uri="{FF2B5EF4-FFF2-40B4-BE49-F238E27FC236}">
-                <a16:creationId xmlns:a16="http://schemas.microsoft.com/office/drawing/2014/main" id="{E5320251-90FF-053C-E234-44C58E77992E}"/>
+                <a16:creationId xmlns:a16="http://schemas.microsoft.com/office/drawing/2014/main" xmlns="" id="{E5320251-90FF-053C-E234-44C58E77992E}"/>
               </a:ext>
             </a:extLst>
           </p:cNvPr>
@@ -13355,7 +13355,7 @@
           <p:cNvPr id="11" name="직사각형 10">
             <a:extLst>
               <a:ext uri="{FF2B5EF4-FFF2-40B4-BE49-F238E27FC236}">
-                <a16:creationId xmlns:a16="http://schemas.microsoft.com/office/drawing/2014/main" id="{D67FE374-7C7B-14A5-6BB2-6F6DF6C0A15D}"/>
+                <a16:creationId xmlns:a16="http://schemas.microsoft.com/office/drawing/2014/main" xmlns="" id="{D67FE374-7C7B-14A5-6BB2-6F6DF6C0A15D}"/>
               </a:ext>
             </a:extLst>
           </p:cNvPr>
@@ -13407,7 +13407,7 @@
           <p:cNvPr id="4" name="TextBox 3">
             <a:extLst>
               <a:ext uri="{FF2B5EF4-FFF2-40B4-BE49-F238E27FC236}">
-                <a16:creationId xmlns:a16="http://schemas.microsoft.com/office/drawing/2014/main" id="{B8DB8921-B68A-5D62-0EF5-7F937C16455A}"/>
+                <a16:creationId xmlns:a16="http://schemas.microsoft.com/office/drawing/2014/main" xmlns="" id="{B8DB8921-B68A-5D62-0EF5-7F937C16455A}"/>
               </a:ext>
             </a:extLst>
           </p:cNvPr>
@@ -13478,7 +13478,7 @@
           <p:cNvPr id="5" name="직선 연결선 4">
             <a:extLst>
               <a:ext uri="{FF2B5EF4-FFF2-40B4-BE49-F238E27FC236}">
-                <a16:creationId xmlns:a16="http://schemas.microsoft.com/office/drawing/2014/main" id="{46DB1458-DCC6-D0EE-2109-E8D90ED629E9}"/>
+                <a16:creationId xmlns:a16="http://schemas.microsoft.com/office/drawing/2014/main" xmlns="" id="{46DB1458-DCC6-D0EE-2109-E8D90ED629E9}"/>
               </a:ext>
             </a:extLst>
           </p:cNvPr>
@@ -13637,7 +13637,7 @@
           <p:cNvPr id="4" name="Object 1">
             <a:extLst>
               <a:ext uri="{FF2B5EF4-FFF2-40B4-BE49-F238E27FC236}">
-                <a16:creationId xmlns:a16="http://schemas.microsoft.com/office/drawing/2014/main" id="{B0329035-BE76-33A8-0F2E-44624FCC1DED}"/>
+                <a16:creationId xmlns:a16="http://schemas.microsoft.com/office/drawing/2014/main" xmlns="" id="{B0329035-BE76-33A8-0F2E-44624FCC1DED}"/>
               </a:ext>
             </a:extLst>
           </p:cNvPr>
@@ -13667,7 +13667,7 @@
           <p:cNvPr id="7" name="그룹 1001">
             <a:extLst>
               <a:ext uri="{FF2B5EF4-FFF2-40B4-BE49-F238E27FC236}">
-                <a16:creationId xmlns:a16="http://schemas.microsoft.com/office/drawing/2014/main" id="{CD24CE9D-AC18-B6CD-F397-7E8E03D6FE26}"/>
+                <a16:creationId xmlns:a16="http://schemas.microsoft.com/office/drawing/2014/main" xmlns="" id="{CD24CE9D-AC18-B6CD-F397-7E8E03D6FE26}"/>
               </a:ext>
             </a:extLst>
           </p:cNvPr>
@@ -13687,7 +13687,7 @@
             <p:cNvPr id="8" name="Object 5">
               <a:extLst>
                 <a:ext uri="{FF2B5EF4-FFF2-40B4-BE49-F238E27FC236}">
-                  <a16:creationId xmlns:a16="http://schemas.microsoft.com/office/drawing/2014/main" id="{0EEF25E8-3BA8-EBAA-6DC2-66D70C3F9F4D}"/>
+                  <a16:creationId xmlns:a16="http://schemas.microsoft.com/office/drawing/2014/main" xmlns="" id="{0EEF25E8-3BA8-EBAA-6DC2-66D70C3F9F4D}"/>
                 </a:ext>
               </a:extLst>
             </p:cNvPr>
@@ -13718,7 +13718,7 @@
           <p:cNvPr id="9" name="그룹 1002">
             <a:extLst>
               <a:ext uri="{FF2B5EF4-FFF2-40B4-BE49-F238E27FC236}">
-                <a16:creationId xmlns:a16="http://schemas.microsoft.com/office/drawing/2014/main" id="{0F281BC9-DE1F-D1FE-E64C-C4640398F00C}"/>
+                <a16:creationId xmlns:a16="http://schemas.microsoft.com/office/drawing/2014/main" xmlns="" id="{0F281BC9-DE1F-D1FE-E64C-C4640398F00C}"/>
               </a:ext>
             </a:extLst>
           </p:cNvPr>
@@ -13738,7 +13738,7 @@
             <p:cNvPr id="10" name="Object 8">
               <a:extLst>
                 <a:ext uri="{FF2B5EF4-FFF2-40B4-BE49-F238E27FC236}">
-                  <a16:creationId xmlns:a16="http://schemas.microsoft.com/office/drawing/2014/main" id="{F669DCEF-04BB-7046-3F7F-5B513213556E}"/>
+                  <a16:creationId xmlns:a16="http://schemas.microsoft.com/office/drawing/2014/main" xmlns="" id="{F669DCEF-04BB-7046-3F7F-5B513213556E}"/>
                 </a:ext>
               </a:extLst>
             </p:cNvPr>
@@ -13769,7 +13769,7 @@
           <p:cNvPr id="11" name="그룹 1003">
             <a:extLst>
               <a:ext uri="{FF2B5EF4-FFF2-40B4-BE49-F238E27FC236}">
-                <a16:creationId xmlns:a16="http://schemas.microsoft.com/office/drawing/2014/main" id="{1F91EEF9-13EA-BB7F-B056-D35E7DB989AC}"/>
+                <a16:creationId xmlns:a16="http://schemas.microsoft.com/office/drawing/2014/main" xmlns="" id="{1F91EEF9-13EA-BB7F-B056-D35E7DB989AC}"/>
               </a:ext>
             </a:extLst>
           </p:cNvPr>
@@ -13789,7 +13789,7 @@
             <p:cNvPr id="12" name="Object 11">
               <a:extLst>
                 <a:ext uri="{FF2B5EF4-FFF2-40B4-BE49-F238E27FC236}">
-                  <a16:creationId xmlns:a16="http://schemas.microsoft.com/office/drawing/2014/main" id="{2CFFB217-AEFB-2C9E-5F86-6EE19510FFC6}"/>
+                  <a16:creationId xmlns:a16="http://schemas.microsoft.com/office/drawing/2014/main" xmlns="" id="{2CFFB217-AEFB-2C9E-5F86-6EE19510FFC6}"/>
                 </a:ext>
               </a:extLst>
             </p:cNvPr>
@@ -13820,7 +13820,7 @@
           <p:cNvPr id="13" name="그룹 1004">
             <a:extLst>
               <a:ext uri="{FF2B5EF4-FFF2-40B4-BE49-F238E27FC236}">
-                <a16:creationId xmlns:a16="http://schemas.microsoft.com/office/drawing/2014/main" id="{123B9C7E-94E8-E7E1-81BE-D59EA0299187}"/>
+                <a16:creationId xmlns:a16="http://schemas.microsoft.com/office/drawing/2014/main" xmlns="" id="{123B9C7E-94E8-E7E1-81BE-D59EA0299187}"/>
               </a:ext>
             </a:extLst>
           </p:cNvPr>
@@ -13840,7 +13840,7 @@
             <p:cNvPr id="14" name="Object 14">
               <a:extLst>
                 <a:ext uri="{FF2B5EF4-FFF2-40B4-BE49-F238E27FC236}">
-                  <a16:creationId xmlns:a16="http://schemas.microsoft.com/office/drawing/2014/main" id="{B6291552-2D89-A79F-7ACD-EA0EF9A4C389}"/>
+                  <a16:creationId xmlns:a16="http://schemas.microsoft.com/office/drawing/2014/main" xmlns="" id="{B6291552-2D89-A79F-7ACD-EA0EF9A4C389}"/>
                 </a:ext>
               </a:extLst>
             </p:cNvPr>
@@ -13871,7 +13871,7 @@
           <p:cNvPr id="15" name="TextBox 14">
             <a:extLst>
               <a:ext uri="{FF2B5EF4-FFF2-40B4-BE49-F238E27FC236}">
-                <a16:creationId xmlns:a16="http://schemas.microsoft.com/office/drawing/2014/main" id="{7D99763A-FC24-23F5-5BA9-D7B042E0F323}"/>
+                <a16:creationId xmlns:a16="http://schemas.microsoft.com/office/drawing/2014/main" xmlns="" id="{7D99763A-FC24-23F5-5BA9-D7B042E0F323}"/>
               </a:ext>
             </a:extLst>
           </p:cNvPr>
@@ -13949,7 +13949,7 @@
           <p:cNvPr id="5" name="그림 4">
             <a:extLst>
               <a:ext uri="{FF2B5EF4-FFF2-40B4-BE49-F238E27FC236}">
-                <a16:creationId xmlns:a16="http://schemas.microsoft.com/office/drawing/2014/main" id="{F62A4F4E-7511-DD05-C3FD-F642A26BD870}"/>
+                <a16:creationId xmlns:a16="http://schemas.microsoft.com/office/drawing/2014/main" xmlns="" id="{F62A4F4E-7511-DD05-C3FD-F642A26BD870}"/>
               </a:ext>
             </a:extLst>
           </p:cNvPr>
@@ -13979,7 +13979,7 @@
           <p:cNvPr id="7" name="직선 화살표 연결선 6">
             <a:extLst>
               <a:ext uri="{FF2B5EF4-FFF2-40B4-BE49-F238E27FC236}">
-                <a16:creationId xmlns:a16="http://schemas.microsoft.com/office/drawing/2014/main" id="{D3F376E5-CAF4-B172-AFF6-3AEB8C666DEB}"/>
+                <a16:creationId xmlns:a16="http://schemas.microsoft.com/office/drawing/2014/main" xmlns="" id="{D3F376E5-CAF4-B172-AFF6-3AEB8C666DEB}"/>
               </a:ext>
             </a:extLst>
           </p:cNvPr>
@@ -14020,7 +14020,7 @@
           <p:cNvPr id="8" name="직사각형 7">
             <a:extLst>
               <a:ext uri="{FF2B5EF4-FFF2-40B4-BE49-F238E27FC236}">
-                <a16:creationId xmlns:a16="http://schemas.microsoft.com/office/drawing/2014/main" id="{BF331BB8-C236-FCC7-707A-42CEF8955F9C}"/>
+                <a16:creationId xmlns:a16="http://schemas.microsoft.com/office/drawing/2014/main" xmlns="" id="{BF331BB8-C236-FCC7-707A-42CEF8955F9C}"/>
               </a:ext>
             </a:extLst>
           </p:cNvPr>
@@ -14072,7 +14072,7 @@
           <p:cNvPr id="9" name="TextBox 8">
             <a:extLst>
               <a:ext uri="{FF2B5EF4-FFF2-40B4-BE49-F238E27FC236}">
-                <a16:creationId xmlns:a16="http://schemas.microsoft.com/office/drawing/2014/main" id="{47862710-6F82-92A1-ECFE-96C402CB502A}"/>
+                <a16:creationId xmlns:a16="http://schemas.microsoft.com/office/drawing/2014/main" xmlns="" id="{47862710-6F82-92A1-ECFE-96C402CB502A}"/>
               </a:ext>
             </a:extLst>
           </p:cNvPr>
@@ -14173,7 +14173,7 @@
           <p:cNvPr id="10" name="TextBox 9">
             <a:extLst>
               <a:ext uri="{FF2B5EF4-FFF2-40B4-BE49-F238E27FC236}">
-                <a16:creationId xmlns:a16="http://schemas.microsoft.com/office/drawing/2014/main" id="{2B5F5884-839B-059E-F2A2-F525D50C2DCB}"/>
+                <a16:creationId xmlns:a16="http://schemas.microsoft.com/office/drawing/2014/main" xmlns="" id="{2B5F5884-839B-059E-F2A2-F525D50C2DCB}"/>
               </a:ext>
             </a:extLst>
           </p:cNvPr>
@@ -14230,7 +14230,7 @@
           <p:cNvPr id="11" name="직선 화살표 연결선 10">
             <a:extLst>
               <a:ext uri="{FF2B5EF4-FFF2-40B4-BE49-F238E27FC236}">
-                <a16:creationId xmlns:a16="http://schemas.microsoft.com/office/drawing/2014/main" id="{73331CB1-4693-29BF-0631-674CCE4DF170}"/>
+                <a16:creationId xmlns:a16="http://schemas.microsoft.com/office/drawing/2014/main" xmlns="" id="{73331CB1-4693-29BF-0631-674CCE4DF170}"/>
               </a:ext>
             </a:extLst>
           </p:cNvPr>
@@ -14271,7 +14271,7 @@
           <p:cNvPr id="12" name="직사각형 11">
             <a:extLst>
               <a:ext uri="{FF2B5EF4-FFF2-40B4-BE49-F238E27FC236}">
-                <a16:creationId xmlns:a16="http://schemas.microsoft.com/office/drawing/2014/main" id="{4F50E76C-3A6D-5A52-8540-AD157CDEE992}"/>
+                <a16:creationId xmlns:a16="http://schemas.microsoft.com/office/drawing/2014/main" xmlns="" id="{4F50E76C-3A6D-5A52-8540-AD157CDEE992}"/>
               </a:ext>
             </a:extLst>
           </p:cNvPr>
@@ -14323,7 +14323,7 @@
           <p:cNvPr id="13" name="TextBox 12">
             <a:extLst>
               <a:ext uri="{FF2B5EF4-FFF2-40B4-BE49-F238E27FC236}">
-                <a16:creationId xmlns:a16="http://schemas.microsoft.com/office/drawing/2014/main" id="{B4011FB1-41CA-414E-9C72-99FE05B86191}"/>
+                <a16:creationId xmlns:a16="http://schemas.microsoft.com/office/drawing/2014/main" xmlns="" id="{B4011FB1-41CA-414E-9C72-99FE05B86191}"/>
               </a:ext>
             </a:extLst>
           </p:cNvPr>
@@ -14374,7 +14374,7 @@
           <p:cNvPr id="14" name="직선 화살표 연결선 13">
             <a:extLst>
               <a:ext uri="{FF2B5EF4-FFF2-40B4-BE49-F238E27FC236}">
-                <a16:creationId xmlns:a16="http://schemas.microsoft.com/office/drawing/2014/main" id="{6C0D0150-4C93-867A-131A-31B096887531}"/>
+                <a16:creationId xmlns:a16="http://schemas.microsoft.com/office/drawing/2014/main" xmlns="" id="{6C0D0150-4C93-867A-131A-31B096887531}"/>
               </a:ext>
             </a:extLst>
           </p:cNvPr>
@@ -14415,7 +14415,7 @@
           <p:cNvPr id="15" name="직사각형 14">
             <a:extLst>
               <a:ext uri="{FF2B5EF4-FFF2-40B4-BE49-F238E27FC236}">
-                <a16:creationId xmlns:a16="http://schemas.microsoft.com/office/drawing/2014/main" id="{876F6D66-0B66-CC82-6300-85C75F29AE65}"/>
+                <a16:creationId xmlns:a16="http://schemas.microsoft.com/office/drawing/2014/main" xmlns="" id="{876F6D66-0B66-CC82-6300-85C75F29AE65}"/>
               </a:ext>
             </a:extLst>
           </p:cNvPr>
@@ -14467,7 +14467,7 @@
           <p:cNvPr id="16" name="TextBox 15">
             <a:extLst>
               <a:ext uri="{FF2B5EF4-FFF2-40B4-BE49-F238E27FC236}">
-                <a16:creationId xmlns:a16="http://schemas.microsoft.com/office/drawing/2014/main" id="{F6D18E01-97B0-5481-BC7D-7B7CB6162B16}"/>
+                <a16:creationId xmlns:a16="http://schemas.microsoft.com/office/drawing/2014/main" xmlns="" id="{F6D18E01-97B0-5481-BC7D-7B7CB6162B16}"/>
               </a:ext>
             </a:extLst>
           </p:cNvPr>
@@ -14528,7 +14528,7 @@
           <p:cNvPr id="2" name="TextBox 1">
             <a:extLst>
               <a:ext uri="{FF2B5EF4-FFF2-40B4-BE49-F238E27FC236}">
-                <a16:creationId xmlns:a16="http://schemas.microsoft.com/office/drawing/2014/main" id="{E5BD31CD-F672-DC81-42B3-27A7584700E1}"/>
+                <a16:creationId xmlns:a16="http://schemas.microsoft.com/office/drawing/2014/main" xmlns="" id="{E5BD31CD-F672-DC81-42B3-27A7584700E1}"/>
               </a:ext>
             </a:extLst>
           </p:cNvPr>
@@ -14586,7 +14586,7 @@
           <p:cNvPr id="3" name="직선 연결선 2">
             <a:extLst>
               <a:ext uri="{FF2B5EF4-FFF2-40B4-BE49-F238E27FC236}">
-                <a16:creationId xmlns:a16="http://schemas.microsoft.com/office/drawing/2014/main" id="{7052991A-43D7-16C3-E1C5-1987FBCE1F9F}"/>
+                <a16:creationId xmlns:a16="http://schemas.microsoft.com/office/drawing/2014/main" xmlns="" id="{7052991A-43D7-16C3-E1C5-1987FBCE1F9F}"/>
               </a:ext>
             </a:extLst>
           </p:cNvPr>
@@ -14659,7 +14659,7 @@
           <p:cNvPr id="4" name="그림 3">
             <a:extLst>
               <a:ext uri="{FF2B5EF4-FFF2-40B4-BE49-F238E27FC236}">
-                <a16:creationId xmlns:a16="http://schemas.microsoft.com/office/drawing/2014/main" id="{C7BED1AF-2C74-F412-8E73-77A98A7BD54D}"/>
+                <a16:creationId xmlns:a16="http://schemas.microsoft.com/office/drawing/2014/main" xmlns="" id="{C7BED1AF-2C74-F412-8E73-77A98A7BD54D}"/>
               </a:ext>
             </a:extLst>
           </p:cNvPr>
@@ -14689,7 +14689,7 @@
           <p:cNvPr id="5" name="직선 화살표 연결선 4">
             <a:extLst>
               <a:ext uri="{FF2B5EF4-FFF2-40B4-BE49-F238E27FC236}">
-                <a16:creationId xmlns:a16="http://schemas.microsoft.com/office/drawing/2014/main" id="{ED25E55B-3596-0C0C-4335-5EB9B3412818}"/>
+                <a16:creationId xmlns:a16="http://schemas.microsoft.com/office/drawing/2014/main" xmlns="" id="{ED25E55B-3596-0C0C-4335-5EB9B3412818}"/>
               </a:ext>
             </a:extLst>
           </p:cNvPr>
@@ -14730,7 +14730,7 @@
           <p:cNvPr id="6" name="직사각형 5">
             <a:extLst>
               <a:ext uri="{FF2B5EF4-FFF2-40B4-BE49-F238E27FC236}">
-                <a16:creationId xmlns:a16="http://schemas.microsoft.com/office/drawing/2014/main" id="{49EE920A-7161-13D5-40CC-99C95EEB04E1}"/>
+                <a16:creationId xmlns:a16="http://schemas.microsoft.com/office/drawing/2014/main" xmlns="" id="{49EE920A-7161-13D5-40CC-99C95EEB04E1}"/>
               </a:ext>
             </a:extLst>
           </p:cNvPr>
@@ -14782,7 +14782,7 @@
           <p:cNvPr id="7" name="TextBox 6">
             <a:extLst>
               <a:ext uri="{FF2B5EF4-FFF2-40B4-BE49-F238E27FC236}">
-                <a16:creationId xmlns:a16="http://schemas.microsoft.com/office/drawing/2014/main" id="{0AF9CE9E-3FBF-8E9C-1015-C04F2BD75DB8}"/>
+                <a16:creationId xmlns:a16="http://schemas.microsoft.com/office/drawing/2014/main" xmlns="" id="{0AF9CE9E-3FBF-8E9C-1015-C04F2BD75DB8}"/>
               </a:ext>
             </a:extLst>
           </p:cNvPr>
@@ -14843,7 +14843,7 @@
           <p:cNvPr id="8" name="그림 7">
             <a:extLst>
               <a:ext uri="{FF2B5EF4-FFF2-40B4-BE49-F238E27FC236}">
-                <a16:creationId xmlns:a16="http://schemas.microsoft.com/office/drawing/2014/main" id="{8BA73F84-0F7A-F294-7811-06B27C4C97E5}"/>
+                <a16:creationId xmlns:a16="http://schemas.microsoft.com/office/drawing/2014/main" xmlns="" id="{8BA73F84-0F7A-F294-7811-06B27C4C97E5}"/>
               </a:ext>
             </a:extLst>
           </p:cNvPr>
@@ -14873,7 +14873,7 @@
           <p:cNvPr id="9" name="직선 화살표 연결선 8">
             <a:extLst>
               <a:ext uri="{FF2B5EF4-FFF2-40B4-BE49-F238E27FC236}">
-                <a16:creationId xmlns:a16="http://schemas.microsoft.com/office/drawing/2014/main" id="{7C56BE55-079C-3074-A57F-8E8AB1DF98BE}"/>
+                <a16:creationId xmlns:a16="http://schemas.microsoft.com/office/drawing/2014/main" xmlns="" id="{7C56BE55-079C-3074-A57F-8E8AB1DF98BE}"/>
               </a:ext>
             </a:extLst>
           </p:cNvPr>
@@ -14914,7 +14914,7 @@
           <p:cNvPr id="10" name="직사각형 9">
             <a:extLst>
               <a:ext uri="{FF2B5EF4-FFF2-40B4-BE49-F238E27FC236}">
-                <a16:creationId xmlns:a16="http://schemas.microsoft.com/office/drawing/2014/main" id="{F81C2F7F-4FF2-BCDA-351F-EE56AE9D4CEE}"/>
+                <a16:creationId xmlns:a16="http://schemas.microsoft.com/office/drawing/2014/main" xmlns="" id="{F81C2F7F-4FF2-BCDA-351F-EE56AE9D4CEE}"/>
               </a:ext>
             </a:extLst>
           </p:cNvPr>
@@ -14966,7 +14966,7 @@
           <p:cNvPr id="11" name="TextBox 10">
             <a:extLst>
               <a:ext uri="{FF2B5EF4-FFF2-40B4-BE49-F238E27FC236}">
-                <a16:creationId xmlns:a16="http://schemas.microsoft.com/office/drawing/2014/main" id="{C140E8C6-3D7A-BCEF-6ED3-F0C615E6AB37}"/>
+                <a16:creationId xmlns:a16="http://schemas.microsoft.com/office/drawing/2014/main" xmlns="" id="{C140E8C6-3D7A-BCEF-6ED3-F0C615E6AB37}"/>
               </a:ext>
             </a:extLst>
           </p:cNvPr>
@@ -15265,7 +15265,7 @@
           <p:cNvPr id="2" name="TextBox 1">
             <a:extLst>
               <a:ext uri="{FF2B5EF4-FFF2-40B4-BE49-F238E27FC236}">
-                <a16:creationId xmlns:a16="http://schemas.microsoft.com/office/drawing/2014/main" id="{8D19D88B-9541-32D7-90F1-0C45C993E21C}"/>
+                <a16:creationId xmlns:a16="http://schemas.microsoft.com/office/drawing/2014/main" xmlns="" id="{8D19D88B-9541-32D7-90F1-0C45C993E21C}"/>
               </a:ext>
             </a:extLst>
           </p:cNvPr>
@@ -15348,7 +15348,7 @@
           <p:cNvPr id="9" name="그림 8">
             <a:extLst>
               <a:ext uri="{FF2B5EF4-FFF2-40B4-BE49-F238E27FC236}">
-                <a16:creationId xmlns:a16="http://schemas.microsoft.com/office/drawing/2014/main" id="{BDB5A43A-C750-D625-F317-BFFD8DEB6911}"/>
+                <a16:creationId xmlns:a16="http://schemas.microsoft.com/office/drawing/2014/main" xmlns="" id="{BDB5A43A-C750-D625-F317-BFFD8DEB6911}"/>
               </a:ext>
             </a:extLst>
           </p:cNvPr>
@@ -15378,7 +15378,7 @@
           <p:cNvPr id="20" name="직선 화살표 연결선 19">
             <a:extLst>
               <a:ext uri="{FF2B5EF4-FFF2-40B4-BE49-F238E27FC236}">
-                <a16:creationId xmlns:a16="http://schemas.microsoft.com/office/drawing/2014/main" id="{F7C1572C-BCA3-8087-AA95-7CC53490A1B0}"/>
+                <a16:creationId xmlns:a16="http://schemas.microsoft.com/office/drawing/2014/main" xmlns="" id="{F7C1572C-BCA3-8087-AA95-7CC53490A1B0}"/>
               </a:ext>
             </a:extLst>
           </p:cNvPr>
@@ -15419,7 +15419,7 @@
           <p:cNvPr id="21" name="직사각형 20">
             <a:extLst>
               <a:ext uri="{FF2B5EF4-FFF2-40B4-BE49-F238E27FC236}">
-                <a16:creationId xmlns:a16="http://schemas.microsoft.com/office/drawing/2014/main" id="{09A98BD4-AB00-6A86-0B92-B0599743A4C4}"/>
+                <a16:creationId xmlns:a16="http://schemas.microsoft.com/office/drawing/2014/main" xmlns="" id="{09A98BD4-AB00-6A86-0B92-B0599743A4C4}"/>
               </a:ext>
             </a:extLst>
           </p:cNvPr>
@@ -15471,7 +15471,7 @@
           <p:cNvPr id="22" name="TextBox 21">
             <a:extLst>
               <a:ext uri="{FF2B5EF4-FFF2-40B4-BE49-F238E27FC236}">
-                <a16:creationId xmlns:a16="http://schemas.microsoft.com/office/drawing/2014/main" id="{C8A0704C-FEE1-6E77-EBF1-1AE8FC4BD2CC}"/>
+                <a16:creationId xmlns:a16="http://schemas.microsoft.com/office/drawing/2014/main" xmlns="" id="{C8A0704C-FEE1-6E77-EBF1-1AE8FC4BD2CC}"/>
               </a:ext>
             </a:extLst>
           </p:cNvPr>
@@ -15542,7 +15542,7 @@
           <p:cNvPr id="10" name="TextBox 9">
             <a:extLst>
               <a:ext uri="{FF2B5EF4-FFF2-40B4-BE49-F238E27FC236}">
-                <a16:creationId xmlns:a16="http://schemas.microsoft.com/office/drawing/2014/main" id="{4EDAA912-8FA0-0F11-119B-EA9F8B36A489}"/>
+                <a16:creationId xmlns:a16="http://schemas.microsoft.com/office/drawing/2014/main" xmlns="" id="{4EDAA912-8FA0-0F11-119B-EA9F8B36A489}"/>
               </a:ext>
             </a:extLst>
           </p:cNvPr>
@@ -15720,7 +15720,7 @@
           <p:cNvPr id="23" name="그림 22">
             <a:extLst>
               <a:ext uri="{FF2B5EF4-FFF2-40B4-BE49-F238E27FC236}">
-                <a16:creationId xmlns:a16="http://schemas.microsoft.com/office/drawing/2014/main" id="{270CF1D6-830A-F054-9CB5-15B3D1E70B53}"/>
+                <a16:creationId xmlns:a16="http://schemas.microsoft.com/office/drawing/2014/main" xmlns="" id="{270CF1D6-830A-F054-9CB5-15B3D1E70B53}"/>
               </a:ext>
             </a:extLst>
           </p:cNvPr>
@@ -15750,7 +15750,7 @@
           <p:cNvPr id="24" name="직선 화살표 연결선 23">
             <a:extLst>
               <a:ext uri="{FF2B5EF4-FFF2-40B4-BE49-F238E27FC236}">
-                <a16:creationId xmlns:a16="http://schemas.microsoft.com/office/drawing/2014/main" id="{50908392-4719-44CE-3A64-0D3BDBD818EA}"/>
+                <a16:creationId xmlns:a16="http://schemas.microsoft.com/office/drawing/2014/main" xmlns="" id="{50908392-4719-44CE-3A64-0D3BDBD818EA}"/>
               </a:ext>
             </a:extLst>
           </p:cNvPr>
@@ -15791,7 +15791,7 @@
           <p:cNvPr id="25" name="직사각형 24">
             <a:extLst>
               <a:ext uri="{FF2B5EF4-FFF2-40B4-BE49-F238E27FC236}">
-                <a16:creationId xmlns:a16="http://schemas.microsoft.com/office/drawing/2014/main" id="{13FC6511-A8B3-A7B2-1727-C2E8EEA75CB0}"/>
+                <a16:creationId xmlns:a16="http://schemas.microsoft.com/office/drawing/2014/main" xmlns="" id="{13FC6511-A8B3-A7B2-1727-C2E8EEA75CB0}"/>
               </a:ext>
             </a:extLst>
           </p:cNvPr>
@@ -15843,7 +15843,7 @@
           <p:cNvPr id="26" name="TextBox 25">
             <a:extLst>
               <a:ext uri="{FF2B5EF4-FFF2-40B4-BE49-F238E27FC236}">
-                <a16:creationId xmlns:a16="http://schemas.microsoft.com/office/drawing/2014/main" id="{186730DE-EA6B-6894-524D-19B9D097B737}"/>
+                <a16:creationId xmlns:a16="http://schemas.microsoft.com/office/drawing/2014/main" xmlns="" id="{186730DE-EA6B-6894-524D-19B9D097B737}"/>
               </a:ext>
             </a:extLst>
           </p:cNvPr>
@@ -15934,7 +15934,7 @@
           <p:cNvPr id="2" name="TextBox 1">
             <a:extLst>
               <a:ext uri="{FF2B5EF4-FFF2-40B4-BE49-F238E27FC236}">
-                <a16:creationId xmlns:a16="http://schemas.microsoft.com/office/drawing/2014/main" id="{7E3F9075-91ED-B58E-078E-C9696E5DCD05}"/>
+                <a16:creationId xmlns:a16="http://schemas.microsoft.com/office/drawing/2014/main" xmlns="" id="{7E3F9075-91ED-B58E-078E-C9696E5DCD05}"/>
               </a:ext>
             </a:extLst>
           </p:cNvPr>
@@ -15992,7 +15992,7 @@
           <p:cNvPr id="3" name="직선 연결선 2">
             <a:extLst>
               <a:ext uri="{FF2B5EF4-FFF2-40B4-BE49-F238E27FC236}">
-                <a16:creationId xmlns:a16="http://schemas.microsoft.com/office/drawing/2014/main" id="{251BBABE-9AED-8896-FE9C-805E0D6BFCE9}"/>
+                <a16:creationId xmlns:a16="http://schemas.microsoft.com/office/drawing/2014/main" xmlns="" id="{251BBABE-9AED-8896-FE9C-805E0D6BFCE9}"/>
               </a:ext>
             </a:extLst>
           </p:cNvPr>
@@ -16065,7 +16065,7 @@
           <p:cNvPr id="8" name="그림 7">
             <a:extLst>
               <a:ext uri="{FF2B5EF4-FFF2-40B4-BE49-F238E27FC236}">
-                <a16:creationId xmlns:a16="http://schemas.microsoft.com/office/drawing/2014/main" id="{FCA55559-F848-02E3-3518-09C6488EE4BD}"/>
+                <a16:creationId xmlns:a16="http://schemas.microsoft.com/office/drawing/2014/main" xmlns="" id="{FCA55559-F848-02E3-3518-09C6488EE4BD}"/>
               </a:ext>
             </a:extLst>
           </p:cNvPr>
@@ -16095,7 +16095,7 @@
           <p:cNvPr id="9" name="직선 화살표 연결선 8">
             <a:extLst>
               <a:ext uri="{FF2B5EF4-FFF2-40B4-BE49-F238E27FC236}">
-                <a16:creationId xmlns:a16="http://schemas.microsoft.com/office/drawing/2014/main" id="{0ECC5C07-3FFF-F6D9-B2F3-0DA0B96FE896}"/>
+                <a16:creationId xmlns:a16="http://schemas.microsoft.com/office/drawing/2014/main" xmlns="" id="{0ECC5C07-3FFF-F6D9-B2F3-0DA0B96FE896}"/>
               </a:ext>
             </a:extLst>
           </p:cNvPr>
@@ -16136,7 +16136,7 @@
           <p:cNvPr id="10" name="직사각형 9">
             <a:extLst>
               <a:ext uri="{FF2B5EF4-FFF2-40B4-BE49-F238E27FC236}">
-                <a16:creationId xmlns:a16="http://schemas.microsoft.com/office/drawing/2014/main" id="{318AF55B-E33C-B624-1CF9-5FD42A65D0DD}"/>
+                <a16:creationId xmlns:a16="http://schemas.microsoft.com/office/drawing/2014/main" xmlns="" id="{318AF55B-E33C-B624-1CF9-5FD42A65D0DD}"/>
               </a:ext>
             </a:extLst>
           </p:cNvPr>
@@ -16188,7 +16188,7 @@
           <p:cNvPr id="11" name="TextBox 10">
             <a:extLst>
               <a:ext uri="{FF2B5EF4-FFF2-40B4-BE49-F238E27FC236}">
-                <a16:creationId xmlns:a16="http://schemas.microsoft.com/office/drawing/2014/main" id="{8A9E3087-1870-27E9-15FA-D528AF2E1E38}"/>
+                <a16:creationId xmlns:a16="http://schemas.microsoft.com/office/drawing/2014/main" xmlns="" id="{8A9E3087-1870-27E9-15FA-D528AF2E1E38}"/>
               </a:ext>
             </a:extLst>
           </p:cNvPr>
@@ -16279,7 +16279,7 @@
           <p:cNvPr id="5" name="그림 4">
             <a:extLst>
               <a:ext uri="{FF2B5EF4-FFF2-40B4-BE49-F238E27FC236}">
-                <a16:creationId xmlns:a16="http://schemas.microsoft.com/office/drawing/2014/main" id="{3B861C60-3CC3-712D-B5D6-D520D074E306}"/>
+                <a16:creationId xmlns:a16="http://schemas.microsoft.com/office/drawing/2014/main" xmlns="" id="{3B861C60-3CC3-712D-B5D6-D520D074E306}"/>
               </a:ext>
             </a:extLst>
           </p:cNvPr>
@@ -16309,7 +16309,7 @@
           <p:cNvPr id="6" name="직선 화살표 연결선 5">
             <a:extLst>
               <a:ext uri="{FF2B5EF4-FFF2-40B4-BE49-F238E27FC236}">
-                <a16:creationId xmlns:a16="http://schemas.microsoft.com/office/drawing/2014/main" id="{FE29E306-04EE-5AE4-3BB5-414ADAFD1306}"/>
+                <a16:creationId xmlns:a16="http://schemas.microsoft.com/office/drawing/2014/main" xmlns="" id="{FE29E306-04EE-5AE4-3BB5-414ADAFD1306}"/>
               </a:ext>
             </a:extLst>
           </p:cNvPr>
@@ -16350,7 +16350,7 @@
           <p:cNvPr id="7" name="직사각형 6">
             <a:extLst>
               <a:ext uri="{FF2B5EF4-FFF2-40B4-BE49-F238E27FC236}">
-                <a16:creationId xmlns:a16="http://schemas.microsoft.com/office/drawing/2014/main" id="{866C62D3-1CC2-3F0D-5ABB-7954E089BB16}"/>
+                <a16:creationId xmlns:a16="http://schemas.microsoft.com/office/drawing/2014/main" xmlns="" id="{866C62D3-1CC2-3F0D-5ABB-7954E089BB16}"/>
               </a:ext>
             </a:extLst>
           </p:cNvPr>
@@ -16402,7 +16402,7 @@
           <p:cNvPr id="8" name="TextBox 7">
             <a:extLst>
               <a:ext uri="{FF2B5EF4-FFF2-40B4-BE49-F238E27FC236}">
-                <a16:creationId xmlns:a16="http://schemas.microsoft.com/office/drawing/2014/main" id="{2AFA2305-A334-471A-245E-57D18174C58B}"/>
+                <a16:creationId xmlns:a16="http://schemas.microsoft.com/office/drawing/2014/main" xmlns="" id="{2AFA2305-A334-471A-245E-57D18174C58B}"/>
               </a:ext>
             </a:extLst>
           </p:cNvPr>
@@ -16549,7 +16549,7 @@
           <p:cNvPr id="6" name="직선 화살표 연결선 5">
             <a:extLst>
               <a:ext uri="{FF2B5EF4-FFF2-40B4-BE49-F238E27FC236}">
-                <a16:creationId xmlns:a16="http://schemas.microsoft.com/office/drawing/2014/main" id="{93549FE3-F7E7-5442-6CD8-8AD51821A1D6}"/>
+                <a16:creationId xmlns:a16="http://schemas.microsoft.com/office/drawing/2014/main" xmlns="" id="{93549FE3-F7E7-5442-6CD8-8AD51821A1D6}"/>
               </a:ext>
             </a:extLst>
           </p:cNvPr>
@@ -16590,7 +16590,7 @@
           <p:cNvPr id="7" name="직사각형 6">
             <a:extLst>
               <a:ext uri="{FF2B5EF4-FFF2-40B4-BE49-F238E27FC236}">
-                <a16:creationId xmlns:a16="http://schemas.microsoft.com/office/drawing/2014/main" id="{94227EF0-3965-DF6B-ED6C-E7B6D0756247}"/>
+                <a16:creationId xmlns:a16="http://schemas.microsoft.com/office/drawing/2014/main" xmlns="" id="{94227EF0-3965-DF6B-ED6C-E7B6D0756247}"/>
               </a:ext>
             </a:extLst>
           </p:cNvPr>
@@ -16642,7 +16642,7 @@
           <p:cNvPr id="8" name="TextBox 7">
             <a:extLst>
               <a:ext uri="{FF2B5EF4-FFF2-40B4-BE49-F238E27FC236}">
-                <a16:creationId xmlns:a16="http://schemas.microsoft.com/office/drawing/2014/main" id="{3EABB99B-43C1-73B3-BBA9-53357E140C3A}"/>
+                <a16:creationId xmlns:a16="http://schemas.microsoft.com/office/drawing/2014/main" xmlns="" id="{3EABB99B-43C1-73B3-BBA9-53357E140C3A}"/>
               </a:ext>
             </a:extLst>
           </p:cNvPr>
@@ -16693,7 +16693,7 @@
           <p:cNvPr id="9" name="직선 화살표 연결선 8">
             <a:extLst>
               <a:ext uri="{FF2B5EF4-FFF2-40B4-BE49-F238E27FC236}">
-                <a16:creationId xmlns:a16="http://schemas.microsoft.com/office/drawing/2014/main" id="{93549FE3-F7E7-5442-6CD8-8AD51821A1D6}"/>
+                <a16:creationId xmlns:a16="http://schemas.microsoft.com/office/drawing/2014/main" xmlns="" id="{93549FE3-F7E7-5442-6CD8-8AD51821A1D6}"/>
               </a:ext>
             </a:extLst>
           </p:cNvPr>
@@ -16734,7 +16734,7 @@
           <p:cNvPr id="10" name="직사각형 9">
             <a:extLst>
               <a:ext uri="{FF2B5EF4-FFF2-40B4-BE49-F238E27FC236}">
-                <a16:creationId xmlns:a16="http://schemas.microsoft.com/office/drawing/2014/main" id="{94227EF0-3965-DF6B-ED6C-E7B6D0756247}"/>
+                <a16:creationId xmlns:a16="http://schemas.microsoft.com/office/drawing/2014/main" xmlns="" id="{94227EF0-3965-DF6B-ED6C-E7B6D0756247}"/>
               </a:ext>
             </a:extLst>
           </p:cNvPr>
@@ -16786,7 +16786,7 @@
           <p:cNvPr id="11" name="TextBox 10">
             <a:extLst>
               <a:ext uri="{FF2B5EF4-FFF2-40B4-BE49-F238E27FC236}">
-                <a16:creationId xmlns:a16="http://schemas.microsoft.com/office/drawing/2014/main" id="{3EABB99B-43C1-73B3-BBA9-53357E140C3A}"/>
+                <a16:creationId xmlns:a16="http://schemas.microsoft.com/office/drawing/2014/main" xmlns="" id="{3EABB99B-43C1-73B3-BBA9-53357E140C3A}"/>
               </a:ext>
             </a:extLst>
           </p:cNvPr>
@@ -16857,7 +16857,7 @@
           <p:cNvPr id="12" name="직선 화살표 연결선 11">
             <a:extLst>
               <a:ext uri="{FF2B5EF4-FFF2-40B4-BE49-F238E27FC236}">
-                <a16:creationId xmlns:a16="http://schemas.microsoft.com/office/drawing/2014/main" id="{93549FE3-F7E7-5442-6CD8-8AD51821A1D6}"/>
+                <a16:creationId xmlns:a16="http://schemas.microsoft.com/office/drawing/2014/main" xmlns="" id="{93549FE3-F7E7-5442-6CD8-8AD51821A1D6}"/>
               </a:ext>
             </a:extLst>
           </p:cNvPr>
@@ -16898,7 +16898,7 @@
           <p:cNvPr id="13" name="직사각형 12">
             <a:extLst>
               <a:ext uri="{FF2B5EF4-FFF2-40B4-BE49-F238E27FC236}">
-                <a16:creationId xmlns:a16="http://schemas.microsoft.com/office/drawing/2014/main" id="{94227EF0-3965-DF6B-ED6C-E7B6D0756247}"/>
+                <a16:creationId xmlns:a16="http://schemas.microsoft.com/office/drawing/2014/main" xmlns="" id="{94227EF0-3965-DF6B-ED6C-E7B6D0756247}"/>
               </a:ext>
             </a:extLst>
           </p:cNvPr>
@@ -16950,7 +16950,7 @@
           <p:cNvPr id="14" name="TextBox 13">
             <a:extLst>
               <a:ext uri="{FF2B5EF4-FFF2-40B4-BE49-F238E27FC236}">
-                <a16:creationId xmlns:a16="http://schemas.microsoft.com/office/drawing/2014/main" id="{3EABB99B-43C1-73B3-BBA9-53357E140C3A}"/>
+                <a16:creationId xmlns:a16="http://schemas.microsoft.com/office/drawing/2014/main" xmlns="" id="{3EABB99B-43C1-73B3-BBA9-53357E140C3A}"/>
               </a:ext>
             </a:extLst>
           </p:cNvPr>
@@ -17001,7 +17001,7 @@
           <p:cNvPr id="15" name="직선 화살표 연결선 14">
             <a:extLst>
               <a:ext uri="{FF2B5EF4-FFF2-40B4-BE49-F238E27FC236}">
-                <a16:creationId xmlns:a16="http://schemas.microsoft.com/office/drawing/2014/main" id="{93549FE3-F7E7-5442-6CD8-8AD51821A1D6}"/>
+                <a16:creationId xmlns:a16="http://schemas.microsoft.com/office/drawing/2014/main" xmlns="" id="{93549FE3-F7E7-5442-6CD8-8AD51821A1D6}"/>
               </a:ext>
             </a:extLst>
           </p:cNvPr>
@@ -17042,7 +17042,7 @@
           <p:cNvPr id="16" name="직사각형 15">
             <a:extLst>
               <a:ext uri="{FF2B5EF4-FFF2-40B4-BE49-F238E27FC236}">
-                <a16:creationId xmlns:a16="http://schemas.microsoft.com/office/drawing/2014/main" id="{94227EF0-3965-DF6B-ED6C-E7B6D0756247}"/>
+                <a16:creationId xmlns:a16="http://schemas.microsoft.com/office/drawing/2014/main" xmlns="" id="{94227EF0-3965-DF6B-ED6C-E7B6D0756247}"/>
               </a:ext>
             </a:extLst>
           </p:cNvPr>
@@ -17094,7 +17094,7 @@
           <p:cNvPr id="17" name="TextBox 16">
             <a:extLst>
               <a:ext uri="{FF2B5EF4-FFF2-40B4-BE49-F238E27FC236}">
-                <a16:creationId xmlns:a16="http://schemas.microsoft.com/office/drawing/2014/main" id="{3EABB99B-43C1-73B3-BBA9-53357E140C3A}"/>
+                <a16:creationId xmlns:a16="http://schemas.microsoft.com/office/drawing/2014/main" xmlns="" id="{3EABB99B-43C1-73B3-BBA9-53357E140C3A}"/>
               </a:ext>
             </a:extLst>
           </p:cNvPr>
@@ -17175,7 +17175,7 @@
           <p:cNvPr id="18" name="직선 화살표 연결선 17">
             <a:extLst>
               <a:ext uri="{FF2B5EF4-FFF2-40B4-BE49-F238E27FC236}">
-                <a16:creationId xmlns:a16="http://schemas.microsoft.com/office/drawing/2014/main" id="{93549FE3-F7E7-5442-6CD8-8AD51821A1D6}"/>
+                <a16:creationId xmlns:a16="http://schemas.microsoft.com/office/drawing/2014/main" xmlns="" id="{93549FE3-F7E7-5442-6CD8-8AD51821A1D6}"/>
               </a:ext>
             </a:extLst>
           </p:cNvPr>
@@ -17216,7 +17216,7 @@
           <p:cNvPr id="19" name="직사각형 18">
             <a:extLst>
               <a:ext uri="{FF2B5EF4-FFF2-40B4-BE49-F238E27FC236}">
-                <a16:creationId xmlns:a16="http://schemas.microsoft.com/office/drawing/2014/main" id="{94227EF0-3965-DF6B-ED6C-E7B6D0756247}"/>
+                <a16:creationId xmlns:a16="http://schemas.microsoft.com/office/drawing/2014/main" xmlns="" id="{94227EF0-3965-DF6B-ED6C-E7B6D0756247}"/>
               </a:ext>
             </a:extLst>
           </p:cNvPr>
@@ -17268,7 +17268,7 @@
           <p:cNvPr id="20" name="TextBox 19">
             <a:extLst>
               <a:ext uri="{FF2B5EF4-FFF2-40B4-BE49-F238E27FC236}">
-                <a16:creationId xmlns:a16="http://schemas.microsoft.com/office/drawing/2014/main" id="{3EABB99B-43C1-73B3-BBA9-53357E140C3A}"/>
+                <a16:creationId xmlns:a16="http://schemas.microsoft.com/office/drawing/2014/main" xmlns="" id="{3EABB99B-43C1-73B3-BBA9-53357E140C3A}"/>
               </a:ext>
             </a:extLst>
           </p:cNvPr>
@@ -17319,7 +17319,7 @@
           <p:cNvPr id="3" name="TextBox 2">
             <a:extLst>
               <a:ext uri="{FF2B5EF4-FFF2-40B4-BE49-F238E27FC236}">
-                <a16:creationId xmlns:a16="http://schemas.microsoft.com/office/drawing/2014/main" id="{533DC446-23ED-3B0D-6D03-93E5FD59D385}"/>
+                <a16:creationId xmlns:a16="http://schemas.microsoft.com/office/drawing/2014/main" xmlns="" id="{533DC446-23ED-3B0D-6D03-93E5FD59D385}"/>
               </a:ext>
             </a:extLst>
           </p:cNvPr>
@@ -17367,7 +17367,7 @@
           <p:cNvPr id="4" name="직선 연결선 3">
             <a:extLst>
               <a:ext uri="{FF2B5EF4-FFF2-40B4-BE49-F238E27FC236}">
-                <a16:creationId xmlns:a16="http://schemas.microsoft.com/office/drawing/2014/main" id="{600B9329-1611-C573-B60A-A9F6846BAF6D}"/>
+                <a16:creationId xmlns:a16="http://schemas.microsoft.com/office/drawing/2014/main" xmlns="" id="{600B9329-1611-C573-B60A-A9F6846BAF6D}"/>
               </a:ext>
             </a:extLst>
           </p:cNvPr>
@@ -17977,7 +17977,7 @@
           <p:cNvPr id="4" name="그림 3">
             <a:extLst>
               <a:ext uri="{FF2B5EF4-FFF2-40B4-BE49-F238E27FC236}">
-                <a16:creationId xmlns:a16="http://schemas.microsoft.com/office/drawing/2014/main" id="{97C83C48-30DF-B7DB-0742-60E502BCD85E}"/>
+                <a16:creationId xmlns:a16="http://schemas.microsoft.com/office/drawing/2014/main" xmlns="" id="{97C83C48-30DF-B7DB-0742-60E502BCD85E}"/>
               </a:ext>
             </a:extLst>
           </p:cNvPr>
@@ -18007,7 +18007,7 @@
           <p:cNvPr id="9" name="직선 화살표 연결선 8">
             <a:extLst>
               <a:ext uri="{FF2B5EF4-FFF2-40B4-BE49-F238E27FC236}">
-                <a16:creationId xmlns:a16="http://schemas.microsoft.com/office/drawing/2014/main" id="{192B3151-4915-2B1F-8714-223155661583}"/>
+                <a16:creationId xmlns:a16="http://schemas.microsoft.com/office/drawing/2014/main" xmlns="" id="{192B3151-4915-2B1F-8714-223155661583}"/>
               </a:ext>
             </a:extLst>
           </p:cNvPr>
@@ -18048,7 +18048,7 @@
           <p:cNvPr id="10" name="직사각형 9">
             <a:extLst>
               <a:ext uri="{FF2B5EF4-FFF2-40B4-BE49-F238E27FC236}">
-                <a16:creationId xmlns:a16="http://schemas.microsoft.com/office/drawing/2014/main" id="{AF3E039D-11F1-65FF-C1CD-AC61ECFD442F}"/>
+                <a16:creationId xmlns:a16="http://schemas.microsoft.com/office/drawing/2014/main" xmlns="" id="{AF3E039D-11F1-65FF-C1CD-AC61ECFD442F}"/>
               </a:ext>
             </a:extLst>
           </p:cNvPr>
@@ -18100,7 +18100,7 @@
           <p:cNvPr id="11" name="TextBox 10">
             <a:extLst>
               <a:ext uri="{FF2B5EF4-FFF2-40B4-BE49-F238E27FC236}">
-                <a16:creationId xmlns:a16="http://schemas.microsoft.com/office/drawing/2014/main" id="{DF3264D7-FC01-A60A-1582-524467C672CA}"/>
+                <a16:creationId xmlns:a16="http://schemas.microsoft.com/office/drawing/2014/main" xmlns="" id="{DF3264D7-FC01-A60A-1582-524467C672CA}"/>
               </a:ext>
             </a:extLst>
           </p:cNvPr>
@@ -18158,7 +18158,7 @@
           <p:cNvPr id="2" name="TextBox 1">
             <a:extLst>
               <a:ext uri="{FF2B5EF4-FFF2-40B4-BE49-F238E27FC236}">
-                <a16:creationId xmlns:a16="http://schemas.microsoft.com/office/drawing/2014/main" id="{3F2789B9-7AE8-7471-B054-07E34F9CB911}"/>
+                <a16:creationId xmlns:a16="http://schemas.microsoft.com/office/drawing/2014/main" xmlns="" id="{3F2789B9-7AE8-7471-B054-07E34F9CB911}"/>
               </a:ext>
             </a:extLst>
           </p:cNvPr>
@@ -18256,7 +18256,7 @@
           <p:cNvPr id="4" name="TextBox 3">
             <a:extLst>
               <a:ext uri="{FF2B5EF4-FFF2-40B4-BE49-F238E27FC236}">
-                <a16:creationId xmlns:a16="http://schemas.microsoft.com/office/drawing/2014/main" id="{8B775B69-867E-6D09-FBAC-9DCE56EE27DC}"/>
+                <a16:creationId xmlns:a16="http://schemas.microsoft.com/office/drawing/2014/main" xmlns="" id="{8B775B69-867E-6D09-FBAC-9DCE56EE27DC}"/>
               </a:ext>
             </a:extLst>
           </p:cNvPr>
@@ -18412,7 +18412,7 @@
           <p:cNvPr id="3" name="TextBox 2">
             <a:extLst>
               <a:ext uri="{FF2B5EF4-FFF2-40B4-BE49-F238E27FC236}">
-                <a16:creationId xmlns:a16="http://schemas.microsoft.com/office/drawing/2014/main" id="{DF3264D7-FC01-A60A-1582-524467C672CA}"/>
+                <a16:creationId xmlns:a16="http://schemas.microsoft.com/office/drawing/2014/main" xmlns="" id="{DF3264D7-FC01-A60A-1582-524467C672CA}"/>
               </a:ext>
             </a:extLst>
           </p:cNvPr>
@@ -18510,7 +18510,7 @@
           <p:cNvPr id="5" name="TextBox 4">
             <a:extLst>
               <a:ext uri="{FF2B5EF4-FFF2-40B4-BE49-F238E27FC236}">
-                <a16:creationId xmlns:a16="http://schemas.microsoft.com/office/drawing/2014/main" id="{EDC0CEAC-03B0-6CA0-B904-A9724C34AA11}"/>
+                <a16:creationId xmlns:a16="http://schemas.microsoft.com/office/drawing/2014/main" xmlns="" id="{EDC0CEAC-03B0-6CA0-B904-A9724C34AA11}"/>
               </a:ext>
             </a:extLst>
           </p:cNvPr>
@@ -18639,7 +18639,7 @@
           <p:cNvPr id="7" name="직선 화살표 연결선 6">
             <a:extLst>
               <a:ext uri="{FF2B5EF4-FFF2-40B4-BE49-F238E27FC236}">
-                <a16:creationId xmlns:a16="http://schemas.microsoft.com/office/drawing/2014/main" id="{299DF5EC-9DF4-5255-06AC-0A7CE4FF58C3}"/>
+                <a16:creationId xmlns:a16="http://schemas.microsoft.com/office/drawing/2014/main" xmlns="" id="{299DF5EC-9DF4-5255-06AC-0A7CE4FF58C3}"/>
               </a:ext>
             </a:extLst>
           </p:cNvPr>
@@ -18680,7 +18680,7 @@
           <p:cNvPr id="8" name="직사각형 7">
             <a:extLst>
               <a:ext uri="{FF2B5EF4-FFF2-40B4-BE49-F238E27FC236}">
-                <a16:creationId xmlns:a16="http://schemas.microsoft.com/office/drawing/2014/main" id="{FFF506F9-840A-0508-4CAF-3AC711D8D5CE}"/>
+                <a16:creationId xmlns:a16="http://schemas.microsoft.com/office/drawing/2014/main" xmlns="" id="{FFF506F9-840A-0508-4CAF-3AC711D8D5CE}"/>
               </a:ext>
             </a:extLst>
           </p:cNvPr>
@@ -18732,7 +18732,7 @@
           <p:cNvPr id="9" name="TextBox 8">
             <a:extLst>
               <a:ext uri="{FF2B5EF4-FFF2-40B4-BE49-F238E27FC236}">
-                <a16:creationId xmlns:a16="http://schemas.microsoft.com/office/drawing/2014/main" id="{C6D113C6-EA5C-788F-0C77-E7CE6EBB865F}"/>
+                <a16:creationId xmlns:a16="http://schemas.microsoft.com/office/drawing/2014/main" xmlns="" id="{C6D113C6-EA5C-788F-0C77-E7CE6EBB865F}"/>
               </a:ext>
             </a:extLst>
           </p:cNvPr>
@@ -18793,7 +18793,7 @@
           <p:cNvPr id="12" name="직사각형 11">
             <a:extLst>
               <a:ext uri="{FF2B5EF4-FFF2-40B4-BE49-F238E27FC236}">
-                <a16:creationId xmlns:a16="http://schemas.microsoft.com/office/drawing/2014/main" id="{FFF506F9-840A-0508-4CAF-3AC711D8D5CE}"/>
+                <a16:creationId xmlns:a16="http://schemas.microsoft.com/office/drawing/2014/main" xmlns="" id="{FFF506F9-840A-0508-4CAF-3AC711D8D5CE}"/>
               </a:ext>
             </a:extLst>
           </p:cNvPr>
@@ -18845,7 +18845,7 @@
           <p:cNvPr id="13" name="직선 화살표 연결선 12">
             <a:extLst>
               <a:ext uri="{FF2B5EF4-FFF2-40B4-BE49-F238E27FC236}">
-                <a16:creationId xmlns:a16="http://schemas.microsoft.com/office/drawing/2014/main" id="{299DF5EC-9DF4-5255-06AC-0A7CE4FF58C3}"/>
+                <a16:creationId xmlns:a16="http://schemas.microsoft.com/office/drawing/2014/main" xmlns="" id="{299DF5EC-9DF4-5255-06AC-0A7CE4FF58C3}"/>
               </a:ext>
             </a:extLst>
           </p:cNvPr>
@@ -18886,7 +18886,7 @@
           <p:cNvPr id="2" name="TextBox 1">
             <a:extLst>
               <a:ext uri="{FF2B5EF4-FFF2-40B4-BE49-F238E27FC236}">
-                <a16:creationId xmlns:a16="http://schemas.microsoft.com/office/drawing/2014/main" id="{0BC37171-10C8-9D70-5551-3C049E74A11C}"/>
+                <a16:creationId xmlns:a16="http://schemas.microsoft.com/office/drawing/2014/main" xmlns="" id="{0BC37171-10C8-9D70-5551-3C049E74A11C}"/>
               </a:ext>
             </a:extLst>
           </p:cNvPr>
@@ -18934,7 +18934,7 @@
           <p:cNvPr id="3" name="직선 연결선 2">
             <a:extLst>
               <a:ext uri="{FF2B5EF4-FFF2-40B4-BE49-F238E27FC236}">
-                <a16:creationId xmlns:a16="http://schemas.microsoft.com/office/drawing/2014/main" id="{4DC0DFE9-355D-A4C7-DCBF-A388F99D0186}"/>
+                <a16:creationId xmlns:a16="http://schemas.microsoft.com/office/drawing/2014/main" xmlns="" id="{4DC0DFE9-355D-A4C7-DCBF-A388F99D0186}"/>
               </a:ext>
             </a:extLst>
           </p:cNvPr>
@@ -19007,7 +19007,7 @@
           <p:cNvPr id="4" name="TextBox 3">
             <a:extLst>
               <a:ext uri="{FF2B5EF4-FFF2-40B4-BE49-F238E27FC236}">
-                <a16:creationId xmlns:a16="http://schemas.microsoft.com/office/drawing/2014/main" id="{2EC3805F-E992-B7A8-2934-2FC49E67C3C5}"/>
+                <a16:creationId xmlns:a16="http://schemas.microsoft.com/office/drawing/2014/main" xmlns="" id="{2EC3805F-E992-B7A8-2934-2FC49E67C3C5}"/>
               </a:ext>
             </a:extLst>
           </p:cNvPr>
@@ -19254,7 +19254,7 @@
           <p:cNvPr id="7" name="그림 6">
             <a:extLst>
               <a:ext uri="{FF2B5EF4-FFF2-40B4-BE49-F238E27FC236}">
-                <a16:creationId xmlns:a16="http://schemas.microsoft.com/office/drawing/2014/main" id="{3FCB27C8-600F-4D7C-C82C-7D6CAA75EB3E}"/>
+                <a16:creationId xmlns:a16="http://schemas.microsoft.com/office/drawing/2014/main" xmlns="" id="{3FCB27C8-600F-4D7C-C82C-7D6CAA75EB3E}"/>
               </a:ext>
             </a:extLst>
           </p:cNvPr>
@@ -19284,7 +19284,7 @@
           <p:cNvPr id="9" name="그림 8">
             <a:extLst>
               <a:ext uri="{FF2B5EF4-FFF2-40B4-BE49-F238E27FC236}">
-                <a16:creationId xmlns:a16="http://schemas.microsoft.com/office/drawing/2014/main" id="{BAA12690-D245-9B02-B7DC-BCC6CBF81EF1}"/>
+                <a16:creationId xmlns:a16="http://schemas.microsoft.com/office/drawing/2014/main" xmlns="" id="{BAA12690-D245-9B02-B7DC-BCC6CBF81EF1}"/>
               </a:ext>
             </a:extLst>
           </p:cNvPr>
@@ -19314,7 +19314,7 @@
           <p:cNvPr id="10" name="그림 9">
             <a:extLst>
               <a:ext uri="{FF2B5EF4-FFF2-40B4-BE49-F238E27FC236}">
-                <a16:creationId xmlns:a16="http://schemas.microsoft.com/office/drawing/2014/main" id="{922FFD0F-147C-91AB-44A1-DF0934003C97}"/>
+                <a16:creationId xmlns:a16="http://schemas.microsoft.com/office/drawing/2014/main" xmlns="" id="{922FFD0F-147C-91AB-44A1-DF0934003C97}"/>
               </a:ext>
             </a:extLst>
           </p:cNvPr>
@@ -19355,7 +19355,7 @@
           <p:cNvPr id="2" name="TextBox 1">
             <a:extLst>
               <a:ext uri="{FF2B5EF4-FFF2-40B4-BE49-F238E27FC236}">
-                <a16:creationId xmlns:a16="http://schemas.microsoft.com/office/drawing/2014/main" id="{B86173E2-DF53-19FC-18D6-DA283CE33F0C}"/>
+                <a16:creationId xmlns:a16="http://schemas.microsoft.com/office/drawing/2014/main" xmlns="" id="{B86173E2-DF53-19FC-18D6-DA283CE33F0C}"/>
               </a:ext>
             </a:extLst>
           </p:cNvPr>
@@ -19426,7 +19426,7 @@
           <p:cNvPr id="3" name="직선 연결선 2">
             <a:extLst>
               <a:ext uri="{FF2B5EF4-FFF2-40B4-BE49-F238E27FC236}">
-                <a16:creationId xmlns:a16="http://schemas.microsoft.com/office/drawing/2014/main" id="{CF5CBD10-2F98-ED2A-5CBF-10461868AFF6}"/>
+                <a16:creationId xmlns:a16="http://schemas.microsoft.com/office/drawing/2014/main" xmlns="" id="{CF5CBD10-2F98-ED2A-5CBF-10461868AFF6}"/>
               </a:ext>
             </a:extLst>
           </p:cNvPr>
@@ -19499,7 +19499,7 @@
           <p:cNvPr id="7" name="그림 6">
             <a:extLst>
               <a:ext uri="{FF2B5EF4-FFF2-40B4-BE49-F238E27FC236}">
-                <a16:creationId xmlns:a16="http://schemas.microsoft.com/office/drawing/2014/main" id="{CBFF9CD2-189A-3FD7-5442-822E5BF518EB}"/>
+                <a16:creationId xmlns:a16="http://schemas.microsoft.com/office/drawing/2014/main" xmlns="" id="{CBFF9CD2-189A-3FD7-5442-822E5BF518EB}"/>
               </a:ext>
             </a:extLst>
           </p:cNvPr>
@@ -19529,7 +19529,7 @@
           <p:cNvPr id="8" name="직선 화살표 연결선 7">
             <a:extLst>
               <a:ext uri="{FF2B5EF4-FFF2-40B4-BE49-F238E27FC236}">
-                <a16:creationId xmlns:a16="http://schemas.microsoft.com/office/drawing/2014/main" id="{58289216-E08D-C4FD-20AC-55D8DB1E7956}"/>
+                <a16:creationId xmlns:a16="http://schemas.microsoft.com/office/drawing/2014/main" xmlns="" id="{58289216-E08D-C4FD-20AC-55D8DB1E7956}"/>
               </a:ext>
             </a:extLst>
           </p:cNvPr>
@@ -19570,7 +19570,7 @@
           <p:cNvPr id="9" name="직사각형 8">
             <a:extLst>
               <a:ext uri="{FF2B5EF4-FFF2-40B4-BE49-F238E27FC236}">
-                <a16:creationId xmlns:a16="http://schemas.microsoft.com/office/drawing/2014/main" id="{60777B61-DA32-31D9-0FA4-DFAE8FA804C9}"/>
+                <a16:creationId xmlns:a16="http://schemas.microsoft.com/office/drawing/2014/main" xmlns="" id="{60777B61-DA32-31D9-0FA4-DFAE8FA804C9}"/>
               </a:ext>
             </a:extLst>
           </p:cNvPr>
@@ -19622,7 +19622,7 @@
           <p:cNvPr id="10" name="TextBox 9">
             <a:extLst>
               <a:ext uri="{FF2B5EF4-FFF2-40B4-BE49-F238E27FC236}">
-                <a16:creationId xmlns:a16="http://schemas.microsoft.com/office/drawing/2014/main" id="{026E086D-D2D0-BBFD-5037-4640C2EDF1C2}"/>
+                <a16:creationId xmlns:a16="http://schemas.microsoft.com/office/drawing/2014/main" xmlns="" id="{026E086D-D2D0-BBFD-5037-4640C2EDF1C2}"/>
               </a:ext>
             </a:extLst>
           </p:cNvPr>
@@ -19703,7 +19703,7 @@
           <p:cNvPr id="12" name="직선 화살표 연결선 11">
             <a:extLst>
               <a:ext uri="{FF2B5EF4-FFF2-40B4-BE49-F238E27FC236}">
-                <a16:creationId xmlns:a16="http://schemas.microsoft.com/office/drawing/2014/main" id="{1C24D650-8885-7694-0C5A-0F28B3D8D4F5}"/>
+                <a16:creationId xmlns:a16="http://schemas.microsoft.com/office/drawing/2014/main" xmlns="" id="{1C24D650-8885-7694-0C5A-0F28B3D8D4F5}"/>
               </a:ext>
             </a:extLst>
           </p:cNvPr>
@@ -19744,7 +19744,7 @@
           <p:cNvPr id="13" name="직사각형 12">
             <a:extLst>
               <a:ext uri="{FF2B5EF4-FFF2-40B4-BE49-F238E27FC236}">
-                <a16:creationId xmlns:a16="http://schemas.microsoft.com/office/drawing/2014/main" id="{FCF4A7E2-1055-4636-3150-41C63484E849}"/>
+                <a16:creationId xmlns:a16="http://schemas.microsoft.com/office/drawing/2014/main" xmlns="" id="{FCF4A7E2-1055-4636-3150-41C63484E849}"/>
               </a:ext>
             </a:extLst>
           </p:cNvPr>
@@ -19796,7 +19796,7 @@
           <p:cNvPr id="14" name="TextBox 13">
             <a:extLst>
               <a:ext uri="{FF2B5EF4-FFF2-40B4-BE49-F238E27FC236}">
-                <a16:creationId xmlns:a16="http://schemas.microsoft.com/office/drawing/2014/main" id="{1C9EE72B-C3CD-D8E9-58D3-6A37743EF9B0}"/>
+                <a16:creationId xmlns:a16="http://schemas.microsoft.com/office/drawing/2014/main" xmlns="" id="{1C9EE72B-C3CD-D8E9-58D3-6A37743EF9B0}"/>
               </a:ext>
             </a:extLst>
           </p:cNvPr>
@@ -19857,7 +19857,7 @@
           <p:cNvPr id="5" name="직사각형 4">
             <a:extLst>
               <a:ext uri="{FF2B5EF4-FFF2-40B4-BE49-F238E27FC236}">
-                <a16:creationId xmlns:a16="http://schemas.microsoft.com/office/drawing/2014/main" id="{06EFE685-8F65-86F8-162A-C65678E70E2C}"/>
+                <a16:creationId xmlns:a16="http://schemas.microsoft.com/office/drawing/2014/main" xmlns="" id="{06EFE685-8F65-86F8-162A-C65678E70E2C}"/>
               </a:ext>
             </a:extLst>
           </p:cNvPr>
@@ -19909,7 +19909,7 @@
           <p:cNvPr id="2" name="TextBox 1">
             <a:extLst>
               <a:ext uri="{FF2B5EF4-FFF2-40B4-BE49-F238E27FC236}">
-                <a16:creationId xmlns:a16="http://schemas.microsoft.com/office/drawing/2014/main" id="{CA7FBBAB-F43B-95EF-3A72-F14AC94D5BF6}"/>
+                <a16:creationId xmlns:a16="http://schemas.microsoft.com/office/drawing/2014/main" xmlns="" id="{CA7FBBAB-F43B-95EF-3A72-F14AC94D5BF6}"/>
               </a:ext>
             </a:extLst>
           </p:cNvPr>
@@ -19980,7 +19980,7 @@
           <p:cNvPr id="3" name="직선 연결선 2">
             <a:extLst>
               <a:ext uri="{FF2B5EF4-FFF2-40B4-BE49-F238E27FC236}">
-                <a16:creationId xmlns:a16="http://schemas.microsoft.com/office/drawing/2014/main" id="{2C1FD33D-BFD5-52BE-6EEA-C06C68650792}"/>
+                <a16:creationId xmlns:a16="http://schemas.microsoft.com/office/drawing/2014/main" xmlns="" id="{2C1FD33D-BFD5-52BE-6EEA-C06C68650792}"/>
               </a:ext>
             </a:extLst>
           </p:cNvPr>
@@ -20212,7 +20212,7 @@
           <p:cNvPr id="21" name="그룹 1021">
             <a:extLst>
               <a:ext uri="{FF2B5EF4-FFF2-40B4-BE49-F238E27FC236}">
-                <a16:creationId xmlns:a16="http://schemas.microsoft.com/office/drawing/2014/main" id="{DAE466EB-8914-A47B-444E-4C193B0D877A}"/>
+                <a16:creationId xmlns:a16="http://schemas.microsoft.com/office/drawing/2014/main" xmlns="" id="{DAE466EB-8914-A47B-444E-4C193B0D877A}"/>
               </a:ext>
             </a:extLst>
           </p:cNvPr>
@@ -20232,7 +20232,7 @@
             <p:cNvPr id="23" name="Object 71">
               <a:extLst>
                 <a:ext uri="{FF2B5EF4-FFF2-40B4-BE49-F238E27FC236}">
-                  <a16:creationId xmlns:a16="http://schemas.microsoft.com/office/drawing/2014/main" id="{44802802-8C0A-9B02-4940-D16EEB7C206A}"/>
+                  <a16:creationId xmlns:a16="http://schemas.microsoft.com/office/drawing/2014/main" xmlns="" id="{44802802-8C0A-9B02-4940-D16EEB7C206A}"/>
                 </a:ext>
               </a:extLst>
             </p:cNvPr>
@@ -20263,7 +20263,7 @@
           <p:cNvPr id="24" name="그룹 1021">
             <a:extLst>
               <a:ext uri="{FF2B5EF4-FFF2-40B4-BE49-F238E27FC236}">
-                <a16:creationId xmlns:a16="http://schemas.microsoft.com/office/drawing/2014/main" id="{DAE466EB-8914-A47B-444E-4C193B0D877A}"/>
+                <a16:creationId xmlns:a16="http://schemas.microsoft.com/office/drawing/2014/main" xmlns="" id="{DAE466EB-8914-A47B-444E-4C193B0D877A}"/>
               </a:ext>
             </a:extLst>
           </p:cNvPr>
@@ -20283,7 +20283,7 @@
             <p:cNvPr id="25" name="Object 71">
               <a:extLst>
                 <a:ext uri="{FF2B5EF4-FFF2-40B4-BE49-F238E27FC236}">
-                  <a16:creationId xmlns:a16="http://schemas.microsoft.com/office/drawing/2014/main" id="{44802802-8C0A-9B02-4940-D16EEB7C206A}"/>
+                  <a16:creationId xmlns:a16="http://schemas.microsoft.com/office/drawing/2014/main" xmlns="" id="{44802802-8C0A-9B02-4940-D16EEB7C206A}"/>
                 </a:ext>
               </a:extLst>
             </p:cNvPr>
@@ -20314,7 +20314,7 @@
           <p:cNvPr id="26" name="직선 화살표 연결선 25">
             <a:extLst>
               <a:ext uri="{FF2B5EF4-FFF2-40B4-BE49-F238E27FC236}">
-                <a16:creationId xmlns:a16="http://schemas.microsoft.com/office/drawing/2014/main" id="{0628D70E-4BD6-EF88-6059-DB86364B2320}"/>
+                <a16:creationId xmlns:a16="http://schemas.microsoft.com/office/drawing/2014/main" xmlns="" id="{0628D70E-4BD6-EF88-6059-DB86364B2320}"/>
               </a:ext>
             </a:extLst>
           </p:cNvPr>
@@ -20356,7 +20356,7 @@
           <p:cNvPr id="27" name="TextBox 26">
             <a:extLst>
               <a:ext uri="{FF2B5EF4-FFF2-40B4-BE49-F238E27FC236}">
-                <a16:creationId xmlns:a16="http://schemas.microsoft.com/office/drawing/2014/main" id="{72769C28-9BB6-DE9C-7B6F-264B77B8DD0E}"/>
+                <a16:creationId xmlns:a16="http://schemas.microsoft.com/office/drawing/2014/main" xmlns="" id="{72769C28-9BB6-DE9C-7B6F-264B77B8DD0E}"/>
               </a:ext>
             </a:extLst>
           </p:cNvPr>
@@ -20404,7 +20404,7 @@
           <p:cNvPr id="28" name="TextBox 27">
             <a:extLst>
               <a:ext uri="{FF2B5EF4-FFF2-40B4-BE49-F238E27FC236}">
-                <a16:creationId xmlns:a16="http://schemas.microsoft.com/office/drawing/2014/main" id="{270932A0-5477-2529-2641-C73A825AFD61}"/>
+                <a16:creationId xmlns:a16="http://schemas.microsoft.com/office/drawing/2014/main" xmlns="" id="{270932A0-5477-2529-2641-C73A825AFD61}"/>
               </a:ext>
             </a:extLst>
           </p:cNvPr>
@@ -20452,7 +20452,7 @@
           <p:cNvPr id="29" name="TextBox 28">
             <a:extLst>
               <a:ext uri="{FF2B5EF4-FFF2-40B4-BE49-F238E27FC236}">
-                <a16:creationId xmlns:a16="http://schemas.microsoft.com/office/drawing/2014/main" id="{270932A0-5477-2529-2641-C73A825AFD61}"/>
+                <a16:creationId xmlns:a16="http://schemas.microsoft.com/office/drawing/2014/main" xmlns="" id="{270932A0-5477-2529-2641-C73A825AFD61}"/>
               </a:ext>
             </a:extLst>
           </p:cNvPr>
@@ -20500,7 +20500,7 @@
           <p:cNvPr id="30" name="TextBox 29">
             <a:extLst>
               <a:ext uri="{FF2B5EF4-FFF2-40B4-BE49-F238E27FC236}">
-                <a16:creationId xmlns:a16="http://schemas.microsoft.com/office/drawing/2014/main" id="{72769C28-9BB6-DE9C-7B6F-264B77B8DD0E}"/>
+                <a16:creationId xmlns:a16="http://schemas.microsoft.com/office/drawing/2014/main" xmlns="" id="{72769C28-9BB6-DE9C-7B6F-264B77B8DD0E}"/>
               </a:ext>
             </a:extLst>
           </p:cNvPr>
@@ -20548,7 +20548,7 @@
           <p:cNvPr id="31" name="TextBox 30">
             <a:extLst>
               <a:ext uri="{FF2B5EF4-FFF2-40B4-BE49-F238E27FC236}">
-                <a16:creationId xmlns:a16="http://schemas.microsoft.com/office/drawing/2014/main" id="{72769C28-9BB6-DE9C-7B6F-264B77B8DD0E}"/>
+                <a16:creationId xmlns:a16="http://schemas.microsoft.com/office/drawing/2014/main" xmlns="" id="{72769C28-9BB6-DE9C-7B6F-264B77B8DD0E}"/>
               </a:ext>
             </a:extLst>
           </p:cNvPr>
@@ -20606,7 +20606,7 @@
           <p:cNvPr id="32" name="TextBox 31">
             <a:extLst>
               <a:ext uri="{FF2B5EF4-FFF2-40B4-BE49-F238E27FC236}">
-                <a16:creationId xmlns:a16="http://schemas.microsoft.com/office/drawing/2014/main" id="{5ADC00B6-990A-40DC-3CEA-505258F5E8DA}"/>
+                <a16:creationId xmlns:a16="http://schemas.microsoft.com/office/drawing/2014/main" xmlns="" id="{5ADC00B6-990A-40DC-3CEA-505258F5E8DA}"/>
               </a:ext>
             </a:extLst>
           </p:cNvPr>
@@ -20714,7 +20714,7 @@
           <p:cNvPr id="6" name="TextBox 5">
             <a:extLst>
               <a:ext uri="{FF2B5EF4-FFF2-40B4-BE49-F238E27FC236}">
-                <a16:creationId xmlns:a16="http://schemas.microsoft.com/office/drawing/2014/main" id="{EDC0CEAC-03B0-6CA0-B904-A9724C34AA11}"/>
+                <a16:creationId xmlns:a16="http://schemas.microsoft.com/office/drawing/2014/main" xmlns="" id="{EDC0CEAC-03B0-6CA0-B904-A9724C34AA11}"/>
               </a:ext>
             </a:extLst>
           </p:cNvPr>
@@ -20918,7 +20918,7 @@
           <p:cNvPr id="9" name="그림 8">
             <a:extLst>
               <a:ext uri="{FF2B5EF4-FFF2-40B4-BE49-F238E27FC236}">
-                <a16:creationId xmlns:a16="http://schemas.microsoft.com/office/drawing/2014/main" id="{59BBEB9C-C11F-928E-CB43-01DA3E4389ED}"/>
+                <a16:creationId xmlns:a16="http://schemas.microsoft.com/office/drawing/2014/main" xmlns="" id="{59BBEB9C-C11F-928E-CB43-01DA3E4389ED}"/>
               </a:ext>
             </a:extLst>
           </p:cNvPr>
@@ -20948,7 +20948,7 @@
           <p:cNvPr id="11" name="그림 10">
             <a:extLst>
               <a:ext uri="{FF2B5EF4-FFF2-40B4-BE49-F238E27FC236}">
-                <a16:creationId xmlns:a16="http://schemas.microsoft.com/office/drawing/2014/main" id="{9CA27AA4-77E7-308B-4C59-70BAD1A0DF98}"/>
+                <a16:creationId xmlns:a16="http://schemas.microsoft.com/office/drawing/2014/main" xmlns="" id="{9CA27AA4-77E7-308B-4C59-70BAD1A0DF98}"/>
               </a:ext>
             </a:extLst>
           </p:cNvPr>
@@ -20989,7 +20989,7 @@
           <p:cNvPr id="2" name="TextBox 1">
             <a:extLst>
               <a:ext uri="{FF2B5EF4-FFF2-40B4-BE49-F238E27FC236}">
-                <a16:creationId xmlns:a16="http://schemas.microsoft.com/office/drawing/2014/main" id="{8218A3B7-373B-2B11-1A9B-FB871633D603}"/>
+                <a16:creationId xmlns:a16="http://schemas.microsoft.com/office/drawing/2014/main" xmlns="" id="{8218A3B7-373B-2B11-1A9B-FB871633D603}"/>
               </a:ext>
             </a:extLst>
           </p:cNvPr>
@@ -21060,7 +21060,7 @@
           <p:cNvPr id="3" name="직선 연결선 2">
             <a:extLst>
               <a:ext uri="{FF2B5EF4-FFF2-40B4-BE49-F238E27FC236}">
-                <a16:creationId xmlns:a16="http://schemas.microsoft.com/office/drawing/2014/main" id="{8F09621B-0D61-5EB2-BE40-02DA1F671334}"/>
+                <a16:creationId xmlns:a16="http://schemas.microsoft.com/office/drawing/2014/main" xmlns="" id="{8F09621B-0D61-5EB2-BE40-02DA1F671334}"/>
               </a:ext>
             </a:extLst>
           </p:cNvPr>
@@ -21133,7 +21133,7 @@
           <p:cNvPr id="13" name="그림 12">
             <a:extLst>
               <a:ext uri="{FF2B5EF4-FFF2-40B4-BE49-F238E27FC236}">
-                <a16:creationId xmlns:a16="http://schemas.microsoft.com/office/drawing/2014/main" id="{3B2E1C03-B358-4F1B-A3FD-5FA9B79FF173}"/>
+                <a16:creationId xmlns:a16="http://schemas.microsoft.com/office/drawing/2014/main" xmlns="" id="{3B2E1C03-B358-4F1B-A3FD-5FA9B79FF173}"/>
               </a:ext>
             </a:extLst>
           </p:cNvPr>
@@ -21163,7 +21163,7 @@
           <p:cNvPr id="6" name="직선 화살표 연결선 5">
             <a:extLst>
               <a:ext uri="{FF2B5EF4-FFF2-40B4-BE49-F238E27FC236}">
-                <a16:creationId xmlns:a16="http://schemas.microsoft.com/office/drawing/2014/main" id="{6EA6EDC8-9B65-E1D2-227B-96AFF7F3869C}"/>
+                <a16:creationId xmlns:a16="http://schemas.microsoft.com/office/drawing/2014/main" xmlns="" id="{6EA6EDC8-9B65-E1D2-227B-96AFF7F3869C}"/>
               </a:ext>
             </a:extLst>
           </p:cNvPr>
@@ -21204,7 +21204,7 @@
           <p:cNvPr id="7" name="직사각형 6">
             <a:extLst>
               <a:ext uri="{FF2B5EF4-FFF2-40B4-BE49-F238E27FC236}">
-                <a16:creationId xmlns:a16="http://schemas.microsoft.com/office/drawing/2014/main" id="{E64A3E8C-0163-2808-1846-B41D73DFDEFC}"/>
+                <a16:creationId xmlns:a16="http://schemas.microsoft.com/office/drawing/2014/main" xmlns="" id="{E64A3E8C-0163-2808-1846-B41D73DFDEFC}"/>
               </a:ext>
             </a:extLst>
           </p:cNvPr>
@@ -21256,7 +21256,7 @@
           <p:cNvPr id="8" name="TextBox 7">
             <a:extLst>
               <a:ext uri="{FF2B5EF4-FFF2-40B4-BE49-F238E27FC236}">
-                <a16:creationId xmlns:a16="http://schemas.microsoft.com/office/drawing/2014/main" id="{6DA7727E-FF28-5165-9C73-AEE66EA5316A}"/>
+                <a16:creationId xmlns:a16="http://schemas.microsoft.com/office/drawing/2014/main" xmlns="" id="{6DA7727E-FF28-5165-9C73-AEE66EA5316A}"/>
               </a:ext>
             </a:extLst>
           </p:cNvPr>
@@ -21317,7 +21317,7 @@
           <p:cNvPr id="12" name="직사각형 11">
             <a:extLst>
               <a:ext uri="{FF2B5EF4-FFF2-40B4-BE49-F238E27FC236}">
-                <a16:creationId xmlns:a16="http://schemas.microsoft.com/office/drawing/2014/main" id="{D219910F-2E1E-2A5E-2393-59B500609908}"/>
+                <a16:creationId xmlns:a16="http://schemas.microsoft.com/office/drawing/2014/main" xmlns="" id="{D219910F-2E1E-2A5E-2393-59B500609908}"/>
               </a:ext>
             </a:extLst>
           </p:cNvPr>
@@ -21369,7 +21369,7 @@
           <p:cNvPr id="2" name="TextBox 1">
             <a:extLst>
               <a:ext uri="{FF2B5EF4-FFF2-40B4-BE49-F238E27FC236}">
-                <a16:creationId xmlns:a16="http://schemas.microsoft.com/office/drawing/2014/main" id="{6B982924-AED8-A3CE-CB19-53A03CFBAED7}"/>
+                <a16:creationId xmlns:a16="http://schemas.microsoft.com/office/drawing/2014/main" xmlns="" id="{6B982924-AED8-A3CE-CB19-53A03CFBAED7}"/>
               </a:ext>
             </a:extLst>
           </p:cNvPr>
@@ -21440,7 +21440,7 @@
           <p:cNvPr id="3" name="직선 연결선 2">
             <a:extLst>
               <a:ext uri="{FF2B5EF4-FFF2-40B4-BE49-F238E27FC236}">
-                <a16:creationId xmlns:a16="http://schemas.microsoft.com/office/drawing/2014/main" id="{80F5F2AC-70F8-395F-3265-3A8D17EA158B}"/>
+                <a16:creationId xmlns:a16="http://schemas.microsoft.com/office/drawing/2014/main" xmlns="" id="{80F5F2AC-70F8-395F-3265-3A8D17EA158B}"/>
               </a:ext>
             </a:extLst>
           </p:cNvPr>
@@ -21591,7 +21591,7 @@
           <p:cNvPr id="5" name="TextBox 4">
             <a:extLst>
               <a:ext uri="{FF2B5EF4-FFF2-40B4-BE49-F238E27FC236}">
-                <a16:creationId xmlns:a16="http://schemas.microsoft.com/office/drawing/2014/main" id="{D19858FD-849C-90C4-2BB9-9B56D6B56DE2}"/>
+                <a16:creationId xmlns:a16="http://schemas.microsoft.com/office/drawing/2014/main" xmlns="" id="{D19858FD-849C-90C4-2BB9-9B56D6B56DE2}"/>
               </a:ext>
             </a:extLst>
           </p:cNvPr>
@@ -22080,7 +22080,7 @@
           <p:cNvPr id="7" name="그림 6">
             <a:extLst>
               <a:ext uri="{FF2B5EF4-FFF2-40B4-BE49-F238E27FC236}">
-                <a16:creationId xmlns:a16="http://schemas.microsoft.com/office/drawing/2014/main" id="{0CB48D38-9C77-4875-ACB4-4AC23CDBA2DA}"/>
+                <a16:creationId xmlns:a16="http://schemas.microsoft.com/office/drawing/2014/main" xmlns="" id="{0CB48D38-9C77-4875-ACB4-4AC23CDBA2DA}"/>
               </a:ext>
             </a:extLst>
           </p:cNvPr>
@@ -22110,7 +22110,7 @@
           <p:cNvPr id="8" name="그림 7">
             <a:extLst>
               <a:ext uri="{FF2B5EF4-FFF2-40B4-BE49-F238E27FC236}">
-                <a16:creationId xmlns:a16="http://schemas.microsoft.com/office/drawing/2014/main" id="{B76E31F9-944D-D969-6874-53781DF1AA05}"/>
+                <a16:creationId xmlns:a16="http://schemas.microsoft.com/office/drawing/2014/main" xmlns="" id="{B76E31F9-944D-D969-6874-53781DF1AA05}"/>
               </a:ext>
             </a:extLst>
           </p:cNvPr>
@@ -22151,7 +22151,7 @@
           <p:cNvPr id="3" name="TextBox 2">
             <a:extLst>
               <a:ext uri="{FF2B5EF4-FFF2-40B4-BE49-F238E27FC236}">
-                <a16:creationId xmlns:a16="http://schemas.microsoft.com/office/drawing/2014/main" id="{0D4C593B-B67F-D575-2978-C61D05D8030B}"/>
+                <a16:creationId xmlns:a16="http://schemas.microsoft.com/office/drawing/2014/main" xmlns="" id="{0D4C593B-B67F-D575-2978-C61D05D8030B}"/>
               </a:ext>
             </a:extLst>
           </p:cNvPr>
@@ -22286,7 +22286,7 @@
           <p:cNvPr id="2" name="TextBox 1">
             <a:extLst>
               <a:ext uri="{FF2B5EF4-FFF2-40B4-BE49-F238E27FC236}">
-                <a16:creationId xmlns:a16="http://schemas.microsoft.com/office/drawing/2014/main" id="{51727FBD-FBE4-8DA5-061E-3ED27BE2A6D4}"/>
+                <a16:creationId xmlns:a16="http://schemas.microsoft.com/office/drawing/2014/main" xmlns="" id="{51727FBD-FBE4-8DA5-061E-3ED27BE2A6D4}"/>
               </a:ext>
             </a:extLst>
           </p:cNvPr>
@@ -22357,7 +22357,7 @@
           <p:cNvPr id="4" name="직선 연결선 3">
             <a:extLst>
               <a:ext uri="{FF2B5EF4-FFF2-40B4-BE49-F238E27FC236}">
-                <a16:creationId xmlns:a16="http://schemas.microsoft.com/office/drawing/2014/main" id="{F02AAB96-EDEA-6827-964B-61852A0CCD45}"/>
+                <a16:creationId xmlns:a16="http://schemas.microsoft.com/office/drawing/2014/main" xmlns="" id="{F02AAB96-EDEA-6827-964B-61852A0CCD45}"/>
               </a:ext>
             </a:extLst>
           </p:cNvPr>
@@ -22430,7 +22430,7 @@
           <p:cNvPr id="4" name="그림 3">
             <a:extLst>
               <a:ext uri="{FF2B5EF4-FFF2-40B4-BE49-F238E27FC236}">
-                <a16:creationId xmlns:a16="http://schemas.microsoft.com/office/drawing/2014/main" id="{DCBF9905-D647-FA28-0959-24B2B75459CA}"/>
+                <a16:creationId xmlns:a16="http://schemas.microsoft.com/office/drawing/2014/main" xmlns="" id="{DCBF9905-D647-FA28-0959-24B2B75459CA}"/>
               </a:ext>
             </a:extLst>
           </p:cNvPr>
@@ -22460,7 +22460,7 @@
           <p:cNvPr id="6" name="직선 화살표 연결선 5">
             <a:extLst>
               <a:ext uri="{FF2B5EF4-FFF2-40B4-BE49-F238E27FC236}">
-                <a16:creationId xmlns:a16="http://schemas.microsoft.com/office/drawing/2014/main" id="{413151ED-B84D-D636-C6D3-E7BF7500AB30}"/>
+                <a16:creationId xmlns:a16="http://schemas.microsoft.com/office/drawing/2014/main" xmlns="" id="{413151ED-B84D-D636-C6D3-E7BF7500AB30}"/>
               </a:ext>
             </a:extLst>
           </p:cNvPr>
@@ -22501,7 +22501,7 @@
           <p:cNvPr id="7" name="직사각형 6">
             <a:extLst>
               <a:ext uri="{FF2B5EF4-FFF2-40B4-BE49-F238E27FC236}">
-                <a16:creationId xmlns:a16="http://schemas.microsoft.com/office/drawing/2014/main" id="{E35FAA7D-B457-7704-FD49-B4213A904E92}"/>
+                <a16:creationId xmlns:a16="http://schemas.microsoft.com/office/drawing/2014/main" xmlns="" id="{E35FAA7D-B457-7704-FD49-B4213A904E92}"/>
               </a:ext>
             </a:extLst>
           </p:cNvPr>
@@ -22553,7 +22553,7 @@
           <p:cNvPr id="8" name="TextBox 7">
             <a:extLst>
               <a:ext uri="{FF2B5EF4-FFF2-40B4-BE49-F238E27FC236}">
-                <a16:creationId xmlns:a16="http://schemas.microsoft.com/office/drawing/2014/main" id="{7463962A-F261-EB83-B647-7A61BF9D0590}"/>
+                <a16:creationId xmlns:a16="http://schemas.microsoft.com/office/drawing/2014/main" xmlns="" id="{7463962A-F261-EB83-B647-7A61BF9D0590}"/>
               </a:ext>
             </a:extLst>
           </p:cNvPr>
@@ -22856,7 +22856,7 @@
           <p:cNvPr id="10" name="직사각형 9">
             <a:extLst>
               <a:ext uri="{FF2B5EF4-FFF2-40B4-BE49-F238E27FC236}">
-                <a16:creationId xmlns:a16="http://schemas.microsoft.com/office/drawing/2014/main" id="{352E55C7-C606-C904-67EF-C16BBB9F75B3}"/>
+                <a16:creationId xmlns:a16="http://schemas.microsoft.com/office/drawing/2014/main" xmlns="" id="{352E55C7-C606-C904-67EF-C16BBB9F75B3}"/>
               </a:ext>
             </a:extLst>
           </p:cNvPr>
@@ -22908,7 +22908,7 @@
           <p:cNvPr id="2" name="TextBox 1">
             <a:extLst>
               <a:ext uri="{FF2B5EF4-FFF2-40B4-BE49-F238E27FC236}">
-                <a16:creationId xmlns:a16="http://schemas.microsoft.com/office/drawing/2014/main" id="{9FAB7C5B-0C62-7AAB-10D4-704357123891}"/>
+                <a16:creationId xmlns:a16="http://schemas.microsoft.com/office/drawing/2014/main" xmlns="" id="{9FAB7C5B-0C62-7AAB-10D4-704357123891}"/>
               </a:ext>
             </a:extLst>
           </p:cNvPr>
@@ -22979,7 +22979,7 @@
           <p:cNvPr id="3" name="직선 연결선 2">
             <a:extLst>
               <a:ext uri="{FF2B5EF4-FFF2-40B4-BE49-F238E27FC236}">
-                <a16:creationId xmlns:a16="http://schemas.microsoft.com/office/drawing/2014/main" id="{E666F6C5-AF6C-F91D-A331-1CB15972289C}"/>
+                <a16:creationId xmlns:a16="http://schemas.microsoft.com/office/drawing/2014/main" xmlns="" id="{E666F6C5-AF6C-F91D-A331-1CB15972289C}"/>
               </a:ext>
             </a:extLst>
           </p:cNvPr>
@@ -23130,7 +23130,7 @@
           <p:cNvPr id="4" name="TextBox 3">
             <a:extLst>
               <a:ext uri="{FF2B5EF4-FFF2-40B4-BE49-F238E27FC236}">
-                <a16:creationId xmlns:a16="http://schemas.microsoft.com/office/drawing/2014/main" id="{EDC0CEAC-03B0-6CA0-B904-A9724C34AA11}"/>
+                <a16:creationId xmlns:a16="http://schemas.microsoft.com/office/drawing/2014/main" xmlns="" id="{EDC0CEAC-03B0-6CA0-B904-A9724C34AA11}"/>
               </a:ext>
             </a:extLst>
           </p:cNvPr>
@@ -23357,7 +23357,7 @@
           <p:cNvPr id="6" name="그림 5">
             <a:extLst>
               <a:ext uri="{FF2B5EF4-FFF2-40B4-BE49-F238E27FC236}">
-                <a16:creationId xmlns:a16="http://schemas.microsoft.com/office/drawing/2014/main" id="{CCE258CE-9842-998C-54CF-666640835E2E}"/>
+                <a16:creationId xmlns:a16="http://schemas.microsoft.com/office/drawing/2014/main" xmlns="" id="{CCE258CE-9842-998C-54CF-666640835E2E}"/>
               </a:ext>
             </a:extLst>
           </p:cNvPr>
@@ -23387,7 +23387,7 @@
           <p:cNvPr id="8" name="그림 7">
             <a:extLst>
               <a:ext uri="{FF2B5EF4-FFF2-40B4-BE49-F238E27FC236}">
-                <a16:creationId xmlns:a16="http://schemas.microsoft.com/office/drawing/2014/main" id="{E94A0D32-700F-FF4C-7C53-6C0923EEEB5E}"/>
+                <a16:creationId xmlns:a16="http://schemas.microsoft.com/office/drawing/2014/main" xmlns="" id="{E94A0D32-700F-FF4C-7C53-6C0923EEEB5E}"/>
               </a:ext>
             </a:extLst>
           </p:cNvPr>
@@ -23417,7 +23417,7 @@
           <p:cNvPr id="5" name="TextBox 4">
             <a:extLst>
               <a:ext uri="{FF2B5EF4-FFF2-40B4-BE49-F238E27FC236}">
-                <a16:creationId xmlns:a16="http://schemas.microsoft.com/office/drawing/2014/main" id="{F6E0C9D7-F6DA-4220-92FB-25CE79236C2C}"/>
+                <a16:creationId xmlns:a16="http://schemas.microsoft.com/office/drawing/2014/main" xmlns="" id="{F6E0C9D7-F6DA-4220-92FB-25CE79236C2C}"/>
               </a:ext>
             </a:extLst>
           </p:cNvPr>
@@ -23488,7 +23488,7 @@
           <p:cNvPr id="7" name="직선 연결선 6">
             <a:extLst>
               <a:ext uri="{FF2B5EF4-FFF2-40B4-BE49-F238E27FC236}">
-                <a16:creationId xmlns:a16="http://schemas.microsoft.com/office/drawing/2014/main" id="{6A94096E-FA85-702F-D2BC-3845B3D0285C}"/>
+                <a16:creationId xmlns:a16="http://schemas.microsoft.com/office/drawing/2014/main" xmlns="" id="{6A94096E-FA85-702F-D2BC-3845B3D0285C}"/>
               </a:ext>
             </a:extLst>
           </p:cNvPr>
@@ -23561,7 +23561,7 @@
           <p:cNvPr id="5" name="그림 4">
             <a:extLst>
               <a:ext uri="{FF2B5EF4-FFF2-40B4-BE49-F238E27FC236}">
-                <a16:creationId xmlns:a16="http://schemas.microsoft.com/office/drawing/2014/main" id="{4182761F-F8A0-6912-1A1E-82F8A7923653}"/>
+                <a16:creationId xmlns:a16="http://schemas.microsoft.com/office/drawing/2014/main" xmlns="" id="{4182761F-F8A0-6912-1A1E-82F8A7923653}"/>
               </a:ext>
             </a:extLst>
           </p:cNvPr>
@@ -23591,7 +23591,7 @@
           <p:cNvPr id="7" name="직선 화살표 연결선 6">
             <a:extLst>
               <a:ext uri="{FF2B5EF4-FFF2-40B4-BE49-F238E27FC236}">
-                <a16:creationId xmlns:a16="http://schemas.microsoft.com/office/drawing/2014/main" id="{CC50FEC7-8DD3-3B9B-2070-C53171490A08}"/>
+                <a16:creationId xmlns:a16="http://schemas.microsoft.com/office/drawing/2014/main" xmlns="" id="{CC50FEC7-8DD3-3B9B-2070-C53171490A08}"/>
               </a:ext>
             </a:extLst>
           </p:cNvPr>
@@ -23632,7 +23632,7 @@
           <p:cNvPr id="8" name="직사각형 7">
             <a:extLst>
               <a:ext uri="{FF2B5EF4-FFF2-40B4-BE49-F238E27FC236}">
-                <a16:creationId xmlns:a16="http://schemas.microsoft.com/office/drawing/2014/main" id="{43B6EE03-B609-A16B-08AB-D7CE385BE4DB}"/>
+                <a16:creationId xmlns:a16="http://schemas.microsoft.com/office/drawing/2014/main" xmlns="" id="{43B6EE03-B609-A16B-08AB-D7CE385BE4DB}"/>
               </a:ext>
             </a:extLst>
           </p:cNvPr>
@@ -23684,7 +23684,7 @@
           <p:cNvPr id="9" name="TextBox 8">
             <a:extLst>
               <a:ext uri="{FF2B5EF4-FFF2-40B4-BE49-F238E27FC236}">
-                <a16:creationId xmlns:a16="http://schemas.microsoft.com/office/drawing/2014/main" id="{05B33BE9-AD65-C607-3BD3-F5DFD548E68D}"/>
+                <a16:creationId xmlns:a16="http://schemas.microsoft.com/office/drawing/2014/main" xmlns="" id="{05B33BE9-AD65-C607-3BD3-F5DFD548E68D}"/>
               </a:ext>
             </a:extLst>
           </p:cNvPr>
@@ -23755,7 +23755,7 @@
           <p:cNvPr id="10" name="직선 화살표 연결선 9">
             <a:extLst>
               <a:ext uri="{FF2B5EF4-FFF2-40B4-BE49-F238E27FC236}">
-                <a16:creationId xmlns:a16="http://schemas.microsoft.com/office/drawing/2014/main" id="{94852433-CCE1-906B-CB76-6F15FB97E63A}"/>
+                <a16:creationId xmlns:a16="http://schemas.microsoft.com/office/drawing/2014/main" xmlns="" id="{94852433-CCE1-906B-CB76-6F15FB97E63A}"/>
               </a:ext>
             </a:extLst>
           </p:cNvPr>
@@ -23796,7 +23796,7 @@
           <p:cNvPr id="11" name="직사각형 10">
             <a:extLst>
               <a:ext uri="{FF2B5EF4-FFF2-40B4-BE49-F238E27FC236}">
-                <a16:creationId xmlns:a16="http://schemas.microsoft.com/office/drawing/2014/main" id="{A6EB80A1-C4F6-4B69-0D5D-4B90C7129D7F}"/>
+                <a16:creationId xmlns:a16="http://schemas.microsoft.com/office/drawing/2014/main" xmlns="" id="{A6EB80A1-C4F6-4B69-0D5D-4B90C7129D7F}"/>
               </a:ext>
             </a:extLst>
           </p:cNvPr>
@@ -23848,7 +23848,7 @@
           <p:cNvPr id="12" name="TextBox 11">
             <a:extLst>
               <a:ext uri="{FF2B5EF4-FFF2-40B4-BE49-F238E27FC236}">
-                <a16:creationId xmlns:a16="http://schemas.microsoft.com/office/drawing/2014/main" id="{17491B72-C177-F294-9185-D54787810206}"/>
+                <a16:creationId xmlns:a16="http://schemas.microsoft.com/office/drawing/2014/main" xmlns="" id="{17491B72-C177-F294-9185-D54787810206}"/>
               </a:ext>
             </a:extLst>
           </p:cNvPr>
@@ -23949,7 +23949,7 @@
           <p:cNvPr id="15" name="직사각형 14">
             <a:extLst>
               <a:ext uri="{FF2B5EF4-FFF2-40B4-BE49-F238E27FC236}">
-                <a16:creationId xmlns:a16="http://schemas.microsoft.com/office/drawing/2014/main" id="{4B66FEA6-318F-BA79-02C5-5D07DD4F81B1}"/>
+                <a16:creationId xmlns:a16="http://schemas.microsoft.com/office/drawing/2014/main" xmlns="" id="{4B66FEA6-318F-BA79-02C5-5D07DD4F81B1}"/>
               </a:ext>
             </a:extLst>
           </p:cNvPr>
@@ -24001,7 +24001,7 @@
           <p:cNvPr id="2" name="TextBox 1">
             <a:extLst>
               <a:ext uri="{FF2B5EF4-FFF2-40B4-BE49-F238E27FC236}">
-                <a16:creationId xmlns:a16="http://schemas.microsoft.com/office/drawing/2014/main" id="{FAB1FD16-D1B3-D03F-55E9-145D6099B59A}"/>
+                <a16:creationId xmlns:a16="http://schemas.microsoft.com/office/drawing/2014/main" xmlns="" id="{FAB1FD16-D1B3-D03F-55E9-145D6099B59A}"/>
               </a:ext>
             </a:extLst>
           </p:cNvPr>
@@ -24072,7 +24072,7 @@
           <p:cNvPr id="3" name="직선 연결선 2">
             <a:extLst>
               <a:ext uri="{FF2B5EF4-FFF2-40B4-BE49-F238E27FC236}">
-                <a16:creationId xmlns:a16="http://schemas.microsoft.com/office/drawing/2014/main" id="{ACF35B63-5ABA-C5D8-FC71-2D144E999321}"/>
+                <a16:creationId xmlns:a16="http://schemas.microsoft.com/office/drawing/2014/main" xmlns="" id="{ACF35B63-5ABA-C5D8-FC71-2D144E999321}"/>
               </a:ext>
             </a:extLst>
           </p:cNvPr>
@@ -24223,7 +24223,7 @@
           <p:cNvPr id="6" name="그림 5">
             <a:extLst>
               <a:ext uri="{FF2B5EF4-FFF2-40B4-BE49-F238E27FC236}">
-                <a16:creationId xmlns:a16="http://schemas.microsoft.com/office/drawing/2014/main" id="{722D48C7-7860-0870-C417-7E8C8AEA805E}"/>
+                <a16:creationId xmlns:a16="http://schemas.microsoft.com/office/drawing/2014/main" xmlns="" id="{722D48C7-7860-0870-C417-7E8C8AEA805E}"/>
               </a:ext>
             </a:extLst>
           </p:cNvPr>
@@ -24253,7 +24253,7 @@
           <p:cNvPr id="7" name="직선 화살표 연결선 6">
             <a:extLst>
               <a:ext uri="{FF2B5EF4-FFF2-40B4-BE49-F238E27FC236}">
-                <a16:creationId xmlns:a16="http://schemas.microsoft.com/office/drawing/2014/main" id="{D7F1A5D5-5E80-1166-ED34-441D9E0C7974}"/>
+                <a16:creationId xmlns:a16="http://schemas.microsoft.com/office/drawing/2014/main" xmlns="" id="{D7F1A5D5-5E80-1166-ED34-441D9E0C7974}"/>
               </a:ext>
             </a:extLst>
           </p:cNvPr>
@@ -24295,7 +24295,7 @@
           <p:cNvPr id="8" name="직사각형 7">
             <a:extLst>
               <a:ext uri="{FF2B5EF4-FFF2-40B4-BE49-F238E27FC236}">
-                <a16:creationId xmlns:a16="http://schemas.microsoft.com/office/drawing/2014/main" id="{4CDAAB16-C031-A1C5-23C2-D29262057092}"/>
+                <a16:creationId xmlns:a16="http://schemas.microsoft.com/office/drawing/2014/main" xmlns="" id="{4CDAAB16-C031-A1C5-23C2-D29262057092}"/>
               </a:ext>
             </a:extLst>
           </p:cNvPr>
@@ -24347,7 +24347,7 @@
           <p:cNvPr id="9" name="TextBox 8">
             <a:extLst>
               <a:ext uri="{FF2B5EF4-FFF2-40B4-BE49-F238E27FC236}">
-                <a16:creationId xmlns:a16="http://schemas.microsoft.com/office/drawing/2014/main" id="{B15DE591-D9A9-D7C7-BD77-90F8D65BC3CB}"/>
+                <a16:creationId xmlns:a16="http://schemas.microsoft.com/office/drawing/2014/main" xmlns="" id="{B15DE591-D9A9-D7C7-BD77-90F8D65BC3CB}"/>
               </a:ext>
             </a:extLst>
           </p:cNvPr>
@@ -24408,7 +24408,7 @@
           <p:cNvPr id="11" name="TextBox 10">
             <a:extLst>
               <a:ext uri="{FF2B5EF4-FFF2-40B4-BE49-F238E27FC236}">
-                <a16:creationId xmlns:a16="http://schemas.microsoft.com/office/drawing/2014/main" id="{384C8D5D-4C31-1B0A-BDC8-9308F4B6D554}"/>
+                <a16:creationId xmlns:a16="http://schemas.microsoft.com/office/drawing/2014/main" xmlns="" id="{384C8D5D-4C31-1B0A-BDC8-9308F4B6D554}"/>
               </a:ext>
             </a:extLst>
           </p:cNvPr>
@@ -24459,7 +24459,7 @@
           <p:cNvPr id="13" name="직사각형 12">
             <a:extLst>
               <a:ext uri="{FF2B5EF4-FFF2-40B4-BE49-F238E27FC236}">
-                <a16:creationId xmlns:a16="http://schemas.microsoft.com/office/drawing/2014/main" id="{48902FD5-CEA0-6881-EFAA-1B9896087DEB}"/>
+                <a16:creationId xmlns:a16="http://schemas.microsoft.com/office/drawing/2014/main" xmlns="" id="{48902FD5-CEA0-6881-EFAA-1B9896087DEB}"/>
               </a:ext>
             </a:extLst>
           </p:cNvPr>
@@ -24511,7 +24511,7 @@
           <p:cNvPr id="2" name="TextBox 1">
             <a:extLst>
               <a:ext uri="{FF2B5EF4-FFF2-40B4-BE49-F238E27FC236}">
-                <a16:creationId xmlns:a16="http://schemas.microsoft.com/office/drawing/2014/main" id="{B64270C9-1889-F782-B3AA-57C27F8CABBB}"/>
+                <a16:creationId xmlns:a16="http://schemas.microsoft.com/office/drawing/2014/main" xmlns="" id="{B64270C9-1889-F782-B3AA-57C27F8CABBB}"/>
               </a:ext>
             </a:extLst>
           </p:cNvPr>
@@ -24582,7 +24582,7 @@
           <p:cNvPr id="3" name="직선 연결선 2">
             <a:extLst>
               <a:ext uri="{FF2B5EF4-FFF2-40B4-BE49-F238E27FC236}">
-                <a16:creationId xmlns:a16="http://schemas.microsoft.com/office/drawing/2014/main" id="{50656F11-6DCD-2005-F5FE-E892A19D786A}"/>
+                <a16:creationId xmlns:a16="http://schemas.microsoft.com/office/drawing/2014/main" xmlns="" id="{50656F11-6DCD-2005-F5FE-E892A19D786A}"/>
               </a:ext>
             </a:extLst>
           </p:cNvPr>
@@ -24733,7 +24733,7 @@
           <p:cNvPr id="4" name="TextBox 3">
             <a:extLst>
               <a:ext uri="{FF2B5EF4-FFF2-40B4-BE49-F238E27FC236}">
-                <a16:creationId xmlns:a16="http://schemas.microsoft.com/office/drawing/2014/main" id="{B355BDDF-B1C2-A3AC-A824-3A8DAA1C6A9B}"/>
+                <a16:creationId xmlns:a16="http://schemas.microsoft.com/office/drawing/2014/main" xmlns="" id="{B355BDDF-B1C2-A3AC-A824-3A8DAA1C6A9B}"/>
               </a:ext>
             </a:extLst>
           </p:cNvPr>
@@ -24821,7 +24821,7 @@
           <p:cNvPr id="6" name="그림 5">
             <a:extLst>
               <a:ext uri="{FF2B5EF4-FFF2-40B4-BE49-F238E27FC236}">
-                <a16:creationId xmlns:a16="http://schemas.microsoft.com/office/drawing/2014/main" id="{6C7EF835-BDB2-CD03-947C-8089CA72C952}"/>
+                <a16:creationId xmlns:a16="http://schemas.microsoft.com/office/drawing/2014/main" xmlns="" id="{6C7EF835-BDB2-CD03-947C-8089CA72C952}"/>
               </a:ext>
             </a:extLst>
           </p:cNvPr>
@@ -24851,7 +24851,7 @@
           <p:cNvPr id="10" name="직선 화살표 연결선 9">
             <a:extLst>
               <a:ext uri="{FF2B5EF4-FFF2-40B4-BE49-F238E27FC236}">
-                <a16:creationId xmlns:a16="http://schemas.microsoft.com/office/drawing/2014/main" id="{68DED13A-0BAB-602F-9298-237AC9C2E6F8}"/>
+                <a16:creationId xmlns:a16="http://schemas.microsoft.com/office/drawing/2014/main" xmlns="" id="{68DED13A-0BAB-602F-9298-237AC9C2E6F8}"/>
               </a:ext>
             </a:extLst>
           </p:cNvPr>
@@ -24892,7 +24892,7 @@
           <p:cNvPr id="11" name="직사각형 10">
             <a:extLst>
               <a:ext uri="{FF2B5EF4-FFF2-40B4-BE49-F238E27FC236}">
-                <a16:creationId xmlns:a16="http://schemas.microsoft.com/office/drawing/2014/main" id="{7AB8FA12-2DC8-AAD4-F4CA-7B5D92845C63}"/>
+                <a16:creationId xmlns:a16="http://schemas.microsoft.com/office/drawing/2014/main" xmlns="" id="{7AB8FA12-2DC8-AAD4-F4CA-7B5D92845C63}"/>
               </a:ext>
             </a:extLst>
           </p:cNvPr>
@@ -24944,7 +24944,7 @@
           <p:cNvPr id="12" name="TextBox 11">
             <a:extLst>
               <a:ext uri="{FF2B5EF4-FFF2-40B4-BE49-F238E27FC236}">
-                <a16:creationId xmlns:a16="http://schemas.microsoft.com/office/drawing/2014/main" id="{E1A6EB30-ECFB-4789-9D83-33B40494F6B0}"/>
+                <a16:creationId xmlns:a16="http://schemas.microsoft.com/office/drawing/2014/main" xmlns="" id="{E1A6EB30-ECFB-4789-9D83-33B40494F6B0}"/>
               </a:ext>
             </a:extLst>
           </p:cNvPr>
@@ -25015,7 +25015,7 @@
           <p:cNvPr id="13" name="직사각형 12">
             <a:extLst>
               <a:ext uri="{FF2B5EF4-FFF2-40B4-BE49-F238E27FC236}">
-                <a16:creationId xmlns:a16="http://schemas.microsoft.com/office/drawing/2014/main" id="{6DB27963-042E-C543-AD82-AE33485FFEC5}"/>
+                <a16:creationId xmlns:a16="http://schemas.microsoft.com/office/drawing/2014/main" xmlns="" id="{6DB27963-042E-C543-AD82-AE33485FFEC5}"/>
               </a:ext>
             </a:extLst>
           </p:cNvPr>
@@ -25067,7 +25067,7 @@
           <p:cNvPr id="2" name="TextBox 1">
             <a:extLst>
               <a:ext uri="{FF2B5EF4-FFF2-40B4-BE49-F238E27FC236}">
-                <a16:creationId xmlns:a16="http://schemas.microsoft.com/office/drawing/2014/main" id="{5F4F9B02-8DFF-BEC3-C7C9-89B534A10472}"/>
+                <a16:creationId xmlns:a16="http://schemas.microsoft.com/office/drawing/2014/main" xmlns="" id="{5F4F9B02-8DFF-BEC3-C7C9-89B534A10472}"/>
               </a:ext>
             </a:extLst>
           </p:cNvPr>
@@ -25138,7 +25138,7 @@
           <p:cNvPr id="3" name="직선 연결선 2">
             <a:extLst>
               <a:ext uri="{FF2B5EF4-FFF2-40B4-BE49-F238E27FC236}">
-                <a16:creationId xmlns:a16="http://schemas.microsoft.com/office/drawing/2014/main" id="{9E9EAB71-32CF-AF18-2110-D5A17126ABB8}"/>
+                <a16:creationId xmlns:a16="http://schemas.microsoft.com/office/drawing/2014/main" xmlns="" id="{9E9EAB71-32CF-AF18-2110-D5A17126ABB8}"/>
               </a:ext>
             </a:extLst>
           </p:cNvPr>
@@ -25289,7 +25289,7 @@
           <p:cNvPr id="6" name="그림 5">
             <a:extLst>
               <a:ext uri="{FF2B5EF4-FFF2-40B4-BE49-F238E27FC236}">
-                <a16:creationId xmlns:a16="http://schemas.microsoft.com/office/drawing/2014/main" id="{585C56B1-A71E-7D20-3DCC-21152A9322E7}"/>
+                <a16:creationId xmlns:a16="http://schemas.microsoft.com/office/drawing/2014/main" xmlns="" id="{585C56B1-A71E-7D20-3DCC-21152A9322E7}"/>
               </a:ext>
             </a:extLst>
           </p:cNvPr>
@@ -25319,7 +25319,7 @@
           <p:cNvPr id="7" name="직선 화살표 연결선 6">
             <a:extLst>
               <a:ext uri="{FF2B5EF4-FFF2-40B4-BE49-F238E27FC236}">
-                <a16:creationId xmlns:a16="http://schemas.microsoft.com/office/drawing/2014/main" id="{1FDD0D33-0AA3-759A-0004-0B6B0B1530DC}"/>
+                <a16:creationId xmlns:a16="http://schemas.microsoft.com/office/drawing/2014/main" xmlns="" id="{1FDD0D33-0AA3-759A-0004-0B6B0B1530DC}"/>
               </a:ext>
             </a:extLst>
           </p:cNvPr>
@@ -25360,7 +25360,7 @@
           <p:cNvPr id="8" name="직사각형 7">
             <a:extLst>
               <a:ext uri="{FF2B5EF4-FFF2-40B4-BE49-F238E27FC236}">
-                <a16:creationId xmlns:a16="http://schemas.microsoft.com/office/drawing/2014/main" id="{5B665507-8212-7A52-1033-DE766BF673CB}"/>
+                <a16:creationId xmlns:a16="http://schemas.microsoft.com/office/drawing/2014/main" xmlns="" id="{5B665507-8212-7A52-1033-DE766BF673CB}"/>
               </a:ext>
             </a:extLst>
           </p:cNvPr>
@@ -25412,7 +25412,7 @@
           <p:cNvPr id="9" name="TextBox 8">
             <a:extLst>
               <a:ext uri="{FF2B5EF4-FFF2-40B4-BE49-F238E27FC236}">
-                <a16:creationId xmlns:a16="http://schemas.microsoft.com/office/drawing/2014/main" id="{451E77C6-C8F8-05FD-584D-4E5BED7FD76F}"/>
+                <a16:creationId xmlns:a16="http://schemas.microsoft.com/office/drawing/2014/main" xmlns="" id="{451E77C6-C8F8-05FD-584D-4E5BED7FD76F}"/>
               </a:ext>
             </a:extLst>
           </p:cNvPr>
@@ -25493,7 +25493,7 @@
           <p:cNvPr id="13" name="직선 화살표 연결선 12">
             <a:extLst>
               <a:ext uri="{FF2B5EF4-FFF2-40B4-BE49-F238E27FC236}">
-                <a16:creationId xmlns:a16="http://schemas.microsoft.com/office/drawing/2014/main" id="{CAEA53A6-759F-2B96-43A3-62F69FDBC3E7}"/>
+                <a16:creationId xmlns:a16="http://schemas.microsoft.com/office/drawing/2014/main" xmlns="" id="{CAEA53A6-759F-2B96-43A3-62F69FDBC3E7}"/>
               </a:ext>
             </a:extLst>
           </p:cNvPr>
@@ -25534,7 +25534,7 @@
           <p:cNvPr id="14" name="직사각형 13">
             <a:extLst>
               <a:ext uri="{FF2B5EF4-FFF2-40B4-BE49-F238E27FC236}">
-                <a16:creationId xmlns:a16="http://schemas.microsoft.com/office/drawing/2014/main" id="{B9F43B63-2E91-0190-899C-C96E126342B7}"/>
+                <a16:creationId xmlns:a16="http://schemas.microsoft.com/office/drawing/2014/main" xmlns="" id="{B9F43B63-2E91-0190-899C-C96E126342B7}"/>
               </a:ext>
             </a:extLst>
           </p:cNvPr>
@@ -25586,7 +25586,7 @@
           <p:cNvPr id="15" name="TextBox 14">
             <a:extLst>
               <a:ext uri="{FF2B5EF4-FFF2-40B4-BE49-F238E27FC236}">
-                <a16:creationId xmlns:a16="http://schemas.microsoft.com/office/drawing/2014/main" id="{D1A4A52D-5819-89F8-696E-2B8E626089C1}"/>
+                <a16:creationId xmlns:a16="http://schemas.microsoft.com/office/drawing/2014/main" xmlns="" id="{D1A4A52D-5819-89F8-696E-2B8E626089C1}"/>
               </a:ext>
             </a:extLst>
           </p:cNvPr>
@@ -25677,7 +25677,7 @@
           <p:cNvPr id="18" name="TextBox 17">
             <a:extLst>
               <a:ext uri="{FF2B5EF4-FFF2-40B4-BE49-F238E27FC236}">
-                <a16:creationId xmlns:a16="http://schemas.microsoft.com/office/drawing/2014/main" id="{8756A8C5-1C75-4C40-FE1F-FBA2EFA90EE9}"/>
+                <a16:creationId xmlns:a16="http://schemas.microsoft.com/office/drawing/2014/main" xmlns="" id="{8756A8C5-1C75-4C40-FE1F-FBA2EFA90EE9}"/>
               </a:ext>
             </a:extLst>
           </p:cNvPr>
@@ -25738,7 +25738,7 @@
           <p:cNvPr id="19" name="직사각형 18">
             <a:extLst>
               <a:ext uri="{FF2B5EF4-FFF2-40B4-BE49-F238E27FC236}">
-                <a16:creationId xmlns:a16="http://schemas.microsoft.com/office/drawing/2014/main" id="{5399253E-3E2C-C472-9B95-0B555C6AC66D}"/>
+                <a16:creationId xmlns:a16="http://schemas.microsoft.com/office/drawing/2014/main" xmlns="" id="{5399253E-3E2C-C472-9B95-0B555C6AC66D}"/>
               </a:ext>
             </a:extLst>
           </p:cNvPr>
@@ -25790,7 +25790,7 @@
           <p:cNvPr id="2" name="TextBox 1">
             <a:extLst>
               <a:ext uri="{FF2B5EF4-FFF2-40B4-BE49-F238E27FC236}">
-                <a16:creationId xmlns:a16="http://schemas.microsoft.com/office/drawing/2014/main" id="{CAEAF9B4-A74E-FC93-AA78-41BAD89992F1}"/>
+                <a16:creationId xmlns:a16="http://schemas.microsoft.com/office/drawing/2014/main" xmlns="" id="{CAEAF9B4-A74E-FC93-AA78-41BAD89992F1}"/>
               </a:ext>
             </a:extLst>
           </p:cNvPr>
@@ -25861,7 +25861,7 @@
           <p:cNvPr id="3" name="직선 연결선 2">
             <a:extLst>
               <a:ext uri="{FF2B5EF4-FFF2-40B4-BE49-F238E27FC236}">
-                <a16:creationId xmlns:a16="http://schemas.microsoft.com/office/drawing/2014/main" id="{F02B8857-AEA9-C11D-A4D1-80C05EB2283F}"/>
+                <a16:creationId xmlns:a16="http://schemas.microsoft.com/office/drawing/2014/main" xmlns="" id="{F02B8857-AEA9-C11D-A4D1-80C05EB2283F}"/>
               </a:ext>
             </a:extLst>
           </p:cNvPr>
@@ -26020,7 +26020,7 @@
           <p:cNvPr id="5" name="Object 2">
             <a:extLst>
               <a:ext uri="{FF2B5EF4-FFF2-40B4-BE49-F238E27FC236}">
-                <a16:creationId xmlns:a16="http://schemas.microsoft.com/office/drawing/2014/main" id="{EB9768FE-76B0-709F-3C4D-0ECBB41147CD}"/>
+                <a16:creationId xmlns:a16="http://schemas.microsoft.com/office/drawing/2014/main" xmlns="" id="{EB9768FE-76B0-709F-3C4D-0ECBB41147CD}"/>
               </a:ext>
             </a:extLst>
           </p:cNvPr>
@@ -26050,7 +26050,7 @@
           <p:cNvPr id="7" name="그룹 1001">
             <a:extLst>
               <a:ext uri="{FF2B5EF4-FFF2-40B4-BE49-F238E27FC236}">
-                <a16:creationId xmlns:a16="http://schemas.microsoft.com/office/drawing/2014/main" id="{0637F47C-891C-2B90-8647-32B84C264D42}"/>
+                <a16:creationId xmlns:a16="http://schemas.microsoft.com/office/drawing/2014/main" xmlns="" id="{0637F47C-891C-2B90-8647-32B84C264D42}"/>
               </a:ext>
             </a:extLst>
           </p:cNvPr>
@@ -26070,7 +26070,7 @@
             <p:cNvPr id="8" name="Object 5">
               <a:extLst>
                 <a:ext uri="{FF2B5EF4-FFF2-40B4-BE49-F238E27FC236}">
-                  <a16:creationId xmlns:a16="http://schemas.microsoft.com/office/drawing/2014/main" id="{710F969D-8259-9328-33C3-C6DB500C60D4}"/>
+                  <a16:creationId xmlns:a16="http://schemas.microsoft.com/office/drawing/2014/main" xmlns="" id="{710F969D-8259-9328-33C3-C6DB500C60D4}"/>
                 </a:ext>
               </a:extLst>
             </p:cNvPr>
@@ -26101,7 +26101,7 @@
           <p:cNvPr id="9" name="그룹 1002">
             <a:extLst>
               <a:ext uri="{FF2B5EF4-FFF2-40B4-BE49-F238E27FC236}">
-                <a16:creationId xmlns:a16="http://schemas.microsoft.com/office/drawing/2014/main" id="{A87796A8-251B-F38A-5AE9-11F8D847B25D}"/>
+                <a16:creationId xmlns:a16="http://schemas.microsoft.com/office/drawing/2014/main" xmlns="" id="{A87796A8-251B-F38A-5AE9-11F8D847B25D}"/>
               </a:ext>
             </a:extLst>
           </p:cNvPr>
@@ -26121,7 +26121,7 @@
             <p:cNvPr id="10" name="Object 8">
               <a:extLst>
                 <a:ext uri="{FF2B5EF4-FFF2-40B4-BE49-F238E27FC236}">
-                  <a16:creationId xmlns:a16="http://schemas.microsoft.com/office/drawing/2014/main" id="{9E806C19-D323-E705-F3B8-EEABB39F0993}"/>
+                  <a16:creationId xmlns:a16="http://schemas.microsoft.com/office/drawing/2014/main" xmlns="" id="{9E806C19-D323-E705-F3B8-EEABB39F0993}"/>
                 </a:ext>
               </a:extLst>
             </p:cNvPr>
@@ -26152,7 +26152,7 @@
           <p:cNvPr id="11" name="그룹 1003">
             <a:extLst>
               <a:ext uri="{FF2B5EF4-FFF2-40B4-BE49-F238E27FC236}">
-                <a16:creationId xmlns:a16="http://schemas.microsoft.com/office/drawing/2014/main" id="{701795E0-24B6-38E6-7308-FED7AD2B6900}"/>
+                <a16:creationId xmlns:a16="http://schemas.microsoft.com/office/drawing/2014/main" xmlns="" id="{701795E0-24B6-38E6-7308-FED7AD2B6900}"/>
               </a:ext>
             </a:extLst>
           </p:cNvPr>
@@ -26172,7 +26172,7 @@
             <p:cNvPr id="12" name="Object 11">
               <a:extLst>
                 <a:ext uri="{FF2B5EF4-FFF2-40B4-BE49-F238E27FC236}">
-                  <a16:creationId xmlns:a16="http://schemas.microsoft.com/office/drawing/2014/main" id="{D8C68167-7FB5-1F8E-D53C-DEA682F465F5}"/>
+                  <a16:creationId xmlns:a16="http://schemas.microsoft.com/office/drawing/2014/main" xmlns="" id="{D8C68167-7FB5-1F8E-D53C-DEA682F465F5}"/>
                 </a:ext>
               </a:extLst>
             </p:cNvPr>
@@ -26203,7 +26203,7 @@
           <p:cNvPr id="13" name="그룹 1004">
             <a:extLst>
               <a:ext uri="{FF2B5EF4-FFF2-40B4-BE49-F238E27FC236}">
-                <a16:creationId xmlns:a16="http://schemas.microsoft.com/office/drawing/2014/main" id="{03226A72-764D-99F3-A14F-47C351CB448B}"/>
+                <a16:creationId xmlns:a16="http://schemas.microsoft.com/office/drawing/2014/main" xmlns="" id="{03226A72-764D-99F3-A14F-47C351CB448B}"/>
               </a:ext>
             </a:extLst>
           </p:cNvPr>
@@ -26223,7 +26223,7 @@
             <p:cNvPr id="14" name="Object 14">
               <a:extLst>
                 <a:ext uri="{FF2B5EF4-FFF2-40B4-BE49-F238E27FC236}">
-                  <a16:creationId xmlns:a16="http://schemas.microsoft.com/office/drawing/2014/main" id="{77C5B9A8-AEBA-093B-4CD6-4F1ECF519068}"/>
+                  <a16:creationId xmlns:a16="http://schemas.microsoft.com/office/drawing/2014/main" xmlns="" id="{77C5B9A8-AEBA-093B-4CD6-4F1ECF519068}"/>
                 </a:ext>
               </a:extLst>
             </p:cNvPr>
@@ -26254,7 +26254,7 @@
           <p:cNvPr id="15" name="TextBox 14">
             <a:extLst>
               <a:ext uri="{FF2B5EF4-FFF2-40B4-BE49-F238E27FC236}">
-                <a16:creationId xmlns:a16="http://schemas.microsoft.com/office/drawing/2014/main" id="{E44AB10B-96D7-19D1-5C7A-D2761E62F16E}"/>
+                <a16:creationId xmlns:a16="http://schemas.microsoft.com/office/drawing/2014/main" xmlns="" id="{E44AB10B-96D7-19D1-5C7A-D2761E62F16E}"/>
               </a:ext>
             </a:extLst>
           </p:cNvPr>
@@ -26307,6 +26307,13 @@
   <p:clrMapOvr>
     <a:masterClrMapping/>
   </p:clrMapOvr>
+  <p:timing>
+    <p:tnLst>
+      <p:par>
+        <p:cTn id="1" dur="indefinite" restart="never" nodeType="tmRoot"/>
+      </p:par>
+    </p:tnLst>
+  </p:timing>
 </p:sld>
 </file>
 
@@ -26380,7 +26387,7 @@
           <p:cNvPr id="8" name="TextBox 7">
             <a:extLst>
               <a:ext uri="{FF2B5EF4-FFF2-40B4-BE49-F238E27FC236}">
-                <a16:creationId xmlns:a16="http://schemas.microsoft.com/office/drawing/2014/main" id="{5ADC00B6-990A-40DC-3CEA-505258F5E8DA}"/>
+                <a16:creationId xmlns:a16="http://schemas.microsoft.com/office/drawing/2014/main" xmlns="" id="{5ADC00B6-990A-40DC-3CEA-505258F5E8DA}"/>
               </a:ext>
             </a:extLst>
           </p:cNvPr>
@@ -26451,7 +26458,7 @@
           <p:cNvPr id="2" name="직사각형 1">
             <a:extLst>
               <a:ext uri="{FF2B5EF4-FFF2-40B4-BE49-F238E27FC236}">
-                <a16:creationId xmlns:a16="http://schemas.microsoft.com/office/drawing/2014/main" id="{BF61AA2F-FC5E-7F2C-C9C8-D1BDA4B4DDC9}"/>
+                <a16:creationId xmlns:a16="http://schemas.microsoft.com/office/drawing/2014/main" xmlns="" id="{BF61AA2F-FC5E-7F2C-C9C8-D1BDA4B4DDC9}"/>
               </a:ext>
             </a:extLst>
           </p:cNvPr>
@@ -26503,7 +26510,7 @@
           <p:cNvPr id="3" name="직사각형 2">
             <a:extLst>
               <a:ext uri="{FF2B5EF4-FFF2-40B4-BE49-F238E27FC236}">
-                <a16:creationId xmlns:a16="http://schemas.microsoft.com/office/drawing/2014/main" id="{CAA79CE9-4A17-118A-F504-269CB1A61696}"/>
+                <a16:creationId xmlns:a16="http://schemas.microsoft.com/office/drawing/2014/main" xmlns="" id="{CAA79CE9-4A17-118A-F504-269CB1A61696}"/>
               </a:ext>
             </a:extLst>
           </p:cNvPr>
@@ -26555,7 +26562,7 @@
           <p:cNvPr id="9" name="직선 연결선 8">
             <a:extLst>
               <a:ext uri="{FF2B5EF4-FFF2-40B4-BE49-F238E27FC236}">
-                <a16:creationId xmlns:a16="http://schemas.microsoft.com/office/drawing/2014/main" id="{DB15D9B3-BF18-AB41-F6CB-C3DFEE7F89DC}"/>
+                <a16:creationId xmlns:a16="http://schemas.microsoft.com/office/drawing/2014/main" xmlns="" id="{DB15D9B3-BF18-AB41-F6CB-C3DFEE7F89DC}"/>
               </a:ext>
             </a:extLst>
           </p:cNvPr>
@@ -26598,7 +26605,7 @@
           <p:cNvPr id="10" name="TextBox 9">
             <a:extLst>
               <a:ext uri="{FF2B5EF4-FFF2-40B4-BE49-F238E27FC236}">
-                <a16:creationId xmlns:a16="http://schemas.microsoft.com/office/drawing/2014/main" id="{9694210F-1FB0-59BC-AA8E-88BB55B82820}"/>
+                <a16:creationId xmlns:a16="http://schemas.microsoft.com/office/drawing/2014/main" xmlns="" id="{9694210F-1FB0-59BC-AA8E-88BB55B82820}"/>
               </a:ext>
             </a:extLst>
           </p:cNvPr>
@@ -26656,7 +26663,7 @@
           <p:cNvPr id="11" name="TextBox 10">
             <a:extLst>
               <a:ext uri="{FF2B5EF4-FFF2-40B4-BE49-F238E27FC236}">
-                <a16:creationId xmlns:a16="http://schemas.microsoft.com/office/drawing/2014/main" id="{DFD74364-BA20-2D4D-243B-E0EEB99111CC}"/>
+                <a16:creationId xmlns:a16="http://schemas.microsoft.com/office/drawing/2014/main" xmlns="" id="{DFD74364-BA20-2D4D-243B-E0EEB99111CC}"/>
               </a:ext>
             </a:extLst>
           </p:cNvPr>
@@ -26783,7 +26790,7 @@
           <p:cNvPr id="8" name="TextBox 7">
             <a:extLst>
               <a:ext uri="{FF2B5EF4-FFF2-40B4-BE49-F238E27FC236}">
-                <a16:creationId xmlns:a16="http://schemas.microsoft.com/office/drawing/2014/main" id="{4EDAA912-8FA0-0F11-119B-EA9F8B36A489}"/>
+                <a16:creationId xmlns:a16="http://schemas.microsoft.com/office/drawing/2014/main" xmlns="" id="{4EDAA912-8FA0-0F11-119B-EA9F8B36A489}"/>
               </a:ext>
             </a:extLst>
           </p:cNvPr>
@@ -26909,7 +26916,7 @@
           <p:cNvPr id="5" name="그림 4">
             <a:extLst>
               <a:ext uri="{FF2B5EF4-FFF2-40B4-BE49-F238E27FC236}">
-                <a16:creationId xmlns:a16="http://schemas.microsoft.com/office/drawing/2014/main" id="{21AD60B3-A001-B656-EBBF-DA0938B8FF14}"/>
+                <a16:creationId xmlns:a16="http://schemas.microsoft.com/office/drawing/2014/main" xmlns="" id="{21AD60B3-A001-B656-EBBF-DA0938B8FF14}"/>
               </a:ext>
             </a:extLst>
           </p:cNvPr>
@@ -26939,7 +26946,7 @@
           <p:cNvPr id="6" name="그림 5">
             <a:extLst>
               <a:ext uri="{FF2B5EF4-FFF2-40B4-BE49-F238E27FC236}">
-                <a16:creationId xmlns:a16="http://schemas.microsoft.com/office/drawing/2014/main" id="{113B7C7A-E24B-7F8F-B2F0-C6A4DE05117C}"/>
+                <a16:creationId xmlns:a16="http://schemas.microsoft.com/office/drawing/2014/main" xmlns="" id="{113B7C7A-E24B-7F8F-B2F0-C6A4DE05117C}"/>
               </a:ext>
             </a:extLst>
           </p:cNvPr>
@@ -26980,7 +26987,7 @@
           <p:cNvPr id="3" name="TextBox 2">
             <a:extLst>
               <a:ext uri="{FF2B5EF4-FFF2-40B4-BE49-F238E27FC236}">
-                <a16:creationId xmlns:a16="http://schemas.microsoft.com/office/drawing/2014/main" id="{466A7E39-A339-A041-B02D-2FCB1BB11498}"/>
+                <a16:creationId xmlns:a16="http://schemas.microsoft.com/office/drawing/2014/main" xmlns="" id="{466A7E39-A339-A041-B02D-2FCB1BB11498}"/>
               </a:ext>
             </a:extLst>
           </p:cNvPr>
@@ -27051,7 +27058,7 @@
           <p:cNvPr id="4" name="직선 연결선 3">
             <a:extLst>
               <a:ext uri="{FF2B5EF4-FFF2-40B4-BE49-F238E27FC236}">
-                <a16:creationId xmlns:a16="http://schemas.microsoft.com/office/drawing/2014/main" id="{8763A5E4-0F3D-75A3-4353-60F79985EF39}"/>
+                <a16:creationId xmlns:a16="http://schemas.microsoft.com/office/drawing/2014/main" xmlns="" id="{8763A5E4-0F3D-75A3-4353-60F79985EF39}"/>
               </a:ext>
             </a:extLst>
           </p:cNvPr>
@@ -27099,6 +27106,13 @@
   <p:clrMapOvr>
     <a:masterClrMapping/>
   </p:clrMapOvr>
+  <p:timing>
+    <p:tnLst>
+      <p:par>
+        <p:cTn id="1" dur="indefinite" restart="never" nodeType="tmRoot"/>
+      </p:par>
+    </p:tnLst>
+  </p:timing>
 </p:sld>
 </file>
 
@@ -27124,7 +27138,7 @@
           <p:cNvPr id="4" name="TextBox 3">
             <a:extLst>
               <a:ext uri="{FF2B5EF4-FFF2-40B4-BE49-F238E27FC236}">
-                <a16:creationId xmlns:a16="http://schemas.microsoft.com/office/drawing/2014/main" id="{FCE84572-6498-8589-B5B3-476D533C6A3F}"/>
+                <a16:creationId xmlns:a16="http://schemas.microsoft.com/office/drawing/2014/main" xmlns="" id="{FCE84572-6498-8589-B5B3-476D533C6A3F}"/>
               </a:ext>
             </a:extLst>
           </p:cNvPr>
@@ -27195,7 +27209,7 @@
           <p:cNvPr id="5" name="직선 연결선 4">
             <a:extLst>
               <a:ext uri="{FF2B5EF4-FFF2-40B4-BE49-F238E27FC236}">
-                <a16:creationId xmlns:a16="http://schemas.microsoft.com/office/drawing/2014/main" id="{78680333-AA15-88AE-A776-AFEFAD87CFB6}"/>
+                <a16:creationId xmlns:a16="http://schemas.microsoft.com/office/drawing/2014/main" xmlns="" id="{78680333-AA15-88AE-A776-AFEFAD87CFB6}"/>
               </a:ext>
             </a:extLst>
           </p:cNvPr>
@@ -27238,7 +27252,7 @@
           <p:cNvPr id="6" name="그림 5">
             <a:extLst>
               <a:ext uri="{FF2B5EF4-FFF2-40B4-BE49-F238E27FC236}">
-                <a16:creationId xmlns:a16="http://schemas.microsoft.com/office/drawing/2014/main" id="{885E476B-C241-3FA7-5562-41C39DA9E90F}"/>
+                <a16:creationId xmlns:a16="http://schemas.microsoft.com/office/drawing/2014/main" xmlns="" id="{885E476B-C241-3FA7-5562-41C39DA9E90F}"/>
               </a:ext>
             </a:extLst>
           </p:cNvPr>
@@ -27268,7 +27282,7 @@
           <p:cNvPr id="8" name="TextBox 7">
             <a:extLst>
               <a:ext uri="{FF2B5EF4-FFF2-40B4-BE49-F238E27FC236}">
-                <a16:creationId xmlns:a16="http://schemas.microsoft.com/office/drawing/2014/main" id="{29DB0BBC-0027-1043-8120-73D56E541277}"/>
+                <a16:creationId xmlns:a16="http://schemas.microsoft.com/office/drawing/2014/main" xmlns="" id="{29DB0BBC-0027-1043-8120-73D56E541277}"/>
               </a:ext>
             </a:extLst>
           </p:cNvPr>
@@ -27360,7 +27374,7 @@
           <p:cNvPr id="7" name="직사각형 6">
             <a:extLst>
               <a:ext uri="{FF2B5EF4-FFF2-40B4-BE49-F238E27FC236}">
-                <a16:creationId xmlns:a16="http://schemas.microsoft.com/office/drawing/2014/main" id="{E940046F-5A59-B093-99AA-A62E07A58A4B}"/>
+                <a16:creationId xmlns:a16="http://schemas.microsoft.com/office/drawing/2014/main" xmlns="" id="{E940046F-5A59-B093-99AA-A62E07A58A4B}"/>
               </a:ext>
             </a:extLst>
           </p:cNvPr>
@@ -27520,7 +27534,7 @@
           <p:cNvPr id="5" name="TextBox 4">
             <a:extLst>
               <a:ext uri="{FF2B5EF4-FFF2-40B4-BE49-F238E27FC236}">
-                <a16:creationId xmlns:a16="http://schemas.microsoft.com/office/drawing/2014/main" id="{4EDAA912-8FA0-0F11-119B-EA9F8B36A489}"/>
+                <a16:creationId xmlns:a16="http://schemas.microsoft.com/office/drawing/2014/main" xmlns="" id="{4EDAA912-8FA0-0F11-119B-EA9F8B36A489}"/>
               </a:ext>
             </a:extLst>
           </p:cNvPr>
@@ -27646,7 +27660,7 @@
           <p:cNvPr id="2" name="TextBox 1">
             <a:extLst>
               <a:ext uri="{FF2B5EF4-FFF2-40B4-BE49-F238E27FC236}">
-                <a16:creationId xmlns:a16="http://schemas.microsoft.com/office/drawing/2014/main" id="{3A5F3EF3-2427-9CFF-99EA-AA66A0F2CB64}"/>
+                <a16:creationId xmlns:a16="http://schemas.microsoft.com/office/drawing/2014/main" xmlns="" id="{3A5F3EF3-2427-9CFF-99EA-AA66A0F2CB64}"/>
               </a:ext>
             </a:extLst>
           </p:cNvPr>
@@ -27717,7 +27731,7 @@
           <p:cNvPr id="4" name="직선 연결선 3">
             <a:extLst>
               <a:ext uri="{FF2B5EF4-FFF2-40B4-BE49-F238E27FC236}">
-                <a16:creationId xmlns:a16="http://schemas.microsoft.com/office/drawing/2014/main" id="{EA144C87-6C8B-19CC-1204-A388C7EC7C63}"/>
+                <a16:creationId xmlns:a16="http://schemas.microsoft.com/office/drawing/2014/main" xmlns="" id="{EA144C87-6C8B-19CC-1204-A388C7EC7C63}"/>
               </a:ext>
             </a:extLst>
           </p:cNvPr>
@@ -27765,6 +27779,13 @@
   <p:clrMapOvr>
     <a:masterClrMapping/>
   </p:clrMapOvr>
+  <p:timing>
+    <p:tnLst>
+      <p:par>
+        <p:cTn id="1" dur="indefinite" restart="never" nodeType="tmRoot"/>
+      </p:par>
+    </p:tnLst>
+  </p:timing>
 </p:sld>
 </file>
 
@@ -27790,7 +27811,7 @@
           <p:cNvPr id="3" name="그림 2">
             <a:extLst>
               <a:ext uri="{FF2B5EF4-FFF2-40B4-BE49-F238E27FC236}">
-                <a16:creationId xmlns:a16="http://schemas.microsoft.com/office/drawing/2014/main" id="{2FDA8C64-E2DE-66B1-3229-504B91FB859C}"/>
+                <a16:creationId xmlns:a16="http://schemas.microsoft.com/office/drawing/2014/main" xmlns="" id="{2FDA8C64-E2DE-66B1-3229-504B91FB859C}"/>
               </a:ext>
             </a:extLst>
           </p:cNvPr>
@@ -27807,8 +27828,8 @@
         </p:blipFill>
         <p:spPr>
           <a:xfrm>
-            <a:off x="2694502" y="248772"/>
-            <a:ext cx="9345098" cy="9970421"/>
+            <a:off x="3123026" y="876300"/>
+            <a:ext cx="8916573" cy="9513221"/>
           </a:xfrm>
           <a:prstGeom prst="rect">
             <a:avLst/>
@@ -27820,7 +27841,7 @@
           <p:cNvPr id="9" name="TextBox 8">
             <a:extLst>
               <a:ext uri="{FF2B5EF4-FFF2-40B4-BE49-F238E27FC236}">
-                <a16:creationId xmlns:a16="http://schemas.microsoft.com/office/drawing/2014/main" id="{A4AFFC7D-6AFD-C2ED-675E-E87E46453D59}"/>
+                <a16:creationId xmlns:a16="http://schemas.microsoft.com/office/drawing/2014/main" xmlns="" id="{A4AFFC7D-6AFD-C2ED-675E-E87E46453D59}"/>
               </a:ext>
             </a:extLst>
           </p:cNvPr>
@@ -27964,7 +27985,7 @@
           <p:cNvPr id="5" name="직사각형 4">
             <a:extLst>
               <a:ext uri="{FF2B5EF4-FFF2-40B4-BE49-F238E27FC236}">
-                <a16:creationId xmlns:a16="http://schemas.microsoft.com/office/drawing/2014/main" id="{C9EA5783-E6E0-8E31-E417-F396D38154D8}"/>
+                <a16:creationId xmlns:a16="http://schemas.microsoft.com/office/drawing/2014/main" xmlns="" id="{C9EA5783-E6E0-8E31-E417-F396D38154D8}"/>
               </a:ext>
             </a:extLst>
           </p:cNvPr>
@@ -27973,8 +27994,8 @@
         </p:nvSpPr>
         <p:spPr>
           <a:xfrm>
-            <a:off x="2694502" y="355523"/>
-            <a:ext cx="15288697" cy="9512377"/>
+            <a:off x="2057400" y="859302"/>
+            <a:ext cx="15468600" cy="9313398"/>
           </a:xfrm>
           <a:prstGeom prst="rect">
             <a:avLst/>
@@ -28016,7 +28037,7 @@
           <p:cNvPr id="2" name="TextBox 1">
             <a:extLst>
               <a:ext uri="{FF2B5EF4-FFF2-40B4-BE49-F238E27FC236}">
-                <a16:creationId xmlns:a16="http://schemas.microsoft.com/office/drawing/2014/main" id="{C0DDDB47-029A-5DA7-3BBC-79F890CF0038}"/>
+                <a16:creationId xmlns:a16="http://schemas.microsoft.com/office/drawing/2014/main" xmlns="" id="{C0DDDB47-029A-5DA7-3BBC-79F890CF0038}"/>
               </a:ext>
             </a:extLst>
           </p:cNvPr>
@@ -28087,7 +28108,7 @@
           <p:cNvPr id="6" name="직선 연결선 5">
             <a:extLst>
               <a:ext uri="{FF2B5EF4-FFF2-40B4-BE49-F238E27FC236}">
-                <a16:creationId xmlns:a16="http://schemas.microsoft.com/office/drawing/2014/main" id="{31297D37-CF84-89D7-644D-26BEA895CC2C}"/>
+                <a16:creationId xmlns:a16="http://schemas.microsoft.com/office/drawing/2014/main" xmlns="" id="{31297D37-CF84-89D7-644D-26BEA895CC2C}"/>
               </a:ext>
             </a:extLst>
           </p:cNvPr>
@@ -28238,7 +28259,7 @@
           <p:cNvPr id="9" name="그림 8">
             <a:extLst>
               <a:ext uri="{FF2B5EF4-FFF2-40B4-BE49-F238E27FC236}">
-                <a16:creationId xmlns:a16="http://schemas.microsoft.com/office/drawing/2014/main" id="{C05B1F82-A0F6-1585-9346-29BB60DCC94E}"/>
+                <a16:creationId xmlns:a16="http://schemas.microsoft.com/office/drawing/2014/main" xmlns="" id="{C05B1F82-A0F6-1585-9346-29BB60DCC94E}"/>
               </a:ext>
             </a:extLst>
           </p:cNvPr>
@@ -28268,7 +28289,7 @@
           <p:cNvPr id="10" name="직선 화살표 연결선 9">
             <a:extLst>
               <a:ext uri="{FF2B5EF4-FFF2-40B4-BE49-F238E27FC236}">
-                <a16:creationId xmlns:a16="http://schemas.microsoft.com/office/drawing/2014/main" id="{238870AE-9E2D-AAF0-AE2D-44ADF2DB9D14}"/>
+                <a16:creationId xmlns:a16="http://schemas.microsoft.com/office/drawing/2014/main" xmlns="" id="{238870AE-9E2D-AAF0-AE2D-44ADF2DB9D14}"/>
               </a:ext>
             </a:extLst>
           </p:cNvPr>
@@ -28310,7 +28331,7 @@
           <p:cNvPr id="11" name="직사각형 10">
             <a:extLst>
               <a:ext uri="{FF2B5EF4-FFF2-40B4-BE49-F238E27FC236}">
-                <a16:creationId xmlns:a16="http://schemas.microsoft.com/office/drawing/2014/main" id="{C1E555B4-C580-AF60-E9B5-94DB319531EE}"/>
+                <a16:creationId xmlns:a16="http://schemas.microsoft.com/office/drawing/2014/main" xmlns="" id="{C1E555B4-C580-AF60-E9B5-94DB319531EE}"/>
               </a:ext>
             </a:extLst>
           </p:cNvPr>
@@ -28362,7 +28383,7 @@
           <p:cNvPr id="12" name="TextBox 11">
             <a:extLst>
               <a:ext uri="{FF2B5EF4-FFF2-40B4-BE49-F238E27FC236}">
-                <a16:creationId xmlns:a16="http://schemas.microsoft.com/office/drawing/2014/main" id="{95BFFD07-4BDF-8CE5-8F49-8C67721E44E4}"/>
+                <a16:creationId xmlns:a16="http://schemas.microsoft.com/office/drawing/2014/main" xmlns="" id="{95BFFD07-4BDF-8CE5-8F49-8C67721E44E4}"/>
               </a:ext>
             </a:extLst>
           </p:cNvPr>
@@ -28553,7 +28574,7 @@
           <p:cNvPr id="15" name="직사각형 14">
             <a:extLst>
               <a:ext uri="{FF2B5EF4-FFF2-40B4-BE49-F238E27FC236}">
-                <a16:creationId xmlns:a16="http://schemas.microsoft.com/office/drawing/2014/main" id="{28A18C33-AD35-03FD-C07F-0900052F14F3}"/>
+                <a16:creationId xmlns:a16="http://schemas.microsoft.com/office/drawing/2014/main" xmlns="" id="{28A18C33-AD35-03FD-C07F-0900052F14F3}"/>
               </a:ext>
             </a:extLst>
           </p:cNvPr>
@@ -28605,7 +28626,7 @@
           <p:cNvPr id="2" name="TextBox 1">
             <a:extLst>
               <a:ext uri="{FF2B5EF4-FFF2-40B4-BE49-F238E27FC236}">
-                <a16:creationId xmlns:a16="http://schemas.microsoft.com/office/drawing/2014/main" id="{1174767F-B94A-1E4F-0BB4-0F38A911DBCD}"/>
+                <a16:creationId xmlns:a16="http://schemas.microsoft.com/office/drawing/2014/main" xmlns="" id="{1174767F-B94A-1E4F-0BB4-0F38A911DBCD}"/>
               </a:ext>
             </a:extLst>
           </p:cNvPr>
@@ -28676,7 +28697,7 @@
           <p:cNvPr id="3" name="직선 연결선 2">
             <a:extLst>
               <a:ext uri="{FF2B5EF4-FFF2-40B4-BE49-F238E27FC236}">
-                <a16:creationId xmlns:a16="http://schemas.microsoft.com/office/drawing/2014/main" id="{2A9BC6EB-5C95-E345-9795-49585761FAD9}"/>
+                <a16:creationId xmlns:a16="http://schemas.microsoft.com/office/drawing/2014/main" xmlns="" id="{2A9BC6EB-5C95-E345-9795-49585761FAD9}"/>
               </a:ext>
             </a:extLst>
           </p:cNvPr>
@@ -28827,7 +28848,7 @@
           <p:cNvPr id="3" name="TextBox 2">
             <a:extLst>
               <a:ext uri="{FF2B5EF4-FFF2-40B4-BE49-F238E27FC236}">
-                <a16:creationId xmlns:a16="http://schemas.microsoft.com/office/drawing/2014/main" id="{4EDAA912-8FA0-0F11-119B-EA9F8B36A489}"/>
+                <a16:creationId xmlns:a16="http://schemas.microsoft.com/office/drawing/2014/main" xmlns="" id="{4EDAA912-8FA0-0F11-119B-EA9F8B36A489}"/>
               </a:ext>
             </a:extLst>
           </p:cNvPr>
@@ -29303,7 +29324,7 @@
           <p:cNvPr id="6" name="TextBox 5">
             <a:extLst>
               <a:ext uri="{FF2B5EF4-FFF2-40B4-BE49-F238E27FC236}">
-                <a16:creationId xmlns:a16="http://schemas.microsoft.com/office/drawing/2014/main" id="{CF27986E-E269-46AC-046A-C9661099AB2D}"/>
+                <a16:creationId xmlns:a16="http://schemas.microsoft.com/office/drawing/2014/main" xmlns="" id="{CF27986E-E269-46AC-046A-C9661099AB2D}"/>
               </a:ext>
             </a:extLst>
           </p:cNvPr>
@@ -29374,7 +29395,7 @@
           <p:cNvPr id="7" name="직선 연결선 6">
             <a:extLst>
               <a:ext uri="{FF2B5EF4-FFF2-40B4-BE49-F238E27FC236}">
-                <a16:creationId xmlns:a16="http://schemas.microsoft.com/office/drawing/2014/main" id="{37AB211C-9E33-C8C8-768F-5A91E3771419}"/>
+                <a16:creationId xmlns:a16="http://schemas.microsoft.com/office/drawing/2014/main" xmlns="" id="{37AB211C-9E33-C8C8-768F-5A91E3771419}"/>
               </a:ext>
             </a:extLst>
           </p:cNvPr>
@@ -29471,7 +29492,7 @@
           <p:cNvPr id="2" name="TextBox 1">
             <a:extLst>
               <a:ext uri="{FF2B5EF4-FFF2-40B4-BE49-F238E27FC236}">
-                <a16:creationId xmlns:a16="http://schemas.microsoft.com/office/drawing/2014/main" id="{45626DF6-4D60-D01F-B729-AC74ED594DFD}"/>
+                <a16:creationId xmlns:a16="http://schemas.microsoft.com/office/drawing/2014/main" xmlns="" id="{45626DF6-4D60-D01F-B729-AC74ED594DFD}"/>
               </a:ext>
             </a:extLst>
           </p:cNvPr>
@@ -29542,7 +29563,7 @@
           <p:cNvPr id="3" name="직선 연결선 2">
             <a:extLst>
               <a:ext uri="{FF2B5EF4-FFF2-40B4-BE49-F238E27FC236}">
-                <a16:creationId xmlns:a16="http://schemas.microsoft.com/office/drawing/2014/main" id="{710A272C-468B-564A-339C-07D62CD7A7C8}"/>
+                <a16:creationId xmlns:a16="http://schemas.microsoft.com/office/drawing/2014/main" xmlns="" id="{710A272C-468B-564A-339C-07D62CD7A7C8}"/>
               </a:ext>
             </a:extLst>
           </p:cNvPr>
@@ -29585,7 +29606,7 @@
           <p:cNvPr id="6" name="직사각형 5">
             <a:extLst>
               <a:ext uri="{FF2B5EF4-FFF2-40B4-BE49-F238E27FC236}">
-                <a16:creationId xmlns:a16="http://schemas.microsoft.com/office/drawing/2014/main" id="{992B56CF-2CBB-10B5-4B37-3E5BD1939D1B}"/>
+                <a16:creationId xmlns:a16="http://schemas.microsoft.com/office/drawing/2014/main" xmlns="" id="{992B56CF-2CBB-10B5-4B37-3E5BD1939D1B}"/>
               </a:ext>
             </a:extLst>
           </p:cNvPr>
@@ -30011,7 +30032,7 @@
           <p:cNvPr id="2" name="TextBox 1">
             <a:extLst>
               <a:ext uri="{FF2B5EF4-FFF2-40B4-BE49-F238E27FC236}">
-                <a16:creationId xmlns:a16="http://schemas.microsoft.com/office/drawing/2014/main" id="{715D88A2-BD52-978B-A00A-540446126E3D}"/>
+                <a16:creationId xmlns:a16="http://schemas.microsoft.com/office/drawing/2014/main" xmlns="" id="{715D88A2-BD52-978B-A00A-540446126E3D}"/>
               </a:ext>
             </a:extLst>
           </p:cNvPr>
@@ -30084,7 +30105,7 @@
           <p:cNvPr id="5" name="그림 4">
             <a:extLst>
               <a:ext uri="{FF2B5EF4-FFF2-40B4-BE49-F238E27FC236}">
-                <a16:creationId xmlns:a16="http://schemas.microsoft.com/office/drawing/2014/main" id="{3D1A71B3-9CE1-271D-273B-DA9599A91CD8}"/>
+                <a16:creationId xmlns:a16="http://schemas.microsoft.com/office/drawing/2014/main" xmlns="" id="{3D1A71B3-9CE1-271D-273B-DA9599A91CD8}"/>
               </a:ext>
             </a:extLst>
           </p:cNvPr>
@@ -30114,7 +30135,7 @@
           <p:cNvPr id="6" name="직선 화살표 연결선 5">
             <a:extLst>
               <a:ext uri="{FF2B5EF4-FFF2-40B4-BE49-F238E27FC236}">
-                <a16:creationId xmlns:a16="http://schemas.microsoft.com/office/drawing/2014/main" id="{D73E2532-2EA4-9763-14E7-93B53391B007}"/>
+                <a16:creationId xmlns:a16="http://schemas.microsoft.com/office/drawing/2014/main" xmlns="" id="{D73E2532-2EA4-9763-14E7-93B53391B007}"/>
               </a:ext>
             </a:extLst>
           </p:cNvPr>
@@ -30155,7 +30176,7 @@
           <p:cNvPr id="7" name="직사각형 6">
             <a:extLst>
               <a:ext uri="{FF2B5EF4-FFF2-40B4-BE49-F238E27FC236}">
-                <a16:creationId xmlns:a16="http://schemas.microsoft.com/office/drawing/2014/main" id="{2D0867D1-5270-6EDD-A0ED-296F486F1620}"/>
+                <a16:creationId xmlns:a16="http://schemas.microsoft.com/office/drawing/2014/main" xmlns="" id="{2D0867D1-5270-6EDD-A0ED-296F486F1620}"/>
               </a:ext>
             </a:extLst>
           </p:cNvPr>
@@ -30207,7 +30228,7 @@
           <p:cNvPr id="8" name="TextBox 7">
             <a:extLst>
               <a:ext uri="{FF2B5EF4-FFF2-40B4-BE49-F238E27FC236}">
-                <a16:creationId xmlns:a16="http://schemas.microsoft.com/office/drawing/2014/main" id="{51BDE778-CD37-7ADC-9099-E02B93FE9F43}"/>
+                <a16:creationId xmlns:a16="http://schemas.microsoft.com/office/drawing/2014/main" xmlns="" id="{51BDE778-CD37-7ADC-9099-E02B93FE9F43}"/>
               </a:ext>
             </a:extLst>
           </p:cNvPr>
@@ -30352,7 +30373,7 @@
           <p:cNvPr id="5" name="직선 화살표 연결선 4">
             <a:extLst>
               <a:ext uri="{FF2B5EF4-FFF2-40B4-BE49-F238E27FC236}">
-                <a16:creationId xmlns:a16="http://schemas.microsoft.com/office/drawing/2014/main" id="{299DF5EC-9DF4-5255-06AC-0A7CE4FF58C3}"/>
+                <a16:creationId xmlns:a16="http://schemas.microsoft.com/office/drawing/2014/main" xmlns="" id="{299DF5EC-9DF4-5255-06AC-0A7CE4FF58C3}"/>
               </a:ext>
             </a:extLst>
           </p:cNvPr>
@@ -30393,7 +30414,7 @@
           <p:cNvPr id="7" name="TextBox 6">
             <a:extLst>
               <a:ext uri="{FF2B5EF4-FFF2-40B4-BE49-F238E27FC236}">
-                <a16:creationId xmlns:a16="http://schemas.microsoft.com/office/drawing/2014/main" id="{C6D113C6-EA5C-788F-0C77-E7CE6EBB865F}"/>
+                <a16:creationId xmlns:a16="http://schemas.microsoft.com/office/drawing/2014/main" xmlns="" id="{C6D113C6-EA5C-788F-0C77-E7CE6EBB865F}"/>
               </a:ext>
             </a:extLst>
           </p:cNvPr>
@@ -30494,7 +30515,7 @@
           <p:cNvPr id="2" name="직선 연결선 1">
             <a:extLst>
               <a:ext uri="{FF2B5EF4-FFF2-40B4-BE49-F238E27FC236}">
-                <a16:creationId xmlns:a16="http://schemas.microsoft.com/office/drawing/2014/main" id="{0796EB99-FF22-7C19-86AA-57007467D8A4}"/>
+                <a16:creationId xmlns:a16="http://schemas.microsoft.com/office/drawing/2014/main" xmlns="" id="{0796EB99-FF22-7C19-86AA-57007467D8A4}"/>
               </a:ext>
             </a:extLst>
           </p:cNvPr>
@@ -30537,7 +30558,7 @@
           <p:cNvPr id="3" name="TextBox 2">
             <a:extLst>
               <a:ext uri="{FF2B5EF4-FFF2-40B4-BE49-F238E27FC236}">
-                <a16:creationId xmlns:a16="http://schemas.microsoft.com/office/drawing/2014/main" id="{9FD01A94-E90D-BCFB-801E-E9984DC0B5E9}"/>
+                <a16:creationId xmlns:a16="http://schemas.microsoft.com/office/drawing/2014/main" xmlns="" id="{9FD01A94-E90D-BCFB-801E-E9984DC0B5E9}"/>
               </a:ext>
             </a:extLst>
           </p:cNvPr>
@@ -30697,7 +30718,7 @@
           <p:cNvPr id="8" name="직선 화살표 연결선 7">
             <a:extLst>
               <a:ext uri="{FF2B5EF4-FFF2-40B4-BE49-F238E27FC236}">
-                <a16:creationId xmlns:a16="http://schemas.microsoft.com/office/drawing/2014/main" id="{299DF5EC-9DF4-5255-06AC-0A7CE4FF58C3}"/>
+                <a16:creationId xmlns:a16="http://schemas.microsoft.com/office/drawing/2014/main" xmlns="" id="{299DF5EC-9DF4-5255-06AC-0A7CE4FF58C3}"/>
               </a:ext>
             </a:extLst>
           </p:cNvPr>
@@ -30739,7 +30760,7 @@
           <p:cNvPr id="9" name="TextBox 8">
             <a:extLst>
               <a:ext uri="{FF2B5EF4-FFF2-40B4-BE49-F238E27FC236}">
-                <a16:creationId xmlns:a16="http://schemas.microsoft.com/office/drawing/2014/main" id="{C6D113C6-EA5C-788F-0C77-E7CE6EBB865F}"/>
+                <a16:creationId xmlns:a16="http://schemas.microsoft.com/office/drawing/2014/main" xmlns="" id="{C6D113C6-EA5C-788F-0C77-E7CE6EBB865F}"/>
               </a:ext>
             </a:extLst>
           </p:cNvPr>
@@ -30790,7 +30811,7 @@
           <p:cNvPr id="11" name="TextBox 10">
             <a:extLst>
               <a:ext uri="{FF2B5EF4-FFF2-40B4-BE49-F238E27FC236}">
-                <a16:creationId xmlns:a16="http://schemas.microsoft.com/office/drawing/2014/main" id="{C6D113C6-EA5C-788F-0C77-E7CE6EBB865F}"/>
+                <a16:creationId xmlns:a16="http://schemas.microsoft.com/office/drawing/2014/main" xmlns="" id="{C6D113C6-EA5C-788F-0C77-E7CE6EBB865F}"/>
               </a:ext>
             </a:extLst>
           </p:cNvPr>
@@ -30871,7 +30892,7 @@
           <p:cNvPr id="12" name="TextBox 11">
             <a:extLst>
               <a:ext uri="{FF2B5EF4-FFF2-40B4-BE49-F238E27FC236}">
-                <a16:creationId xmlns:a16="http://schemas.microsoft.com/office/drawing/2014/main" id="{C6D113C6-EA5C-788F-0C77-E7CE6EBB865F}"/>
+                <a16:creationId xmlns:a16="http://schemas.microsoft.com/office/drawing/2014/main" xmlns="" id="{C6D113C6-EA5C-788F-0C77-E7CE6EBB865F}"/>
               </a:ext>
             </a:extLst>
           </p:cNvPr>
@@ -31006,7 +31027,7 @@
           <p:cNvPr id="16" name="TextBox 15">
             <a:extLst>
               <a:ext uri="{FF2B5EF4-FFF2-40B4-BE49-F238E27FC236}">
-                <a16:creationId xmlns:a16="http://schemas.microsoft.com/office/drawing/2014/main" id="{C6D113C6-EA5C-788F-0C77-E7CE6EBB865F}"/>
+                <a16:creationId xmlns:a16="http://schemas.microsoft.com/office/drawing/2014/main" xmlns="" id="{C6D113C6-EA5C-788F-0C77-E7CE6EBB865F}"/>
               </a:ext>
             </a:extLst>
           </p:cNvPr>
@@ -31077,7 +31098,7 @@
           <p:cNvPr id="2" name="직선 연결선 1">
             <a:extLst>
               <a:ext uri="{FF2B5EF4-FFF2-40B4-BE49-F238E27FC236}">
-                <a16:creationId xmlns:a16="http://schemas.microsoft.com/office/drawing/2014/main" id="{1806D9B9-92DA-D426-8E9D-89607C6B8585}"/>
+                <a16:creationId xmlns:a16="http://schemas.microsoft.com/office/drawing/2014/main" xmlns="" id="{1806D9B9-92DA-D426-8E9D-89607C6B8585}"/>
               </a:ext>
             </a:extLst>
           </p:cNvPr>
@@ -31120,7 +31141,7 @@
           <p:cNvPr id="3" name="TextBox 2">
             <a:extLst>
               <a:ext uri="{FF2B5EF4-FFF2-40B4-BE49-F238E27FC236}">
-                <a16:creationId xmlns:a16="http://schemas.microsoft.com/office/drawing/2014/main" id="{19B44C69-42C8-CE39-5261-E18616EFF7AC}"/>
+                <a16:creationId xmlns:a16="http://schemas.microsoft.com/office/drawing/2014/main" xmlns="" id="{19B44C69-42C8-CE39-5261-E18616EFF7AC}"/>
               </a:ext>
             </a:extLst>
           </p:cNvPr>
@@ -31583,7 +31604,7 @@
           <p:cNvPr id="5" name="TextBox 4">
             <a:extLst>
               <a:ext uri="{FF2B5EF4-FFF2-40B4-BE49-F238E27FC236}">
-                <a16:creationId xmlns:a16="http://schemas.microsoft.com/office/drawing/2014/main" id="{C6D113C6-EA5C-788F-0C77-E7CE6EBB865F}"/>
+                <a16:creationId xmlns:a16="http://schemas.microsoft.com/office/drawing/2014/main" xmlns="" id="{C6D113C6-EA5C-788F-0C77-E7CE6EBB865F}"/>
               </a:ext>
             </a:extLst>
           </p:cNvPr>
@@ -31664,7 +31685,7 @@
           <p:cNvPr id="6" name="직사각형 5">
             <a:extLst>
               <a:ext uri="{FF2B5EF4-FFF2-40B4-BE49-F238E27FC236}">
-                <a16:creationId xmlns:a16="http://schemas.microsoft.com/office/drawing/2014/main" id="{FFF506F9-840A-0508-4CAF-3AC711D8D5CE}"/>
+                <a16:creationId xmlns:a16="http://schemas.microsoft.com/office/drawing/2014/main" xmlns="" id="{FFF506F9-840A-0508-4CAF-3AC711D8D5CE}"/>
               </a:ext>
             </a:extLst>
           </p:cNvPr>
@@ -31716,7 +31737,7 @@
           <p:cNvPr id="7" name="직선 화살표 연결선 6">
             <a:extLst>
               <a:ext uri="{FF2B5EF4-FFF2-40B4-BE49-F238E27FC236}">
-                <a16:creationId xmlns:a16="http://schemas.microsoft.com/office/drawing/2014/main" id="{299DF5EC-9DF4-5255-06AC-0A7CE4FF58C3}"/>
+                <a16:creationId xmlns:a16="http://schemas.microsoft.com/office/drawing/2014/main" xmlns="" id="{299DF5EC-9DF4-5255-06AC-0A7CE4FF58C3}"/>
               </a:ext>
             </a:extLst>
           </p:cNvPr>
